--- a/presentations/state-of-the-art.pptx
+++ b/presentations/state-of-the-art.pptx
@@ -6537,7 +6537,7 @@
               <a:pPr>
                 <a:defRPr/>
               </a:pPr>
-              <a:t>08.12.2017</a:t>
+              <a:t>09.12.2017</a:t>
             </a:fld>
             <a:endParaRPr lang="de-DE" sz="1000" dirty="0">
               <a:latin typeface="Arial" pitchFamily="34" charset="0"/>
@@ -7200,6 +7200,13 @@
   <p:clrMapOvr>
     <a:masterClrMapping/>
   </p:clrMapOvr>
+  <p:timing>
+    <p:tnLst>
+      <p:par>
+        <p:cTn id="1" dur="indefinite" restart="never" nodeType="tmRoot"/>
+      </p:par>
+    </p:tnLst>
+  </p:timing>
 </p:sld>
 </file>
 
@@ -7414,7 +7421,7 @@
           <p:cNvPr id="34" name="Gruppieren 21">
             <a:extLst>
               <a:ext uri="{FF2B5EF4-FFF2-40B4-BE49-F238E27FC236}">
-                <a16:creationId xmlns:a16="http://schemas.microsoft.com/office/drawing/2014/main" id="{BCC0948F-C1E3-4907-854B-A0721D1FDACC}"/>
+                <a16:creationId xmlns:a16="http://schemas.microsoft.com/office/drawing/2014/main" xmlns="" id="{BCC0948F-C1E3-4907-854B-A0721D1FDACC}"/>
               </a:ext>
             </a:extLst>
           </p:cNvPr>
@@ -7434,7 +7441,7 @@
             <p:cNvPr id="36" name="Textfeld 13">
               <a:extLst>
                 <a:ext uri="{FF2B5EF4-FFF2-40B4-BE49-F238E27FC236}">
-                  <a16:creationId xmlns:a16="http://schemas.microsoft.com/office/drawing/2014/main" id="{425AEF1D-6595-4E36-A5D4-5F32C0012763}"/>
+                  <a16:creationId xmlns:a16="http://schemas.microsoft.com/office/drawing/2014/main" xmlns="" id="{425AEF1D-6595-4E36-A5D4-5F32C0012763}"/>
                 </a:ext>
               </a:extLst>
             </p:cNvPr>
@@ -7486,7 +7493,7 @@
             <p:cNvPr id="37" name="Textfeld 14">
               <a:extLst>
                 <a:ext uri="{FF2B5EF4-FFF2-40B4-BE49-F238E27FC236}">
-                  <a16:creationId xmlns:a16="http://schemas.microsoft.com/office/drawing/2014/main" id="{E17B1092-F415-4AFD-8E3C-B451331B74FB}"/>
+                  <a16:creationId xmlns:a16="http://schemas.microsoft.com/office/drawing/2014/main" xmlns="" id="{E17B1092-F415-4AFD-8E3C-B451331B74FB}"/>
                 </a:ext>
               </a:extLst>
             </p:cNvPr>
@@ -7538,7 +7545,7 @@
             <p:cNvPr id="63" name="Textfeld 62">
               <a:extLst>
                 <a:ext uri="{FF2B5EF4-FFF2-40B4-BE49-F238E27FC236}">
-                  <a16:creationId xmlns:a16="http://schemas.microsoft.com/office/drawing/2014/main" id="{82ABF473-AD17-4ED8-AB87-CC275185AE43}"/>
+                  <a16:creationId xmlns:a16="http://schemas.microsoft.com/office/drawing/2014/main" xmlns="" id="{82ABF473-AD17-4ED8-AB87-CC275185AE43}"/>
                 </a:ext>
               </a:extLst>
             </p:cNvPr>
@@ -7590,7 +7597,7 @@
             <p:cNvPr id="64" name="Textfeld 63">
               <a:extLst>
                 <a:ext uri="{FF2B5EF4-FFF2-40B4-BE49-F238E27FC236}">
-                  <a16:creationId xmlns:a16="http://schemas.microsoft.com/office/drawing/2014/main" id="{3841D7B1-EF8D-476C-85AC-C17E649EE1A9}"/>
+                  <a16:creationId xmlns:a16="http://schemas.microsoft.com/office/drawing/2014/main" xmlns="" id="{3841D7B1-EF8D-476C-85AC-C17E649EE1A9}"/>
                 </a:ext>
               </a:extLst>
             </p:cNvPr>
@@ -7642,7 +7649,7 @@
             <p:cNvPr id="65" name="Textfeld 64">
               <a:extLst>
                 <a:ext uri="{FF2B5EF4-FFF2-40B4-BE49-F238E27FC236}">
-                  <a16:creationId xmlns:a16="http://schemas.microsoft.com/office/drawing/2014/main" id="{0DF05AE7-97F5-4E02-9206-C6B40B968DFA}"/>
+                  <a16:creationId xmlns:a16="http://schemas.microsoft.com/office/drawing/2014/main" xmlns="" id="{0DF05AE7-97F5-4E02-9206-C6B40B968DFA}"/>
                 </a:ext>
               </a:extLst>
             </p:cNvPr>
@@ -7694,7 +7701,7 @@
             <p:cNvPr id="66" name="Eingekerbter Richtungspfeil 23">
               <a:extLst>
                 <a:ext uri="{FF2B5EF4-FFF2-40B4-BE49-F238E27FC236}">
-                  <a16:creationId xmlns:a16="http://schemas.microsoft.com/office/drawing/2014/main" id="{C358C398-D0F2-4ECA-8BF9-29E733DFE60D}"/>
+                  <a16:creationId xmlns:a16="http://schemas.microsoft.com/office/drawing/2014/main" xmlns="" id="{C358C398-D0F2-4ECA-8BF9-29E733DFE60D}"/>
                 </a:ext>
               </a:extLst>
             </p:cNvPr>
@@ -7742,7 +7749,7 @@
             <p:cNvPr id="67" name="Eingekerbter Richtungspfeil 24">
               <a:extLst>
                 <a:ext uri="{FF2B5EF4-FFF2-40B4-BE49-F238E27FC236}">
-                  <a16:creationId xmlns:a16="http://schemas.microsoft.com/office/drawing/2014/main" id="{3FEDA7B1-0BEF-47B2-90E9-8E698F727222}"/>
+                  <a16:creationId xmlns:a16="http://schemas.microsoft.com/office/drawing/2014/main" xmlns="" id="{3FEDA7B1-0BEF-47B2-90E9-8E698F727222}"/>
                 </a:ext>
               </a:extLst>
             </p:cNvPr>
@@ -7790,7 +7797,7 @@
             <p:cNvPr id="68" name="Eingekerbter Richtungspfeil 25">
               <a:extLst>
                 <a:ext uri="{FF2B5EF4-FFF2-40B4-BE49-F238E27FC236}">
-                  <a16:creationId xmlns:a16="http://schemas.microsoft.com/office/drawing/2014/main" id="{2EBD9B49-A90C-436A-BBEF-D89DD2237ECF}"/>
+                  <a16:creationId xmlns:a16="http://schemas.microsoft.com/office/drawing/2014/main" xmlns="" id="{2EBD9B49-A90C-436A-BBEF-D89DD2237ECF}"/>
                 </a:ext>
               </a:extLst>
             </p:cNvPr>
@@ -7838,7 +7845,7 @@
             <p:cNvPr id="69" name="Textfeld 68">
               <a:extLst>
                 <a:ext uri="{FF2B5EF4-FFF2-40B4-BE49-F238E27FC236}">
-                  <a16:creationId xmlns:a16="http://schemas.microsoft.com/office/drawing/2014/main" id="{FEADCC60-4D09-4A31-9D0C-841AD6049BF2}"/>
+                  <a16:creationId xmlns:a16="http://schemas.microsoft.com/office/drawing/2014/main" xmlns="" id="{FEADCC60-4D09-4A31-9D0C-841AD6049BF2}"/>
                 </a:ext>
               </a:extLst>
             </p:cNvPr>
@@ -7894,7 +7901,7 @@
             <p:cNvPr id="70" name="Eingekerbter Richtungspfeil 27">
               <a:extLst>
                 <a:ext uri="{FF2B5EF4-FFF2-40B4-BE49-F238E27FC236}">
-                  <a16:creationId xmlns:a16="http://schemas.microsoft.com/office/drawing/2014/main" id="{27C55872-CAEB-4515-A4E7-546FDB1EEA34}"/>
+                  <a16:creationId xmlns:a16="http://schemas.microsoft.com/office/drawing/2014/main" xmlns="" id="{27C55872-CAEB-4515-A4E7-546FDB1EEA34}"/>
                 </a:ext>
               </a:extLst>
             </p:cNvPr>
@@ -7942,7 +7949,7 @@
             <p:cNvPr id="71" name="Gerade Verbindung 28">
               <a:extLst>
                 <a:ext uri="{FF2B5EF4-FFF2-40B4-BE49-F238E27FC236}">
-                  <a16:creationId xmlns:a16="http://schemas.microsoft.com/office/drawing/2014/main" id="{F1621AAB-A494-467F-9704-6039B7079C13}"/>
+                  <a16:creationId xmlns:a16="http://schemas.microsoft.com/office/drawing/2014/main" xmlns="" id="{F1621AAB-A494-467F-9704-6039B7079C13}"/>
                 </a:ext>
               </a:extLst>
             </p:cNvPr>
@@ -7985,7 +7992,7 @@
             <p:cNvPr id="72" name="Eingekerbter Richtungspfeil 29">
               <a:extLst>
                 <a:ext uri="{FF2B5EF4-FFF2-40B4-BE49-F238E27FC236}">
-                  <a16:creationId xmlns:a16="http://schemas.microsoft.com/office/drawing/2014/main" id="{161DC914-F8DD-4B71-B246-9791D85E6154}"/>
+                  <a16:creationId xmlns:a16="http://schemas.microsoft.com/office/drawing/2014/main" xmlns="" id="{161DC914-F8DD-4B71-B246-9791D85E6154}"/>
                 </a:ext>
               </a:extLst>
             </p:cNvPr>
@@ -8039,6 +8046,13 @@
   <p:clrMapOvr>
     <a:masterClrMapping/>
   </p:clrMapOvr>
+  <p:timing>
+    <p:tnLst>
+      <p:par>
+        <p:cTn id="1" dur="indefinite" restart="never" nodeType="tmRoot"/>
+      </p:par>
+    </p:tnLst>
+  </p:timing>
 </p:sld>
 </file>
 
@@ -8123,6 +8137,11 @@
               <a:rPr lang="de-DE" dirty="0"/>
               <a:t>Kein Hinweis auf ähnlich große Grid oder Cloud Simulation gefunden -&gt; wird zeigen ob Simulatoren dafür </a:t>
             </a:r>
+            <a:r>
+              <a:rPr lang="de-DE" dirty="0" smtClean="0"/>
+              <a:t>geeignet</a:t>
+            </a:r>
+            <a:endParaRPr lang="de-DE" dirty="0"/>
           </a:p>
         </p:txBody>
       </p:sp>
@@ -8166,7 +8185,7 @@
           <p:cNvPr id="34" name="Gruppieren 21">
             <a:extLst>
               <a:ext uri="{FF2B5EF4-FFF2-40B4-BE49-F238E27FC236}">
-                <a16:creationId xmlns:a16="http://schemas.microsoft.com/office/drawing/2014/main" id="{BCC0948F-C1E3-4907-854B-A0721D1FDACC}"/>
+                <a16:creationId xmlns:a16="http://schemas.microsoft.com/office/drawing/2014/main" xmlns="" id="{BCC0948F-C1E3-4907-854B-A0721D1FDACC}"/>
               </a:ext>
             </a:extLst>
           </p:cNvPr>
@@ -8186,7 +8205,7 @@
             <p:cNvPr id="36" name="Textfeld 13">
               <a:extLst>
                 <a:ext uri="{FF2B5EF4-FFF2-40B4-BE49-F238E27FC236}">
-                  <a16:creationId xmlns:a16="http://schemas.microsoft.com/office/drawing/2014/main" id="{425AEF1D-6595-4E36-A5D4-5F32C0012763}"/>
+                  <a16:creationId xmlns:a16="http://schemas.microsoft.com/office/drawing/2014/main" xmlns="" id="{425AEF1D-6595-4E36-A5D4-5F32C0012763}"/>
                 </a:ext>
               </a:extLst>
             </p:cNvPr>
@@ -8238,7 +8257,7 @@
             <p:cNvPr id="63" name="Textfeld 62">
               <a:extLst>
                 <a:ext uri="{FF2B5EF4-FFF2-40B4-BE49-F238E27FC236}">
-                  <a16:creationId xmlns:a16="http://schemas.microsoft.com/office/drawing/2014/main" id="{82ABF473-AD17-4ED8-AB87-CC275185AE43}"/>
+                  <a16:creationId xmlns:a16="http://schemas.microsoft.com/office/drawing/2014/main" xmlns="" id="{82ABF473-AD17-4ED8-AB87-CC275185AE43}"/>
                 </a:ext>
               </a:extLst>
             </p:cNvPr>
@@ -8290,7 +8309,7 @@
             <p:cNvPr id="64" name="Textfeld 63">
               <a:extLst>
                 <a:ext uri="{FF2B5EF4-FFF2-40B4-BE49-F238E27FC236}">
-                  <a16:creationId xmlns:a16="http://schemas.microsoft.com/office/drawing/2014/main" id="{3841D7B1-EF8D-476C-85AC-C17E649EE1A9}"/>
+                  <a16:creationId xmlns:a16="http://schemas.microsoft.com/office/drawing/2014/main" xmlns="" id="{3841D7B1-EF8D-476C-85AC-C17E649EE1A9}"/>
                 </a:ext>
               </a:extLst>
             </p:cNvPr>
@@ -8342,7 +8361,7 @@
             <p:cNvPr id="65" name="Textfeld 64">
               <a:extLst>
                 <a:ext uri="{FF2B5EF4-FFF2-40B4-BE49-F238E27FC236}">
-                  <a16:creationId xmlns:a16="http://schemas.microsoft.com/office/drawing/2014/main" id="{0DF05AE7-97F5-4E02-9206-C6B40B968DFA}"/>
+                  <a16:creationId xmlns:a16="http://schemas.microsoft.com/office/drawing/2014/main" xmlns="" id="{0DF05AE7-97F5-4E02-9206-C6B40B968DFA}"/>
                 </a:ext>
               </a:extLst>
             </p:cNvPr>
@@ -8394,7 +8413,7 @@
             <p:cNvPr id="66" name="Eingekerbter Richtungspfeil 23">
               <a:extLst>
                 <a:ext uri="{FF2B5EF4-FFF2-40B4-BE49-F238E27FC236}">
-                  <a16:creationId xmlns:a16="http://schemas.microsoft.com/office/drawing/2014/main" id="{C358C398-D0F2-4ECA-8BF9-29E733DFE60D}"/>
+                  <a16:creationId xmlns:a16="http://schemas.microsoft.com/office/drawing/2014/main" xmlns="" id="{C358C398-D0F2-4ECA-8BF9-29E733DFE60D}"/>
                 </a:ext>
               </a:extLst>
             </p:cNvPr>
@@ -8442,7 +8461,7 @@
             <p:cNvPr id="67" name="Eingekerbter Richtungspfeil 24">
               <a:extLst>
                 <a:ext uri="{FF2B5EF4-FFF2-40B4-BE49-F238E27FC236}">
-                  <a16:creationId xmlns:a16="http://schemas.microsoft.com/office/drawing/2014/main" id="{3FEDA7B1-0BEF-47B2-90E9-8E698F727222}"/>
+                  <a16:creationId xmlns:a16="http://schemas.microsoft.com/office/drawing/2014/main" xmlns="" id="{3FEDA7B1-0BEF-47B2-90E9-8E698F727222}"/>
                 </a:ext>
               </a:extLst>
             </p:cNvPr>
@@ -8490,7 +8509,7 @@
             <p:cNvPr id="68" name="Eingekerbter Richtungspfeil 25">
               <a:extLst>
                 <a:ext uri="{FF2B5EF4-FFF2-40B4-BE49-F238E27FC236}">
-                  <a16:creationId xmlns:a16="http://schemas.microsoft.com/office/drawing/2014/main" id="{2EBD9B49-A90C-436A-BBEF-D89DD2237ECF}"/>
+                  <a16:creationId xmlns:a16="http://schemas.microsoft.com/office/drawing/2014/main" xmlns="" id="{2EBD9B49-A90C-436A-BBEF-D89DD2237ECF}"/>
                 </a:ext>
               </a:extLst>
             </p:cNvPr>
@@ -8538,7 +8557,7 @@
             <p:cNvPr id="70" name="Eingekerbter Richtungspfeil 27">
               <a:extLst>
                 <a:ext uri="{FF2B5EF4-FFF2-40B4-BE49-F238E27FC236}">
-                  <a16:creationId xmlns:a16="http://schemas.microsoft.com/office/drawing/2014/main" id="{27C55872-CAEB-4515-A4E7-546FDB1EEA34}"/>
+                  <a16:creationId xmlns:a16="http://schemas.microsoft.com/office/drawing/2014/main" xmlns="" id="{27C55872-CAEB-4515-A4E7-546FDB1EEA34}"/>
                 </a:ext>
               </a:extLst>
             </p:cNvPr>
@@ -8586,7 +8605,7 @@
             <p:cNvPr id="71" name="Gerade Verbindung 28">
               <a:extLst>
                 <a:ext uri="{FF2B5EF4-FFF2-40B4-BE49-F238E27FC236}">
-                  <a16:creationId xmlns:a16="http://schemas.microsoft.com/office/drawing/2014/main" id="{F1621AAB-A494-467F-9704-6039B7079C13}"/>
+                  <a16:creationId xmlns:a16="http://schemas.microsoft.com/office/drawing/2014/main" xmlns="" id="{F1621AAB-A494-467F-9704-6039B7079C13}"/>
                 </a:ext>
               </a:extLst>
             </p:cNvPr>
@@ -8635,6 +8654,13 @@
   <p:clrMapOvr>
     <a:masterClrMapping/>
   </p:clrMapOvr>
+  <p:timing>
+    <p:tnLst>
+      <p:par>
+        <p:cTn id="1" dur="indefinite" restart="never" nodeType="tmRoot"/>
+      </p:par>
+    </p:tnLst>
+  </p:timing>
 </p:sld>
 </file>
 
@@ -8996,6 +9022,13 @@
   <p:clrMapOvr>
     <a:masterClrMapping/>
   </p:clrMapOvr>
+  <p:timing>
+    <p:tnLst>
+      <p:par>
+        <p:cTn id="1" dur="indefinite" restart="never" nodeType="tmRoot"/>
+      </p:par>
+    </p:tnLst>
+  </p:timing>
 </p:sld>
 </file>
 
@@ -9850,7 +9883,7 @@
           <p:cNvPr id="34" name="Gruppieren 21">
             <a:extLst>
               <a:ext uri="{FF2B5EF4-FFF2-40B4-BE49-F238E27FC236}">
-                <a16:creationId xmlns:a16="http://schemas.microsoft.com/office/drawing/2014/main" id="{BCC0948F-C1E3-4907-854B-A0721D1FDACC}"/>
+                <a16:creationId xmlns:a16="http://schemas.microsoft.com/office/drawing/2014/main" xmlns="" id="{BCC0948F-C1E3-4907-854B-A0721D1FDACC}"/>
               </a:ext>
             </a:extLst>
           </p:cNvPr>
@@ -9870,7 +9903,7 @@
             <p:cNvPr id="36" name="Textfeld 13">
               <a:extLst>
                 <a:ext uri="{FF2B5EF4-FFF2-40B4-BE49-F238E27FC236}">
-                  <a16:creationId xmlns:a16="http://schemas.microsoft.com/office/drawing/2014/main" id="{425AEF1D-6595-4E36-A5D4-5F32C0012763}"/>
+                  <a16:creationId xmlns:a16="http://schemas.microsoft.com/office/drawing/2014/main" xmlns="" id="{425AEF1D-6595-4E36-A5D4-5F32C0012763}"/>
                 </a:ext>
               </a:extLst>
             </p:cNvPr>
@@ -9922,7 +9955,7 @@
             <p:cNvPr id="63" name="Textfeld 62">
               <a:extLst>
                 <a:ext uri="{FF2B5EF4-FFF2-40B4-BE49-F238E27FC236}">
-                  <a16:creationId xmlns:a16="http://schemas.microsoft.com/office/drawing/2014/main" id="{82ABF473-AD17-4ED8-AB87-CC275185AE43}"/>
+                  <a16:creationId xmlns:a16="http://schemas.microsoft.com/office/drawing/2014/main" xmlns="" id="{82ABF473-AD17-4ED8-AB87-CC275185AE43}"/>
                 </a:ext>
               </a:extLst>
             </p:cNvPr>
@@ -9974,7 +10007,7 @@
             <p:cNvPr id="64" name="Textfeld 63">
               <a:extLst>
                 <a:ext uri="{FF2B5EF4-FFF2-40B4-BE49-F238E27FC236}">
-                  <a16:creationId xmlns:a16="http://schemas.microsoft.com/office/drawing/2014/main" id="{3841D7B1-EF8D-476C-85AC-C17E649EE1A9}"/>
+                  <a16:creationId xmlns:a16="http://schemas.microsoft.com/office/drawing/2014/main" xmlns="" id="{3841D7B1-EF8D-476C-85AC-C17E649EE1A9}"/>
                 </a:ext>
               </a:extLst>
             </p:cNvPr>
@@ -10026,7 +10059,7 @@
             <p:cNvPr id="65" name="Textfeld 64">
               <a:extLst>
                 <a:ext uri="{FF2B5EF4-FFF2-40B4-BE49-F238E27FC236}">
-                  <a16:creationId xmlns:a16="http://schemas.microsoft.com/office/drawing/2014/main" id="{0DF05AE7-97F5-4E02-9206-C6B40B968DFA}"/>
+                  <a16:creationId xmlns:a16="http://schemas.microsoft.com/office/drawing/2014/main" xmlns="" id="{0DF05AE7-97F5-4E02-9206-C6B40B968DFA}"/>
                 </a:ext>
               </a:extLst>
             </p:cNvPr>
@@ -10078,7 +10111,7 @@
             <p:cNvPr id="66" name="Eingekerbter Richtungspfeil 23">
               <a:extLst>
                 <a:ext uri="{FF2B5EF4-FFF2-40B4-BE49-F238E27FC236}">
-                  <a16:creationId xmlns:a16="http://schemas.microsoft.com/office/drawing/2014/main" id="{C358C398-D0F2-4ECA-8BF9-29E733DFE60D}"/>
+                  <a16:creationId xmlns:a16="http://schemas.microsoft.com/office/drawing/2014/main" xmlns="" id="{C358C398-D0F2-4ECA-8BF9-29E733DFE60D}"/>
                 </a:ext>
               </a:extLst>
             </p:cNvPr>
@@ -10126,7 +10159,7 @@
             <p:cNvPr id="67" name="Eingekerbter Richtungspfeil 24">
               <a:extLst>
                 <a:ext uri="{FF2B5EF4-FFF2-40B4-BE49-F238E27FC236}">
-                  <a16:creationId xmlns:a16="http://schemas.microsoft.com/office/drawing/2014/main" id="{3FEDA7B1-0BEF-47B2-90E9-8E698F727222}"/>
+                  <a16:creationId xmlns:a16="http://schemas.microsoft.com/office/drawing/2014/main" xmlns="" id="{3FEDA7B1-0BEF-47B2-90E9-8E698F727222}"/>
                 </a:ext>
               </a:extLst>
             </p:cNvPr>
@@ -10174,7 +10207,7 @@
             <p:cNvPr id="68" name="Eingekerbter Richtungspfeil 25">
               <a:extLst>
                 <a:ext uri="{FF2B5EF4-FFF2-40B4-BE49-F238E27FC236}">
-                  <a16:creationId xmlns:a16="http://schemas.microsoft.com/office/drawing/2014/main" id="{2EBD9B49-A90C-436A-BBEF-D89DD2237ECF}"/>
+                  <a16:creationId xmlns:a16="http://schemas.microsoft.com/office/drawing/2014/main" xmlns="" id="{2EBD9B49-A90C-436A-BBEF-D89DD2237ECF}"/>
                 </a:ext>
               </a:extLst>
             </p:cNvPr>
@@ -10222,7 +10255,7 @@
             <p:cNvPr id="70" name="Eingekerbter Richtungspfeil 27">
               <a:extLst>
                 <a:ext uri="{FF2B5EF4-FFF2-40B4-BE49-F238E27FC236}">
-                  <a16:creationId xmlns:a16="http://schemas.microsoft.com/office/drawing/2014/main" id="{27C55872-CAEB-4515-A4E7-546FDB1EEA34}"/>
+                  <a16:creationId xmlns:a16="http://schemas.microsoft.com/office/drawing/2014/main" xmlns="" id="{27C55872-CAEB-4515-A4E7-546FDB1EEA34}"/>
                 </a:ext>
               </a:extLst>
             </p:cNvPr>
@@ -10270,7 +10303,7 @@
             <p:cNvPr id="71" name="Gerade Verbindung 28">
               <a:extLst>
                 <a:ext uri="{FF2B5EF4-FFF2-40B4-BE49-F238E27FC236}">
-                  <a16:creationId xmlns:a16="http://schemas.microsoft.com/office/drawing/2014/main" id="{F1621AAB-A494-467F-9704-6039B7079C13}"/>
+                  <a16:creationId xmlns:a16="http://schemas.microsoft.com/office/drawing/2014/main" xmlns="" id="{F1621AAB-A494-467F-9704-6039B7079C13}"/>
                 </a:ext>
               </a:extLst>
             </p:cNvPr>
@@ -10454,7 +10487,7 @@
           <p:cNvPr id="34" name="Gruppieren 21">
             <a:extLst>
               <a:ext uri="{FF2B5EF4-FFF2-40B4-BE49-F238E27FC236}">
-                <a16:creationId xmlns:a16="http://schemas.microsoft.com/office/drawing/2014/main" id="{BCC0948F-C1E3-4907-854B-A0721D1FDACC}"/>
+                <a16:creationId xmlns:a16="http://schemas.microsoft.com/office/drawing/2014/main" xmlns="" id="{BCC0948F-C1E3-4907-854B-A0721D1FDACC}"/>
               </a:ext>
             </a:extLst>
           </p:cNvPr>
@@ -10474,7 +10507,7 @@
             <p:cNvPr id="36" name="Textfeld 13">
               <a:extLst>
                 <a:ext uri="{FF2B5EF4-FFF2-40B4-BE49-F238E27FC236}">
-                  <a16:creationId xmlns:a16="http://schemas.microsoft.com/office/drawing/2014/main" id="{425AEF1D-6595-4E36-A5D4-5F32C0012763}"/>
+                  <a16:creationId xmlns:a16="http://schemas.microsoft.com/office/drawing/2014/main" xmlns="" id="{425AEF1D-6595-4E36-A5D4-5F32C0012763}"/>
                 </a:ext>
               </a:extLst>
             </p:cNvPr>
@@ -10526,7 +10559,7 @@
             <p:cNvPr id="37" name="Textfeld 14">
               <a:extLst>
                 <a:ext uri="{FF2B5EF4-FFF2-40B4-BE49-F238E27FC236}">
-                  <a16:creationId xmlns:a16="http://schemas.microsoft.com/office/drawing/2014/main" id="{E17B1092-F415-4AFD-8E3C-B451331B74FB}"/>
+                  <a16:creationId xmlns:a16="http://schemas.microsoft.com/office/drawing/2014/main" xmlns="" id="{E17B1092-F415-4AFD-8E3C-B451331B74FB}"/>
                 </a:ext>
               </a:extLst>
             </p:cNvPr>
@@ -10578,7 +10611,7 @@
             <p:cNvPr id="63" name="Textfeld 62">
               <a:extLst>
                 <a:ext uri="{FF2B5EF4-FFF2-40B4-BE49-F238E27FC236}">
-                  <a16:creationId xmlns:a16="http://schemas.microsoft.com/office/drawing/2014/main" id="{82ABF473-AD17-4ED8-AB87-CC275185AE43}"/>
+                  <a16:creationId xmlns:a16="http://schemas.microsoft.com/office/drawing/2014/main" xmlns="" id="{82ABF473-AD17-4ED8-AB87-CC275185AE43}"/>
                 </a:ext>
               </a:extLst>
             </p:cNvPr>
@@ -10630,7 +10663,7 @@
             <p:cNvPr id="64" name="Textfeld 63">
               <a:extLst>
                 <a:ext uri="{FF2B5EF4-FFF2-40B4-BE49-F238E27FC236}">
-                  <a16:creationId xmlns:a16="http://schemas.microsoft.com/office/drawing/2014/main" id="{3841D7B1-EF8D-476C-85AC-C17E649EE1A9}"/>
+                  <a16:creationId xmlns:a16="http://schemas.microsoft.com/office/drawing/2014/main" xmlns="" id="{3841D7B1-EF8D-476C-85AC-C17E649EE1A9}"/>
                 </a:ext>
               </a:extLst>
             </p:cNvPr>
@@ -10682,7 +10715,7 @@
             <p:cNvPr id="65" name="Textfeld 64">
               <a:extLst>
                 <a:ext uri="{FF2B5EF4-FFF2-40B4-BE49-F238E27FC236}">
-                  <a16:creationId xmlns:a16="http://schemas.microsoft.com/office/drawing/2014/main" id="{0DF05AE7-97F5-4E02-9206-C6B40B968DFA}"/>
+                  <a16:creationId xmlns:a16="http://schemas.microsoft.com/office/drawing/2014/main" xmlns="" id="{0DF05AE7-97F5-4E02-9206-C6B40B968DFA}"/>
                 </a:ext>
               </a:extLst>
             </p:cNvPr>
@@ -10734,7 +10767,7 @@
             <p:cNvPr id="66" name="Eingekerbter Richtungspfeil 23">
               <a:extLst>
                 <a:ext uri="{FF2B5EF4-FFF2-40B4-BE49-F238E27FC236}">
-                  <a16:creationId xmlns:a16="http://schemas.microsoft.com/office/drawing/2014/main" id="{C358C398-D0F2-4ECA-8BF9-29E733DFE60D}"/>
+                  <a16:creationId xmlns:a16="http://schemas.microsoft.com/office/drawing/2014/main" xmlns="" id="{C358C398-D0F2-4ECA-8BF9-29E733DFE60D}"/>
                 </a:ext>
               </a:extLst>
             </p:cNvPr>
@@ -10782,7 +10815,7 @@
             <p:cNvPr id="67" name="Eingekerbter Richtungspfeil 24">
               <a:extLst>
                 <a:ext uri="{FF2B5EF4-FFF2-40B4-BE49-F238E27FC236}">
-                  <a16:creationId xmlns:a16="http://schemas.microsoft.com/office/drawing/2014/main" id="{3FEDA7B1-0BEF-47B2-90E9-8E698F727222}"/>
+                  <a16:creationId xmlns:a16="http://schemas.microsoft.com/office/drawing/2014/main" xmlns="" id="{3FEDA7B1-0BEF-47B2-90E9-8E698F727222}"/>
                 </a:ext>
               </a:extLst>
             </p:cNvPr>
@@ -10830,7 +10863,7 @@
             <p:cNvPr id="68" name="Eingekerbter Richtungspfeil 25">
               <a:extLst>
                 <a:ext uri="{FF2B5EF4-FFF2-40B4-BE49-F238E27FC236}">
-                  <a16:creationId xmlns:a16="http://schemas.microsoft.com/office/drawing/2014/main" id="{2EBD9B49-A90C-436A-BBEF-D89DD2237ECF}"/>
+                  <a16:creationId xmlns:a16="http://schemas.microsoft.com/office/drawing/2014/main" xmlns="" id="{2EBD9B49-A90C-436A-BBEF-D89DD2237ECF}"/>
                 </a:ext>
               </a:extLst>
             </p:cNvPr>
@@ -10878,7 +10911,7 @@
             <p:cNvPr id="69" name="Textfeld 68">
               <a:extLst>
                 <a:ext uri="{FF2B5EF4-FFF2-40B4-BE49-F238E27FC236}">
-                  <a16:creationId xmlns:a16="http://schemas.microsoft.com/office/drawing/2014/main" id="{FEADCC60-4D09-4A31-9D0C-841AD6049BF2}"/>
+                  <a16:creationId xmlns:a16="http://schemas.microsoft.com/office/drawing/2014/main" xmlns="" id="{FEADCC60-4D09-4A31-9D0C-841AD6049BF2}"/>
                 </a:ext>
               </a:extLst>
             </p:cNvPr>
@@ -10934,7 +10967,7 @@
             <p:cNvPr id="70" name="Eingekerbter Richtungspfeil 27">
               <a:extLst>
                 <a:ext uri="{FF2B5EF4-FFF2-40B4-BE49-F238E27FC236}">
-                  <a16:creationId xmlns:a16="http://schemas.microsoft.com/office/drawing/2014/main" id="{27C55872-CAEB-4515-A4E7-546FDB1EEA34}"/>
+                  <a16:creationId xmlns:a16="http://schemas.microsoft.com/office/drawing/2014/main" xmlns="" id="{27C55872-CAEB-4515-A4E7-546FDB1EEA34}"/>
                 </a:ext>
               </a:extLst>
             </p:cNvPr>
@@ -10982,7 +11015,7 @@
             <p:cNvPr id="71" name="Gerade Verbindung 28">
               <a:extLst>
                 <a:ext uri="{FF2B5EF4-FFF2-40B4-BE49-F238E27FC236}">
-                  <a16:creationId xmlns:a16="http://schemas.microsoft.com/office/drawing/2014/main" id="{F1621AAB-A494-467F-9704-6039B7079C13}"/>
+                  <a16:creationId xmlns:a16="http://schemas.microsoft.com/office/drawing/2014/main" xmlns="" id="{F1621AAB-A494-467F-9704-6039B7079C13}"/>
                 </a:ext>
               </a:extLst>
             </p:cNvPr>
@@ -11025,7 +11058,7 @@
             <p:cNvPr id="72" name="Eingekerbter Richtungspfeil 29">
               <a:extLst>
                 <a:ext uri="{FF2B5EF4-FFF2-40B4-BE49-F238E27FC236}">
-                  <a16:creationId xmlns:a16="http://schemas.microsoft.com/office/drawing/2014/main" id="{161DC914-F8DD-4B71-B246-9791D85E6154}"/>
+                  <a16:creationId xmlns:a16="http://schemas.microsoft.com/office/drawing/2014/main" xmlns="" id="{161DC914-F8DD-4B71-B246-9791D85E6154}"/>
                 </a:ext>
               </a:extLst>
             </p:cNvPr>
@@ -11481,7 +11514,7 @@
           <p:cNvPr id="34" name="Gruppieren 21">
             <a:extLst>
               <a:ext uri="{FF2B5EF4-FFF2-40B4-BE49-F238E27FC236}">
-                <a16:creationId xmlns:a16="http://schemas.microsoft.com/office/drawing/2014/main" id="{BCC0948F-C1E3-4907-854B-A0721D1FDACC}"/>
+                <a16:creationId xmlns:a16="http://schemas.microsoft.com/office/drawing/2014/main" xmlns="" id="{BCC0948F-C1E3-4907-854B-A0721D1FDACC}"/>
               </a:ext>
             </a:extLst>
           </p:cNvPr>
@@ -11501,7 +11534,7 @@
             <p:cNvPr id="36" name="Textfeld 13">
               <a:extLst>
                 <a:ext uri="{FF2B5EF4-FFF2-40B4-BE49-F238E27FC236}">
-                  <a16:creationId xmlns:a16="http://schemas.microsoft.com/office/drawing/2014/main" id="{425AEF1D-6595-4E36-A5D4-5F32C0012763}"/>
+                  <a16:creationId xmlns:a16="http://schemas.microsoft.com/office/drawing/2014/main" xmlns="" id="{425AEF1D-6595-4E36-A5D4-5F32C0012763}"/>
                 </a:ext>
               </a:extLst>
             </p:cNvPr>
@@ -11553,7 +11586,7 @@
             <p:cNvPr id="37" name="Textfeld 14">
               <a:extLst>
                 <a:ext uri="{FF2B5EF4-FFF2-40B4-BE49-F238E27FC236}">
-                  <a16:creationId xmlns:a16="http://schemas.microsoft.com/office/drawing/2014/main" id="{E17B1092-F415-4AFD-8E3C-B451331B74FB}"/>
+                  <a16:creationId xmlns:a16="http://schemas.microsoft.com/office/drawing/2014/main" xmlns="" id="{E17B1092-F415-4AFD-8E3C-B451331B74FB}"/>
                 </a:ext>
               </a:extLst>
             </p:cNvPr>
@@ -11605,7 +11638,7 @@
             <p:cNvPr id="63" name="Textfeld 62">
               <a:extLst>
                 <a:ext uri="{FF2B5EF4-FFF2-40B4-BE49-F238E27FC236}">
-                  <a16:creationId xmlns:a16="http://schemas.microsoft.com/office/drawing/2014/main" id="{82ABF473-AD17-4ED8-AB87-CC275185AE43}"/>
+                  <a16:creationId xmlns:a16="http://schemas.microsoft.com/office/drawing/2014/main" xmlns="" id="{82ABF473-AD17-4ED8-AB87-CC275185AE43}"/>
                 </a:ext>
               </a:extLst>
             </p:cNvPr>
@@ -11657,7 +11690,7 @@
             <p:cNvPr id="64" name="Textfeld 63">
               <a:extLst>
                 <a:ext uri="{FF2B5EF4-FFF2-40B4-BE49-F238E27FC236}">
-                  <a16:creationId xmlns:a16="http://schemas.microsoft.com/office/drawing/2014/main" id="{3841D7B1-EF8D-476C-85AC-C17E649EE1A9}"/>
+                  <a16:creationId xmlns:a16="http://schemas.microsoft.com/office/drawing/2014/main" xmlns="" id="{3841D7B1-EF8D-476C-85AC-C17E649EE1A9}"/>
                 </a:ext>
               </a:extLst>
             </p:cNvPr>
@@ -11709,7 +11742,7 @@
             <p:cNvPr id="65" name="Textfeld 64">
               <a:extLst>
                 <a:ext uri="{FF2B5EF4-FFF2-40B4-BE49-F238E27FC236}">
-                  <a16:creationId xmlns:a16="http://schemas.microsoft.com/office/drawing/2014/main" id="{0DF05AE7-97F5-4E02-9206-C6B40B968DFA}"/>
+                  <a16:creationId xmlns:a16="http://schemas.microsoft.com/office/drawing/2014/main" xmlns="" id="{0DF05AE7-97F5-4E02-9206-C6B40B968DFA}"/>
                 </a:ext>
               </a:extLst>
             </p:cNvPr>
@@ -11761,7 +11794,7 @@
             <p:cNvPr id="66" name="Eingekerbter Richtungspfeil 23">
               <a:extLst>
                 <a:ext uri="{FF2B5EF4-FFF2-40B4-BE49-F238E27FC236}">
-                  <a16:creationId xmlns:a16="http://schemas.microsoft.com/office/drawing/2014/main" id="{C358C398-D0F2-4ECA-8BF9-29E733DFE60D}"/>
+                  <a16:creationId xmlns:a16="http://schemas.microsoft.com/office/drawing/2014/main" xmlns="" id="{C358C398-D0F2-4ECA-8BF9-29E733DFE60D}"/>
                 </a:ext>
               </a:extLst>
             </p:cNvPr>
@@ -11809,7 +11842,7 @@
             <p:cNvPr id="67" name="Eingekerbter Richtungspfeil 24">
               <a:extLst>
                 <a:ext uri="{FF2B5EF4-FFF2-40B4-BE49-F238E27FC236}">
-                  <a16:creationId xmlns:a16="http://schemas.microsoft.com/office/drawing/2014/main" id="{3FEDA7B1-0BEF-47B2-90E9-8E698F727222}"/>
+                  <a16:creationId xmlns:a16="http://schemas.microsoft.com/office/drawing/2014/main" xmlns="" id="{3FEDA7B1-0BEF-47B2-90E9-8E698F727222}"/>
                 </a:ext>
               </a:extLst>
             </p:cNvPr>
@@ -11857,7 +11890,7 @@
             <p:cNvPr id="68" name="Eingekerbter Richtungspfeil 25">
               <a:extLst>
                 <a:ext uri="{FF2B5EF4-FFF2-40B4-BE49-F238E27FC236}">
-                  <a16:creationId xmlns:a16="http://schemas.microsoft.com/office/drawing/2014/main" id="{2EBD9B49-A90C-436A-BBEF-D89DD2237ECF}"/>
+                  <a16:creationId xmlns:a16="http://schemas.microsoft.com/office/drawing/2014/main" xmlns="" id="{2EBD9B49-A90C-436A-BBEF-D89DD2237ECF}"/>
                 </a:ext>
               </a:extLst>
             </p:cNvPr>
@@ -11905,7 +11938,7 @@
             <p:cNvPr id="69" name="Textfeld 68">
               <a:extLst>
                 <a:ext uri="{FF2B5EF4-FFF2-40B4-BE49-F238E27FC236}">
-                  <a16:creationId xmlns:a16="http://schemas.microsoft.com/office/drawing/2014/main" id="{FEADCC60-4D09-4A31-9D0C-841AD6049BF2}"/>
+                  <a16:creationId xmlns:a16="http://schemas.microsoft.com/office/drawing/2014/main" xmlns="" id="{FEADCC60-4D09-4A31-9D0C-841AD6049BF2}"/>
                 </a:ext>
               </a:extLst>
             </p:cNvPr>
@@ -11961,7 +11994,7 @@
             <p:cNvPr id="70" name="Eingekerbter Richtungspfeil 27">
               <a:extLst>
                 <a:ext uri="{FF2B5EF4-FFF2-40B4-BE49-F238E27FC236}">
-                  <a16:creationId xmlns:a16="http://schemas.microsoft.com/office/drawing/2014/main" id="{27C55872-CAEB-4515-A4E7-546FDB1EEA34}"/>
+                  <a16:creationId xmlns:a16="http://schemas.microsoft.com/office/drawing/2014/main" xmlns="" id="{27C55872-CAEB-4515-A4E7-546FDB1EEA34}"/>
                 </a:ext>
               </a:extLst>
             </p:cNvPr>
@@ -12009,7 +12042,7 @@
             <p:cNvPr id="71" name="Gerade Verbindung 28">
               <a:extLst>
                 <a:ext uri="{FF2B5EF4-FFF2-40B4-BE49-F238E27FC236}">
-                  <a16:creationId xmlns:a16="http://schemas.microsoft.com/office/drawing/2014/main" id="{F1621AAB-A494-467F-9704-6039B7079C13}"/>
+                  <a16:creationId xmlns:a16="http://schemas.microsoft.com/office/drawing/2014/main" xmlns="" id="{F1621AAB-A494-467F-9704-6039B7079C13}"/>
                 </a:ext>
               </a:extLst>
             </p:cNvPr>
@@ -12052,7 +12085,7 @@
             <p:cNvPr id="72" name="Eingekerbter Richtungspfeil 29">
               <a:extLst>
                 <a:ext uri="{FF2B5EF4-FFF2-40B4-BE49-F238E27FC236}">
-                  <a16:creationId xmlns:a16="http://schemas.microsoft.com/office/drawing/2014/main" id="{161DC914-F8DD-4B71-B246-9791D85E6154}"/>
+                  <a16:creationId xmlns:a16="http://schemas.microsoft.com/office/drawing/2014/main" xmlns="" id="{161DC914-F8DD-4B71-B246-9791D85E6154}"/>
                 </a:ext>
               </a:extLst>
             </p:cNvPr>
@@ -12163,6 +12196,13 @@
   <p:clrMapOvr>
     <a:masterClrMapping/>
   </p:clrMapOvr>
+  <p:timing>
+    <p:tnLst>
+      <p:par>
+        <p:cTn id="1" dur="indefinite" restart="never" nodeType="tmRoot"/>
+      </p:par>
+    </p:tnLst>
+  </p:timing>
 </p:sld>
 </file>
 
@@ -12374,7 +12414,7 @@
           <p:cNvPr id="34" name="Gruppieren 21">
             <a:extLst>
               <a:ext uri="{FF2B5EF4-FFF2-40B4-BE49-F238E27FC236}">
-                <a16:creationId xmlns:a16="http://schemas.microsoft.com/office/drawing/2014/main" id="{BCC0948F-C1E3-4907-854B-A0721D1FDACC}"/>
+                <a16:creationId xmlns:a16="http://schemas.microsoft.com/office/drawing/2014/main" xmlns="" id="{BCC0948F-C1E3-4907-854B-A0721D1FDACC}"/>
               </a:ext>
             </a:extLst>
           </p:cNvPr>
@@ -12394,7 +12434,7 @@
             <p:cNvPr id="36" name="Textfeld 13">
               <a:extLst>
                 <a:ext uri="{FF2B5EF4-FFF2-40B4-BE49-F238E27FC236}">
-                  <a16:creationId xmlns:a16="http://schemas.microsoft.com/office/drawing/2014/main" id="{425AEF1D-6595-4E36-A5D4-5F32C0012763}"/>
+                  <a16:creationId xmlns:a16="http://schemas.microsoft.com/office/drawing/2014/main" xmlns="" id="{425AEF1D-6595-4E36-A5D4-5F32C0012763}"/>
                 </a:ext>
               </a:extLst>
             </p:cNvPr>
@@ -12446,7 +12486,7 @@
             <p:cNvPr id="37" name="Textfeld 14">
               <a:extLst>
                 <a:ext uri="{FF2B5EF4-FFF2-40B4-BE49-F238E27FC236}">
-                  <a16:creationId xmlns:a16="http://schemas.microsoft.com/office/drawing/2014/main" id="{E17B1092-F415-4AFD-8E3C-B451331B74FB}"/>
+                  <a16:creationId xmlns:a16="http://schemas.microsoft.com/office/drawing/2014/main" xmlns="" id="{E17B1092-F415-4AFD-8E3C-B451331B74FB}"/>
                 </a:ext>
               </a:extLst>
             </p:cNvPr>
@@ -12498,7 +12538,7 @@
             <p:cNvPr id="63" name="Textfeld 62">
               <a:extLst>
                 <a:ext uri="{FF2B5EF4-FFF2-40B4-BE49-F238E27FC236}">
-                  <a16:creationId xmlns:a16="http://schemas.microsoft.com/office/drawing/2014/main" id="{82ABF473-AD17-4ED8-AB87-CC275185AE43}"/>
+                  <a16:creationId xmlns:a16="http://schemas.microsoft.com/office/drawing/2014/main" xmlns="" id="{82ABF473-AD17-4ED8-AB87-CC275185AE43}"/>
                 </a:ext>
               </a:extLst>
             </p:cNvPr>
@@ -12550,7 +12590,7 @@
             <p:cNvPr id="64" name="Textfeld 63">
               <a:extLst>
                 <a:ext uri="{FF2B5EF4-FFF2-40B4-BE49-F238E27FC236}">
-                  <a16:creationId xmlns:a16="http://schemas.microsoft.com/office/drawing/2014/main" id="{3841D7B1-EF8D-476C-85AC-C17E649EE1A9}"/>
+                  <a16:creationId xmlns:a16="http://schemas.microsoft.com/office/drawing/2014/main" xmlns="" id="{3841D7B1-EF8D-476C-85AC-C17E649EE1A9}"/>
                 </a:ext>
               </a:extLst>
             </p:cNvPr>
@@ -12602,7 +12642,7 @@
             <p:cNvPr id="65" name="Textfeld 64">
               <a:extLst>
                 <a:ext uri="{FF2B5EF4-FFF2-40B4-BE49-F238E27FC236}">
-                  <a16:creationId xmlns:a16="http://schemas.microsoft.com/office/drawing/2014/main" id="{0DF05AE7-97F5-4E02-9206-C6B40B968DFA}"/>
+                  <a16:creationId xmlns:a16="http://schemas.microsoft.com/office/drawing/2014/main" xmlns="" id="{0DF05AE7-97F5-4E02-9206-C6B40B968DFA}"/>
                 </a:ext>
               </a:extLst>
             </p:cNvPr>
@@ -12654,7 +12694,7 @@
             <p:cNvPr id="66" name="Eingekerbter Richtungspfeil 23">
               <a:extLst>
                 <a:ext uri="{FF2B5EF4-FFF2-40B4-BE49-F238E27FC236}">
-                  <a16:creationId xmlns:a16="http://schemas.microsoft.com/office/drawing/2014/main" id="{C358C398-D0F2-4ECA-8BF9-29E733DFE60D}"/>
+                  <a16:creationId xmlns:a16="http://schemas.microsoft.com/office/drawing/2014/main" xmlns="" id="{C358C398-D0F2-4ECA-8BF9-29E733DFE60D}"/>
                 </a:ext>
               </a:extLst>
             </p:cNvPr>
@@ -12702,7 +12742,7 @@
             <p:cNvPr id="67" name="Eingekerbter Richtungspfeil 24">
               <a:extLst>
                 <a:ext uri="{FF2B5EF4-FFF2-40B4-BE49-F238E27FC236}">
-                  <a16:creationId xmlns:a16="http://schemas.microsoft.com/office/drawing/2014/main" id="{3FEDA7B1-0BEF-47B2-90E9-8E698F727222}"/>
+                  <a16:creationId xmlns:a16="http://schemas.microsoft.com/office/drawing/2014/main" xmlns="" id="{3FEDA7B1-0BEF-47B2-90E9-8E698F727222}"/>
                 </a:ext>
               </a:extLst>
             </p:cNvPr>
@@ -12750,7 +12790,7 @@
             <p:cNvPr id="68" name="Eingekerbter Richtungspfeil 25">
               <a:extLst>
                 <a:ext uri="{FF2B5EF4-FFF2-40B4-BE49-F238E27FC236}">
-                  <a16:creationId xmlns:a16="http://schemas.microsoft.com/office/drawing/2014/main" id="{2EBD9B49-A90C-436A-BBEF-D89DD2237ECF}"/>
+                  <a16:creationId xmlns:a16="http://schemas.microsoft.com/office/drawing/2014/main" xmlns="" id="{2EBD9B49-A90C-436A-BBEF-D89DD2237ECF}"/>
                 </a:ext>
               </a:extLst>
             </p:cNvPr>
@@ -12798,7 +12838,7 @@
             <p:cNvPr id="69" name="Textfeld 68">
               <a:extLst>
                 <a:ext uri="{FF2B5EF4-FFF2-40B4-BE49-F238E27FC236}">
-                  <a16:creationId xmlns:a16="http://schemas.microsoft.com/office/drawing/2014/main" id="{FEADCC60-4D09-4A31-9D0C-841AD6049BF2}"/>
+                  <a16:creationId xmlns:a16="http://schemas.microsoft.com/office/drawing/2014/main" xmlns="" id="{FEADCC60-4D09-4A31-9D0C-841AD6049BF2}"/>
                 </a:ext>
               </a:extLst>
             </p:cNvPr>
@@ -12854,7 +12894,7 @@
             <p:cNvPr id="70" name="Eingekerbter Richtungspfeil 27">
               <a:extLst>
                 <a:ext uri="{FF2B5EF4-FFF2-40B4-BE49-F238E27FC236}">
-                  <a16:creationId xmlns:a16="http://schemas.microsoft.com/office/drawing/2014/main" id="{27C55872-CAEB-4515-A4E7-546FDB1EEA34}"/>
+                  <a16:creationId xmlns:a16="http://schemas.microsoft.com/office/drawing/2014/main" xmlns="" id="{27C55872-CAEB-4515-A4E7-546FDB1EEA34}"/>
                 </a:ext>
               </a:extLst>
             </p:cNvPr>
@@ -12902,7 +12942,7 @@
             <p:cNvPr id="71" name="Gerade Verbindung 28">
               <a:extLst>
                 <a:ext uri="{FF2B5EF4-FFF2-40B4-BE49-F238E27FC236}">
-                  <a16:creationId xmlns:a16="http://schemas.microsoft.com/office/drawing/2014/main" id="{F1621AAB-A494-467F-9704-6039B7079C13}"/>
+                  <a16:creationId xmlns:a16="http://schemas.microsoft.com/office/drawing/2014/main" xmlns="" id="{F1621AAB-A494-467F-9704-6039B7079C13}"/>
                 </a:ext>
               </a:extLst>
             </p:cNvPr>
@@ -12945,7 +12985,7 @@
             <p:cNvPr id="72" name="Eingekerbter Richtungspfeil 29">
               <a:extLst>
                 <a:ext uri="{FF2B5EF4-FFF2-40B4-BE49-F238E27FC236}">
-                  <a16:creationId xmlns:a16="http://schemas.microsoft.com/office/drawing/2014/main" id="{161DC914-F8DD-4B71-B246-9791D85E6154}"/>
+                  <a16:creationId xmlns:a16="http://schemas.microsoft.com/office/drawing/2014/main" xmlns="" id="{161DC914-F8DD-4B71-B246-9791D85E6154}"/>
                 </a:ext>
               </a:extLst>
             </p:cNvPr>
@@ -13032,6 +13072,13 @@
   <p:clrMapOvr>
     <a:masterClrMapping/>
   </p:clrMapOvr>
+  <p:timing>
+    <p:tnLst>
+      <p:par>
+        <p:cTn id="1" dur="indefinite" restart="never" nodeType="tmRoot"/>
+      </p:par>
+    </p:tnLst>
+  </p:timing>
 </p:sld>
 </file>
 
@@ -13114,7 +13161,7 @@
           <p:cNvPr id="34" name="Gruppieren 21">
             <a:extLst>
               <a:ext uri="{FF2B5EF4-FFF2-40B4-BE49-F238E27FC236}">
-                <a16:creationId xmlns:a16="http://schemas.microsoft.com/office/drawing/2014/main" id="{BCC0948F-C1E3-4907-854B-A0721D1FDACC}"/>
+                <a16:creationId xmlns:a16="http://schemas.microsoft.com/office/drawing/2014/main" xmlns="" id="{BCC0948F-C1E3-4907-854B-A0721D1FDACC}"/>
               </a:ext>
             </a:extLst>
           </p:cNvPr>
@@ -13134,7 +13181,7 @@
             <p:cNvPr id="36" name="Textfeld 13">
               <a:extLst>
                 <a:ext uri="{FF2B5EF4-FFF2-40B4-BE49-F238E27FC236}">
-                  <a16:creationId xmlns:a16="http://schemas.microsoft.com/office/drawing/2014/main" id="{425AEF1D-6595-4E36-A5D4-5F32C0012763}"/>
+                  <a16:creationId xmlns:a16="http://schemas.microsoft.com/office/drawing/2014/main" xmlns="" id="{425AEF1D-6595-4E36-A5D4-5F32C0012763}"/>
                 </a:ext>
               </a:extLst>
             </p:cNvPr>
@@ -13186,7 +13233,7 @@
             <p:cNvPr id="37" name="Textfeld 14">
               <a:extLst>
                 <a:ext uri="{FF2B5EF4-FFF2-40B4-BE49-F238E27FC236}">
-                  <a16:creationId xmlns:a16="http://schemas.microsoft.com/office/drawing/2014/main" id="{E17B1092-F415-4AFD-8E3C-B451331B74FB}"/>
+                  <a16:creationId xmlns:a16="http://schemas.microsoft.com/office/drawing/2014/main" xmlns="" id="{E17B1092-F415-4AFD-8E3C-B451331B74FB}"/>
                 </a:ext>
               </a:extLst>
             </p:cNvPr>
@@ -13238,7 +13285,7 @@
             <p:cNvPr id="63" name="Textfeld 62">
               <a:extLst>
                 <a:ext uri="{FF2B5EF4-FFF2-40B4-BE49-F238E27FC236}">
-                  <a16:creationId xmlns:a16="http://schemas.microsoft.com/office/drawing/2014/main" id="{82ABF473-AD17-4ED8-AB87-CC275185AE43}"/>
+                  <a16:creationId xmlns:a16="http://schemas.microsoft.com/office/drawing/2014/main" xmlns="" id="{82ABF473-AD17-4ED8-AB87-CC275185AE43}"/>
                 </a:ext>
               </a:extLst>
             </p:cNvPr>
@@ -13290,7 +13337,7 @@
             <p:cNvPr id="64" name="Textfeld 63">
               <a:extLst>
                 <a:ext uri="{FF2B5EF4-FFF2-40B4-BE49-F238E27FC236}">
-                  <a16:creationId xmlns:a16="http://schemas.microsoft.com/office/drawing/2014/main" id="{3841D7B1-EF8D-476C-85AC-C17E649EE1A9}"/>
+                  <a16:creationId xmlns:a16="http://schemas.microsoft.com/office/drawing/2014/main" xmlns="" id="{3841D7B1-EF8D-476C-85AC-C17E649EE1A9}"/>
                 </a:ext>
               </a:extLst>
             </p:cNvPr>
@@ -13342,7 +13389,7 @@
             <p:cNvPr id="65" name="Textfeld 64">
               <a:extLst>
                 <a:ext uri="{FF2B5EF4-FFF2-40B4-BE49-F238E27FC236}">
-                  <a16:creationId xmlns:a16="http://schemas.microsoft.com/office/drawing/2014/main" id="{0DF05AE7-97F5-4E02-9206-C6B40B968DFA}"/>
+                  <a16:creationId xmlns:a16="http://schemas.microsoft.com/office/drawing/2014/main" xmlns="" id="{0DF05AE7-97F5-4E02-9206-C6B40B968DFA}"/>
                 </a:ext>
               </a:extLst>
             </p:cNvPr>
@@ -13394,7 +13441,7 @@
             <p:cNvPr id="66" name="Eingekerbter Richtungspfeil 23">
               <a:extLst>
                 <a:ext uri="{FF2B5EF4-FFF2-40B4-BE49-F238E27FC236}">
-                  <a16:creationId xmlns:a16="http://schemas.microsoft.com/office/drawing/2014/main" id="{C358C398-D0F2-4ECA-8BF9-29E733DFE60D}"/>
+                  <a16:creationId xmlns:a16="http://schemas.microsoft.com/office/drawing/2014/main" xmlns="" id="{C358C398-D0F2-4ECA-8BF9-29E733DFE60D}"/>
                 </a:ext>
               </a:extLst>
             </p:cNvPr>
@@ -13442,7 +13489,7 @@
             <p:cNvPr id="67" name="Eingekerbter Richtungspfeil 24">
               <a:extLst>
                 <a:ext uri="{FF2B5EF4-FFF2-40B4-BE49-F238E27FC236}">
-                  <a16:creationId xmlns:a16="http://schemas.microsoft.com/office/drawing/2014/main" id="{3FEDA7B1-0BEF-47B2-90E9-8E698F727222}"/>
+                  <a16:creationId xmlns:a16="http://schemas.microsoft.com/office/drawing/2014/main" xmlns="" id="{3FEDA7B1-0BEF-47B2-90E9-8E698F727222}"/>
                 </a:ext>
               </a:extLst>
             </p:cNvPr>
@@ -13490,7 +13537,7 @@
             <p:cNvPr id="68" name="Eingekerbter Richtungspfeil 25">
               <a:extLst>
                 <a:ext uri="{FF2B5EF4-FFF2-40B4-BE49-F238E27FC236}">
-                  <a16:creationId xmlns:a16="http://schemas.microsoft.com/office/drawing/2014/main" id="{2EBD9B49-A90C-436A-BBEF-D89DD2237ECF}"/>
+                  <a16:creationId xmlns:a16="http://schemas.microsoft.com/office/drawing/2014/main" xmlns="" id="{2EBD9B49-A90C-436A-BBEF-D89DD2237ECF}"/>
                 </a:ext>
               </a:extLst>
             </p:cNvPr>
@@ -13538,7 +13585,7 @@
             <p:cNvPr id="69" name="Textfeld 68">
               <a:extLst>
                 <a:ext uri="{FF2B5EF4-FFF2-40B4-BE49-F238E27FC236}">
-                  <a16:creationId xmlns:a16="http://schemas.microsoft.com/office/drawing/2014/main" id="{FEADCC60-4D09-4A31-9D0C-841AD6049BF2}"/>
+                  <a16:creationId xmlns:a16="http://schemas.microsoft.com/office/drawing/2014/main" xmlns="" id="{FEADCC60-4D09-4A31-9D0C-841AD6049BF2}"/>
                 </a:ext>
               </a:extLst>
             </p:cNvPr>
@@ -13594,7 +13641,7 @@
             <p:cNvPr id="70" name="Eingekerbter Richtungspfeil 27">
               <a:extLst>
                 <a:ext uri="{FF2B5EF4-FFF2-40B4-BE49-F238E27FC236}">
-                  <a16:creationId xmlns:a16="http://schemas.microsoft.com/office/drawing/2014/main" id="{27C55872-CAEB-4515-A4E7-546FDB1EEA34}"/>
+                  <a16:creationId xmlns:a16="http://schemas.microsoft.com/office/drawing/2014/main" xmlns="" id="{27C55872-CAEB-4515-A4E7-546FDB1EEA34}"/>
                 </a:ext>
               </a:extLst>
             </p:cNvPr>
@@ -13642,7 +13689,7 @@
             <p:cNvPr id="71" name="Gerade Verbindung 28">
               <a:extLst>
                 <a:ext uri="{FF2B5EF4-FFF2-40B4-BE49-F238E27FC236}">
-                  <a16:creationId xmlns:a16="http://schemas.microsoft.com/office/drawing/2014/main" id="{F1621AAB-A494-467F-9704-6039B7079C13}"/>
+                  <a16:creationId xmlns:a16="http://schemas.microsoft.com/office/drawing/2014/main" xmlns="" id="{F1621AAB-A494-467F-9704-6039B7079C13}"/>
                 </a:ext>
               </a:extLst>
             </p:cNvPr>
@@ -13685,7 +13732,7 @@
             <p:cNvPr id="72" name="Eingekerbter Richtungspfeil 29">
               <a:extLst>
                 <a:ext uri="{FF2B5EF4-FFF2-40B4-BE49-F238E27FC236}">
-                  <a16:creationId xmlns:a16="http://schemas.microsoft.com/office/drawing/2014/main" id="{161DC914-F8DD-4B71-B246-9791D85E6154}"/>
+                  <a16:creationId xmlns:a16="http://schemas.microsoft.com/office/drawing/2014/main" xmlns="" id="{161DC914-F8DD-4B71-B246-9791D85E6154}"/>
                 </a:ext>
               </a:extLst>
             </p:cNvPr>
@@ -13874,6 +13921,13 @@
   <p:clrMapOvr>
     <a:masterClrMapping/>
   </p:clrMapOvr>
+  <p:timing>
+    <p:tnLst>
+      <p:par>
+        <p:cTn id="1" dur="indefinite" restart="never" nodeType="tmRoot"/>
+      </p:par>
+    </p:tnLst>
+  </p:timing>
 </p:sld>
 </file>
 
@@ -14041,7 +14095,7 @@
           <p:cNvPr id="34" name="Gruppieren 21">
             <a:extLst>
               <a:ext uri="{FF2B5EF4-FFF2-40B4-BE49-F238E27FC236}">
-                <a16:creationId xmlns:a16="http://schemas.microsoft.com/office/drawing/2014/main" id="{BCC0948F-C1E3-4907-854B-A0721D1FDACC}"/>
+                <a16:creationId xmlns:a16="http://schemas.microsoft.com/office/drawing/2014/main" xmlns="" id="{BCC0948F-C1E3-4907-854B-A0721D1FDACC}"/>
               </a:ext>
             </a:extLst>
           </p:cNvPr>
@@ -14061,7 +14115,7 @@
             <p:cNvPr id="36" name="Textfeld 13">
               <a:extLst>
                 <a:ext uri="{FF2B5EF4-FFF2-40B4-BE49-F238E27FC236}">
-                  <a16:creationId xmlns:a16="http://schemas.microsoft.com/office/drawing/2014/main" id="{425AEF1D-6595-4E36-A5D4-5F32C0012763}"/>
+                  <a16:creationId xmlns:a16="http://schemas.microsoft.com/office/drawing/2014/main" xmlns="" id="{425AEF1D-6595-4E36-A5D4-5F32C0012763}"/>
                 </a:ext>
               </a:extLst>
             </p:cNvPr>
@@ -14113,7 +14167,7 @@
             <p:cNvPr id="37" name="Textfeld 14">
               <a:extLst>
                 <a:ext uri="{FF2B5EF4-FFF2-40B4-BE49-F238E27FC236}">
-                  <a16:creationId xmlns:a16="http://schemas.microsoft.com/office/drawing/2014/main" id="{E17B1092-F415-4AFD-8E3C-B451331B74FB}"/>
+                  <a16:creationId xmlns:a16="http://schemas.microsoft.com/office/drawing/2014/main" xmlns="" id="{E17B1092-F415-4AFD-8E3C-B451331B74FB}"/>
                 </a:ext>
               </a:extLst>
             </p:cNvPr>
@@ -14165,7 +14219,7 @@
             <p:cNvPr id="63" name="Textfeld 62">
               <a:extLst>
                 <a:ext uri="{FF2B5EF4-FFF2-40B4-BE49-F238E27FC236}">
-                  <a16:creationId xmlns:a16="http://schemas.microsoft.com/office/drawing/2014/main" id="{82ABF473-AD17-4ED8-AB87-CC275185AE43}"/>
+                  <a16:creationId xmlns:a16="http://schemas.microsoft.com/office/drawing/2014/main" xmlns="" id="{82ABF473-AD17-4ED8-AB87-CC275185AE43}"/>
                 </a:ext>
               </a:extLst>
             </p:cNvPr>
@@ -14217,7 +14271,7 @@
             <p:cNvPr id="64" name="Textfeld 63">
               <a:extLst>
                 <a:ext uri="{FF2B5EF4-FFF2-40B4-BE49-F238E27FC236}">
-                  <a16:creationId xmlns:a16="http://schemas.microsoft.com/office/drawing/2014/main" id="{3841D7B1-EF8D-476C-85AC-C17E649EE1A9}"/>
+                  <a16:creationId xmlns:a16="http://schemas.microsoft.com/office/drawing/2014/main" xmlns="" id="{3841D7B1-EF8D-476C-85AC-C17E649EE1A9}"/>
                 </a:ext>
               </a:extLst>
             </p:cNvPr>
@@ -14269,7 +14323,7 @@
             <p:cNvPr id="65" name="Textfeld 64">
               <a:extLst>
                 <a:ext uri="{FF2B5EF4-FFF2-40B4-BE49-F238E27FC236}">
-                  <a16:creationId xmlns:a16="http://schemas.microsoft.com/office/drawing/2014/main" id="{0DF05AE7-97F5-4E02-9206-C6B40B968DFA}"/>
+                  <a16:creationId xmlns:a16="http://schemas.microsoft.com/office/drawing/2014/main" xmlns="" id="{0DF05AE7-97F5-4E02-9206-C6B40B968DFA}"/>
                 </a:ext>
               </a:extLst>
             </p:cNvPr>
@@ -14321,7 +14375,7 @@
             <p:cNvPr id="66" name="Eingekerbter Richtungspfeil 23">
               <a:extLst>
                 <a:ext uri="{FF2B5EF4-FFF2-40B4-BE49-F238E27FC236}">
-                  <a16:creationId xmlns:a16="http://schemas.microsoft.com/office/drawing/2014/main" id="{C358C398-D0F2-4ECA-8BF9-29E733DFE60D}"/>
+                  <a16:creationId xmlns:a16="http://schemas.microsoft.com/office/drawing/2014/main" xmlns="" id="{C358C398-D0F2-4ECA-8BF9-29E733DFE60D}"/>
                 </a:ext>
               </a:extLst>
             </p:cNvPr>
@@ -14369,7 +14423,7 @@
             <p:cNvPr id="67" name="Eingekerbter Richtungspfeil 24">
               <a:extLst>
                 <a:ext uri="{FF2B5EF4-FFF2-40B4-BE49-F238E27FC236}">
-                  <a16:creationId xmlns:a16="http://schemas.microsoft.com/office/drawing/2014/main" id="{3FEDA7B1-0BEF-47B2-90E9-8E698F727222}"/>
+                  <a16:creationId xmlns:a16="http://schemas.microsoft.com/office/drawing/2014/main" xmlns="" id="{3FEDA7B1-0BEF-47B2-90E9-8E698F727222}"/>
                 </a:ext>
               </a:extLst>
             </p:cNvPr>
@@ -14417,7 +14471,7 @@
             <p:cNvPr id="68" name="Eingekerbter Richtungspfeil 25">
               <a:extLst>
                 <a:ext uri="{FF2B5EF4-FFF2-40B4-BE49-F238E27FC236}">
-                  <a16:creationId xmlns:a16="http://schemas.microsoft.com/office/drawing/2014/main" id="{2EBD9B49-A90C-436A-BBEF-D89DD2237ECF}"/>
+                  <a16:creationId xmlns:a16="http://schemas.microsoft.com/office/drawing/2014/main" xmlns="" id="{2EBD9B49-A90C-436A-BBEF-D89DD2237ECF}"/>
                 </a:ext>
               </a:extLst>
             </p:cNvPr>
@@ -14465,7 +14519,7 @@
             <p:cNvPr id="69" name="Textfeld 68">
               <a:extLst>
                 <a:ext uri="{FF2B5EF4-FFF2-40B4-BE49-F238E27FC236}">
-                  <a16:creationId xmlns:a16="http://schemas.microsoft.com/office/drawing/2014/main" id="{FEADCC60-4D09-4A31-9D0C-841AD6049BF2}"/>
+                  <a16:creationId xmlns:a16="http://schemas.microsoft.com/office/drawing/2014/main" xmlns="" id="{FEADCC60-4D09-4A31-9D0C-841AD6049BF2}"/>
                 </a:ext>
               </a:extLst>
             </p:cNvPr>
@@ -14521,7 +14575,7 @@
             <p:cNvPr id="70" name="Eingekerbter Richtungspfeil 27">
               <a:extLst>
                 <a:ext uri="{FF2B5EF4-FFF2-40B4-BE49-F238E27FC236}">
-                  <a16:creationId xmlns:a16="http://schemas.microsoft.com/office/drawing/2014/main" id="{27C55872-CAEB-4515-A4E7-546FDB1EEA34}"/>
+                  <a16:creationId xmlns:a16="http://schemas.microsoft.com/office/drawing/2014/main" xmlns="" id="{27C55872-CAEB-4515-A4E7-546FDB1EEA34}"/>
                 </a:ext>
               </a:extLst>
             </p:cNvPr>
@@ -14569,7 +14623,7 @@
             <p:cNvPr id="71" name="Gerade Verbindung 28">
               <a:extLst>
                 <a:ext uri="{FF2B5EF4-FFF2-40B4-BE49-F238E27FC236}">
-                  <a16:creationId xmlns:a16="http://schemas.microsoft.com/office/drawing/2014/main" id="{F1621AAB-A494-467F-9704-6039B7079C13}"/>
+                  <a16:creationId xmlns:a16="http://schemas.microsoft.com/office/drawing/2014/main" xmlns="" id="{F1621AAB-A494-467F-9704-6039B7079C13}"/>
                 </a:ext>
               </a:extLst>
             </p:cNvPr>
@@ -14612,7 +14666,7 @@
             <p:cNvPr id="72" name="Eingekerbter Richtungspfeil 29">
               <a:extLst>
                 <a:ext uri="{FF2B5EF4-FFF2-40B4-BE49-F238E27FC236}">
-                  <a16:creationId xmlns:a16="http://schemas.microsoft.com/office/drawing/2014/main" id="{161DC914-F8DD-4B71-B246-9791D85E6154}"/>
+                  <a16:creationId xmlns:a16="http://schemas.microsoft.com/office/drawing/2014/main" xmlns="" id="{161DC914-F8DD-4B71-B246-9791D85E6154}"/>
                 </a:ext>
               </a:extLst>
             </p:cNvPr>
@@ -14712,6 +14766,13 @@
   <p:clrMapOvr>
     <a:masterClrMapping/>
   </p:clrMapOvr>
+  <p:timing>
+    <p:tnLst>
+      <p:par>
+        <p:cTn id="1" dur="indefinite" restart="never" nodeType="tmRoot"/>
+      </p:par>
+    </p:tnLst>
+  </p:timing>
 </p:sld>
 </file>
 
@@ -14892,7 +14953,7 @@
           <p:cNvPr id="34" name="Gruppieren 21">
             <a:extLst>
               <a:ext uri="{FF2B5EF4-FFF2-40B4-BE49-F238E27FC236}">
-                <a16:creationId xmlns:a16="http://schemas.microsoft.com/office/drawing/2014/main" id="{BCC0948F-C1E3-4907-854B-A0721D1FDACC}"/>
+                <a16:creationId xmlns:a16="http://schemas.microsoft.com/office/drawing/2014/main" xmlns="" id="{BCC0948F-C1E3-4907-854B-A0721D1FDACC}"/>
               </a:ext>
             </a:extLst>
           </p:cNvPr>
@@ -14912,7 +14973,7 @@
             <p:cNvPr id="36" name="Textfeld 13">
               <a:extLst>
                 <a:ext uri="{FF2B5EF4-FFF2-40B4-BE49-F238E27FC236}">
-                  <a16:creationId xmlns:a16="http://schemas.microsoft.com/office/drawing/2014/main" id="{425AEF1D-6595-4E36-A5D4-5F32C0012763}"/>
+                  <a16:creationId xmlns:a16="http://schemas.microsoft.com/office/drawing/2014/main" xmlns="" id="{425AEF1D-6595-4E36-A5D4-5F32C0012763}"/>
                 </a:ext>
               </a:extLst>
             </p:cNvPr>
@@ -14964,7 +15025,7 @@
             <p:cNvPr id="37" name="Textfeld 14">
               <a:extLst>
                 <a:ext uri="{FF2B5EF4-FFF2-40B4-BE49-F238E27FC236}">
-                  <a16:creationId xmlns:a16="http://schemas.microsoft.com/office/drawing/2014/main" id="{E17B1092-F415-4AFD-8E3C-B451331B74FB}"/>
+                  <a16:creationId xmlns:a16="http://schemas.microsoft.com/office/drawing/2014/main" xmlns="" id="{E17B1092-F415-4AFD-8E3C-B451331B74FB}"/>
                 </a:ext>
               </a:extLst>
             </p:cNvPr>
@@ -15016,7 +15077,7 @@
             <p:cNvPr id="63" name="Textfeld 62">
               <a:extLst>
                 <a:ext uri="{FF2B5EF4-FFF2-40B4-BE49-F238E27FC236}">
-                  <a16:creationId xmlns:a16="http://schemas.microsoft.com/office/drawing/2014/main" id="{82ABF473-AD17-4ED8-AB87-CC275185AE43}"/>
+                  <a16:creationId xmlns:a16="http://schemas.microsoft.com/office/drawing/2014/main" xmlns="" id="{82ABF473-AD17-4ED8-AB87-CC275185AE43}"/>
                 </a:ext>
               </a:extLst>
             </p:cNvPr>
@@ -15068,7 +15129,7 @@
             <p:cNvPr id="64" name="Textfeld 63">
               <a:extLst>
                 <a:ext uri="{FF2B5EF4-FFF2-40B4-BE49-F238E27FC236}">
-                  <a16:creationId xmlns:a16="http://schemas.microsoft.com/office/drawing/2014/main" id="{3841D7B1-EF8D-476C-85AC-C17E649EE1A9}"/>
+                  <a16:creationId xmlns:a16="http://schemas.microsoft.com/office/drawing/2014/main" xmlns="" id="{3841D7B1-EF8D-476C-85AC-C17E649EE1A9}"/>
                 </a:ext>
               </a:extLst>
             </p:cNvPr>
@@ -15120,7 +15181,7 @@
             <p:cNvPr id="65" name="Textfeld 64">
               <a:extLst>
                 <a:ext uri="{FF2B5EF4-FFF2-40B4-BE49-F238E27FC236}">
-                  <a16:creationId xmlns:a16="http://schemas.microsoft.com/office/drawing/2014/main" id="{0DF05AE7-97F5-4E02-9206-C6B40B968DFA}"/>
+                  <a16:creationId xmlns:a16="http://schemas.microsoft.com/office/drawing/2014/main" xmlns="" id="{0DF05AE7-97F5-4E02-9206-C6B40B968DFA}"/>
                 </a:ext>
               </a:extLst>
             </p:cNvPr>
@@ -15172,7 +15233,7 @@
             <p:cNvPr id="66" name="Eingekerbter Richtungspfeil 23">
               <a:extLst>
                 <a:ext uri="{FF2B5EF4-FFF2-40B4-BE49-F238E27FC236}">
-                  <a16:creationId xmlns:a16="http://schemas.microsoft.com/office/drawing/2014/main" id="{C358C398-D0F2-4ECA-8BF9-29E733DFE60D}"/>
+                  <a16:creationId xmlns:a16="http://schemas.microsoft.com/office/drawing/2014/main" xmlns="" id="{C358C398-D0F2-4ECA-8BF9-29E733DFE60D}"/>
                 </a:ext>
               </a:extLst>
             </p:cNvPr>
@@ -15220,7 +15281,7 @@
             <p:cNvPr id="67" name="Eingekerbter Richtungspfeil 24">
               <a:extLst>
                 <a:ext uri="{FF2B5EF4-FFF2-40B4-BE49-F238E27FC236}">
-                  <a16:creationId xmlns:a16="http://schemas.microsoft.com/office/drawing/2014/main" id="{3FEDA7B1-0BEF-47B2-90E9-8E698F727222}"/>
+                  <a16:creationId xmlns:a16="http://schemas.microsoft.com/office/drawing/2014/main" xmlns="" id="{3FEDA7B1-0BEF-47B2-90E9-8E698F727222}"/>
                 </a:ext>
               </a:extLst>
             </p:cNvPr>
@@ -15268,7 +15329,7 @@
             <p:cNvPr id="68" name="Eingekerbter Richtungspfeil 25">
               <a:extLst>
                 <a:ext uri="{FF2B5EF4-FFF2-40B4-BE49-F238E27FC236}">
-                  <a16:creationId xmlns:a16="http://schemas.microsoft.com/office/drawing/2014/main" id="{2EBD9B49-A90C-436A-BBEF-D89DD2237ECF}"/>
+                  <a16:creationId xmlns:a16="http://schemas.microsoft.com/office/drawing/2014/main" xmlns="" id="{2EBD9B49-A90C-436A-BBEF-D89DD2237ECF}"/>
                 </a:ext>
               </a:extLst>
             </p:cNvPr>
@@ -15316,7 +15377,7 @@
             <p:cNvPr id="69" name="Textfeld 68">
               <a:extLst>
                 <a:ext uri="{FF2B5EF4-FFF2-40B4-BE49-F238E27FC236}">
-                  <a16:creationId xmlns:a16="http://schemas.microsoft.com/office/drawing/2014/main" id="{FEADCC60-4D09-4A31-9D0C-841AD6049BF2}"/>
+                  <a16:creationId xmlns:a16="http://schemas.microsoft.com/office/drawing/2014/main" xmlns="" id="{FEADCC60-4D09-4A31-9D0C-841AD6049BF2}"/>
                 </a:ext>
               </a:extLst>
             </p:cNvPr>
@@ -15372,7 +15433,7 @@
             <p:cNvPr id="70" name="Eingekerbter Richtungspfeil 27">
               <a:extLst>
                 <a:ext uri="{FF2B5EF4-FFF2-40B4-BE49-F238E27FC236}">
-                  <a16:creationId xmlns:a16="http://schemas.microsoft.com/office/drawing/2014/main" id="{27C55872-CAEB-4515-A4E7-546FDB1EEA34}"/>
+                  <a16:creationId xmlns:a16="http://schemas.microsoft.com/office/drawing/2014/main" xmlns="" id="{27C55872-CAEB-4515-A4E7-546FDB1EEA34}"/>
                 </a:ext>
               </a:extLst>
             </p:cNvPr>
@@ -15420,7 +15481,7 @@
             <p:cNvPr id="71" name="Gerade Verbindung 28">
               <a:extLst>
                 <a:ext uri="{FF2B5EF4-FFF2-40B4-BE49-F238E27FC236}">
-                  <a16:creationId xmlns:a16="http://schemas.microsoft.com/office/drawing/2014/main" id="{F1621AAB-A494-467F-9704-6039B7079C13}"/>
+                  <a16:creationId xmlns:a16="http://schemas.microsoft.com/office/drawing/2014/main" xmlns="" id="{F1621AAB-A494-467F-9704-6039B7079C13}"/>
                 </a:ext>
               </a:extLst>
             </p:cNvPr>
@@ -15463,7 +15524,7 @@
             <p:cNvPr id="72" name="Eingekerbter Richtungspfeil 29">
               <a:extLst>
                 <a:ext uri="{FF2B5EF4-FFF2-40B4-BE49-F238E27FC236}">
-                  <a16:creationId xmlns:a16="http://schemas.microsoft.com/office/drawing/2014/main" id="{161DC914-F8DD-4B71-B246-9791D85E6154}"/>
+                  <a16:creationId xmlns:a16="http://schemas.microsoft.com/office/drawing/2014/main" xmlns="" id="{161DC914-F8DD-4B71-B246-9791D85E6154}"/>
                 </a:ext>
               </a:extLst>
             </p:cNvPr>
@@ -15547,6 +15608,13 @@
   <p:clrMapOvr>
     <a:masterClrMapping/>
   </p:clrMapOvr>
+  <p:timing>
+    <p:tnLst>
+      <p:par>
+        <p:cTn id="1" dur="indefinite" restart="never" nodeType="tmRoot"/>
+      </p:par>
+    </p:tnLst>
+  </p:timing>
 </p:sld>
 </file>
 
@@ -15720,7 +15788,7 @@
           <p:cNvPr id="34" name="Gruppieren 21">
             <a:extLst>
               <a:ext uri="{FF2B5EF4-FFF2-40B4-BE49-F238E27FC236}">
-                <a16:creationId xmlns:a16="http://schemas.microsoft.com/office/drawing/2014/main" id="{BCC0948F-C1E3-4907-854B-A0721D1FDACC}"/>
+                <a16:creationId xmlns:a16="http://schemas.microsoft.com/office/drawing/2014/main" xmlns="" id="{BCC0948F-C1E3-4907-854B-A0721D1FDACC}"/>
               </a:ext>
             </a:extLst>
           </p:cNvPr>
@@ -15740,7 +15808,7 @@
             <p:cNvPr id="36" name="Textfeld 13">
               <a:extLst>
                 <a:ext uri="{FF2B5EF4-FFF2-40B4-BE49-F238E27FC236}">
-                  <a16:creationId xmlns:a16="http://schemas.microsoft.com/office/drawing/2014/main" id="{425AEF1D-6595-4E36-A5D4-5F32C0012763}"/>
+                  <a16:creationId xmlns:a16="http://schemas.microsoft.com/office/drawing/2014/main" xmlns="" id="{425AEF1D-6595-4E36-A5D4-5F32C0012763}"/>
                 </a:ext>
               </a:extLst>
             </p:cNvPr>
@@ -15792,7 +15860,7 @@
             <p:cNvPr id="37" name="Textfeld 14">
               <a:extLst>
                 <a:ext uri="{FF2B5EF4-FFF2-40B4-BE49-F238E27FC236}">
-                  <a16:creationId xmlns:a16="http://schemas.microsoft.com/office/drawing/2014/main" id="{E17B1092-F415-4AFD-8E3C-B451331B74FB}"/>
+                  <a16:creationId xmlns:a16="http://schemas.microsoft.com/office/drawing/2014/main" xmlns="" id="{E17B1092-F415-4AFD-8E3C-B451331B74FB}"/>
                 </a:ext>
               </a:extLst>
             </p:cNvPr>
@@ -15844,7 +15912,7 @@
             <p:cNvPr id="63" name="Textfeld 62">
               <a:extLst>
                 <a:ext uri="{FF2B5EF4-FFF2-40B4-BE49-F238E27FC236}">
-                  <a16:creationId xmlns:a16="http://schemas.microsoft.com/office/drawing/2014/main" id="{82ABF473-AD17-4ED8-AB87-CC275185AE43}"/>
+                  <a16:creationId xmlns:a16="http://schemas.microsoft.com/office/drawing/2014/main" xmlns="" id="{82ABF473-AD17-4ED8-AB87-CC275185AE43}"/>
                 </a:ext>
               </a:extLst>
             </p:cNvPr>
@@ -15896,7 +15964,7 @@
             <p:cNvPr id="64" name="Textfeld 63">
               <a:extLst>
                 <a:ext uri="{FF2B5EF4-FFF2-40B4-BE49-F238E27FC236}">
-                  <a16:creationId xmlns:a16="http://schemas.microsoft.com/office/drawing/2014/main" id="{3841D7B1-EF8D-476C-85AC-C17E649EE1A9}"/>
+                  <a16:creationId xmlns:a16="http://schemas.microsoft.com/office/drawing/2014/main" xmlns="" id="{3841D7B1-EF8D-476C-85AC-C17E649EE1A9}"/>
                 </a:ext>
               </a:extLst>
             </p:cNvPr>
@@ -15948,7 +16016,7 @@
             <p:cNvPr id="65" name="Textfeld 64">
               <a:extLst>
                 <a:ext uri="{FF2B5EF4-FFF2-40B4-BE49-F238E27FC236}">
-                  <a16:creationId xmlns:a16="http://schemas.microsoft.com/office/drawing/2014/main" id="{0DF05AE7-97F5-4E02-9206-C6B40B968DFA}"/>
+                  <a16:creationId xmlns:a16="http://schemas.microsoft.com/office/drawing/2014/main" xmlns="" id="{0DF05AE7-97F5-4E02-9206-C6B40B968DFA}"/>
                 </a:ext>
               </a:extLst>
             </p:cNvPr>
@@ -16000,7 +16068,7 @@
             <p:cNvPr id="66" name="Eingekerbter Richtungspfeil 23">
               <a:extLst>
                 <a:ext uri="{FF2B5EF4-FFF2-40B4-BE49-F238E27FC236}">
-                  <a16:creationId xmlns:a16="http://schemas.microsoft.com/office/drawing/2014/main" id="{C358C398-D0F2-4ECA-8BF9-29E733DFE60D}"/>
+                  <a16:creationId xmlns:a16="http://schemas.microsoft.com/office/drawing/2014/main" xmlns="" id="{C358C398-D0F2-4ECA-8BF9-29E733DFE60D}"/>
                 </a:ext>
               </a:extLst>
             </p:cNvPr>
@@ -16048,7 +16116,7 @@
             <p:cNvPr id="67" name="Eingekerbter Richtungspfeil 24">
               <a:extLst>
                 <a:ext uri="{FF2B5EF4-FFF2-40B4-BE49-F238E27FC236}">
-                  <a16:creationId xmlns:a16="http://schemas.microsoft.com/office/drawing/2014/main" id="{3FEDA7B1-0BEF-47B2-90E9-8E698F727222}"/>
+                  <a16:creationId xmlns:a16="http://schemas.microsoft.com/office/drawing/2014/main" xmlns="" id="{3FEDA7B1-0BEF-47B2-90E9-8E698F727222}"/>
                 </a:ext>
               </a:extLst>
             </p:cNvPr>
@@ -16096,7 +16164,7 @@
             <p:cNvPr id="68" name="Eingekerbter Richtungspfeil 25">
               <a:extLst>
                 <a:ext uri="{FF2B5EF4-FFF2-40B4-BE49-F238E27FC236}">
-                  <a16:creationId xmlns:a16="http://schemas.microsoft.com/office/drawing/2014/main" id="{2EBD9B49-A90C-436A-BBEF-D89DD2237ECF}"/>
+                  <a16:creationId xmlns:a16="http://schemas.microsoft.com/office/drawing/2014/main" xmlns="" id="{2EBD9B49-A90C-436A-BBEF-D89DD2237ECF}"/>
                 </a:ext>
               </a:extLst>
             </p:cNvPr>
@@ -16144,7 +16212,7 @@
             <p:cNvPr id="69" name="Textfeld 68">
               <a:extLst>
                 <a:ext uri="{FF2B5EF4-FFF2-40B4-BE49-F238E27FC236}">
-                  <a16:creationId xmlns:a16="http://schemas.microsoft.com/office/drawing/2014/main" id="{FEADCC60-4D09-4A31-9D0C-841AD6049BF2}"/>
+                  <a16:creationId xmlns:a16="http://schemas.microsoft.com/office/drawing/2014/main" xmlns="" id="{FEADCC60-4D09-4A31-9D0C-841AD6049BF2}"/>
                 </a:ext>
               </a:extLst>
             </p:cNvPr>
@@ -16200,7 +16268,7 @@
             <p:cNvPr id="70" name="Eingekerbter Richtungspfeil 27">
               <a:extLst>
                 <a:ext uri="{FF2B5EF4-FFF2-40B4-BE49-F238E27FC236}">
-                  <a16:creationId xmlns:a16="http://schemas.microsoft.com/office/drawing/2014/main" id="{27C55872-CAEB-4515-A4E7-546FDB1EEA34}"/>
+                  <a16:creationId xmlns:a16="http://schemas.microsoft.com/office/drawing/2014/main" xmlns="" id="{27C55872-CAEB-4515-A4E7-546FDB1EEA34}"/>
                 </a:ext>
               </a:extLst>
             </p:cNvPr>
@@ -16248,7 +16316,7 @@
             <p:cNvPr id="71" name="Gerade Verbindung 28">
               <a:extLst>
                 <a:ext uri="{FF2B5EF4-FFF2-40B4-BE49-F238E27FC236}">
-                  <a16:creationId xmlns:a16="http://schemas.microsoft.com/office/drawing/2014/main" id="{F1621AAB-A494-467F-9704-6039B7079C13}"/>
+                  <a16:creationId xmlns:a16="http://schemas.microsoft.com/office/drawing/2014/main" xmlns="" id="{F1621AAB-A494-467F-9704-6039B7079C13}"/>
                 </a:ext>
               </a:extLst>
             </p:cNvPr>
@@ -16291,7 +16359,7 @@
             <p:cNvPr id="72" name="Eingekerbter Richtungspfeil 29">
               <a:extLst>
                 <a:ext uri="{FF2B5EF4-FFF2-40B4-BE49-F238E27FC236}">
-                  <a16:creationId xmlns:a16="http://schemas.microsoft.com/office/drawing/2014/main" id="{161DC914-F8DD-4B71-B246-9791D85E6154}"/>
+                  <a16:creationId xmlns:a16="http://schemas.microsoft.com/office/drawing/2014/main" xmlns="" id="{161DC914-F8DD-4B71-B246-9791D85E6154}"/>
                 </a:ext>
               </a:extLst>
             </p:cNvPr>
@@ -16345,6 +16413,13 @@
   <p:clrMapOvr>
     <a:masterClrMapping/>
   </p:clrMapOvr>
+  <p:timing>
+    <p:tnLst>
+      <p:par>
+        <p:cTn id="1" dur="indefinite" restart="never" nodeType="tmRoot"/>
+      </p:par>
+    </p:tnLst>
+  </p:timing>
 </p:sld>
 </file>
 
@@ -16515,7 +16590,7 @@
           <p:cNvPr id="34" name="Gruppieren 21">
             <a:extLst>
               <a:ext uri="{FF2B5EF4-FFF2-40B4-BE49-F238E27FC236}">
-                <a16:creationId xmlns:a16="http://schemas.microsoft.com/office/drawing/2014/main" id="{BCC0948F-C1E3-4907-854B-A0721D1FDACC}"/>
+                <a16:creationId xmlns:a16="http://schemas.microsoft.com/office/drawing/2014/main" xmlns="" id="{BCC0948F-C1E3-4907-854B-A0721D1FDACC}"/>
               </a:ext>
             </a:extLst>
           </p:cNvPr>
@@ -16535,7 +16610,7 @@
             <p:cNvPr id="36" name="Textfeld 13">
               <a:extLst>
                 <a:ext uri="{FF2B5EF4-FFF2-40B4-BE49-F238E27FC236}">
-                  <a16:creationId xmlns:a16="http://schemas.microsoft.com/office/drawing/2014/main" id="{425AEF1D-6595-4E36-A5D4-5F32C0012763}"/>
+                  <a16:creationId xmlns:a16="http://schemas.microsoft.com/office/drawing/2014/main" xmlns="" id="{425AEF1D-6595-4E36-A5D4-5F32C0012763}"/>
                 </a:ext>
               </a:extLst>
             </p:cNvPr>
@@ -16587,7 +16662,7 @@
             <p:cNvPr id="37" name="Textfeld 14">
               <a:extLst>
                 <a:ext uri="{FF2B5EF4-FFF2-40B4-BE49-F238E27FC236}">
-                  <a16:creationId xmlns:a16="http://schemas.microsoft.com/office/drawing/2014/main" id="{E17B1092-F415-4AFD-8E3C-B451331B74FB}"/>
+                  <a16:creationId xmlns:a16="http://schemas.microsoft.com/office/drawing/2014/main" xmlns="" id="{E17B1092-F415-4AFD-8E3C-B451331B74FB}"/>
                 </a:ext>
               </a:extLst>
             </p:cNvPr>
@@ -16639,7 +16714,7 @@
             <p:cNvPr id="63" name="Textfeld 62">
               <a:extLst>
                 <a:ext uri="{FF2B5EF4-FFF2-40B4-BE49-F238E27FC236}">
-                  <a16:creationId xmlns:a16="http://schemas.microsoft.com/office/drawing/2014/main" id="{82ABF473-AD17-4ED8-AB87-CC275185AE43}"/>
+                  <a16:creationId xmlns:a16="http://schemas.microsoft.com/office/drawing/2014/main" xmlns="" id="{82ABF473-AD17-4ED8-AB87-CC275185AE43}"/>
                 </a:ext>
               </a:extLst>
             </p:cNvPr>
@@ -16691,7 +16766,7 @@
             <p:cNvPr id="64" name="Textfeld 63">
               <a:extLst>
                 <a:ext uri="{FF2B5EF4-FFF2-40B4-BE49-F238E27FC236}">
-                  <a16:creationId xmlns:a16="http://schemas.microsoft.com/office/drawing/2014/main" id="{3841D7B1-EF8D-476C-85AC-C17E649EE1A9}"/>
+                  <a16:creationId xmlns:a16="http://schemas.microsoft.com/office/drawing/2014/main" xmlns="" id="{3841D7B1-EF8D-476C-85AC-C17E649EE1A9}"/>
                 </a:ext>
               </a:extLst>
             </p:cNvPr>
@@ -16743,7 +16818,7 @@
             <p:cNvPr id="65" name="Textfeld 64">
               <a:extLst>
                 <a:ext uri="{FF2B5EF4-FFF2-40B4-BE49-F238E27FC236}">
-                  <a16:creationId xmlns:a16="http://schemas.microsoft.com/office/drawing/2014/main" id="{0DF05AE7-97F5-4E02-9206-C6B40B968DFA}"/>
+                  <a16:creationId xmlns:a16="http://schemas.microsoft.com/office/drawing/2014/main" xmlns="" id="{0DF05AE7-97F5-4E02-9206-C6B40B968DFA}"/>
                 </a:ext>
               </a:extLst>
             </p:cNvPr>
@@ -16795,7 +16870,7 @@
             <p:cNvPr id="66" name="Eingekerbter Richtungspfeil 23">
               <a:extLst>
                 <a:ext uri="{FF2B5EF4-FFF2-40B4-BE49-F238E27FC236}">
-                  <a16:creationId xmlns:a16="http://schemas.microsoft.com/office/drawing/2014/main" id="{C358C398-D0F2-4ECA-8BF9-29E733DFE60D}"/>
+                  <a16:creationId xmlns:a16="http://schemas.microsoft.com/office/drawing/2014/main" xmlns="" id="{C358C398-D0F2-4ECA-8BF9-29E733DFE60D}"/>
                 </a:ext>
               </a:extLst>
             </p:cNvPr>
@@ -16843,7 +16918,7 @@
             <p:cNvPr id="67" name="Eingekerbter Richtungspfeil 24">
               <a:extLst>
                 <a:ext uri="{FF2B5EF4-FFF2-40B4-BE49-F238E27FC236}">
-                  <a16:creationId xmlns:a16="http://schemas.microsoft.com/office/drawing/2014/main" id="{3FEDA7B1-0BEF-47B2-90E9-8E698F727222}"/>
+                  <a16:creationId xmlns:a16="http://schemas.microsoft.com/office/drawing/2014/main" xmlns="" id="{3FEDA7B1-0BEF-47B2-90E9-8E698F727222}"/>
                 </a:ext>
               </a:extLst>
             </p:cNvPr>
@@ -16891,7 +16966,7 @@
             <p:cNvPr id="68" name="Eingekerbter Richtungspfeil 25">
               <a:extLst>
                 <a:ext uri="{FF2B5EF4-FFF2-40B4-BE49-F238E27FC236}">
-                  <a16:creationId xmlns:a16="http://schemas.microsoft.com/office/drawing/2014/main" id="{2EBD9B49-A90C-436A-BBEF-D89DD2237ECF}"/>
+                  <a16:creationId xmlns:a16="http://schemas.microsoft.com/office/drawing/2014/main" xmlns="" id="{2EBD9B49-A90C-436A-BBEF-D89DD2237ECF}"/>
                 </a:ext>
               </a:extLst>
             </p:cNvPr>
@@ -16939,7 +17014,7 @@
             <p:cNvPr id="69" name="Textfeld 68">
               <a:extLst>
                 <a:ext uri="{FF2B5EF4-FFF2-40B4-BE49-F238E27FC236}">
-                  <a16:creationId xmlns:a16="http://schemas.microsoft.com/office/drawing/2014/main" id="{FEADCC60-4D09-4A31-9D0C-841AD6049BF2}"/>
+                  <a16:creationId xmlns:a16="http://schemas.microsoft.com/office/drawing/2014/main" xmlns="" id="{FEADCC60-4D09-4A31-9D0C-841AD6049BF2}"/>
                 </a:ext>
               </a:extLst>
             </p:cNvPr>
@@ -16995,7 +17070,7 @@
             <p:cNvPr id="70" name="Eingekerbter Richtungspfeil 27">
               <a:extLst>
                 <a:ext uri="{FF2B5EF4-FFF2-40B4-BE49-F238E27FC236}">
-                  <a16:creationId xmlns:a16="http://schemas.microsoft.com/office/drawing/2014/main" id="{27C55872-CAEB-4515-A4E7-546FDB1EEA34}"/>
+                  <a16:creationId xmlns:a16="http://schemas.microsoft.com/office/drawing/2014/main" xmlns="" id="{27C55872-CAEB-4515-A4E7-546FDB1EEA34}"/>
                 </a:ext>
               </a:extLst>
             </p:cNvPr>
@@ -17043,7 +17118,7 @@
             <p:cNvPr id="71" name="Gerade Verbindung 28">
               <a:extLst>
                 <a:ext uri="{FF2B5EF4-FFF2-40B4-BE49-F238E27FC236}">
-                  <a16:creationId xmlns:a16="http://schemas.microsoft.com/office/drawing/2014/main" id="{F1621AAB-A494-467F-9704-6039B7079C13}"/>
+                  <a16:creationId xmlns:a16="http://schemas.microsoft.com/office/drawing/2014/main" xmlns="" id="{F1621AAB-A494-467F-9704-6039B7079C13}"/>
                 </a:ext>
               </a:extLst>
             </p:cNvPr>
@@ -17086,7 +17161,7 @@
             <p:cNvPr id="72" name="Eingekerbter Richtungspfeil 29">
               <a:extLst>
                 <a:ext uri="{FF2B5EF4-FFF2-40B4-BE49-F238E27FC236}">
-                  <a16:creationId xmlns:a16="http://schemas.microsoft.com/office/drawing/2014/main" id="{161DC914-F8DD-4B71-B246-9791D85E6154}"/>
+                  <a16:creationId xmlns:a16="http://schemas.microsoft.com/office/drawing/2014/main" xmlns="" id="{161DC914-F8DD-4B71-B246-9791D85E6154}"/>
                 </a:ext>
               </a:extLst>
             </p:cNvPr>
@@ -17237,6 +17312,13 @@
   <p:clrMapOvr>
     <a:masterClrMapping/>
   </p:clrMapOvr>
+  <p:timing>
+    <p:tnLst>
+      <p:par>
+        <p:cTn id="1" dur="indefinite" restart="never" nodeType="tmRoot"/>
+      </p:par>
+    </p:tnLst>
+  </p:timing>
 </p:sld>
 </file>
 
@@ -17347,7 +17429,31 @@
           <a:p>
             <a:r>
               <a:rPr lang="de-DE" dirty="0"/>
-              <a:t>Wollten Modele und Simulation um Design um WLCG zu optimieren</a:t>
+              <a:t>Wollten </a:t>
+            </a:r>
+            <a:r>
+              <a:rPr lang="de-DE" dirty="0" smtClean="0"/>
+              <a:t>Modelle </a:t>
+            </a:r>
+            <a:r>
+              <a:rPr lang="de-DE" dirty="0"/>
+              <a:t>und </a:t>
+            </a:r>
+            <a:r>
+              <a:rPr lang="de-DE" dirty="0" smtClean="0"/>
+              <a:t>Simulation, </a:t>
+            </a:r>
+            <a:r>
+              <a:rPr lang="de-DE" dirty="0"/>
+              <a:t>um </a:t>
+            </a:r>
+            <a:r>
+              <a:rPr lang="de-DE" dirty="0" smtClean="0"/>
+              <a:t>WLCG </a:t>
+            </a:r>
+            <a:r>
+              <a:rPr lang="de-DE" dirty="0"/>
+              <a:t>zu optimieren</a:t>
             </a:r>
           </a:p>
           <a:p>
@@ -17420,7 +17526,7 @@
           <p:cNvPr id="34" name="Gruppieren 21">
             <a:extLst>
               <a:ext uri="{FF2B5EF4-FFF2-40B4-BE49-F238E27FC236}">
-                <a16:creationId xmlns:a16="http://schemas.microsoft.com/office/drawing/2014/main" id="{BCC0948F-C1E3-4907-854B-A0721D1FDACC}"/>
+                <a16:creationId xmlns:a16="http://schemas.microsoft.com/office/drawing/2014/main" xmlns="" id="{BCC0948F-C1E3-4907-854B-A0721D1FDACC}"/>
               </a:ext>
             </a:extLst>
           </p:cNvPr>
@@ -17440,7 +17546,7 @@
             <p:cNvPr id="36" name="Textfeld 13">
               <a:extLst>
                 <a:ext uri="{FF2B5EF4-FFF2-40B4-BE49-F238E27FC236}">
-                  <a16:creationId xmlns:a16="http://schemas.microsoft.com/office/drawing/2014/main" id="{425AEF1D-6595-4E36-A5D4-5F32C0012763}"/>
+                  <a16:creationId xmlns:a16="http://schemas.microsoft.com/office/drawing/2014/main" xmlns="" id="{425AEF1D-6595-4E36-A5D4-5F32C0012763}"/>
                 </a:ext>
               </a:extLst>
             </p:cNvPr>
@@ -17492,7 +17598,7 @@
             <p:cNvPr id="37" name="Textfeld 14">
               <a:extLst>
                 <a:ext uri="{FF2B5EF4-FFF2-40B4-BE49-F238E27FC236}">
-                  <a16:creationId xmlns:a16="http://schemas.microsoft.com/office/drawing/2014/main" id="{E17B1092-F415-4AFD-8E3C-B451331B74FB}"/>
+                  <a16:creationId xmlns:a16="http://schemas.microsoft.com/office/drawing/2014/main" xmlns="" id="{E17B1092-F415-4AFD-8E3C-B451331B74FB}"/>
                 </a:ext>
               </a:extLst>
             </p:cNvPr>
@@ -17544,7 +17650,7 @@
             <p:cNvPr id="63" name="Textfeld 62">
               <a:extLst>
                 <a:ext uri="{FF2B5EF4-FFF2-40B4-BE49-F238E27FC236}">
-                  <a16:creationId xmlns:a16="http://schemas.microsoft.com/office/drawing/2014/main" id="{82ABF473-AD17-4ED8-AB87-CC275185AE43}"/>
+                  <a16:creationId xmlns:a16="http://schemas.microsoft.com/office/drawing/2014/main" xmlns="" id="{82ABF473-AD17-4ED8-AB87-CC275185AE43}"/>
                 </a:ext>
               </a:extLst>
             </p:cNvPr>
@@ -17596,7 +17702,7 @@
             <p:cNvPr id="64" name="Textfeld 63">
               <a:extLst>
                 <a:ext uri="{FF2B5EF4-FFF2-40B4-BE49-F238E27FC236}">
-                  <a16:creationId xmlns:a16="http://schemas.microsoft.com/office/drawing/2014/main" id="{3841D7B1-EF8D-476C-85AC-C17E649EE1A9}"/>
+                  <a16:creationId xmlns:a16="http://schemas.microsoft.com/office/drawing/2014/main" xmlns="" id="{3841D7B1-EF8D-476C-85AC-C17E649EE1A9}"/>
                 </a:ext>
               </a:extLst>
             </p:cNvPr>
@@ -17648,7 +17754,7 @@
             <p:cNvPr id="65" name="Textfeld 64">
               <a:extLst>
                 <a:ext uri="{FF2B5EF4-FFF2-40B4-BE49-F238E27FC236}">
-                  <a16:creationId xmlns:a16="http://schemas.microsoft.com/office/drawing/2014/main" id="{0DF05AE7-97F5-4E02-9206-C6B40B968DFA}"/>
+                  <a16:creationId xmlns:a16="http://schemas.microsoft.com/office/drawing/2014/main" xmlns="" id="{0DF05AE7-97F5-4E02-9206-C6B40B968DFA}"/>
                 </a:ext>
               </a:extLst>
             </p:cNvPr>
@@ -17700,7 +17806,7 @@
             <p:cNvPr id="66" name="Eingekerbter Richtungspfeil 23">
               <a:extLst>
                 <a:ext uri="{FF2B5EF4-FFF2-40B4-BE49-F238E27FC236}">
-                  <a16:creationId xmlns:a16="http://schemas.microsoft.com/office/drawing/2014/main" id="{C358C398-D0F2-4ECA-8BF9-29E733DFE60D}"/>
+                  <a16:creationId xmlns:a16="http://schemas.microsoft.com/office/drawing/2014/main" xmlns="" id="{C358C398-D0F2-4ECA-8BF9-29E733DFE60D}"/>
                 </a:ext>
               </a:extLst>
             </p:cNvPr>
@@ -17748,7 +17854,7 @@
             <p:cNvPr id="67" name="Eingekerbter Richtungspfeil 24">
               <a:extLst>
                 <a:ext uri="{FF2B5EF4-FFF2-40B4-BE49-F238E27FC236}">
-                  <a16:creationId xmlns:a16="http://schemas.microsoft.com/office/drawing/2014/main" id="{3FEDA7B1-0BEF-47B2-90E9-8E698F727222}"/>
+                  <a16:creationId xmlns:a16="http://schemas.microsoft.com/office/drawing/2014/main" xmlns="" id="{3FEDA7B1-0BEF-47B2-90E9-8E698F727222}"/>
                 </a:ext>
               </a:extLst>
             </p:cNvPr>
@@ -17796,7 +17902,7 @@
             <p:cNvPr id="68" name="Eingekerbter Richtungspfeil 25">
               <a:extLst>
                 <a:ext uri="{FF2B5EF4-FFF2-40B4-BE49-F238E27FC236}">
-                  <a16:creationId xmlns:a16="http://schemas.microsoft.com/office/drawing/2014/main" id="{2EBD9B49-A90C-436A-BBEF-D89DD2237ECF}"/>
+                  <a16:creationId xmlns:a16="http://schemas.microsoft.com/office/drawing/2014/main" xmlns="" id="{2EBD9B49-A90C-436A-BBEF-D89DD2237ECF}"/>
                 </a:ext>
               </a:extLst>
             </p:cNvPr>
@@ -17844,7 +17950,7 @@
             <p:cNvPr id="69" name="Textfeld 68">
               <a:extLst>
                 <a:ext uri="{FF2B5EF4-FFF2-40B4-BE49-F238E27FC236}">
-                  <a16:creationId xmlns:a16="http://schemas.microsoft.com/office/drawing/2014/main" id="{FEADCC60-4D09-4A31-9D0C-841AD6049BF2}"/>
+                  <a16:creationId xmlns:a16="http://schemas.microsoft.com/office/drawing/2014/main" xmlns="" id="{FEADCC60-4D09-4A31-9D0C-841AD6049BF2}"/>
                 </a:ext>
               </a:extLst>
             </p:cNvPr>
@@ -17900,7 +18006,7 @@
             <p:cNvPr id="70" name="Eingekerbter Richtungspfeil 27">
               <a:extLst>
                 <a:ext uri="{FF2B5EF4-FFF2-40B4-BE49-F238E27FC236}">
-                  <a16:creationId xmlns:a16="http://schemas.microsoft.com/office/drawing/2014/main" id="{27C55872-CAEB-4515-A4E7-546FDB1EEA34}"/>
+                  <a16:creationId xmlns:a16="http://schemas.microsoft.com/office/drawing/2014/main" xmlns="" id="{27C55872-CAEB-4515-A4E7-546FDB1EEA34}"/>
                 </a:ext>
               </a:extLst>
             </p:cNvPr>
@@ -17948,7 +18054,7 @@
             <p:cNvPr id="71" name="Gerade Verbindung 28">
               <a:extLst>
                 <a:ext uri="{FF2B5EF4-FFF2-40B4-BE49-F238E27FC236}">
-                  <a16:creationId xmlns:a16="http://schemas.microsoft.com/office/drawing/2014/main" id="{F1621AAB-A494-467F-9704-6039B7079C13}"/>
+                  <a16:creationId xmlns:a16="http://schemas.microsoft.com/office/drawing/2014/main" xmlns="" id="{F1621AAB-A494-467F-9704-6039B7079C13}"/>
                 </a:ext>
               </a:extLst>
             </p:cNvPr>
@@ -17991,7 +18097,7 @@
             <p:cNvPr id="72" name="Eingekerbter Richtungspfeil 29">
               <a:extLst>
                 <a:ext uri="{FF2B5EF4-FFF2-40B4-BE49-F238E27FC236}">
-                  <a16:creationId xmlns:a16="http://schemas.microsoft.com/office/drawing/2014/main" id="{161DC914-F8DD-4B71-B246-9791D85E6154}"/>
+                  <a16:creationId xmlns:a16="http://schemas.microsoft.com/office/drawing/2014/main" xmlns="" id="{161DC914-F8DD-4B71-B246-9791D85E6154}"/>
                 </a:ext>
               </a:extLst>
             </p:cNvPr>
@@ -18045,6 +18151,13 @@
   <p:clrMapOvr>
     <a:masterClrMapping/>
   </p:clrMapOvr>
+  <p:timing>
+    <p:tnLst>
+      <p:par>
+        <p:cTn id="1" dur="indefinite" restart="never" nodeType="tmRoot"/>
+      </p:par>
+    </p:tnLst>
+  </p:timing>
 </p:sld>
 </file>
 

--- a/presentations/state-of-the-art.pptx
+++ b/presentations/state-of-the-art.pptx
@@ -13,21 +13,21 @@
   <p:sldIdLst>
     <p:sldId id="256" r:id="rId2"/>
     <p:sldId id="293" r:id="rId3"/>
-    <p:sldId id="296" r:id="rId4"/>
-    <p:sldId id="297" r:id="rId5"/>
-    <p:sldId id="301" r:id="rId6"/>
-    <p:sldId id="302" r:id="rId7"/>
-    <p:sldId id="305" r:id="rId8"/>
-    <p:sldId id="306" r:id="rId9"/>
-    <p:sldId id="307" r:id="rId10"/>
-    <p:sldId id="308" r:id="rId11"/>
-    <p:sldId id="309" r:id="rId12"/>
-    <p:sldId id="295" r:id="rId13"/>
-    <p:sldId id="304" r:id="rId14"/>
-    <p:sldId id="310" r:id="rId15"/>
-    <p:sldId id="311" r:id="rId16"/>
-    <p:sldId id="298" r:id="rId17"/>
-    <p:sldId id="294" r:id="rId18"/>
+    <p:sldId id="294" r:id="rId4"/>
+    <p:sldId id="296" r:id="rId5"/>
+    <p:sldId id="297" r:id="rId6"/>
+    <p:sldId id="301" r:id="rId7"/>
+    <p:sldId id="302" r:id="rId8"/>
+    <p:sldId id="305" r:id="rId9"/>
+    <p:sldId id="306" r:id="rId10"/>
+    <p:sldId id="307" r:id="rId11"/>
+    <p:sldId id="308" r:id="rId12"/>
+    <p:sldId id="309" r:id="rId13"/>
+    <p:sldId id="295" r:id="rId14"/>
+    <p:sldId id="304" r:id="rId15"/>
+    <p:sldId id="310" r:id="rId16"/>
+    <p:sldId id="311" r:id="rId17"/>
+    <p:sldId id="298" r:id="rId18"/>
     <p:sldId id="300" r:id="rId19"/>
     <p:sldId id="299" r:id="rId20"/>
   </p:sldIdLst>
@@ -165,6 +165,7 @@
           <p14:sldIdLst>
             <p14:sldId id="256"/>
             <p14:sldId id="293"/>
+            <p14:sldId id="294"/>
             <p14:sldId id="296"/>
             <p14:sldId id="297"/>
             <p14:sldId id="301"/>
@@ -179,7 +180,6 @@
             <p14:sldId id="310"/>
             <p14:sldId id="311"/>
             <p14:sldId id="298"/>
-            <p14:sldId id="294"/>
             <p14:sldId id="300"/>
             <p14:sldId id="299"/>
           </p14:sldIdLst>
@@ -1084,6 +1084,118 @@
           <a:bodyPr/>
           <a:lstStyle/>
           <a:p>
+            <a:pPr lvl="1"/>
+            <a:r>
+              <a:rPr lang="de-DE" baseline="0" noProof="0" smtClean="0"/>
+              <a:t>Meisten nicht </a:t>
+            </a:r>
+            <a:r>
+              <a:rPr lang="de-DE" baseline="0" noProof="0" dirty="0" smtClean="0"/>
+              <a:t>mehr aktiv oder nicht allgemein nutzbar, sondern nur mal für ein oder zwei Paper entwickelt</a:t>
+            </a:r>
+          </a:p>
+          <a:p>
+            <a:pPr lvl="1"/>
+            <a:endParaRPr lang="de-DE" baseline="0" noProof="0" dirty="0" smtClean="0"/>
+          </a:p>
+          <a:p>
+            <a:pPr lvl="1"/>
+            <a:r>
+              <a:rPr lang="de-DE" baseline="0" noProof="0" dirty="0" smtClean="0"/>
+              <a:t>Job </a:t>
+            </a:r>
+            <a:r>
+              <a:rPr lang="de-DE" baseline="0" noProof="0" dirty="0" err="1" smtClean="0"/>
+              <a:t>Scheduling</a:t>
+            </a:r>
+            <a:r>
+              <a:rPr lang="de-DE" baseline="0" noProof="0" dirty="0" smtClean="0"/>
+              <a:t>, Ressourcen können die meisten, außer </a:t>
+            </a:r>
+            <a:r>
+              <a:rPr lang="de-DE" baseline="0" noProof="0" dirty="0" err="1" smtClean="0"/>
+              <a:t>OptorSim</a:t>
+            </a:r>
+            <a:r>
+              <a:rPr lang="de-DE" baseline="0" noProof="0" dirty="0" smtClean="0"/>
+              <a:t>, </a:t>
+            </a:r>
+            <a:r>
+              <a:rPr lang="de-DE" baseline="0" noProof="0" dirty="0" err="1" smtClean="0"/>
+              <a:t>ChicagoSim</a:t>
+            </a:r>
+            <a:r>
+              <a:rPr lang="de-DE" baseline="0" noProof="0" dirty="0" smtClean="0"/>
+              <a:t> weil </a:t>
+            </a:r>
+            <a:r>
+              <a:rPr lang="de-DE" baseline="0" noProof="0" dirty="0" err="1" smtClean="0"/>
+              <a:t>daten</a:t>
+            </a:r>
+            <a:r>
+              <a:rPr lang="de-DE" baseline="0" noProof="0" dirty="0" smtClean="0"/>
+              <a:t> </a:t>
+            </a:r>
+            <a:r>
+              <a:rPr lang="de-DE" baseline="0" noProof="0" dirty="0" err="1" smtClean="0"/>
+              <a:t>replikation</a:t>
+            </a:r>
+            <a:r>
+              <a:rPr lang="de-DE" baseline="0" noProof="0" dirty="0" smtClean="0"/>
+              <a:t> evaluiert wird</a:t>
+            </a:r>
+          </a:p>
+          <a:p>
+            <a:pPr lvl="1"/>
+            <a:endParaRPr lang="de-DE" baseline="0" noProof="0" dirty="0" smtClean="0"/>
+          </a:p>
+          <a:p>
+            <a:pPr lvl="1"/>
+            <a:r>
+              <a:rPr lang="de-DE" baseline="0" noProof="0" dirty="0" smtClean="0"/>
+              <a:t>Heterogene </a:t>
+            </a:r>
+            <a:r>
+              <a:rPr lang="de-DE" baseline="0" noProof="0" dirty="0" err="1" smtClean="0"/>
+              <a:t>Platformen</a:t>
+            </a:r>
+            <a:r>
+              <a:rPr lang="de-DE" baseline="0" noProof="0" dirty="0" smtClean="0"/>
+              <a:t> und Tasks können auch meisten</a:t>
+            </a:r>
+          </a:p>
+          <a:p>
+            <a:pPr lvl="1"/>
+            <a:endParaRPr lang="de-DE" baseline="0" noProof="0" dirty="0" smtClean="0"/>
+          </a:p>
+          <a:p>
+            <a:pPr lvl="1"/>
+            <a:r>
+              <a:rPr lang="de-DE" baseline="0" noProof="0" dirty="0" smtClean="0"/>
+              <a:t>Skalierbar ist </a:t>
+            </a:r>
+            <a:r>
+              <a:rPr lang="de-DE" baseline="0" noProof="0" dirty="0" err="1" smtClean="0"/>
+              <a:t>SimGrid</a:t>
+            </a:r>
+            <a:r>
+              <a:rPr lang="de-DE" baseline="0" noProof="0" dirty="0" smtClean="0"/>
+              <a:t>/</a:t>
+            </a:r>
+            <a:r>
+              <a:rPr lang="de-DE" baseline="0" noProof="0" dirty="0" err="1" smtClean="0"/>
+              <a:t>DGSim</a:t>
+            </a:r>
+            <a:r>
+              <a:rPr lang="de-DE" baseline="0" noProof="0" dirty="0" smtClean="0"/>
+              <a:t>, Palladio fraglich aber durch CACTOS Projekt vermutlich </a:t>
+            </a:r>
+          </a:p>
+          <a:p>
+            <a:pPr lvl="1"/>
+            <a:endParaRPr lang="de-DE" baseline="0" noProof="0" dirty="0" smtClean="0"/>
+          </a:p>
+          <a:p>
             <a:pPr marL="457200" marR="0" lvl="1" indent="0" algn="l" defTabSz="914400" rtl="0" eaLnBrk="0" fontAlgn="base" latinLnBrk="0" hangingPunct="0">
               <a:lnSpc>
                 <a:spcPct val="100000"/>
@@ -1102,110 +1214,16 @@
               <a:defRPr/>
             </a:pPr>
             <a:r>
-              <a:rPr lang="de-DE" dirty="0"/>
-              <a:t>Nutze Simulation, um Lastverteilung bewerten zu können: schneller, genauer</a:t>
-            </a:r>
-          </a:p>
-          <a:p>
-            <a:pPr marL="457200" marR="0" lvl="1" indent="0" algn="l" defTabSz="914400" rtl="0" eaLnBrk="0" fontAlgn="base" latinLnBrk="0" hangingPunct="0">
-              <a:lnSpc>
-                <a:spcPct val="100000"/>
-              </a:lnSpc>
-              <a:spcBef>
-                <a:spcPct val="30000"/>
-              </a:spcBef>
-              <a:spcAft>
-                <a:spcPct val="0"/>
-              </a:spcAft>
-              <a:buClrTx/>
-              <a:buSzTx/>
-              <a:buFontTx/>
-              <a:buNone/>
-              <a:tabLst/>
-              <a:defRPr/>
-            </a:pPr>
-            <a:r>
-              <a:rPr lang="de-DE" dirty="0"/>
-              <a:t>Auch gab es das Bedürfnis ein Simulator für Experimente zu haben schon früher</a:t>
-            </a:r>
-          </a:p>
-          <a:p>
-            <a:pPr marL="457200" marR="0" lvl="1" indent="0" algn="l" defTabSz="914400" rtl="0" eaLnBrk="0" fontAlgn="base" latinLnBrk="0" hangingPunct="0">
-              <a:lnSpc>
-                <a:spcPct val="100000"/>
-              </a:lnSpc>
-              <a:spcBef>
-                <a:spcPct val="30000"/>
-              </a:spcBef>
-              <a:spcAft>
-                <a:spcPct val="0"/>
-              </a:spcAft>
-              <a:buClrTx/>
-              <a:buSzTx/>
-              <a:buFontTx/>
-              <a:buNone/>
-              <a:tabLst/>
-              <a:defRPr/>
-            </a:pPr>
-            <a:endParaRPr lang="de-DE" dirty="0"/>
-          </a:p>
-          <a:p>
-            <a:pPr marL="457200" marR="0" lvl="1" indent="0" algn="l" defTabSz="914400" rtl="0" eaLnBrk="0" fontAlgn="base" latinLnBrk="0" hangingPunct="0">
-              <a:lnSpc>
-                <a:spcPct val="100000"/>
-              </a:lnSpc>
-              <a:spcBef>
-                <a:spcPct val="30000"/>
-              </a:spcBef>
-              <a:spcAft>
-                <a:spcPct val="0"/>
-              </a:spcAft>
-              <a:buClrTx/>
-              <a:buSzTx/>
-              <a:buFontTx/>
-              <a:buNone/>
-              <a:tabLst/>
-              <a:defRPr/>
-            </a:pPr>
-            <a:r>
-              <a:rPr lang="de-DE" dirty="0"/>
-              <a:t>Falls Palladio nicht gut skaliert nutze </a:t>
-            </a:r>
-            <a:r>
-              <a:rPr lang="de-DE" dirty="0" err="1"/>
+              <a:rPr lang="de-DE" noProof="0" dirty="0" err="1" smtClean="0"/>
               <a:t>SimGrid</a:t>
             </a:r>
-            <a:endParaRPr lang="de-DE" dirty="0"/>
+            <a:r>
+              <a:rPr lang="de-DE" baseline="0" noProof="0" dirty="0" smtClean="0"/>
+              <a:t> und Palladio erfüllen Anforderungen</a:t>
+            </a:r>
           </a:p>
           <a:p>
             <a:pPr lvl="1"/>
-            <a:r>
-              <a:rPr lang="de-DE" noProof="0" dirty="0"/>
-              <a:t>Model-</a:t>
-            </a:r>
-            <a:r>
-              <a:rPr lang="de-DE" noProof="0" dirty="0" err="1"/>
-              <a:t>to</a:t>
-            </a:r>
-            <a:r>
-              <a:rPr lang="de-DE" noProof="0" dirty="0"/>
-              <a:t>-model </a:t>
-            </a:r>
-            <a:r>
-              <a:rPr lang="de-DE" noProof="0" dirty="0" smtClean="0"/>
-              <a:t>Transformation</a:t>
-            </a:r>
-          </a:p>
-          <a:p>
-            <a:pPr lvl="1"/>
-            <a:endParaRPr lang="de-DE" noProof="0" dirty="0" smtClean="0"/>
-          </a:p>
-          <a:p>
-            <a:pPr lvl="1"/>
-            <a:r>
-              <a:rPr lang="de-DE" dirty="0" smtClean="0"/>
-              <a:t>Kein Hinweis auf ähnlich große Grid oder Cloud Simulation gefunden</a:t>
-            </a:r>
             <a:endParaRPr lang="de-DE" noProof="0" dirty="0"/>
           </a:p>
         </p:txBody>
@@ -1248,7 +1266,7 @@
     </p:spTree>
     <p:extLst>
       <p:ext uri="{BB962C8B-B14F-4D97-AF65-F5344CB8AC3E}">
-        <p14:creationId xmlns:p14="http://schemas.microsoft.com/office/powerpoint/2010/main" val="677544418"/>
+        <p14:creationId xmlns:p14="http://schemas.microsoft.com/office/powerpoint/2010/main" val="3200010798"/>
       </p:ext>
     </p:extLst>
   </p:cSld>
@@ -1306,33 +1324,129 @@
           <a:bodyPr/>
           <a:lstStyle/>
           <a:p>
+            <a:pPr marL="457200" marR="0" lvl="1" indent="0" algn="l" defTabSz="914400" rtl="0" eaLnBrk="0" fontAlgn="base" latinLnBrk="0" hangingPunct="0">
+              <a:lnSpc>
+                <a:spcPct val="100000"/>
+              </a:lnSpc>
+              <a:spcBef>
+                <a:spcPct val="30000"/>
+              </a:spcBef>
+              <a:spcAft>
+                <a:spcPct val="0"/>
+              </a:spcAft>
+              <a:buClrTx/>
+              <a:buSzTx/>
+              <a:buFontTx/>
+              <a:buNone/>
+              <a:tabLst/>
+              <a:defRPr/>
+            </a:pPr>
+            <a:r>
+              <a:rPr lang="de-DE" dirty="0"/>
+              <a:t>Nutze Simulation, um Lastverteilung bewerten zu können: schneller, genauer</a:t>
+            </a:r>
+          </a:p>
+          <a:p>
+            <a:pPr marL="457200" marR="0" lvl="1" indent="0" algn="l" defTabSz="914400" rtl="0" eaLnBrk="0" fontAlgn="base" latinLnBrk="0" hangingPunct="0">
+              <a:lnSpc>
+                <a:spcPct val="100000"/>
+              </a:lnSpc>
+              <a:spcBef>
+                <a:spcPct val="30000"/>
+              </a:spcBef>
+              <a:spcAft>
+                <a:spcPct val="0"/>
+              </a:spcAft>
+              <a:buClrTx/>
+              <a:buSzTx/>
+              <a:buFontTx/>
+              <a:buNone/>
+              <a:tabLst/>
+              <a:defRPr/>
+            </a:pPr>
+            <a:r>
+              <a:rPr lang="de-DE" dirty="0"/>
+              <a:t>Auch gab es das Bedürfnis ein Simulator für Experimente zu haben schon früher</a:t>
+            </a:r>
+          </a:p>
+          <a:p>
+            <a:pPr marL="457200" marR="0" lvl="1" indent="0" algn="l" defTabSz="914400" rtl="0" eaLnBrk="0" fontAlgn="base" latinLnBrk="0" hangingPunct="0">
+              <a:lnSpc>
+                <a:spcPct val="100000"/>
+              </a:lnSpc>
+              <a:spcBef>
+                <a:spcPct val="30000"/>
+              </a:spcBef>
+              <a:spcAft>
+                <a:spcPct val="0"/>
+              </a:spcAft>
+              <a:buClrTx/>
+              <a:buSzTx/>
+              <a:buFontTx/>
+              <a:buNone/>
+              <a:tabLst/>
+              <a:defRPr/>
+            </a:pPr>
+            <a:endParaRPr lang="de-DE" dirty="0"/>
+          </a:p>
+          <a:p>
+            <a:pPr marL="457200" marR="0" lvl="1" indent="0" algn="l" defTabSz="914400" rtl="0" eaLnBrk="0" fontAlgn="base" latinLnBrk="0" hangingPunct="0">
+              <a:lnSpc>
+                <a:spcPct val="100000"/>
+              </a:lnSpc>
+              <a:spcBef>
+                <a:spcPct val="30000"/>
+              </a:spcBef>
+              <a:spcAft>
+                <a:spcPct val="0"/>
+              </a:spcAft>
+              <a:buClrTx/>
+              <a:buSzTx/>
+              <a:buFontTx/>
+              <a:buNone/>
+              <a:tabLst/>
+              <a:defRPr/>
+            </a:pPr>
+            <a:r>
+              <a:rPr lang="de-DE" dirty="0"/>
+              <a:t>Falls Palladio nicht gut skaliert nutze </a:t>
+            </a:r>
+            <a:r>
+              <a:rPr lang="de-DE" dirty="0" err="1"/>
+              <a:t>SimGrid</a:t>
+            </a:r>
+            <a:endParaRPr lang="de-DE" dirty="0"/>
+          </a:p>
+          <a:p>
             <a:pPr lvl="1"/>
             <a:r>
-              <a:rPr lang="de-DE" dirty="0"/>
-              <a:t>170 Rechenzentren</a:t>
+              <a:rPr lang="de-DE" noProof="0" dirty="0"/>
+              <a:t>Model-</a:t>
+            </a:r>
+            <a:r>
+              <a:rPr lang="de-DE" noProof="0" dirty="0" err="1"/>
+              <a:t>to</a:t>
+            </a:r>
+            <a:r>
+              <a:rPr lang="de-DE" noProof="0" dirty="0"/>
+              <a:t>-model </a:t>
+            </a:r>
+            <a:r>
+              <a:rPr lang="de-DE" noProof="0" dirty="0" smtClean="0"/>
+              <a:t>Transformation</a:t>
             </a:r>
           </a:p>
           <a:p>
             <a:pPr lvl="1"/>
-            <a:r>
-              <a:rPr lang="de-DE" dirty="0"/>
-              <a:t>42 Länder </a:t>
-            </a:r>
+            <a:endParaRPr lang="de-DE" noProof="0" dirty="0" smtClean="0"/>
           </a:p>
           <a:p>
             <a:pPr lvl="1"/>
             <a:r>
-              <a:rPr lang="de-DE" dirty="0"/>
-              <a:t>72.000 CPUs</a:t>
-            </a:r>
-          </a:p>
-          <a:p>
-            <a:pPr lvl="1"/>
-            <a:r>
-              <a:rPr lang="de-DE" dirty="0"/>
-              <a:t>Führt täglich 2 Millionen aus</a:t>
-            </a:r>
-            <a:endParaRPr lang="en-GB" dirty="0"/>
+              <a:rPr lang="de-DE" dirty="0" smtClean="0"/>
+              <a:t>Kein Hinweis auf ähnlich große Grid oder Cloud Simulation gefunden</a:t>
+            </a:r>
+            <a:endParaRPr lang="de-DE" noProof="0" dirty="0"/>
           </a:p>
         </p:txBody>
       </p:sp>
@@ -1374,7 +1488,7 @@
     </p:spTree>
     <p:extLst>
       <p:ext uri="{BB962C8B-B14F-4D97-AF65-F5344CB8AC3E}">
-        <p14:creationId xmlns:p14="http://schemas.microsoft.com/office/powerpoint/2010/main" val="541056630"/>
+        <p14:creationId xmlns:p14="http://schemas.microsoft.com/office/powerpoint/2010/main" val="677544418"/>
       </p:ext>
     </p:extLst>
   </p:cSld>
@@ -1433,6 +1547,31 @@
           <a:lstStyle/>
           <a:p>
             <a:pPr lvl="1"/>
+            <a:r>
+              <a:rPr lang="de-DE" dirty="0"/>
+              <a:t>170 Rechenzentren</a:t>
+            </a:r>
+          </a:p>
+          <a:p>
+            <a:pPr lvl="1"/>
+            <a:r>
+              <a:rPr lang="de-DE" dirty="0"/>
+              <a:t>42 Länder </a:t>
+            </a:r>
+          </a:p>
+          <a:p>
+            <a:pPr lvl="1"/>
+            <a:r>
+              <a:rPr lang="de-DE" dirty="0"/>
+              <a:t>72.000 CPUs</a:t>
+            </a:r>
+          </a:p>
+          <a:p>
+            <a:pPr lvl="1"/>
+            <a:r>
+              <a:rPr lang="de-DE" dirty="0"/>
+              <a:t>Führt täglich 2 Millionen aus</a:t>
+            </a:r>
             <a:endParaRPr lang="en-GB" dirty="0"/>
           </a:p>
         </p:txBody>
@@ -1475,7 +1614,7 @@
     </p:spTree>
     <p:extLst>
       <p:ext uri="{BB962C8B-B14F-4D97-AF65-F5344CB8AC3E}">
-        <p14:creationId xmlns:p14="http://schemas.microsoft.com/office/powerpoint/2010/main" val="212508573"/>
+        <p14:creationId xmlns:p14="http://schemas.microsoft.com/office/powerpoint/2010/main" val="541056630"/>
       </p:ext>
     </p:extLst>
   </p:cSld>
@@ -1576,7 +1715,7 @@
     </p:spTree>
     <p:extLst>
       <p:ext uri="{BB962C8B-B14F-4D97-AF65-F5344CB8AC3E}">
-        <p14:creationId xmlns:p14="http://schemas.microsoft.com/office/powerpoint/2010/main" val="4244901239"/>
+        <p14:creationId xmlns:p14="http://schemas.microsoft.com/office/powerpoint/2010/main" val="212508573"/>
       </p:ext>
     </p:extLst>
   </p:cSld>
@@ -1677,7 +1816,7 @@
     </p:spTree>
     <p:extLst>
       <p:ext uri="{BB962C8B-B14F-4D97-AF65-F5344CB8AC3E}">
-        <p14:creationId xmlns:p14="http://schemas.microsoft.com/office/powerpoint/2010/main" val="3698014133"/>
+        <p14:creationId xmlns:p14="http://schemas.microsoft.com/office/powerpoint/2010/main" val="4244901239"/>
       </p:ext>
     </p:extLst>
   </p:cSld>
@@ -1778,7 +1917,7 @@
     </p:spTree>
     <p:extLst>
       <p:ext uri="{BB962C8B-B14F-4D97-AF65-F5344CB8AC3E}">
-        <p14:creationId xmlns:p14="http://schemas.microsoft.com/office/powerpoint/2010/main" val="2200662428"/>
+        <p14:creationId xmlns:p14="http://schemas.microsoft.com/office/powerpoint/2010/main" val="3698014133"/>
       </p:ext>
     </p:extLst>
   </p:cSld>
@@ -1837,89 +1976,7 @@
           <a:lstStyle/>
           <a:p>
             <a:pPr lvl="1"/>
-            <a:r>
-              <a:rPr lang="de-DE" noProof="0" dirty="0"/>
-              <a:t>Tier0:</a:t>
-            </a:r>
-            <a:r>
-              <a:rPr lang="de-DE" baseline="0" noProof="0" dirty="0"/>
-              <a:t> erzeugt Metadaten (</a:t>
-            </a:r>
-            <a:r>
-              <a:rPr lang="de-DE" baseline="0" noProof="0" dirty="0" err="1"/>
-              <a:t>first</a:t>
-            </a:r>
-            <a:r>
-              <a:rPr lang="de-DE" baseline="0" noProof="0" dirty="0"/>
-              <a:t> pass </a:t>
-            </a:r>
-            <a:r>
-              <a:rPr lang="de-DE" baseline="0" noProof="0" dirty="0" err="1"/>
-              <a:t>reconstruciton</a:t>
-            </a:r>
-            <a:r>
-              <a:rPr lang="de-DE" baseline="0" noProof="0" dirty="0"/>
-              <a:t>)</a:t>
-            </a:r>
-          </a:p>
-          <a:p>
-            <a:pPr lvl="1"/>
-            <a:r>
-              <a:rPr lang="de-DE" baseline="0" noProof="0" dirty="0"/>
-              <a:t>Tier2: oft Institute oder Universitäten, wenig Storage</a:t>
-            </a:r>
-          </a:p>
-          <a:p>
-            <a:pPr lvl="1"/>
-            <a:r>
-              <a:rPr lang="de-DE" noProof="0" dirty="0"/>
-              <a:t>Monte</a:t>
-            </a:r>
-            <a:r>
-              <a:rPr lang="de-DE" baseline="0" noProof="0" dirty="0"/>
-              <a:t> Carlo: Simulation, randomisiert, nicht deterministisch, effizient</a:t>
-            </a:r>
-            <a:endParaRPr lang="de-DE" noProof="0" dirty="0"/>
-          </a:p>
-          <a:p>
-            <a:pPr lvl="1"/>
-            <a:endParaRPr lang="de-DE" noProof="0" dirty="0"/>
-          </a:p>
-          <a:p>
-            <a:pPr lvl="1"/>
-            <a:r>
-              <a:rPr lang="de-DE" noProof="0" dirty="0"/>
-              <a:t>Heterogen:</a:t>
-            </a:r>
-            <a:r>
-              <a:rPr lang="de-DE" baseline="0" noProof="0" dirty="0"/>
-              <a:t> zwischen Rechenzentren, innerhalb und Verbindung</a:t>
-            </a:r>
-            <a:endParaRPr lang="de-DE" noProof="0" dirty="0"/>
-          </a:p>
-          <a:p>
-            <a:pPr lvl="1"/>
-            <a:endParaRPr lang="de-DE" noProof="0" dirty="0"/>
-          </a:p>
-          <a:p>
-            <a:pPr lvl="1"/>
-            <a:r>
-              <a:rPr lang="de-DE" noProof="0" dirty="0"/>
-              <a:t>Unsere</a:t>
-            </a:r>
-            <a:r>
-              <a:rPr lang="de-DE" baseline="0" noProof="0" dirty="0"/>
-              <a:t> Arbeit CMS Computing </a:t>
-            </a:r>
-            <a:r>
-              <a:rPr lang="de-DE" baseline="0" noProof="0" dirty="0" smtClean="0"/>
-              <a:t>Modell, </a:t>
-            </a:r>
-            <a:r>
-              <a:rPr lang="de-DE" baseline="0" noProof="0" dirty="0"/>
-              <a:t>da Zusammenarbeit mit Prof. Quast und die betreuen CMS, aber übertragbar</a:t>
-            </a:r>
-            <a:endParaRPr lang="de-DE" noProof="0" dirty="0"/>
+            <a:endParaRPr lang="en-GB" dirty="0"/>
           </a:p>
         </p:txBody>
       </p:sp>
@@ -1961,7 +2018,7 @@
     </p:spTree>
     <p:extLst>
       <p:ext uri="{BB962C8B-B14F-4D97-AF65-F5344CB8AC3E}">
-        <p14:creationId xmlns:p14="http://schemas.microsoft.com/office/powerpoint/2010/main" val="169600449"/>
+        <p14:creationId xmlns:p14="http://schemas.microsoft.com/office/powerpoint/2010/main" val="2200662428"/>
       </p:ext>
     </p:extLst>
   </p:cSld>
@@ -2400,11 +2457,45 @@
             <a:pPr lvl="1"/>
             <a:r>
               <a:rPr lang="de-DE" noProof="0" dirty="0"/>
-              <a:t>Kann verschiedene Strategien auch schlecht vergleichen</a:t>
+              <a:t>Tier0:</a:t>
             </a:r>
             <a:r>
               <a:rPr lang="de-DE" baseline="0" noProof="0" dirty="0"/>
-              <a:t> ohne Simulation, da Last sich ändert</a:t>
+              <a:t> erzeugt Metadaten (</a:t>
+            </a:r>
+            <a:r>
+              <a:rPr lang="de-DE" baseline="0" noProof="0" dirty="0" err="1"/>
+              <a:t>first</a:t>
+            </a:r>
+            <a:r>
+              <a:rPr lang="de-DE" baseline="0" noProof="0" dirty="0"/>
+              <a:t> pass </a:t>
+            </a:r>
+            <a:r>
+              <a:rPr lang="de-DE" baseline="0" noProof="0" dirty="0" err="1"/>
+              <a:t>reconstruciton</a:t>
+            </a:r>
+            <a:r>
+              <a:rPr lang="de-DE" baseline="0" noProof="0" dirty="0"/>
+              <a:t>)</a:t>
+            </a:r>
+          </a:p>
+          <a:p>
+            <a:pPr lvl="1"/>
+            <a:r>
+              <a:rPr lang="de-DE" baseline="0" noProof="0" dirty="0"/>
+              <a:t>Tier2: oft Institute oder Universitäten, wenig Storage</a:t>
+            </a:r>
+          </a:p>
+          <a:p>
+            <a:pPr lvl="1"/>
+            <a:r>
+              <a:rPr lang="de-DE" noProof="0" dirty="0"/>
+              <a:t>Monte</a:t>
+            </a:r>
+            <a:r>
+              <a:rPr lang="de-DE" baseline="0" noProof="0" dirty="0"/>
+              <a:t> Carlo: Simulation, randomisiert, nicht deterministisch, effizient</a:t>
             </a:r>
             <a:endParaRPr lang="de-DE" noProof="0" dirty="0"/>
           </a:p>
@@ -2416,34 +2507,35 @@
             <a:pPr lvl="1"/>
             <a:r>
               <a:rPr lang="de-DE" noProof="0" dirty="0"/>
-              <a:t>Eher neue Leitung, oder Cache</a:t>
+              <a:t>Heterogen:</a:t>
             </a:r>
             <a:r>
               <a:rPr lang="de-DE" baseline="0" noProof="0" dirty="0"/>
-              <a:t> oder mehr CPU, was bringt die beste Leistung fürs wenigste Geld</a:t>
-            </a:r>
+              <a:t> zwischen Rechenzentren, innerhalb und Verbindung</a:t>
+            </a:r>
+            <a:endParaRPr lang="de-DE" noProof="0" dirty="0"/>
           </a:p>
           <a:p>
             <a:pPr lvl="1"/>
+            <a:endParaRPr lang="de-DE" noProof="0" dirty="0"/>
+          </a:p>
+          <a:p>
+            <a:pPr lvl="1"/>
+            <a:r>
+              <a:rPr lang="de-DE" noProof="0" dirty="0"/>
+              <a:t>Unsere</a:t>
+            </a:r>
             <a:r>
               <a:rPr lang="de-DE" baseline="0" noProof="0" dirty="0"/>
-              <a:t>Alle </a:t>
-            </a:r>
-            <a:r>
-              <a:rPr lang="de-DE" baseline="0" noProof="0" dirty="0" err="1"/>
-              <a:t>side</a:t>
+              <a:t> Arbeit CMS Computing </a:t>
+            </a:r>
+            <a:r>
+              <a:rPr lang="de-DE" baseline="0" noProof="0" dirty="0" smtClean="0"/>
+              <a:t>Modell, </a:t>
             </a:r>
             <a:r>
               <a:rPr lang="de-DE" baseline="0" noProof="0" dirty="0"/>
-              <a:t> </a:t>
-            </a:r>
-            <a:r>
-              <a:rPr lang="de-DE" baseline="0" noProof="0" dirty="0" err="1"/>
-              <a:t>effects</a:t>
-            </a:r>
-            <a:r>
-              <a:rPr lang="de-DE" baseline="0" noProof="0" dirty="0"/>
-              <a:t> kann man nicht berücksichtigen</a:t>
+              <a:t>da Zusammenarbeit mit Prof. Quast und die betreuen CMS, aber übertragbar</a:t>
             </a:r>
             <a:endParaRPr lang="de-DE" noProof="0" dirty="0"/>
           </a:p>
@@ -2487,7 +2579,7 @@
     </p:spTree>
     <p:extLst>
       <p:ext uri="{BB962C8B-B14F-4D97-AF65-F5344CB8AC3E}">
-        <p14:creationId xmlns:p14="http://schemas.microsoft.com/office/powerpoint/2010/main" val="3797985148"/>
+        <p14:creationId xmlns:p14="http://schemas.microsoft.com/office/powerpoint/2010/main" val="169600449"/>
       </p:ext>
     </p:extLst>
   </p:cSld>
@@ -2548,11 +2640,50 @@
             <a:pPr lvl="1"/>
             <a:r>
               <a:rPr lang="de-DE" noProof="0" dirty="0"/>
-              <a:t>Auswirkung wenn Job typen berücksichtigt,</a:t>
+              <a:t>Kann verschiedene Strategien auch schlecht vergleichen</a:t>
             </a:r>
             <a:r>
               <a:rPr lang="de-DE" baseline="0" noProof="0" dirty="0"/>
-              <a:t> was gutes Verhältnis ist</a:t>
+              <a:t> ohne Simulation, da Last sich ändert</a:t>
+            </a:r>
+            <a:endParaRPr lang="de-DE" noProof="0" dirty="0"/>
+          </a:p>
+          <a:p>
+            <a:pPr lvl="1"/>
+            <a:endParaRPr lang="de-DE" noProof="0" dirty="0"/>
+          </a:p>
+          <a:p>
+            <a:pPr lvl="1"/>
+            <a:r>
+              <a:rPr lang="de-DE" noProof="0" dirty="0"/>
+              <a:t>Eher neue Leitung, oder Cache</a:t>
+            </a:r>
+            <a:r>
+              <a:rPr lang="de-DE" baseline="0" noProof="0" dirty="0"/>
+              <a:t> oder mehr CPU, was bringt die beste Leistung fürs wenigste Geld</a:t>
+            </a:r>
+          </a:p>
+          <a:p>
+            <a:pPr lvl="1"/>
+            <a:r>
+              <a:rPr lang="de-DE" baseline="0" noProof="0" dirty="0"/>
+              <a:t>Alle </a:t>
+            </a:r>
+            <a:r>
+              <a:rPr lang="de-DE" baseline="0" noProof="0" dirty="0" err="1"/>
+              <a:t>side</a:t>
+            </a:r>
+            <a:r>
+              <a:rPr lang="de-DE" baseline="0" noProof="0" dirty="0"/>
+              <a:t> </a:t>
+            </a:r>
+            <a:r>
+              <a:rPr lang="de-DE" baseline="0" noProof="0" dirty="0" err="1"/>
+              <a:t>effects</a:t>
+            </a:r>
+            <a:r>
+              <a:rPr lang="de-DE" baseline="0" noProof="0" dirty="0"/>
+              <a:t> kann man nicht berücksichtigen</a:t>
             </a:r>
             <a:endParaRPr lang="de-DE" noProof="0" dirty="0"/>
           </a:p>
@@ -2596,7 +2727,7 @@
     </p:spTree>
     <p:extLst>
       <p:ext uri="{BB962C8B-B14F-4D97-AF65-F5344CB8AC3E}">
-        <p14:creationId xmlns:p14="http://schemas.microsoft.com/office/powerpoint/2010/main" val="3974531283"/>
+        <p14:creationId xmlns:p14="http://schemas.microsoft.com/office/powerpoint/2010/main" val="3797985148"/>
       </p:ext>
     </p:extLst>
   </p:cSld>
@@ -2657,97 +2788,11 @@
             <a:pPr lvl="1"/>
             <a:r>
               <a:rPr lang="de-DE" noProof="0" dirty="0"/>
-              <a:t>Erstelle verschiedene Modelle und erhalte aussage über Qualitätseigenschaften: Performance</a:t>
-            </a:r>
-          </a:p>
-          <a:p>
-            <a:pPr lvl="1"/>
-            <a:endParaRPr lang="de-DE" noProof="0" dirty="0"/>
-          </a:p>
-          <a:p>
-            <a:pPr marL="457200" marR="0" lvl="1" indent="0" algn="l" defTabSz="914400" rtl="0" eaLnBrk="0" fontAlgn="base" latinLnBrk="0" hangingPunct="0">
-              <a:lnSpc>
-                <a:spcPct val="100000"/>
-              </a:lnSpc>
-              <a:spcBef>
-                <a:spcPct val="30000"/>
-              </a:spcBef>
-              <a:spcAft>
-                <a:spcPct val="0"/>
-              </a:spcAft>
-              <a:buClrTx/>
-              <a:buSzTx/>
-              <a:buFontTx/>
-              <a:buNone/>
-              <a:tabLst/>
-              <a:defRPr/>
-            </a:pPr>
-            <a:r>
-              <a:rPr lang="de-DE" noProof="0" dirty="0" err="1"/>
-              <a:t>Palladi</a:t>
-            </a:r>
-            <a:r>
-              <a:rPr lang="de-DE" dirty="0"/>
-              <a:t>o für Simulation von </a:t>
-            </a:r>
-            <a:r>
-              <a:rPr lang="de-DE" dirty="0" err="1"/>
-              <a:t>Lastverteilungsstragien</a:t>
-            </a:r>
-            <a:r>
-              <a:rPr lang="de-DE" dirty="0"/>
-              <a:t> nutzen</a:t>
-            </a:r>
-            <a:endParaRPr lang="de-DE" noProof="0" dirty="0"/>
-          </a:p>
-          <a:p>
-            <a:pPr lvl="1"/>
-            <a:endParaRPr lang="de-DE" noProof="0" dirty="0"/>
-          </a:p>
-          <a:p>
-            <a:pPr lvl="1"/>
-            <a:r>
-              <a:rPr lang="de-DE" noProof="0" dirty="0" err="1"/>
-              <a:t>Architectual</a:t>
+              <a:t>Auswirkung wenn Job typen berücksichtigt,</a:t>
             </a:r>
             <a:r>
               <a:rPr lang="de-DE" baseline="0" noProof="0" dirty="0"/>
-              <a:t> Templates: erlaubt </a:t>
-            </a:r>
-            <a:r>
-              <a:rPr lang="de-DE" baseline="0" noProof="0" dirty="0" err="1"/>
-              <a:t>Ressourceumgebung</a:t>
-            </a:r>
-            <a:r>
-              <a:rPr lang="de-DE" baseline="0" noProof="0" dirty="0"/>
-              <a:t> effizient zu modellieren: anstatt 1000 Server per Hand, Annotation, automatisches </a:t>
-            </a:r>
-            <a:r>
-              <a:rPr lang="de-DE" baseline="0" noProof="0" dirty="0" err="1"/>
-              <a:t>Loadbalancer</a:t>
-            </a:r>
-            <a:endParaRPr lang="de-DE" baseline="0" noProof="0" dirty="0"/>
-          </a:p>
-          <a:p>
-            <a:pPr lvl="1"/>
-            <a:r>
-              <a:rPr lang="de-DE" baseline="0" noProof="0" dirty="0" err="1"/>
-              <a:t>SimuLizar</a:t>
-            </a:r>
-            <a:r>
-              <a:rPr lang="de-DE" baseline="0" noProof="0" dirty="0"/>
-              <a:t>: um selbstadaptive Systeme zu simulieren, passen sich der Last an</a:t>
-            </a:r>
-          </a:p>
-          <a:p>
-            <a:pPr lvl="1"/>
-            <a:endParaRPr lang="de-DE" baseline="0" noProof="0" dirty="0"/>
-          </a:p>
-          <a:p>
-            <a:pPr lvl="1"/>
-            <a:r>
-              <a:rPr lang="de-DE" baseline="0" noProof="0" dirty="0"/>
-              <a:t>Aber nie so großes System simuliert, Skalierbarkeit fraglich</a:t>
+              <a:t> was gutes Verhältnis ist</a:t>
             </a:r>
             <a:endParaRPr lang="de-DE" noProof="0" dirty="0"/>
           </a:p>
@@ -2791,7 +2836,7 @@
     </p:spTree>
     <p:extLst>
       <p:ext uri="{BB962C8B-B14F-4D97-AF65-F5344CB8AC3E}">
-        <p14:creationId xmlns:p14="http://schemas.microsoft.com/office/powerpoint/2010/main" val="3198393181"/>
+        <p14:creationId xmlns:p14="http://schemas.microsoft.com/office/powerpoint/2010/main" val="3974531283"/>
       </p:ext>
     </p:extLst>
   </p:cSld>
@@ -2852,11 +2897,86 @@
             <a:pPr lvl="1"/>
             <a:r>
               <a:rPr lang="de-DE" noProof="0" dirty="0"/>
-              <a:t>Was</a:t>
+              <a:t>Erstelle verschiedene Modelle und erhalte aussage über Qualitätseigenschaften: Performance</a:t>
+            </a:r>
+          </a:p>
+          <a:p>
+            <a:pPr lvl="1"/>
+            <a:endParaRPr lang="de-DE" noProof="0" dirty="0"/>
+          </a:p>
+          <a:p>
+            <a:pPr marL="457200" marR="0" lvl="1" indent="0" algn="l" defTabSz="914400" rtl="0" eaLnBrk="0" fontAlgn="base" latinLnBrk="0" hangingPunct="0">
+              <a:lnSpc>
+                <a:spcPct val="100000"/>
+              </a:lnSpc>
+              <a:spcBef>
+                <a:spcPct val="30000"/>
+              </a:spcBef>
+              <a:spcAft>
+                <a:spcPct val="0"/>
+              </a:spcAft>
+              <a:buClrTx/>
+              <a:buSzTx/>
+              <a:buFontTx/>
+              <a:buNone/>
+              <a:tabLst/>
+              <a:defRPr/>
+            </a:pPr>
+            <a:r>
+              <a:rPr lang="de-DE" noProof="0" dirty="0" err="1"/>
+              <a:t>Palladi</a:t>
+            </a:r>
+            <a:r>
+              <a:rPr lang="de-DE" dirty="0"/>
+              <a:t>o für Simulation von </a:t>
+            </a:r>
+            <a:r>
+              <a:rPr lang="de-DE" dirty="0" err="1"/>
+              <a:t>Lastverteilungsstragien</a:t>
+            </a:r>
+            <a:r>
+              <a:rPr lang="de-DE" dirty="0"/>
+              <a:t> nutzen</a:t>
+            </a:r>
+            <a:endParaRPr lang="de-DE" noProof="0" dirty="0"/>
+          </a:p>
+          <a:p>
+            <a:pPr lvl="1"/>
+            <a:endParaRPr lang="de-DE" noProof="0" dirty="0"/>
+          </a:p>
+          <a:p>
+            <a:pPr lvl="1"/>
+            <a:r>
+              <a:rPr lang="de-DE" noProof="0" dirty="0" err="1"/>
+              <a:t>Architectual</a:t>
             </a:r>
             <a:r>
               <a:rPr lang="de-DE" baseline="0" noProof="0" dirty="0"/>
-              <a:t> es sonst noch für alternativen gibt anstatt Palladio</a:t>
+              <a:t> Templates: erlaubt </a:t>
+            </a:r>
+            <a:r>
+              <a:rPr lang="de-DE" baseline="0" noProof="0" dirty="0" err="1"/>
+              <a:t>Ressourceumgebung</a:t>
+            </a:r>
+            <a:r>
+              <a:rPr lang="de-DE" baseline="0" noProof="0" dirty="0"/>
+              <a:t> effizient zu modellieren: anstatt 1000 Server per Hand, Annotation, automatisches </a:t>
+            </a:r>
+            <a:r>
+              <a:rPr lang="de-DE" baseline="0" noProof="0" dirty="0" err="1"/>
+              <a:t>Loadbalancer</a:t>
+            </a:r>
+            <a:endParaRPr lang="de-DE" baseline="0" noProof="0" dirty="0"/>
+          </a:p>
+          <a:p>
+            <a:pPr lvl="1"/>
+            <a:r>
+              <a:rPr lang="de-DE" baseline="0" noProof="0" dirty="0" err="1"/>
+              <a:t>SimuLizar</a:t>
+            </a:r>
+            <a:r>
+              <a:rPr lang="de-DE" baseline="0" noProof="0" dirty="0"/>
+              <a:t>: um selbstadaptive Systeme zu simulieren, passen sich der Last an</a:t>
             </a:r>
           </a:p>
           <a:p>
@@ -2866,110 +2986,8 @@
           <a:p>
             <a:pPr lvl="1"/>
             <a:r>
-              <a:rPr lang="de-DE" baseline="0" noProof="0" dirty="0" err="1"/>
-              <a:t>SimGrid</a:t>
-            </a:r>
-            <a:r>
               <a:rPr lang="de-DE" baseline="0" noProof="0" dirty="0"/>
-              <a:t>: vielseitig, weit verbreitet </a:t>
-            </a:r>
-          </a:p>
-          <a:p>
-            <a:pPr lvl="1"/>
-            <a:r>
-              <a:rPr lang="de-DE" baseline="0" noProof="0" dirty="0" err="1"/>
-              <a:t>GridSim</a:t>
-            </a:r>
-            <a:r>
-              <a:rPr lang="de-DE" baseline="0" noProof="0" dirty="0"/>
-              <a:t>, </a:t>
-            </a:r>
-            <a:r>
-              <a:rPr lang="de-DE" baseline="0" noProof="0" dirty="0" err="1"/>
-              <a:t>GangSim</a:t>
-            </a:r>
-            <a:r>
-              <a:rPr lang="de-DE" baseline="0" noProof="0" dirty="0"/>
-              <a:t>: weitere Simulatoren um </a:t>
-            </a:r>
-            <a:r>
-              <a:rPr lang="de-DE" baseline="0" noProof="0" dirty="0" err="1"/>
-              <a:t>Scheduling</a:t>
-            </a:r>
-            <a:r>
-              <a:rPr lang="de-DE" baseline="0" noProof="0" dirty="0"/>
-              <a:t> auszuwerten</a:t>
-            </a:r>
-          </a:p>
-          <a:p>
-            <a:pPr lvl="1"/>
-            <a:r>
-              <a:rPr lang="de-DE" baseline="0" noProof="0" dirty="0"/>
-              <a:t>DGSIM: Framework das </a:t>
-            </a:r>
-            <a:r>
-              <a:rPr lang="de-DE" baseline="0" noProof="0" dirty="0" err="1"/>
-              <a:t>simulations</a:t>
-            </a:r>
-            <a:r>
-              <a:rPr lang="de-DE" baseline="0" noProof="0" dirty="0"/>
-              <a:t> Umgebungen verbessert; generiert </a:t>
-            </a:r>
-            <a:r>
-              <a:rPr lang="de-DE" baseline="0" noProof="0" dirty="0" err="1"/>
-              <a:t>Workloads</a:t>
-            </a:r>
-            <a:r>
-              <a:rPr lang="de-DE" baseline="0" noProof="0" dirty="0"/>
-              <a:t>, </a:t>
-            </a:r>
-            <a:r>
-              <a:rPr lang="de-DE" baseline="0" noProof="0" dirty="0" err="1"/>
-              <a:t>Infrasturuktur</a:t>
-            </a:r>
-            <a:endParaRPr lang="de-DE" baseline="0" noProof="0" dirty="0"/>
-          </a:p>
-          <a:p>
-            <a:pPr lvl="1"/>
-            <a:r>
-              <a:rPr lang="de-DE" baseline="0" noProof="0" dirty="0" err="1"/>
-              <a:t>OptorSim</a:t>
-            </a:r>
-            <a:r>
-              <a:rPr lang="de-DE" baseline="0" noProof="0" dirty="0"/>
-              <a:t>, </a:t>
-            </a:r>
-            <a:r>
-              <a:rPr lang="de-DE" baseline="0" noProof="0" dirty="0" err="1"/>
-              <a:t>ChicagoSim</a:t>
-            </a:r>
-            <a:r>
-              <a:rPr lang="de-DE" baseline="0" noProof="0" dirty="0"/>
-              <a:t>: Daten </a:t>
-            </a:r>
-            <a:r>
-              <a:rPr lang="de-DE" baseline="0" noProof="0" dirty="0" err="1"/>
-              <a:t>replications</a:t>
-            </a:r>
-            <a:r>
-              <a:rPr lang="de-DE" baseline="0" noProof="0" dirty="0"/>
-              <a:t> </a:t>
-            </a:r>
-            <a:r>
-              <a:rPr lang="de-DE" baseline="0" noProof="0" dirty="0" err="1"/>
-              <a:t>algorithmen</a:t>
-            </a:r>
-            <a:r>
-              <a:rPr lang="de-DE" baseline="0" noProof="0" dirty="0"/>
-              <a:t> auswerten, simulieren </a:t>
-            </a:r>
-            <a:r>
-              <a:rPr lang="de-DE" baseline="0" noProof="0" dirty="0" err="1"/>
-              <a:t>lokalität</a:t>
-            </a:r>
-            <a:r>
-              <a:rPr lang="de-DE" baseline="0" noProof="0" dirty="0"/>
-              <a:t> der Daten, dafür aber nicht Lastverteilung auswerten</a:t>
+              <a:t>Aber nie so großes System simuliert, Skalierbarkeit fraglich</a:t>
             </a:r>
             <a:endParaRPr lang="de-DE" noProof="0" dirty="0"/>
           </a:p>
@@ -3013,7 +3031,7 @@
     </p:spTree>
     <p:extLst>
       <p:ext uri="{BB962C8B-B14F-4D97-AF65-F5344CB8AC3E}">
-        <p14:creationId xmlns:p14="http://schemas.microsoft.com/office/powerpoint/2010/main" val="1676001940"/>
+        <p14:creationId xmlns:p14="http://schemas.microsoft.com/office/powerpoint/2010/main" val="3198393181"/>
       </p:ext>
     </p:extLst>
   </p:cSld>
@@ -3071,480 +3089,127 @@
           <a:bodyPr/>
           <a:lstStyle/>
           <a:p>
-            <a:r>
-              <a:rPr lang="en-US" sz="1200" b="0" i="0" u="none" strike="noStrike" kern="1200" baseline="0" dirty="0">
-                <a:solidFill>
-                  <a:schemeClr val="tx1"/>
-                </a:solidFill>
-                <a:latin typeface="Arial" charset="0"/>
-                <a:ea typeface="+mn-ea"/>
-                <a:cs typeface="+mn-cs"/>
-              </a:rPr>
-              <a:t>2000 </a:t>
-            </a:r>
-            <a:r>
-              <a:rPr lang="en-US" sz="1200" b="0" i="0" u="none" strike="noStrike" kern="1200" baseline="0" dirty="0" err="1">
-                <a:solidFill>
-                  <a:schemeClr val="tx1"/>
-                </a:solidFill>
-                <a:latin typeface="Arial" charset="0"/>
-                <a:ea typeface="+mn-ea"/>
-                <a:cs typeface="+mn-cs"/>
-              </a:rPr>
-              <a:t>Knoten</a:t>
-            </a:r>
-            <a:r>
-              <a:rPr lang="en-US" sz="1200" b="0" i="0" u="none" strike="noStrike" kern="1200" baseline="0" dirty="0">
-                <a:solidFill>
-                  <a:schemeClr val="tx1"/>
-                </a:solidFill>
-                <a:latin typeface="Arial" charset="0"/>
-                <a:ea typeface="+mn-ea"/>
-                <a:cs typeface="+mn-cs"/>
-              </a:rPr>
-              <a:t> und </a:t>
-            </a:r>
-            <a:r>
-              <a:rPr lang="en-US" sz="1200" b="0" i="0" u="none" strike="noStrike" kern="1200" baseline="0" dirty="0" err="1">
-                <a:solidFill>
-                  <a:schemeClr val="tx1"/>
-                </a:solidFill>
-                <a:latin typeface="Arial" charset="0"/>
-                <a:ea typeface="+mn-ea"/>
-                <a:cs typeface="+mn-cs"/>
-              </a:rPr>
-              <a:t>steigenden</a:t>
-            </a:r>
-            <a:r>
-              <a:rPr lang="en-US" sz="1200" b="0" i="0" u="none" strike="noStrike" kern="1200" baseline="0" dirty="0">
-                <a:solidFill>
-                  <a:schemeClr val="tx1"/>
-                </a:solidFill>
-                <a:latin typeface="Arial" charset="0"/>
-                <a:ea typeface="+mn-ea"/>
-                <a:cs typeface="+mn-cs"/>
-              </a:rPr>
-              <a:t> Tasks</a:t>
-            </a:r>
-          </a:p>
-          <a:p>
-            <a:r>
-              <a:rPr lang="en-US" sz="1200" b="0" i="0" u="none" strike="noStrike" kern="1200" baseline="0" dirty="0" err="1">
-                <a:solidFill>
-                  <a:schemeClr val="tx1"/>
-                </a:solidFill>
-                <a:latin typeface="Arial" charset="0"/>
-                <a:ea typeface="+mn-ea"/>
-                <a:cs typeface="+mn-cs"/>
-              </a:rPr>
+            <a:pPr lvl="1"/>
+            <a:r>
+              <a:rPr lang="de-DE" noProof="0" dirty="0"/>
+              <a:t>Was</a:t>
+            </a:r>
+            <a:r>
+              <a:rPr lang="de-DE" baseline="0" noProof="0" dirty="0"/>
+              <a:t> es sonst noch für alternativen gibt anstatt Palladio</a:t>
+            </a:r>
+          </a:p>
+          <a:p>
+            <a:pPr lvl="1"/>
+            <a:endParaRPr lang="de-DE" baseline="0" noProof="0" dirty="0"/>
+          </a:p>
+          <a:p>
+            <a:pPr lvl="1"/>
+            <a:r>
+              <a:rPr lang="de-DE" baseline="0" noProof="0" dirty="0" err="1"/>
+              <a:t>SimGrid</a:t>
+            </a:r>
+            <a:r>
+              <a:rPr lang="de-DE" baseline="0" noProof="0" dirty="0"/>
+              <a:t>: vielseitig, weit verbreitet </a:t>
+            </a:r>
+          </a:p>
+          <a:p>
+            <a:pPr lvl="1"/>
+            <a:r>
+              <a:rPr lang="de-DE" baseline="0" noProof="0" dirty="0" err="1"/>
               <a:t>GridSim</a:t>
             </a:r>
             <a:r>
-              <a:rPr lang="en-US" sz="1200" b="0" i="0" u="none" strike="noStrike" kern="1200" baseline="0" dirty="0">
-                <a:solidFill>
-                  <a:schemeClr val="tx1"/>
-                </a:solidFill>
-                <a:latin typeface="Arial" charset="0"/>
-                <a:ea typeface="+mn-ea"/>
-                <a:cs typeface="+mn-cs"/>
-              </a:rPr>
+              <a:rPr lang="de-DE" baseline="0" noProof="0" dirty="0"/>
+              <a:t>, </a:t>
+            </a:r>
+            <a:r>
+              <a:rPr lang="de-DE" baseline="0" noProof="0" dirty="0" err="1"/>
+              <a:t>GangSim</a:t>
+            </a:r>
+            <a:r>
+              <a:rPr lang="de-DE" baseline="0" noProof="0" dirty="0"/>
+              <a:t>: weitere Simulatoren um </a:t>
+            </a:r>
+            <a:r>
+              <a:rPr lang="de-DE" baseline="0" noProof="0" dirty="0" err="1"/>
+              <a:t>Scheduling</a:t>
+            </a:r>
+            <a:r>
+              <a:rPr lang="de-DE" baseline="0" noProof="0" dirty="0"/>
+              <a:t> auszuwerten</a:t>
+            </a:r>
+          </a:p>
+          <a:p>
+            <a:pPr lvl="1"/>
+            <a:r>
+              <a:rPr lang="de-DE" baseline="0" noProof="0" dirty="0"/>
+              <a:t>DGSIM: Framework das </a:t>
+            </a:r>
+            <a:r>
+              <a:rPr lang="de-DE" baseline="0" noProof="0" dirty="0" err="1"/>
+              <a:t>simulations</a:t>
+            </a:r>
+            <a:r>
+              <a:rPr lang="de-DE" baseline="0" noProof="0" dirty="0"/>
+              <a:t> Umgebungen verbessert; generiert </a:t>
+            </a:r>
+            <a:r>
+              <a:rPr lang="de-DE" baseline="0" noProof="0" dirty="0" err="1"/>
+              <a:t>Workloads</a:t>
+            </a:r>
+            <a:r>
+              <a:rPr lang="de-DE" baseline="0" noProof="0" dirty="0"/>
+              <a:t>, </a:t>
+            </a:r>
+            <a:r>
+              <a:rPr lang="de-DE" baseline="0" noProof="0" dirty="0" err="1"/>
+              <a:t>Infrasturuktur</a:t>
+            </a:r>
+            <a:endParaRPr lang="de-DE" baseline="0" noProof="0" dirty="0"/>
+          </a:p>
+          <a:p>
+            <a:pPr lvl="1"/>
+            <a:r>
+              <a:rPr lang="de-DE" baseline="0" noProof="0" dirty="0" err="1"/>
+              <a:t>OptorSim</a:t>
+            </a:r>
+            <a:r>
+              <a:rPr lang="de-DE" baseline="0" noProof="0" dirty="0"/>
+              <a:t>, </a:t>
+            </a:r>
+            <a:r>
+              <a:rPr lang="de-DE" baseline="0" noProof="0" dirty="0" err="1"/>
+              <a:t>ChicagoSim</a:t>
+            </a:r>
+            <a:r>
+              <a:rPr lang="de-DE" baseline="0" noProof="0" dirty="0"/>
+              <a:t>: Daten </a:t>
+            </a:r>
+            <a:r>
+              <a:rPr lang="de-DE" baseline="0" noProof="0" dirty="0" err="1"/>
+              <a:t>replications</a:t>
+            </a:r>
+            <a:r>
+              <a:rPr lang="de-DE" baseline="0" noProof="0" dirty="0"/>
               <a:t> </a:t>
             </a:r>
             <a:r>
-              <a:rPr lang="en-US" sz="1200" b="0" i="0" u="none" strike="noStrike" kern="1200" baseline="0" dirty="0" err="1">
-                <a:solidFill>
-                  <a:schemeClr val="tx1"/>
-                </a:solidFill>
-                <a:latin typeface="Arial" charset="0"/>
-                <a:ea typeface="+mn-ea"/>
-                <a:cs typeface="+mn-cs"/>
-              </a:rPr>
-              <a:t>quadratisch</a:t>
-            </a:r>
-            <a:r>
-              <a:rPr lang="en-US" sz="1200" b="0" i="0" u="none" strike="noStrike" kern="1200" baseline="0" dirty="0">
-                <a:solidFill>
-                  <a:schemeClr val="tx1"/>
-                </a:solidFill>
-                <a:latin typeface="Arial" charset="0"/>
-                <a:ea typeface="+mn-ea"/>
-                <a:cs typeface="+mn-cs"/>
-              </a:rPr>
-              <a:t>, </a:t>
-            </a:r>
-            <a:r>
-              <a:rPr lang="en-US" sz="1200" b="0" i="0" u="none" strike="noStrike" kern="1200" baseline="0" dirty="0" err="1">
-                <a:solidFill>
-                  <a:schemeClr val="tx1"/>
-                </a:solidFill>
-                <a:latin typeface="Arial" charset="0"/>
-                <a:ea typeface="+mn-ea"/>
-                <a:cs typeface="+mn-cs"/>
-              </a:rPr>
-              <a:t>SimGrid</a:t>
-            </a:r>
-            <a:r>
-              <a:rPr lang="en-US" sz="1200" b="0" i="0" u="none" strike="noStrike" kern="1200" baseline="0" dirty="0">
-                <a:solidFill>
-                  <a:schemeClr val="tx1"/>
-                </a:solidFill>
-                <a:latin typeface="Arial" charset="0"/>
-                <a:ea typeface="+mn-ea"/>
-                <a:cs typeface="+mn-cs"/>
-              </a:rPr>
-              <a:t> linear</a:t>
-            </a:r>
-          </a:p>
-          <a:p>
-            <a:endParaRPr lang="en-US" sz="1200" b="0" i="0" u="none" strike="noStrike" kern="1200" baseline="0" dirty="0">
-              <a:solidFill>
-                <a:schemeClr val="tx1"/>
-              </a:solidFill>
-              <a:latin typeface="Arial" charset="0"/>
-              <a:ea typeface="+mn-ea"/>
-              <a:cs typeface="+mn-cs"/>
-            </a:endParaRPr>
-          </a:p>
-          <a:p>
-            <a:r>
-              <a:rPr lang="en-US" sz="1200" b="0" i="0" u="none" strike="noStrike" kern="1200" baseline="0" dirty="0" err="1">
-                <a:solidFill>
-                  <a:schemeClr val="tx1"/>
-                </a:solidFill>
-                <a:latin typeface="Arial" charset="0"/>
-                <a:ea typeface="+mn-ea"/>
-                <a:cs typeface="+mn-cs"/>
-              </a:rPr>
-              <a:t>Bei</a:t>
-            </a:r>
-            <a:r>
-              <a:rPr lang="en-US" sz="1200" b="0" i="0" u="none" strike="noStrike" kern="1200" baseline="0" dirty="0">
-                <a:solidFill>
-                  <a:schemeClr val="tx1"/>
-                </a:solidFill>
-                <a:latin typeface="Arial" charset="0"/>
-                <a:ea typeface="+mn-ea"/>
-                <a:cs typeface="+mn-cs"/>
-              </a:rPr>
-              <a:t> 500.000 </a:t>
-            </a:r>
-            <a:r>
-              <a:rPr lang="en-US" sz="1200" b="0" i="0" u="none" strike="noStrike" kern="1200" baseline="0" dirty="0" err="1">
-                <a:solidFill>
-                  <a:schemeClr val="tx1"/>
-                </a:solidFill>
-                <a:latin typeface="Arial" charset="0"/>
-                <a:ea typeface="+mn-ea"/>
-                <a:cs typeface="+mn-cs"/>
-              </a:rPr>
-              <a:t>GridSim</a:t>
-            </a:r>
-            <a:r>
-              <a:rPr lang="en-US" sz="1200" b="0" i="0" u="none" strike="noStrike" kern="1200" baseline="0" dirty="0">
-                <a:solidFill>
-                  <a:schemeClr val="tx1"/>
-                </a:solidFill>
-                <a:latin typeface="Arial" charset="0"/>
-                <a:ea typeface="+mn-ea"/>
-                <a:cs typeface="+mn-cs"/>
-              </a:rPr>
-              <a:t> </a:t>
-            </a:r>
-            <a:r>
-              <a:rPr lang="en-US" sz="1200" b="0" i="0" u="none" strike="noStrike" kern="1200" baseline="0" dirty="0" err="1">
-                <a:solidFill>
-                  <a:schemeClr val="tx1"/>
-                </a:solidFill>
-                <a:latin typeface="Arial" charset="0"/>
-                <a:ea typeface="+mn-ea"/>
-                <a:cs typeface="+mn-cs"/>
-              </a:rPr>
-              <a:t>mehr</a:t>
-            </a:r>
-            <a:r>
-              <a:rPr lang="en-US" sz="1200" b="0" i="0" u="none" strike="noStrike" kern="1200" baseline="0" dirty="0">
-                <a:solidFill>
-                  <a:schemeClr val="tx1"/>
-                </a:solidFill>
-                <a:latin typeface="Arial" charset="0"/>
-                <a:ea typeface="+mn-ea"/>
-                <a:cs typeface="+mn-cs"/>
-              </a:rPr>
-              <a:t> </a:t>
-            </a:r>
-            <a:r>
-              <a:rPr lang="en-US" sz="1200" b="0" i="0" u="none" strike="noStrike" kern="1200" baseline="0" dirty="0" err="1">
-                <a:solidFill>
-                  <a:schemeClr val="tx1"/>
-                </a:solidFill>
-                <a:latin typeface="Arial" charset="0"/>
-                <a:ea typeface="+mn-ea"/>
-                <a:cs typeface="+mn-cs"/>
-              </a:rPr>
-              <a:t>als</a:t>
-            </a:r>
-            <a:r>
-              <a:rPr lang="en-US" sz="1200" b="0" i="0" u="none" strike="noStrike" kern="1200" baseline="0" dirty="0">
-                <a:solidFill>
-                  <a:schemeClr val="tx1"/>
-                </a:solidFill>
-                <a:latin typeface="Arial" charset="0"/>
-                <a:ea typeface="+mn-ea"/>
-                <a:cs typeface="+mn-cs"/>
-              </a:rPr>
-              <a:t> </a:t>
-            </a:r>
-            <a:r>
-              <a:rPr lang="en-US" sz="1200" b="0" i="0" u="none" strike="noStrike" kern="1200" baseline="0" dirty="0" err="1">
-                <a:solidFill>
-                  <a:schemeClr val="tx1"/>
-                </a:solidFill>
-                <a:latin typeface="Arial" charset="0"/>
-                <a:ea typeface="+mn-ea"/>
-                <a:cs typeface="+mn-cs"/>
-              </a:rPr>
-              <a:t>eine</a:t>
-            </a:r>
-            <a:r>
-              <a:rPr lang="en-US" sz="1200" b="0" i="0" u="none" strike="noStrike" kern="1200" baseline="0" dirty="0">
-                <a:solidFill>
-                  <a:schemeClr val="tx1"/>
-                </a:solidFill>
-                <a:latin typeface="Arial" charset="0"/>
-                <a:ea typeface="+mn-ea"/>
-                <a:cs typeface="+mn-cs"/>
-              </a:rPr>
-              <a:t> </a:t>
-            </a:r>
-            <a:r>
-              <a:rPr lang="en-US" sz="1200" b="0" i="0" u="none" strike="noStrike" kern="1200" baseline="0" dirty="0" err="1">
-                <a:solidFill>
-                  <a:schemeClr val="tx1"/>
-                </a:solidFill>
-                <a:latin typeface="Arial" charset="0"/>
-                <a:ea typeface="+mn-ea"/>
-                <a:cs typeface="+mn-cs"/>
-              </a:rPr>
-              <a:t>Stunde</a:t>
-            </a:r>
-            <a:r>
-              <a:rPr lang="en-US" sz="1200" b="0" i="0" u="none" strike="noStrike" kern="1200" baseline="0" dirty="0">
-                <a:solidFill>
-                  <a:schemeClr val="tx1"/>
-                </a:solidFill>
-                <a:latin typeface="Arial" charset="0"/>
-                <a:ea typeface="+mn-ea"/>
-                <a:cs typeface="+mn-cs"/>
-              </a:rPr>
-              <a:t> und 4.4 </a:t>
-            </a:r>
-            <a:r>
-              <a:rPr lang="en-US" sz="1200" b="0" i="0" u="none" strike="noStrike" kern="1200" baseline="0" dirty="0" err="1">
-                <a:solidFill>
-                  <a:schemeClr val="tx1"/>
-                </a:solidFill>
-                <a:latin typeface="Arial" charset="0"/>
-                <a:ea typeface="+mn-ea"/>
-                <a:cs typeface="+mn-cs"/>
-              </a:rPr>
-              <a:t>GiB</a:t>
-            </a:r>
-            <a:r>
-              <a:rPr lang="en-US" sz="1200" b="0" i="0" u="none" strike="noStrike" kern="1200" baseline="0" dirty="0">
-                <a:solidFill>
-                  <a:schemeClr val="tx1"/>
-                </a:solidFill>
-                <a:latin typeface="Arial" charset="0"/>
-                <a:ea typeface="+mn-ea"/>
-                <a:cs typeface="+mn-cs"/>
-              </a:rPr>
-              <a:t> und </a:t>
-            </a:r>
-            <a:r>
-              <a:rPr lang="en-US" sz="1200" b="0" i="0" u="none" strike="noStrike" kern="1200" baseline="0" dirty="0" err="1">
-                <a:solidFill>
-                  <a:schemeClr val="tx1"/>
-                </a:solidFill>
-                <a:latin typeface="Arial" charset="0"/>
-                <a:ea typeface="+mn-ea"/>
-                <a:cs typeface="+mn-cs"/>
-              </a:rPr>
-              <a:t>SimGrid</a:t>
-            </a:r>
-            <a:r>
-              <a:rPr lang="en-US" sz="1200" b="0" i="0" u="none" strike="noStrike" kern="1200" baseline="0" dirty="0">
-                <a:solidFill>
-                  <a:schemeClr val="tx1"/>
-                </a:solidFill>
-                <a:latin typeface="Arial" charset="0"/>
-                <a:ea typeface="+mn-ea"/>
-                <a:cs typeface="+mn-cs"/>
-              </a:rPr>
-              <a:t> </a:t>
-            </a:r>
-            <a:r>
-              <a:rPr lang="en-US" sz="1200" b="0" i="0" u="none" strike="noStrike" kern="1200" baseline="0" dirty="0" err="1">
-                <a:solidFill>
-                  <a:schemeClr val="tx1"/>
-                </a:solidFill>
-                <a:latin typeface="Arial" charset="0"/>
-                <a:ea typeface="+mn-ea"/>
-                <a:cs typeface="+mn-cs"/>
-              </a:rPr>
-              <a:t>weniger</a:t>
-            </a:r>
-            <a:r>
-              <a:rPr lang="en-US" sz="1200" b="0" i="0" u="none" strike="noStrike" kern="1200" baseline="0" dirty="0">
-                <a:solidFill>
-                  <a:schemeClr val="tx1"/>
-                </a:solidFill>
-                <a:latin typeface="Arial" charset="0"/>
-                <a:ea typeface="+mn-ea"/>
-                <a:cs typeface="+mn-cs"/>
-              </a:rPr>
-              <a:t> </a:t>
-            </a:r>
-            <a:r>
-              <a:rPr lang="en-US" sz="1200" b="0" i="0" u="none" strike="noStrike" kern="1200" baseline="0" dirty="0" err="1">
-                <a:solidFill>
-                  <a:schemeClr val="tx1"/>
-                </a:solidFill>
-                <a:latin typeface="Arial" charset="0"/>
-                <a:ea typeface="+mn-ea"/>
-                <a:cs typeface="+mn-cs"/>
-              </a:rPr>
-              <a:t>als</a:t>
-            </a:r>
-            <a:r>
-              <a:rPr lang="en-US" sz="1200" b="0" i="0" u="none" strike="noStrike" kern="1200" baseline="0" dirty="0">
-                <a:solidFill>
-                  <a:schemeClr val="tx1"/>
-                </a:solidFill>
-                <a:latin typeface="Arial" charset="0"/>
-                <a:ea typeface="+mn-ea"/>
-                <a:cs typeface="+mn-cs"/>
-              </a:rPr>
-              <a:t> 14 </a:t>
-            </a:r>
-            <a:r>
-              <a:rPr lang="en-US" sz="1200" b="0" i="0" u="none" strike="noStrike" kern="1200" baseline="0" dirty="0" err="1">
-                <a:solidFill>
-                  <a:schemeClr val="tx1"/>
-                </a:solidFill>
-                <a:latin typeface="Arial" charset="0"/>
-                <a:ea typeface="+mn-ea"/>
-                <a:cs typeface="+mn-cs"/>
-              </a:rPr>
-              <a:t>Sekunden</a:t>
-            </a:r>
-            <a:r>
-              <a:rPr lang="en-US" sz="1200" b="0" i="0" u="none" strike="noStrike" kern="1200" baseline="0" dirty="0">
-                <a:solidFill>
-                  <a:schemeClr val="tx1"/>
-                </a:solidFill>
-                <a:latin typeface="Arial" charset="0"/>
-                <a:ea typeface="+mn-ea"/>
-                <a:cs typeface="+mn-cs"/>
-              </a:rPr>
-              <a:t> und </a:t>
-            </a:r>
-            <a:r>
-              <a:rPr lang="en-US" sz="1200" b="0" i="0" u="none" strike="noStrike" kern="1200" baseline="0" dirty="0" err="1">
-                <a:solidFill>
-                  <a:schemeClr val="tx1"/>
-                </a:solidFill>
-                <a:latin typeface="Arial" charset="0"/>
-                <a:ea typeface="+mn-ea"/>
-                <a:cs typeface="+mn-cs"/>
-              </a:rPr>
-              <a:t>nur</a:t>
-            </a:r>
-            <a:r>
-              <a:rPr lang="en-US" sz="1200" b="0" i="0" u="none" strike="noStrike" kern="1200" baseline="0" dirty="0">
-                <a:solidFill>
-                  <a:schemeClr val="tx1"/>
-                </a:solidFill>
-                <a:latin typeface="Arial" charset="0"/>
-                <a:ea typeface="+mn-ea"/>
-                <a:cs typeface="+mn-cs"/>
-              </a:rPr>
-              <a:t> 165 </a:t>
-            </a:r>
-            <a:r>
-              <a:rPr lang="en-US" sz="1200" b="0" i="0" u="none" strike="noStrike" kern="1200" baseline="0" dirty="0" err="1">
-                <a:solidFill>
-                  <a:schemeClr val="tx1"/>
-                </a:solidFill>
-                <a:latin typeface="Arial" charset="0"/>
-                <a:ea typeface="+mn-ea"/>
-                <a:cs typeface="+mn-cs"/>
-              </a:rPr>
-              <a:t>MiB</a:t>
-            </a:r>
-            <a:endParaRPr lang="en-US" sz="1200" b="0" i="0" u="none" strike="noStrike" kern="1200" baseline="0" dirty="0">
-              <a:solidFill>
-                <a:schemeClr val="tx1"/>
-              </a:solidFill>
-              <a:latin typeface="Arial" charset="0"/>
-              <a:ea typeface="+mn-ea"/>
-              <a:cs typeface="+mn-cs"/>
-            </a:endParaRPr>
-          </a:p>
-          <a:p>
-            <a:r>
-              <a:rPr lang="en-US" sz="1200" b="0" i="0" u="none" strike="noStrike" kern="1200" baseline="0" dirty="0" err="1">
-                <a:solidFill>
-                  <a:schemeClr val="tx1"/>
-                </a:solidFill>
-                <a:latin typeface="Arial" charset="0"/>
-                <a:ea typeface="+mn-ea"/>
-                <a:cs typeface="+mn-cs"/>
-              </a:rPr>
-              <a:t>Optimirungen</a:t>
-            </a:r>
-            <a:r>
-              <a:rPr lang="en-US" sz="1200" b="0" i="0" u="none" strike="noStrike" kern="1200" baseline="0" dirty="0">
-                <a:solidFill>
-                  <a:schemeClr val="tx1"/>
-                </a:solidFill>
-                <a:latin typeface="Arial" charset="0"/>
-                <a:ea typeface="+mn-ea"/>
-                <a:cs typeface="+mn-cs"/>
-              </a:rPr>
-              <a:t>: light-weight execution contexts, using lazy activity updates, and using trace integration for </a:t>
-            </a:r>
-            <a:r>
-              <a:rPr lang="de-DE" sz="1200" b="0" i="0" u="none" strike="noStrike" kern="1200" baseline="0" dirty="0" err="1">
-                <a:solidFill>
-                  <a:schemeClr val="tx1"/>
-                </a:solidFill>
-                <a:latin typeface="Arial" charset="0"/>
-                <a:ea typeface="+mn-ea"/>
-                <a:cs typeface="+mn-cs"/>
-              </a:rPr>
-              <a:t>resource</a:t>
-            </a:r>
-            <a:r>
-              <a:rPr lang="de-DE" sz="1200" b="0" i="0" u="none" strike="noStrike" kern="1200" baseline="0" dirty="0">
-                <a:solidFill>
-                  <a:schemeClr val="tx1"/>
-                </a:solidFill>
-                <a:latin typeface="Arial" charset="0"/>
-                <a:ea typeface="+mn-ea"/>
-                <a:cs typeface="+mn-cs"/>
-              </a:rPr>
-              <a:t> </a:t>
-            </a:r>
-            <a:r>
-              <a:rPr lang="de-DE" sz="1200" b="0" i="0" u="none" strike="noStrike" kern="1200" baseline="0" dirty="0" err="1">
-                <a:solidFill>
-                  <a:schemeClr val="tx1"/>
-                </a:solidFill>
-                <a:latin typeface="Arial" charset="0"/>
-                <a:ea typeface="+mn-ea"/>
-                <a:cs typeface="+mn-cs"/>
-              </a:rPr>
-              <a:t>management</a:t>
+              <a:rPr lang="de-DE" baseline="0" noProof="0" dirty="0" err="1"/>
+              <a:t>algorithmen</a:t>
+            </a:r>
+            <a:r>
+              <a:rPr lang="de-DE" baseline="0" noProof="0" dirty="0"/>
+              <a:t> auswerten, simulieren </a:t>
+            </a:r>
+            <a:r>
+              <a:rPr lang="de-DE" baseline="0" noProof="0" dirty="0" err="1"/>
+              <a:t>lokalität</a:t>
+            </a:r>
+            <a:r>
+              <a:rPr lang="de-DE" baseline="0" noProof="0" dirty="0"/>
+              <a:t> der Daten, dafür aber nicht Lastverteilung auswerten</a:t>
             </a:r>
             <a:endParaRPr lang="de-DE" noProof="0" dirty="0"/>
           </a:p>
@@ -3588,7 +3253,7 @@
     </p:spTree>
     <p:extLst>
       <p:ext uri="{BB962C8B-B14F-4D97-AF65-F5344CB8AC3E}">
-        <p14:creationId xmlns:p14="http://schemas.microsoft.com/office/powerpoint/2010/main" val="4121128057"/>
+        <p14:creationId xmlns:p14="http://schemas.microsoft.com/office/powerpoint/2010/main" val="1676001940"/>
       </p:ext>
     </p:extLst>
   </p:cSld>
@@ -3646,87 +3311,482 @@
           <a:bodyPr/>
           <a:lstStyle/>
           <a:p>
-            <a:pPr lvl="1"/>
-            <a:r>
-              <a:rPr lang="de-DE" noProof="0" dirty="0" err="1"/>
-              <a:t>Hierachische</a:t>
-            </a:r>
-            <a:r>
-              <a:rPr lang="de-DE" noProof="0" dirty="0"/>
-              <a:t> 3 Tier</a:t>
-            </a:r>
-            <a:r>
-              <a:rPr lang="de-DE" baseline="0" noProof="0" dirty="0"/>
-              <a:t> Struktur am besten </a:t>
-            </a:r>
-            <a:r>
-              <a:rPr lang="de-DE" baseline="0" noProof="0" dirty="0" err="1"/>
-              <a:t>performed</a:t>
-            </a:r>
-            <a:r>
-              <a:rPr lang="de-DE" baseline="0" noProof="0" dirty="0"/>
-              <a:t> [10]</a:t>
-            </a:r>
-          </a:p>
-          <a:p>
-            <a:pPr lvl="1"/>
-            <a:endParaRPr lang="de-DE" baseline="0" noProof="0" dirty="0"/>
-          </a:p>
-          <a:p>
-            <a:pPr lvl="1"/>
-            <a:r>
-              <a:rPr lang="de-DE" baseline="0" noProof="0" dirty="0"/>
-              <a:t>Ähnliche Idee was wir machen wollen</a:t>
-            </a:r>
-          </a:p>
-          <a:p>
-            <a:pPr lvl="1"/>
-            <a:endParaRPr lang="de-DE" baseline="0" noProof="0" dirty="0"/>
-          </a:p>
-          <a:p>
-            <a:pPr lvl="1"/>
-            <a:r>
-              <a:rPr lang="de-DE" baseline="0" noProof="0" dirty="0" err="1"/>
-              <a:t>Immernoch</a:t>
-            </a:r>
-            <a:r>
-              <a:rPr lang="de-DE" baseline="0" noProof="0" dirty="0"/>
-              <a:t> für </a:t>
-            </a:r>
-            <a:r>
-              <a:rPr lang="de-DE" baseline="0" noProof="0" dirty="0" err="1"/>
-              <a:t>experimente</a:t>
-            </a:r>
-            <a:r>
-              <a:rPr lang="de-DE" baseline="0" noProof="0" dirty="0"/>
-              <a:t> am CERN, aber auch allgemein nutzbar</a:t>
-            </a:r>
-          </a:p>
-          <a:p>
-            <a:pPr lvl="1"/>
-            <a:r>
-              <a:rPr lang="de-DE" baseline="0" noProof="0" dirty="0"/>
-              <a:t>Würde erst denken dass optimales Werkzeug</a:t>
-            </a:r>
-          </a:p>
-          <a:p>
-            <a:pPr lvl="1"/>
-            <a:endParaRPr lang="de-DE" baseline="0" noProof="0" dirty="0"/>
-          </a:p>
-          <a:p>
-            <a:pPr lvl="1"/>
-            <a:r>
-              <a:rPr lang="de-DE" baseline="0" noProof="0" dirty="0"/>
-              <a:t>Prag Tier 2 </a:t>
-            </a:r>
-            <a:r>
-              <a:rPr lang="de-DE" baseline="0" noProof="0" dirty="0" err="1"/>
-              <a:t>Node</a:t>
-            </a:r>
-            <a:r>
-              <a:rPr lang="de-DE" baseline="0" noProof="0" dirty="0"/>
-              <a:t> 3000 CPUs, Netzwerk Last auch nicht genau</a:t>
-            </a:r>
+            <a:r>
+              <a:rPr lang="en-US" sz="1200" b="0" i="0" u="none" strike="noStrike" kern="1200" baseline="0" dirty="0">
+                <a:solidFill>
+                  <a:schemeClr val="tx1"/>
+                </a:solidFill>
+                <a:latin typeface="Arial" charset="0"/>
+                <a:ea typeface="+mn-ea"/>
+                <a:cs typeface="+mn-cs"/>
+              </a:rPr>
+              <a:t>2000 </a:t>
+            </a:r>
+            <a:r>
+              <a:rPr lang="en-US" sz="1200" b="0" i="0" u="none" strike="noStrike" kern="1200" baseline="0" dirty="0" err="1">
+                <a:solidFill>
+                  <a:schemeClr val="tx1"/>
+                </a:solidFill>
+                <a:latin typeface="Arial" charset="0"/>
+                <a:ea typeface="+mn-ea"/>
+                <a:cs typeface="+mn-cs"/>
+              </a:rPr>
+              <a:t>Knoten</a:t>
+            </a:r>
+            <a:r>
+              <a:rPr lang="en-US" sz="1200" b="0" i="0" u="none" strike="noStrike" kern="1200" baseline="0" dirty="0">
+                <a:solidFill>
+                  <a:schemeClr val="tx1"/>
+                </a:solidFill>
+                <a:latin typeface="Arial" charset="0"/>
+                <a:ea typeface="+mn-ea"/>
+                <a:cs typeface="+mn-cs"/>
+              </a:rPr>
+              <a:t> und </a:t>
+            </a:r>
+            <a:r>
+              <a:rPr lang="en-US" sz="1200" b="0" i="0" u="none" strike="noStrike" kern="1200" baseline="0" dirty="0" err="1">
+                <a:solidFill>
+                  <a:schemeClr val="tx1"/>
+                </a:solidFill>
+                <a:latin typeface="Arial" charset="0"/>
+                <a:ea typeface="+mn-ea"/>
+                <a:cs typeface="+mn-cs"/>
+              </a:rPr>
+              <a:t>steigenden</a:t>
+            </a:r>
+            <a:r>
+              <a:rPr lang="en-US" sz="1200" b="0" i="0" u="none" strike="noStrike" kern="1200" baseline="0" dirty="0">
+                <a:solidFill>
+                  <a:schemeClr val="tx1"/>
+                </a:solidFill>
+                <a:latin typeface="Arial" charset="0"/>
+                <a:ea typeface="+mn-ea"/>
+                <a:cs typeface="+mn-cs"/>
+              </a:rPr>
+              <a:t> Tasks</a:t>
+            </a:r>
+          </a:p>
+          <a:p>
+            <a:r>
+              <a:rPr lang="en-US" sz="1200" b="0" i="0" u="none" strike="noStrike" kern="1200" baseline="0" dirty="0" err="1">
+                <a:solidFill>
+                  <a:schemeClr val="tx1"/>
+                </a:solidFill>
+                <a:latin typeface="Arial" charset="0"/>
+                <a:ea typeface="+mn-ea"/>
+                <a:cs typeface="+mn-cs"/>
+              </a:rPr>
+              <a:t>GridSim</a:t>
+            </a:r>
+            <a:r>
+              <a:rPr lang="en-US" sz="1200" b="0" i="0" u="none" strike="noStrike" kern="1200" baseline="0" dirty="0">
+                <a:solidFill>
+                  <a:schemeClr val="tx1"/>
+                </a:solidFill>
+                <a:latin typeface="Arial" charset="0"/>
+                <a:ea typeface="+mn-ea"/>
+                <a:cs typeface="+mn-cs"/>
+              </a:rPr>
+              <a:t> </a:t>
+            </a:r>
+            <a:r>
+              <a:rPr lang="en-US" sz="1200" b="0" i="0" u="none" strike="noStrike" kern="1200" baseline="0" dirty="0" err="1">
+                <a:solidFill>
+                  <a:schemeClr val="tx1"/>
+                </a:solidFill>
+                <a:latin typeface="Arial" charset="0"/>
+                <a:ea typeface="+mn-ea"/>
+                <a:cs typeface="+mn-cs"/>
+              </a:rPr>
+              <a:t>quadratisch</a:t>
+            </a:r>
+            <a:r>
+              <a:rPr lang="en-US" sz="1200" b="0" i="0" u="none" strike="noStrike" kern="1200" baseline="0" dirty="0">
+                <a:solidFill>
+                  <a:schemeClr val="tx1"/>
+                </a:solidFill>
+                <a:latin typeface="Arial" charset="0"/>
+                <a:ea typeface="+mn-ea"/>
+                <a:cs typeface="+mn-cs"/>
+              </a:rPr>
+              <a:t>, </a:t>
+            </a:r>
+            <a:r>
+              <a:rPr lang="en-US" sz="1200" b="0" i="0" u="none" strike="noStrike" kern="1200" baseline="0" dirty="0" err="1">
+                <a:solidFill>
+                  <a:schemeClr val="tx1"/>
+                </a:solidFill>
+                <a:latin typeface="Arial" charset="0"/>
+                <a:ea typeface="+mn-ea"/>
+                <a:cs typeface="+mn-cs"/>
+              </a:rPr>
+              <a:t>SimGrid</a:t>
+            </a:r>
+            <a:r>
+              <a:rPr lang="en-US" sz="1200" b="0" i="0" u="none" strike="noStrike" kern="1200" baseline="0" dirty="0">
+                <a:solidFill>
+                  <a:schemeClr val="tx1"/>
+                </a:solidFill>
+                <a:latin typeface="Arial" charset="0"/>
+                <a:ea typeface="+mn-ea"/>
+                <a:cs typeface="+mn-cs"/>
+              </a:rPr>
+              <a:t> linear</a:t>
+            </a:r>
+          </a:p>
+          <a:p>
+            <a:endParaRPr lang="en-US" sz="1200" b="0" i="0" u="none" strike="noStrike" kern="1200" baseline="0" dirty="0">
+              <a:solidFill>
+                <a:schemeClr val="tx1"/>
+              </a:solidFill>
+              <a:latin typeface="Arial" charset="0"/>
+              <a:ea typeface="+mn-ea"/>
+              <a:cs typeface="+mn-cs"/>
+            </a:endParaRPr>
+          </a:p>
+          <a:p>
+            <a:r>
+              <a:rPr lang="en-US" sz="1200" b="0" i="0" u="none" strike="noStrike" kern="1200" baseline="0" dirty="0" err="1">
+                <a:solidFill>
+                  <a:schemeClr val="tx1"/>
+                </a:solidFill>
+                <a:latin typeface="Arial" charset="0"/>
+                <a:ea typeface="+mn-ea"/>
+                <a:cs typeface="+mn-cs"/>
+              </a:rPr>
+              <a:t>Bei</a:t>
+            </a:r>
+            <a:r>
+              <a:rPr lang="en-US" sz="1200" b="0" i="0" u="none" strike="noStrike" kern="1200" baseline="0" dirty="0">
+                <a:solidFill>
+                  <a:schemeClr val="tx1"/>
+                </a:solidFill>
+                <a:latin typeface="Arial" charset="0"/>
+                <a:ea typeface="+mn-ea"/>
+                <a:cs typeface="+mn-cs"/>
+              </a:rPr>
+              <a:t> 500.000 </a:t>
+            </a:r>
+            <a:r>
+              <a:rPr lang="en-US" sz="1200" b="0" i="0" u="none" strike="noStrike" kern="1200" baseline="0" dirty="0" err="1">
+                <a:solidFill>
+                  <a:schemeClr val="tx1"/>
+                </a:solidFill>
+                <a:latin typeface="Arial" charset="0"/>
+                <a:ea typeface="+mn-ea"/>
+                <a:cs typeface="+mn-cs"/>
+              </a:rPr>
+              <a:t>GridSim</a:t>
+            </a:r>
+            <a:r>
+              <a:rPr lang="en-US" sz="1200" b="0" i="0" u="none" strike="noStrike" kern="1200" baseline="0" dirty="0">
+                <a:solidFill>
+                  <a:schemeClr val="tx1"/>
+                </a:solidFill>
+                <a:latin typeface="Arial" charset="0"/>
+                <a:ea typeface="+mn-ea"/>
+                <a:cs typeface="+mn-cs"/>
+              </a:rPr>
+              <a:t> </a:t>
+            </a:r>
+            <a:r>
+              <a:rPr lang="en-US" sz="1200" b="0" i="0" u="none" strike="noStrike" kern="1200" baseline="0" dirty="0" err="1">
+                <a:solidFill>
+                  <a:schemeClr val="tx1"/>
+                </a:solidFill>
+                <a:latin typeface="Arial" charset="0"/>
+                <a:ea typeface="+mn-ea"/>
+                <a:cs typeface="+mn-cs"/>
+              </a:rPr>
+              <a:t>mehr</a:t>
+            </a:r>
+            <a:r>
+              <a:rPr lang="en-US" sz="1200" b="0" i="0" u="none" strike="noStrike" kern="1200" baseline="0" dirty="0">
+                <a:solidFill>
+                  <a:schemeClr val="tx1"/>
+                </a:solidFill>
+                <a:latin typeface="Arial" charset="0"/>
+                <a:ea typeface="+mn-ea"/>
+                <a:cs typeface="+mn-cs"/>
+              </a:rPr>
+              <a:t> </a:t>
+            </a:r>
+            <a:r>
+              <a:rPr lang="en-US" sz="1200" b="0" i="0" u="none" strike="noStrike" kern="1200" baseline="0" dirty="0" err="1">
+                <a:solidFill>
+                  <a:schemeClr val="tx1"/>
+                </a:solidFill>
+                <a:latin typeface="Arial" charset="0"/>
+                <a:ea typeface="+mn-ea"/>
+                <a:cs typeface="+mn-cs"/>
+              </a:rPr>
+              <a:t>als</a:t>
+            </a:r>
+            <a:r>
+              <a:rPr lang="en-US" sz="1200" b="0" i="0" u="none" strike="noStrike" kern="1200" baseline="0" dirty="0">
+                <a:solidFill>
+                  <a:schemeClr val="tx1"/>
+                </a:solidFill>
+                <a:latin typeface="Arial" charset="0"/>
+                <a:ea typeface="+mn-ea"/>
+                <a:cs typeface="+mn-cs"/>
+              </a:rPr>
+              <a:t> </a:t>
+            </a:r>
+            <a:r>
+              <a:rPr lang="en-US" sz="1200" b="0" i="0" u="none" strike="noStrike" kern="1200" baseline="0" dirty="0" err="1">
+                <a:solidFill>
+                  <a:schemeClr val="tx1"/>
+                </a:solidFill>
+                <a:latin typeface="Arial" charset="0"/>
+                <a:ea typeface="+mn-ea"/>
+                <a:cs typeface="+mn-cs"/>
+              </a:rPr>
+              <a:t>eine</a:t>
+            </a:r>
+            <a:r>
+              <a:rPr lang="en-US" sz="1200" b="0" i="0" u="none" strike="noStrike" kern="1200" baseline="0" dirty="0">
+                <a:solidFill>
+                  <a:schemeClr val="tx1"/>
+                </a:solidFill>
+                <a:latin typeface="Arial" charset="0"/>
+                <a:ea typeface="+mn-ea"/>
+                <a:cs typeface="+mn-cs"/>
+              </a:rPr>
+              <a:t> </a:t>
+            </a:r>
+            <a:r>
+              <a:rPr lang="en-US" sz="1200" b="0" i="0" u="none" strike="noStrike" kern="1200" baseline="0" dirty="0" err="1">
+                <a:solidFill>
+                  <a:schemeClr val="tx1"/>
+                </a:solidFill>
+                <a:latin typeface="Arial" charset="0"/>
+                <a:ea typeface="+mn-ea"/>
+                <a:cs typeface="+mn-cs"/>
+              </a:rPr>
+              <a:t>Stunde</a:t>
+            </a:r>
+            <a:r>
+              <a:rPr lang="en-US" sz="1200" b="0" i="0" u="none" strike="noStrike" kern="1200" baseline="0" dirty="0">
+                <a:solidFill>
+                  <a:schemeClr val="tx1"/>
+                </a:solidFill>
+                <a:latin typeface="Arial" charset="0"/>
+                <a:ea typeface="+mn-ea"/>
+                <a:cs typeface="+mn-cs"/>
+              </a:rPr>
+              <a:t> und 4.4 </a:t>
+            </a:r>
+            <a:r>
+              <a:rPr lang="en-US" sz="1200" b="0" i="0" u="none" strike="noStrike" kern="1200" baseline="0" dirty="0" err="1">
+                <a:solidFill>
+                  <a:schemeClr val="tx1"/>
+                </a:solidFill>
+                <a:latin typeface="Arial" charset="0"/>
+                <a:ea typeface="+mn-ea"/>
+                <a:cs typeface="+mn-cs"/>
+              </a:rPr>
+              <a:t>GiB</a:t>
+            </a:r>
+            <a:r>
+              <a:rPr lang="en-US" sz="1200" b="0" i="0" u="none" strike="noStrike" kern="1200" baseline="0" dirty="0">
+                <a:solidFill>
+                  <a:schemeClr val="tx1"/>
+                </a:solidFill>
+                <a:latin typeface="Arial" charset="0"/>
+                <a:ea typeface="+mn-ea"/>
+                <a:cs typeface="+mn-cs"/>
+              </a:rPr>
+              <a:t> und </a:t>
+            </a:r>
+            <a:r>
+              <a:rPr lang="en-US" sz="1200" b="0" i="0" u="none" strike="noStrike" kern="1200" baseline="0" dirty="0" err="1">
+                <a:solidFill>
+                  <a:schemeClr val="tx1"/>
+                </a:solidFill>
+                <a:latin typeface="Arial" charset="0"/>
+                <a:ea typeface="+mn-ea"/>
+                <a:cs typeface="+mn-cs"/>
+              </a:rPr>
+              <a:t>SimGrid</a:t>
+            </a:r>
+            <a:r>
+              <a:rPr lang="en-US" sz="1200" b="0" i="0" u="none" strike="noStrike" kern="1200" baseline="0" dirty="0">
+                <a:solidFill>
+                  <a:schemeClr val="tx1"/>
+                </a:solidFill>
+                <a:latin typeface="Arial" charset="0"/>
+                <a:ea typeface="+mn-ea"/>
+                <a:cs typeface="+mn-cs"/>
+              </a:rPr>
+              <a:t> </a:t>
+            </a:r>
+            <a:r>
+              <a:rPr lang="en-US" sz="1200" b="0" i="0" u="none" strike="noStrike" kern="1200" baseline="0" dirty="0" err="1">
+                <a:solidFill>
+                  <a:schemeClr val="tx1"/>
+                </a:solidFill>
+                <a:latin typeface="Arial" charset="0"/>
+                <a:ea typeface="+mn-ea"/>
+                <a:cs typeface="+mn-cs"/>
+              </a:rPr>
+              <a:t>weniger</a:t>
+            </a:r>
+            <a:r>
+              <a:rPr lang="en-US" sz="1200" b="0" i="0" u="none" strike="noStrike" kern="1200" baseline="0" dirty="0">
+                <a:solidFill>
+                  <a:schemeClr val="tx1"/>
+                </a:solidFill>
+                <a:latin typeface="Arial" charset="0"/>
+                <a:ea typeface="+mn-ea"/>
+                <a:cs typeface="+mn-cs"/>
+              </a:rPr>
+              <a:t> </a:t>
+            </a:r>
+            <a:r>
+              <a:rPr lang="en-US" sz="1200" b="0" i="0" u="none" strike="noStrike" kern="1200" baseline="0" dirty="0" err="1">
+                <a:solidFill>
+                  <a:schemeClr val="tx1"/>
+                </a:solidFill>
+                <a:latin typeface="Arial" charset="0"/>
+                <a:ea typeface="+mn-ea"/>
+                <a:cs typeface="+mn-cs"/>
+              </a:rPr>
+              <a:t>als</a:t>
+            </a:r>
+            <a:r>
+              <a:rPr lang="en-US" sz="1200" b="0" i="0" u="none" strike="noStrike" kern="1200" baseline="0" dirty="0">
+                <a:solidFill>
+                  <a:schemeClr val="tx1"/>
+                </a:solidFill>
+                <a:latin typeface="Arial" charset="0"/>
+                <a:ea typeface="+mn-ea"/>
+                <a:cs typeface="+mn-cs"/>
+              </a:rPr>
+              <a:t> 14 </a:t>
+            </a:r>
+            <a:r>
+              <a:rPr lang="en-US" sz="1200" b="0" i="0" u="none" strike="noStrike" kern="1200" baseline="0" dirty="0" err="1">
+                <a:solidFill>
+                  <a:schemeClr val="tx1"/>
+                </a:solidFill>
+                <a:latin typeface="Arial" charset="0"/>
+                <a:ea typeface="+mn-ea"/>
+                <a:cs typeface="+mn-cs"/>
+              </a:rPr>
+              <a:t>Sekunden</a:t>
+            </a:r>
+            <a:r>
+              <a:rPr lang="en-US" sz="1200" b="0" i="0" u="none" strike="noStrike" kern="1200" baseline="0" dirty="0">
+                <a:solidFill>
+                  <a:schemeClr val="tx1"/>
+                </a:solidFill>
+                <a:latin typeface="Arial" charset="0"/>
+                <a:ea typeface="+mn-ea"/>
+                <a:cs typeface="+mn-cs"/>
+              </a:rPr>
+              <a:t> und </a:t>
+            </a:r>
+            <a:r>
+              <a:rPr lang="en-US" sz="1200" b="0" i="0" u="none" strike="noStrike" kern="1200" baseline="0" dirty="0" err="1">
+                <a:solidFill>
+                  <a:schemeClr val="tx1"/>
+                </a:solidFill>
+                <a:latin typeface="Arial" charset="0"/>
+                <a:ea typeface="+mn-ea"/>
+                <a:cs typeface="+mn-cs"/>
+              </a:rPr>
+              <a:t>nur</a:t>
+            </a:r>
+            <a:r>
+              <a:rPr lang="en-US" sz="1200" b="0" i="0" u="none" strike="noStrike" kern="1200" baseline="0" dirty="0">
+                <a:solidFill>
+                  <a:schemeClr val="tx1"/>
+                </a:solidFill>
+                <a:latin typeface="Arial" charset="0"/>
+                <a:ea typeface="+mn-ea"/>
+                <a:cs typeface="+mn-cs"/>
+              </a:rPr>
+              <a:t> 165 </a:t>
+            </a:r>
+            <a:r>
+              <a:rPr lang="en-US" sz="1200" b="0" i="0" u="none" strike="noStrike" kern="1200" baseline="0" dirty="0" err="1">
+                <a:solidFill>
+                  <a:schemeClr val="tx1"/>
+                </a:solidFill>
+                <a:latin typeface="Arial" charset="0"/>
+                <a:ea typeface="+mn-ea"/>
+                <a:cs typeface="+mn-cs"/>
+              </a:rPr>
+              <a:t>MiB</a:t>
+            </a:r>
+            <a:endParaRPr lang="en-US" sz="1200" b="0" i="0" u="none" strike="noStrike" kern="1200" baseline="0" dirty="0">
+              <a:solidFill>
+                <a:schemeClr val="tx1"/>
+              </a:solidFill>
+              <a:latin typeface="Arial" charset="0"/>
+              <a:ea typeface="+mn-ea"/>
+              <a:cs typeface="+mn-cs"/>
+            </a:endParaRPr>
+          </a:p>
+          <a:p>
+            <a:r>
+              <a:rPr lang="en-US" sz="1200" b="0" i="0" u="none" strike="noStrike" kern="1200" baseline="0" dirty="0" err="1">
+                <a:solidFill>
+                  <a:schemeClr val="tx1"/>
+                </a:solidFill>
+                <a:latin typeface="Arial" charset="0"/>
+                <a:ea typeface="+mn-ea"/>
+                <a:cs typeface="+mn-cs"/>
+              </a:rPr>
+              <a:t>Optimirungen</a:t>
+            </a:r>
+            <a:r>
+              <a:rPr lang="en-US" sz="1200" b="0" i="0" u="none" strike="noStrike" kern="1200" baseline="0" dirty="0">
+                <a:solidFill>
+                  <a:schemeClr val="tx1"/>
+                </a:solidFill>
+                <a:latin typeface="Arial" charset="0"/>
+                <a:ea typeface="+mn-ea"/>
+                <a:cs typeface="+mn-cs"/>
+              </a:rPr>
+              <a:t>: light-weight execution contexts, using lazy activity updates, and using trace integration for </a:t>
+            </a:r>
+            <a:r>
+              <a:rPr lang="de-DE" sz="1200" b="0" i="0" u="none" strike="noStrike" kern="1200" baseline="0" dirty="0" err="1">
+                <a:solidFill>
+                  <a:schemeClr val="tx1"/>
+                </a:solidFill>
+                <a:latin typeface="Arial" charset="0"/>
+                <a:ea typeface="+mn-ea"/>
+                <a:cs typeface="+mn-cs"/>
+              </a:rPr>
+              <a:t>resource</a:t>
+            </a:r>
+            <a:r>
+              <a:rPr lang="de-DE" sz="1200" b="0" i="0" u="none" strike="noStrike" kern="1200" baseline="0" dirty="0">
+                <a:solidFill>
+                  <a:schemeClr val="tx1"/>
+                </a:solidFill>
+                <a:latin typeface="Arial" charset="0"/>
+                <a:ea typeface="+mn-ea"/>
+                <a:cs typeface="+mn-cs"/>
+              </a:rPr>
+              <a:t> </a:t>
+            </a:r>
+            <a:r>
+              <a:rPr lang="de-DE" sz="1200" b="0" i="0" u="none" strike="noStrike" kern="1200" baseline="0" dirty="0" err="1">
+                <a:solidFill>
+                  <a:schemeClr val="tx1"/>
+                </a:solidFill>
+                <a:latin typeface="Arial" charset="0"/>
+                <a:ea typeface="+mn-ea"/>
+                <a:cs typeface="+mn-cs"/>
+              </a:rPr>
+              <a:t>management</a:t>
+            </a:r>
+            <a:endParaRPr lang="de-DE" noProof="0" dirty="0"/>
           </a:p>
         </p:txBody>
       </p:sp>
@@ -3768,7 +3828,7 @@
     </p:spTree>
     <p:extLst>
       <p:ext uri="{BB962C8B-B14F-4D97-AF65-F5344CB8AC3E}">
-        <p14:creationId xmlns:p14="http://schemas.microsoft.com/office/powerpoint/2010/main" val="2699060229"/>
+        <p14:creationId xmlns:p14="http://schemas.microsoft.com/office/powerpoint/2010/main" val="4121128057"/>
       </p:ext>
     </p:extLst>
   </p:cSld>
@@ -3828,47 +3888,24 @@
           <a:p>
             <a:pPr lvl="1"/>
             <a:r>
+              <a:rPr lang="de-DE" noProof="0" dirty="0" err="1"/>
+              <a:t>Hierachische</a:t>
+            </a:r>
+            <a:r>
               <a:rPr lang="de-DE" noProof="0" dirty="0"/>
-              <a:t>2014</a:t>
-            </a:r>
-          </a:p>
-          <a:p>
-            <a:pPr lvl="1"/>
-            <a:endParaRPr lang="de-DE" noProof="0" dirty="0"/>
-          </a:p>
-          <a:p>
-            <a:pPr lvl="1"/>
-            <a:r>
-              <a:rPr lang="de-DE" noProof="0" dirty="0"/>
-              <a:t>Verbindet</a:t>
+              <a:t> 3 Tier</a:t>
             </a:r>
             <a:r>
               <a:rPr lang="de-DE" baseline="0" noProof="0" dirty="0"/>
-              <a:t> Monitoring Daten mit Simulationstool, um die hohe </a:t>
+              <a:t> Struktur am besten </a:t>
             </a:r>
             <a:r>
               <a:rPr lang="de-DE" baseline="0" noProof="0" dirty="0" err="1"/>
-              <a:t>dynamik</a:t>
+              <a:t>performed</a:t>
             </a:r>
             <a:r>
               <a:rPr lang="de-DE" baseline="0" noProof="0" dirty="0"/>
-              <a:t> der Cloud zu handhaben.</a:t>
-            </a:r>
-            <a:endParaRPr lang="de-DE" noProof="0" dirty="0"/>
-          </a:p>
-          <a:p>
-            <a:pPr lvl="1"/>
-            <a:endParaRPr lang="de-DE" noProof="0" dirty="0"/>
-          </a:p>
-          <a:p>
-            <a:pPr lvl="1"/>
-            <a:r>
-              <a:rPr lang="de-DE" noProof="0" dirty="0"/>
-              <a:t>Deshalb</a:t>
-            </a:r>
-            <a:r>
-              <a:rPr lang="de-DE" baseline="0" noProof="0" dirty="0"/>
-              <a:t> vermuten wir dass Palladio skaliert, da in diesem Projekt für Cloud bereitgemacht wird</a:t>
+              <a:t> [10]</a:t>
             </a:r>
           </a:p>
           <a:p>
@@ -3877,7 +3914,59 @@
           </a:p>
           <a:p>
             <a:pPr lvl="1"/>
-            <a:endParaRPr lang="de-DE" noProof="0" dirty="0"/>
+            <a:r>
+              <a:rPr lang="de-DE" baseline="0" noProof="0" dirty="0"/>
+              <a:t>Ähnliche Idee was wir machen wollen</a:t>
+            </a:r>
+          </a:p>
+          <a:p>
+            <a:pPr lvl="1"/>
+            <a:endParaRPr lang="de-DE" baseline="0" noProof="0" dirty="0"/>
+          </a:p>
+          <a:p>
+            <a:pPr lvl="1"/>
+            <a:r>
+              <a:rPr lang="de-DE" baseline="0" noProof="0" dirty="0" err="1"/>
+              <a:t>Immernoch</a:t>
+            </a:r>
+            <a:r>
+              <a:rPr lang="de-DE" baseline="0" noProof="0" dirty="0"/>
+              <a:t> für </a:t>
+            </a:r>
+            <a:r>
+              <a:rPr lang="de-DE" baseline="0" noProof="0" dirty="0" err="1"/>
+              <a:t>experimente</a:t>
+            </a:r>
+            <a:r>
+              <a:rPr lang="de-DE" baseline="0" noProof="0" dirty="0"/>
+              <a:t> am CERN, aber auch allgemein nutzbar</a:t>
+            </a:r>
+          </a:p>
+          <a:p>
+            <a:pPr lvl="1"/>
+            <a:r>
+              <a:rPr lang="de-DE" baseline="0" noProof="0" dirty="0"/>
+              <a:t>Würde erst denken dass optimales Werkzeug</a:t>
+            </a:r>
+          </a:p>
+          <a:p>
+            <a:pPr lvl="1"/>
+            <a:endParaRPr lang="de-DE" baseline="0" noProof="0" dirty="0"/>
+          </a:p>
+          <a:p>
+            <a:pPr lvl="1"/>
+            <a:r>
+              <a:rPr lang="de-DE" baseline="0" noProof="0" dirty="0"/>
+              <a:t>Prag Tier 2 </a:t>
+            </a:r>
+            <a:r>
+              <a:rPr lang="de-DE" baseline="0" noProof="0" dirty="0" err="1"/>
+              <a:t>Node</a:t>
+            </a:r>
+            <a:r>
+              <a:rPr lang="de-DE" baseline="0" noProof="0" dirty="0"/>
+              <a:t> 3000 CPUs, Netzwerk Last auch nicht genau</a:t>
+            </a:r>
           </a:p>
         </p:txBody>
       </p:sp>
@@ -3919,7 +4008,7 @@
     </p:spTree>
     <p:extLst>
       <p:ext uri="{BB962C8B-B14F-4D97-AF65-F5344CB8AC3E}">
-        <p14:creationId xmlns:p14="http://schemas.microsoft.com/office/powerpoint/2010/main" val="725878064"/>
+        <p14:creationId xmlns:p14="http://schemas.microsoft.com/office/powerpoint/2010/main" val="2699060229"/>
       </p:ext>
     </p:extLst>
   </p:cSld>
@@ -3979,141 +4068,52 @@
           <a:p>
             <a:pPr lvl="1"/>
             <a:r>
-              <a:rPr lang="de-DE" baseline="0" noProof="0" smtClean="0"/>
-              <a:t>Meisten nicht </a:t>
-            </a:r>
-            <a:r>
-              <a:rPr lang="de-DE" baseline="0" noProof="0" dirty="0" smtClean="0"/>
-              <a:t>mehr aktiv oder nicht allgemein nutzbar, sondern nur mal für ein oder zwei Paper entwickelt</a:t>
+              <a:rPr lang="de-DE" noProof="0" dirty="0"/>
+              <a:t>2014</a:t>
             </a:r>
           </a:p>
           <a:p>
             <a:pPr lvl="1"/>
-            <a:endParaRPr lang="de-DE" baseline="0" noProof="0" dirty="0" smtClean="0"/>
+            <a:endParaRPr lang="de-DE" noProof="0" dirty="0"/>
           </a:p>
           <a:p>
             <a:pPr lvl="1"/>
             <a:r>
-              <a:rPr lang="de-DE" baseline="0" noProof="0" dirty="0" smtClean="0"/>
-              <a:t>Job </a:t>
-            </a:r>
-            <a:r>
-              <a:rPr lang="de-DE" baseline="0" noProof="0" dirty="0" err="1" smtClean="0"/>
-              <a:t>Scheduling</a:t>
-            </a:r>
-            <a:r>
-              <a:rPr lang="de-DE" baseline="0" noProof="0" dirty="0" smtClean="0"/>
-              <a:t>, Ressourcen können die meisten, außer </a:t>
-            </a:r>
-            <a:r>
-              <a:rPr lang="de-DE" baseline="0" noProof="0" dirty="0" err="1" smtClean="0"/>
-              <a:t>OptorSim</a:t>
-            </a:r>
-            <a:r>
-              <a:rPr lang="de-DE" baseline="0" noProof="0" dirty="0" smtClean="0"/>
-              <a:t>, </a:t>
-            </a:r>
-            <a:r>
-              <a:rPr lang="de-DE" baseline="0" noProof="0" dirty="0" err="1" smtClean="0"/>
-              <a:t>ChicagoSim</a:t>
-            </a:r>
-            <a:r>
-              <a:rPr lang="de-DE" baseline="0" noProof="0" dirty="0" smtClean="0"/>
-              <a:t> weil </a:t>
-            </a:r>
-            <a:r>
-              <a:rPr lang="de-DE" baseline="0" noProof="0" dirty="0" err="1" smtClean="0"/>
-              <a:t>daten</a:t>
-            </a:r>
-            <a:r>
-              <a:rPr lang="de-DE" baseline="0" noProof="0" dirty="0" smtClean="0"/>
-              <a:t> </a:t>
-            </a:r>
-            <a:r>
-              <a:rPr lang="de-DE" baseline="0" noProof="0" dirty="0" err="1" smtClean="0"/>
-              <a:t>replikation</a:t>
-            </a:r>
-            <a:r>
-              <a:rPr lang="de-DE" baseline="0" noProof="0" dirty="0" smtClean="0"/>
-              <a:t> evaluiert wird</a:t>
-            </a:r>
+              <a:rPr lang="de-DE" noProof="0" dirty="0"/>
+              <a:t>Verbindet</a:t>
+            </a:r>
+            <a:r>
+              <a:rPr lang="de-DE" baseline="0" noProof="0" dirty="0"/>
+              <a:t> Monitoring Daten mit Simulationstool, um die hohe </a:t>
+            </a:r>
+            <a:r>
+              <a:rPr lang="de-DE" baseline="0" noProof="0" dirty="0" err="1"/>
+              <a:t>dynamik</a:t>
+            </a:r>
+            <a:r>
+              <a:rPr lang="de-DE" baseline="0" noProof="0" dirty="0"/>
+              <a:t> der Cloud zu handhaben.</a:t>
+            </a:r>
+            <a:endParaRPr lang="de-DE" noProof="0" dirty="0"/>
           </a:p>
           <a:p>
             <a:pPr lvl="1"/>
-            <a:endParaRPr lang="de-DE" baseline="0" noProof="0" dirty="0" smtClean="0"/>
+            <a:endParaRPr lang="de-DE" noProof="0" dirty="0"/>
           </a:p>
           <a:p>
             <a:pPr lvl="1"/>
             <a:r>
-              <a:rPr lang="de-DE" baseline="0" noProof="0" dirty="0" smtClean="0"/>
-              <a:t>Heterogene </a:t>
-            </a:r>
-            <a:r>
-              <a:rPr lang="de-DE" baseline="0" noProof="0" dirty="0" err="1" smtClean="0"/>
-              <a:t>Platformen</a:t>
-            </a:r>
-            <a:r>
-              <a:rPr lang="de-DE" baseline="0" noProof="0" dirty="0" smtClean="0"/>
-              <a:t> und Tasks können auch meisten</a:t>
+              <a:rPr lang="de-DE" noProof="0" dirty="0"/>
+              <a:t>Deshalb</a:t>
+            </a:r>
+            <a:r>
+              <a:rPr lang="de-DE" baseline="0" noProof="0" dirty="0"/>
+              <a:t> vermuten wir dass Palladio skaliert, da in diesem Projekt für Cloud bereitgemacht wird</a:t>
             </a:r>
           </a:p>
           <a:p>
             <a:pPr lvl="1"/>
-            <a:endParaRPr lang="de-DE" baseline="0" noProof="0" dirty="0" smtClean="0"/>
-          </a:p>
-          <a:p>
-            <a:pPr lvl="1"/>
-            <a:r>
-              <a:rPr lang="de-DE" baseline="0" noProof="0" dirty="0" smtClean="0"/>
-              <a:t>Skalierbar ist </a:t>
-            </a:r>
-            <a:r>
-              <a:rPr lang="de-DE" baseline="0" noProof="0" dirty="0" err="1" smtClean="0"/>
-              <a:t>SimGrid</a:t>
-            </a:r>
-            <a:r>
-              <a:rPr lang="de-DE" baseline="0" noProof="0" dirty="0" smtClean="0"/>
-              <a:t>/</a:t>
-            </a:r>
-            <a:r>
-              <a:rPr lang="de-DE" baseline="0" noProof="0" dirty="0" err="1" smtClean="0"/>
-              <a:t>DGSim</a:t>
-            </a:r>
-            <a:r>
-              <a:rPr lang="de-DE" baseline="0" noProof="0" dirty="0" smtClean="0"/>
-              <a:t>, Palladio fraglich aber durch CACTOS Projekt vermutlich </a:t>
-            </a:r>
-          </a:p>
-          <a:p>
-            <a:pPr lvl="1"/>
-            <a:endParaRPr lang="de-DE" baseline="0" noProof="0" dirty="0" smtClean="0"/>
-          </a:p>
-          <a:p>
-            <a:pPr marL="457200" marR="0" lvl="1" indent="0" algn="l" defTabSz="914400" rtl="0" eaLnBrk="0" fontAlgn="base" latinLnBrk="0" hangingPunct="0">
-              <a:lnSpc>
-                <a:spcPct val="100000"/>
-              </a:lnSpc>
-              <a:spcBef>
-                <a:spcPct val="30000"/>
-              </a:spcBef>
-              <a:spcAft>
-                <a:spcPct val="0"/>
-              </a:spcAft>
-              <a:buClrTx/>
-              <a:buSzTx/>
-              <a:buFontTx/>
-              <a:buNone/>
-              <a:tabLst/>
-              <a:defRPr/>
-            </a:pPr>
-            <a:r>
-              <a:rPr lang="de-DE" noProof="0" dirty="0" err="1" smtClean="0"/>
-              <a:t>SimGrid</a:t>
-            </a:r>
-            <a:r>
-              <a:rPr lang="de-DE" baseline="0" noProof="0" dirty="0" smtClean="0"/>
-              <a:t> und Palladio erfüllen Anforderungen</a:t>
-            </a:r>
+            <a:endParaRPr lang="de-DE" baseline="0" noProof="0" dirty="0"/>
           </a:p>
           <a:p>
             <a:pPr lvl="1"/>
@@ -4159,7 +4159,7 @@
     </p:spTree>
     <p:extLst>
       <p:ext uri="{BB962C8B-B14F-4D97-AF65-F5344CB8AC3E}">
-        <p14:creationId xmlns:p14="http://schemas.microsoft.com/office/powerpoint/2010/main" val="3200010798"/>
+        <p14:creationId xmlns:p14="http://schemas.microsoft.com/office/powerpoint/2010/main" val="725878064"/>
       </p:ext>
     </p:extLst>
   </p:cSld>
@@ -6699,7 +6699,7 @@
               <a:pPr>
                 <a:defRPr/>
               </a:pPr>
-              <a:t>10.12.2017</a:t>
+              <a:t>11.12.2017</a:t>
             </a:fld>
             <a:endParaRPr lang="de-DE" sz="1000" dirty="0">
               <a:latin typeface="Arial" pitchFamily="34" charset="0"/>
@@ -7389,6 +7389,649 @@
           <a:chExt cx="0" cy="0"/>
         </a:xfrm>
       </p:grpSpPr>
+      <p:pic>
+        <p:nvPicPr>
+          <p:cNvPr id="5" name="Grafik 4"/>
+          <p:cNvPicPr>
+            <a:picLocks noChangeAspect="1"/>
+          </p:cNvPicPr>
+          <p:nvPr/>
+        </p:nvPicPr>
+        <p:blipFill>
+          <a:blip r:embed="rId3"/>
+          <a:stretch>
+            <a:fillRect/>
+          </a:stretch>
+        </p:blipFill>
+        <p:spPr>
+          <a:xfrm>
+            <a:off x="6778842" y="895350"/>
+            <a:ext cx="2085251" cy="957513"/>
+          </a:xfrm>
+          <a:prstGeom prst="rect">
+            <a:avLst/>
+          </a:prstGeom>
+        </p:spPr>
+      </p:pic>
+      <p:sp>
+        <p:nvSpPr>
+          <p:cNvPr id="17409" name="Titel 1"/>
+          <p:cNvSpPr>
+            <a:spLocks noGrp="1"/>
+          </p:cNvSpPr>
+          <p:nvPr>
+            <p:ph type="title"/>
+          </p:nvPr>
+        </p:nvSpPr>
+        <p:spPr/>
+        <p:txBody>
+          <a:bodyPr/>
+          <a:lstStyle/>
+          <a:p>
+            <a:r>
+              <a:rPr lang="de-DE" dirty="0"/>
+              <a:t>CACTOS</a:t>
+            </a:r>
+          </a:p>
+        </p:txBody>
+      </p:sp>
+      <p:sp>
+        <p:nvSpPr>
+          <p:cNvPr id="3" name="Inhaltsplatzhalter 2"/>
+          <p:cNvSpPr>
+            <a:spLocks noGrp="1"/>
+          </p:cNvSpPr>
+          <p:nvPr>
+            <p:ph idx="1"/>
+          </p:nvPr>
+        </p:nvSpPr>
+        <p:spPr/>
+        <p:txBody>
+          <a:bodyPr/>
+          <a:lstStyle/>
+          <a:p>
+            <a:r>
+              <a:rPr lang="de-DE" dirty="0"/>
+              <a:t>EU Projekt für Automatisierung und</a:t>
+            </a:r>
+          </a:p>
+          <a:p>
+            <a:pPr marL="0" indent="0">
+              <a:buNone/>
+            </a:pPr>
+            <a:r>
+              <a:rPr lang="de-DE" dirty="0"/>
+              <a:t>   Optimierung von Cloud Infrastruktur </a:t>
+            </a:r>
+            <a:r>
+              <a:rPr lang="de-DE" sz="2000" dirty="0"/>
+              <a:t>[12]</a:t>
+            </a:r>
+          </a:p>
+          <a:p>
+            <a:r>
+              <a:rPr lang="de-DE" dirty="0" err="1"/>
+              <a:t>Runtime</a:t>
+            </a:r>
+            <a:r>
+              <a:rPr lang="de-DE" dirty="0"/>
+              <a:t> Toolkit</a:t>
+            </a:r>
+          </a:p>
+          <a:p>
+            <a:pPr lvl="1"/>
+            <a:r>
+              <a:rPr lang="de-DE" dirty="0"/>
+              <a:t>Monitoring und Ressourcen Verwaltung</a:t>
+            </a:r>
+          </a:p>
+          <a:p>
+            <a:r>
+              <a:rPr lang="de-DE" dirty="0" err="1"/>
+              <a:t>Prediction</a:t>
+            </a:r>
+            <a:r>
+              <a:rPr lang="de-DE" dirty="0"/>
+              <a:t> Toolkit</a:t>
+            </a:r>
+          </a:p>
+          <a:p>
+            <a:pPr lvl="1"/>
+            <a:r>
+              <a:rPr lang="de-DE" dirty="0"/>
+              <a:t>Evaluierung von </a:t>
+            </a:r>
+            <a:r>
+              <a:rPr lang="de-DE" dirty="0" err="1"/>
+              <a:t>Deployment</a:t>
+            </a:r>
+            <a:r>
+              <a:rPr lang="de-DE" dirty="0"/>
+              <a:t> und Lastverteilung</a:t>
+            </a:r>
+          </a:p>
+          <a:p>
+            <a:pPr lvl="1"/>
+            <a:r>
+              <a:rPr lang="de-DE" dirty="0"/>
+              <a:t>Baut auf Palladio/</a:t>
+            </a:r>
+            <a:r>
+              <a:rPr lang="de-DE" dirty="0" err="1"/>
+              <a:t>SimuLizar</a:t>
+            </a:r>
+            <a:r>
+              <a:rPr lang="de-DE" dirty="0"/>
+              <a:t> auf</a:t>
+            </a:r>
+          </a:p>
+          <a:p>
+            <a:r>
+              <a:rPr lang="de-DE" dirty="0"/>
+              <a:t>Erlaubt das rapide Testen von Lastverteilungsstrategien </a:t>
+            </a:r>
+            <a:r>
+              <a:rPr lang="de-DE" sz="2400" dirty="0"/>
+              <a:t>[13]</a:t>
+            </a:r>
+          </a:p>
+          <a:p>
+            <a:pPr marL="0" indent="0">
+              <a:buNone/>
+            </a:pPr>
+            <a:endParaRPr lang="de-DE" dirty="0"/>
+          </a:p>
+        </p:txBody>
+      </p:sp>
+      <p:sp>
+        <p:nvSpPr>
+          <p:cNvPr id="17412" name="Fußzeilenplatzhalter 3"/>
+          <p:cNvSpPr>
+            <a:spLocks noGrp="1"/>
+          </p:cNvSpPr>
+          <p:nvPr>
+            <p:ph type="ftr" sz="quarter" idx="10"/>
+          </p:nvPr>
+        </p:nvSpPr>
+        <p:spPr>
+          <a:noFill/>
+        </p:spPr>
+        <p:txBody>
+          <a:bodyPr/>
+          <a:lstStyle/>
+          <a:p>
+            <a:r>
+              <a:rPr lang="de-DE" dirty="0">
+                <a:latin typeface="Arial" charset="0"/>
+                <a:cs typeface="Arial" charset="0"/>
+              </a:rPr>
+              <a:t>Firnkes Patrick:</a:t>
+            </a:r>
+            <a:r>
+              <a:rPr lang="de-DE" dirty="0"/>
+              <a:t> Modellierung und Simulation von Lastverteilungsstrategien </a:t>
+            </a:r>
+            <a:endParaRPr lang="de-DE" dirty="0">
+              <a:latin typeface="Arial" charset="0"/>
+              <a:cs typeface="Arial" charset="0"/>
+            </a:endParaRPr>
+          </a:p>
+        </p:txBody>
+      </p:sp>
+      <p:grpSp>
+        <p:nvGrpSpPr>
+          <p:cNvPr id="19" name="Gruppieren 21">
+            <a:extLst>
+              <a:ext uri="{FF2B5EF4-FFF2-40B4-BE49-F238E27FC236}">
+                <a16:creationId xmlns:a16="http://schemas.microsoft.com/office/drawing/2014/main" xmlns="" id="{BCC0948F-C1E3-4907-854B-A0721D1FDACC}"/>
+              </a:ext>
+            </a:extLst>
+          </p:cNvPr>
+          <p:cNvGrpSpPr/>
+          <p:nvPr/>
+        </p:nvGrpSpPr>
+        <p:grpSpPr>
+          <a:xfrm>
+            <a:off x="72000" y="5993167"/>
+            <a:ext cx="9072000" cy="322628"/>
+            <a:chOff x="25400" y="5986694"/>
+            <a:chExt cx="9072000" cy="322628"/>
+          </a:xfrm>
+        </p:grpSpPr>
+        <p:sp>
+          <p:nvSpPr>
+            <p:cNvPr id="20" name="Textfeld 13">
+              <a:extLst>
+                <a:ext uri="{FF2B5EF4-FFF2-40B4-BE49-F238E27FC236}">
+                  <a16:creationId xmlns:a16="http://schemas.microsoft.com/office/drawing/2014/main" xmlns="" id="{425AEF1D-6595-4E36-A5D4-5F32C0012763}"/>
+                </a:ext>
+              </a:extLst>
+            </p:cNvPr>
+            <p:cNvSpPr txBox="1"/>
+            <p:nvPr/>
+          </p:nvSpPr>
+          <p:spPr>
+            <a:xfrm>
+              <a:off x="2380929" y="6032322"/>
+              <a:ext cx="1062593" cy="276999"/>
+            </a:xfrm>
+            <a:prstGeom prst="rect">
+              <a:avLst/>
+            </a:prstGeom>
+            <a:noFill/>
+            <a:ln>
+              <a:noFill/>
+            </a:ln>
+          </p:spPr>
+          <p:style>
+            <a:lnRef idx="2">
+              <a:schemeClr val="accent3"/>
+            </a:lnRef>
+            <a:fillRef idx="1">
+              <a:schemeClr val="lt1"/>
+            </a:fillRef>
+            <a:effectRef idx="0">
+              <a:schemeClr val="accent3"/>
+            </a:effectRef>
+            <a:fontRef idx="minor">
+              <a:schemeClr val="dk1"/>
+            </a:fontRef>
+          </p:style>
+          <p:txBody>
+            <a:bodyPr wrap="square" rtlCol="0">
+              <a:spAutoFit/>
+            </a:bodyPr>
+            <a:lstStyle/>
+            <a:p>
+              <a:r>
+                <a:rPr lang="de-DE" sz="1200" dirty="0"/>
+                <a:t>Grundlagen</a:t>
+              </a:r>
+            </a:p>
+          </p:txBody>
+        </p:sp>
+        <p:sp>
+          <p:nvSpPr>
+            <p:cNvPr id="21" name="Textfeld 20">
+              <a:extLst>
+                <a:ext uri="{FF2B5EF4-FFF2-40B4-BE49-F238E27FC236}">
+                  <a16:creationId xmlns:a16="http://schemas.microsoft.com/office/drawing/2014/main" xmlns="" id="{82ABF473-AD17-4ED8-AB87-CC275185AE43}"/>
+                </a:ext>
+              </a:extLst>
+            </p:cNvPr>
+            <p:cNvSpPr txBox="1"/>
+            <p:nvPr/>
+          </p:nvSpPr>
+          <p:spPr>
+            <a:xfrm>
+              <a:off x="4689228" y="6032323"/>
+              <a:ext cx="1614801" cy="276999"/>
+            </a:xfrm>
+            <a:prstGeom prst="rect">
+              <a:avLst/>
+            </a:prstGeom>
+            <a:noFill/>
+            <a:ln>
+              <a:noFill/>
+            </a:ln>
+          </p:spPr>
+          <p:style>
+            <a:lnRef idx="2">
+              <a:schemeClr val="accent3"/>
+            </a:lnRef>
+            <a:fillRef idx="1">
+              <a:schemeClr val="lt1"/>
+            </a:fillRef>
+            <a:effectRef idx="0">
+              <a:schemeClr val="accent3"/>
+            </a:effectRef>
+            <a:fontRef idx="minor">
+              <a:schemeClr val="dk1"/>
+            </a:fontRef>
+          </p:style>
+          <p:txBody>
+            <a:bodyPr wrap="none" rtlCol="0">
+              <a:spAutoFit/>
+            </a:bodyPr>
+            <a:lstStyle/>
+            <a:p>
+              <a:r>
+                <a:rPr lang="de-DE" sz="1200" b="1" dirty="0"/>
+                <a:t>Verwandte Arbeiten</a:t>
+              </a:r>
+            </a:p>
+          </p:txBody>
+        </p:sp>
+        <p:sp>
+          <p:nvSpPr>
+            <p:cNvPr id="22" name="Textfeld 21">
+              <a:extLst>
+                <a:ext uri="{FF2B5EF4-FFF2-40B4-BE49-F238E27FC236}">
+                  <a16:creationId xmlns:a16="http://schemas.microsoft.com/office/drawing/2014/main" xmlns="" id="{3841D7B1-EF8D-476C-85AC-C17E649EE1A9}"/>
+                </a:ext>
+              </a:extLst>
+            </p:cNvPr>
+            <p:cNvSpPr txBox="1"/>
+            <p:nvPr/>
+          </p:nvSpPr>
+          <p:spPr>
+            <a:xfrm>
+              <a:off x="7549736" y="6032321"/>
+              <a:ext cx="1491302" cy="276999"/>
+            </a:xfrm>
+            <a:prstGeom prst="rect">
+              <a:avLst/>
+            </a:prstGeom>
+            <a:noFill/>
+            <a:ln>
+              <a:noFill/>
+            </a:ln>
+          </p:spPr>
+          <p:style>
+            <a:lnRef idx="2">
+              <a:schemeClr val="accent3"/>
+            </a:lnRef>
+            <a:fillRef idx="1">
+              <a:schemeClr val="lt1"/>
+            </a:fillRef>
+            <a:effectRef idx="0">
+              <a:schemeClr val="accent3"/>
+            </a:effectRef>
+            <a:fontRef idx="minor">
+              <a:schemeClr val="dk1"/>
+            </a:fontRef>
+          </p:style>
+          <p:txBody>
+            <a:bodyPr wrap="square" rtlCol="0">
+              <a:spAutoFit/>
+            </a:bodyPr>
+            <a:lstStyle/>
+            <a:p>
+              <a:r>
+                <a:rPr lang="de-DE" sz="1200" dirty="0" smtClean="0"/>
+                <a:t>Fazit</a:t>
+              </a:r>
+              <a:endParaRPr lang="de-DE" sz="1200" dirty="0"/>
+            </a:p>
+          </p:txBody>
+        </p:sp>
+        <p:sp>
+          <p:nvSpPr>
+            <p:cNvPr id="23" name="Textfeld 22">
+              <a:extLst>
+                <a:ext uri="{FF2B5EF4-FFF2-40B4-BE49-F238E27FC236}">
+                  <a16:creationId xmlns:a16="http://schemas.microsoft.com/office/drawing/2014/main" xmlns="" id="{0DF05AE7-97F5-4E02-9206-C6B40B968DFA}"/>
+                </a:ext>
+              </a:extLst>
+            </p:cNvPr>
+            <p:cNvSpPr txBox="1"/>
+            <p:nvPr/>
+          </p:nvSpPr>
+          <p:spPr>
+            <a:xfrm>
+              <a:off x="179512" y="6032321"/>
+              <a:ext cx="955711" cy="276999"/>
+            </a:xfrm>
+            <a:prstGeom prst="rect">
+              <a:avLst/>
+            </a:prstGeom>
+            <a:noFill/>
+            <a:ln>
+              <a:noFill/>
+            </a:ln>
+          </p:spPr>
+          <p:style>
+            <a:lnRef idx="2">
+              <a:schemeClr val="accent3"/>
+            </a:lnRef>
+            <a:fillRef idx="1">
+              <a:schemeClr val="lt1"/>
+            </a:fillRef>
+            <a:effectRef idx="0">
+              <a:schemeClr val="accent3"/>
+            </a:effectRef>
+            <a:fontRef idx="minor">
+              <a:schemeClr val="dk1"/>
+            </a:fontRef>
+          </p:style>
+          <p:txBody>
+            <a:bodyPr wrap="square" rtlCol="0">
+              <a:spAutoFit/>
+            </a:bodyPr>
+            <a:lstStyle/>
+            <a:p>
+              <a:r>
+                <a:rPr lang="en-US" sz="1200" dirty="0"/>
+                <a:t>Motivation</a:t>
+              </a:r>
+            </a:p>
+          </p:txBody>
+        </p:sp>
+        <p:sp>
+          <p:nvSpPr>
+            <p:cNvPr id="24" name="Eingekerbter Richtungspfeil 23">
+              <a:extLst>
+                <a:ext uri="{FF2B5EF4-FFF2-40B4-BE49-F238E27FC236}">
+                  <a16:creationId xmlns:a16="http://schemas.microsoft.com/office/drawing/2014/main" xmlns="" id="{C358C398-D0F2-4ECA-8BF9-29E733DFE60D}"/>
+                </a:ext>
+              </a:extLst>
+            </p:cNvPr>
+            <p:cNvSpPr/>
+            <p:nvPr/>
+          </p:nvSpPr>
+          <p:spPr>
+            <a:xfrm>
+              <a:off x="1678828" y="6091573"/>
+              <a:ext cx="158496" cy="158496"/>
+            </a:xfrm>
+            <a:prstGeom prst="chevron">
+              <a:avLst/>
+            </a:prstGeom>
+          </p:spPr>
+          <p:style>
+            <a:lnRef idx="1">
+              <a:schemeClr val="accent4"/>
+            </a:lnRef>
+            <a:fillRef idx="2">
+              <a:schemeClr val="accent4"/>
+            </a:fillRef>
+            <a:effectRef idx="1">
+              <a:schemeClr val="accent4"/>
+            </a:effectRef>
+            <a:fontRef idx="minor">
+              <a:schemeClr val="dk1"/>
+            </a:fontRef>
+          </p:style>
+          <p:txBody>
+            <a:bodyPr rtlCol="0" anchor="ctr"/>
+            <a:lstStyle/>
+            <a:p>
+              <a:pPr algn="ctr"/>
+              <a:endParaRPr lang="de-DE" dirty="0">
+                <a:solidFill>
+                  <a:schemeClr val="tx1"/>
+                </a:solidFill>
+              </a:endParaRPr>
+            </a:p>
+          </p:txBody>
+        </p:sp>
+        <p:sp>
+          <p:nvSpPr>
+            <p:cNvPr id="25" name="Eingekerbter Richtungspfeil 24">
+              <a:extLst>
+                <a:ext uri="{FF2B5EF4-FFF2-40B4-BE49-F238E27FC236}">
+                  <a16:creationId xmlns:a16="http://schemas.microsoft.com/office/drawing/2014/main" xmlns="" id="{3FEDA7B1-0BEF-47B2-90E9-8E698F727222}"/>
+                </a:ext>
+              </a:extLst>
+            </p:cNvPr>
+            <p:cNvSpPr/>
+            <p:nvPr/>
+          </p:nvSpPr>
+          <p:spPr>
+            <a:xfrm>
+              <a:off x="3987127" y="6091574"/>
+              <a:ext cx="158496" cy="158496"/>
+            </a:xfrm>
+            <a:prstGeom prst="chevron">
+              <a:avLst/>
+            </a:prstGeom>
+          </p:spPr>
+          <p:style>
+            <a:lnRef idx="1">
+              <a:schemeClr val="accent4"/>
+            </a:lnRef>
+            <a:fillRef idx="2">
+              <a:schemeClr val="accent4"/>
+            </a:fillRef>
+            <a:effectRef idx="1">
+              <a:schemeClr val="accent4"/>
+            </a:effectRef>
+            <a:fontRef idx="minor">
+              <a:schemeClr val="dk1"/>
+            </a:fontRef>
+          </p:style>
+          <p:txBody>
+            <a:bodyPr rtlCol="0" anchor="ctr"/>
+            <a:lstStyle/>
+            <a:p>
+              <a:pPr algn="ctr"/>
+              <a:endParaRPr lang="de-DE">
+                <a:solidFill>
+                  <a:schemeClr val="tx1"/>
+                </a:solidFill>
+              </a:endParaRPr>
+            </a:p>
+          </p:txBody>
+        </p:sp>
+        <p:sp>
+          <p:nvSpPr>
+            <p:cNvPr id="26" name="Eingekerbter Richtungspfeil 25">
+              <a:extLst>
+                <a:ext uri="{FF2B5EF4-FFF2-40B4-BE49-F238E27FC236}">
+                  <a16:creationId xmlns:a16="http://schemas.microsoft.com/office/drawing/2014/main" xmlns="" id="{2EBD9B49-A90C-436A-BBEF-D89DD2237ECF}"/>
+                </a:ext>
+              </a:extLst>
+            </p:cNvPr>
+            <p:cNvSpPr/>
+            <p:nvPr/>
+          </p:nvSpPr>
+          <p:spPr>
+            <a:xfrm>
+              <a:off x="6847634" y="6091575"/>
+              <a:ext cx="158496" cy="158496"/>
+            </a:xfrm>
+            <a:prstGeom prst="chevron">
+              <a:avLst/>
+            </a:prstGeom>
+          </p:spPr>
+          <p:style>
+            <a:lnRef idx="1">
+              <a:schemeClr val="accent4"/>
+            </a:lnRef>
+            <a:fillRef idx="2">
+              <a:schemeClr val="accent4"/>
+            </a:fillRef>
+            <a:effectRef idx="1">
+              <a:schemeClr val="accent4"/>
+            </a:effectRef>
+            <a:fontRef idx="minor">
+              <a:schemeClr val="dk1"/>
+            </a:fontRef>
+          </p:style>
+          <p:txBody>
+            <a:bodyPr rtlCol="0" anchor="ctr"/>
+            <a:lstStyle/>
+            <a:p>
+              <a:pPr algn="ctr"/>
+              <a:endParaRPr lang="de-DE">
+                <a:solidFill>
+                  <a:schemeClr val="tx1"/>
+                </a:solidFill>
+              </a:endParaRPr>
+            </a:p>
+          </p:txBody>
+        </p:sp>
+        <p:cxnSp>
+          <p:nvCxnSpPr>
+            <p:cNvPr id="27" name="Gerade Verbindung 28">
+              <a:extLst>
+                <a:ext uri="{FF2B5EF4-FFF2-40B4-BE49-F238E27FC236}">
+                  <a16:creationId xmlns:a16="http://schemas.microsoft.com/office/drawing/2014/main" xmlns="" id="{F1621AAB-A494-467F-9704-6039B7079C13}"/>
+                </a:ext>
+              </a:extLst>
+            </p:cNvPr>
+            <p:cNvCxnSpPr/>
+            <p:nvPr/>
+          </p:nvCxnSpPr>
+          <p:spPr>
+            <a:xfrm>
+              <a:off x="25400" y="5986694"/>
+              <a:ext cx="9072000" cy="1588"/>
+            </a:xfrm>
+            <a:prstGeom prst="line">
+              <a:avLst/>
+            </a:prstGeom>
+            <a:ln w="41275">
+              <a:solidFill>
+                <a:schemeClr val="accent3">
+                  <a:lumMod val="85000"/>
+                </a:schemeClr>
+              </a:solidFill>
+            </a:ln>
+          </p:spPr>
+          <p:style>
+            <a:lnRef idx="1">
+              <a:schemeClr val="accent1"/>
+            </a:lnRef>
+            <a:fillRef idx="0">
+              <a:schemeClr val="accent1"/>
+            </a:fillRef>
+            <a:effectRef idx="0">
+              <a:schemeClr val="accent1"/>
+            </a:effectRef>
+            <a:fontRef idx="minor">
+              <a:schemeClr val="tx1"/>
+            </a:fontRef>
+          </p:style>
+        </p:cxnSp>
+      </p:grpSp>
+    </p:spTree>
+    <p:extLst>
+      <p:ext uri="{BB962C8B-B14F-4D97-AF65-F5344CB8AC3E}">
+        <p14:creationId xmlns:p14="http://schemas.microsoft.com/office/powerpoint/2010/main" val="781348432"/>
+      </p:ext>
+    </p:extLst>
+  </p:cSld>
+  <p:clrMapOvr>
+    <a:masterClrMapping/>
+  </p:clrMapOvr>
+  <p:timing>
+    <p:tnLst>
+      <p:par>
+        <p:cTn id="1" dur="indefinite" restart="never" nodeType="tmRoot"/>
+      </p:par>
+    </p:tnLst>
+  </p:timing>
+</p:sld>
+</file>
+
+<file path=ppt/slides/slide11.xml><?xml version="1.0" encoding="utf-8"?>
+<p:sld xmlns:a="http://schemas.openxmlformats.org/drawingml/2006/main" xmlns:r="http://schemas.openxmlformats.org/officeDocument/2006/relationships" xmlns:p="http://schemas.openxmlformats.org/presentationml/2006/main">
+  <p:cSld>
+    <p:spTree>
+      <p:nvGrpSpPr>
+        <p:cNvPr id="1" name=""/>
+        <p:cNvGrpSpPr/>
+        <p:nvPr/>
+      </p:nvGrpSpPr>
+      <p:grpSpPr>
+        <a:xfrm>
+          <a:off x="0" y="0"/>
+          <a:ext cx="0" cy="0"/>
+          <a:chOff x="0" y="0"/>
+          <a:chExt cx="0" cy="0"/>
+        </a:xfrm>
+      </p:grpSpPr>
       <p:sp>
         <p:nvSpPr>
           <p:cNvPr id="17409" name="Titel 1"/>
@@ -7900,7 +8543,7 @@
 </p:sld>
 </file>
 
-<file path=ppt/slides/slide11.xml><?xml version="1.0" encoding="utf-8"?>
+<file path=ppt/slides/slide12.xml><?xml version="1.0" encoding="utf-8"?>
 <p:sld xmlns:a="http://schemas.openxmlformats.org/drawingml/2006/main" xmlns:r="http://schemas.openxmlformats.org/officeDocument/2006/relationships" xmlns:p="http://schemas.openxmlformats.org/presentationml/2006/main">
   <p:cSld>
     <p:spTree>
@@ -8500,374 +9143,6 @@
 </p:sld>
 </file>
 
-<file path=ppt/slides/slide12.xml><?xml version="1.0" encoding="utf-8"?>
-<p:sld xmlns:a="http://schemas.openxmlformats.org/drawingml/2006/main" xmlns:r="http://schemas.openxmlformats.org/officeDocument/2006/relationships" xmlns:p="http://schemas.openxmlformats.org/presentationml/2006/main">
-  <p:cSld>
-    <p:spTree>
-      <p:nvGrpSpPr>
-        <p:cNvPr id="1" name=""/>
-        <p:cNvGrpSpPr/>
-        <p:nvPr/>
-      </p:nvGrpSpPr>
-      <p:grpSpPr>
-        <a:xfrm>
-          <a:off x="0" y="0"/>
-          <a:ext cx="0" cy="0"/>
-          <a:chOff x="0" y="0"/>
-          <a:chExt cx="0" cy="0"/>
-        </a:xfrm>
-      </p:grpSpPr>
-      <p:sp>
-        <p:nvSpPr>
-          <p:cNvPr id="17409" name="Titel 1"/>
-          <p:cNvSpPr>
-            <a:spLocks noGrp="1"/>
-          </p:cNvSpPr>
-          <p:nvPr>
-            <p:ph type="title"/>
-          </p:nvPr>
-        </p:nvSpPr>
-        <p:spPr/>
-        <p:txBody>
-          <a:bodyPr/>
-          <a:lstStyle/>
-          <a:p>
-            <a:r>
-              <a:rPr lang="de-DE" noProof="0" dirty="0"/>
-              <a:t>Quellen</a:t>
-            </a:r>
-          </a:p>
-        </p:txBody>
-      </p:sp>
-      <p:sp>
-        <p:nvSpPr>
-          <p:cNvPr id="3" name="Inhaltsplatzhalter 2"/>
-          <p:cNvSpPr>
-            <a:spLocks noGrp="1"/>
-          </p:cNvSpPr>
-          <p:nvPr>
-            <p:ph idx="1"/>
-          </p:nvPr>
-        </p:nvSpPr>
-        <p:spPr/>
-        <p:txBody>
-          <a:bodyPr/>
-          <a:lstStyle/>
-          <a:p>
-            <a:r>
-              <a:rPr lang="de-DE" sz="2000" noProof="0" dirty="0"/>
-              <a:t>[1] WLCG Project. WLCG Worldwide LHC Computing Grid. 2017. url: http://wlcg-public.web.cern.ch/ (</a:t>
-            </a:r>
-            <a:r>
-              <a:rPr lang="de-DE" sz="2000" noProof="0" dirty="0" err="1"/>
-              <a:t>visited</a:t>
-            </a:r>
-            <a:r>
-              <a:rPr lang="de-DE" sz="2000" noProof="0" dirty="0"/>
-              <a:t> on 11/2017).</a:t>
-            </a:r>
-          </a:p>
-          <a:p>
-            <a:r>
-              <a:rPr lang="de-DE" sz="2000" noProof="0" dirty="0"/>
-              <a:t>[2] WLCG Project. WLCG </a:t>
-            </a:r>
-            <a:r>
-              <a:rPr lang="de-DE" sz="2000" noProof="0" dirty="0" err="1"/>
-              <a:t>REsource</a:t>
-            </a:r>
-            <a:r>
-              <a:rPr lang="de-DE" sz="2000" noProof="0" dirty="0"/>
-              <a:t>, Balance &amp; </a:t>
-            </a:r>
-            <a:r>
-              <a:rPr lang="de-DE" sz="2000" noProof="0" dirty="0" err="1"/>
-              <a:t>USage</a:t>
-            </a:r>
-            <a:r>
-              <a:rPr lang="de-DE" sz="2000" noProof="0" dirty="0"/>
-              <a:t>. 2017. url: https://wlcg-rebus.cern.ch/apps/capacities/federations/ (</a:t>
-            </a:r>
-            <a:r>
-              <a:rPr lang="de-DE" sz="2000" noProof="0" dirty="0" err="1"/>
-              <a:t>visited</a:t>
-            </a:r>
-            <a:r>
-              <a:rPr lang="de-DE" sz="2000" noProof="0" dirty="0"/>
-              <a:t> on 11/2017).</a:t>
-            </a:r>
-          </a:p>
-          <a:p>
-            <a:r>
-              <a:rPr lang="de-DE" sz="2000" noProof="0" dirty="0"/>
-              <a:t>[3] Ian Bird. “Computing </a:t>
-            </a:r>
-            <a:r>
-              <a:rPr lang="de-DE" sz="2000" noProof="0" dirty="0" err="1"/>
-              <a:t>for</a:t>
-            </a:r>
-            <a:r>
-              <a:rPr lang="de-DE" sz="2000" noProof="0" dirty="0"/>
-              <a:t> the Large </a:t>
-            </a:r>
-            <a:r>
-              <a:rPr lang="de-DE" sz="2000" noProof="0" dirty="0" err="1"/>
-              <a:t>Hadron</a:t>
-            </a:r>
-            <a:r>
-              <a:rPr lang="de-DE" sz="2000" noProof="0" dirty="0"/>
-              <a:t> </a:t>
-            </a:r>
-            <a:r>
-              <a:rPr lang="de-DE" sz="2000" noProof="0" dirty="0" err="1"/>
-              <a:t>Collider</a:t>
-            </a:r>
-            <a:r>
-              <a:rPr lang="de-DE" sz="2000" noProof="0" dirty="0"/>
-              <a:t>”. In: Annual Review of </a:t>
-            </a:r>
-            <a:r>
-              <a:rPr lang="de-DE" sz="2000" noProof="0" dirty="0" err="1"/>
-              <a:t>Nuclear</a:t>
-            </a:r>
-            <a:r>
-              <a:rPr lang="de-DE" sz="2000" noProof="0" dirty="0"/>
-              <a:t> </a:t>
-            </a:r>
-            <a:r>
-              <a:rPr lang="de-DE" sz="2000" noProof="0" dirty="0" err="1"/>
-              <a:t>and</a:t>
-            </a:r>
-            <a:r>
-              <a:rPr lang="de-DE" sz="2000" noProof="0" dirty="0"/>
-              <a:t> </a:t>
-            </a:r>
-            <a:r>
-              <a:rPr lang="de-DE" sz="2000" noProof="0" dirty="0" err="1"/>
-              <a:t>Particle</a:t>
-            </a:r>
-            <a:r>
-              <a:rPr lang="de-DE" sz="2000" noProof="0" dirty="0"/>
-              <a:t> Science 61.1 (2011), pp. 99–118. </a:t>
-            </a:r>
-            <a:r>
-              <a:rPr lang="de-DE" sz="2000" noProof="0" dirty="0" err="1"/>
-              <a:t>doi</a:t>
-            </a:r>
-            <a:r>
-              <a:rPr lang="de-DE" sz="2000" noProof="0" dirty="0"/>
-              <a:t>: 10 . 1146 / </a:t>
-            </a:r>
-            <a:r>
-              <a:rPr lang="de-DE" sz="2000" noProof="0" dirty="0" err="1"/>
-              <a:t>annurev</a:t>
-            </a:r>
-            <a:r>
-              <a:rPr lang="de-DE" sz="2000" noProof="0" dirty="0"/>
-              <a:t> - </a:t>
-            </a:r>
-            <a:r>
-              <a:rPr lang="de-DE" sz="2000" noProof="0" dirty="0" err="1"/>
-              <a:t>nucl</a:t>
-            </a:r>
-            <a:r>
-              <a:rPr lang="de-DE" sz="2000" noProof="0" dirty="0"/>
-              <a:t> - 102010 -130059. </a:t>
-            </a:r>
-            <a:r>
-              <a:rPr lang="de-DE" sz="2000" noProof="0" dirty="0" err="1"/>
-              <a:t>print</a:t>
-            </a:r>
-            <a:r>
-              <a:rPr lang="de-DE" sz="2000" noProof="0" dirty="0"/>
-              <a:t>: https://doi.org/10.1146/annurev-nucl-102010-130059. url: </a:t>
-            </a:r>
-            <a:r>
-              <a:rPr lang="de-DE" sz="2000" noProof="0" dirty="0">
-                <a:hlinkClick r:id="rId3"/>
-              </a:rPr>
-              <a:t>https://doi.org/10.1146/annurev-nucl-102010-130059</a:t>
-            </a:r>
-            <a:r>
-              <a:rPr lang="de-DE" sz="2000" noProof="0" dirty="0"/>
-              <a:t>.</a:t>
-            </a:r>
-          </a:p>
-          <a:p>
-            <a:r>
-              <a:rPr lang="de-DE" sz="2000" noProof="0" dirty="0"/>
-              <a:t>[4] Steen Becker, Heiko </a:t>
-            </a:r>
-            <a:r>
-              <a:rPr lang="de-DE" sz="2000" noProof="0" dirty="0" err="1"/>
-              <a:t>Koziolek</a:t>
-            </a:r>
-            <a:r>
-              <a:rPr lang="de-DE" sz="2000" noProof="0" dirty="0"/>
-              <a:t>, </a:t>
-            </a:r>
-            <a:r>
-              <a:rPr lang="de-DE" sz="2000" noProof="0" dirty="0" err="1"/>
-              <a:t>and</a:t>
-            </a:r>
-            <a:r>
-              <a:rPr lang="de-DE" sz="2000" noProof="0" dirty="0"/>
-              <a:t> Ralf </a:t>
-            </a:r>
-            <a:r>
-              <a:rPr lang="de-DE" sz="2000" noProof="0" dirty="0" err="1"/>
-              <a:t>Reussner</a:t>
-            </a:r>
-            <a:r>
-              <a:rPr lang="de-DE" sz="2000" noProof="0" dirty="0"/>
-              <a:t>. “The Palladio </a:t>
-            </a:r>
-            <a:r>
-              <a:rPr lang="de-DE" sz="2000" noProof="0" dirty="0" err="1"/>
-              <a:t>component</a:t>
-            </a:r>
-            <a:r>
-              <a:rPr lang="de-DE" sz="2000" noProof="0" dirty="0"/>
-              <a:t> </a:t>
-            </a:r>
-            <a:r>
-              <a:rPr lang="de-DE" sz="2000" noProof="0" dirty="0" err="1"/>
-              <a:t>model</a:t>
-            </a:r>
-            <a:r>
-              <a:rPr lang="de-DE" sz="2000" noProof="0" dirty="0"/>
-              <a:t> </a:t>
-            </a:r>
-            <a:r>
-              <a:rPr lang="de-DE" sz="2000" noProof="0" dirty="0" err="1"/>
-              <a:t>for</a:t>
-            </a:r>
-            <a:r>
-              <a:rPr lang="de-DE" sz="2000" noProof="0" dirty="0"/>
-              <a:t> model-</a:t>
-            </a:r>
-            <a:r>
-              <a:rPr lang="de-DE" sz="2000" noProof="0" dirty="0" err="1"/>
-              <a:t>driven</a:t>
-            </a:r>
-            <a:r>
-              <a:rPr lang="de-DE" sz="2000" noProof="0" dirty="0"/>
-              <a:t> </a:t>
-            </a:r>
-            <a:r>
-              <a:rPr lang="de-DE" sz="2000" noProof="0" dirty="0" err="1"/>
-              <a:t>performance</a:t>
-            </a:r>
-            <a:r>
-              <a:rPr lang="de-DE" sz="2000" noProof="0" dirty="0"/>
-              <a:t> </a:t>
-            </a:r>
-            <a:r>
-              <a:rPr lang="de-DE" sz="2000" noProof="0" dirty="0" err="1"/>
-              <a:t>prediction</a:t>
-            </a:r>
-            <a:r>
-              <a:rPr lang="de-DE" sz="2000" noProof="0" dirty="0"/>
-              <a:t>”. In: Journal of Systems </a:t>
-            </a:r>
-            <a:r>
-              <a:rPr lang="de-DE" sz="2000" noProof="0" dirty="0" err="1"/>
-              <a:t>and</a:t>
-            </a:r>
-            <a:r>
-              <a:rPr lang="de-DE" sz="2000" noProof="0" dirty="0"/>
-              <a:t> Software 82.1 (2009).Special </a:t>
-            </a:r>
-            <a:r>
-              <a:rPr lang="de-DE" sz="2000" noProof="0" dirty="0" err="1"/>
-              <a:t>Issue</a:t>
-            </a:r>
-            <a:r>
-              <a:rPr lang="de-DE" sz="2000" noProof="0" dirty="0"/>
-              <a:t>: Software </a:t>
-            </a:r>
-            <a:r>
-              <a:rPr lang="de-DE" sz="2000" noProof="0" dirty="0" err="1"/>
-              <a:t>performance</a:t>
-            </a:r>
-            <a:r>
-              <a:rPr lang="de-DE" sz="2000" noProof="0" dirty="0"/>
-              <a:t> - Modeling </a:t>
-            </a:r>
-            <a:r>
-              <a:rPr lang="de-DE" sz="2000" noProof="0" dirty="0" err="1"/>
-              <a:t>and</a:t>
-            </a:r>
-            <a:r>
-              <a:rPr lang="de-DE" sz="2000" noProof="0" dirty="0"/>
-              <a:t> Analysis, pp. 3–22. </a:t>
-            </a:r>
-            <a:r>
-              <a:rPr lang="de-DE" sz="2000" noProof="0" dirty="0" err="1"/>
-              <a:t>issn</a:t>
-            </a:r>
-            <a:r>
-              <a:rPr lang="de-DE" sz="2000" noProof="0" dirty="0"/>
-              <a:t>: 0164-1212.doi: https://doi.org/10.1016/j.jss.2008.03.066. url: http://www.sciencedirect.com/science/article/pii/S0164121208001015.</a:t>
-            </a:r>
-          </a:p>
-        </p:txBody>
-      </p:sp>
-      <p:sp>
-        <p:nvSpPr>
-          <p:cNvPr id="17412" name="Fußzeilenplatzhalter 3"/>
-          <p:cNvSpPr>
-            <a:spLocks noGrp="1"/>
-          </p:cNvSpPr>
-          <p:nvPr>
-            <p:ph type="ftr" sz="quarter" idx="10"/>
-          </p:nvPr>
-        </p:nvSpPr>
-        <p:spPr>
-          <a:noFill/>
-        </p:spPr>
-        <p:txBody>
-          <a:bodyPr/>
-          <a:lstStyle/>
-          <a:p>
-            <a:r>
-              <a:rPr lang="de-DE" dirty="0">
-                <a:latin typeface="Arial" charset="0"/>
-                <a:cs typeface="Arial" charset="0"/>
-              </a:rPr>
-              <a:t>Firnkes Patrick:</a:t>
-            </a:r>
-            <a:r>
-              <a:rPr lang="de-DE" dirty="0"/>
-              <a:t> Modellierung und Simulation von Lastverteilungsstrategien </a:t>
-            </a:r>
-            <a:endParaRPr lang="de-DE" dirty="0">
-              <a:latin typeface="Arial" charset="0"/>
-              <a:cs typeface="Arial" charset="0"/>
-            </a:endParaRPr>
-          </a:p>
-        </p:txBody>
-      </p:sp>
-    </p:spTree>
-    <p:extLst>
-      <p:ext uri="{BB962C8B-B14F-4D97-AF65-F5344CB8AC3E}">
-        <p14:creationId xmlns:p14="http://schemas.microsoft.com/office/powerpoint/2010/main" val="1427489207"/>
-      </p:ext>
-    </p:extLst>
-  </p:cSld>
-  <p:clrMapOvr>
-    <a:masterClrMapping/>
-  </p:clrMapOvr>
-  <p:timing>
-    <p:tnLst>
-      <p:par>
-        <p:cTn id="1" dur="indefinite" restart="never" nodeType="tmRoot"/>
-      </p:par>
-    </p:tnLst>
-  </p:timing>
-</p:sld>
-</file>
-
 <file path=ppt/slides/slide13.xml><?xml version="1.0" encoding="utf-8"?>
 <p:sld xmlns:a="http://schemas.openxmlformats.org/drawingml/2006/main" xmlns:r="http://schemas.openxmlformats.org/officeDocument/2006/relationships" xmlns:p="http://schemas.openxmlformats.org/presentationml/2006/main">
   <p:cSld>
@@ -8924,11 +9199,63 @@
           <a:p>
             <a:r>
               <a:rPr lang="de-DE" sz="2000" noProof="0" dirty="0"/>
-              <a:t>[5] Sebastian </a:t>
+              <a:t>[1] WLCG Project. WLCG Worldwide LHC Computing Grid. 2017. url: http://wlcg-public.web.cern.ch/ (</a:t>
             </a:r>
             <a:r>
               <a:rPr lang="de-DE" sz="2000" noProof="0" dirty="0" err="1"/>
-              <a:t>Lehrig</a:t>
+              <a:t>visited</a:t>
+            </a:r>
+            <a:r>
+              <a:rPr lang="de-DE" sz="2000" noProof="0" dirty="0"/>
+              <a:t> on 11/2017).</a:t>
+            </a:r>
+          </a:p>
+          <a:p>
+            <a:r>
+              <a:rPr lang="de-DE" sz="2000" noProof="0" dirty="0"/>
+              <a:t>[2] WLCG Project. WLCG </a:t>
+            </a:r>
+            <a:r>
+              <a:rPr lang="de-DE" sz="2000" noProof="0" dirty="0" err="1"/>
+              <a:t>REsource</a:t>
+            </a:r>
+            <a:r>
+              <a:rPr lang="de-DE" sz="2000" noProof="0" dirty="0"/>
+              <a:t>, Balance &amp; </a:t>
+            </a:r>
+            <a:r>
+              <a:rPr lang="de-DE" sz="2000" noProof="0" dirty="0" err="1"/>
+              <a:t>USage</a:t>
+            </a:r>
+            <a:r>
+              <a:rPr lang="de-DE" sz="2000" noProof="0" dirty="0"/>
+              <a:t>. 2017. url: https://wlcg-rebus.cern.ch/apps/capacities/federations/ (</a:t>
+            </a:r>
+            <a:r>
+              <a:rPr lang="de-DE" sz="2000" noProof="0" dirty="0" err="1"/>
+              <a:t>visited</a:t>
+            </a:r>
+            <a:r>
+              <a:rPr lang="de-DE" sz="2000" noProof="0" dirty="0"/>
+              <a:t> on 11/2017).</a:t>
+            </a:r>
+          </a:p>
+          <a:p>
+            <a:r>
+              <a:rPr lang="de-DE" sz="2000" noProof="0" dirty="0"/>
+              <a:t>[3] Ian Bird. “Computing </a:t>
+            </a:r>
+            <a:r>
+              <a:rPr lang="de-DE" sz="2000" noProof="0" dirty="0" err="1"/>
+              <a:t>for</a:t>
+            </a:r>
+            <a:r>
+              <a:rPr lang="de-DE" sz="2000" noProof="0" dirty="0"/>
+              <a:t> the Large </a:t>
+            </a:r>
+            <a:r>
+              <a:rPr lang="de-DE" sz="2000" noProof="0" dirty="0" err="1"/>
+              <a:t>Hadron</a:t>
             </a:r>
             <a:r>
               <a:rPr lang="de-DE" sz="2000" noProof="0" dirty="0"/>
@@ -8936,31 +9263,15 @@
             </a:r>
             <a:r>
               <a:rPr lang="de-DE" sz="2000" noProof="0" dirty="0" err="1"/>
-              <a:t>and</a:t>
+              <a:t>Collider</a:t>
             </a:r>
             <a:r>
               <a:rPr lang="de-DE" sz="2000" noProof="0" dirty="0"/>
-              <a:t> Matthias Becker. “</a:t>
+              <a:t>”. In: Annual Review of </a:t>
             </a:r>
             <a:r>
               <a:rPr lang="de-DE" sz="2000" noProof="0" dirty="0" err="1"/>
-              <a:t>Approaching</a:t>
-            </a:r>
-            <a:r>
-              <a:rPr lang="de-DE" sz="2000" noProof="0" dirty="0"/>
-              <a:t> the </a:t>
-            </a:r>
-            <a:r>
-              <a:rPr lang="de-DE" sz="2000" noProof="0" dirty="0" err="1"/>
-              <a:t>cloud</a:t>
-            </a:r>
-            <a:r>
-              <a:rPr lang="de-DE" sz="2000" noProof="0" dirty="0"/>
-              <a:t>: </a:t>
-            </a:r>
-            <a:r>
-              <a:rPr lang="de-DE" sz="2000" noProof="0" dirty="0" err="1"/>
-              <a:t>Using</a:t>
+              <a:t>Nuclear</a:t>
             </a:r>
             <a:r>
               <a:rPr lang="de-DE" sz="2000" noProof="0" dirty="0"/>
@@ -8968,7 +9279,7 @@
             </a:r>
             <a:r>
               <a:rPr lang="de-DE" sz="2000" noProof="0" dirty="0" err="1"/>
-              <a:t>palladio</a:t>
+              <a:t>and</a:t>
             </a:r>
             <a:r>
               <a:rPr lang="de-DE" sz="2000" noProof="0" dirty="0"/>
@@ -8976,157 +9287,49 @@
             </a:r>
             <a:r>
               <a:rPr lang="de-DE" sz="2000" noProof="0" dirty="0" err="1"/>
-              <a:t>for</a:t>
+              <a:t>Particle</a:t>
             </a:r>
             <a:r>
               <a:rPr lang="de-DE" sz="2000" noProof="0" dirty="0"/>
-              <a:t> </a:t>
+              <a:t> Science 61.1 (2011), pp. 99–118. </a:t>
             </a:r>
             <a:r>
               <a:rPr lang="de-DE" sz="2000" noProof="0" dirty="0" err="1"/>
-              <a:t>scalability,elasticity</a:t>
+              <a:t>doi</a:t>
             </a:r>
             <a:r>
               <a:rPr lang="de-DE" sz="2000" noProof="0" dirty="0"/>
-              <a:t>, </a:t>
+              <a:t>: 10 . 1146 / </a:t>
             </a:r>
             <a:r>
               <a:rPr lang="de-DE" sz="2000" noProof="0" dirty="0" err="1"/>
-              <a:t>and</a:t>
+              <a:t>annurev</a:t>
             </a:r>
             <a:r>
               <a:rPr lang="de-DE" sz="2000" noProof="0" dirty="0"/>
-              <a:t> </a:t>
+              <a:t> - </a:t>
             </a:r>
             <a:r>
               <a:rPr lang="de-DE" sz="2000" noProof="0" dirty="0" err="1"/>
-              <a:t>eciency</a:t>
+              <a:t>nucl</a:t>
             </a:r>
             <a:r>
               <a:rPr lang="de-DE" sz="2000" noProof="0" dirty="0"/>
-              <a:t> </a:t>
+              <a:t> - 102010 -130059. </a:t>
             </a:r>
             <a:r>
               <a:rPr lang="de-DE" sz="2000" noProof="0" dirty="0" err="1"/>
-              <a:t>analyses</a:t>
+              <a:t>print</a:t>
             </a:r>
             <a:r>
               <a:rPr lang="de-DE" sz="2000" noProof="0" dirty="0"/>
-              <a:t>”. In: </a:t>
-            </a:r>
-            <a:r>
-              <a:rPr lang="de-DE" sz="2000" noProof="0" dirty="0" err="1"/>
-              <a:t>Proceedings</a:t>
-            </a:r>
-            <a:r>
-              <a:rPr lang="de-DE" sz="2000" noProof="0" dirty="0"/>
-              <a:t> of the Symposium on </a:t>
-            </a:r>
-            <a:r>
-              <a:rPr lang="de-DE" sz="2000" noProof="0" dirty="0" err="1"/>
-              <a:t>SoftwarePerformance</a:t>
-            </a:r>
-            <a:r>
-              <a:rPr lang="de-DE" sz="2000" noProof="0" dirty="0"/>
-              <a:t>. 2014, pp. 26–28.</a:t>
-            </a:r>
-          </a:p>
-          <a:p>
-            <a:r>
-              <a:rPr lang="de-DE" sz="2000" noProof="0" dirty="0"/>
-              <a:t>[6] Matthias Becker, Steen Becker, </a:t>
-            </a:r>
-            <a:r>
-              <a:rPr lang="de-DE" sz="2000" noProof="0" dirty="0" err="1"/>
-              <a:t>and</a:t>
-            </a:r>
-            <a:r>
-              <a:rPr lang="de-DE" sz="2000" noProof="0" dirty="0"/>
-              <a:t> Joachim Meyer. “</a:t>
-            </a:r>
-            <a:r>
-              <a:rPr lang="de-DE" sz="2000" noProof="0" dirty="0" err="1"/>
-              <a:t>SimuLizar</a:t>
-            </a:r>
-            <a:r>
-              <a:rPr lang="de-DE" sz="2000" noProof="0" dirty="0"/>
-              <a:t>: Design-Time Modeling </a:t>
-            </a:r>
-            <a:r>
-              <a:rPr lang="de-DE" sz="2000" noProof="0" dirty="0" err="1"/>
-              <a:t>and</a:t>
-            </a:r>
-            <a:r>
-              <a:rPr lang="de-DE" sz="2000" noProof="0" dirty="0"/>
-              <a:t> Performance Analysis of </a:t>
-            </a:r>
-            <a:r>
-              <a:rPr lang="de-DE" sz="2000" noProof="0" dirty="0" err="1"/>
-              <a:t>Self</a:t>
-            </a:r>
-            <a:r>
-              <a:rPr lang="de-DE" sz="2000" noProof="0" dirty="0"/>
-              <a:t>-Adaptive Systems.” In: Software Engineering 213 (2013), pp. 71–84.</a:t>
-            </a:r>
-          </a:p>
-          <a:p>
-            <a:r>
-              <a:rPr lang="de-DE" sz="2000" noProof="0" dirty="0"/>
-              <a:t>[7] C Zach et al. “Simulation of the </a:t>
-            </a:r>
-            <a:r>
-              <a:rPr lang="de-DE" sz="2000" noProof="0" dirty="0" err="1"/>
-              <a:t>job</a:t>
-            </a:r>
-            <a:r>
-              <a:rPr lang="de-DE" sz="2000" noProof="0" dirty="0"/>
-              <a:t> </a:t>
-            </a:r>
-            <a:r>
-              <a:rPr lang="de-DE" sz="2000" noProof="0" dirty="0" err="1"/>
-              <a:t>processing</a:t>
-            </a:r>
-            <a:r>
-              <a:rPr lang="de-DE" sz="2000" noProof="0" dirty="0"/>
-              <a:t> </a:t>
-            </a:r>
-            <a:r>
-              <a:rPr lang="de-DE" sz="2000" noProof="0" dirty="0" err="1"/>
-              <a:t>performance</a:t>
-            </a:r>
-            <a:r>
-              <a:rPr lang="de-DE" sz="2000" noProof="0" dirty="0"/>
-              <a:t> at an ALICE Tier-2 </a:t>
-            </a:r>
-            <a:r>
-              <a:rPr lang="de-DE" sz="2000" noProof="0" dirty="0" err="1"/>
-              <a:t>site</a:t>
-            </a:r>
-            <a:r>
-              <a:rPr lang="de-DE" sz="2000" noProof="0" dirty="0"/>
-              <a:t> </a:t>
-            </a:r>
-            <a:r>
-              <a:rPr lang="de-DE" sz="2000" noProof="0" dirty="0" err="1"/>
-              <a:t>with</a:t>
-            </a:r>
-            <a:r>
-              <a:rPr lang="de-DE" sz="2000" noProof="0" dirty="0"/>
-              <a:t> MONARC”. In: Journal of </a:t>
-            </a:r>
-            <a:r>
-              <a:rPr lang="de-DE" sz="2000" noProof="0" dirty="0" err="1"/>
-              <a:t>Physics</a:t>
-            </a:r>
-            <a:r>
-              <a:rPr lang="de-DE" sz="2000" noProof="0" dirty="0"/>
-              <a:t>: Conference Series 331.7 (2011), p. 072038. </a:t>
+              <a:t>: https://doi.org/10.1146/annurev-nucl-102010-130059. url: </a:t>
             </a:r>
             <a:r>
               <a:rPr lang="de-DE" sz="2000" noProof="0" dirty="0">
                 <a:hlinkClick r:id="rId3"/>
               </a:rPr>
-              <a:t>url:http://stacks.iop.org/1742-6596/331/i=7/a=072038</a:t>
+              <a:t>https://doi.org/10.1146/annurev-nucl-102010-130059</a:t>
             </a:r>
             <a:r>
               <a:rPr lang="de-DE" sz="2000" noProof="0" dirty="0"/>
@@ -9136,53 +9339,120 @@
           <a:p>
             <a:r>
               <a:rPr lang="de-DE" sz="2000" noProof="0" dirty="0"/>
-              <a:t>[8] </a:t>
-            </a:r>
-            <a:r>
-              <a:rPr lang="de-DE" sz="2000" dirty="0"/>
-              <a:t>Henri Casanova et al. “Versatile, </a:t>
-            </a:r>
-            <a:r>
-              <a:rPr lang="de-DE" sz="2000" dirty="0" err="1"/>
-              <a:t>Scalable</a:t>
-            </a:r>
-            <a:r>
-              <a:rPr lang="de-DE" sz="2000" dirty="0"/>
+              <a:t>[4] Steen Becker, Heiko </a:t>
+            </a:r>
+            <a:r>
+              <a:rPr lang="de-DE" sz="2000" noProof="0" dirty="0" err="1"/>
+              <a:t>Koziolek</a:t>
+            </a:r>
+            <a:r>
+              <a:rPr lang="de-DE" sz="2000" noProof="0" dirty="0"/>
               <a:t>, </a:t>
             </a:r>
             <a:r>
-              <a:rPr lang="de-DE" sz="2000" dirty="0" err="1"/>
+              <a:rPr lang="de-DE" sz="2000" noProof="0" dirty="0" err="1"/>
               <a:t>and</a:t>
             </a:r>
             <a:r>
-              <a:rPr lang="de-DE" sz="2000" dirty="0"/>
+              <a:rPr lang="de-DE" sz="2000" noProof="0" dirty="0"/>
+              <a:t> Ralf </a:t>
+            </a:r>
+            <a:r>
+              <a:rPr lang="de-DE" sz="2000" noProof="0" dirty="0" err="1"/>
+              <a:t>Reussner</a:t>
+            </a:r>
+            <a:r>
+              <a:rPr lang="de-DE" sz="2000" noProof="0" dirty="0"/>
+              <a:t>. “The Palladio </a:t>
+            </a:r>
+            <a:r>
+              <a:rPr lang="de-DE" sz="2000" noProof="0" dirty="0" err="1"/>
+              <a:t>component</a:t>
+            </a:r>
+            <a:r>
+              <a:rPr lang="de-DE" sz="2000" noProof="0" dirty="0"/>
               <a:t> </a:t>
             </a:r>
             <a:r>
-              <a:rPr lang="de-DE" sz="2000" dirty="0" err="1"/>
-              <a:t>Accurate</a:t>
-            </a:r>
-            <a:r>
-              <a:rPr lang="de-DE" sz="2000" dirty="0"/>
-              <a:t> Simulation of Distributed </a:t>
-            </a:r>
-            <a:r>
-              <a:rPr lang="de-DE" sz="2000" dirty="0" err="1"/>
-              <a:t>Applications</a:t>
-            </a:r>
-            <a:r>
-              <a:rPr lang="de-DE" sz="2000" dirty="0"/>
+              <a:rPr lang="de-DE" sz="2000" noProof="0" dirty="0" err="1"/>
+              <a:t>model</a:t>
+            </a:r>
+            <a:r>
+              <a:rPr lang="de-DE" sz="2000" noProof="0" dirty="0"/>
               <a:t> </a:t>
             </a:r>
             <a:r>
-              <a:rPr lang="en-US" sz="2000" dirty="0"/>
-              <a:t>and Platforms”. In: Journal of Parallel and Distributed Computing 74.10 (June </a:t>
-            </a:r>
-            <a:r>
-              <a:rPr lang="de-DE" sz="2000" dirty="0"/>
-              <a:t>2014), pp. 2899–2917. url: http://hal.inria.fr/hal-01017319.</a:t>
-            </a:r>
-            <a:endParaRPr lang="de-DE" sz="2000" noProof="0" dirty="0"/>
+              <a:rPr lang="de-DE" sz="2000" noProof="0" dirty="0" err="1"/>
+              <a:t>for</a:t>
+            </a:r>
+            <a:r>
+              <a:rPr lang="de-DE" sz="2000" noProof="0" dirty="0"/>
+              <a:t> model-</a:t>
+            </a:r>
+            <a:r>
+              <a:rPr lang="de-DE" sz="2000" noProof="0" dirty="0" err="1"/>
+              <a:t>driven</a:t>
+            </a:r>
+            <a:r>
+              <a:rPr lang="de-DE" sz="2000" noProof="0" dirty="0"/>
+              <a:t> </a:t>
+            </a:r>
+            <a:r>
+              <a:rPr lang="de-DE" sz="2000" noProof="0" dirty="0" err="1"/>
+              <a:t>performance</a:t>
+            </a:r>
+            <a:r>
+              <a:rPr lang="de-DE" sz="2000" noProof="0" dirty="0"/>
+              <a:t> </a:t>
+            </a:r>
+            <a:r>
+              <a:rPr lang="de-DE" sz="2000" noProof="0" dirty="0" err="1"/>
+              <a:t>prediction</a:t>
+            </a:r>
+            <a:r>
+              <a:rPr lang="de-DE" sz="2000" noProof="0" dirty="0"/>
+              <a:t>”. In: Journal of Systems </a:t>
+            </a:r>
+            <a:r>
+              <a:rPr lang="de-DE" sz="2000" noProof="0" dirty="0" err="1"/>
+              <a:t>and</a:t>
+            </a:r>
+            <a:r>
+              <a:rPr lang="de-DE" sz="2000" noProof="0" dirty="0"/>
+              <a:t> Software 82.1 (2009).Special </a:t>
+            </a:r>
+            <a:r>
+              <a:rPr lang="de-DE" sz="2000" noProof="0" dirty="0" err="1"/>
+              <a:t>Issue</a:t>
+            </a:r>
+            <a:r>
+              <a:rPr lang="de-DE" sz="2000" noProof="0" dirty="0"/>
+              <a:t>: Software </a:t>
+            </a:r>
+            <a:r>
+              <a:rPr lang="de-DE" sz="2000" noProof="0" dirty="0" err="1"/>
+              <a:t>performance</a:t>
+            </a:r>
+            <a:r>
+              <a:rPr lang="de-DE" sz="2000" noProof="0" dirty="0"/>
+              <a:t> - Modeling </a:t>
+            </a:r>
+            <a:r>
+              <a:rPr lang="de-DE" sz="2000" noProof="0" dirty="0" err="1"/>
+              <a:t>and</a:t>
+            </a:r>
+            <a:r>
+              <a:rPr lang="de-DE" sz="2000" noProof="0" dirty="0"/>
+              <a:t> Analysis, pp. 3–22. </a:t>
+            </a:r>
+            <a:r>
+              <a:rPr lang="de-DE" sz="2000" noProof="0" dirty="0" err="1"/>
+              <a:t>issn</a:t>
+            </a:r>
+            <a:r>
+              <a:rPr lang="de-DE" sz="2000" noProof="0" dirty="0"/>
+              <a:t>: 0164-1212.doi: https://doi.org/10.1016/j.jss.2008.03.066. url: http://www.sciencedirect.com/science/article/pii/S0164121208001015.</a:t>
+            </a:r>
           </a:p>
         </p:txBody>
       </p:sp>
@@ -9224,13 +9494,20 @@
     </p:spTree>
     <p:extLst>
       <p:ext uri="{BB962C8B-B14F-4D97-AF65-F5344CB8AC3E}">
-        <p14:creationId xmlns:p14="http://schemas.microsoft.com/office/powerpoint/2010/main" val="2102612790"/>
+        <p14:creationId xmlns:p14="http://schemas.microsoft.com/office/powerpoint/2010/main" val="1427489207"/>
       </p:ext>
     </p:extLst>
   </p:cSld>
   <p:clrMapOvr>
     <a:masterClrMapping/>
   </p:clrMapOvr>
+  <p:timing>
+    <p:tnLst>
+      <p:par>
+        <p:cTn id="1" dur="indefinite" restart="never" nodeType="tmRoot"/>
+      </p:par>
+    </p:tnLst>
+  </p:timing>
 </p:sld>
 </file>
 
@@ -9290,11 +9567,235 @@
           <a:p>
             <a:r>
               <a:rPr lang="de-DE" sz="2000" noProof="0" dirty="0"/>
-              <a:t>[9] </a:t>
+              <a:t>[5] Sebastian </a:t>
+            </a:r>
+            <a:r>
+              <a:rPr lang="de-DE" sz="2000" noProof="0" dirty="0" err="1"/>
+              <a:t>Lehrig</a:t>
+            </a:r>
+            <a:r>
+              <a:rPr lang="de-DE" sz="2000" noProof="0" dirty="0"/>
+              <a:t> </a:t>
+            </a:r>
+            <a:r>
+              <a:rPr lang="de-DE" sz="2000" noProof="0" dirty="0" err="1"/>
+              <a:t>and</a:t>
+            </a:r>
+            <a:r>
+              <a:rPr lang="de-DE" sz="2000" noProof="0" dirty="0"/>
+              <a:t> Matthias Becker. “</a:t>
+            </a:r>
+            <a:r>
+              <a:rPr lang="de-DE" sz="2000" noProof="0" dirty="0" err="1"/>
+              <a:t>Approaching</a:t>
+            </a:r>
+            <a:r>
+              <a:rPr lang="de-DE" sz="2000" noProof="0" dirty="0"/>
+              <a:t> the </a:t>
+            </a:r>
+            <a:r>
+              <a:rPr lang="de-DE" sz="2000" noProof="0" dirty="0" err="1"/>
+              <a:t>cloud</a:t>
+            </a:r>
+            <a:r>
+              <a:rPr lang="de-DE" sz="2000" noProof="0" dirty="0"/>
+              <a:t>: </a:t>
+            </a:r>
+            <a:r>
+              <a:rPr lang="de-DE" sz="2000" noProof="0" dirty="0" err="1"/>
+              <a:t>Using</a:t>
+            </a:r>
+            <a:r>
+              <a:rPr lang="de-DE" sz="2000" noProof="0" dirty="0"/>
+              <a:t> </a:t>
+            </a:r>
+            <a:r>
+              <a:rPr lang="de-DE" sz="2000" noProof="0" dirty="0" err="1"/>
+              <a:t>palladio</a:t>
+            </a:r>
+            <a:r>
+              <a:rPr lang="de-DE" sz="2000" noProof="0" dirty="0"/>
+              <a:t> </a:t>
+            </a:r>
+            <a:r>
+              <a:rPr lang="de-DE" sz="2000" noProof="0" dirty="0" err="1"/>
+              <a:t>for</a:t>
+            </a:r>
+            <a:r>
+              <a:rPr lang="de-DE" sz="2000" noProof="0" dirty="0"/>
+              <a:t> </a:t>
+            </a:r>
+            <a:r>
+              <a:rPr lang="de-DE" sz="2000" noProof="0" dirty="0" err="1"/>
+              <a:t>scalability,elasticity</a:t>
+            </a:r>
+            <a:r>
+              <a:rPr lang="de-DE" sz="2000" noProof="0" dirty="0"/>
+              <a:t>, </a:t>
+            </a:r>
+            <a:r>
+              <a:rPr lang="de-DE" sz="2000" noProof="0" dirty="0" err="1"/>
+              <a:t>and</a:t>
+            </a:r>
+            <a:r>
+              <a:rPr lang="de-DE" sz="2000" noProof="0" dirty="0"/>
+              <a:t> </a:t>
+            </a:r>
+            <a:r>
+              <a:rPr lang="de-DE" sz="2000" noProof="0" dirty="0" err="1"/>
+              <a:t>eciency</a:t>
+            </a:r>
+            <a:r>
+              <a:rPr lang="de-DE" sz="2000" noProof="0" dirty="0"/>
+              <a:t> </a:t>
+            </a:r>
+            <a:r>
+              <a:rPr lang="de-DE" sz="2000" noProof="0" dirty="0" err="1"/>
+              <a:t>analyses</a:t>
+            </a:r>
+            <a:r>
+              <a:rPr lang="de-DE" sz="2000" noProof="0" dirty="0"/>
+              <a:t>”. In: </a:t>
+            </a:r>
+            <a:r>
+              <a:rPr lang="de-DE" sz="2000" noProof="0" dirty="0" err="1"/>
+              <a:t>Proceedings</a:t>
+            </a:r>
+            <a:r>
+              <a:rPr lang="de-DE" sz="2000" noProof="0" dirty="0"/>
+              <a:t> of the Symposium on </a:t>
+            </a:r>
+            <a:r>
+              <a:rPr lang="de-DE" sz="2000" noProof="0" dirty="0" err="1"/>
+              <a:t>SoftwarePerformance</a:t>
+            </a:r>
+            <a:r>
+              <a:rPr lang="de-DE" sz="2000" noProof="0" dirty="0"/>
+              <a:t>. 2014, pp. 26–28.</a:t>
+            </a:r>
+          </a:p>
+          <a:p>
+            <a:r>
+              <a:rPr lang="de-DE" sz="2000" noProof="0" dirty="0"/>
+              <a:t>[6] Matthias Becker, Steen Becker, </a:t>
+            </a:r>
+            <a:r>
+              <a:rPr lang="de-DE" sz="2000" noProof="0" dirty="0" err="1"/>
+              <a:t>and</a:t>
+            </a:r>
+            <a:r>
+              <a:rPr lang="de-DE" sz="2000" noProof="0" dirty="0"/>
+              <a:t> Joachim Meyer. “</a:t>
+            </a:r>
+            <a:r>
+              <a:rPr lang="de-DE" sz="2000" noProof="0" dirty="0" err="1"/>
+              <a:t>SimuLizar</a:t>
+            </a:r>
+            <a:r>
+              <a:rPr lang="de-DE" sz="2000" noProof="0" dirty="0"/>
+              <a:t>: Design-Time Modeling </a:t>
+            </a:r>
+            <a:r>
+              <a:rPr lang="de-DE" sz="2000" noProof="0" dirty="0" err="1"/>
+              <a:t>and</a:t>
+            </a:r>
+            <a:r>
+              <a:rPr lang="de-DE" sz="2000" noProof="0" dirty="0"/>
+              <a:t> Performance Analysis of </a:t>
+            </a:r>
+            <a:r>
+              <a:rPr lang="de-DE" sz="2000" noProof="0" dirty="0" err="1"/>
+              <a:t>Self</a:t>
+            </a:r>
+            <a:r>
+              <a:rPr lang="de-DE" sz="2000" noProof="0" dirty="0"/>
+              <a:t>-Adaptive Systems.” In: Software Engineering 213 (2013), pp. 71–84.</a:t>
+            </a:r>
+          </a:p>
+          <a:p>
+            <a:r>
+              <a:rPr lang="de-DE" sz="2000" noProof="0" dirty="0"/>
+              <a:t>[7] C Zach et al. “Simulation of the </a:t>
+            </a:r>
+            <a:r>
+              <a:rPr lang="de-DE" sz="2000" noProof="0" dirty="0" err="1"/>
+              <a:t>job</a:t>
+            </a:r>
+            <a:r>
+              <a:rPr lang="de-DE" sz="2000" noProof="0" dirty="0"/>
+              <a:t> </a:t>
+            </a:r>
+            <a:r>
+              <a:rPr lang="de-DE" sz="2000" noProof="0" dirty="0" err="1"/>
+              <a:t>processing</a:t>
+            </a:r>
+            <a:r>
+              <a:rPr lang="de-DE" sz="2000" noProof="0" dirty="0"/>
+              <a:t> </a:t>
+            </a:r>
+            <a:r>
+              <a:rPr lang="de-DE" sz="2000" noProof="0" dirty="0" err="1"/>
+              <a:t>performance</a:t>
+            </a:r>
+            <a:r>
+              <a:rPr lang="de-DE" sz="2000" noProof="0" dirty="0"/>
+              <a:t> at an ALICE Tier-2 </a:t>
+            </a:r>
+            <a:r>
+              <a:rPr lang="de-DE" sz="2000" noProof="0" dirty="0" err="1"/>
+              <a:t>site</a:t>
+            </a:r>
+            <a:r>
+              <a:rPr lang="de-DE" sz="2000" noProof="0" dirty="0"/>
+              <a:t> </a:t>
+            </a:r>
+            <a:r>
+              <a:rPr lang="de-DE" sz="2000" noProof="0" dirty="0" err="1"/>
+              <a:t>with</a:t>
+            </a:r>
+            <a:r>
+              <a:rPr lang="de-DE" sz="2000" noProof="0" dirty="0"/>
+              <a:t> MONARC”. In: Journal of </a:t>
+            </a:r>
+            <a:r>
+              <a:rPr lang="de-DE" sz="2000" noProof="0" dirty="0" err="1"/>
+              <a:t>Physics</a:t>
+            </a:r>
+            <a:r>
+              <a:rPr lang="de-DE" sz="2000" noProof="0" dirty="0"/>
+              <a:t>: Conference Series 331.7 (2011), p. 072038. </a:t>
+            </a:r>
+            <a:r>
+              <a:rPr lang="de-DE" sz="2000" noProof="0" dirty="0">
+                <a:hlinkClick r:id="rId3"/>
+              </a:rPr>
+              <a:t>url:http://stacks.iop.org/1742-6596/331/i=7/a=072038</a:t>
+            </a:r>
+            <a:r>
+              <a:rPr lang="de-DE" sz="2000" noProof="0" dirty="0"/>
+              <a:t>.</a:t>
+            </a:r>
+          </a:p>
+          <a:p>
+            <a:r>
+              <a:rPr lang="de-DE" sz="2000" noProof="0" dirty="0"/>
+              <a:t>[8] </a:t>
+            </a:r>
+            <a:r>
+              <a:rPr lang="de-DE" sz="2000" dirty="0"/>
+              <a:t>Henri Casanova et al. “Versatile, </a:t>
             </a:r>
             <a:r>
               <a:rPr lang="de-DE" sz="2000" dirty="0" err="1"/>
-              <a:t>Monarc</a:t>
+              <a:t>Scalable</a:t>
+            </a:r>
+            <a:r>
+              <a:rPr lang="de-DE" sz="2000" dirty="0"/>
+              <a:t>, </a:t>
+            </a:r>
+            <a:r>
+              <a:rPr lang="de-DE" sz="2000" dirty="0" err="1"/>
+              <a:t>and</a:t>
             </a:r>
             <a:r>
               <a:rPr lang="de-DE" sz="2000" dirty="0"/>
@@ -9302,141 +9803,27 @@
             </a:r>
             <a:r>
               <a:rPr lang="de-DE" sz="2000" dirty="0" err="1"/>
-              <a:t>Collaboration</a:t>
+              <a:t>Accurate</a:t>
             </a:r>
             <a:r>
               <a:rPr lang="de-DE" sz="2000" dirty="0"/>
-              <a:t> et al. Models of </a:t>
+              <a:t> Simulation of Distributed </a:t>
             </a:r>
             <a:r>
               <a:rPr lang="de-DE" sz="2000" dirty="0" err="1"/>
-              <a:t>Networked</a:t>
-            </a:r>
-            <a:r>
-              <a:rPr lang="de-DE" sz="2000" dirty="0"/>
-              <a:t> Analysis at Regional </a:t>
-            </a:r>
-            <a:r>
-              <a:rPr lang="de-DE" sz="2000" dirty="0" err="1"/>
-              <a:t>Centres</a:t>
+              <a:t>Applications</a:t>
             </a:r>
             <a:r>
               <a:rPr lang="de-DE" sz="2000" dirty="0"/>
               <a:t> </a:t>
             </a:r>
             <a:r>
-              <a:rPr lang="de-DE" sz="2000" dirty="0" err="1"/>
-              <a:t>for</a:t>
+              <a:rPr lang="en-US" sz="2000" dirty="0"/>
+              <a:t>and Platforms”. In: Journal of Parallel and Distributed Computing 74.10 (June </a:t>
             </a:r>
             <a:r>
               <a:rPr lang="de-DE" sz="2000" dirty="0"/>
-              <a:t> LHC </a:t>
-            </a:r>
-            <a:r>
-              <a:rPr lang="en-US" sz="2000" dirty="0"/>
-              <a:t>experiments: Phase 2 report. Tech. rep. Technical Report CERN/LCB-001, CERN, 2000.</a:t>
-            </a:r>
-            <a:r>
-              <a:rPr lang="de-DE" sz="2000" dirty="0"/>
-              <a:t>http://www.cern.ch/MONARC, 2000.</a:t>
-            </a:r>
-          </a:p>
-          <a:p>
-            <a:r>
-              <a:rPr lang="en-US" sz="2000" dirty="0"/>
-              <a:t>[10] </a:t>
-            </a:r>
-            <a:r>
-              <a:rPr lang="en-US" sz="2000" dirty="0" err="1"/>
-              <a:t>Youhei</a:t>
-            </a:r>
-            <a:r>
-              <a:rPr lang="en-US" sz="2000" dirty="0"/>
-              <a:t> Morita, </a:t>
-            </a:r>
-            <a:r>
-              <a:rPr lang="en-US" sz="2000" dirty="0" err="1"/>
-              <a:t>Monarc</a:t>
-            </a:r>
-            <a:r>
-              <a:rPr lang="en-US" sz="2000" dirty="0"/>
-              <a:t> Collaboration, et al. “Validation of the MONARC simulation </a:t>
-            </a:r>
-            <a:r>
-              <a:rPr lang="de-DE" sz="2000" dirty="0" err="1"/>
-              <a:t>tools</a:t>
-            </a:r>
-            <a:r>
-              <a:rPr lang="de-DE" sz="2000" dirty="0"/>
-              <a:t>”. In: Computer </a:t>
-            </a:r>
-            <a:r>
-              <a:rPr lang="de-DE" sz="2000" dirty="0" err="1"/>
-              <a:t>Physics</a:t>
-            </a:r>
-            <a:r>
-              <a:rPr lang="de-DE" sz="2000" dirty="0"/>
-              <a:t> Communications 140.1-2 (2001), pp. 153–161.</a:t>
-            </a:r>
-          </a:p>
-          <a:p>
-            <a:r>
-              <a:rPr lang="de-DE" sz="2000" noProof="0" dirty="0"/>
-              <a:t>[11] </a:t>
-            </a:r>
-            <a:r>
-              <a:rPr lang="en-US" sz="2000" dirty="0"/>
-              <a:t>C Zach et al. “Simulation of the job processing performance at an ALICE Tier-2 site with MONARC”. In: Journal of Physics: Conference Series 331.7 (2011), p. 072038. </a:t>
-            </a:r>
-            <a:r>
-              <a:rPr lang="en-US" sz="2000" dirty="0">
-                <a:hlinkClick r:id="rId3"/>
-              </a:rPr>
-              <a:t>url:</a:t>
-            </a:r>
-            <a:r>
-              <a:rPr lang="de-DE" sz="2000" dirty="0">
-                <a:hlinkClick r:id="rId3"/>
-              </a:rPr>
-              <a:t>http://stacks.iop.org/1742-6596/331/i=7/a=072038</a:t>
-            </a:r>
-            <a:r>
-              <a:rPr lang="de-DE" sz="2000" dirty="0"/>
-              <a:t>.</a:t>
-            </a:r>
-          </a:p>
-          <a:p>
-            <a:r>
-              <a:rPr lang="de-DE" sz="2000" noProof="0" dirty="0"/>
-              <a:t>[12] </a:t>
-            </a:r>
-            <a:r>
-              <a:rPr lang="en-US" sz="2000" dirty="0"/>
-              <a:t>P. O. </a:t>
-            </a:r>
-            <a:r>
-              <a:rPr lang="en-US" sz="2000" dirty="0" err="1"/>
-              <a:t>Östberg</a:t>
-            </a:r>
-            <a:r>
-              <a:rPr lang="en-US" sz="2000" dirty="0"/>
-              <a:t> et al. “The CACTOS Vision of Context-Aware Cloud Topology Optimization and Simulation”. In: 2014 IEEE 6th International Conference on Cloud </a:t>
-            </a:r>
-            <a:r>
-              <a:rPr lang="en-US" sz="2000" dirty="0" err="1"/>
-              <a:t>ComputingTechnology</a:t>
-            </a:r>
-            <a:r>
-              <a:rPr lang="en-US" sz="2000" dirty="0"/>
-              <a:t> and Science. Dec. 2014, pp. 26–31. </a:t>
-            </a:r>
-            <a:r>
-              <a:rPr lang="en-US" sz="2000" dirty="0" err="1"/>
-              <a:t>doi</a:t>
-            </a:r>
-            <a:r>
-              <a:rPr lang="en-US" sz="2000" dirty="0"/>
-              <a:t>: 10.1109/CloudCom.2014.62.</a:t>
+              <a:t>2014), pp. 2899–2917. url: http://hal.inria.fr/hal-01017319.</a:t>
             </a:r>
             <a:endParaRPr lang="de-DE" sz="2000" noProof="0" dirty="0"/>
           </a:p>
@@ -9480,7 +9867,7 @@
     </p:spTree>
     <p:extLst>
       <p:ext uri="{BB962C8B-B14F-4D97-AF65-F5344CB8AC3E}">
-        <p14:creationId xmlns:p14="http://schemas.microsoft.com/office/powerpoint/2010/main" val="439457967"/>
+        <p14:creationId xmlns:p14="http://schemas.microsoft.com/office/powerpoint/2010/main" val="2102612790"/>
       </p:ext>
     </p:extLst>
   </p:cSld>
@@ -9545,20 +9932,12 @@
           <a:lstStyle/>
           <a:p>
             <a:r>
-              <a:rPr lang="de-DE" sz="2000" dirty="0"/>
-              <a:t>[13] Christian Stier et al. “Rapid </a:t>
+              <a:rPr lang="de-DE" sz="2000" noProof="0" dirty="0"/>
+              <a:t>[9] </a:t>
             </a:r>
             <a:r>
               <a:rPr lang="de-DE" sz="2000" dirty="0" err="1"/>
-              <a:t>Testing</a:t>
-            </a:r>
-            <a:r>
-              <a:rPr lang="de-DE" sz="2000" dirty="0"/>
-              <a:t> of </a:t>
-            </a:r>
-            <a:r>
-              <a:rPr lang="de-DE" sz="2000" dirty="0" err="1"/>
-              <a:t>IaaS</a:t>
+              <a:t>Monarc</a:t>
             </a:r>
             <a:r>
               <a:rPr lang="de-DE" sz="2000" dirty="0"/>
@@ -9566,27 +9945,141 @@
             </a:r>
             <a:r>
               <a:rPr lang="de-DE" sz="2000" dirty="0" err="1"/>
-              <a:t>Resource</a:t>
+              <a:t>Collaboration</a:t>
             </a:r>
             <a:r>
               <a:rPr lang="de-DE" sz="2000" dirty="0"/>
-              <a:t> Management </a:t>
+              <a:t> et al. Models of </a:t>
             </a:r>
             <a:r>
               <a:rPr lang="de-DE" sz="2000" dirty="0" err="1"/>
-              <a:t>Algorithms</a:t>
+              <a:t>Networked</a:t>
             </a:r>
             <a:r>
               <a:rPr lang="de-DE" sz="2000" dirty="0"/>
-              <a:t> via Cloud </a:t>
+              <a:t> Analysis at Regional </a:t>
+            </a:r>
+            <a:r>
+              <a:rPr lang="de-DE" sz="2000" dirty="0" err="1"/>
+              <a:t>Centres</a:t>
+            </a:r>
+            <a:r>
+              <a:rPr lang="de-DE" sz="2000" dirty="0"/>
+              <a:t> </a:t>
+            </a:r>
+            <a:r>
+              <a:rPr lang="de-DE" sz="2000" dirty="0" err="1"/>
+              <a:t>for</a:t>
+            </a:r>
+            <a:r>
+              <a:rPr lang="de-DE" sz="2000" dirty="0"/>
+              <a:t> LHC </a:t>
             </a:r>
             <a:r>
               <a:rPr lang="en-US" sz="2000" dirty="0"/>
-              <a:t>Middleware Simulation”. In: ACM / SPEC International Conference on Performance Engineering</a:t>
+              <a:t>experiments: Phase 2 report. Tech. rep. Technical Report CERN/LCB-001, CERN, 2000.</a:t>
             </a:r>
             <a:r>
               <a:rPr lang="de-DE" sz="2000" dirty="0"/>
-              <a:t>(ICPE’18). ICPE. 2018.</a:t>
+              <a:t>http://www.cern.ch/MONARC, 2000.</a:t>
+            </a:r>
+          </a:p>
+          <a:p>
+            <a:r>
+              <a:rPr lang="en-US" sz="2000" dirty="0"/>
+              <a:t>[10] </a:t>
+            </a:r>
+            <a:r>
+              <a:rPr lang="en-US" sz="2000" dirty="0" err="1"/>
+              <a:t>Youhei</a:t>
+            </a:r>
+            <a:r>
+              <a:rPr lang="en-US" sz="2000" dirty="0"/>
+              <a:t> Morita, </a:t>
+            </a:r>
+            <a:r>
+              <a:rPr lang="en-US" sz="2000" dirty="0" err="1"/>
+              <a:t>Monarc</a:t>
+            </a:r>
+            <a:r>
+              <a:rPr lang="en-US" sz="2000" dirty="0"/>
+              <a:t> Collaboration, et al. “Validation of the MONARC simulation </a:t>
+            </a:r>
+            <a:r>
+              <a:rPr lang="de-DE" sz="2000" dirty="0" err="1"/>
+              <a:t>tools</a:t>
+            </a:r>
+            <a:r>
+              <a:rPr lang="de-DE" sz="2000" dirty="0"/>
+              <a:t>”. In: Computer </a:t>
+            </a:r>
+            <a:r>
+              <a:rPr lang="de-DE" sz="2000" dirty="0" err="1"/>
+              <a:t>Physics</a:t>
+            </a:r>
+            <a:r>
+              <a:rPr lang="de-DE" sz="2000" dirty="0"/>
+              <a:t> Communications 140.1-2 (2001), pp. 153–161.</a:t>
+            </a:r>
+          </a:p>
+          <a:p>
+            <a:r>
+              <a:rPr lang="de-DE" sz="2000" noProof="0" dirty="0"/>
+              <a:t>[11] </a:t>
+            </a:r>
+            <a:r>
+              <a:rPr lang="en-US" sz="2000" dirty="0"/>
+              <a:t>C Zach et al. “Simulation of the job processing performance at an ALICE Tier-2 site with MONARC”. In: Journal of Physics: Conference Series 331.7 (2011), p. 072038. </a:t>
+            </a:r>
+            <a:r>
+              <a:rPr lang="en-US" sz="2000" dirty="0">
+                <a:hlinkClick r:id="rId3"/>
+              </a:rPr>
+              <a:t>url:</a:t>
+            </a:r>
+            <a:r>
+              <a:rPr lang="de-DE" sz="2000" dirty="0">
+                <a:hlinkClick r:id="rId3"/>
+              </a:rPr>
+              <a:t>http://stacks.iop.org/1742-6596/331/i=7/a=072038</a:t>
+            </a:r>
+            <a:r>
+              <a:rPr lang="de-DE" sz="2000" dirty="0"/>
+              <a:t>.</a:t>
+            </a:r>
+          </a:p>
+          <a:p>
+            <a:r>
+              <a:rPr lang="de-DE" sz="2000" noProof="0" dirty="0"/>
+              <a:t>[12] </a:t>
+            </a:r>
+            <a:r>
+              <a:rPr lang="en-US" sz="2000" dirty="0"/>
+              <a:t>P. O. </a:t>
+            </a:r>
+            <a:r>
+              <a:rPr lang="en-US" sz="2000" dirty="0" err="1"/>
+              <a:t>Östberg</a:t>
+            </a:r>
+            <a:r>
+              <a:rPr lang="en-US" sz="2000" dirty="0"/>
+              <a:t> et al. “The CACTOS Vision of Context-Aware Cloud Topology Optimization and Simulation”. In: 2014 IEEE 6th International Conference on Cloud </a:t>
+            </a:r>
+            <a:r>
+              <a:rPr lang="en-US" sz="2000" dirty="0" err="1"/>
+              <a:t>ComputingTechnology</a:t>
+            </a:r>
+            <a:r>
+              <a:rPr lang="en-US" sz="2000" dirty="0"/>
+              <a:t> and Science. Dec. 2014, pp. 26–31. </a:t>
+            </a:r>
+            <a:r>
+              <a:rPr lang="en-US" sz="2000" dirty="0" err="1"/>
+              <a:t>doi</a:t>
+            </a:r>
+            <a:r>
+              <a:rPr lang="en-US" sz="2000" dirty="0"/>
+              <a:t>: 10.1109/CloudCom.2014.62.</a:t>
             </a:r>
             <a:endParaRPr lang="de-DE" sz="2000" noProof="0" dirty="0"/>
           </a:p>
@@ -9630,6 +10123,156 @@
     </p:spTree>
     <p:extLst>
       <p:ext uri="{BB962C8B-B14F-4D97-AF65-F5344CB8AC3E}">
+        <p14:creationId xmlns:p14="http://schemas.microsoft.com/office/powerpoint/2010/main" val="439457967"/>
+      </p:ext>
+    </p:extLst>
+  </p:cSld>
+  <p:clrMapOvr>
+    <a:masterClrMapping/>
+  </p:clrMapOvr>
+</p:sld>
+</file>
+
+<file path=ppt/slides/slide16.xml><?xml version="1.0" encoding="utf-8"?>
+<p:sld xmlns:a="http://schemas.openxmlformats.org/drawingml/2006/main" xmlns:r="http://schemas.openxmlformats.org/officeDocument/2006/relationships" xmlns:p="http://schemas.openxmlformats.org/presentationml/2006/main">
+  <p:cSld>
+    <p:spTree>
+      <p:nvGrpSpPr>
+        <p:cNvPr id="1" name=""/>
+        <p:cNvGrpSpPr/>
+        <p:nvPr/>
+      </p:nvGrpSpPr>
+      <p:grpSpPr>
+        <a:xfrm>
+          <a:off x="0" y="0"/>
+          <a:ext cx="0" cy="0"/>
+          <a:chOff x="0" y="0"/>
+          <a:chExt cx="0" cy="0"/>
+        </a:xfrm>
+      </p:grpSpPr>
+      <p:sp>
+        <p:nvSpPr>
+          <p:cNvPr id="17409" name="Titel 1"/>
+          <p:cNvSpPr>
+            <a:spLocks noGrp="1"/>
+          </p:cNvSpPr>
+          <p:nvPr>
+            <p:ph type="title"/>
+          </p:nvPr>
+        </p:nvSpPr>
+        <p:spPr/>
+        <p:txBody>
+          <a:bodyPr/>
+          <a:lstStyle/>
+          <a:p>
+            <a:r>
+              <a:rPr lang="de-DE" noProof="0" dirty="0"/>
+              <a:t>Quellen</a:t>
+            </a:r>
+          </a:p>
+        </p:txBody>
+      </p:sp>
+      <p:sp>
+        <p:nvSpPr>
+          <p:cNvPr id="3" name="Inhaltsplatzhalter 2"/>
+          <p:cNvSpPr>
+            <a:spLocks noGrp="1"/>
+          </p:cNvSpPr>
+          <p:nvPr>
+            <p:ph idx="1"/>
+          </p:nvPr>
+        </p:nvSpPr>
+        <p:spPr/>
+        <p:txBody>
+          <a:bodyPr/>
+          <a:lstStyle/>
+          <a:p>
+            <a:r>
+              <a:rPr lang="de-DE" sz="2000" dirty="0"/>
+              <a:t>[13] Christian Stier et al. “Rapid </a:t>
+            </a:r>
+            <a:r>
+              <a:rPr lang="de-DE" sz="2000" dirty="0" err="1"/>
+              <a:t>Testing</a:t>
+            </a:r>
+            <a:r>
+              <a:rPr lang="de-DE" sz="2000" dirty="0"/>
+              <a:t> of </a:t>
+            </a:r>
+            <a:r>
+              <a:rPr lang="de-DE" sz="2000" dirty="0" err="1"/>
+              <a:t>IaaS</a:t>
+            </a:r>
+            <a:r>
+              <a:rPr lang="de-DE" sz="2000" dirty="0"/>
+              <a:t> </a:t>
+            </a:r>
+            <a:r>
+              <a:rPr lang="de-DE" sz="2000" dirty="0" err="1"/>
+              <a:t>Resource</a:t>
+            </a:r>
+            <a:r>
+              <a:rPr lang="de-DE" sz="2000" dirty="0"/>
+              <a:t> Management </a:t>
+            </a:r>
+            <a:r>
+              <a:rPr lang="de-DE" sz="2000" dirty="0" err="1"/>
+              <a:t>Algorithms</a:t>
+            </a:r>
+            <a:r>
+              <a:rPr lang="de-DE" sz="2000" dirty="0"/>
+              <a:t> via Cloud </a:t>
+            </a:r>
+            <a:r>
+              <a:rPr lang="en-US" sz="2000" dirty="0"/>
+              <a:t>Middleware Simulation”. In: ACM / SPEC International Conference on Performance Engineering</a:t>
+            </a:r>
+            <a:r>
+              <a:rPr lang="de-DE" sz="2000" dirty="0"/>
+              <a:t>(ICPE’18). ICPE. 2018.</a:t>
+            </a:r>
+            <a:endParaRPr lang="de-DE" sz="2000" noProof="0" dirty="0"/>
+          </a:p>
+        </p:txBody>
+      </p:sp>
+      <p:sp>
+        <p:nvSpPr>
+          <p:cNvPr id="17412" name="Fußzeilenplatzhalter 3"/>
+          <p:cNvSpPr>
+            <a:spLocks noGrp="1"/>
+          </p:cNvSpPr>
+          <p:nvPr>
+            <p:ph type="ftr" sz="quarter" idx="10"/>
+          </p:nvPr>
+        </p:nvSpPr>
+        <p:spPr>
+          <a:noFill/>
+        </p:spPr>
+        <p:txBody>
+          <a:bodyPr/>
+          <a:lstStyle/>
+          <a:p>
+            <a:r>
+              <a:rPr lang="de-DE" dirty="0">
+                <a:latin typeface="Arial" charset="0"/>
+                <a:cs typeface="Arial" charset="0"/>
+              </a:rPr>
+              <a:t>Firnkes Patrick:</a:t>
+            </a:r>
+            <a:r>
+              <a:rPr lang="de-DE" dirty="0"/>
+              <a:t> Modellierung und Simulation von Lastverteilungsstrategien </a:t>
+            </a:r>
+            <a:endParaRPr lang="de-DE" dirty="0">
+              <a:latin typeface="Arial" charset="0"/>
+              <a:cs typeface="Arial" charset="0"/>
+            </a:endParaRPr>
+          </a:p>
+        </p:txBody>
+      </p:sp>
+    </p:spTree>
+    <p:extLst>
+      <p:ext uri="{BB962C8B-B14F-4D97-AF65-F5344CB8AC3E}">
         <p14:creationId xmlns:p14="http://schemas.microsoft.com/office/powerpoint/2010/main" val="798282035"/>
       </p:ext>
     </p:extLst>
@@ -9640,7 +10283,7 @@
 </p:sld>
 </file>
 
-<file path=ppt/slides/slide16.xml><?xml version="1.0" encoding="utf-8"?>
+<file path=ppt/slides/slide17.xml><?xml version="1.0" encoding="utf-8"?>
 <p:sld xmlns:a="http://schemas.openxmlformats.org/drawingml/2006/main" xmlns:r="http://schemas.openxmlformats.org/officeDocument/2006/relationships" xmlns:p="http://schemas.openxmlformats.org/presentationml/2006/main">
   <p:cSld>
     <p:spTree>
@@ -9753,679 +10396,6 @@
   <p:clrMapOvr>
     <a:masterClrMapping/>
   </p:clrMapOvr>
-</p:sld>
-</file>
-
-<file path=ppt/slides/slide17.xml><?xml version="1.0" encoding="utf-8"?>
-<p:sld xmlns:a="http://schemas.openxmlformats.org/drawingml/2006/main" xmlns:r="http://schemas.openxmlformats.org/officeDocument/2006/relationships" xmlns:p="http://schemas.openxmlformats.org/presentationml/2006/main">
-  <p:cSld>
-    <p:spTree>
-      <p:nvGrpSpPr>
-        <p:cNvPr id="1" name=""/>
-        <p:cNvGrpSpPr/>
-        <p:nvPr/>
-      </p:nvGrpSpPr>
-      <p:grpSpPr>
-        <a:xfrm>
-          <a:off x="0" y="0"/>
-          <a:ext cx="0" cy="0"/>
-          <a:chOff x="0" y="0"/>
-          <a:chExt cx="0" cy="0"/>
-        </a:xfrm>
-      </p:grpSpPr>
-      <p:pic>
-        <p:nvPicPr>
-          <p:cNvPr id="6" name="Grafik 5"/>
-          <p:cNvPicPr>
-            <a:picLocks noChangeAspect="1"/>
-          </p:cNvPicPr>
-          <p:nvPr/>
-        </p:nvPicPr>
-        <p:blipFill>
-          <a:blip r:embed="rId3" cstate="print">
-            <a:extLst>
-              <a:ext uri="{28A0092B-C50C-407E-A947-70E740481C1C}">
-                <a14:useLocalDpi xmlns:a14="http://schemas.microsoft.com/office/drawing/2010/main" val="0"/>
-              </a:ext>
-            </a:extLst>
-          </a:blip>
-          <a:stretch>
-            <a:fillRect/>
-          </a:stretch>
-        </p:blipFill>
-        <p:spPr>
-          <a:xfrm>
-            <a:off x="4876800" y="1828800"/>
-            <a:ext cx="4110226" cy="3853337"/>
-          </a:xfrm>
-          <a:prstGeom prst="rect">
-            <a:avLst/>
-          </a:prstGeom>
-        </p:spPr>
-      </p:pic>
-      <p:sp>
-        <p:nvSpPr>
-          <p:cNvPr id="17409" name="Titel 1"/>
-          <p:cNvSpPr>
-            <a:spLocks noGrp="1"/>
-          </p:cNvSpPr>
-          <p:nvPr>
-            <p:ph type="title"/>
-          </p:nvPr>
-        </p:nvSpPr>
-        <p:spPr/>
-        <p:txBody>
-          <a:bodyPr/>
-          <a:lstStyle/>
-          <a:p>
-            <a:r>
-              <a:rPr lang="de-DE" noProof="0" dirty="0"/>
-              <a:t>WLCG</a:t>
-            </a:r>
-          </a:p>
-        </p:txBody>
-      </p:sp>
-      <p:sp>
-        <p:nvSpPr>
-          <p:cNvPr id="3" name="Inhaltsplatzhalter 2"/>
-          <p:cNvSpPr>
-            <a:spLocks noGrp="1"/>
-          </p:cNvSpPr>
-          <p:nvPr>
-            <p:ph idx="1"/>
-          </p:nvPr>
-        </p:nvSpPr>
-        <p:spPr/>
-        <p:txBody>
-          <a:bodyPr/>
-          <a:lstStyle/>
-          <a:p>
-            <a:r>
-              <a:rPr lang="de-DE" noProof="0" dirty="0"/>
-              <a:t>4 Experimente: Atlas, Alice, CMS, </a:t>
-            </a:r>
-            <a:r>
-              <a:rPr lang="de-DE" noProof="0" dirty="0" err="1"/>
-              <a:t>LHCb</a:t>
-            </a:r>
-            <a:endParaRPr lang="de-DE" noProof="0" dirty="0"/>
-          </a:p>
-          <a:p>
-            <a:r>
-              <a:rPr lang="de-DE" noProof="0" dirty="0"/>
-              <a:t>3-Tier hierarchische Struktur </a:t>
-            </a:r>
-            <a:r>
-              <a:rPr lang="de-DE" sz="1800" noProof="0" dirty="0"/>
-              <a:t>[3]</a:t>
-            </a:r>
-          </a:p>
-          <a:p>
-            <a:pPr lvl="1"/>
-            <a:r>
-              <a:rPr lang="de-DE" noProof="0" dirty="0"/>
-              <a:t>Tier 0: </a:t>
-            </a:r>
-          </a:p>
-          <a:p>
-            <a:pPr lvl="2"/>
-            <a:r>
-              <a:rPr lang="de-DE" noProof="0" dirty="0"/>
-              <a:t>Speichert Rohdaten</a:t>
-            </a:r>
-          </a:p>
-          <a:p>
-            <a:pPr lvl="2"/>
-            <a:r>
-              <a:rPr lang="de-DE" noProof="0" dirty="0"/>
-              <a:t>Erzeugt Metadaten</a:t>
-            </a:r>
-          </a:p>
-          <a:p>
-            <a:pPr lvl="1"/>
-            <a:r>
-              <a:rPr lang="de-DE" noProof="0" dirty="0"/>
-              <a:t>Tier 1: </a:t>
-            </a:r>
-          </a:p>
-          <a:p>
-            <a:pPr lvl="2"/>
-            <a:r>
-              <a:rPr lang="de-DE" noProof="0" dirty="0"/>
-              <a:t>Speichert Zweitkopie</a:t>
-            </a:r>
-          </a:p>
-          <a:p>
-            <a:pPr lvl="2"/>
-            <a:r>
-              <a:rPr lang="de-DE" noProof="0" dirty="0"/>
-              <a:t>Analyse/Simulation Jobs</a:t>
-            </a:r>
-          </a:p>
-          <a:p>
-            <a:pPr lvl="1"/>
-            <a:r>
-              <a:rPr lang="de-DE" noProof="0" dirty="0"/>
-              <a:t>Tier 2: </a:t>
-            </a:r>
-          </a:p>
-          <a:p>
-            <a:pPr lvl="2"/>
-            <a:r>
-              <a:rPr lang="de-DE" noProof="0" dirty="0"/>
-              <a:t>Monte Carlo Produktion</a:t>
-            </a:r>
-          </a:p>
-          <a:p>
-            <a:r>
-              <a:rPr lang="de-DE" noProof="0" dirty="0"/>
-              <a:t>Sehr heterogen</a:t>
-            </a:r>
-          </a:p>
-        </p:txBody>
-      </p:sp>
-      <p:sp>
-        <p:nvSpPr>
-          <p:cNvPr id="17412" name="Fußzeilenplatzhalter 3"/>
-          <p:cNvSpPr>
-            <a:spLocks noGrp="1"/>
-          </p:cNvSpPr>
-          <p:nvPr>
-            <p:ph type="ftr" sz="quarter" idx="10"/>
-          </p:nvPr>
-        </p:nvSpPr>
-        <p:spPr>
-          <a:noFill/>
-        </p:spPr>
-        <p:txBody>
-          <a:bodyPr/>
-          <a:lstStyle/>
-          <a:p>
-            <a:r>
-              <a:rPr lang="de-DE" dirty="0">
-                <a:latin typeface="Arial" charset="0"/>
-                <a:cs typeface="Arial" charset="0"/>
-              </a:rPr>
-              <a:t>Firnkes Patrick:</a:t>
-            </a:r>
-            <a:r>
-              <a:rPr lang="de-DE" dirty="0"/>
-              <a:t> Modellierung und Simulation von Lastverteilungsstrategien </a:t>
-            </a:r>
-            <a:endParaRPr lang="de-DE" dirty="0">
-              <a:latin typeface="Arial" charset="0"/>
-              <a:cs typeface="Arial" charset="0"/>
-            </a:endParaRPr>
-          </a:p>
-        </p:txBody>
-      </p:sp>
-      <p:sp>
-        <p:nvSpPr>
-          <p:cNvPr id="7" name="Textfeld 6"/>
-          <p:cNvSpPr txBox="1"/>
-          <p:nvPr/>
-        </p:nvSpPr>
-        <p:spPr>
-          <a:xfrm>
-            <a:off x="5876038" y="5647441"/>
-            <a:ext cx="2095385" cy="369332"/>
-          </a:xfrm>
-          <a:prstGeom prst="rect">
-            <a:avLst/>
-          </a:prstGeom>
-          <a:noFill/>
-        </p:spPr>
-        <p:txBody>
-          <a:bodyPr wrap="square" rtlCol="0">
-            <a:spAutoFit/>
-          </a:bodyPr>
-          <a:lstStyle/>
-          <a:p>
-            <a:r>
-              <a:rPr lang="de-DE" dirty="0"/>
-              <a:t>Struktur WLCG </a:t>
-            </a:r>
-            <a:r>
-              <a:rPr lang="de-DE" sz="1400" dirty="0"/>
-              <a:t>[1]</a:t>
-            </a:r>
-          </a:p>
-        </p:txBody>
-      </p:sp>
-      <p:grpSp>
-        <p:nvGrpSpPr>
-          <p:cNvPr id="20" name="Gruppieren 21">
-            <a:extLst>
-              <a:ext uri="{FF2B5EF4-FFF2-40B4-BE49-F238E27FC236}">
-                <a16:creationId xmlns:a16="http://schemas.microsoft.com/office/drawing/2014/main" xmlns="" id="{BCC0948F-C1E3-4907-854B-A0721D1FDACC}"/>
-              </a:ext>
-            </a:extLst>
-          </p:cNvPr>
-          <p:cNvGrpSpPr/>
-          <p:nvPr/>
-        </p:nvGrpSpPr>
-        <p:grpSpPr>
-          <a:xfrm>
-            <a:off x="72000" y="5993167"/>
-            <a:ext cx="9072000" cy="322628"/>
-            <a:chOff x="25400" y="5986694"/>
-            <a:chExt cx="9072000" cy="322628"/>
-          </a:xfrm>
-        </p:grpSpPr>
-        <p:sp>
-          <p:nvSpPr>
-            <p:cNvPr id="21" name="Textfeld 13">
-              <a:extLst>
-                <a:ext uri="{FF2B5EF4-FFF2-40B4-BE49-F238E27FC236}">
-                  <a16:creationId xmlns:a16="http://schemas.microsoft.com/office/drawing/2014/main" xmlns="" id="{425AEF1D-6595-4E36-A5D4-5F32C0012763}"/>
-                </a:ext>
-              </a:extLst>
-            </p:cNvPr>
-            <p:cNvSpPr txBox="1"/>
-            <p:nvPr/>
-          </p:nvSpPr>
-          <p:spPr>
-            <a:xfrm>
-              <a:off x="2380929" y="6032322"/>
-              <a:ext cx="1062593" cy="276999"/>
-            </a:xfrm>
-            <a:prstGeom prst="rect">
-              <a:avLst/>
-            </a:prstGeom>
-            <a:noFill/>
-            <a:ln>
-              <a:noFill/>
-            </a:ln>
-          </p:spPr>
-          <p:style>
-            <a:lnRef idx="2">
-              <a:schemeClr val="accent3"/>
-            </a:lnRef>
-            <a:fillRef idx="1">
-              <a:schemeClr val="lt1"/>
-            </a:fillRef>
-            <a:effectRef idx="0">
-              <a:schemeClr val="accent3"/>
-            </a:effectRef>
-            <a:fontRef idx="minor">
-              <a:schemeClr val="dk1"/>
-            </a:fontRef>
-          </p:style>
-          <p:txBody>
-            <a:bodyPr wrap="square" rtlCol="0">
-              <a:spAutoFit/>
-            </a:bodyPr>
-            <a:lstStyle/>
-            <a:p>
-              <a:r>
-                <a:rPr lang="de-DE" sz="1200" dirty="0"/>
-                <a:t>Grundlagen</a:t>
-              </a:r>
-            </a:p>
-          </p:txBody>
-        </p:sp>
-        <p:sp>
-          <p:nvSpPr>
-            <p:cNvPr id="22" name="Textfeld 21">
-              <a:extLst>
-                <a:ext uri="{FF2B5EF4-FFF2-40B4-BE49-F238E27FC236}">
-                  <a16:creationId xmlns:a16="http://schemas.microsoft.com/office/drawing/2014/main" xmlns="" id="{82ABF473-AD17-4ED8-AB87-CC275185AE43}"/>
-                </a:ext>
-              </a:extLst>
-            </p:cNvPr>
-            <p:cNvSpPr txBox="1"/>
-            <p:nvPr/>
-          </p:nvSpPr>
-          <p:spPr>
-            <a:xfrm>
-              <a:off x="4689228" y="6032323"/>
-              <a:ext cx="1514261" cy="276999"/>
-            </a:xfrm>
-            <a:prstGeom prst="rect">
-              <a:avLst/>
-            </a:prstGeom>
-            <a:noFill/>
-            <a:ln>
-              <a:noFill/>
-            </a:ln>
-          </p:spPr>
-          <p:style>
-            <a:lnRef idx="2">
-              <a:schemeClr val="accent3"/>
-            </a:lnRef>
-            <a:fillRef idx="1">
-              <a:schemeClr val="lt1"/>
-            </a:fillRef>
-            <a:effectRef idx="0">
-              <a:schemeClr val="accent3"/>
-            </a:effectRef>
-            <a:fontRef idx="minor">
-              <a:schemeClr val="dk1"/>
-            </a:fontRef>
-          </p:style>
-          <p:txBody>
-            <a:bodyPr wrap="none" rtlCol="0">
-              <a:spAutoFit/>
-            </a:bodyPr>
-            <a:lstStyle/>
-            <a:p>
-              <a:r>
-                <a:rPr lang="de-DE" sz="1200" dirty="0"/>
-                <a:t>Verwandte Arbeiten</a:t>
-              </a:r>
-            </a:p>
-          </p:txBody>
-        </p:sp>
-        <p:sp>
-          <p:nvSpPr>
-            <p:cNvPr id="23" name="Textfeld 22">
-              <a:extLst>
-                <a:ext uri="{FF2B5EF4-FFF2-40B4-BE49-F238E27FC236}">
-                  <a16:creationId xmlns:a16="http://schemas.microsoft.com/office/drawing/2014/main" xmlns="" id="{3841D7B1-EF8D-476C-85AC-C17E649EE1A9}"/>
-                </a:ext>
-              </a:extLst>
-            </p:cNvPr>
-            <p:cNvSpPr txBox="1"/>
-            <p:nvPr/>
-          </p:nvSpPr>
-          <p:spPr>
-            <a:xfrm>
-              <a:off x="7549736" y="6032321"/>
-              <a:ext cx="1491302" cy="276999"/>
-            </a:xfrm>
-            <a:prstGeom prst="rect">
-              <a:avLst/>
-            </a:prstGeom>
-            <a:noFill/>
-            <a:ln>
-              <a:noFill/>
-            </a:ln>
-          </p:spPr>
-          <p:style>
-            <a:lnRef idx="2">
-              <a:schemeClr val="accent3"/>
-            </a:lnRef>
-            <a:fillRef idx="1">
-              <a:schemeClr val="lt1"/>
-            </a:fillRef>
-            <a:effectRef idx="0">
-              <a:schemeClr val="accent3"/>
-            </a:effectRef>
-            <a:fontRef idx="minor">
-              <a:schemeClr val="dk1"/>
-            </a:fontRef>
-          </p:style>
-          <p:txBody>
-            <a:bodyPr wrap="square" rtlCol="0">
-              <a:spAutoFit/>
-            </a:bodyPr>
-            <a:lstStyle/>
-            <a:p>
-              <a:r>
-                <a:rPr lang="de-DE" sz="1200" dirty="0" smtClean="0"/>
-                <a:t>Fazit</a:t>
-              </a:r>
-              <a:endParaRPr lang="de-DE" sz="1200" dirty="0"/>
-            </a:p>
-          </p:txBody>
-        </p:sp>
-        <p:sp>
-          <p:nvSpPr>
-            <p:cNvPr id="24" name="Textfeld 23">
-              <a:extLst>
-                <a:ext uri="{FF2B5EF4-FFF2-40B4-BE49-F238E27FC236}">
-                  <a16:creationId xmlns:a16="http://schemas.microsoft.com/office/drawing/2014/main" xmlns="" id="{0DF05AE7-97F5-4E02-9206-C6B40B968DFA}"/>
-                </a:ext>
-              </a:extLst>
-            </p:cNvPr>
-            <p:cNvSpPr txBox="1"/>
-            <p:nvPr/>
-          </p:nvSpPr>
-          <p:spPr>
-            <a:xfrm>
-              <a:off x="179512" y="6032321"/>
-              <a:ext cx="955711" cy="276999"/>
-            </a:xfrm>
-            <a:prstGeom prst="rect">
-              <a:avLst/>
-            </a:prstGeom>
-            <a:noFill/>
-            <a:ln>
-              <a:noFill/>
-            </a:ln>
-          </p:spPr>
-          <p:style>
-            <a:lnRef idx="2">
-              <a:schemeClr val="accent3"/>
-            </a:lnRef>
-            <a:fillRef idx="1">
-              <a:schemeClr val="lt1"/>
-            </a:fillRef>
-            <a:effectRef idx="0">
-              <a:schemeClr val="accent3"/>
-            </a:effectRef>
-            <a:fontRef idx="minor">
-              <a:schemeClr val="dk1"/>
-            </a:fontRef>
-          </p:style>
-          <p:txBody>
-            <a:bodyPr wrap="square" rtlCol="0">
-              <a:spAutoFit/>
-            </a:bodyPr>
-            <a:lstStyle/>
-            <a:p>
-              <a:r>
-                <a:rPr lang="en-US" sz="1200" b="1" dirty="0"/>
-                <a:t>Motivation</a:t>
-              </a:r>
-            </a:p>
-          </p:txBody>
-        </p:sp>
-        <p:sp>
-          <p:nvSpPr>
-            <p:cNvPr id="25" name="Eingekerbter Richtungspfeil 24">
-              <a:extLst>
-                <a:ext uri="{FF2B5EF4-FFF2-40B4-BE49-F238E27FC236}">
-                  <a16:creationId xmlns:a16="http://schemas.microsoft.com/office/drawing/2014/main" xmlns="" id="{C358C398-D0F2-4ECA-8BF9-29E733DFE60D}"/>
-                </a:ext>
-              </a:extLst>
-            </p:cNvPr>
-            <p:cNvSpPr/>
-            <p:nvPr/>
-          </p:nvSpPr>
-          <p:spPr>
-            <a:xfrm>
-              <a:off x="1678828" y="6091573"/>
-              <a:ext cx="158496" cy="158496"/>
-            </a:xfrm>
-            <a:prstGeom prst="chevron">
-              <a:avLst/>
-            </a:prstGeom>
-          </p:spPr>
-          <p:style>
-            <a:lnRef idx="1">
-              <a:schemeClr val="accent4"/>
-            </a:lnRef>
-            <a:fillRef idx="2">
-              <a:schemeClr val="accent4"/>
-            </a:fillRef>
-            <a:effectRef idx="1">
-              <a:schemeClr val="accent4"/>
-            </a:effectRef>
-            <a:fontRef idx="minor">
-              <a:schemeClr val="dk1"/>
-            </a:fontRef>
-          </p:style>
-          <p:txBody>
-            <a:bodyPr rtlCol="0" anchor="ctr"/>
-            <a:lstStyle/>
-            <a:p>
-              <a:pPr algn="ctr"/>
-              <a:endParaRPr lang="de-DE" dirty="0">
-                <a:solidFill>
-                  <a:schemeClr val="tx1"/>
-                </a:solidFill>
-              </a:endParaRPr>
-            </a:p>
-          </p:txBody>
-        </p:sp>
-        <p:sp>
-          <p:nvSpPr>
-            <p:cNvPr id="26" name="Eingekerbter Richtungspfeil 25">
-              <a:extLst>
-                <a:ext uri="{FF2B5EF4-FFF2-40B4-BE49-F238E27FC236}">
-                  <a16:creationId xmlns:a16="http://schemas.microsoft.com/office/drawing/2014/main" xmlns="" id="{3FEDA7B1-0BEF-47B2-90E9-8E698F727222}"/>
-                </a:ext>
-              </a:extLst>
-            </p:cNvPr>
-            <p:cNvSpPr/>
-            <p:nvPr/>
-          </p:nvSpPr>
-          <p:spPr>
-            <a:xfrm>
-              <a:off x="3987127" y="6091574"/>
-              <a:ext cx="158496" cy="158496"/>
-            </a:xfrm>
-            <a:prstGeom prst="chevron">
-              <a:avLst/>
-            </a:prstGeom>
-          </p:spPr>
-          <p:style>
-            <a:lnRef idx="1">
-              <a:schemeClr val="accent4"/>
-            </a:lnRef>
-            <a:fillRef idx="2">
-              <a:schemeClr val="accent4"/>
-            </a:fillRef>
-            <a:effectRef idx="1">
-              <a:schemeClr val="accent4"/>
-            </a:effectRef>
-            <a:fontRef idx="minor">
-              <a:schemeClr val="dk1"/>
-            </a:fontRef>
-          </p:style>
-          <p:txBody>
-            <a:bodyPr rtlCol="0" anchor="ctr"/>
-            <a:lstStyle/>
-            <a:p>
-              <a:pPr algn="ctr"/>
-              <a:endParaRPr lang="de-DE">
-                <a:solidFill>
-                  <a:schemeClr val="tx1"/>
-                </a:solidFill>
-              </a:endParaRPr>
-            </a:p>
-          </p:txBody>
-        </p:sp>
-        <p:sp>
-          <p:nvSpPr>
-            <p:cNvPr id="27" name="Eingekerbter Richtungspfeil 26">
-              <a:extLst>
-                <a:ext uri="{FF2B5EF4-FFF2-40B4-BE49-F238E27FC236}">
-                  <a16:creationId xmlns:a16="http://schemas.microsoft.com/office/drawing/2014/main" xmlns="" id="{2EBD9B49-A90C-436A-BBEF-D89DD2237ECF}"/>
-                </a:ext>
-              </a:extLst>
-            </p:cNvPr>
-            <p:cNvSpPr/>
-            <p:nvPr/>
-          </p:nvSpPr>
-          <p:spPr>
-            <a:xfrm>
-              <a:off x="6847634" y="6091575"/>
-              <a:ext cx="158496" cy="158496"/>
-            </a:xfrm>
-            <a:prstGeom prst="chevron">
-              <a:avLst/>
-            </a:prstGeom>
-          </p:spPr>
-          <p:style>
-            <a:lnRef idx="1">
-              <a:schemeClr val="accent4"/>
-            </a:lnRef>
-            <a:fillRef idx="2">
-              <a:schemeClr val="accent4"/>
-            </a:fillRef>
-            <a:effectRef idx="1">
-              <a:schemeClr val="accent4"/>
-            </a:effectRef>
-            <a:fontRef idx="minor">
-              <a:schemeClr val="dk1"/>
-            </a:fontRef>
-          </p:style>
-          <p:txBody>
-            <a:bodyPr rtlCol="0" anchor="ctr"/>
-            <a:lstStyle/>
-            <a:p>
-              <a:pPr algn="ctr"/>
-              <a:endParaRPr lang="de-DE">
-                <a:solidFill>
-                  <a:schemeClr val="tx1"/>
-                </a:solidFill>
-              </a:endParaRPr>
-            </a:p>
-          </p:txBody>
-        </p:sp>
-        <p:cxnSp>
-          <p:nvCxnSpPr>
-            <p:cNvPr id="28" name="Gerade Verbindung 28">
-              <a:extLst>
-                <a:ext uri="{FF2B5EF4-FFF2-40B4-BE49-F238E27FC236}">
-                  <a16:creationId xmlns:a16="http://schemas.microsoft.com/office/drawing/2014/main" xmlns="" id="{F1621AAB-A494-467F-9704-6039B7079C13}"/>
-                </a:ext>
-              </a:extLst>
-            </p:cNvPr>
-            <p:cNvCxnSpPr/>
-            <p:nvPr/>
-          </p:nvCxnSpPr>
-          <p:spPr>
-            <a:xfrm>
-              <a:off x="25400" y="5986694"/>
-              <a:ext cx="9072000" cy="1588"/>
-            </a:xfrm>
-            <a:prstGeom prst="line">
-              <a:avLst/>
-            </a:prstGeom>
-            <a:ln w="41275">
-              <a:solidFill>
-                <a:schemeClr val="accent3">
-                  <a:lumMod val="85000"/>
-                </a:schemeClr>
-              </a:solidFill>
-            </a:ln>
-          </p:spPr>
-          <p:style>
-            <a:lnRef idx="1">
-              <a:schemeClr val="accent1"/>
-            </a:lnRef>
-            <a:fillRef idx="0">
-              <a:schemeClr val="accent1"/>
-            </a:fillRef>
-            <a:effectRef idx="0">
-              <a:schemeClr val="accent1"/>
-            </a:effectRef>
-            <a:fontRef idx="minor">
-              <a:schemeClr val="tx1"/>
-            </a:fontRef>
-          </p:style>
-        </p:cxnSp>
-      </p:grpSp>
-    </p:spTree>
-    <p:extLst>
-      <p:ext uri="{BB962C8B-B14F-4D97-AF65-F5344CB8AC3E}">
-        <p14:creationId xmlns:p14="http://schemas.microsoft.com/office/powerpoint/2010/main" val="3915053762"/>
-      </p:ext>
-    </p:extLst>
-  </p:cSld>
-  <p:clrMapOvr>
-    <a:masterClrMapping/>
-  </p:clrMapOvr>
-  <p:timing>
-    <p:tnLst>
-      <p:par>
-        <p:cTn id="1" dur="indefinite" restart="never" nodeType="tmRoot"/>
-      </p:par>
-    </p:tnLst>
-  </p:timing>
 </p:sld>
 </file>
 
@@ -11318,6 +11288,679 @@
 </file>
 
 <file path=ppt/slides/slide3.xml><?xml version="1.0" encoding="utf-8"?>
+<p:sld xmlns:a="http://schemas.openxmlformats.org/drawingml/2006/main" xmlns:r="http://schemas.openxmlformats.org/officeDocument/2006/relationships" xmlns:p="http://schemas.openxmlformats.org/presentationml/2006/main">
+  <p:cSld>
+    <p:spTree>
+      <p:nvGrpSpPr>
+        <p:cNvPr id="1" name=""/>
+        <p:cNvGrpSpPr/>
+        <p:nvPr/>
+      </p:nvGrpSpPr>
+      <p:grpSpPr>
+        <a:xfrm>
+          <a:off x="0" y="0"/>
+          <a:ext cx="0" cy="0"/>
+          <a:chOff x="0" y="0"/>
+          <a:chExt cx="0" cy="0"/>
+        </a:xfrm>
+      </p:grpSpPr>
+      <p:pic>
+        <p:nvPicPr>
+          <p:cNvPr id="6" name="Grafik 5"/>
+          <p:cNvPicPr>
+            <a:picLocks noChangeAspect="1"/>
+          </p:cNvPicPr>
+          <p:nvPr/>
+        </p:nvPicPr>
+        <p:blipFill>
+          <a:blip r:embed="rId3" cstate="print">
+            <a:extLst>
+              <a:ext uri="{28A0092B-C50C-407E-A947-70E740481C1C}">
+                <a14:useLocalDpi xmlns:a14="http://schemas.microsoft.com/office/drawing/2010/main" val="0"/>
+              </a:ext>
+            </a:extLst>
+          </a:blip>
+          <a:stretch>
+            <a:fillRect/>
+          </a:stretch>
+        </p:blipFill>
+        <p:spPr>
+          <a:xfrm>
+            <a:off x="4876800" y="1828800"/>
+            <a:ext cx="4110226" cy="3853337"/>
+          </a:xfrm>
+          <a:prstGeom prst="rect">
+            <a:avLst/>
+          </a:prstGeom>
+        </p:spPr>
+      </p:pic>
+      <p:sp>
+        <p:nvSpPr>
+          <p:cNvPr id="17409" name="Titel 1"/>
+          <p:cNvSpPr>
+            <a:spLocks noGrp="1"/>
+          </p:cNvSpPr>
+          <p:nvPr>
+            <p:ph type="title"/>
+          </p:nvPr>
+        </p:nvSpPr>
+        <p:spPr/>
+        <p:txBody>
+          <a:bodyPr/>
+          <a:lstStyle/>
+          <a:p>
+            <a:r>
+              <a:rPr lang="de-DE" noProof="0" dirty="0"/>
+              <a:t>WLCG</a:t>
+            </a:r>
+          </a:p>
+        </p:txBody>
+      </p:sp>
+      <p:sp>
+        <p:nvSpPr>
+          <p:cNvPr id="3" name="Inhaltsplatzhalter 2"/>
+          <p:cNvSpPr>
+            <a:spLocks noGrp="1"/>
+          </p:cNvSpPr>
+          <p:nvPr>
+            <p:ph idx="1"/>
+          </p:nvPr>
+        </p:nvSpPr>
+        <p:spPr/>
+        <p:txBody>
+          <a:bodyPr/>
+          <a:lstStyle/>
+          <a:p>
+            <a:r>
+              <a:rPr lang="de-DE" noProof="0" dirty="0"/>
+              <a:t>4 Experimente: Atlas, Alice, CMS, </a:t>
+            </a:r>
+            <a:r>
+              <a:rPr lang="de-DE" noProof="0" dirty="0" err="1"/>
+              <a:t>LHCb</a:t>
+            </a:r>
+            <a:endParaRPr lang="de-DE" noProof="0" dirty="0"/>
+          </a:p>
+          <a:p>
+            <a:r>
+              <a:rPr lang="de-DE" noProof="0" dirty="0"/>
+              <a:t>3-Tier hierarchische Struktur </a:t>
+            </a:r>
+            <a:r>
+              <a:rPr lang="de-DE" sz="1800" noProof="0" dirty="0"/>
+              <a:t>[3]</a:t>
+            </a:r>
+          </a:p>
+          <a:p>
+            <a:pPr lvl="1"/>
+            <a:r>
+              <a:rPr lang="de-DE" noProof="0" dirty="0"/>
+              <a:t>Tier 0: </a:t>
+            </a:r>
+          </a:p>
+          <a:p>
+            <a:pPr lvl="2"/>
+            <a:r>
+              <a:rPr lang="de-DE" noProof="0" dirty="0"/>
+              <a:t>Speichert Rohdaten</a:t>
+            </a:r>
+          </a:p>
+          <a:p>
+            <a:pPr lvl="2"/>
+            <a:r>
+              <a:rPr lang="de-DE" noProof="0" dirty="0"/>
+              <a:t>Erzeugt Metadaten</a:t>
+            </a:r>
+          </a:p>
+          <a:p>
+            <a:pPr lvl="1"/>
+            <a:r>
+              <a:rPr lang="de-DE" noProof="0" dirty="0"/>
+              <a:t>Tier 1: </a:t>
+            </a:r>
+          </a:p>
+          <a:p>
+            <a:pPr lvl="2"/>
+            <a:r>
+              <a:rPr lang="de-DE" noProof="0" dirty="0"/>
+              <a:t>Speichert Zweitkopie</a:t>
+            </a:r>
+          </a:p>
+          <a:p>
+            <a:pPr lvl="2"/>
+            <a:r>
+              <a:rPr lang="de-DE" noProof="0" dirty="0"/>
+              <a:t>Analyse/Simulation Jobs</a:t>
+            </a:r>
+          </a:p>
+          <a:p>
+            <a:pPr lvl="1"/>
+            <a:r>
+              <a:rPr lang="de-DE" noProof="0" dirty="0"/>
+              <a:t>Tier 2: </a:t>
+            </a:r>
+          </a:p>
+          <a:p>
+            <a:pPr lvl="2"/>
+            <a:r>
+              <a:rPr lang="de-DE" noProof="0" dirty="0"/>
+              <a:t>Monte Carlo Produktion</a:t>
+            </a:r>
+          </a:p>
+          <a:p>
+            <a:r>
+              <a:rPr lang="de-DE" noProof="0" dirty="0"/>
+              <a:t>Sehr heterogen</a:t>
+            </a:r>
+          </a:p>
+        </p:txBody>
+      </p:sp>
+      <p:sp>
+        <p:nvSpPr>
+          <p:cNvPr id="17412" name="Fußzeilenplatzhalter 3"/>
+          <p:cNvSpPr>
+            <a:spLocks noGrp="1"/>
+          </p:cNvSpPr>
+          <p:nvPr>
+            <p:ph type="ftr" sz="quarter" idx="10"/>
+          </p:nvPr>
+        </p:nvSpPr>
+        <p:spPr>
+          <a:noFill/>
+        </p:spPr>
+        <p:txBody>
+          <a:bodyPr/>
+          <a:lstStyle/>
+          <a:p>
+            <a:r>
+              <a:rPr lang="de-DE" dirty="0">
+                <a:latin typeface="Arial" charset="0"/>
+                <a:cs typeface="Arial" charset="0"/>
+              </a:rPr>
+              <a:t>Firnkes Patrick:</a:t>
+            </a:r>
+            <a:r>
+              <a:rPr lang="de-DE" dirty="0"/>
+              <a:t> Modellierung und Simulation von Lastverteilungsstrategien </a:t>
+            </a:r>
+            <a:endParaRPr lang="de-DE" dirty="0">
+              <a:latin typeface="Arial" charset="0"/>
+              <a:cs typeface="Arial" charset="0"/>
+            </a:endParaRPr>
+          </a:p>
+        </p:txBody>
+      </p:sp>
+      <p:sp>
+        <p:nvSpPr>
+          <p:cNvPr id="7" name="Textfeld 6"/>
+          <p:cNvSpPr txBox="1"/>
+          <p:nvPr/>
+        </p:nvSpPr>
+        <p:spPr>
+          <a:xfrm>
+            <a:off x="5876038" y="5647441"/>
+            <a:ext cx="2095385" cy="369332"/>
+          </a:xfrm>
+          <a:prstGeom prst="rect">
+            <a:avLst/>
+          </a:prstGeom>
+          <a:noFill/>
+        </p:spPr>
+        <p:txBody>
+          <a:bodyPr wrap="square" rtlCol="0">
+            <a:spAutoFit/>
+          </a:bodyPr>
+          <a:lstStyle/>
+          <a:p>
+            <a:r>
+              <a:rPr lang="de-DE" dirty="0"/>
+              <a:t>Struktur WLCG </a:t>
+            </a:r>
+            <a:r>
+              <a:rPr lang="de-DE" sz="1400" dirty="0"/>
+              <a:t>[1]</a:t>
+            </a:r>
+          </a:p>
+        </p:txBody>
+      </p:sp>
+      <p:grpSp>
+        <p:nvGrpSpPr>
+          <p:cNvPr id="20" name="Gruppieren 21">
+            <a:extLst>
+              <a:ext uri="{FF2B5EF4-FFF2-40B4-BE49-F238E27FC236}">
+                <a16:creationId xmlns:a16="http://schemas.microsoft.com/office/drawing/2014/main" xmlns="" id="{BCC0948F-C1E3-4907-854B-A0721D1FDACC}"/>
+              </a:ext>
+            </a:extLst>
+          </p:cNvPr>
+          <p:cNvGrpSpPr/>
+          <p:nvPr/>
+        </p:nvGrpSpPr>
+        <p:grpSpPr>
+          <a:xfrm>
+            <a:off x="72000" y="5993167"/>
+            <a:ext cx="9072000" cy="322628"/>
+            <a:chOff x="25400" y="5986694"/>
+            <a:chExt cx="9072000" cy="322628"/>
+          </a:xfrm>
+        </p:grpSpPr>
+        <p:sp>
+          <p:nvSpPr>
+            <p:cNvPr id="21" name="Textfeld 13">
+              <a:extLst>
+                <a:ext uri="{FF2B5EF4-FFF2-40B4-BE49-F238E27FC236}">
+                  <a16:creationId xmlns:a16="http://schemas.microsoft.com/office/drawing/2014/main" xmlns="" id="{425AEF1D-6595-4E36-A5D4-5F32C0012763}"/>
+                </a:ext>
+              </a:extLst>
+            </p:cNvPr>
+            <p:cNvSpPr txBox="1"/>
+            <p:nvPr/>
+          </p:nvSpPr>
+          <p:spPr>
+            <a:xfrm>
+              <a:off x="2380929" y="6032322"/>
+              <a:ext cx="1062593" cy="276999"/>
+            </a:xfrm>
+            <a:prstGeom prst="rect">
+              <a:avLst/>
+            </a:prstGeom>
+            <a:noFill/>
+            <a:ln>
+              <a:noFill/>
+            </a:ln>
+          </p:spPr>
+          <p:style>
+            <a:lnRef idx="2">
+              <a:schemeClr val="accent3"/>
+            </a:lnRef>
+            <a:fillRef idx="1">
+              <a:schemeClr val="lt1"/>
+            </a:fillRef>
+            <a:effectRef idx="0">
+              <a:schemeClr val="accent3"/>
+            </a:effectRef>
+            <a:fontRef idx="minor">
+              <a:schemeClr val="dk1"/>
+            </a:fontRef>
+          </p:style>
+          <p:txBody>
+            <a:bodyPr wrap="square" rtlCol="0">
+              <a:spAutoFit/>
+            </a:bodyPr>
+            <a:lstStyle/>
+            <a:p>
+              <a:r>
+                <a:rPr lang="de-DE" sz="1200" dirty="0"/>
+                <a:t>Grundlagen</a:t>
+              </a:r>
+            </a:p>
+          </p:txBody>
+        </p:sp>
+        <p:sp>
+          <p:nvSpPr>
+            <p:cNvPr id="22" name="Textfeld 21">
+              <a:extLst>
+                <a:ext uri="{FF2B5EF4-FFF2-40B4-BE49-F238E27FC236}">
+                  <a16:creationId xmlns:a16="http://schemas.microsoft.com/office/drawing/2014/main" xmlns="" id="{82ABF473-AD17-4ED8-AB87-CC275185AE43}"/>
+                </a:ext>
+              </a:extLst>
+            </p:cNvPr>
+            <p:cNvSpPr txBox="1"/>
+            <p:nvPr/>
+          </p:nvSpPr>
+          <p:spPr>
+            <a:xfrm>
+              <a:off x="4689228" y="6032323"/>
+              <a:ext cx="1514261" cy="276999"/>
+            </a:xfrm>
+            <a:prstGeom prst="rect">
+              <a:avLst/>
+            </a:prstGeom>
+            <a:noFill/>
+            <a:ln>
+              <a:noFill/>
+            </a:ln>
+          </p:spPr>
+          <p:style>
+            <a:lnRef idx="2">
+              <a:schemeClr val="accent3"/>
+            </a:lnRef>
+            <a:fillRef idx="1">
+              <a:schemeClr val="lt1"/>
+            </a:fillRef>
+            <a:effectRef idx="0">
+              <a:schemeClr val="accent3"/>
+            </a:effectRef>
+            <a:fontRef idx="minor">
+              <a:schemeClr val="dk1"/>
+            </a:fontRef>
+          </p:style>
+          <p:txBody>
+            <a:bodyPr wrap="none" rtlCol="0">
+              <a:spAutoFit/>
+            </a:bodyPr>
+            <a:lstStyle/>
+            <a:p>
+              <a:r>
+                <a:rPr lang="de-DE" sz="1200" dirty="0"/>
+                <a:t>Verwandte Arbeiten</a:t>
+              </a:r>
+            </a:p>
+          </p:txBody>
+        </p:sp>
+        <p:sp>
+          <p:nvSpPr>
+            <p:cNvPr id="23" name="Textfeld 22">
+              <a:extLst>
+                <a:ext uri="{FF2B5EF4-FFF2-40B4-BE49-F238E27FC236}">
+                  <a16:creationId xmlns:a16="http://schemas.microsoft.com/office/drawing/2014/main" xmlns="" id="{3841D7B1-EF8D-476C-85AC-C17E649EE1A9}"/>
+                </a:ext>
+              </a:extLst>
+            </p:cNvPr>
+            <p:cNvSpPr txBox="1"/>
+            <p:nvPr/>
+          </p:nvSpPr>
+          <p:spPr>
+            <a:xfrm>
+              <a:off x="7549736" y="6032321"/>
+              <a:ext cx="1491302" cy="276999"/>
+            </a:xfrm>
+            <a:prstGeom prst="rect">
+              <a:avLst/>
+            </a:prstGeom>
+            <a:noFill/>
+            <a:ln>
+              <a:noFill/>
+            </a:ln>
+          </p:spPr>
+          <p:style>
+            <a:lnRef idx="2">
+              <a:schemeClr val="accent3"/>
+            </a:lnRef>
+            <a:fillRef idx="1">
+              <a:schemeClr val="lt1"/>
+            </a:fillRef>
+            <a:effectRef idx="0">
+              <a:schemeClr val="accent3"/>
+            </a:effectRef>
+            <a:fontRef idx="minor">
+              <a:schemeClr val="dk1"/>
+            </a:fontRef>
+          </p:style>
+          <p:txBody>
+            <a:bodyPr wrap="square" rtlCol="0">
+              <a:spAutoFit/>
+            </a:bodyPr>
+            <a:lstStyle/>
+            <a:p>
+              <a:r>
+                <a:rPr lang="de-DE" sz="1200" dirty="0" smtClean="0"/>
+                <a:t>Fazit</a:t>
+              </a:r>
+              <a:endParaRPr lang="de-DE" sz="1200" dirty="0"/>
+            </a:p>
+          </p:txBody>
+        </p:sp>
+        <p:sp>
+          <p:nvSpPr>
+            <p:cNvPr id="24" name="Textfeld 23">
+              <a:extLst>
+                <a:ext uri="{FF2B5EF4-FFF2-40B4-BE49-F238E27FC236}">
+                  <a16:creationId xmlns:a16="http://schemas.microsoft.com/office/drawing/2014/main" xmlns="" id="{0DF05AE7-97F5-4E02-9206-C6B40B968DFA}"/>
+                </a:ext>
+              </a:extLst>
+            </p:cNvPr>
+            <p:cNvSpPr txBox="1"/>
+            <p:nvPr/>
+          </p:nvSpPr>
+          <p:spPr>
+            <a:xfrm>
+              <a:off x="179512" y="6032321"/>
+              <a:ext cx="955711" cy="276999"/>
+            </a:xfrm>
+            <a:prstGeom prst="rect">
+              <a:avLst/>
+            </a:prstGeom>
+            <a:noFill/>
+            <a:ln>
+              <a:noFill/>
+            </a:ln>
+          </p:spPr>
+          <p:style>
+            <a:lnRef idx="2">
+              <a:schemeClr val="accent3"/>
+            </a:lnRef>
+            <a:fillRef idx="1">
+              <a:schemeClr val="lt1"/>
+            </a:fillRef>
+            <a:effectRef idx="0">
+              <a:schemeClr val="accent3"/>
+            </a:effectRef>
+            <a:fontRef idx="minor">
+              <a:schemeClr val="dk1"/>
+            </a:fontRef>
+          </p:style>
+          <p:txBody>
+            <a:bodyPr wrap="square" rtlCol="0">
+              <a:spAutoFit/>
+            </a:bodyPr>
+            <a:lstStyle/>
+            <a:p>
+              <a:r>
+                <a:rPr lang="en-US" sz="1200" b="1" dirty="0"/>
+                <a:t>Motivation</a:t>
+              </a:r>
+            </a:p>
+          </p:txBody>
+        </p:sp>
+        <p:sp>
+          <p:nvSpPr>
+            <p:cNvPr id="25" name="Eingekerbter Richtungspfeil 24">
+              <a:extLst>
+                <a:ext uri="{FF2B5EF4-FFF2-40B4-BE49-F238E27FC236}">
+                  <a16:creationId xmlns:a16="http://schemas.microsoft.com/office/drawing/2014/main" xmlns="" id="{C358C398-D0F2-4ECA-8BF9-29E733DFE60D}"/>
+                </a:ext>
+              </a:extLst>
+            </p:cNvPr>
+            <p:cNvSpPr/>
+            <p:nvPr/>
+          </p:nvSpPr>
+          <p:spPr>
+            <a:xfrm>
+              <a:off x="1678828" y="6091573"/>
+              <a:ext cx="158496" cy="158496"/>
+            </a:xfrm>
+            <a:prstGeom prst="chevron">
+              <a:avLst/>
+            </a:prstGeom>
+          </p:spPr>
+          <p:style>
+            <a:lnRef idx="1">
+              <a:schemeClr val="accent4"/>
+            </a:lnRef>
+            <a:fillRef idx="2">
+              <a:schemeClr val="accent4"/>
+            </a:fillRef>
+            <a:effectRef idx="1">
+              <a:schemeClr val="accent4"/>
+            </a:effectRef>
+            <a:fontRef idx="minor">
+              <a:schemeClr val="dk1"/>
+            </a:fontRef>
+          </p:style>
+          <p:txBody>
+            <a:bodyPr rtlCol="0" anchor="ctr"/>
+            <a:lstStyle/>
+            <a:p>
+              <a:pPr algn="ctr"/>
+              <a:endParaRPr lang="de-DE" dirty="0">
+                <a:solidFill>
+                  <a:schemeClr val="tx1"/>
+                </a:solidFill>
+              </a:endParaRPr>
+            </a:p>
+          </p:txBody>
+        </p:sp>
+        <p:sp>
+          <p:nvSpPr>
+            <p:cNvPr id="26" name="Eingekerbter Richtungspfeil 25">
+              <a:extLst>
+                <a:ext uri="{FF2B5EF4-FFF2-40B4-BE49-F238E27FC236}">
+                  <a16:creationId xmlns:a16="http://schemas.microsoft.com/office/drawing/2014/main" xmlns="" id="{3FEDA7B1-0BEF-47B2-90E9-8E698F727222}"/>
+                </a:ext>
+              </a:extLst>
+            </p:cNvPr>
+            <p:cNvSpPr/>
+            <p:nvPr/>
+          </p:nvSpPr>
+          <p:spPr>
+            <a:xfrm>
+              <a:off x="3987127" y="6091574"/>
+              <a:ext cx="158496" cy="158496"/>
+            </a:xfrm>
+            <a:prstGeom prst="chevron">
+              <a:avLst/>
+            </a:prstGeom>
+          </p:spPr>
+          <p:style>
+            <a:lnRef idx="1">
+              <a:schemeClr val="accent4"/>
+            </a:lnRef>
+            <a:fillRef idx="2">
+              <a:schemeClr val="accent4"/>
+            </a:fillRef>
+            <a:effectRef idx="1">
+              <a:schemeClr val="accent4"/>
+            </a:effectRef>
+            <a:fontRef idx="minor">
+              <a:schemeClr val="dk1"/>
+            </a:fontRef>
+          </p:style>
+          <p:txBody>
+            <a:bodyPr rtlCol="0" anchor="ctr"/>
+            <a:lstStyle/>
+            <a:p>
+              <a:pPr algn="ctr"/>
+              <a:endParaRPr lang="de-DE">
+                <a:solidFill>
+                  <a:schemeClr val="tx1"/>
+                </a:solidFill>
+              </a:endParaRPr>
+            </a:p>
+          </p:txBody>
+        </p:sp>
+        <p:sp>
+          <p:nvSpPr>
+            <p:cNvPr id="27" name="Eingekerbter Richtungspfeil 26">
+              <a:extLst>
+                <a:ext uri="{FF2B5EF4-FFF2-40B4-BE49-F238E27FC236}">
+                  <a16:creationId xmlns:a16="http://schemas.microsoft.com/office/drawing/2014/main" xmlns="" id="{2EBD9B49-A90C-436A-BBEF-D89DD2237ECF}"/>
+                </a:ext>
+              </a:extLst>
+            </p:cNvPr>
+            <p:cNvSpPr/>
+            <p:nvPr/>
+          </p:nvSpPr>
+          <p:spPr>
+            <a:xfrm>
+              <a:off x="6847634" y="6091575"/>
+              <a:ext cx="158496" cy="158496"/>
+            </a:xfrm>
+            <a:prstGeom prst="chevron">
+              <a:avLst/>
+            </a:prstGeom>
+          </p:spPr>
+          <p:style>
+            <a:lnRef idx="1">
+              <a:schemeClr val="accent4"/>
+            </a:lnRef>
+            <a:fillRef idx="2">
+              <a:schemeClr val="accent4"/>
+            </a:fillRef>
+            <a:effectRef idx="1">
+              <a:schemeClr val="accent4"/>
+            </a:effectRef>
+            <a:fontRef idx="minor">
+              <a:schemeClr val="dk1"/>
+            </a:fontRef>
+          </p:style>
+          <p:txBody>
+            <a:bodyPr rtlCol="0" anchor="ctr"/>
+            <a:lstStyle/>
+            <a:p>
+              <a:pPr algn="ctr"/>
+              <a:endParaRPr lang="de-DE">
+                <a:solidFill>
+                  <a:schemeClr val="tx1"/>
+                </a:solidFill>
+              </a:endParaRPr>
+            </a:p>
+          </p:txBody>
+        </p:sp>
+        <p:cxnSp>
+          <p:nvCxnSpPr>
+            <p:cNvPr id="28" name="Gerade Verbindung 28">
+              <a:extLst>
+                <a:ext uri="{FF2B5EF4-FFF2-40B4-BE49-F238E27FC236}">
+                  <a16:creationId xmlns:a16="http://schemas.microsoft.com/office/drawing/2014/main" xmlns="" id="{F1621AAB-A494-467F-9704-6039B7079C13}"/>
+                </a:ext>
+              </a:extLst>
+            </p:cNvPr>
+            <p:cNvCxnSpPr/>
+            <p:nvPr/>
+          </p:nvCxnSpPr>
+          <p:spPr>
+            <a:xfrm>
+              <a:off x="25400" y="5986694"/>
+              <a:ext cx="9072000" cy="1588"/>
+            </a:xfrm>
+            <a:prstGeom prst="line">
+              <a:avLst/>
+            </a:prstGeom>
+            <a:ln w="41275">
+              <a:solidFill>
+                <a:schemeClr val="accent3">
+                  <a:lumMod val="85000"/>
+                </a:schemeClr>
+              </a:solidFill>
+            </a:ln>
+          </p:spPr>
+          <p:style>
+            <a:lnRef idx="1">
+              <a:schemeClr val="accent1"/>
+            </a:lnRef>
+            <a:fillRef idx="0">
+              <a:schemeClr val="accent1"/>
+            </a:fillRef>
+            <a:effectRef idx="0">
+              <a:schemeClr val="accent1"/>
+            </a:effectRef>
+            <a:fontRef idx="minor">
+              <a:schemeClr val="tx1"/>
+            </a:fontRef>
+          </p:style>
+        </p:cxnSp>
+      </p:grpSp>
+    </p:spTree>
+    <p:extLst>
+      <p:ext uri="{BB962C8B-B14F-4D97-AF65-F5344CB8AC3E}">
+        <p14:creationId xmlns:p14="http://schemas.microsoft.com/office/powerpoint/2010/main" val="3915053762"/>
+      </p:ext>
+    </p:extLst>
+  </p:cSld>
+  <p:clrMapOvr>
+    <a:masterClrMapping/>
+  </p:clrMapOvr>
+  <p:timing>
+    <p:tnLst>
+      <p:par>
+        <p:cTn id="1" dur="indefinite" restart="never" nodeType="tmRoot"/>
+      </p:par>
+    </p:tnLst>
+  </p:timing>
+</p:sld>
+</file>
+
+<file path=ppt/slides/slide4.xml><?xml version="1.0" encoding="utf-8"?>
 <p:sld xmlns:a="http://schemas.openxmlformats.org/drawingml/2006/main" xmlns:r="http://schemas.openxmlformats.org/officeDocument/2006/relationships" xmlns:p="http://schemas.openxmlformats.org/presentationml/2006/main">
   <p:cSld>
     <p:spTree>
@@ -11963,7 +12606,7 @@
 </p:sld>
 </file>
 
-<file path=ppt/slides/slide4.xml><?xml version="1.0" encoding="utf-8"?>
+<file path=ppt/slides/slide5.xml><?xml version="1.0" encoding="utf-8"?>
 <p:sld xmlns:a="http://schemas.openxmlformats.org/drawingml/2006/main" xmlns:r="http://schemas.openxmlformats.org/officeDocument/2006/relationships" xmlns:p="http://schemas.openxmlformats.org/presentationml/2006/main">
   <p:cSld>
     <p:spTree>
@@ -12618,7 +13261,7 @@
 </p:sld>
 </file>
 
-<file path=ppt/slides/slide5.xml><?xml version="1.0" encoding="utf-8"?>
+<file path=ppt/slides/slide6.xml><?xml version="1.0" encoding="utf-8"?>
 <p:sld xmlns:a="http://schemas.openxmlformats.org/drawingml/2006/main" xmlns:r="http://schemas.openxmlformats.org/officeDocument/2006/relationships" xmlns:p="http://schemas.openxmlformats.org/presentationml/2006/main">
   <p:cSld>
     <p:spTree>
@@ -13261,7 +13904,7 @@
 </p:sld>
 </file>
 
-<file path=ppt/slides/slide6.xml><?xml version="1.0" encoding="utf-8"?>
+<file path=ppt/slides/slide7.xml><?xml version="1.0" encoding="utf-8"?>
 <p:sld xmlns:a="http://schemas.openxmlformats.org/drawingml/2006/main" xmlns:r="http://schemas.openxmlformats.org/officeDocument/2006/relationships" xmlns:p="http://schemas.openxmlformats.org/presentationml/2006/main">
   <p:cSld>
     <p:spTree>
@@ -13863,7 +14506,7 @@
 </p:sld>
 </file>
 
-<file path=ppt/slides/slide7.xml><?xml version="1.0" encoding="utf-8"?>
+<file path=ppt/slides/slide8.xml><?xml version="1.0" encoding="utf-8"?>
 <p:sld xmlns:a="http://schemas.openxmlformats.org/drawingml/2006/main" xmlns:r="http://schemas.openxmlformats.org/officeDocument/2006/relationships" xmlns:p="http://schemas.openxmlformats.org/presentationml/2006/main">
   <p:cSld>
     <p:spTree>
@@ -14559,7 +15202,7 @@
 </p:sld>
 </file>
 
-<file path=ppt/slides/slide8.xml><?xml version="1.0" encoding="utf-8"?>
+<file path=ppt/slides/slide9.xml><?xml version="1.0" encoding="utf-8"?>
 <p:sld xmlns:a="http://schemas.openxmlformats.org/drawingml/2006/main" xmlns:r="http://schemas.openxmlformats.org/officeDocument/2006/relationships" xmlns:p="http://schemas.openxmlformats.org/presentationml/2006/main">
   <p:cSld>
     <p:spTree>
@@ -14670,7 +15313,7 @@
             </a:r>
             <a:r>
               <a:rPr lang="de-DE" dirty="0" smtClean="0"/>
-              <a:t>Modelle </a:t>
+              <a:t>Modell </a:t>
             </a:r>
             <a:r>
               <a:rPr lang="de-DE" dirty="0"/>
@@ -14678,7 +15321,7 @@
             </a:r>
             <a:r>
               <a:rPr lang="de-DE" dirty="0" smtClean="0"/>
-              <a:t>Simulation, </a:t>
+              <a:t>Simulation erstellen, </a:t>
             </a:r>
             <a:r>
               <a:rPr lang="de-DE" dirty="0"/>
@@ -15179,649 +15822,6 @@
     <p:extLst>
       <p:ext uri="{BB962C8B-B14F-4D97-AF65-F5344CB8AC3E}">
         <p14:creationId xmlns:p14="http://schemas.microsoft.com/office/powerpoint/2010/main" val="1913901269"/>
-      </p:ext>
-    </p:extLst>
-  </p:cSld>
-  <p:clrMapOvr>
-    <a:masterClrMapping/>
-  </p:clrMapOvr>
-  <p:timing>
-    <p:tnLst>
-      <p:par>
-        <p:cTn id="1" dur="indefinite" restart="never" nodeType="tmRoot"/>
-      </p:par>
-    </p:tnLst>
-  </p:timing>
-</p:sld>
-</file>
-
-<file path=ppt/slides/slide9.xml><?xml version="1.0" encoding="utf-8"?>
-<p:sld xmlns:a="http://schemas.openxmlformats.org/drawingml/2006/main" xmlns:r="http://schemas.openxmlformats.org/officeDocument/2006/relationships" xmlns:p="http://schemas.openxmlformats.org/presentationml/2006/main">
-  <p:cSld>
-    <p:spTree>
-      <p:nvGrpSpPr>
-        <p:cNvPr id="1" name=""/>
-        <p:cNvGrpSpPr/>
-        <p:nvPr/>
-      </p:nvGrpSpPr>
-      <p:grpSpPr>
-        <a:xfrm>
-          <a:off x="0" y="0"/>
-          <a:ext cx="0" cy="0"/>
-          <a:chOff x="0" y="0"/>
-          <a:chExt cx="0" cy="0"/>
-        </a:xfrm>
-      </p:grpSpPr>
-      <p:pic>
-        <p:nvPicPr>
-          <p:cNvPr id="5" name="Grafik 4"/>
-          <p:cNvPicPr>
-            <a:picLocks noChangeAspect="1"/>
-          </p:cNvPicPr>
-          <p:nvPr/>
-        </p:nvPicPr>
-        <p:blipFill>
-          <a:blip r:embed="rId3"/>
-          <a:stretch>
-            <a:fillRect/>
-          </a:stretch>
-        </p:blipFill>
-        <p:spPr>
-          <a:xfrm>
-            <a:off x="6778842" y="895350"/>
-            <a:ext cx="2085251" cy="957513"/>
-          </a:xfrm>
-          <a:prstGeom prst="rect">
-            <a:avLst/>
-          </a:prstGeom>
-        </p:spPr>
-      </p:pic>
-      <p:sp>
-        <p:nvSpPr>
-          <p:cNvPr id="17409" name="Titel 1"/>
-          <p:cNvSpPr>
-            <a:spLocks noGrp="1"/>
-          </p:cNvSpPr>
-          <p:nvPr>
-            <p:ph type="title"/>
-          </p:nvPr>
-        </p:nvSpPr>
-        <p:spPr/>
-        <p:txBody>
-          <a:bodyPr/>
-          <a:lstStyle/>
-          <a:p>
-            <a:r>
-              <a:rPr lang="de-DE" dirty="0"/>
-              <a:t>CACTOS</a:t>
-            </a:r>
-          </a:p>
-        </p:txBody>
-      </p:sp>
-      <p:sp>
-        <p:nvSpPr>
-          <p:cNvPr id="3" name="Inhaltsplatzhalter 2"/>
-          <p:cNvSpPr>
-            <a:spLocks noGrp="1"/>
-          </p:cNvSpPr>
-          <p:nvPr>
-            <p:ph idx="1"/>
-          </p:nvPr>
-        </p:nvSpPr>
-        <p:spPr/>
-        <p:txBody>
-          <a:bodyPr/>
-          <a:lstStyle/>
-          <a:p>
-            <a:r>
-              <a:rPr lang="de-DE" dirty="0"/>
-              <a:t>EU Projekt für Automatisierung und</a:t>
-            </a:r>
-          </a:p>
-          <a:p>
-            <a:pPr marL="0" indent="0">
-              <a:buNone/>
-            </a:pPr>
-            <a:r>
-              <a:rPr lang="de-DE" dirty="0"/>
-              <a:t>   Optimierung von Cloud Infrastruktur </a:t>
-            </a:r>
-            <a:r>
-              <a:rPr lang="de-DE" sz="2000" dirty="0"/>
-              <a:t>[12]</a:t>
-            </a:r>
-          </a:p>
-          <a:p>
-            <a:r>
-              <a:rPr lang="de-DE" dirty="0" err="1"/>
-              <a:t>Runtime</a:t>
-            </a:r>
-            <a:r>
-              <a:rPr lang="de-DE" dirty="0"/>
-              <a:t> Toolkit</a:t>
-            </a:r>
-          </a:p>
-          <a:p>
-            <a:pPr lvl="1"/>
-            <a:r>
-              <a:rPr lang="de-DE" dirty="0"/>
-              <a:t>Monitoring und Ressourcen Verwaltung</a:t>
-            </a:r>
-          </a:p>
-          <a:p>
-            <a:r>
-              <a:rPr lang="de-DE" dirty="0" err="1"/>
-              <a:t>Prediction</a:t>
-            </a:r>
-            <a:r>
-              <a:rPr lang="de-DE" dirty="0"/>
-              <a:t> Toolkit</a:t>
-            </a:r>
-          </a:p>
-          <a:p>
-            <a:pPr lvl="1"/>
-            <a:r>
-              <a:rPr lang="de-DE" dirty="0"/>
-              <a:t>Evaluierung von </a:t>
-            </a:r>
-            <a:r>
-              <a:rPr lang="de-DE" dirty="0" err="1"/>
-              <a:t>Deployment</a:t>
-            </a:r>
-            <a:r>
-              <a:rPr lang="de-DE" dirty="0"/>
-              <a:t> und Lastverteilung</a:t>
-            </a:r>
-          </a:p>
-          <a:p>
-            <a:pPr lvl="1"/>
-            <a:r>
-              <a:rPr lang="de-DE" dirty="0"/>
-              <a:t>Baut auf Palladio/</a:t>
-            </a:r>
-            <a:r>
-              <a:rPr lang="de-DE" dirty="0" err="1"/>
-              <a:t>SimuLizar</a:t>
-            </a:r>
-            <a:r>
-              <a:rPr lang="de-DE" dirty="0"/>
-              <a:t> auf</a:t>
-            </a:r>
-          </a:p>
-          <a:p>
-            <a:r>
-              <a:rPr lang="de-DE" dirty="0"/>
-              <a:t>Erlaubt das rapide Testen von Lastverteilungsstrategien </a:t>
-            </a:r>
-            <a:r>
-              <a:rPr lang="de-DE" sz="2400" dirty="0"/>
-              <a:t>[13]</a:t>
-            </a:r>
-          </a:p>
-          <a:p>
-            <a:pPr marL="0" indent="0">
-              <a:buNone/>
-            </a:pPr>
-            <a:endParaRPr lang="de-DE" dirty="0"/>
-          </a:p>
-        </p:txBody>
-      </p:sp>
-      <p:sp>
-        <p:nvSpPr>
-          <p:cNvPr id="17412" name="Fußzeilenplatzhalter 3"/>
-          <p:cNvSpPr>
-            <a:spLocks noGrp="1"/>
-          </p:cNvSpPr>
-          <p:nvPr>
-            <p:ph type="ftr" sz="quarter" idx="10"/>
-          </p:nvPr>
-        </p:nvSpPr>
-        <p:spPr>
-          <a:noFill/>
-        </p:spPr>
-        <p:txBody>
-          <a:bodyPr/>
-          <a:lstStyle/>
-          <a:p>
-            <a:r>
-              <a:rPr lang="de-DE" dirty="0">
-                <a:latin typeface="Arial" charset="0"/>
-                <a:cs typeface="Arial" charset="0"/>
-              </a:rPr>
-              <a:t>Firnkes Patrick:</a:t>
-            </a:r>
-            <a:r>
-              <a:rPr lang="de-DE" dirty="0"/>
-              <a:t> Modellierung und Simulation von Lastverteilungsstrategien </a:t>
-            </a:r>
-            <a:endParaRPr lang="de-DE" dirty="0">
-              <a:latin typeface="Arial" charset="0"/>
-              <a:cs typeface="Arial" charset="0"/>
-            </a:endParaRPr>
-          </a:p>
-        </p:txBody>
-      </p:sp>
-      <p:grpSp>
-        <p:nvGrpSpPr>
-          <p:cNvPr id="19" name="Gruppieren 21">
-            <a:extLst>
-              <a:ext uri="{FF2B5EF4-FFF2-40B4-BE49-F238E27FC236}">
-                <a16:creationId xmlns:a16="http://schemas.microsoft.com/office/drawing/2014/main" xmlns="" id="{BCC0948F-C1E3-4907-854B-A0721D1FDACC}"/>
-              </a:ext>
-            </a:extLst>
-          </p:cNvPr>
-          <p:cNvGrpSpPr/>
-          <p:nvPr/>
-        </p:nvGrpSpPr>
-        <p:grpSpPr>
-          <a:xfrm>
-            <a:off x="72000" y="5993167"/>
-            <a:ext cx="9072000" cy="322628"/>
-            <a:chOff x="25400" y="5986694"/>
-            <a:chExt cx="9072000" cy="322628"/>
-          </a:xfrm>
-        </p:grpSpPr>
-        <p:sp>
-          <p:nvSpPr>
-            <p:cNvPr id="20" name="Textfeld 13">
-              <a:extLst>
-                <a:ext uri="{FF2B5EF4-FFF2-40B4-BE49-F238E27FC236}">
-                  <a16:creationId xmlns:a16="http://schemas.microsoft.com/office/drawing/2014/main" xmlns="" id="{425AEF1D-6595-4E36-A5D4-5F32C0012763}"/>
-                </a:ext>
-              </a:extLst>
-            </p:cNvPr>
-            <p:cNvSpPr txBox="1"/>
-            <p:nvPr/>
-          </p:nvSpPr>
-          <p:spPr>
-            <a:xfrm>
-              <a:off x="2380929" y="6032322"/>
-              <a:ext cx="1062593" cy="276999"/>
-            </a:xfrm>
-            <a:prstGeom prst="rect">
-              <a:avLst/>
-            </a:prstGeom>
-            <a:noFill/>
-            <a:ln>
-              <a:noFill/>
-            </a:ln>
-          </p:spPr>
-          <p:style>
-            <a:lnRef idx="2">
-              <a:schemeClr val="accent3"/>
-            </a:lnRef>
-            <a:fillRef idx="1">
-              <a:schemeClr val="lt1"/>
-            </a:fillRef>
-            <a:effectRef idx="0">
-              <a:schemeClr val="accent3"/>
-            </a:effectRef>
-            <a:fontRef idx="minor">
-              <a:schemeClr val="dk1"/>
-            </a:fontRef>
-          </p:style>
-          <p:txBody>
-            <a:bodyPr wrap="square" rtlCol="0">
-              <a:spAutoFit/>
-            </a:bodyPr>
-            <a:lstStyle/>
-            <a:p>
-              <a:r>
-                <a:rPr lang="de-DE" sz="1200" dirty="0"/>
-                <a:t>Grundlagen</a:t>
-              </a:r>
-            </a:p>
-          </p:txBody>
-        </p:sp>
-        <p:sp>
-          <p:nvSpPr>
-            <p:cNvPr id="21" name="Textfeld 20">
-              <a:extLst>
-                <a:ext uri="{FF2B5EF4-FFF2-40B4-BE49-F238E27FC236}">
-                  <a16:creationId xmlns:a16="http://schemas.microsoft.com/office/drawing/2014/main" xmlns="" id="{82ABF473-AD17-4ED8-AB87-CC275185AE43}"/>
-                </a:ext>
-              </a:extLst>
-            </p:cNvPr>
-            <p:cNvSpPr txBox="1"/>
-            <p:nvPr/>
-          </p:nvSpPr>
-          <p:spPr>
-            <a:xfrm>
-              <a:off x="4689228" y="6032323"/>
-              <a:ext cx="1614801" cy="276999"/>
-            </a:xfrm>
-            <a:prstGeom prst="rect">
-              <a:avLst/>
-            </a:prstGeom>
-            <a:noFill/>
-            <a:ln>
-              <a:noFill/>
-            </a:ln>
-          </p:spPr>
-          <p:style>
-            <a:lnRef idx="2">
-              <a:schemeClr val="accent3"/>
-            </a:lnRef>
-            <a:fillRef idx="1">
-              <a:schemeClr val="lt1"/>
-            </a:fillRef>
-            <a:effectRef idx="0">
-              <a:schemeClr val="accent3"/>
-            </a:effectRef>
-            <a:fontRef idx="minor">
-              <a:schemeClr val="dk1"/>
-            </a:fontRef>
-          </p:style>
-          <p:txBody>
-            <a:bodyPr wrap="none" rtlCol="0">
-              <a:spAutoFit/>
-            </a:bodyPr>
-            <a:lstStyle/>
-            <a:p>
-              <a:r>
-                <a:rPr lang="de-DE" sz="1200" b="1" dirty="0"/>
-                <a:t>Verwandte Arbeiten</a:t>
-              </a:r>
-            </a:p>
-          </p:txBody>
-        </p:sp>
-        <p:sp>
-          <p:nvSpPr>
-            <p:cNvPr id="22" name="Textfeld 21">
-              <a:extLst>
-                <a:ext uri="{FF2B5EF4-FFF2-40B4-BE49-F238E27FC236}">
-                  <a16:creationId xmlns:a16="http://schemas.microsoft.com/office/drawing/2014/main" xmlns="" id="{3841D7B1-EF8D-476C-85AC-C17E649EE1A9}"/>
-                </a:ext>
-              </a:extLst>
-            </p:cNvPr>
-            <p:cNvSpPr txBox="1"/>
-            <p:nvPr/>
-          </p:nvSpPr>
-          <p:spPr>
-            <a:xfrm>
-              <a:off x="7549736" y="6032321"/>
-              <a:ext cx="1491302" cy="276999"/>
-            </a:xfrm>
-            <a:prstGeom prst="rect">
-              <a:avLst/>
-            </a:prstGeom>
-            <a:noFill/>
-            <a:ln>
-              <a:noFill/>
-            </a:ln>
-          </p:spPr>
-          <p:style>
-            <a:lnRef idx="2">
-              <a:schemeClr val="accent3"/>
-            </a:lnRef>
-            <a:fillRef idx="1">
-              <a:schemeClr val="lt1"/>
-            </a:fillRef>
-            <a:effectRef idx="0">
-              <a:schemeClr val="accent3"/>
-            </a:effectRef>
-            <a:fontRef idx="minor">
-              <a:schemeClr val="dk1"/>
-            </a:fontRef>
-          </p:style>
-          <p:txBody>
-            <a:bodyPr wrap="square" rtlCol="0">
-              <a:spAutoFit/>
-            </a:bodyPr>
-            <a:lstStyle/>
-            <a:p>
-              <a:r>
-                <a:rPr lang="de-DE" sz="1200" dirty="0" smtClean="0"/>
-                <a:t>Fazit</a:t>
-              </a:r>
-              <a:endParaRPr lang="de-DE" sz="1200" dirty="0"/>
-            </a:p>
-          </p:txBody>
-        </p:sp>
-        <p:sp>
-          <p:nvSpPr>
-            <p:cNvPr id="23" name="Textfeld 22">
-              <a:extLst>
-                <a:ext uri="{FF2B5EF4-FFF2-40B4-BE49-F238E27FC236}">
-                  <a16:creationId xmlns:a16="http://schemas.microsoft.com/office/drawing/2014/main" xmlns="" id="{0DF05AE7-97F5-4E02-9206-C6B40B968DFA}"/>
-                </a:ext>
-              </a:extLst>
-            </p:cNvPr>
-            <p:cNvSpPr txBox="1"/>
-            <p:nvPr/>
-          </p:nvSpPr>
-          <p:spPr>
-            <a:xfrm>
-              <a:off x="179512" y="6032321"/>
-              <a:ext cx="955711" cy="276999"/>
-            </a:xfrm>
-            <a:prstGeom prst="rect">
-              <a:avLst/>
-            </a:prstGeom>
-            <a:noFill/>
-            <a:ln>
-              <a:noFill/>
-            </a:ln>
-          </p:spPr>
-          <p:style>
-            <a:lnRef idx="2">
-              <a:schemeClr val="accent3"/>
-            </a:lnRef>
-            <a:fillRef idx="1">
-              <a:schemeClr val="lt1"/>
-            </a:fillRef>
-            <a:effectRef idx="0">
-              <a:schemeClr val="accent3"/>
-            </a:effectRef>
-            <a:fontRef idx="minor">
-              <a:schemeClr val="dk1"/>
-            </a:fontRef>
-          </p:style>
-          <p:txBody>
-            <a:bodyPr wrap="square" rtlCol="0">
-              <a:spAutoFit/>
-            </a:bodyPr>
-            <a:lstStyle/>
-            <a:p>
-              <a:r>
-                <a:rPr lang="en-US" sz="1200" dirty="0"/>
-                <a:t>Motivation</a:t>
-              </a:r>
-            </a:p>
-          </p:txBody>
-        </p:sp>
-        <p:sp>
-          <p:nvSpPr>
-            <p:cNvPr id="24" name="Eingekerbter Richtungspfeil 23">
-              <a:extLst>
-                <a:ext uri="{FF2B5EF4-FFF2-40B4-BE49-F238E27FC236}">
-                  <a16:creationId xmlns:a16="http://schemas.microsoft.com/office/drawing/2014/main" xmlns="" id="{C358C398-D0F2-4ECA-8BF9-29E733DFE60D}"/>
-                </a:ext>
-              </a:extLst>
-            </p:cNvPr>
-            <p:cNvSpPr/>
-            <p:nvPr/>
-          </p:nvSpPr>
-          <p:spPr>
-            <a:xfrm>
-              <a:off x="1678828" y="6091573"/>
-              <a:ext cx="158496" cy="158496"/>
-            </a:xfrm>
-            <a:prstGeom prst="chevron">
-              <a:avLst/>
-            </a:prstGeom>
-          </p:spPr>
-          <p:style>
-            <a:lnRef idx="1">
-              <a:schemeClr val="accent4"/>
-            </a:lnRef>
-            <a:fillRef idx="2">
-              <a:schemeClr val="accent4"/>
-            </a:fillRef>
-            <a:effectRef idx="1">
-              <a:schemeClr val="accent4"/>
-            </a:effectRef>
-            <a:fontRef idx="minor">
-              <a:schemeClr val="dk1"/>
-            </a:fontRef>
-          </p:style>
-          <p:txBody>
-            <a:bodyPr rtlCol="0" anchor="ctr"/>
-            <a:lstStyle/>
-            <a:p>
-              <a:pPr algn="ctr"/>
-              <a:endParaRPr lang="de-DE" dirty="0">
-                <a:solidFill>
-                  <a:schemeClr val="tx1"/>
-                </a:solidFill>
-              </a:endParaRPr>
-            </a:p>
-          </p:txBody>
-        </p:sp>
-        <p:sp>
-          <p:nvSpPr>
-            <p:cNvPr id="25" name="Eingekerbter Richtungspfeil 24">
-              <a:extLst>
-                <a:ext uri="{FF2B5EF4-FFF2-40B4-BE49-F238E27FC236}">
-                  <a16:creationId xmlns:a16="http://schemas.microsoft.com/office/drawing/2014/main" xmlns="" id="{3FEDA7B1-0BEF-47B2-90E9-8E698F727222}"/>
-                </a:ext>
-              </a:extLst>
-            </p:cNvPr>
-            <p:cNvSpPr/>
-            <p:nvPr/>
-          </p:nvSpPr>
-          <p:spPr>
-            <a:xfrm>
-              <a:off x="3987127" y="6091574"/>
-              <a:ext cx="158496" cy="158496"/>
-            </a:xfrm>
-            <a:prstGeom prst="chevron">
-              <a:avLst/>
-            </a:prstGeom>
-          </p:spPr>
-          <p:style>
-            <a:lnRef idx="1">
-              <a:schemeClr val="accent4"/>
-            </a:lnRef>
-            <a:fillRef idx="2">
-              <a:schemeClr val="accent4"/>
-            </a:fillRef>
-            <a:effectRef idx="1">
-              <a:schemeClr val="accent4"/>
-            </a:effectRef>
-            <a:fontRef idx="minor">
-              <a:schemeClr val="dk1"/>
-            </a:fontRef>
-          </p:style>
-          <p:txBody>
-            <a:bodyPr rtlCol="0" anchor="ctr"/>
-            <a:lstStyle/>
-            <a:p>
-              <a:pPr algn="ctr"/>
-              <a:endParaRPr lang="de-DE">
-                <a:solidFill>
-                  <a:schemeClr val="tx1"/>
-                </a:solidFill>
-              </a:endParaRPr>
-            </a:p>
-          </p:txBody>
-        </p:sp>
-        <p:sp>
-          <p:nvSpPr>
-            <p:cNvPr id="26" name="Eingekerbter Richtungspfeil 25">
-              <a:extLst>
-                <a:ext uri="{FF2B5EF4-FFF2-40B4-BE49-F238E27FC236}">
-                  <a16:creationId xmlns:a16="http://schemas.microsoft.com/office/drawing/2014/main" xmlns="" id="{2EBD9B49-A90C-436A-BBEF-D89DD2237ECF}"/>
-                </a:ext>
-              </a:extLst>
-            </p:cNvPr>
-            <p:cNvSpPr/>
-            <p:nvPr/>
-          </p:nvSpPr>
-          <p:spPr>
-            <a:xfrm>
-              <a:off x="6847634" y="6091575"/>
-              <a:ext cx="158496" cy="158496"/>
-            </a:xfrm>
-            <a:prstGeom prst="chevron">
-              <a:avLst/>
-            </a:prstGeom>
-          </p:spPr>
-          <p:style>
-            <a:lnRef idx="1">
-              <a:schemeClr val="accent4"/>
-            </a:lnRef>
-            <a:fillRef idx="2">
-              <a:schemeClr val="accent4"/>
-            </a:fillRef>
-            <a:effectRef idx="1">
-              <a:schemeClr val="accent4"/>
-            </a:effectRef>
-            <a:fontRef idx="minor">
-              <a:schemeClr val="dk1"/>
-            </a:fontRef>
-          </p:style>
-          <p:txBody>
-            <a:bodyPr rtlCol="0" anchor="ctr"/>
-            <a:lstStyle/>
-            <a:p>
-              <a:pPr algn="ctr"/>
-              <a:endParaRPr lang="de-DE">
-                <a:solidFill>
-                  <a:schemeClr val="tx1"/>
-                </a:solidFill>
-              </a:endParaRPr>
-            </a:p>
-          </p:txBody>
-        </p:sp>
-        <p:cxnSp>
-          <p:nvCxnSpPr>
-            <p:cNvPr id="27" name="Gerade Verbindung 28">
-              <a:extLst>
-                <a:ext uri="{FF2B5EF4-FFF2-40B4-BE49-F238E27FC236}">
-                  <a16:creationId xmlns:a16="http://schemas.microsoft.com/office/drawing/2014/main" xmlns="" id="{F1621AAB-A494-467F-9704-6039B7079C13}"/>
-                </a:ext>
-              </a:extLst>
-            </p:cNvPr>
-            <p:cNvCxnSpPr/>
-            <p:nvPr/>
-          </p:nvCxnSpPr>
-          <p:spPr>
-            <a:xfrm>
-              <a:off x="25400" y="5986694"/>
-              <a:ext cx="9072000" cy="1588"/>
-            </a:xfrm>
-            <a:prstGeom prst="line">
-              <a:avLst/>
-            </a:prstGeom>
-            <a:ln w="41275">
-              <a:solidFill>
-                <a:schemeClr val="accent3">
-                  <a:lumMod val="85000"/>
-                </a:schemeClr>
-              </a:solidFill>
-            </a:ln>
-          </p:spPr>
-          <p:style>
-            <a:lnRef idx="1">
-              <a:schemeClr val="accent1"/>
-            </a:lnRef>
-            <a:fillRef idx="0">
-              <a:schemeClr val="accent1"/>
-            </a:fillRef>
-            <a:effectRef idx="0">
-              <a:schemeClr val="accent1"/>
-            </a:effectRef>
-            <a:fontRef idx="minor">
-              <a:schemeClr val="tx1"/>
-            </a:fontRef>
-          </p:style>
-        </p:cxnSp>
-      </p:grpSp>
-    </p:spTree>
-    <p:extLst>
-      <p:ext uri="{BB962C8B-B14F-4D97-AF65-F5344CB8AC3E}">
-        <p14:creationId xmlns:p14="http://schemas.microsoft.com/office/powerpoint/2010/main" val="781348432"/>
       </p:ext>
     </p:extLst>
   </p:cSld>

--- a/presentations/state-of-the-art.pptx
+++ b/presentations/state-of-the-art.pptx
@@ -5,10 +5,10 @@
     <p:sldMasterId id="2147483676" r:id="rId1"/>
   </p:sldMasterIdLst>
   <p:notesMasterIdLst>
-    <p:notesMasterId r:id="rId21"/>
+    <p:notesMasterId r:id="rId26"/>
   </p:notesMasterIdLst>
   <p:handoutMasterIdLst>
-    <p:handoutMasterId r:id="rId22"/>
+    <p:handoutMasterId r:id="rId27"/>
   </p:handoutMasterIdLst>
   <p:sldIdLst>
     <p:sldId id="256" r:id="rId2"/>
@@ -21,15 +21,20 @@
     <p:sldId id="305" r:id="rId9"/>
     <p:sldId id="306" r:id="rId10"/>
     <p:sldId id="307" r:id="rId11"/>
-    <p:sldId id="308" r:id="rId12"/>
-    <p:sldId id="309" r:id="rId13"/>
-    <p:sldId id="295" r:id="rId14"/>
-    <p:sldId id="304" r:id="rId15"/>
-    <p:sldId id="310" r:id="rId16"/>
-    <p:sldId id="311" r:id="rId17"/>
-    <p:sldId id="298" r:id="rId18"/>
-    <p:sldId id="300" r:id="rId19"/>
-    <p:sldId id="299" r:id="rId20"/>
+    <p:sldId id="317" r:id="rId12"/>
+    <p:sldId id="308" r:id="rId13"/>
+    <p:sldId id="312" r:id="rId14"/>
+    <p:sldId id="313" r:id="rId15"/>
+    <p:sldId id="314" r:id="rId16"/>
+    <p:sldId id="315" r:id="rId17"/>
+    <p:sldId id="316" r:id="rId18"/>
+    <p:sldId id="309" r:id="rId19"/>
+    <p:sldId id="295" r:id="rId20"/>
+    <p:sldId id="304" r:id="rId21"/>
+    <p:sldId id="310" r:id="rId22"/>
+    <p:sldId id="311" r:id="rId23"/>
+    <p:sldId id="298" r:id="rId24"/>
+    <p:sldId id="300" r:id="rId25"/>
   </p:sldIdLst>
   <p:sldSz cx="9144000" cy="6858000" type="screen4x3"/>
   <p:notesSz cx="6858000" cy="9144000"/>
@@ -173,7 +178,13 @@
             <p14:sldId id="305"/>
             <p14:sldId id="306"/>
             <p14:sldId id="307"/>
+            <p14:sldId id="317"/>
             <p14:sldId id="308"/>
+            <p14:sldId id="312"/>
+            <p14:sldId id="313"/>
+            <p14:sldId id="314"/>
+            <p14:sldId id="315"/>
+            <p14:sldId id="316"/>
             <p14:sldId id="309"/>
             <p14:sldId id="295"/>
             <p14:sldId id="304"/>
@@ -181,7 +192,6 @@
             <p14:sldId id="311"/>
             <p14:sldId id="298"/>
             <p14:sldId id="300"/>
-            <p14:sldId id="299"/>
           </p14:sldIdLst>
         </p14:section>
       </p14:sectionLst>
@@ -1086,114 +1096,110 @@
           <a:p>
             <a:pPr lvl="1"/>
             <a:r>
-              <a:rPr lang="de-DE" baseline="0" noProof="0" smtClean="0"/>
-              <a:t>Meisten nicht </a:t>
-            </a:r>
-            <a:r>
-              <a:rPr lang="de-DE" baseline="0" noProof="0" dirty="0" smtClean="0"/>
-              <a:t>mehr aktiv oder nicht allgemein nutzbar, sondern nur mal für ein oder zwei Paper entwickelt</a:t>
+              <a:rPr lang="de-DE" baseline="0" noProof="0" dirty="0"/>
+              <a:t>Meisten nicht mehr aktiv oder nicht allgemein nutzbar, sondern nur mal für ein oder zwei Paper entwickelt</a:t>
             </a:r>
           </a:p>
           <a:p>
             <a:pPr lvl="1"/>
-            <a:endParaRPr lang="de-DE" baseline="0" noProof="0" dirty="0" smtClean="0"/>
+            <a:endParaRPr lang="de-DE" baseline="0" noProof="0" dirty="0"/>
           </a:p>
           <a:p>
             <a:pPr lvl="1"/>
             <a:r>
-              <a:rPr lang="de-DE" baseline="0" noProof="0" dirty="0" smtClean="0"/>
+              <a:rPr lang="de-DE" baseline="0" noProof="0" dirty="0"/>
               <a:t>Job </a:t>
             </a:r>
             <a:r>
-              <a:rPr lang="de-DE" baseline="0" noProof="0" dirty="0" err="1" smtClean="0"/>
+              <a:rPr lang="de-DE" baseline="0" noProof="0" dirty="0" err="1"/>
               <a:t>Scheduling</a:t>
             </a:r>
             <a:r>
-              <a:rPr lang="de-DE" baseline="0" noProof="0" dirty="0" smtClean="0"/>
+              <a:rPr lang="de-DE" baseline="0" noProof="0" dirty="0"/>
               <a:t>, Ressourcen können die meisten, außer </a:t>
             </a:r>
             <a:r>
-              <a:rPr lang="de-DE" baseline="0" noProof="0" dirty="0" err="1" smtClean="0"/>
+              <a:rPr lang="de-DE" baseline="0" noProof="0" dirty="0" err="1"/>
               <a:t>OptorSim</a:t>
             </a:r>
             <a:r>
-              <a:rPr lang="de-DE" baseline="0" noProof="0" dirty="0" smtClean="0"/>
+              <a:rPr lang="de-DE" baseline="0" noProof="0" dirty="0"/>
               <a:t>, </a:t>
             </a:r>
             <a:r>
-              <a:rPr lang="de-DE" baseline="0" noProof="0" dirty="0" err="1" smtClean="0"/>
+              <a:rPr lang="de-DE" baseline="0" noProof="0" dirty="0" err="1"/>
               <a:t>ChicagoSim</a:t>
             </a:r>
             <a:r>
-              <a:rPr lang="de-DE" baseline="0" noProof="0" dirty="0" smtClean="0"/>
+              <a:rPr lang="de-DE" baseline="0" noProof="0" dirty="0"/>
               <a:t> weil </a:t>
             </a:r>
             <a:r>
-              <a:rPr lang="de-DE" baseline="0" noProof="0" dirty="0" err="1" smtClean="0"/>
+              <a:rPr lang="de-DE" baseline="0" noProof="0" dirty="0" err="1"/>
               <a:t>daten</a:t>
             </a:r>
             <a:r>
-              <a:rPr lang="de-DE" baseline="0" noProof="0" dirty="0" smtClean="0"/>
+              <a:rPr lang="de-DE" baseline="0" noProof="0" dirty="0"/>
               <a:t> </a:t>
             </a:r>
             <a:r>
-              <a:rPr lang="de-DE" baseline="0" noProof="0" dirty="0" err="1" smtClean="0"/>
+              <a:rPr lang="de-DE" baseline="0" noProof="0" dirty="0" err="1"/>
               <a:t>replikation</a:t>
             </a:r>
             <a:r>
-              <a:rPr lang="de-DE" baseline="0" noProof="0" dirty="0" smtClean="0"/>
+              <a:rPr lang="de-DE" baseline="0" noProof="0" dirty="0"/>
               <a:t> evaluiert wird</a:t>
             </a:r>
           </a:p>
           <a:p>
             <a:pPr lvl="1"/>
-            <a:endParaRPr lang="de-DE" baseline="0" noProof="0" dirty="0" smtClean="0"/>
+            <a:endParaRPr lang="de-DE" baseline="0" noProof="0" dirty="0"/>
           </a:p>
           <a:p>
             <a:pPr lvl="1"/>
             <a:r>
-              <a:rPr lang="de-DE" baseline="0" noProof="0" dirty="0" smtClean="0"/>
+              <a:rPr lang="de-DE" baseline="0" noProof="0" dirty="0"/>
               <a:t>Heterogene </a:t>
             </a:r>
             <a:r>
-              <a:rPr lang="de-DE" baseline="0" noProof="0" dirty="0" err="1" smtClean="0"/>
+              <a:rPr lang="de-DE" baseline="0" noProof="0" dirty="0" err="1"/>
               <a:t>Platformen</a:t>
             </a:r>
             <a:r>
-              <a:rPr lang="de-DE" baseline="0" noProof="0" dirty="0" smtClean="0"/>
+              <a:rPr lang="de-DE" baseline="0" noProof="0" dirty="0"/>
               <a:t> und Tasks können auch meisten</a:t>
             </a:r>
           </a:p>
           <a:p>
             <a:pPr lvl="1"/>
-            <a:endParaRPr lang="de-DE" baseline="0" noProof="0" dirty="0" smtClean="0"/>
+            <a:endParaRPr lang="de-DE" baseline="0" noProof="0" dirty="0"/>
           </a:p>
           <a:p>
             <a:pPr lvl="1"/>
             <a:r>
-              <a:rPr lang="de-DE" baseline="0" noProof="0" dirty="0" smtClean="0"/>
+              <a:rPr lang="de-DE" baseline="0" noProof="0" dirty="0"/>
               <a:t>Skalierbar ist </a:t>
             </a:r>
             <a:r>
-              <a:rPr lang="de-DE" baseline="0" noProof="0" dirty="0" err="1" smtClean="0"/>
+              <a:rPr lang="de-DE" baseline="0" noProof="0" dirty="0" err="1"/>
               <a:t>SimGrid</a:t>
             </a:r>
             <a:r>
-              <a:rPr lang="de-DE" baseline="0" noProof="0" dirty="0" smtClean="0"/>
+              <a:rPr lang="de-DE" baseline="0" noProof="0" dirty="0"/>
               <a:t>/</a:t>
             </a:r>
             <a:r>
-              <a:rPr lang="de-DE" baseline="0" noProof="0" dirty="0" err="1" smtClean="0"/>
+              <a:rPr lang="de-DE" baseline="0" noProof="0" dirty="0" err="1"/>
               <a:t>DGSim</a:t>
             </a:r>
             <a:r>
-              <a:rPr lang="de-DE" baseline="0" noProof="0" dirty="0" smtClean="0"/>
+              <a:rPr lang="de-DE" baseline="0" noProof="0" dirty="0"/>
               <a:t>, Palladio fraglich aber durch CACTOS Projekt vermutlich </a:t>
             </a:r>
           </a:p>
           <a:p>
             <a:pPr lvl="1"/>
-            <a:endParaRPr lang="de-DE" baseline="0" noProof="0" dirty="0" smtClean="0"/>
+            <a:endParaRPr lang="de-DE" baseline="0" noProof="0" dirty="0"/>
           </a:p>
           <a:p>
             <a:pPr marL="457200" marR="0" lvl="1" indent="0" algn="l" defTabSz="914400" rtl="0" eaLnBrk="0" fontAlgn="base" latinLnBrk="0" hangingPunct="0">
@@ -1214,11 +1220,11 @@
               <a:defRPr/>
             </a:pPr>
             <a:r>
-              <a:rPr lang="de-DE" noProof="0" dirty="0" err="1" smtClean="0"/>
+              <a:rPr lang="de-DE" noProof="0" dirty="0" err="1"/>
               <a:t>SimGrid</a:t>
             </a:r>
             <a:r>
-              <a:rPr lang="de-DE" baseline="0" noProof="0" dirty="0" smtClean="0"/>
+              <a:rPr lang="de-DE" baseline="0" noProof="0" dirty="0"/>
               <a:t> und Palladio erfüllen Anforderungen</a:t>
             </a:r>
           </a:p>
@@ -1266,7 +1272,7 @@
     </p:spTree>
     <p:extLst>
       <p:ext uri="{BB962C8B-B14F-4D97-AF65-F5344CB8AC3E}">
-        <p14:creationId xmlns:p14="http://schemas.microsoft.com/office/powerpoint/2010/main" val="3200010798"/>
+        <p14:creationId xmlns:p14="http://schemas.microsoft.com/office/powerpoint/2010/main" val="842015380"/>
       </p:ext>
     </p:extLst>
   </p:cSld>
@@ -1324,6 +1330,114 @@
           <a:bodyPr/>
           <a:lstStyle/>
           <a:p>
+            <a:pPr lvl="1"/>
+            <a:r>
+              <a:rPr lang="de-DE" baseline="0" noProof="0" dirty="0"/>
+              <a:t>Meisten nicht mehr aktiv oder nicht allgemein nutzbar, sondern nur mal für ein oder zwei Paper entwickelt</a:t>
+            </a:r>
+          </a:p>
+          <a:p>
+            <a:pPr lvl="1"/>
+            <a:endParaRPr lang="de-DE" baseline="0" noProof="0" dirty="0"/>
+          </a:p>
+          <a:p>
+            <a:pPr lvl="1"/>
+            <a:r>
+              <a:rPr lang="de-DE" baseline="0" noProof="0" dirty="0"/>
+              <a:t>Job </a:t>
+            </a:r>
+            <a:r>
+              <a:rPr lang="de-DE" baseline="0" noProof="0" dirty="0" err="1"/>
+              <a:t>Scheduling</a:t>
+            </a:r>
+            <a:r>
+              <a:rPr lang="de-DE" baseline="0" noProof="0" dirty="0"/>
+              <a:t>, Ressourcen können die meisten, außer </a:t>
+            </a:r>
+            <a:r>
+              <a:rPr lang="de-DE" baseline="0" noProof="0" dirty="0" err="1"/>
+              <a:t>OptorSim</a:t>
+            </a:r>
+            <a:r>
+              <a:rPr lang="de-DE" baseline="0" noProof="0" dirty="0"/>
+              <a:t>, </a:t>
+            </a:r>
+            <a:r>
+              <a:rPr lang="de-DE" baseline="0" noProof="0" dirty="0" err="1"/>
+              <a:t>ChicagoSim</a:t>
+            </a:r>
+            <a:r>
+              <a:rPr lang="de-DE" baseline="0" noProof="0" dirty="0"/>
+              <a:t> weil </a:t>
+            </a:r>
+            <a:r>
+              <a:rPr lang="de-DE" baseline="0" noProof="0" dirty="0" err="1"/>
+              <a:t>daten</a:t>
+            </a:r>
+            <a:r>
+              <a:rPr lang="de-DE" baseline="0" noProof="0" dirty="0"/>
+              <a:t> </a:t>
+            </a:r>
+            <a:r>
+              <a:rPr lang="de-DE" baseline="0" noProof="0" dirty="0" err="1"/>
+              <a:t>replikation</a:t>
+            </a:r>
+            <a:r>
+              <a:rPr lang="de-DE" baseline="0" noProof="0" dirty="0"/>
+              <a:t> evaluiert wird</a:t>
+            </a:r>
+          </a:p>
+          <a:p>
+            <a:pPr lvl="1"/>
+            <a:endParaRPr lang="de-DE" baseline="0" noProof="0" dirty="0"/>
+          </a:p>
+          <a:p>
+            <a:pPr lvl="1"/>
+            <a:r>
+              <a:rPr lang="de-DE" baseline="0" noProof="0" dirty="0"/>
+              <a:t>Heterogene </a:t>
+            </a:r>
+            <a:r>
+              <a:rPr lang="de-DE" baseline="0" noProof="0" dirty="0" err="1"/>
+              <a:t>Platformen</a:t>
+            </a:r>
+            <a:r>
+              <a:rPr lang="de-DE" baseline="0" noProof="0" dirty="0"/>
+              <a:t> und Tasks können auch meisten</a:t>
+            </a:r>
+          </a:p>
+          <a:p>
+            <a:pPr lvl="1"/>
+            <a:endParaRPr lang="de-DE" baseline="0" noProof="0" dirty="0"/>
+          </a:p>
+          <a:p>
+            <a:pPr lvl="1"/>
+            <a:r>
+              <a:rPr lang="de-DE" baseline="0" noProof="0" dirty="0"/>
+              <a:t>Skalierbar ist </a:t>
+            </a:r>
+            <a:r>
+              <a:rPr lang="de-DE" baseline="0" noProof="0" dirty="0" err="1"/>
+              <a:t>SimGrid</a:t>
+            </a:r>
+            <a:r>
+              <a:rPr lang="de-DE" baseline="0" noProof="0" dirty="0"/>
+              <a:t>/</a:t>
+            </a:r>
+            <a:r>
+              <a:rPr lang="de-DE" baseline="0" noProof="0" dirty="0" err="1"/>
+              <a:t>DGSim</a:t>
+            </a:r>
+            <a:r>
+              <a:rPr lang="de-DE" baseline="0" noProof="0" dirty="0"/>
+              <a:t>, Palladio fraglich aber durch CACTOS Projekt vermutlich </a:t>
+            </a:r>
+          </a:p>
+          <a:p>
+            <a:pPr lvl="1"/>
+            <a:endParaRPr lang="de-DE" baseline="0" noProof="0" dirty="0"/>
+          </a:p>
+          <a:p>
             <a:pPr marL="457200" marR="0" lvl="1" indent="0" algn="l" defTabSz="914400" rtl="0" eaLnBrk="0" fontAlgn="base" latinLnBrk="0" hangingPunct="0">
               <a:lnSpc>
                 <a:spcPct val="100000"/>
@@ -1342,110 +1456,16 @@
               <a:defRPr/>
             </a:pPr>
             <a:r>
-              <a:rPr lang="de-DE" dirty="0"/>
-              <a:t>Nutze Simulation, um Lastverteilung bewerten zu können: schneller, genauer</a:t>
-            </a:r>
-          </a:p>
-          <a:p>
-            <a:pPr marL="457200" marR="0" lvl="1" indent="0" algn="l" defTabSz="914400" rtl="0" eaLnBrk="0" fontAlgn="base" latinLnBrk="0" hangingPunct="0">
-              <a:lnSpc>
-                <a:spcPct val="100000"/>
-              </a:lnSpc>
-              <a:spcBef>
-                <a:spcPct val="30000"/>
-              </a:spcBef>
-              <a:spcAft>
-                <a:spcPct val="0"/>
-              </a:spcAft>
-              <a:buClrTx/>
-              <a:buSzTx/>
-              <a:buFontTx/>
-              <a:buNone/>
-              <a:tabLst/>
-              <a:defRPr/>
-            </a:pPr>
-            <a:r>
-              <a:rPr lang="de-DE" dirty="0"/>
-              <a:t>Auch gab es das Bedürfnis ein Simulator für Experimente zu haben schon früher</a:t>
-            </a:r>
-          </a:p>
-          <a:p>
-            <a:pPr marL="457200" marR="0" lvl="1" indent="0" algn="l" defTabSz="914400" rtl="0" eaLnBrk="0" fontAlgn="base" latinLnBrk="0" hangingPunct="0">
-              <a:lnSpc>
-                <a:spcPct val="100000"/>
-              </a:lnSpc>
-              <a:spcBef>
-                <a:spcPct val="30000"/>
-              </a:spcBef>
-              <a:spcAft>
-                <a:spcPct val="0"/>
-              </a:spcAft>
-              <a:buClrTx/>
-              <a:buSzTx/>
-              <a:buFontTx/>
-              <a:buNone/>
-              <a:tabLst/>
-              <a:defRPr/>
-            </a:pPr>
-            <a:endParaRPr lang="de-DE" dirty="0"/>
-          </a:p>
-          <a:p>
-            <a:pPr marL="457200" marR="0" lvl="1" indent="0" algn="l" defTabSz="914400" rtl="0" eaLnBrk="0" fontAlgn="base" latinLnBrk="0" hangingPunct="0">
-              <a:lnSpc>
-                <a:spcPct val="100000"/>
-              </a:lnSpc>
-              <a:spcBef>
-                <a:spcPct val="30000"/>
-              </a:spcBef>
-              <a:spcAft>
-                <a:spcPct val="0"/>
-              </a:spcAft>
-              <a:buClrTx/>
-              <a:buSzTx/>
-              <a:buFontTx/>
-              <a:buNone/>
-              <a:tabLst/>
-              <a:defRPr/>
-            </a:pPr>
-            <a:r>
-              <a:rPr lang="de-DE" dirty="0"/>
-              <a:t>Falls Palladio nicht gut skaliert nutze </a:t>
-            </a:r>
-            <a:r>
-              <a:rPr lang="de-DE" dirty="0" err="1"/>
+              <a:rPr lang="de-DE" noProof="0" dirty="0" err="1"/>
               <a:t>SimGrid</a:t>
             </a:r>
-            <a:endParaRPr lang="de-DE" dirty="0"/>
+            <a:r>
+              <a:rPr lang="de-DE" baseline="0" noProof="0" dirty="0"/>
+              <a:t> und Palladio erfüllen Anforderungen</a:t>
+            </a:r>
           </a:p>
           <a:p>
             <a:pPr lvl="1"/>
-            <a:r>
-              <a:rPr lang="de-DE" noProof="0" dirty="0"/>
-              <a:t>Model-</a:t>
-            </a:r>
-            <a:r>
-              <a:rPr lang="de-DE" noProof="0" dirty="0" err="1"/>
-              <a:t>to</a:t>
-            </a:r>
-            <a:r>
-              <a:rPr lang="de-DE" noProof="0" dirty="0"/>
-              <a:t>-model </a:t>
-            </a:r>
-            <a:r>
-              <a:rPr lang="de-DE" noProof="0" dirty="0" smtClean="0"/>
-              <a:t>Transformation</a:t>
-            </a:r>
-          </a:p>
-          <a:p>
-            <a:pPr lvl="1"/>
-            <a:endParaRPr lang="de-DE" noProof="0" dirty="0" smtClean="0"/>
-          </a:p>
-          <a:p>
-            <a:pPr lvl="1"/>
-            <a:r>
-              <a:rPr lang="de-DE" dirty="0" smtClean="0"/>
-              <a:t>Kein Hinweis auf ähnlich große Grid oder Cloud Simulation gefunden</a:t>
-            </a:r>
             <a:endParaRPr lang="de-DE" noProof="0" dirty="0"/>
           </a:p>
         </p:txBody>
@@ -1488,7 +1508,7 @@
     </p:spTree>
     <p:extLst>
       <p:ext uri="{BB962C8B-B14F-4D97-AF65-F5344CB8AC3E}">
-        <p14:creationId xmlns:p14="http://schemas.microsoft.com/office/powerpoint/2010/main" val="677544418"/>
+        <p14:creationId xmlns:p14="http://schemas.microsoft.com/office/powerpoint/2010/main" val="3200010798"/>
       </p:ext>
     </p:extLst>
   </p:cSld>
@@ -1548,31 +1568,141 @@
           <a:p>
             <a:pPr lvl="1"/>
             <a:r>
-              <a:rPr lang="de-DE" dirty="0"/>
-              <a:t>170 Rechenzentren</a:t>
+              <a:rPr lang="de-DE" baseline="0" noProof="0" dirty="0"/>
+              <a:t>Meisten nicht mehr aktiv oder nicht allgemein nutzbar, sondern nur mal für ein oder zwei Paper entwickelt</a:t>
             </a:r>
           </a:p>
           <a:p>
             <a:pPr lvl="1"/>
-            <a:r>
-              <a:rPr lang="de-DE" dirty="0"/>
-              <a:t>42 Länder </a:t>
-            </a:r>
+            <a:endParaRPr lang="de-DE" baseline="0" noProof="0" dirty="0"/>
           </a:p>
           <a:p>
             <a:pPr lvl="1"/>
             <a:r>
-              <a:rPr lang="de-DE" dirty="0"/>
-              <a:t>72.000 CPUs</a:t>
+              <a:rPr lang="de-DE" baseline="0" noProof="0" dirty="0"/>
+              <a:t>Job </a:t>
+            </a:r>
+            <a:r>
+              <a:rPr lang="de-DE" baseline="0" noProof="0" dirty="0" err="1"/>
+              <a:t>Scheduling</a:t>
+            </a:r>
+            <a:r>
+              <a:rPr lang="de-DE" baseline="0" noProof="0" dirty="0"/>
+              <a:t>, Ressourcen können die meisten, außer </a:t>
+            </a:r>
+            <a:r>
+              <a:rPr lang="de-DE" baseline="0" noProof="0" dirty="0" err="1"/>
+              <a:t>OptorSim</a:t>
+            </a:r>
+            <a:r>
+              <a:rPr lang="de-DE" baseline="0" noProof="0" dirty="0"/>
+              <a:t>, </a:t>
+            </a:r>
+            <a:r>
+              <a:rPr lang="de-DE" baseline="0" noProof="0" dirty="0" err="1"/>
+              <a:t>ChicagoSim</a:t>
+            </a:r>
+            <a:r>
+              <a:rPr lang="de-DE" baseline="0" noProof="0" dirty="0"/>
+              <a:t> weil </a:t>
+            </a:r>
+            <a:r>
+              <a:rPr lang="de-DE" baseline="0" noProof="0" dirty="0" err="1"/>
+              <a:t>daten</a:t>
+            </a:r>
+            <a:r>
+              <a:rPr lang="de-DE" baseline="0" noProof="0" dirty="0"/>
+              <a:t> </a:t>
+            </a:r>
+            <a:r>
+              <a:rPr lang="de-DE" baseline="0" noProof="0" dirty="0" err="1"/>
+              <a:t>replikation</a:t>
+            </a:r>
+            <a:r>
+              <a:rPr lang="de-DE" baseline="0" noProof="0" dirty="0"/>
+              <a:t> evaluiert wird</a:t>
             </a:r>
           </a:p>
           <a:p>
             <a:pPr lvl="1"/>
-            <a:r>
-              <a:rPr lang="de-DE" dirty="0"/>
-              <a:t>Führt täglich 2 Millionen aus</a:t>
-            </a:r>
-            <a:endParaRPr lang="en-GB" dirty="0"/>
+            <a:endParaRPr lang="de-DE" baseline="0" noProof="0" dirty="0"/>
+          </a:p>
+          <a:p>
+            <a:pPr lvl="1"/>
+            <a:r>
+              <a:rPr lang="de-DE" baseline="0" noProof="0" dirty="0"/>
+              <a:t>Heterogene </a:t>
+            </a:r>
+            <a:r>
+              <a:rPr lang="de-DE" baseline="0" noProof="0" dirty="0" err="1"/>
+              <a:t>Platformen</a:t>
+            </a:r>
+            <a:r>
+              <a:rPr lang="de-DE" baseline="0" noProof="0" dirty="0"/>
+              <a:t> und Tasks können auch meisten</a:t>
+            </a:r>
+          </a:p>
+          <a:p>
+            <a:pPr lvl="1"/>
+            <a:endParaRPr lang="de-DE" baseline="0" noProof="0" dirty="0"/>
+          </a:p>
+          <a:p>
+            <a:pPr lvl="1"/>
+            <a:r>
+              <a:rPr lang="de-DE" baseline="0" noProof="0" dirty="0"/>
+              <a:t>Skalierbar ist </a:t>
+            </a:r>
+            <a:r>
+              <a:rPr lang="de-DE" baseline="0" noProof="0" dirty="0" err="1"/>
+              <a:t>SimGrid</a:t>
+            </a:r>
+            <a:r>
+              <a:rPr lang="de-DE" baseline="0" noProof="0" dirty="0"/>
+              <a:t>/</a:t>
+            </a:r>
+            <a:r>
+              <a:rPr lang="de-DE" baseline="0" noProof="0" dirty="0" err="1"/>
+              <a:t>DGSim</a:t>
+            </a:r>
+            <a:r>
+              <a:rPr lang="de-DE" baseline="0" noProof="0" dirty="0"/>
+              <a:t>, Palladio fraglich aber durch CACTOS Projekt vermutlich </a:t>
+            </a:r>
+          </a:p>
+          <a:p>
+            <a:pPr lvl="1"/>
+            <a:endParaRPr lang="de-DE" baseline="0" noProof="0" dirty="0"/>
+          </a:p>
+          <a:p>
+            <a:pPr marL="457200" marR="0" lvl="1" indent="0" algn="l" defTabSz="914400" rtl="0" eaLnBrk="0" fontAlgn="base" latinLnBrk="0" hangingPunct="0">
+              <a:lnSpc>
+                <a:spcPct val="100000"/>
+              </a:lnSpc>
+              <a:spcBef>
+                <a:spcPct val="30000"/>
+              </a:spcBef>
+              <a:spcAft>
+                <a:spcPct val="0"/>
+              </a:spcAft>
+              <a:buClrTx/>
+              <a:buSzTx/>
+              <a:buFontTx/>
+              <a:buNone/>
+              <a:tabLst/>
+              <a:defRPr/>
+            </a:pPr>
+            <a:r>
+              <a:rPr lang="de-DE" noProof="0" dirty="0" err="1"/>
+              <a:t>SimGrid</a:t>
+            </a:r>
+            <a:r>
+              <a:rPr lang="de-DE" baseline="0" noProof="0" dirty="0"/>
+              <a:t> und Palladio erfüllen Anforderungen</a:t>
+            </a:r>
+          </a:p>
+          <a:p>
+            <a:pPr lvl="1"/>
+            <a:endParaRPr lang="de-DE" noProof="0" dirty="0"/>
           </a:p>
         </p:txBody>
       </p:sp>
@@ -1614,7 +1744,7 @@
     </p:spTree>
     <p:extLst>
       <p:ext uri="{BB962C8B-B14F-4D97-AF65-F5344CB8AC3E}">
-        <p14:creationId xmlns:p14="http://schemas.microsoft.com/office/powerpoint/2010/main" val="541056630"/>
+        <p14:creationId xmlns:p14="http://schemas.microsoft.com/office/powerpoint/2010/main" val="581900055"/>
       </p:ext>
     </p:extLst>
   </p:cSld>
@@ -1673,7 +1803,142 @@
           <a:lstStyle/>
           <a:p>
             <a:pPr lvl="1"/>
-            <a:endParaRPr lang="en-GB" dirty="0"/>
+            <a:r>
+              <a:rPr lang="de-DE" baseline="0" noProof="0" dirty="0"/>
+              <a:t>Meisten nicht mehr aktiv oder nicht allgemein nutzbar, sondern nur mal für ein oder zwei Paper entwickelt</a:t>
+            </a:r>
+          </a:p>
+          <a:p>
+            <a:pPr lvl="1"/>
+            <a:endParaRPr lang="de-DE" baseline="0" noProof="0" dirty="0"/>
+          </a:p>
+          <a:p>
+            <a:pPr lvl="1"/>
+            <a:r>
+              <a:rPr lang="de-DE" baseline="0" noProof="0" dirty="0"/>
+              <a:t>Job </a:t>
+            </a:r>
+            <a:r>
+              <a:rPr lang="de-DE" baseline="0" noProof="0" dirty="0" err="1"/>
+              <a:t>Scheduling</a:t>
+            </a:r>
+            <a:r>
+              <a:rPr lang="de-DE" baseline="0" noProof="0" dirty="0"/>
+              <a:t>, Ressourcen können die meisten, außer </a:t>
+            </a:r>
+            <a:r>
+              <a:rPr lang="de-DE" baseline="0" noProof="0" dirty="0" err="1"/>
+              <a:t>OptorSim</a:t>
+            </a:r>
+            <a:r>
+              <a:rPr lang="de-DE" baseline="0" noProof="0" dirty="0"/>
+              <a:t>, </a:t>
+            </a:r>
+            <a:r>
+              <a:rPr lang="de-DE" baseline="0" noProof="0" dirty="0" err="1"/>
+              <a:t>ChicagoSim</a:t>
+            </a:r>
+            <a:r>
+              <a:rPr lang="de-DE" baseline="0" noProof="0" dirty="0"/>
+              <a:t> weil </a:t>
+            </a:r>
+            <a:r>
+              <a:rPr lang="de-DE" baseline="0" noProof="0" dirty="0" err="1"/>
+              <a:t>daten</a:t>
+            </a:r>
+            <a:r>
+              <a:rPr lang="de-DE" baseline="0" noProof="0" dirty="0"/>
+              <a:t> </a:t>
+            </a:r>
+            <a:r>
+              <a:rPr lang="de-DE" baseline="0" noProof="0" dirty="0" err="1"/>
+              <a:t>replikation</a:t>
+            </a:r>
+            <a:r>
+              <a:rPr lang="de-DE" baseline="0" noProof="0" dirty="0"/>
+              <a:t> evaluiert wird</a:t>
+            </a:r>
+          </a:p>
+          <a:p>
+            <a:pPr lvl="1"/>
+            <a:endParaRPr lang="de-DE" baseline="0" noProof="0" dirty="0"/>
+          </a:p>
+          <a:p>
+            <a:pPr lvl="1"/>
+            <a:r>
+              <a:rPr lang="de-DE" baseline="0" noProof="0" dirty="0"/>
+              <a:t>Heterogene </a:t>
+            </a:r>
+            <a:r>
+              <a:rPr lang="de-DE" baseline="0" noProof="0" dirty="0" err="1"/>
+              <a:t>Platformen</a:t>
+            </a:r>
+            <a:r>
+              <a:rPr lang="de-DE" baseline="0" noProof="0" dirty="0"/>
+              <a:t> und Tasks können auch meisten</a:t>
+            </a:r>
+          </a:p>
+          <a:p>
+            <a:pPr lvl="1"/>
+            <a:endParaRPr lang="de-DE" baseline="0" noProof="0" dirty="0"/>
+          </a:p>
+          <a:p>
+            <a:pPr lvl="1"/>
+            <a:r>
+              <a:rPr lang="de-DE" baseline="0" noProof="0" dirty="0"/>
+              <a:t>Skalierbar ist </a:t>
+            </a:r>
+            <a:r>
+              <a:rPr lang="de-DE" baseline="0" noProof="0" dirty="0" err="1"/>
+              <a:t>SimGrid</a:t>
+            </a:r>
+            <a:r>
+              <a:rPr lang="de-DE" baseline="0" noProof="0" dirty="0"/>
+              <a:t>/</a:t>
+            </a:r>
+            <a:r>
+              <a:rPr lang="de-DE" baseline="0" noProof="0" dirty="0" err="1"/>
+              <a:t>DGSim</a:t>
+            </a:r>
+            <a:r>
+              <a:rPr lang="de-DE" baseline="0" noProof="0" dirty="0"/>
+              <a:t>, Palladio fraglich aber durch CACTOS Projekt vermutlich </a:t>
+            </a:r>
+          </a:p>
+          <a:p>
+            <a:pPr lvl="1"/>
+            <a:endParaRPr lang="de-DE" baseline="0" noProof="0" dirty="0"/>
+          </a:p>
+          <a:p>
+            <a:pPr marL="457200" marR="0" lvl="1" indent="0" algn="l" defTabSz="914400" rtl="0" eaLnBrk="0" fontAlgn="base" latinLnBrk="0" hangingPunct="0">
+              <a:lnSpc>
+                <a:spcPct val="100000"/>
+              </a:lnSpc>
+              <a:spcBef>
+                <a:spcPct val="30000"/>
+              </a:spcBef>
+              <a:spcAft>
+                <a:spcPct val="0"/>
+              </a:spcAft>
+              <a:buClrTx/>
+              <a:buSzTx/>
+              <a:buFontTx/>
+              <a:buNone/>
+              <a:tabLst/>
+              <a:defRPr/>
+            </a:pPr>
+            <a:r>
+              <a:rPr lang="de-DE" noProof="0" dirty="0" err="1"/>
+              <a:t>SimGrid</a:t>
+            </a:r>
+            <a:r>
+              <a:rPr lang="de-DE" baseline="0" noProof="0" dirty="0"/>
+              <a:t> und Palladio erfüllen Anforderungen</a:t>
+            </a:r>
+          </a:p>
+          <a:p>
+            <a:pPr lvl="1"/>
+            <a:endParaRPr lang="de-DE" noProof="0" dirty="0"/>
           </a:p>
         </p:txBody>
       </p:sp>
@@ -1715,7 +1980,7 @@
     </p:spTree>
     <p:extLst>
       <p:ext uri="{BB962C8B-B14F-4D97-AF65-F5344CB8AC3E}">
-        <p14:creationId xmlns:p14="http://schemas.microsoft.com/office/powerpoint/2010/main" val="212508573"/>
+        <p14:creationId xmlns:p14="http://schemas.microsoft.com/office/powerpoint/2010/main" val="1937539471"/>
       </p:ext>
     </p:extLst>
   </p:cSld>
@@ -1774,7 +2039,142 @@
           <a:lstStyle/>
           <a:p>
             <a:pPr lvl="1"/>
-            <a:endParaRPr lang="en-GB" dirty="0"/>
+            <a:r>
+              <a:rPr lang="de-DE" baseline="0" noProof="0" dirty="0"/>
+              <a:t>Meisten nicht mehr aktiv oder nicht allgemein nutzbar, sondern nur mal für ein oder zwei Paper entwickelt</a:t>
+            </a:r>
+          </a:p>
+          <a:p>
+            <a:pPr lvl="1"/>
+            <a:endParaRPr lang="de-DE" baseline="0" noProof="0" dirty="0"/>
+          </a:p>
+          <a:p>
+            <a:pPr lvl="1"/>
+            <a:r>
+              <a:rPr lang="de-DE" baseline="0" noProof="0" dirty="0"/>
+              <a:t>Job </a:t>
+            </a:r>
+            <a:r>
+              <a:rPr lang="de-DE" baseline="0" noProof="0" dirty="0" err="1"/>
+              <a:t>Scheduling</a:t>
+            </a:r>
+            <a:r>
+              <a:rPr lang="de-DE" baseline="0" noProof="0" dirty="0"/>
+              <a:t>, Ressourcen können die meisten, außer </a:t>
+            </a:r>
+            <a:r>
+              <a:rPr lang="de-DE" baseline="0" noProof="0" dirty="0" err="1"/>
+              <a:t>OptorSim</a:t>
+            </a:r>
+            <a:r>
+              <a:rPr lang="de-DE" baseline="0" noProof="0" dirty="0"/>
+              <a:t>, </a:t>
+            </a:r>
+            <a:r>
+              <a:rPr lang="de-DE" baseline="0" noProof="0" dirty="0" err="1"/>
+              <a:t>ChicagoSim</a:t>
+            </a:r>
+            <a:r>
+              <a:rPr lang="de-DE" baseline="0" noProof="0" dirty="0"/>
+              <a:t> weil </a:t>
+            </a:r>
+            <a:r>
+              <a:rPr lang="de-DE" baseline="0" noProof="0" dirty="0" err="1"/>
+              <a:t>daten</a:t>
+            </a:r>
+            <a:r>
+              <a:rPr lang="de-DE" baseline="0" noProof="0" dirty="0"/>
+              <a:t> </a:t>
+            </a:r>
+            <a:r>
+              <a:rPr lang="de-DE" baseline="0" noProof="0" dirty="0" err="1"/>
+              <a:t>replikation</a:t>
+            </a:r>
+            <a:r>
+              <a:rPr lang="de-DE" baseline="0" noProof="0" dirty="0"/>
+              <a:t> evaluiert wird</a:t>
+            </a:r>
+          </a:p>
+          <a:p>
+            <a:pPr lvl="1"/>
+            <a:endParaRPr lang="de-DE" baseline="0" noProof="0" dirty="0"/>
+          </a:p>
+          <a:p>
+            <a:pPr lvl="1"/>
+            <a:r>
+              <a:rPr lang="de-DE" baseline="0" noProof="0" dirty="0"/>
+              <a:t>Heterogene </a:t>
+            </a:r>
+            <a:r>
+              <a:rPr lang="de-DE" baseline="0" noProof="0" dirty="0" err="1"/>
+              <a:t>Platformen</a:t>
+            </a:r>
+            <a:r>
+              <a:rPr lang="de-DE" baseline="0" noProof="0" dirty="0"/>
+              <a:t> und Tasks können auch meisten</a:t>
+            </a:r>
+          </a:p>
+          <a:p>
+            <a:pPr lvl="1"/>
+            <a:endParaRPr lang="de-DE" baseline="0" noProof="0" dirty="0"/>
+          </a:p>
+          <a:p>
+            <a:pPr lvl="1"/>
+            <a:r>
+              <a:rPr lang="de-DE" baseline="0" noProof="0" dirty="0"/>
+              <a:t>Skalierbar ist </a:t>
+            </a:r>
+            <a:r>
+              <a:rPr lang="de-DE" baseline="0" noProof="0" dirty="0" err="1"/>
+              <a:t>SimGrid</a:t>
+            </a:r>
+            <a:r>
+              <a:rPr lang="de-DE" baseline="0" noProof="0" dirty="0"/>
+              <a:t>/</a:t>
+            </a:r>
+            <a:r>
+              <a:rPr lang="de-DE" baseline="0" noProof="0" dirty="0" err="1"/>
+              <a:t>DGSim</a:t>
+            </a:r>
+            <a:r>
+              <a:rPr lang="de-DE" baseline="0" noProof="0" dirty="0"/>
+              <a:t>, Palladio fraglich aber durch CACTOS Projekt vermutlich </a:t>
+            </a:r>
+          </a:p>
+          <a:p>
+            <a:pPr lvl="1"/>
+            <a:endParaRPr lang="de-DE" baseline="0" noProof="0" dirty="0"/>
+          </a:p>
+          <a:p>
+            <a:pPr marL="457200" marR="0" lvl="1" indent="0" algn="l" defTabSz="914400" rtl="0" eaLnBrk="0" fontAlgn="base" latinLnBrk="0" hangingPunct="0">
+              <a:lnSpc>
+                <a:spcPct val="100000"/>
+              </a:lnSpc>
+              <a:spcBef>
+                <a:spcPct val="30000"/>
+              </a:spcBef>
+              <a:spcAft>
+                <a:spcPct val="0"/>
+              </a:spcAft>
+              <a:buClrTx/>
+              <a:buSzTx/>
+              <a:buFontTx/>
+              <a:buNone/>
+              <a:tabLst/>
+              <a:defRPr/>
+            </a:pPr>
+            <a:r>
+              <a:rPr lang="de-DE" noProof="0" dirty="0" err="1"/>
+              <a:t>SimGrid</a:t>
+            </a:r>
+            <a:r>
+              <a:rPr lang="de-DE" baseline="0" noProof="0" dirty="0"/>
+              <a:t> und Palladio erfüllen Anforderungen</a:t>
+            </a:r>
+          </a:p>
+          <a:p>
+            <a:pPr lvl="1"/>
+            <a:endParaRPr lang="de-DE" noProof="0" dirty="0"/>
           </a:p>
         </p:txBody>
       </p:sp>
@@ -1816,7 +2216,7 @@
     </p:spTree>
     <p:extLst>
       <p:ext uri="{BB962C8B-B14F-4D97-AF65-F5344CB8AC3E}">
-        <p14:creationId xmlns:p14="http://schemas.microsoft.com/office/powerpoint/2010/main" val="4244901239"/>
+        <p14:creationId xmlns:p14="http://schemas.microsoft.com/office/powerpoint/2010/main" val="2668065655"/>
       </p:ext>
     </p:extLst>
   </p:cSld>
@@ -1875,7 +2275,142 @@
           <a:lstStyle/>
           <a:p>
             <a:pPr lvl="1"/>
-            <a:endParaRPr lang="en-GB" dirty="0"/>
+            <a:r>
+              <a:rPr lang="de-DE" baseline="0" noProof="0" dirty="0"/>
+              <a:t>Meisten nicht mehr aktiv oder nicht allgemein nutzbar, sondern nur mal für ein oder zwei Paper entwickelt</a:t>
+            </a:r>
+          </a:p>
+          <a:p>
+            <a:pPr lvl="1"/>
+            <a:endParaRPr lang="de-DE" baseline="0" noProof="0" dirty="0"/>
+          </a:p>
+          <a:p>
+            <a:pPr lvl="1"/>
+            <a:r>
+              <a:rPr lang="de-DE" baseline="0" noProof="0" dirty="0"/>
+              <a:t>Job </a:t>
+            </a:r>
+            <a:r>
+              <a:rPr lang="de-DE" baseline="0" noProof="0" dirty="0" err="1"/>
+              <a:t>Scheduling</a:t>
+            </a:r>
+            <a:r>
+              <a:rPr lang="de-DE" baseline="0" noProof="0" dirty="0"/>
+              <a:t>, Ressourcen können die meisten, außer </a:t>
+            </a:r>
+            <a:r>
+              <a:rPr lang="de-DE" baseline="0" noProof="0" dirty="0" err="1"/>
+              <a:t>OptorSim</a:t>
+            </a:r>
+            <a:r>
+              <a:rPr lang="de-DE" baseline="0" noProof="0" dirty="0"/>
+              <a:t>, </a:t>
+            </a:r>
+            <a:r>
+              <a:rPr lang="de-DE" baseline="0" noProof="0" dirty="0" err="1"/>
+              <a:t>ChicagoSim</a:t>
+            </a:r>
+            <a:r>
+              <a:rPr lang="de-DE" baseline="0" noProof="0" dirty="0"/>
+              <a:t> weil </a:t>
+            </a:r>
+            <a:r>
+              <a:rPr lang="de-DE" baseline="0" noProof="0" dirty="0" err="1"/>
+              <a:t>daten</a:t>
+            </a:r>
+            <a:r>
+              <a:rPr lang="de-DE" baseline="0" noProof="0" dirty="0"/>
+              <a:t> </a:t>
+            </a:r>
+            <a:r>
+              <a:rPr lang="de-DE" baseline="0" noProof="0" dirty="0" err="1"/>
+              <a:t>replikation</a:t>
+            </a:r>
+            <a:r>
+              <a:rPr lang="de-DE" baseline="0" noProof="0" dirty="0"/>
+              <a:t> evaluiert wird</a:t>
+            </a:r>
+          </a:p>
+          <a:p>
+            <a:pPr lvl="1"/>
+            <a:endParaRPr lang="de-DE" baseline="0" noProof="0" dirty="0"/>
+          </a:p>
+          <a:p>
+            <a:pPr lvl="1"/>
+            <a:r>
+              <a:rPr lang="de-DE" baseline="0" noProof="0" dirty="0"/>
+              <a:t>Heterogene </a:t>
+            </a:r>
+            <a:r>
+              <a:rPr lang="de-DE" baseline="0" noProof="0" dirty="0" err="1"/>
+              <a:t>Platformen</a:t>
+            </a:r>
+            <a:r>
+              <a:rPr lang="de-DE" baseline="0" noProof="0" dirty="0"/>
+              <a:t> und Tasks können auch meisten</a:t>
+            </a:r>
+          </a:p>
+          <a:p>
+            <a:pPr lvl="1"/>
+            <a:endParaRPr lang="de-DE" baseline="0" noProof="0" dirty="0"/>
+          </a:p>
+          <a:p>
+            <a:pPr lvl="1"/>
+            <a:r>
+              <a:rPr lang="de-DE" baseline="0" noProof="0" dirty="0"/>
+              <a:t>Skalierbar ist </a:t>
+            </a:r>
+            <a:r>
+              <a:rPr lang="de-DE" baseline="0" noProof="0" dirty="0" err="1"/>
+              <a:t>SimGrid</a:t>
+            </a:r>
+            <a:r>
+              <a:rPr lang="de-DE" baseline="0" noProof="0" dirty="0"/>
+              <a:t>/</a:t>
+            </a:r>
+            <a:r>
+              <a:rPr lang="de-DE" baseline="0" noProof="0" dirty="0" err="1"/>
+              <a:t>DGSim</a:t>
+            </a:r>
+            <a:r>
+              <a:rPr lang="de-DE" baseline="0" noProof="0" dirty="0"/>
+              <a:t>, Palladio fraglich aber durch CACTOS Projekt vermutlich </a:t>
+            </a:r>
+          </a:p>
+          <a:p>
+            <a:pPr lvl="1"/>
+            <a:endParaRPr lang="de-DE" baseline="0" noProof="0" dirty="0"/>
+          </a:p>
+          <a:p>
+            <a:pPr marL="457200" marR="0" lvl="1" indent="0" algn="l" defTabSz="914400" rtl="0" eaLnBrk="0" fontAlgn="base" latinLnBrk="0" hangingPunct="0">
+              <a:lnSpc>
+                <a:spcPct val="100000"/>
+              </a:lnSpc>
+              <a:spcBef>
+                <a:spcPct val="30000"/>
+              </a:spcBef>
+              <a:spcAft>
+                <a:spcPct val="0"/>
+              </a:spcAft>
+              <a:buClrTx/>
+              <a:buSzTx/>
+              <a:buFontTx/>
+              <a:buNone/>
+              <a:tabLst/>
+              <a:defRPr/>
+            </a:pPr>
+            <a:r>
+              <a:rPr lang="de-DE" noProof="0" dirty="0" err="1"/>
+              <a:t>SimGrid</a:t>
+            </a:r>
+            <a:r>
+              <a:rPr lang="de-DE" baseline="0" noProof="0" dirty="0"/>
+              <a:t> und Palladio erfüllen Anforderungen</a:t>
+            </a:r>
+          </a:p>
+          <a:p>
+            <a:pPr lvl="1"/>
+            <a:endParaRPr lang="de-DE" noProof="0" dirty="0"/>
           </a:p>
         </p:txBody>
       </p:sp>
@@ -1917,7 +2452,7 @@
     </p:spTree>
     <p:extLst>
       <p:ext uri="{BB962C8B-B14F-4D97-AF65-F5344CB8AC3E}">
-        <p14:creationId xmlns:p14="http://schemas.microsoft.com/office/powerpoint/2010/main" val="3698014133"/>
+        <p14:creationId xmlns:p14="http://schemas.microsoft.com/office/powerpoint/2010/main" val="28377249"/>
       </p:ext>
     </p:extLst>
   </p:cSld>
@@ -1976,7 +2511,94 @@
           <a:lstStyle/>
           <a:p>
             <a:pPr lvl="1"/>
-            <a:endParaRPr lang="en-GB" dirty="0"/>
+            <a:r>
+              <a:rPr lang="de-DE" noProof="0" dirty="0" smtClean="0"/>
+              <a:t>Simulatoren können schon vieles</a:t>
+            </a:r>
+          </a:p>
+          <a:p>
+            <a:pPr lvl="1"/>
+            <a:endParaRPr lang="de-DE" noProof="0" dirty="0" smtClean="0"/>
+          </a:p>
+          <a:p>
+            <a:pPr lvl="1"/>
+            <a:r>
+              <a:rPr lang="de-DE" noProof="0" dirty="0" err="1" smtClean="0"/>
+              <a:t>Monarc</a:t>
+            </a:r>
+            <a:r>
+              <a:rPr lang="de-DE" baseline="0" noProof="0" dirty="0" smtClean="0"/>
+              <a:t> mit 3000 CPU</a:t>
+            </a:r>
+          </a:p>
+          <a:p>
+            <a:pPr lvl="1"/>
+            <a:r>
+              <a:rPr lang="de-DE" baseline="0" noProof="0" dirty="0" smtClean="0"/>
+              <a:t>Alle anderen Case Studies bis Größe 100</a:t>
+            </a:r>
+          </a:p>
+          <a:p>
+            <a:pPr lvl="1"/>
+            <a:r>
+              <a:rPr lang="de-DE" baseline="0" noProof="0" dirty="0" smtClean="0"/>
+              <a:t>unsere 72.000 </a:t>
+            </a:r>
+          </a:p>
+          <a:p>
+            <a:pPr lvl="1"/>
+            <a:endParaRPr lang="de-DE" baseline="0" noProof="0" dirty="0" smtClean="0"/>
+          </a:p>
+          <a:p>
+            <a:pPr lvl="1"/>
+            <a:r>
+              <a:rPr lang="de-DE" baseline="0" noProof="0" dirty="0" smtClean="0"/>
+              <a:t>Datenlokalität können sowohl </a:t>
+            </a:r>
+            <a:r>
+              <a:rPr lang="de-DE" baseline="0" noProof="0" dirty="0" err="1" smtClean="0"/>
+              <a:t>SimGrid</a:t>
+            </a:r>
+            <a:r>
+              <a:rPr lang="de-DE" baseline="0" noProof="0" dirty="0" smtClean="0"/>
+              <a:t> und Palladio nicht, brauchen wir nicht für die ersten Arbeiten:</a:t>
+            </a:r>
+          </a:p>
+          <a:p>
+            <a:pPr lvl="1"/>
+            <a:endParaRPr lang="de-DE" baseline="0" noProof="0" dirty="0" smtClean="0"/>
+          </a:p>
+          <a:p>
+            <a:pPr lvl="1"/>
+            <a:r>
+              <a:rPr lang="de-DE" baseline="0" noProof="0" dirty="0" smtClean="0"/>
+              <a:t>Future </a:t>
+            </a:r>
+            <a:r>
+              <a:rPr lang="de-DE" baseline="0" noProof="0" dirty="0" err="1" smtClean="0"/>
+              <a:t>work</a:t>
+            </a:r>
+            <a:r>
+              <a:rPr lang="de-DE" baseline="0" noProof="0" dirty="0" smtClean="0"/>
+              <a:t>: Datenreplikation optimieren, beim </a:t>
+            </a:r>
+            <a:r>
+              <a:rPr lang="de-DE" baseline="0" noProof="0" dirty="0" err="1" smtClean="0"/>
+              <a:t>Scheduling</a:t>
+            </a:r>
+            <a:r>
+              <a:rPr lang="de-DE" baseline="0" noProof="0" dirty="0" smtClean="0"/>
+              <a:t> helfen wohin konkret </a:t>
+            </a:r>
+            <a:r>
+              <a:rPr lang="de-DE" baseline="0" noProof="0" dirty="0" err="1" smtClean="0"/>
+              <a:t>submitten</a:t>
+            </a:r>
+            <a:r>
+              <a:rPr lang="de-DE" baseline="0" noProof="0" dirty="0" smtClean="0"/>
+              <a:t>: Site A oder Site B</a:t>
+            </a:r>
+            <a:endParaRPr lang="de-DE" noProof="0" dirty="0"/>
           </a:p>
         </p:txBody>
       </p:sp>
@@ -2018,7 +2640,7 @@
     </p:spTree>
     <p:extLst>
       <p:ext uri="{BB962C8B-B14F-4D97-AF65-F5344CB8AC3E}">
-        <p14:creationId xmlns:p14="http://schemas.microsoft.com/office/powerpoint/2010/main" val="2200662428"/>
+        <p14:creationId xmlns:p14="http://schemas.microsoft.com/office/powerpoint/2010/main" val="2314619359"/>
       </p:ext>
     </p:extLst>
   </p:cSld>
@@ -2076,184 +2698,125 @@
           <a:bodyPr/>
           <a:lstStyle/>
           <a:p>
+            <a:pPr marL="457200" marR="0" lvl="1" indent="0" algn="l" defTabSz="914400" rtl="0" eaLnBrk="0" fontAlgn="base" latinLnBrk="0" hangingPunct="0">
+              <a:lnSpc>
+                <a:spcPct val="100000"/>
+              </a:lnSpc>
+              <a:spcBef>
+                <a:spcPct val="30000"/>
+              </a:spcBef>
+              <a:spcAft>
+                <a:spcPct val="0"/>
+              </a:spcAft>
+              <a:buClrTx/>
+              <a:buSzTx/>
+              <a:buFontTx/>
+              <a:buNone/>
+              <a:tabLst/>
+              <a:defRPr/>
+            </a:pPr>
+            <a:r>
+              <a:rPr lang="de-DE" dirty="0"/>
+              <a:t>Nutze Simulation, um Lastverteilung bewerten zu können: schneller, genauer</a:t>
+            </a:r>
+          </a:p>
+          <a:p>
+            <a:pPr marL="457200" marR="0" lvl="1" indent="0" algn="l" defTabSz="914400" rtl="0" eaLnBrk="0" fontAlgn="base" latinLnBrk="0" hangingPunct="0">
+              <a:lnSpc>
+                <a:spcPct val="100000"/>
+              </a:lnSpc>
+              <a:spcBef>
+                <a:spcPct val="30000"/>
+              </a:spcBef>
+              <a:spcAft>
+                <a:spcPct val="0"/>
+              </a:spcAft>
+              <a:buClrTx/>
+              <a:buSzTx/>
+              <a:buFontTx/>
+              <a:buNone/>
+              <a:tabLst/>
+              <a:defRPr/>
+            </a:pPr>
+            <a:r>
+              <a:rPr lang="de-DE" dirty="0"/>
+              <a:t>Auch gab es das Bedürfnis ein Simulator für Experimente zu haben schon früher</a:t>
+            </a:r>
+          </a:p>
+          <a:p>
+            <a:pPr marL="457200" marR="0" lvl="1" indent="0" algn="l" defTabSz="914400" rtl="0" eaLnBrk="0" fontAlgn="base" latinLnBrk="0" hangingPunct="0">
+              <a:lnSpc>
+                <a:spcPct val="100000"/>
+              </a:lnSpc>
+              <a:spcBef>
+                <a:spcPct val="30000"/>
+              </a:spcBef>
+              <a:spcAft>
+                <a:spcPct val="0"/>
+              </a:spcAft>
+              <a:buClrTx/>
+              <a:buSzTx/>
+              <a:buFontTx/>
+              <a:buNone/>
+              <a:tabLst/>
+              <a:defRPr/>
+            </a:pPr>
+            <a:endParaRPr lang="de-DE" dirty="0"/>
+          </a:p>
+          <a:p>
+            <a:pPr marL="457200" marR="0" lvl="1" indent="0" algn="l" defTabSz="914400" rtl="0" eaLnBrk="0" fontAlgn="base" latinLnBrk="0" hangingPunct="0">
+              <a:lnSpc>
+                <a:spcPct val="100000"/>
+              </a:lnSpc>
+              <a:spcBef>
+                <a:spcPct val="30000"/>
+              </a:spcBef>
+              <a:spcAft>
+                <a:spcPct val="0"/>
+              </a:spcAft>
+              <a:buClrTx/>
+              <a:buSzTx/>
+              <a:buFontTx/>
+              <a:buNone/>
+              <a:tabLst/>
+              <a:defRPr/>
+            </a:pPr>
+            <a:r>
+              <a:rPr lang="de-DE" dirty="0"/>
+              <a:t>Falls Palladio nicht gut skaliert nutze </a:t>
+            </a:r>
+            <a:r>
+              <a:rPr lang="de-DE" dirty="0" err="1"/>
+              <a:t>SimGrid</a:t>
+            </a:r>
+            <a:endParaRPr lang="de-DE" dirty="0"/>
+          </a:p>
+          <a:p>
             <a:pPr lvl="1"/>
             <a:r>
-              <a:rPr lang="en-GB" dirty="0" err="1" smtClean="0"/>
-              <a:t>Componenten</a:t>
-            </a:r>
-            <a:r>
-              <a:rPr lang="en-GB" baseline="0" dirty="0" smtClean="0"/>
-              <a:t> </a:t>
-            </a:r>
-            <a:r>
-              <a:rPr lang="en-GB" baseline="0" dirty="0"/>
-              <a:t>Modell: </a:t>
-            </a:r>
-            <a:r>
-              <a:rPr lang="en-GB" baseline="0" dirty="0" err="1"/>
-              <a:t>Struktur</a:t>
-            </a:r>
-            <a:r>
-              <a:rPr lang="en-GB" baseline="0" dirty="0"/>
-              <a:t> und </a:t>
-            </a:r>
-            <a:r>
-              <a:rPr lang="en-GB" baseline="0" dirty="0" err="1"/>
-              <a:t>Verhalten</a:t>
-            </a:r>
-            <a:r>
-              <a:rPr lang="en-GB" baseline="0" dirty="0"/>
-              <a:t> von den Software </a:t>
-            </a:r>
-            <a:r>
-              <a:rPr lang="en-GB" baseline="0" dirty="0" err="1"/>
-              <a:t>Komponenten</a:t>
-            </a:r>
-            <a:endParaRPr lang="en-GB" baseline="0" dirty="0"/>
+              <a:rPr lang="de-DE" noProof="0" dirty="0"/>
+              <a:t>Model-</a:t>
+            </a:r>
+            <a:r>
+              <a:rPr lang="de-DE" noProof="0" dirty="0" err="1"/>
+              <a:t>to</a:t>
+            </a:r>
+            <a:r>
+              <a:rPr lang="de-DE" noProof="0" dirty="0"/>
+              <a:t>-text Transformation</a:t>
+            </a:r>
           </a:p>
           <a:p>
             <a:pPr lvl="1"/>
-            <a:r>
-              <a:rPr lang="en-GB" baseline="0" dirty="0"/>
-              <a:t>Assembly Modell: </a:t>
-            </a:r>
-            <a:r>
-              <a:rPr lang="en-GB" baseline="0" dirty="0" err="1"/>
-              <a:t>Wie</a:t>
-            </a:r>
-            <a:r>
-              <a:rPr lang="en-GB" baseline="0" dirty="0"/>
-              <a:t> </a:t>
-            </a:r>
-            <a:r>
-              <a:rPr lang="en-GB" baseline="0" dirty="0" err="1"/>
-              <a:t>Komponenten</a:t>
-            </a:r>
-            <a:r>
-              <a:rPr lang="en-GB" baseline="0" dirty="0"/>
-              <a:t> </a:t>
-            </a:r>
-            <a:r>
-              <a:rPr lang="en-GB" baseline="0" dirty="0" err="1"/>
-              <a:t>verbunden</a:t>
-            </a:r>
-            <a:r>
-              <a:rPr lang="en-GB" baseline="0" dirty="0"/>
-              <a:t> </a:t>
-            </a:r>
-            <a:r>
-              <a:rPr lang="en-GB" baseline="0" dirty="0" err="1"/>
-              <a:t>sind</a:t>
-            </a:r>
-            <a:r>
-              <a:rPr lang="en-GB" baseline="0" dirty="0"/>
-              <a:t> um die </a:t>
-            </a:r>
-            <a:r>
-              <a:rPr lang="en-GB" baseline="0" dirty="0" err="1"/>
-              <a:t>Architektur</a:t>
-            </a:r>
-            <a:r>
-              <a:rPr lang="en-GB" baseline="0" dirty="0"/>
-              <a:t> </a:t>
-            </a:r>
-            <a:r>
-              <a:rPr lang="en-GB" baseline="0" dirty="0" err="1"/>
-              <a:t>zu</a:t>
-            </a:r>
-            <a:r>
-              <a:rPr lang="en-GB" baseline="0" dirty="0"/>
-              <a:t> </a:t>
-            </a:r>
-            <a:r>
-              <a:rPr lang="en-GB" baseline="0" dirty="0" err="1"/>
-              <a:t>bilden</a:t>
-            </a:r>
-            <a:endParaRPr lang="en-GB" baseline="0" dirty="0"/>
+            <a:endParaRPr lang="de-DE" noProof="0" dirty="0"/>
           </a:p>
           <a:p>
             <a:pPr lvl="1"/>
             <a:r>
-              <a:rPr lang="en-GB" dirty="0"/>
-              <a:t>Allocation Modell: </a:t>
-            </a:r>
-            <a:r>
-              <a:rPr lang="en-GB" dirty="0" err="1"/>
-              <a:t>Wie</a:t>
-            </a:r>
-            <a:r>
-              <a:rPr lang="en-GB" baseline="0" dirty="0"/>
-              <a:t> die </a:t>
-            </a:r>
-            <a:r>
-              <a:rPr lang="en-GB" baseline="0" dirty="0" err="1"/>
-              <a:t>Komponenten</a:t>
-            </a:r>
-            <a:r>
-              <a:rPr lang="en-GB" baseline="0" dirty="0"/>
-              <a:t> auf die </a:t>
-            </a:r>
-            <a:r>
-              <a:rPr lang="en-GB" baseline="0" dirty="0" err="1"/>
-              <a:t>Ressourcen</a:t>
-            </a:r>
-            <a:r>
-              <a:rPr lang="en-GB" baseline="0" dirty="0"/>
-              <a:t> </a:t>
-            </a:r>
-            <a:r>
-              <a:rPr lang="en-GB" baseline="0" dirty="0" err="1"/>
-              <a:t>abgebildet</a:t>
-            </a:r>
-            <a:r>
-              <a:rPr lang="en-GB" baseline="0" dirty="0"/>
-              <a:t> und </a:t>
-            </a:r>
-            <a:r>
-              <a:rPr lang="en-GB" baseline="0" dirty="0" err="1"/>
-              <a:t>welche</a:t>
-            </a:r>
-            <a:r>
-              <a:rPr lang="en-GB" baseline="0" dirty="0"/>
-              <a:t> </a:t>
-            </a:r>
-            <a:r>
-              <a:rPr lang="en-GB" baseline="0" dirty="0" err="1"/>
-              <a:t>Ressourcen</a:t>
-            </a:r>
-            <a:endParaRPr lang="en-GB" baseline="0" dirty="0"/>
-          </a:p>
-          <a:p>
-            <a:pPr lvl="1"/>
-            <a:r>
-              <a:rPr lang="en-GB" baseline="0" dirty="0"/>
-              <a:t>Usage Model: </a:t>
-            </a:r>
-            <a:r>
-              <a:rPr lang="en-GB" baseline="0" dirty="0" err="1"/>
-              <a:t>Wie</a:t>
-            </a:r>
-            <a:r>
-              <a:rPr lang="en-GB" baseline="0" dirty="0"/>
-              <a:t> System </a:t>
-            </a:r>
-            <a:r>
-              <a:rPr lang="en-GB" baseline="0" dirty="0" err="1"/>
-              <a:t>benutzt</a:t>
-            </a:r>
-            <a:r>
-              <a:rPr lang="en-GB" baseline="0" dirty="0"/>
-              <a:t>, </a:t>
-            </a:r>
-            <a:r>
-              <a:rPr lang="en-GB" baseline="0" dirty="0" err="1"/>
-              <a:t>welcher</a:t>
-            </a:r>
-            <a:r>
-              <a:rPr lang="en-GB" baseline="0" dirty="0"/>
-              <a:t> workload</a:t>
-            </a:r>
-            <a:endParaRPr lang="en-GB" dirty="0"/>
+              <a:rPr lang="de-DE" dirty="0"/>
+              <a:t>Kein Hinweis auf ähnlich große Grid oder Cloud Simulation gefunden</a:t>
+            </a:r>
+            <a:endParaRPr lang="de-DE" noProof="0" dirty="0"/>
           </a:p>
         </p:txBody>
       </p:sp>
@@ -2295,7 +2858,7 @@
     </p:spTree>
     <p:extLst>
       <p:ext uri="{BB962C8B-B14F-4D97-AF65-F5344CB8AC3E}">
-        <p14:creationId xmlns:p14="http://schemas.microsoft.com/office/powerpoint/2010/main" val="2974492368"/>
+        <p14:creationId xmlns:p14="http://schemas.microsoft.com/office/powerpoint/2010/main" val="677544418"/>
       </p:ext>
     </p:extLst>
   </p:cSld>
@@ -2354,6 +2917,31 @@
           <a:lstStyle/>
           <a:p>
             <a:pPr lvl="1"/>
+            <a:r>
+              <a:rPr lang="de-DE" dirty="0"/>
+              <a:t>170 Rechenzentren</a:t>
+            </a:r>
+          </a:p>
+          <a:p>
+            <a:pPr lvl="1"/>
+            <a:r>
+              <a:rPr lang="de-DE" dirty="0"/>
+              <a:t>42 Länder </a:t>
+            </a:r>
+          </a:p>
+          <a:p>
+            <a:pPr lvl="1"/>
+            <a:r>
+              <a:rPr lang="de-DE" dirty="0"/>
+              <a:t>72.000 CPUs</a:t>
+            </a:r>
+          </a:p>
+          <a:p>
+            <a:pPr lvl="1"/>
+            <a:r>
+              <a:rPr lang="de-DE" dirty="0"/>
+              <a:t>Führt täglich 2 Millionen aus</a:t>
+            </a:r>
             <a:endParaRPr lang="en-GB" dirty="0"/>
           </a:p>
         </p:txBody>
@@ -2396,7 +2984,108 @@
     </p:spTree>
     <p:extLst>
       <p:ext uri="{BB962C8B-B14F-4D97-AF65-F5344CB8AC3E}">
-        <p14:creationId xmlns:p14="http://schemas.microsoft.com/office/powerpoint/2010/main" val="1824749875"/>
+        <p14:creationId xmlns:p14="http://schemas.microsoft.com/office/powerpoint/2010/main" val="541056630"/>
+      </p:ext>
+    </p:extLst>
+  </p:cSld>
+  <p:clrMapOvr>
+    <a:masterClrMapping/>
+  </p:clrMapOvr>
+</p:notes>
+</file>
+
+<file path=ppt/notesSlides/notesSlide19.xml><?xml version="1.0" encoding="utf-8"?>
+<p:notes xmlns:a="http://schemas.openxmlformats.org/drawingml/2006/main" xmlns:r="http://schemas.openxmlformats.org/officeDocument/2006/relationships" xmlns:p="http://schemas.openxmlformats.org/presentationml/2006/main">
+  <p:cSld>
+    <p:spTree>
+      <p:nvGrpSpPr>
+        <p:cNvPr id="1" name=""/>
+        <p:cNvGrpSpPr/>
+        <p:nvPr/>
+      </p:nvGrpSpPr>
+      <p:grpSpPr>
+        <a:xfrm>
+          <a:off x="0" y="0"/>
+          <a:ext cx="0" cy="0"/>
+          <a:chOff x="0" y="0"/>
+          <a:chExt cx="0" cy="0"/>
+        </a:xfrm>
+      </p:grpSpPr>
+      <p:sp>
+        <p:nvSpPr>
+          <p:cNvPr id="18433" name="Folienbildplatzhalter 1"/>
+          <p:cNvSpPr>
+            <a:spLocks noGrp="1" noRot="1" noChangeAspect="1"/>
+          </p:cNvSpPr>
+          <p:nvPr>
+            <p:ph type="sldImg"/>
+          </p:nvPr>
+        </p:nvSpPr>
+        <p:spPr>
+          <a:ln/>
+        </p:spPr>
+      </p:sp>
+      <p:sp>
+        <p:nvSpPr>
+          <p:cNvPr id="18434" name="Notizenplatzhalter 2"/>
+          <p:cNvSpPr>
+            <a:spLocks noGrp="1"/>
+          </p:cNvSpPr>
+          <p:nvPr>
+            <p:ph type="body" idx="1"/>
+          </p:nvPr>
+        </p:nvSpPr>
+        <p:spPr>
+          <a:noFill/>
+        </p:spPr>
+        <p:txBody>
+          <a:bodyPr/>
+          <a:lstStyle/>
+          <a:p>
+            <a:pPr lvl="1"/>
+            <a:endParaRPr lang="en-GB" dirty="0"/>
+          </a:p>
+        </p:txBody>
+      </p:sp>
+      <p:sp>
+        <p:nvSpPr>
+          <p:cNvPr id="18435" name="Foliennummernplatzhalter 3"/>
+          <p:cNvSpPr>
+            <a:spLocks noGrp="1"/>
+          </p:cNvSpPr>
+          <p:nvPr>
+            <p:ph type="sldNum" sz="quarter" idx="5"/>
+          </p:nvPr>
+        </p:nvSpPr>
+        <p:spPr>
+          <a:noFill/>
+          <a:ln>
+            <a:miter lim="800000"/>
+            <a:headEnd/>
+            <a:tailEnd/>
+          </a:ln>
+        </p:spPr>
+        <p:txBody>
+          <a:bodyPr/>
+          <a:lstStyle/>
+          <a:p>
+            <a:fld id="{D068F00D-1DBB-4EA3-9C27-90DB30B34AF1}" type="slidenum">
+              <a:rPr lang="en-GB" smtClean="0">
+                <a:cs typeface="Arial" charset="0"/>
+              </a:rPr>
+              <a:pPr/>
+              <a:t>20</a:t>
+            </a:fld>
+            <a:endParaRPr lang="en-GB">
+              <a:cs typeface="Arial" charset="0"/>
+            </a:endParaRPr>
+          </a:p>
+        </p:txBody>
+      </p:sp>
+    </p:spTree>
+    <p:extLst>
+      <p:ext uri="{BB962C8B-B14F-4D97-AF65-F5344CB8AC3E}">
+        <p14:creationId xmlns:p14="http://schemas.microsoft.com/office/powerpoint/2010/main" val="212508573"/>
       </p:ext>
     </p:extLst>
   </p:cSld>
@@ -2527,15 +3216,7 @@
             </a:r>
             <a:r>
               <a:rPr lang="de-DE" baseline="0" noProof="0" dirty="0"/>
-              <a:t> Arbeit CMS Computing </a:t>
-            </a:r>
-            <a:r>
-              <a:rPr lang="de-DE" baseline="0" noProof="0" dirty="0" smtClean="0"/>
-              <a:t>Modell, </a:t>
-            </a:r>
-            <a:r>
-              <a:rPr lang="de-DE" baseline="0" noProof="0" dirty="0"/>
-              <a:t>da Zusammenarbeit mit Prof. Quast und die betreuen CMS, aber übertragbar</a:t>
+              <a:t> Arbeit CMS Computing Modell, da Zusammenarbeit mit Prof. Quast und die betreuen CMS, aber übertragbar</a:t>
             </a:r>
             <a:endParaRPr lang="de-DE" noProof="0" dirty="0"/>
           </a:p>
@@ -2580,6 +3261,582 @@
     <p:extLst>
       <p:ext uri="{BB962C8B-B14F-4D97-AF65-F5344CB8AC3E}">
         <p14:creationId xmlns:p14="http://schemas.microsoft.com/office/powerpoint/2010/main" val="169600449"/>
+      </p:ext>
+    </p:extLst>
+  </p:cSld>
+  <p:clrMapOvr>
+    <a:masterClrMapping/>
+  </p:clrMapOvr>
+</p:notes>
+</file>
+
+<file path=ppt/notesSlides/notesSlide20.xml><?xml version="1.0" encoding="utf-8"?>
+<p:notes xmlns:a="http://schemas.openxmlformats.org/drawingml/2006/main" xmlns:r="http://schemas.openxmlformats.org/officeDocument/2006/relationships" xmlns:p="http://schemas.openxmlformats.org/presentationml/2006/main">
+  <p:cSld>
+    <p:spTree>
+      <p:nvGrpSpPr>
+        <p:cNvPr id="1" name=""/>
+        <p:cNvGrpSpPr/>
+        <p:nvPr/>
+      </p:nvGrpSpPr>
+      <p:grpSpPr>
+        <a:xfrm>
+          <a:off x="0" y="0"/>
+          <a:ext cx="0" cy="0"/>
+          <a:chOff x="0" y="0"/>
+          <a:chExt cx="0" cy="0"/>
+        </a:xfrm>
+      </p:grpSpPr>
+      <p:sp>
+        <p:nvSpPr>
+          <p:cNvPr id="18433" name="Folienbildplatzhalter 1"/>
+          <p:cNvSpPr>
+            <a:spLocks noGrp="1" noRot="1" noChangeAspect="1"/>
+          </p:cNvSpPr>
+          <p:nvPr>
+            <p:ph type="sldImg"/>
+          </p:nvPr>
+        </p:nvSpPr>
+        <p:spPr>
+          <a:ln/>
+        </p:spPr>
+      </p:sp>
+      <p:sp>
+        <p:nvSpPr>
+          <p:cNvPr id="18434" name="Notizenplatzhalter 2"/>
+          <p:cNvSpPr>
+            <a:spLocks noGrp="1"/>
+          </p:cNvSpPr>
+          <p:nvPr>
+            <p:ph type="body" idx="1"/>
+          </p:nvPr>
+        </p:nvSpPr>
+        <p:spPr>
+          <a:noFill/>
+        </p:spPr>
+        <p:txBody>
+          <a:bodyPr/>
+          <a:lstStyle/>
+          <a:p>
+            <a:pPr lvl="1"/>
+            <a:endParaRPr lang="en-GB" dirty="0"/>
+          </a:p>
+        </p:txBody>
+      </p:sp>
+      <p:sp>
+        <p:nvSpPr>
+          <p:cNvPr id="18435" name="Foliennummernplatzhalter 3"/>
+          <p:cNvSpPr>
+            <a:spLocks noGrp="1"/>
+          </p:cNvSpPr>
+          <p:nvPr>
+            <p:ph type="sldNum" sz="quarter" idx="5"/>
+          </p:nvPr>
+        </p:nvSpPr>
+        <p:spPr>
+          <a:noFill/>
+          <a:ln>
+            <a:miter lim="800000"/>
+            <a:headEnd/>
+            <a:tailEnd/>
+          </a:ln>
+        </p:spPr>
+        <p:txBody>
+          <a:bodyPr/>
+          <a:lstStyle/>
+          <a:p>
+            <a:fld id="{D068F00D-1DBB-4EA3-9C27-90DB30B34AF1}" type="slidenum">
+              <a:rPr lang="en-GB" smtClean="0">
+                <a:cs typeface="Arial" charset="0"/>
+              </a:rPr>
+              <a:pPr/>
+              <a:t>21</a:t>
+            </a:fld>
+            <a:endParaRPr lang="en-GB">
+              <a:cs typeface="Arial" charset="0"/>
+            </a:endParaRPr>
+          </a:p>
+        </p:txBody>
+      </p:sp>
+    </p:spTree>
+    <p:extLst>
+      <p:ext uri="{BB962C8B-B14F-4D97-AF65-F5344CB8AC3E}">
+        <p14:creationId xmlns:p14="http://schemas.microsoft.com/office/powerpoint/2010/main" val="4244901239"/>
+      </p:ext>
+    </p:extLst>
+  </p:cSld>
+  <p:clrMapOvr>
+    <a:masterClrMapping/>
+  </p:clrMapOvr>
+</p:notes>
+</file>
+
+<file path=ppt/notesSlides/notesSlide21.xml><?xml version="1.0" encoding="utf-8"?>
+<p:notes xmlns:a="http://schemas.openxmlformats.org/drawingml/2006/main" xmlns:r="http://schemas.openxmlformats.org/officeDocument/2006/relationships" xmlns:p="http://schemas.openxmlformats.org/presentationml/2006/main">
+  <p:cSld>
+    <p:spTree>
+      <p:nvGrpSpPr>
+        <p:cNvPr id="1" name=""/>
+        <p:cNvGrpSpPr/>
+        <p:nvPr/>
+      </p:nvGrpSpPr>
+      <p:grpSpPr>
+        <a:xfrm>
+          <a:off x="0" y="0"/>
+          <a:ext cx="0" cy="0"/>
+          <a:chOff x="0" y="0"/>
+          <a:chExt cx="0" cy="0"/>
+        </a:xfrm>
+      </p:grpSpPr>
+      <p:sp>
+        <p:nvSpPr>
+          <p:cNvPr id="18433" name="Folienbildplatzhalter 1"/>
+          <p:cNvSpPr>
+            <a:spLocks noGrp="1" noRot="1" noChangeAspect="1"/>
+          </p:cNvSpPr>
+          <p:nvPr>
+            <p:ph type="sldImg"/>
+          </p:nvPr>
+        </p:nvSpPr>
+        <p:spPr>
+          <a:ln/>
+        </p:spPr>
+      </p:sp>
+      <p:sp>
+        <p:nvSpPr>
+          <p:cNvPr id="18434" name="Notizenplatzhalter 2"/>
+          <p:cNvSpPr>
+            <a:spLocks noGrp="1"/>
+          </p:cNvSpPr>
+          <p:nvPr>
+            <p:ph type="body" idx="1"/>
+          </p:nvPr>
+        </p:nvSpPr>
+        <p:spPr>
+          <a:noFill/>
+        </p:spPr>
+        <p:txBody>
+          <a:bodyPr/>
+          <a:lstStyle/>
+          <a:p>
+            <a:pPr lvl="1"/>
+            <a:endParaRPr lang="en-GB" dirty="0"/>
+          </a:p>
+        </p:txBody>
+      </p:sp>
+      <p:sp>
+        <p:nvSpPr>
+          <p:cNvPr id="18435" name="Foliennummernplatzhalter 3"/>
+          <p:cNvSpPr>
+            <a:spLocks noGrp="1"/>
+          </p:cNvSpPr>
+          <p:nvPr>
+            <p:ph type="sldNum" sz="quarter" idx="5"/>
+          </p:nvPr>
+        </p:nvSpPr>
+        <p:spPr>
+          <a:noFill/>
+          <a:ln>
+            <a:miter lim="800000"/>
+            <a:headEnd/>
+            <a:tailEnd/>
+          </a:ln>
+        </p:spPr>
+        <p:txBody>
+          <a:bodyPr/>
+          <a:lstStyle/>
+          <a:p>
+            <a:fld id="{D068F00D-1DBB-4EA3-9C27-90DB30B34AF1}" type="slidenum">
+              <a:rPr lang="en-GB" smtClean="0">
+                <a:cs typeface="Arial" charset="0"/>
+              </a:rPr>
+              <a:pPr/>
+              <a:t>22</a:t>
+            </a:fld>
+            <a:endParaRPr lang="en-GB">
+              <a:cs typeface="Arial" charset="0"/>
+            </a:endParaRPr>
+          </a:p>
+        </p:txBody>
+      </p:sp>
+    </p:spTree>
+    <p:extLst>
+      <p:ext uri="{BB962C8B-B14F-4D97-AF65-F5344CB8AC3E}">
+        <p14:creationId xmlns:p14="http://schemas.microsoft.com/office/powerpoint/2010/main" val="3698014133"/>
+      </p:ext>
+    </p:extLst>
+  </p:cSld>
+  <p:clrMapOvr>
+    <a:masterClrMapping/>
+  </p:clrMapOvr>
+</p:notes>
+</file>
+
+<file path=ppt/notesSlides/notesSlide22.xml><?xml version="1.0" encoding="utf-8"?>
+<p:notes xmlns:a="http://schemas.openxmlformats.org/drawingml/2006/main" xmlns:r="http://schemas.openxmlformats.org/officeDocument/2006/relationships" xmlns:p="http://schemas.openxmlformats.org/presentationml/2006/main">
+  <p:cSld>
+    <p:spTree>
+      <p:nvGrpSpPr>
+        <p:cNvPr id="1" name=""/>
+        <p:cNvGrpSpPr/>
+        <p:nvPr/>
+      </p:nvGrpSpPr>
+      <p:grpSpPr>
+        <a:xfrm>
+          <a:off x="0" y="0"/>
+          <a:ext cx="0" cy="0"/>
+          <a:chOff x="0" y="0"/>
+          <a:chExt cx="0" cy="0"/>
+        </a:xfrm>
+      </p:grpSpPr>
+      <p:sp>
+        <p:nvSpPr>
+          <p:cNvPr id="18433" name="Folienbildplatzhalter 1"/>
+          <p:cNvSpPr>
+            <a:spLocks noGrp="1" noRot="1" noChangeAspect="1"/>
+          </p:cNvSpPr>
+          <p:nvPr>
+            <p:ph type="sldImg"/>
+          </p:nvPr>
+        </p:nvSpPr>
+        <p:spPr>
+          <a:ln/>
+        </p:spPr>
+      </p:sp>
+      <p:sp>
+        <p:nvSpPr>
+          <p:cNvPr id="18434" name="Notizenplatzhalter 2"/>
+          <p:cNvSpPr>
+            <a:spLocks noGrp="1"/>
+          </p:cNvSpPr>
+          <p:nvPr>
+            <p:ph type="body" idx="1"/>
+          </p:nvPr>
+        </p:nvSpPr>
+        <p:spPr>
+          <a:noFill/>
+        </p:spPr>
+        <p:txBody>
+          <a:bodyPr/>
+          <a:lstStyle/>
+          <a:p>
+            <a:pPr lvl="1"/>
+            <a:endParaRPr lang="en-GB" dirty="0"/>
+          </a:p>
+        </p:txBody>
+      </p:sp>
+      <p:sp>
+        <p:nvSpPr>
+          <p:cNvPr id="18435" name="Foliennummernplatzhalter 3"/>
+          <p:cNvSpPr>
+            <a:spLocks noGrp="1"/>
+          </p:cNvSpPr>
+          <p:nvPr>
+            <p:ph type="sldNum" sz="quarter" idx="5"/>
+          </p:nvPr>
+        </p:nvSpPr>
+        <p:spPr>
+          <a:noFill/>
+          <a:ln>
+            <a:miter lim="800000"/>
+            <a:headEnd/>
+            <a:tailEnd/>
+          </a:ln>
+        </p:spPr>
+        <p:txBody>
+          <a:bodyPr/>
+          <a:lstStyle/>
+          <a:p>
+            <a:fld id="{D068F00D-1DBB-4EA3-9C27-90DB30B34AF1}" type="slidenum">
+              <a:rPr lang="en-GB" smtClean="0">
+                <a:cs typeface="Arial" charset="0"/>
+              </a:rPr>
+              <a:pPr/>
+              <a:t>23</a:t>
+            </a:fld>
+            <a:endParaRPr lang="en-GB">
+              <a:cs typeface="Arial" charset="0"/>
+            </a:endParaRPr>
+          </a:p>
+        </p:txBody>
+      </p:sp>
+    </p:spTree>
+    <p:extLst>
+      <p:ext uri="{BB962C8B-B14F-4D97-AF65-F5344CB8AC3E}">
+        <p14:creationId xmlns:p14="http://schemas.microsoft.com/office/powerpoint/2010/main" val="2200662428"/>
+      </p:ext>
+    </p:extLst>
+  </p:cSld>
+  <p:clrMapOvr>
+    <a:masterClrMapping/>
+  </p:clrMapOvr>
+</p:notes>
+</file>
+
+<file path=ppt/notesSlides/notesSlide23.xml><?xml version="1.0" encoding="utf-8"?>
+<p:notes xmlns:a="http://schemas.openxmlformats.org/drawingml/2006/main" xmlns:r="http://schemas.openxmlformats.org/officeDocument/2006/relationships" xmlns:p="http://schemas.openxmlformats.org/presentationml/2006/main">
+  <p:cSld>
+    <p:spTree>
+      <p:nvGrpSpPr>
+        <p:cNvPr id="1" name=""/>
+        <p:cNvGrpSpPr/>
+        <p:nvPr/>
+      </p:nvGrpSpPr>
+      <p:grpSpPr>
+        <a:xfrm>
+          <a:off x="0" y="0"/>
+          <a:ext cx="0" cy="0"/>
+          <a:chOff x="0" y="0"/>
+          <a:chExt cx="0" cy="0"/>
+        </a:xfrm>
+      </p:grpSpPr>
+      <p:sp>
+        <p:nvSpPr>
+          <p:cNvPr id="18433" name="Folienbildplatzhalter 1"/>
+          <p:cNvSpPr>
+            <a:spLocks noGrp="1" noRot="1" noChangeAspect="1"/>
+          </p:cNvSpPr>
+          <p:nvPr>
+            <p:ph type="sldImg"/>
+          </p:nvPr>
+        </p:nvSpPr>
+        <p:spPr>
+          <a:ln/>
+        </p:spPr>
+      </p:sp>
+      <p:sp>
+        <p:nvSpPr>
+          <p:cNvPr id="18434" name="Notizenplatzhalter 2"/>
+          <p:cNvSpPr>
+            <a:spLocks noGrp="1"/>
+          </p:cNvSpPr>
+          <p:nvPr>
+            <p:ph type="body" idx="1"/>
+          </p:nvPr>
+        </p:nvSpPr>
+        <p:spPr>
+          <a:noFill/>
+        </p:spPr>
+        <p:txBody>
+          <a:bodyPr/>
+          <a:lstStyle/>
+          <a:p>
+            <a:pPr lvl="1"/>
+            <a:r>
+              <a:rPr lang="en-GB" dirty="0" err="1"/>
+              <a:t>Componenten</a:t>
+            </a:r>
+            <a:r>
+              <a:rPr lang="en-GB" baseline="0" dirty="0"/>
+              <a:t> Modell: </a:t>
+            </a:r>
+            <a:r>
+              <a:rPr lang="en-GB" baseline="0" dirty="0" err="1"/>
+              <a:t>Struktur</a:t>
+            </a:r>
+            <a:r>
+              <a:rPr lang="en-GB" baseline="0" dirty="0"/>
+              <a:t> und </a:t>
+            </a:r>
+            <a:r>
+              <a:rPr lang="en-GB" baseline="0" dirty="0" err="1"/>
+              <a:t>Verhalten</a:t>
+            </a:r>
+            <a:r>
+              <a:rPr lang="en-GB" baseline="0" dirty="0"/>
+              <a:t> von den Software </a:t>
+            </a:r>
+            <a:r>
+              <a:rPr lang="en-GB" baseline="0" dirty="0" err="1"/>
+              <a:t>Komponenten</a:t>
+            </a:r>
+            <a:endParaRPr lang="en-GB" baseline="0" dirty="0"/>
+          </a:p>
+          <a:p>
+            <a:pPr lvl="1"/>
+            <a:r>
+              <a:rPr lang="en-GB" baseline="0" dirty="0"/>
+              <a:t>Assembly Modell: </a:t>
+            </a:r>
+            <a:r>
+              <a:rPr lang="en-GB" baseline="0" dirty="0" err="1"/>
+              <a:t>Wie</a:t>
+            </a:r>
+            <a:r>
+              <a:rPr lang="en-GB" baseline="0" dirty="0"/>
+              <a:t> </a:t>
+            </a:r>
+            <a:r>
+              <a:rPr lang="en-GB" baseline="0" dirty="0" err="1"/>
+              <a:t>Komponenten</a:t>
+            </a:r>
+            <a:r>
+              <a:rPr lang="en-GB" baseline="0" dirty="0"/>
+              <a:t> </a:t>
+            </a:r>
+            <a:r>
+              <a:rPr lang="en-GB" baseline="0" dirty="0" err="1"/>
+              <a:t>verbunden</a:t>
+            </a:r>
+            <a:r>
+              <a:rPr lang="en-GB" baseline="0" dirty="0"/>
+              <a:t> </a:t>
+            </a:r>
+            <a:r>
+              <a:rPr lang="en-GB" baseline="0" dirty="0" err="1"/>
+              <a:t>sind</a:t>
+            </a:r>
+            <a:r>
+              <a:rPr lang="en-GB" baseline="0" dirty="0"/>
+              <a:t> um die </a:t>
+            </a:r>
+            <a:r>
+              <a:rPr lang="en-GB" baseline="0" dirty="0" err="1"/>
+              <a:t>Architektur</a:t>
+            </a:r>
+            <a:r>
+              <a:rPr lang="en-GB" baseline="0" dirty="0"/>
+              <a:t> </a:t>
+            </a:r>
+            <a:r>
+              <a:rPr lang="en-GB" baseline="0" dirty="0" err="1"/>
+              <a:t>zu</a:t>
+            </a:r>
+            <a:r>
+              <a:rPr lang="en-GB" baseline="0" dirty="0"/>
+              <a:t> </a:t>
+            </a:r>
+            <a:r>
+              <a:rPr lang="en-GB" baseline="0" dirty="0" err="1"/>
+              <a:t>bilden</a:t>
+            </a:r>
+            <a:endParaRPr lang="en-GB" baseline="0" dirty="0"/>
+          </a:p>
+          <a:p>
+            <a:pPr lvl="1"/>
+            <a:r>
+              <a:rPr lang="en-GB" dirty="0"/>
+              <a:t>Allocation Modell: </a:t>
+            </a:r>
+            <a:r>
+              <a:rPr lang="en-GB" dirty="0" err="1"/>
+              <a:t>Wie</a:t>
+            </a:r>
+            <a:r>
+              <a:rPr lang="en-GB" baseline="0" dirty="0"/>
+              <a:t> die </a:t>
+            </a:r>
+            <a:r>
+              <a:rPr lang="en-GB" baseline="0" dirty="0" err="1"/>
+              <a:t>Komponenten</a:t>
+            </a:r>
+            <a:r>
+              <a:rPr lang="en-GB" baseline="0" dirty="0"/>
+              <a:t> auf die </a:t>
+            </a:r>
+            <a:r>
+              <a:rPr lang="en-GB" baseline="0" dirty="0" err="1"/>
+              <a:t>Ressourcen</a:t>
+            </a:r>
+            <a:r>
+              <a:rPr lang="en-GB" baseline="0" dirty="0"/>
+              <a:t> </a:t>
+            </a:r>
+            <a:r>
+              <a:rPr lang="en-GB" baseline="0" dirty="0" err="1"/>
+              <a:t>abgebildet</a:t>
+            </a:r>
+            <a:r>
+              <a:rPr lang="en-GB" baseline="0" dirty="0"/>
+              <a:t> und </a:t>
+            </a:r>
+            <a:r>
+              <a:rPr lang="en-GB" baseline="0" dirty="0" err="1"/>
+              <a:t>welche</a:t>
+            </a:r>
+            <a:r>
+              <a:rPr lang="en-GB" baseline="0" dirty="0"/>
+              <a:t> </a:t>
+            </a:r>
+            <a:r>
+              <a:rPr lang="en-GB" baseline="0" dirty="0" err="1"/>
+              <a:t>Ressourcen</a:t>
+            </a:r>
+            <a:endParaRPr lang="en-GB" baseline="0" dirty="0"/>
+          </a:p>
+          <a:p>
+            <a:pPr lvl="1"/>
+            <a:r>
+              <a:rPr lang="en-GB" baseline="0" dirty="0"/>
+              <a:t>Usage Model: </a:t>
+            </a:r>
+            <a:r>
+              <a:rPr lang="en-GB" baseline="0" dirty="0" err="1"/>
+              <a:t>Wie</a:t>
+            </a:r>
+            <a:r>
+              <a:rPr lang="en-GB" baseline="0" dirty="0"/>
+              <a:t> System </a:t>
+            </a:r>
+            <a:r>
+              <a:rPr lang="en-GB" baseline="0" dirty="0" err="1"/>
+              <a:t>benutzt</a:t>
+            </a:r>
+            <a:r>
+              <a:rPr lang="en-GB" baseline="0" dirty="0"/>
+              <a:t>, </a:t>
+            </a:r>
+            <a:r>
+              <a:rPr lang="en-GB" baseline="0" dirty="0" err="1"/>
+              <a:t>welcher</a:t>
+            </a:r>
+            <a:r>
+              <a:rPr lang="en-GB" baseline="0" dirty="0"/>
+              <a:t> workload</a:t>
+            </a:r>
+            <a:endParaRPr lang="en-GB" dirty="0"/>
+          </a:p>
+        </p:txBody>
+      </p:sp>
+      <p:sp>
+        <p:nvSpPr>
+          <p:cNvPr id="18435" name="Foliennummernplatzhalter 3"/>
+          <p:cNvSpPr>
+            <a:spLocks noGrp="1"/>
+          </p:cNvSpPr>
+          <p:nvPr>
+            <p:ph type="sldNum" sz="quarter" idx="5"/>
+          </p:nvPr>
+        </p:nvSpPr>
+        <p:spPr>
+          <a:noFill/>
+          <a:ln>
+            <a:miter lim="800000"/>
+            <a:headEnd/>
+            <a:tailEnd/>
+          </a:ln>
+        </p:spPr>
+        <p:txBody>
+          <a:bodyPr/>
+          <a:lstStyle/>
+          <a:p>
+            <a:fld id="{D068F00D-1DBB-4EA3-9C27-90DB30B34AF1}" type="slidenum">
+              <a:rPr lang="en-GB" smtClean="0">
+                <a:cs typeface="Arial" charset="0"/>
+              </a:rPr>
+              <a:pPr/>
+              <a:t>24</a:t>
+            </a:fld>
+            <a:endParaRPr lang="en-GB">
+              <a:cs typeface="Arial" charset="0"/>
+            </a:endParaRPr>
+          </a:p>
+        </p:txBody>
+      </p:sp>
+    </p:spTree>
+    <p:extLst>
+      <p:ext uri="{BB962C8B-B14F-4D97-AF65-F5344CB8AC3E}">
+        <p14:creationId xmlns:p14="http://schemas.microsoft.com/office/powerpoint/2010/main" val="2974492368"/>
       </p:ext>
     </p:extLst>
   </p:cSld>
@@ -2684,6 +3941,17 @@
             <a:r>
               <a:rPr lang="de-DE" baseline="0" noProof="0" dirty="0"/>
               <a:t> kann man nicht berücksichtigen</a:t>
+            </a:r>
+          </a:p>
+          <a:p>
+            <a:pPr lvl="1"/>
+            <a:endParaRPr lang="de-DE" baseline="0" noProof="0" dirty="0"/>
+          </a:p>
+          <a:p>
+            <a:pPr lvl="1"/>
+            <a:r>
+              <a:rPr lang="de-DE" baseline="0" noProof="0" dirty="0"/>
+              <a:t>10fache</a:t>
             </a:r>
             <a:endParaRPr lang="de-DE" noProof="0" dirty="0"/>
           </a:p>
@@ -6699,7 +7967,7 @@
               <a:pPr>
                 <a:defRPr/>
               </a:pPr>
-              <a:t>11.12.2017</a:t>
+              <a:t>12.12.2017</a:t>
             </a:fld>
             <a:endParaRPr lang="de-DE" sz="1000" dirty="0">
               <a:latin typeface="Arial" pitchFamily="34" charset="0"/>
@@ -7362,13 +8630,6 @@
   <p:clrMapOvr>
     <a:masterClrMapping/>
   </p:clrMapOvr>
-  <p:timing>
-    <p:tnLst>
-      <p:par>
-        <p:cTn id="1" dur="indefinite" restart="never" nodeType="tmRoot"/>
-      </p:par>
-    </p:tnLst>
-  </p:timing>
 </p:sld>
 </file>
 
@@ -7583,7 +8844,7 @@
           <p:cNvPr id="19" name="Gruppieren 21">
             <a:extLst>
               <a:ext uri="{FF2B5EF4-FFF2-40B4-BE49-F238E27FC236}">
-                <a16:creationId xmlns:a16="http://schemas.microsoft.com/office/drawing/2014/main" xmlns="" id="{BCC0948F-C1E3-4907-854B-A0721D1FDACC}"/>
+                <a16:creationId xmlns="" xmlns:a16="http://schemas.microsoft.com/office/drawing/2014/main" id="{BCC0948F-C1E3-4907-854B-A0721D1FDACC}"/>
               </a:ext>
             </a:extLst>
           </p:cNvPr>
@@ -7603,7 +8864,7 @@
             <p:cNvPr id="20" name="Textfeld 13">
               <a:extLst>
                 <a:ext uri="{FF2B5EF4-FFF2-40B4-BE49-F238E27FC236}">
-                  <a16:creationId xmlns:a16="http://schemas.microsoft.com/office/drawing/2014/main" xmlns="" id="{425AEF1D-6595-4E36-A5D4-5F32C0012763}"/>
+                  <a16:creationId xmlns="" xmlns:a16="http://schemas.microsoft.com/office/drawing/2014/main" id="{425AEF1D-6595-4E36-A5D4-5F32C0012763}"/>
                 </a:ext>
               </a:extLst>
             </p:cNvPr>
@@ -7655,7 +8916,7 @@
             <p:cNvPr id="21" name="Textfeld 20">
               <a:extLst>
                 <a:ext uri="{FF2B5EF4-FFF2-40B4-BE49-F238E27FC236}">
-                  <a16:creationId xmlns:a16="http://schemas.microsoft.com/office/drawing/2014/main" xmlns="" id="{82ABF473-AD17-4ED8-AB87-CC275185AE43}"/>
+                  <a16:creationId xmlns="" xmlns:a16="http://schemas.microsoft.com/office/drawing/2014/main" id="{82ABF473-AD17-4ED8-AB87-CC275185AE43}"/>
                 </a:ext>
               </a:extLst>
             </p:cNvPr>
@@ -7707,7 +8968,7 @@
             <p:cNvPr id="22" name="Textfeld 21">
               <a:extLst>
                 <a:ext uri="{FF2B5EF4-FFF2-40B4-BE49-F238E27FC236}">
-                  <a16:creationId xmlns:a16="http://schemas.microsoft.com/office/drawing/2014/main" xmlns="" id="{3841D7B1-EF8D-476C-85AC-C17E649EE1A9}"/>
+                  <a16:creationId xmlns="" xmlns:a16="http://schemas.microsoft.com/office/drawing/2014/main" id="{3841D7B1-EF8D-476C-85AC-C17E649EE1A9}"/>
                 </a:ext>
               </a:extLst>
             </p:cNvPr>
@@ -7748,10 +9009,9 @@
             <a:lstStyle/>
             <a:p>
               <a:r>
-                <a:rPr lang="de-DE" sz="1200" dirty="0" smtClean="0"/>
+                <a:rPr lang="de-DE" sz="1200" dirty="0"/>
                 <a:t>Fazit</a:t>
               </a:r>
-              <a:endParaRPr lang="de-DE" sz="1200" dirty="0"/>
             </a:p>
           </p:txBody>
         </p:sp>
@@ -7760,7 +9020,7 @@
             <p:cNvPr id="23" name="Textfeld 22">
               <a:extLst>
                 <a:ext uri="{FF2B5EF4-FFF2-40B4-BE49-F238E27FC236}">
-                  <a16:creationId xmlns:a16="http://schemas.microsoft.com/office/drawing/2014/main" xmlns="" id="{0DF05AE7-97F5-4E02-9206-C6B40B968DFA}"/>
+                  <a16:creationId xmlns="" xmlns:a16="http://schemas.microsoft.com/office/drawing/2014/main" id="{0DF05AE7-97F5-4E02-9206-C6B40B968DFA}"/>
                 </a:ext>
               </a:extLst>
             </p:cNvPr>
@@ -7812,7 +9072,7 @@
             <p:cNvPr id="24" name="Eingekerbter Richtungspfeil 23">
               <a:extLst>
                 <a:ext uri="{FF2B5EF4-FFF2-40B4-BE49-F238E27FC236}">
-                  <a16:creationId xmlns:a16="http://schemas.microsoft.com/office/drawing/2014/main" xmlns="" id="{C358C398-D0F2-4ECA-8BF9-29E733DFE60D}"/>
+                  <a16:creationId xmlns="" xmlns:a16="http://schemas.microsoft.com/office/drawing/2014/main" id="{C358C398-D0F2-4ECA-8BF9-29E733DFE60D}"/>
                 </a:ext>
               </a:extLst>
             </p:cNvPr>
@@ -7860,7 +9120,7 @@
             <p:cNvPr id="25" name="Eingekerbter Richtungspfeil 24">
               <a:extLst>
                 <a:ext uri="{FF2B5EF4-FFF2-40B4-BE49-F238E27FC236}">
-                  <a16:creationId xmlns:a16="http://schemas.microsoft.com/office/drawing/2014/main" xmlns="" id="{3FEDA7B1-0BEF-47B2-90E9-8E698F727222}"/>
+                  <a16:creationId xmlns="" xmlns:a16="http://schemas.microsoft.com/office/drawing/2014/main" id="{3FEDA7B1-0BEF-47B2-90E9-8E698F727222}"/>
                 </a:ext>
               </a:extLst>
             </p:cNvPr>
@@ -7908,7 +9168,7 @@
             <p:cNvPr id="26" name="Eingekerbter Richtungspfeil 25">
               <a:extLst>
                 <a:ext uri="{FF2B5EF4-FFF2-40B4-BE49-F238E27FC236}">
-                  <a16:creationId xmlns:a16="http://schemas.microsoft.com/office/drawing/2014/main" xmlns="" id="{2EBD9B49-A90C-436A-BBEF-D89DD2237ECF}"/>
+                  <a16:creationId xmlns="" xmlns:a16="http://schemas.microsoft.com/office/drawing/2014/main" id="{2EBD9B49-A90C-436A-BBEF-D89DD2237ECF}"/>
                 </a:ext>
               </a:extLst>
             </p:cNvPr>
@@ -7956,7 +9216,7 @@
             <p:cNvPr id="27" name="Gerade Verbindung 28">
               <a:extLst>
                 <a:ext uri="{FF2B5EF4-FFF2-40B4-BE49-F238E27FC236}">
-                  <a16:creationId xmlns:a16="http://schemas.microsoft.com/office/drawing/2014/main" xmlns="" id="{F1621AAB-A494-467F-9704-6039B7079C13}"/>
+                  <a16:creationId xmlns="" xmlns:a16="http://schemas.microsoft.com/office/drawing/2014/main" id="{F1621AAB-A494-467F-9704-6039B7079C13}"/>
                 </a:ext>
               </a:extLst>
             </p:cNvPr>
@@ -8005,13 +9265,6 @@
   <p:clrMapOvr>
     <a:masterClrMapping/>
   </p:clrMapOvr>
-  <p:timing>
-    <p:tnLst>
-      <p:par>
-        <p:cTn id="1" dur="indefinite" restart="never" nodeType="tmRoot"/>
-      </p:par>
-    </p:tnLst>
-  </p:timing>
 </p:sld>
 </file>
 
@@ -8094,7 +9347,7 @@
           <p:cNvPr id="5" name="Gruppieren 21">
             <a:extLst>
               <a:ext uri="{FF2B5EF4-FFF2-40B4-BE49-F238E27FC236}">
-                <a16:creationId xmlns:a16="http://schemas.microsoft.com/office/drawing/2014/main" xmlns="" id="{BCC0948F-C1E3-4907-854B-A0721D1FDACC}"/>
+                <a16:creationId xmlns="" xmlns:a16="http://schemas.microsoft.com/office/drawing/2014/main" id="{BCC0948F-C1E3-4907-854B-A0721D1FDACC}"/>
               </a:ext>
             </a:extLst>
           </p:cNvPr>
@@ -8114,7 +9367,7 @@
             <p:cNvPr id="6" name="Textfeld 13">
               <a:extLst>
                 <a:ext uri="{FF2B5EF4-FFF2-40B4-BE49-F238E27FC236}">
-                  <a16:creationId xmlns:a16="http://schemas.microsoft.com/office/drawing/2014/main" xmlns="" id="{425AEF1D-6595-4E36-A5D4-5F32C0012763}"/>
+                  <a16:creationId xmlns="" xmlns:a16="http://schemas.microsoft.com/office/drawing/2014/main" id="{425AEF1D-6595-4E36-A5D4-5F32C0012763}"/>
                 </a:ext>
               </a:extLst>
             </p:cNvPr>
@@ -8166,7 +9419,7 @@
             <p:cNvPr id="7" name="Textfeld 6">
               <a:extLst>
                 <a:ext uri="{FF2B5EF4-FFF2-40B4-BE49-F238E27FC236}">
-                  <a16:creationId xmlns:a16="http://schemas.microsoft.com/office/drawing/2014/main" xmlns="" id="{82ABF473-AD17-4ED8-AB87-CC275185AE43}"/>
+                  <a16:creationId xmlns="" xmlns:a16="http://schemas.microsoft.com/office/drawing/2014/main" id="{82ABF473-AD17-4ED8-AB87-CC275185AE43}"/>
                 </a:ext>
               </a:extLst>
             </p:cNvPr>
@@ -8218,7 +9471,7 @@
             <p:cNvPr id="8" name="Textfeld 7">
               <a:extLst>
                 <a:ext uri="{FF2B5EF4-FFF2-40B4-BE49-F238E27FC236}">
-                  <a16:creationId xmlns:a16="http://schemas.microsoft.com/office/drawing/2014/main" xmlns="" id="{3841D7B1-EF8D-476C-85AC-C17E649EE1A9}"/>
+                  <a16:creationId xmlns="" xmlns:a16="http://schemas.microsoft.com/office/drawing/2014/main" id="{3841D7B1-EF8D-476C-85AC-C17E649EE1A9}"/>
                 </a:ext>
               </a:extLst>
             </p:cNvPr>
@@ -8259,10 +9512,9 @@
             <a:lstStyle/>
             <a:p>
               <a:r>
-                <a:rPr lang="de-DE" sz="1200" dirty="0" smtClean="0"/>
+                <a:rPr lang="de-DE" sz="1200" dirty="0"/>
                 <a:t>Fazit</a:t>
               </a:r>
-              <a:endParaRPr lang="de-DE" sz="1200" dirty="0"/>
             </a:p>
           </p:txBody>
         </p:sp>
@@ -8271,7 +9523,7 @@
             <p:cNvPr id="9" name="Textfeld 8">
               <a:extLst>
                 <a:ext uri="{FF2B5EF4-FFF2-40B4-BE49-F238E27FC236}">
-                  <a16:creationId xmlns:a16="http://schemas.microsoft.com/office/drawing/2014/main" xmlns="" id="{0DF05AE7-97F5-4E02-9206-C6B40B968DFA}"/>
+                  <a16:creationId xmlns="" xmlns:a16="http://schemas.microsoft.com/office/drawing/2014/main" id="{0DF05AE7-97F5-4E02-9206-C6B40B968DFA}"/>
                 </a:ext>
               </a:extLst>
             </p:cNvPr>
@@ -8323,7 +9575,7 @@
             <p:cNvPr id="10" name="Eingekerbter Richtungspfeil 9">
               <a:extLst>
                 <a:ext uri="{FF2B5EF4-FFF2-40B4-BE49-F238E27FC236}">
-                  <a16:creationId xmlns:a16="http://schemas.microsoft.com/office/drawing/2014/main" xmlns="" id="{C358C398-D0F2-4ECA-8BF9-29E733DFE60D}"/>
+                  <a16:creationId xmlns="" xmlns:a16="http://schemas.microsoft.com/office/drawing/2014/main" id="{C358C398-D0F2-4ECA-8BF9-29E733DFE60D}"/>
                 </a:ext>
               </a:extLst>
             </p:cNvPr>
@@ -8371,7 +9623,7 @@
             <p:cNvPr id="11" name="Eingekerbter Richtungspfeil 10">
               <a:extLst>
                 <a:ext uri="{FF2B5EF4-FFF2-40B4-BE49-F238E27FC236}">
-                  <a16:creationId xmlns:a16="http://schemas.microsoft.com/office/drawing/2014/main" xmlns="" id="{3FEDA7B1-0BEF-47B2-90E9-8E698F727222}"/>
+                  <a16:creationId xmlns="" xmlns:a16="http://schemas.microsoft.com/office/drawing/2014/main" id="{3FEDA7B1-0BEF-47B2-90E9-8E698F727222}"/>
                 </a:ext>
               </a:extLst>
             </p:cNvPr>
@@ -8419,7 +9671,7 @@
             <p:cNvPr id="12" name="Eingekerbter Richtungspfeil 11">
               <a:extLst>
                 <a:ext uri="{FF2B5EF4-FFF2-40B4-BE49-F238E27FC236}">
-                  <a16:creationId xmlns:a16="http://schemas.microsoft.com/office/drawing/2014/main" xmlns="" id="{2EBD9B49-A90C-436A-BBEF-D89DD2237ECF}"/>
+                  <a16:creationId xmlns="" xmlns:a16="http://schemas.microsoft.com/office/drawing/2014/main" id="{2EBD9B49-A90C-436A-BBEF-D89DD2237ECF}"/>
                 </a:ext>
               </a:extLst>
             </p:cNvPr>
@@ -8467,7 +9719,1121 @@
             <p:cNvPr id="13" name="Gerade Verbindung 28">
               <a:extLst>
                 <a:ext uri="{FF2B5EF4-FFF2-40B4-BE49-F238E27FC236}">
-                  <a16:creationId xmlns:a16="http://schemas.microsoft.com/office/drawing/2014/main" xmlns="" id="{F1621AAB-A494-467F-9704-6039B7079C13}"/>
+                  <a16:creationId xmlns="" xmlns:a16="http://schemas.microsoft.com/office/drawing/2014/main" id="{F1621AAB-A494-467F-9704-6039B7079C13}"/>
+                </a:ext>
+              </a:extLst>
+            </p:cNvPr>
+            <p:cNvCxnSpPr/>
+            <p:nvPr/>
+          </p:nvCxnSpPr>
+          <p:spPr>
+            <a:xfrm>
+              <a:off x="25400" y="5986694"/>
+              <a:ext cx="9072000" cy="1588"/>
+            </a:xfrm>
+            <a:prstGeom prst="line">
+              <a:avLst/>
+            </a:prstGeom>
+            <a:ln w="41275">
+              <a:solidFill>
+                <a:schemeClr val="accent3">
+                  <a:lumMod val="85000"/>
+                </a:schemeClr>
+              </a:solidFill>
+            </a:ln>
+          </p:spPr>
+          <p:style>
+            <a:lnRef idx="1">
+              <a:schemeClr val="accent1"/>
+            </a:lnRef>
+            <a:fillRef idx="0">
+              <a:schemeClr val="accent1"/>
+            </a:fillRef>
+            <a:effectRef idx="0">
+              <a:schemeClr val="accent1"/>
+            </a:effectRef>
+            <a:fontRef idx="minor">
+              <a:schemeClr val="tx1"/>
+            </a:fontRef>
+          </p:style>
+        </p:cxnSp>
+      </p:grpSp>
+      <p:pic>
+        <p:nvPicPr>
+          <p:cNvPr id="3" name="Grafik 2"/>
+          <p:cNvPicPr>
+            <a:picLocks noChangeAspect="1"/>
+          </p:cNvPicPr>
+          <p:nvPr/>
+        </p:nvPicPr>
+        <p:blipFill>
+          <a:blip r:embed="rId3"/>
+          <a:stretch>
+            <a:fillRect/>
+          </a:stretch>
+        </p:blipFill>
+        <p:spPr>
+          <a:xfrm>
+            <a:off x="1353098" y="858939"/>
+            <a:ext cx="6262687" cy="5112208"/>
+          </a:xfrm>
+          <a:prstGeom prst="rect">
+            <a:avLst/>
+          </a:prstGeom>
+          <a:solidFill>
+            <a:srgbClr val="FFFF00"/>
+          </a:solidFill>
+        </p:spPr>
+      </p:pic>
+    </p:spTree>
+    <p:extLst>
+      <p:ext uri="{BB962C8B-B14F-4D97-AF65-F5344CB8AC3E}">
+        <p14:creationId xmlns:p14="http://schemas.microsoft.com/office/powerpoint/2010/main" val="866079415"/>
+      </p:ext>
+    </p:extLst>
+  </p:cSld>
+  <p:clrMapOvr>
+    <a:masterClrMapping/>
+  </p:clrMapOvr>
+</p:sld>
+</file>
+
+<file path=ppt/slides/slide12.xml><?xml version="1.0" encoding="utf-8"?>
+<p:sld xmlns:a="http://schemas.openxmlformats.org/drawingml/2006/main" xmlns:r="http://schemas.openxmlformats.org/officeDocument/2006/relationships" xmlns:p="http://schemas.openxmlformats.org/presentationml/2006/main">
+  <p:cSld>
+    <p:spTree>
+      <p:nvGrpSpPr>
+        <p:cNvPr id="1" name=""/>
+        <p:cNvGrpSpPr/>
+        <p:nvPr/>
+      </p:nvGrpSpPr>
+      <p:grpSpPr>
+        <a:xfrm>
+          <a:off x="0" y="0"/>
+          <a:ext cx="0" cy="0"/>
+          <a:chOff x="0" y="0"/>
+          <a:chExt cx="0" cy="0"/>
+        </a:xfrm>
+      </p:grpSpPr>
+      <p:sp>
+        <p:nvSpPr>
+          <p:cNvPr id="17409" name="Titel 1"/>
+          <p:cNvSpPr>
+            <a:spLocks noGrp="1"/>
+          </p:cNvSpPr>
+          <p:nvPr>
+            <p:ph type="title"/>
+          </p:nvPr>
+        </p:nvSpPr>
+        <p:spPr/>
+        <p:txBody>
+          <a:bodyPr/>
+          <a:lstStyle/>
+          <a:p>
+            <a:r>
+              <a:rPr lang="de-DE" dirty="0"/>
+              <a:t>Vergleich</a:t>
+            </a:r>
+          </a:p>
+        </p:txBody>
+      </p:sp>
+      <p:sp>
+        <p:nvSpPr>
+          <p:cNvPr id="17412" name="Fußzeilenplatzhalter 3"/>
+          <p:cNvSpPr>
+            <a:spLocks noGrp="1"/>
+          </p:cNvSpPr>
+          <p:nvPr>
+            <p:ph type="ftr" sz="quarter" idx="10"/>
+          </p:nvPr>
+        </p:nvSpPr>
+        <p:spPr>
+          <a:noFill/>
+        </p:spPr>
+        <p:txBody>
+          <a:bodyPr/>
+          <a:lstStyle/>
+          <a:p>
+            <a:r>
+              <a:rPr lang="de-DE" dirty="0">
+                <a:latin typeface="Arial" charset="0"/>
+                <a:cs typeface="Arial" charset="0"/>
+              </a:rPr>
+              <a:t>Firnkes Patrick:</a:t>
+            </a:r>
+            <a:r>
+              <a:rPr lang="de-DE" dirty="0"/>
+              <a:t> Modellierung und Simulation von Lastverteilungsstrategien </a:t>
+            </a:r>
+            <a:endParaRPr lang="de-DE" dirty="0">
+              <a:latin typeface="Arial" charset="0"/>
+              <a:cs typeface="Arial" charset="0"/>
+            </a:endParaRPr>
+          </a:p>
+        </p:txBody>
+      </p:sp>
+      <p:grpSp>
+        <p:nvGrpSpPr>
+          <p:cNvPr id="5" name="Gruppieren 21">
+            <a:extLst>
+              <a:ext uri="{FF2B5EF4-FFF2-40B4-BE49-F238E27FC236}">
+                <a16:creationId xmlns="" xmlns:a16="http://schemas.microsoft.com/office/drawing/2014/main" id="{BCC0948F-C1E3-4907-854B-A0721D1FDACC}"/>
+              </a:ext>
+            </a:extLst>
+          </p:cNvPr>
+          <p:cNvGrpSpPr/>
+          <p:nvPr/>
+        </p:nvGrpSpPr>
+        <p:grpSpPr>
+          <a:xfrm>
+            <a:off x="72000" y="5993167"/>
+            <a:ext cx="9072000" cy="322628"/>
+            <a:chOff x="25400" y="5986694"/>
+            <a:chExt cx="9072000" cy="322628"/>
+          </a:xfrm>
+        </p:grpSpPr>
+        <p:sp>
+          <p:nvSpPr>
+            <p:cNvPr id="6" name="Textfeld 13">
+              <a:extLst>
+                <a:ext uri="{FF2B5EF4-FFF2-40B4-BE49-F238E27FC236}">
+                  <a16:creationId xmlns="" xmlns:a16="http://schemas.microsoft.com/office/drawing/2014/main" id="{425AEF1D-6595-4E36-A5D4-5F32C0012763}"/>
+                </a:ext>
+              </a:extLst>
+            </p:cNvPr>
+            <p:cNvSpPr txBox="1"/>
+            <p:nvPr/>
+          </p:nvSpPr>
+          <p:spPr>
+            <a:xfrm>
+              <a:off x="2380929" y="6032322"/>
+              <a:ext cx="1062593" cy="276999"/>
+            </a:xfrm>
+            <a:prstGeom prst="rect">
+              <a:avLst/>
+            </a:prstGeom>
+            <a:noFill/>
+            <a:ln>
+              <a:noFill/>
+            </a:ln>
+          </p:spPr>
+          <p:style>
+            <a:lnRef idx="2">
+              <a:schemeClr val="accent3"/>
+            </a:lnRef>
+            <a:fillRef idx="1">
+              <a:schemeClr val="lt1"/>
+            </a:fillRef>
+            <a:effectRef idx="0">
+              <a:schemeClr val="accent3"/>
+            </a:effectRef>
+            <a:fontRef idx="minor">
+              <a:schemeClr val="dk1"/>
+            </a:fontRef>
+          </p:style>
+          <p:txBody>
+            <a:bodyPr wrap="square" rtlCol="0">
+              <a:spAutoFit/>
+            </a:bodyPr>
+            <a:lstStyle/>
+            <a:p>
+              <a:r>
+                <a:rPr lang="de-DE" sz="1200" dirty="0"/>
+                <a:t>Grundlagen</a:t>
+              </a:r>
+            </a:p>
+          </p:txBody>
+        </p:sp>
+        <p:sp>
+          <p:nvSpPr>
+            <p:cNvPr id="7" name="Textfeld 6">
+              <a:extLst>
+                <a:ext uri="{FF2B5EF4-FFF2-40B4-BE49-F238E27FC236}">
+                  <a16:creationId xmlns="" xmlns:a16="http://schemas.microsoft.com/office/drawing/2014/main" id="{82ABF473-AD17-4ED8-AB87-CC275185AE43}"/>
+                </a:ext>
+              </a:extLst>
+            </p:cNvPr>
+            <p:cNvSpPr txBox="1"/>
+            <p:nvPr/>
+          </p:nvSpPr>
+          <p:spPr>
+            <a:xfrm>
+              <a:off x="4689228" y="6032323"/>
+              <a:ext cx="1614801" cy="276999"/>
+            </a:xfrm>
+            <a:prstGeom prst="rect">
+              <a:avLst/>
+            </a:prstGeom>
+            <a:noFill/>
+            <a:ln>
+              <a:noFill/>
+            </a:ln>
+          </p:spPr>
+          <p:style>
+            <a:lnRef idx="2">
+              <a:schemeClr val="accent3"/>
+            </a:lnRef>
+            <a:fillRef idx="1">
+              <a:schemeClr val="lt1"/>
+            </a:fillRef>
+            <a:effectRef idx="0">
+              <a:schemeClr val="accent3"/>
+            </a:effectRef>
+            <a:fontRef idx="minor">
+              <a:schemeClr val="dk1"/>
+            </a:fontRef>
+          </p:style>
+          <p:txBody>
+            <a:bodyPr wrap="none" rtlCol="0">
+              <a:spAutoFit/>
+            </a:bodyPr>
+            <a:lstStyle/>
+            <a:p>
+              <a:r>
+                <a:rPr lang="de-DE" sz="1200" b="1" dirty="0"/>
+                <a:t>Verwandte Arbeiten</a:t>
+              </a:r>
+            </a:p>
+          </p:txBody>
+        </p:sp>
+        <p:sp>
+          <p:nvSpPr>
+            <p:cNvPr id="8" name="Textfeld 7">
+              <a:extLst>
+                <a:ext uri="{FF2B5EF4-FFF2-40B4-BE49-F238E27FC236}">
+                  <a16:creationId xmlns="" xmlns:a16="http://schemas.microsoft.com/office/drawing/2014/main" id="{3841D7B1-EF8D-476C-85AC-C17E649EE1A9}"/>
+                </a:ext>
+              </a:extLst>
+            </p:cNvPr>
+            <p:cNvSpPr txBox="1"/>
+            <p:nvPr/>
+          </p:nvSpPr>
+          <p:spPr>
+            <a:xfrm>
+              <a:off x="7549736" y="6032321"/>
+              <a:ext cx="1491302" cy="276999"/>
+            </a:xfrm>
+            <a:prstGeom prst="rect">
+              <a:avLst/>
+            </a:prstGeom>
+            <a:noFill/>
+            <a:ln>
+              <a:noFill/>
+            </a:ln>
+          </p:spPr>
+          <p:style>
+            <a:lnRef idx="2">
+              <a:schemeClr val="accent3"/>
+            </a:lnRef>
+            <a:fillRef idx="1">
+              <a:schemeClr val="lt1"/>
+            </a:fillRef>
+            <a:effectRef idx="0">
+              <a:schemeClr val="accent3"/>
+            </a:effectRef>
+            <a:fontRef idx="minor">
+              <a:schemeClr val="dk1"/>
+            </a:fontRef>
+          </p:style>
+          <p:txBody>
+            <a:bodyPr wrap="square" rtlCol="0">
+              <a:spAutoFit/>
+            </a:bodyPr>
+            <a:lstStyle/>
+            <a:p>
+              <a:r>
+                <a:rPr lang="de-DE" sz="1200" dirty="0"/>
+                <a:t>Fazit</a:t>
+              </a:r>
+            </a:p>
+          </p:txBody>
+        </p:sp>
+        <p:sp>
+          <p:nvSpPr>
+            <p:cNvPr id="9" name="Textfeld 8">
+              <a:extLst>
+                <a:ext uri="{FF2B5EF4-FFF2-40B4-BE49-F238E27FC236}">
+                  <a16:creationId xmlns="" xmlns:a16="http://schemas.microsoft.com/office/drawing/2014/main" id="{0DF05AE7-97F5-4E02-9206-C6B40B968DFA}"/>
+                </a:ext>
+              </a:extLst>
+            </p:cNvPr>
+            <p:cNvSpPr txBox="1"/>
+            <p:nvPr/>
+          </p:nvSpPr>
+          <p:spPr>
+            <a:xfrm>
+              <a:off x="179512" y="6032321"/>
+              <a:ext cx="955711" cy="276999"/>
+            </a:xfrm>
+            <a:prstGeom prst="rect">
+              <a:avLst/>
+            </a:prstGeom>
+            <a:noFill/>
+            <a:ln>
+              <a:noFill/>
+            </a:ln>
+          </p:spPr>
+          <p:style>
+            <a:lnRef idx="2">
+              <a:schemeClr val="accent3"/>
+            </a:lnRef>
+            <a:fillRef idx="1">
+              <a:schemeClr val="lt1"/>
+            </a:fillRef>
+            <a:effectRef idx="0">
+              <a:schemeClr val="accent3"/>
+            </a:effectRef>
+            <a:fontRef idx="minor">
+              <a:schemeClr val="dk1"/>
+            </a:fontRef>
+          </p:style>
+          <p:txBody>
+            <a:bodyPr wrap="square" rtlCol="0">
+              <a:spAutoFit/>
+            </a:bodyPr>
+            <a:lstStyle/>
+            <a:p>
+              <a:r>
+                <a:rPr lang="en-US" sz="1200" dirty="0"/>
+                <a:t>Motivation</a:t>
+              </a:r>
+            </a:p>
+          </p:txBody>
+        </p:sp>
+        <p:sp>
+          <p:nvSpPr>
+            <p:cNvPr id="10" name="Eingekerbter Richtungspfeil 9">
+              <a:extLst>
+                <a:ext uri="{FF2B5EF4-FFF2-40B4-BE49-F238E27FC236}">
+                  <a16:creationId xmlns="" xmlns:a16="http://schemas.microsoft.com/office/drawing/2014/main" id="{C358C398-D0F2-4ECA-8BF9-29E733DFE60D}"/>
+                </a:ext>
+              </a:extLst>
+            </p:cNvPr>
+            <p:cNvSpPr/>
+            <p:nvPr/>
+          </p:nvSpPr>
+          <p:spPr>
+            <a:xfrm>
+              <a:off x="1678828" y="6091573"/>
+              <a:ext cx="158496" cy="158496"/>
+            </a:xfrm>
+            <a:prstGeom prst="chevron">
+              <a:avLst/>
+            </a:prstGeom>
+          </p:spPr>
+          <p:style>
+            <a:lnRef idx="1">
+              <a:schemeClr val="accent4"/>
+            </a:lnRef>
+            <a:fillRef idx="2">
+              <a:schemeClr val="accent4"/>
+            </a:fillRef>
+            <a:effectRef idx="1">
+              <a:schemeClr val="accent4"/>
+            </a:effectRef>
+            <a:fontRef idx="minor">
+              <a:schemeClr val="dk1"/>
+            </a:fontRef>
+          </p:style>
+          <p:txBody>
+            <a:bodyPr rtlCol="0" anchor="ctr"/>
+            <a:lstStyle/>
+            <a:p>
+              <a:pPr algn="ctr"/>
+              <a:endParaRPr lang="de-DE" dirty="0">
+                <a:solidFill>
+                  <a:schemeClr val="tx1"/>
+                </a:solidFill>
+              </a:endParaRPr>
+            </a:p>
+          </p:txBody>
+        </p:sp>
+        <p:sp>
+          <p:nvSpPr>
+            <p:cNvPr id="11" name="Eingekerbter Richtungspfeil 10">
+              <a:extLst>
+                <a:ext uri="{FF2B5EF4-FFF2-40B4-BE49-F238E27FC236}">
+                  <a16:creationId xmlns="" xmlns:a16="http://schemas.microsoft.com/office/drawing/2014/main" id="{3FEDA7B1-0BEF-47B2-90E9-8E698F727222}"/>
+                </a:ext>
+              </a:extLst>
+            </p:cNvPr>
+            <p:cNvSpPr/>
+            <p:nvPr/>
+          </p:nvSpPr>
+          <p:spPr>
+            <a:xfrm>
+              <a:off x="3987127" y="6091574"/>
+              <a:ext cx="158496" cy="158496"/>
+            </a:xfrm>
+            <a:prstGeom prst="chevron">
+              <a:avLst/>
+            </a:prstGeom>
+          </p:spPr>
+          <p:style>
+            <a:lnRef idx="1">
+              <a:schemeClr val="accent4"/>
+            </a:lnRef>
+            <a:fillRef idx="2">
+              <a:schemeClr val="accent4"/>
+            </a:fillRef>
+            <a:effectRef idx="1">
+              <a:schemeClr val="accent4"/>
+            </a:effectRef>
+            <a:fontRef idx="minor">
+              <a:schemeClr val="dk1"/>
+            </a:fontRef>
+          </p:style>
+          <p:txBody>
+            <a:bodyPr rtlCol="0" anchor="ctr"/>
+            <a:lstStyle/>
+            <a:p>
+              <a:pPr algn="ctr"/>
+              <a:endParaRPr lang="de-DE">
+                <a:solidFill>
+                  <a:schemeClr val="tx1"/>
+                </a:solidFill>
+              </a:endParaRPr>
+            </a:p>
+          </p:txBody>
+        </p:sp>
+        <p:sp>
+          <p:nvSpPr>
+            <p:cNvPr id="12" name="Eingekerbter Richtungspfeil 11">
+              <a:extLst>
+                <a:ext uri="{FF2B5EF4-FFF2-40B4-BE49-F238E27FC236}">
+                  <a16:creationId xmlns="" xmlns:a16="http://schemas.microsoft.com/office/drawing/2014/main" id="{2EBD9B49-A90C-436A-BBEF-D89DD2237ECF}"/>
+                </a:ext>
+              </a:extLst>
+            </p:cNvPr>
+            <p:cNvSpPr/>
+            <p:nvPr/>
+          </p:nvSpPr>
+          <p:spPr>
+            <a:xfrm>
+              <a:off x="6847634" y="6091575"/>
+              <a:ext cx="158496" cy="158496"/>
+            </a:xfrm>
+            <a:prstGeom prst="chevron">
+              <a:avLst/>
+            </a:prstGeom>
+          </p:spPr>
+          <p:style>
+            <a:lnRef idx="1">
+              <a:schemeClr val="accent4"/>
+            </a:lnRef>
+            <a:fillRef idx="2">
+              <a:schemeClr val="accent4"/>
+            </a:fillRef>
+            <a:effectRef idx="1">
+              <a:schemeClr val="accent4"/>
+            </a:effectRef>
+            <a:fontRef idx="minor">
+              <a:schemeClr val="dk1"/>
+            </a:fontRef>
+          </p:style>
+          <p:txBody>
+            <a:bodyPr rtlCol="0" anchor="ctr"/>
+            <a:lstStyle/>
+            <a:p>
+              <a:pPr algn="ctr"/>
+              <a:endParaRPr lang="de-DE">
+                <a:solidFill>
+                  <a:schemeClr val="tx1"/>
+                </a:solidFill>
+              </a:endParaRPr>
+            </a:p>
+          </p:txBody>
+        </p:sp>
+        <p:cxnSp>
+          <p:nvCxnSpPr>
+            <p:cNvPr id="13" name="Gerade Verbindung 28">
+              <a:extLst>
+                <a:ext uri="{FF2B5EF4-FFF2-40B4-BE49-F238E27FC236}">
+                  <a16:creationId xmlns="" xmlns:a16="http://schemas.microsoft.com/office/drawing/2014/main" id="{F1621AAB-A494-467F-9704-6039B7079C13}"/>
+                </a:ext>
+              </a:extLst>
+            </p:cNvPr>
+            <p:cNvCxnSpPr/>
+            <p:nvPr/>
+          </p:nvCxnSpPr>
+          <p:spPr>
+            <a:xfrm>
+              <a:off x="25400" y="5986694"/>
+              <a:ext cx="9072000" cy="1588"/>
+            </a:xfrm>
+            <a:prstGeom prst="line">
+              <a:avLst/>
+            </a:prstGeom>
+            <a:ln w="41275">
+              <a:solidFill>
+                <a:schemeClr val="accent3">
+                  <a:lumMod val="85000"/>
+                </a:schemeClr>
+              </a:solidFill>
+            </a:ln>
+          </p:spPr>
+          <p:style>
+            <a:lnRef idx="1">
+              <a:schemeClr val="accent1"/>
+            </a:lnRef>
+            <a:fillRef idx="0">
+              <a:schemeClr val="accent1"/>
+            </a:fillRef>
+            <a:effectRef idx="0">
+              <a:schemeClr val="accent1"/>
+            </a:effectRef>
+            <a:fontRef idx="minor">
+              <a:schemeClr val="tx1"/>
+            </a:fontRef>
+          </p:style>
+        </p:cxnSp>
+      </p:grpSp>
+      <p:pic>
+        <p:nvPicPr>
+          <p:cNvPr id="3" name="Grafik 2"/>
+          <p:cNvPicPr>
+            <a:picLocks noChangeAspect="1"/>
+          </p:cNvPicPr>
+          <p:nvPr/>
+        </p:nvPicPr>
+        <p:blipFill>
+          <a:blip r:embed="rId3"/>
+          <a:stretch>
+            <a:fillRect/>
+          </a:stretch>
+        </p:blipFill>
+        <p:spPr>
+          <a:xfrm>
+            <a:off x="1353098" y="858939"/>
+            <a:ext cx="6262687" cy="5112208"/>
+          </a:xfrm>
+          <a:prstGeom prst="rect">
+            <a:avLst/>
+          </a:prstGeom>
+          <a:solidFill>
+            <a:srgbClr val="FFFF00"/>
+          </a:solidFill>
+        </p:spPr>
+      </p:pic>
+      <p:sp>
+        <p:nvSpPr>
+          <p:cNvPr id="2" name="Rechteck 1">
+            <a:extLst>
+              <a:ext uri="{FF2B5EF4-FFF2-40B4-BE49-F238E27FC236}">
+                <a16:creationId xmlns="" xmlns:a16="http://schemas.microsoft.com/office/drawing/2014/main" id="{EE359C10-9D90-4381-A7F8-04F077B098A4}"/>
+              </a:ext>
+            </a:extLst>
+          </p:cNvPr>
+          <p:cNvSpPr/>
+          <p:nvPr/>
+        </p:nvSpPr>
+        <p:spPr>
+          <a:xfrm>
+            <a:off x="3200400" y="1345845"/>
+            <a:ext cx="381000" cy="4369156"/>
+          </a:xfrm>
+          <a:prstGeom prst="rect">
+            <a:avLst/>
+          </a:prstGeom>
+          <a:solidFill>
+            <a:srgbClr val="FFFF00">
+              <a:alpha val="38824"/>
+            </a:srgbClr>
+          </a:solidFill>
+          <a:ln>
+            <a:noFill/>
+          </a:ln>
+        </p:spPr>
+        <p:style>
+          <a:lnRef idx="2">
+            <a:schemeClr val="accent1">
+              <a:shade val="50000"/>
+            </a:schemeClr>
+          </a:lnRef>
+          <a:fillRef idx="1">
+            <a:schemeClr val="accent1"/>
+          </a:fillRef>
+          <a:effectRef idx="0">
+            <a:schemeClr val="accent1"/>
+          </a:effectRef>
+          <a:fontRef idx="minor">
+            <a:schemeClr val="lt1"/>
+          </a:fontRef>
+        </p:style>
+        <p:txBody>
+          <a:bodyPr rtlCol="0" anchor="ctr"/>
+          <a:lstStyle/>
+          <a:p>
+            <a:pPr algn="ctr"/>
+            <a:endParaRPr lang="de-DE"/>
+          </a:p>
+        </p:txBody>
+      </p:sp>
+    </p:spTree>
+    <p:extLst>
+      <p:ext uri="{BB962C8B-B14F-4D97-AF65-F5344CB8AC3E}">
+        <p14:creationId xmlns:p14="http://schemas.microsoft.com/office/powerpoint/2010/main" val="1937425443"/>
+      </p:ext>
+    </p:extLst>
+  </p:cSld>
+  <p:clrMapOvr>
+    <a:masterClrMapping/>
+  </p:clrMapOvr>
+</p:sld>
+</file>
+
+<file path=ppt/slides/slide13.xml><?xml version="1.0" encoding="utf-8"?>
+<p:sld xmlns:a="http://schemas.openxmlformats.org/drawingml/2006/main" xmlns:r="http://schemas.openxmlformats.org/officeDocument/2006/relationships" xmlns:p="http://schemas.openxmlformats.org/presentationml/2006/main">
+  <p:cSld>
+    <p:spTree>
+      <p:nvGrpSpPr>
+        <p:cNvPr id="1" name=""/>
+        <p:cNvGrpSpPr/>
+        <p:nvPr/>
+      </p:nvGrpSpPr>
+      <p:grpSpPr>
+        <a:xfrm>
+          <a:off x="0" y="0"/>
+          <a:ext cx="0" cy="0"/>
+          <a:chOff x="0" y="0"/>
+          <a:chExt cx="0" cy="0"/>
+        </a:xfrm>
+      </p:grpSpPr>
+      <p:sp>
+        <p:nvSpPr>
+          <p:cNvPr id="17409" name="Titel 1"/>
+          <p:cNvSpPr>
+            <a:spLocks noGrp="1"/>
+          </p:cNvSpPr>
+          <p:nvPr>
+            <p:ph type="title"/>
+          </p:nvPr>
+        </p:nvSpPr>
+        <p:spPr/>
+        <p:txBody>
+          <a:bodyPr/>
+          <a:lstStyle/>
+          <a:p>
+            <a:r>
+              <a:rPr lang="de-DE" dirty="0"/>
+              <a:t>Vergleich</a:t>
+            </a:r>
+          </a:p>
+        </p:txBody>
+      </p:sp>
+      <p:sp>
+        <p:nvSpPr>
+          <p:cNvPr id="17412" name="Fußzeilenplatzhalter 3"/>
+          <p:cNvSpPr>
+            <a:spLocks noGrp="1"/>
+          </p:cNvSpPr>
+          <p:nvPr>
+            <p:ph type="ftr" sz="quarter" idx="10"/>
+          </p:nvPr>
+        </p:nvSpPr>
+        <p:spPr>
+          <a:noFill/>
+        </p:spPr>
+        <p:txBody>
+          <a:bodyPr/>
+          <a:lstStyle/>
+          <a:p>
+            <a:r>
+              <a:rPr lang="de-DE" dirty="0">
+                <a:latin typeface="Arial" charset="0"/>
+                <a:cs typeface="Arial" charset="0"/>
+              </a:rPr>
+              <a:t>Firnkes Patrick:</a:t>
+            </a:r>
+            <a:r>
+              <a:rPr lang="de-DE" dirty="0"/>
+              <a:t> Modellierung und Simulation von Lastverteilungsstrategien </a:t>
+            </a:r>
+            <a:endParaRPr lang="de-DE" dirty="0">
+              <a:latin typeface="Arial" charset="0"/>
+              <a:cs typeface="Arial" charset="0"/>
+            </a:endParaRPr>
+          </a:p>
+        </p:txBody>
+      </p:sp>
+      <p:grpSp>
+        <p:nvGrpSpPr>
+          <p:cNvPr id="5" name="Gruppieren 21">
+            <a:extLst>
+              <a:ext uri="{FF2B5EF4-FFF2-40B4-BE49-F238E27FC236}">
+                <a16:creationId xmlns="" xmlns:a16="http://schemas.microsoft.com/office/drawing/2014/main" id="{BCC0948F-C1E3-4907-854B-A0721D1FDACC}"/>
+              </a:ext>
+            </a:extLst>
+          </p:cNvPr>
+          <p:cNvGrpSpPr/>
+          <p:nvPr/>
+        </p:nvGrpSpPr>
+        <p:grpSpPr>
+          <a:xfrm>
+            <a:off x="72000" y="5993167"/>
+            <a:ext cx="9072000" cy="322628"/>
+            <a:chOff x="25400" y="5986694"/>
+            <a:chExt cx="9072000" cy="322628"/>
+          </a:xfrm>
+        </p:grpSpPr>
+        <p:sp>
+          <p:nvSpPr>
+            <p:cNvPr id="6" name="Textfeld 13">
+              <a:extLst>
+                <a:ext uri="{FF2B5EF4-FFF2-40B4-BE49-F238E27FC236}">
+                  <a16:creationId xmlns="" xmlns:a16="http://schemas.microsoft.com/office/drawing/2014/main" id="{425AEF1D-6595-4E36-A5D4-5F32C0012763}"/>
+                </a:ext>
+              </a:extLst>
+            </p:cNvPr>
+            <p:cNvSpPr txBox="1"/>
+            <p:nvPr/>
+          </p:nvSpPr>
+          <p:spPr>
+            <a:xfrm>
+              <a:off x="2380929" y="6032322"/>
+              <a:ext cx="1062593" cy="276999"/>
+            </a:xfrm>
+            <a:prstGeom prst="rect">
+              <a:avLst/>
+            </a:prstGeom>
+            <a:noFill/>
+            <a:ln>
+              <a:noFill/>
+            </a:ln>
+          </p:spPr>
+          <p:style>
+            <a:lnRef idx="2">
+              <a:schemeClr val="accent3"/>
+            </a:lnRef>
+            <a:fillRef idx="1">
+              <a:schemeClr val="lt1"/>
+            </a:fillRef>
+            <a:effectRef idx="0">
+              <a:schemeClr val="accent3"/>
+            </a:effectRef>
+            <a:fontRef idx="minor">
+              <a:schemeClr val="dk1"/>
+            </a:fontRef>
+          </p:style>
+          <p:txBody>
+            <a:bodyPr wrap="square" rtlCol="0">
+              <a:spAutoFit/>
+            </a:bodyPr>
+            <a:lstStyle/>
+            <a:p>
+              <a:r>
+                <a:rPr lang="de-DE" sz="1200" dirty="0"/>
+                <a:t>Grundlagen</a:t>
+              </a:r>
+            </a:p>
+          </p:txBody>
+        </p:sp>
+        <p:sp>
+          <p:nvSpPr>
+            <p:cNvPr id="7" name="Textfeld 6">
+              <a:extLst>
+                <a:ext uri="{FF2B5EF4-FFF2-40B4-BE49-F238E27FC236}">
+                  <a16:creationId xmlns="" xmlns:a16="http://schemas.microsoft.com/office/drawing/2014/main" id="{82ABF473-AD17-4ED8-AB87-CC275185AE43}"/>
+                </a:ext>
+              </a:extLst>
+            </p:cNvPr>
+            <p:cNvSpPr txBox="1"/>
+            <p:nvPr/>
+          </p:nvSpPr>
+          <p:spPr>
+            <a:xfrm>
+              <a:off x="4689228" y="6032323"/>
+              <a:ext cx="1614801" cy="276999"/>
+            </a:xfrm>
+            <a:prstGeom prst="rect">
+              <a:avLst/>
+            </a:prstGeom>
+            <a:noFill/>
+            <a:ln>
+              <a:noFill/>
+            </a:ln>
+          </p:spPr>
+          <p:style>
+            <a:lnRef idx="2">
+              <a:schemeClr val="accent3"/>
+            </a:lnRef>
+            <a:fillRef idx="1">
+              <a:schemeClr val="lt1"/>
+            </a:fillRef>
+            <a:effectRef idx="0">
+              <a:schemeClr val="accent3"/>
+            </a:effectRef>
+            <a:fontRef idx="minor">
+              <a:schemeClr val="dk1"/>
+            </a:fontRef>
+          </p:style>
+          <p:txBody>
+            <a:bodyPr wrap="none" rtlCol="0">
+              <a:spAutoFit/>
+            </a:bodyPr>
+            <a:lstStyle/>
+            <a:p>
+              <a:r>
+                <a:rPr lang="de-DE" sz="1200" b="1" dirty="0"/>
+                <a:t>Verwandte Arbeiten</a:t>
+              </a:r>
+            </a:p>
+          </p:txBody>
+        </p:sp>
+        <p:sp>
+          <p:nvSpPr>
+            <p:cNvPr id="8" name="Textfeld 7">
+              <a:extLst>
+                <a:ext uri="{FF2B5EF4-FFF2-40B4-BE49-F238E27FC236}">
+                  <a16:creationId xmlns="" xmlns:a16="http://schemas.microsoft.com/office/drawing/2014/main" id="{3841D7B1-EF8D-476C-85AC-C17E649EE1A9}"/>
+                </a:ext>
+              </a:extLst>
+            </p:cNvPr>
+            <p:cNvSpPr txBox="1"/>
+            <p:nvPr/>
+          </p:nvSpPr>
+          <p:spPr>
+            <a:xfrm>
+              <a:off x="7549736" y="6032321"/>
+              <a:ext cx="1491302" cy="276999"/>
+            </a:xfrm>
+            <a:prstGeom prst="rect">
+              <a:avLst/>
+            </a:prstGeom>
+            <a:noFill/>
+            <a:ln>
+              <a:noFill/>
+            </a:ln>
+          </p:spPr>
+          <p:style>
+            <a:lnRef idx="2">
+              <a:schemeClr val="accent3"/>
+            </a:lnRef>
+            <a:fillRef idx="1">
+              <a:schemeClr val="lt1"/>
+            </a:fillRef>
+            <a:effectRef idx="0">
+              <a:schemeClr val="accent3"/>
+            </a:effectRef>
+            <a:fontRef idx="minor">
+              <a:schemeClr val="dk1"/>
+            </a:fontRef>
+          </p:style>
+          <p:txBody>
+            <a:bodyPr wrap="square" rtlCol="0">
+              <a:spAutoFit/>
+            </a:bodyPr>
+            <a:lstStyle/>
+            <a:p>
+              <a:r>
+                <a:rPr lang="de-DE" sz="1200" dirty="0"/>
+                <a:t>Fazit</a:t>
+              </a:r>
+            </a:p>
+          </p:txBody>
+        </p:sp>
+        <p:sp>
+          <p:nvSpPr>
+            <p:cNvPr id="9" name="Textfeld 8">
+              <a:extLst>
+                <a:ext uri="{FF2B5EF4-FFF2-40B4-BE49-F238E27FC236}">
+                  <a16:creationId xmlns="" xmlns:a16="http://schemas.microsoft.com/office/drawing/2014/main" id="{0DF05AE7-97F5-4E02-9206-C6B40B968DFA}"/>
+                </a:ext>
+              </a:extLst>
+            </p:cNvPr>
+            <p:cNvSpPr txBox="1"/>
+            <p:nvPr/>
+          </p:nvSpPr>
+          <p:spPr>
+            <a:xfrm>
+              <a:off x="179512" y="6032321"/>
+              <a:ext cx="955711" cy="276999"/>
+            </a:xfrm>
+            <a:prstGeom prst="rect">
+              <a:avLst/>
+            </a:prstGeom>
+            <a:noFill/>
+            <a:ln>
+              <a:noFill/>
+            </a:ln>
+          </p:spPr>
+          <p:style>
+            <a:lnRef idx="2">
+              <a:schemeClr val="accent3"/>
+            </a:lnRef>
+            <a:fillRef idx="1">
+              <a:schemeClr val="lt1"/>
+            </a:fillRef>
+            <a:effectRef idx="0">
+              <a:schemeClr val="accent3"/>
+            </a:effectRef>
+            <a:fontRef idx="minor">
+              <a:schemeClr val="dk1"/>
+            </a:fontRef>
+          </p:style>
+          <p:txBody>
+            <a:bodyPr wrap="square" rtlCol="0">
+              <a:spAutoFit/>
+            </a:bodyPr>
+            <a:lstStyle/>
+            <a:p>
+              <a:r>
+                <a:rPr lang="en-US" sz="1200" dirty="0"/>
+                <a:t>Motivation</a:t>
+              </a:r>
+            </a:p>
+          </p:txBody>
+        </p:sp>
+        <p:sp>
+          <p:nvSpPr>
+            <p:cNvPr id="10" name="Eingekerbter Richtungspfeil 9">
+              <a:extLst>
+                <a:ext uri="{FF2B5EF4-FFF2-40B4-BE49-F238E27FC236}">
+                  <a16:creationId xmlns="" xmlns:a16="http://schemas.microsoft.com/office/drawing/2014/main" id="{C358C398-D0F2-4ECA-8BF9-29E733DFE60D}"/>
+                </a:ext>
+              </a:extLst>
+            </p:cNvPr>
+            <p:cNvSpPr/>
+            <p:nvPr/>
+          </p:nvSpPr>
+          <p:spPr>
+            <a:xfrm>
+              <a:off x="1678828" y="6091573"/>
+              <a:ext cx="158496" cy="158496"/>
+            </a:xfrm>
+            <a:prstGeom prst="chevron">
+              <a:avLst/>
+            </a:prstGeom>
+          </p:spPr>
+          <p:style>
+            <a:lnRef idx="1">
+              <a:schemeClr val="accent4"/>
+            </a:lnRef>
+            <a:fillRef idx="2">
+              <a:schemeClr val="accent4"/>
+            </a:fillRef>
+            <a:effectRef idx="1">
+              <a:schemeClr val="accent4"/>
+            </a:effectRef>
+            <a:fontRef idx="minor">
+              <a:schemeClr val="dk1"/>
+            </a:fontRef>
+          </p:style>
+          <p:txBody>
+            <a:bodyPr rtlCol="0" anchor="ctr"/>
+            <a:lstStyle/>
+            <a:p>
+              <a:pPr algn="ctr"/>
+              <a:endParaRPr lang="de-DE" dirty="0">
+                <a:solidFill>
+                  <a:schemeClr val="tx1"/>
+                </a:solidFill>
+              </a:endParaRPr>
+            </a:p>
+          </p:txBody>
+        </p:sp>
+        <p:sp>
+          <p:nvSpPr>
+            <p:cNvPr id="11" name="Eingekerbter Richtungspfeil 10">
+              <a:extLst>
+                <a:ext uri="{FF2B5EF4-FFF2-40B4-BE49-F238E27FC236}">
+                  <a16:creationId xmlns="" xmlns:a16="http://schemas.microsoft.com/office/drawing/2014/main" id="{3FEDA7B1-0BEF-47B2-90E9-8E698F727222}"/>
+                </a:ext>
+              </a:extLst>
+            </p:cNvPr>
+            <p:cNvSpPr/>
+            <p:nvPr/>
+          </p:nvSpPr>
+          <p:spPr>
+            <a:xfrm>
+              <a:off x="3987127" y="6091574"/>
+              <a:ext cx="158496" cy="158496"/>
+            </a:xfrm>
+            <a:prstGeom prst="chevron">
+              <a:avLst/>
+            </a:prstGeom>
+          </p:spPr>
+          <p:style>
+            <a:lnRef idx="1">
+              <a:schemeClr val="accent4"/>
+            </a:lnRef>
+            <a:fillRef idx="2">
+              <a:schemeClr val="accent4"/>
+            </a:fillRef>
+            <a:effectRef idx="1">
+              <a:schemeClr val="accent4"/>
+            </a:effectRef>
+            <a:fontRef idx="minor">
+              <a:schemeClr val="dk1"/>
+            </a:fontRef>
+          </p:style>
+          <p:txBody>
+            <a:bodyPr rtlCol="0" anchor="ctr"/>
+            <a:lstStyle/>
+            <a:p>
+              <a:pPr algn="ctr"/>
+              <a:endParaRPr lang="de-DE">
+                <a:solidFill>
+                  <a:schemeClr val="tx1"/>
+                </a:solidFill>
+              </a:endParaRPr>
+            </a:p>
+          </p:txBody>
+        </p:sp>
+        <p:sp>
+          <p:nvSpPr>
+            <p:cNvPr id="12" name="Eingekerbter Richtungspfeil 11">
+              <a:extLst>
+                <a:ext uri="{FF2B5EF4-FFF2-40B4-BE49-F238E27FC236}">
+                  <a16:creationId xmlns="" xmlns:a16="http://schemas.microsoft.com/office/drawing/2014/main" id="{2EBD9B49-A90C-436A-BBEF-D89DD2237ECF}"/>
+                </a:ext>
+              </a:extLst>
+            </p:cNvPr>
+            <p:cNvSpPr/>
+            <p:nvPr/>
+          </p:nvSpPr>
+          <p:spPr>
+            <a:xfrm>
+              <a:off x="6847634" y="6091575"/>
+              <a:ext cx="158496" cy="158496"/>
+            </a:xfrm>
+            <a:prstGeom prst="chevron">
+              <a:avLst/>
+            </a:prstGeom>
+          </p:spPr>
+          <p:style>
+            <a:lnRef idx="1">
+              <a:schemeClr val="accent4"/>
+            </a:lnRef>
+            <a:fillRef idx="2">
+              <a:schemeClr val="accent4"/>
+            </a:fillRef>
+            <a:effectRef idx="1">
+              <a:schemeClr val="accent4"/>
+            </a:effectRef>
+            <a:fontRef idx="minor">
+              <a:schemeClr val="dk1"/>
+            </a:fontRef>
+          </p:style>
+          <p:txBody>
+            <a:bodyPr rtlCol="0" anchor="ctr"/>
+            <a:lstStyle/>
+            <a:p>
+              <a:pPr algn="ctr"/>
+              <a:endParaRPr lang="de-DE">
+                <a:solidFill>
+                  <a:schemeClr val="tx1"/>
+                </a:solidFill>
+              </a:endParaRPr>
+            </a:p>
+          </p:txBody>
+        </p:sp>
+        <p:cxnSp>
+          <p:nvCxnSpPr>
+            <p:cNvPr id="13" name="Gerade Verbindung 28">
+              <a:extLst>
+                <a:ext uri="{FF2B5EF4-FFF2-40B4-BE49-F238E27FC236}">
+                  <a16:creationId xmlns="" xmlns:a16="http://schemas.microsoft.com/office/drawing/2014/main" id="{F1621AAB-A494-467F-9704-6039B7079C13}"/>
                 </a:ext>
               </a:extLst>
             </p:cNvPr>
@@ -8530,10 +10896,64 @@
           </a:prstGeom>
         </p:spPr>
       </p:pic>
+      <p:sp>
+        <p:nvSpPr>
+          <p:cNvPr id="14" name="Rechteck 13">
+            <a:extLst>
+              <a:ext uri="{FF2B5EF4-FFF2-40B4-BE49-F238E27FC236}">
+                <a16:creationId xmlns="" xmlns:a16="http://schemas.microsoft.com/office/drawing/2014/main" id="{F79826EC-20D0-4393-B5D8-4F55B87A2CFF}"/>
+              </a:ext>
+            </a:extLst>
+          </p:cNvPr>
+          <p:cNvSpPr/>
+          <p:nvPr/>
+        </p:nvSpPr>
+        <p:spPr>
+          <a:xfrm>
+            <a:off x="3559175" y="1345844"/>
+            <a:ext cx="381000" cy="4369156"/>
+          </a:xfrm>
+          <a:prstGeom prst="rect">
+            <a:avLst/>
+          </a:prstGeom>
+          <a:solidFill>
+            <a:srgbClr val="FFFF00">
+              <a:alpha val="38824"/>
+            </a:srgbClr>
+          </a:solidFill>
+          <a:ln>
+            <a:noFill/>
+          </a:ln>
+        </p:spPr>
+        <p:style>
+          <a:lnRef idx="2">
+            <a:schemeClr val="accent1">
+              <a:shade val="50000"/>
+            </a:schemeClr>
+          </a:lnRef>
+          <a:fillRef idx="1">
+            <a:schemeClr val="accent1"/>
+          </a:fillRef>
+          <a:effectRef idx="0">
+            <a:schemeClr val="accent1"/>
+          </a:effectRef>
+          <a:fontRef idx="minor">
+            <a:schemeClr val="lt1"/>
+          </a:fontRef>
+        </p:style>
+        <p:txBody>
+          <a:bodyPr rtlCol="0" anchor="ctr"/>
+          <a:lstStyle/>
+          <a:p>
+            <a:pPr algn="ctr"/>
+            <a:endParaRPr lang="de-DE"/>
+          </a:p>
+        </p:txBody>
+      </p:sp>
     </p:spTree>
     <p:extLst>
       <p:ext uri="{BB962C8B-B14F-4D97-AF65-F5344CB8AC3E}">
-        <p14:creationId xmlns:p14="http://schemas.microsoft.com/office/powerpoint/2010/main" val="1937425443"/>
+        <p14:creationId xmlns:p14="http://schemas.microsoft.com/office/powerpoint/2010/main" val="1975031122"/>
       </p:ext>
     </p:extLst>
   </p:cSld>
@@ -8543,7 +10963,7 @@
 </p:sld>
 </file>
 
-<file path=ppt/slides/slide12.xml><?xml version="1.0" encoding="utf-8"?>
+<file path=ppt/slides/slide14.xml><?xml version="1.0" encoding="utf-8"?>
 <p:sld xmlns:a="http://schemas.openxmlformats.org/drawingml/2006/main" xmlns:r="http://schemas.openxmlformats.org/officeDocument/2006/relationships" xmlns:p="http://schemas.openxmlformats.org/presentationml/2006/main">
   <p:cSld>
     <p:spTree>
@@ -8577,6 +10997,2351 @@
           <a:p>
             <a:r>
               <a:rPr lang="de-DE" dirty="0"/>
+              <a:t>Vergleich</a:t>
+            </a:r>
+          </a:p>
+        </p:txBody>
+      </p:sp>
+      <p:sp>
+        <p:nvSpPr>
+          <p:cNvPr id="17412" name="Fußzeilenplatzhalter 3"/>
+          <p:cNvSpPr>
+            <a:spLocks noGrp="1"/>
+          </p:cNvSpPr>
+          <p:nvPr>
+            <p:ph type="ftr" sz="quarter" idx="10"/>
+          </p:nvPr>
+        </p:nvSpPr>
+        <p:spPr>
+          <a:noFill/>
+        </p:spPr>
+        <p:txBody>
+          <a:bodyPr/>
+          <a:lstStyle/>
+          <a:p>
+            <a:r>
+              <a:rPr lang="de-DE" dirty="0">
+                <a:latin typeface="Arial" charset="0"/>
+                <a:cs typeface="Arial" charset="0"/>
+              </a:rPr>
+              <a:t>Firnkes Patrick:</a:t>
+            </a:r>
+            <a:r>
+              <a:rPr lang="de-DE" dirty="0"/>
+              <a:t> Modellierung und Simulation von Lastverteilungsstrategien </a:t>
+            </a:r>
+            <a:endParaRPr lang="de-DE" dirty="0">
+              <a:latin typeface="Arial" charset="0"/>
+              <a:cs typeface="Arial" charset="0"/>
+            </a:endParaRPr>
+          </a:p>
+        </p:txBody>
+      </p:sp>
+      <p:grpSp>
+        <p:nvGrpSpPr>
+          <p:cNvPr id="5" name="Gruppieren 21">
+            <a:extLst>
+              <a:ext uri="{FF2B5EF4-FFF2-40B4-BE49-F238E27FC236}">
+                <a16:creationId xmlns="" xmlns:a16="http://schemas.microsoft.com/office/drawing/2014/main" id="{BCC0948F-C1E3-4907-854B-A0721D1FDACC}"/>
+              </a:ext>
+            </a:extLst>
+          </p:cNvPr>
+          <p:cNvGrpSpPr/>
+          <p:nvPr/>
+        </p:nvGrpSpPr>
+        <p:grpSpPr>
+          <a:xfrm>
+            <a:off x="72000" y="5993167"/>
+            <a:ext cx="9072000" cy="322628"/>
+            <a:chOff x="25400" y="5986694"/>
+            <a:chExt cx="9072000" cy="322628"/>
+          </a:xfrm>
+        </p:grpSpPr>
+        <p:sp>
+          <p:nvSpPr>
+            <p:cNvPr id="6" name="Textfeld 13">
+              <a:extLst>
+                <a:ext uri="{FF2B5EF4-FFF2-40B4-BE49-F238E27FC236}">
+                  <a16:creationId xmlns="" xmlns:a16="http://schemas.microsoft.com/office/drawing/2014/main" id="{425AEF1D-6595-4E36-A5D4-5F32C0012763}"/>
+                </a:ext>
+              </a:extLst>
+            </p:cNvPr>
+            <p:cNvSpPr txBox="1"/>
+            <p:nvPr/>
+          </p:nvSpPr>
+          <p:spPr>
+            <a:xfrm>
+              <a:off x="2380929" y="6032322"/>
+              <a:ext cx="1062593" cy="276999"/>
+            </a:xfrm>
+            <a:prstGeom prst="rect">
+              <a:avLst/>
+            </a:prstGeom>
+            <a:noFill/>
+            <a:ln>
+              <a:noFill/>
+            </a:ln>
+          </p:spPr>
+          <p:style>
+            <a:lnRef idx="2">
+              <a:schemeClr val="accent3"/>
+            </a:lnRef>
+            <a:fillRef idx="1">
+              <a:schemeClr val="lt1"/>
+            </a:fillRef>
+            <a:effectRef idx="0">
+              <a:schemeClr val="accent3"/>
+            </a:effectRef>
+            <a:fontRef idx="minor">
+              <a:schemeClr val="dk1"/>
+            </a:fontRef>
+          </p:style>
+          <p:txBody>
+            <a:bodyPr wrap="square" rtlCol="0">
+              <a:spAutoFit/>
+            </a:bodyPr>
+            <a:lstStyle/>
+            <a:p>
+              <a:r>
+                <a:rPr lang="de-DE" sz="1200" dirty="0"/>
+                <a:t>Grundlagen</a:t>
+              </a:r>
+            </a:p>
+          </p:txBody>
+        </p:sp>
+        <p:sp>
+          <p:nvSpPr>
+            <p:cNvPr id="7" name="Textfeld 6">
+              <a:extLst>
+                <a:ext uri="{FF2B5EF4-FFF2-40B4-BE49-F238E27FC236}">
+                  <a16:creationId xmlns="" xmlns:a16="http://schemas.microsoft.com/office/drawing/2014/main" id="{82ABF473-AD17-4ED8-AB87-CC275185AE43}"/>
+                </a:ext>
+              </a:extLst>
+            </p:cNvPr>
+            <p:cNvSpPr txBox="1"/>
+            <p:nvPr/>
+          </p:nvSpPr>
+          <p:spPr>
+            <a:xfrm>
+              <a:off x="4689228" y="6032323"/>
+              <a:ext cx="1614801" cy="276999"/>
+            </a:xfrm>
+            <a:prstGeom prst="rect">
+              <a:avLst/>
+            </a:prstGeom>
+            <a:noFill/>
+            <a:ln>
+              <a:noFill/>
+            </a:ln>
+          </p:spPr>
+          <p:style>
+            <a:lnRef idx="2">
+              <a:schemeClr val="accent3"/>
+            </a:lnRef>
+            <a:fillRef idx="1">
+              <a:schemeClr val="lt1"/>
+            </a:fillRef>
+            <a:effectRef idx="0">
+              <a:schemeClr val="accent3"/>
+            </a:effectRef>
+            <a:fontRef idx="minor">
+              <a:schemeClr val="dk1"/>
+            </a:fontRef>
+          </p:style>
+          <p:txBody>
+            <a:bodyPr wrap="none" rtlCol="0">
+              <a:spAutoFit/>
+            </a:bodyPr>
+            <a:lstStyle/>
+            <a:p>
+              <a:r>
+                <a:rPr lang="de-DE" sz="1200" b="1" dirty="0"/>
+                <a:t>Verwandte Arbeiten</a:t>
+              </a:r>
+            </a:p>
+          </p:txBody>
+        </p:sp>
+        <p:sp>
+          <p:nvSpPr>
+            <p:cNvPr id="8" name="Textfeld 7">
+              <a:extLst>
+                <a:ext uri="{FF2B5EF4-FFF2-40B4-BE49-F238E27FC236}">
+                  <a16:creationId xmlns="" xmlns:a16="http://schemas.microsoft.com/office/drawing/2014/main" id="{3841D7B1-EF8D-476C-85AC-C17E649EE1A9}"/>
+                </a:ext>
+              </a:extLst>
+            </p:cNvPr>
+            <p:cNvSpPr txBox="1"/>
+            <p:nvPr/>
+          </p:nvSpPr>
+          <p:spPr>
+            <a:xfrm>
+              <a:off x="7549736" y="6032321"/>
+              <a:ext cx="1491302" cy="276999"/>
+            </a:xfrm>
+            <a:prstGeom prst="rect">
+              <a:avLst/>
+            </a:prstGeom>
+            <a:noFill/>
+            <a:ln>
+              <a:noFill/>
+            </a:ln>
+          </p:spPr>
+          <p:style>
+            <a:lnRef idx="2">
+              <a:schemeClr val="accent3"/>
+            </a:lnRef>
+            <a:fillRef idx="1">
+              <a:schemeClr val="lt1"/>
+            </a:fillRef>
+            <a:effectRef idx="0">
+              <a:schemeClr val="accent3"/>
+            </a:effectRef>
+            <a:fontRef idx="minor">
+              <a:schemeClr val="dk1"/>
+            </a:fontRef>
+          </p:style>
+          <p:txBody>
+            <a:bodyPr wrap="square" rtlCol="0">
+              <a:spAutoFit/>
+            </a:bodyPr>
+            <a:lstStyle/>
+            <a:p>
+              <a:r>
+                <a:rPr lang="de-DE" sz="1200" dirty="0"/>
+                <a:t>Fazit</a:t>
+              </a:r>
+            </a:p>
+          </p:txBody>
+        </p:sp>
+        <p:sp>
+          <p:nvSpPr>
+            <p:cNvPr id="9" name="Textfeld 8">
+              <a:extLst>
+                <a:ext uri="{FF2B5EF4-FFF2-40B4-BE49-F238E27FC236}">
+                  <a16:creationId xmlns="" xmlns:a16="http://schemas.microsoft.com/office/drawing/2014/main" id="{0DF05AE7-97F5-4E02-9206-C6B40B968DFA}"/>
+                </a:ext>
+              </a:extLst>
+            </p:cNvPr>
+            <p:cNvSpPr txBox="1"/>
+            <p:nvPr/>
+          </p:nvSpPr>
+          <p:spPr>
+            <a:xfrm>
+              <a:off x="179512" y="6032321"/>
+              <a:ext cx="955711" cy="276999"/>
+            </a:xfrm>
+            <a:prstGeom prst="rect">
+              <a:avLst/>
+            </a:prstGeom>
+            <a:noFill/>
+            <a:ln>
+              <a:noFill/>
+            </a:ln>
+          </p:spPr>
+          <p:style>
+            <a:lnRef idx="2">
+              <a:schemeClr val="accent3"/>
+            </a:lnRef>
+            <a:fillRef idx="1">
+              <a:schemeClr val="lt1"/>
+            </a:fillRef>
+            <a:effectRef idx="0">
+              <a:schemeClr val="accent3"/>
+            </a:effectRef>
+            <a:fontRef idx="minor">
+              <a:schemeClr val="dk1"/>
+            </a:fontRef>
+          </p:style>
+          <p:txBody>
+            <a:bodyPr wrap="square" rtlCol="0">
+              <a:spAutoFit/>
+            </a:bodyPr>
+            <a:lstStyle/>
+            <a:p>
+              <a:r>
+                <a:rPr lang="en-US" sz="1200" dirty="0"/>
+                <a:t>Motivation</a:t>
+              </a:r>
+            </a:p>
+          </p:txBody>
+        </p:sp>
+        <p:sp>
+          <p:nvSpPr>
+            <p:cNvPr id="10" name="Eingekerbter Richtungspfeil 9">
+              <a:extLst>
+                <a:ext uri="{FF2B5EF4-FFF2-40B4-BE49-F238E27FC236}">
+                  <a16:creationId xmlns="" xmlns:a16="http://schemas.microsoft.com/office/drawing/2014/main" id="{C358C398-D0F2-4ECA-8BF9-29E733DFE60D}"/>
+                </a:ext>
+              </a:extLst>
+            </p:cNvPr>
+            <p:cNvSpPr/>
+            <p:nvPr/>
+          </p:nvSpPr>
+          <p:spPr>
+            <a:xfrm>
+              <a:off x="1678828" y="6091573"/>
+              <a:ext cx="158496" cy="158496"/>
+            </a:xfrm>
+            <a:prstGeom prst="chevron">
+              <a:avLst/>
+            </a:prstGeom>
+          </p:spPr>
+          <p:style>
+            <a:lnRef idx="1">
+              <a:schemeClr val="accent4"/>
+            </a:lnRef>
+            <a:fillRef idx="2">
+              <a:schemeClr val="accent4"/>
+            </a:fillRef>
+            <a:effectRef idx="1">
+              <a:schemeClr val="accent4"/>
+            </a:effectRef>
+            <a:fontRef idx="minor">
+              <a:schemeClr val="dk1"/>
+            </a:fontRef>
+          </p:style>
+          <p:txBody>
+            <a:bodyPr rtlCol="0" anchor="ctr"/>
+            <a:lstStyle/>
+            <a:p>
+              <a:pPr algn="ctr"/>
+              <a:endParaRPr lang="de-DE" dirty="0">
+                <a:solidFill>
+                  <a:schemeClr val="tx1"/>
+                </a:solidFill>
+              </a:endParaRPr>
+            </a:p>
+          </p:txBody>
+        </p:sp>
+        <p:sp>
+          <p:nvSpPr>
+            <p:cNvPr id="11" name="Eingekerbter Richtungspfeil 10">
+              <a:extLst>
+                <a:ext uri="{FF2B5EF4-FFF2-40B4-BE49-F238E27FC236}">
+                  <a16:creationId xmlns="" xmlns:a16="http://schemas.microsoft.com/office/drawing/2014/main" id="{3FEDA7B1-0BEF-47B2-90E9-8E698F727222}"/>
+                </a:ext>
+              </a:extLst>
+            </p:cNvPr>
+            <p:cNvSpPr/>
+            <p:nvPr/>
+          </p:nvSpPr>
+          <p:spPr>
+            <a:xfrm>
+              <a:off x="3987127" y="6091574"/>
+              <a:ext cx="158496" cy="158496"/>
+            </a:xfrm>
+            <a:prstGeom prst="chevron">
+              <a:avLst/>
+            </a:prstGeom>
+          </p:spPr>
+          <p:style>
+            <a:lnRef idx="1">
+              <a:schemeClr val="accent4"/>
+            </a:lnRef>
+            <a:fillRef idx="2">
+              <a:schemeClr val="accent4"/>
+            </a:fillRef>
+            <a:effectRef idx="1">
+              <a:schemeClr val="accent4"/>
+            </a:effectRef>
+            <a:fontRef idx="minor">
+              <a:schemeClr val="dk1"/>
+            </a:fontRef>
+          </p:style>
+          <p:txBody>
+            <a:bodyPr rtlCol="0" anchor="ctr"/>
+            <a:lstStyle/>
+            <a:p>
+              <a:pPr algn="ctr"/>
+              <a:endParaRPr lang="de-DE">
+                <a:solidFill>
+                  <a:schemeClr val="tx1"/>
+                </a:solidFill>
+              </a:endParaRPr>
+            </a:p>
+          </p:txBody>
+        </p:sp>
+        <p:sp>
+          <p:nvSpPr>
+            <p:cNvPr id="12" name="Eingekerbter Richtungspfeil 11">
+              <a:extLst>
+                <a:ext uri="{FF2B5EF4-FFF2-40B4-BE49-F238E27FC236}">
+                  <a16:creationId xmlns="" xmlns:a16="http://schemas.microsoft.com/office/drawing/2014/main" id="{2EBD9B49-A90C-436A-BBEF-D89DD2237ECF}"/>
+                </a:ext>
+              </a:extLst>
+            </p:cNvPr>
+            <p:cNvSpPr/>
+            <p:nvPr/>
+          </p:nvSpPr>
+          <p:spPr>
+            <a:xfrm>
+              <a:off x="6847634" y="6091575"/>
+              <a:ext cx="158496" cy="158496"/>
+            </a:xfrm>
+            <a:prstGeom prst="chevron">
+              <a:avLst/>
+            </a:prstGeom>
+          </p:spPr>
+          <p:style>
+            <a:lnRef idx="1">
+              <a:schemeClr val="accent4"/>
+            </a:lnRef>
+            <a:fillRef idx="2">
+              <a:schemeClr val="accent4"/>
+            </a:fillRef>
+            <a:effectRef idx="1">
+              <a:schemeClr val="accent4"/>
+            </a:effectRef>
+            <a:fontRef idx="minor">
+              <a:schemeClr val="dk1"/>
+            </a:fontRef>
+          </p:style>
+          <p:txBody>
+            <a:bodyPr rtlCol="0" anchor="ctr"/>
+            <a:lstStyle/>
+            <a:p>
+              <a:pPr algn="ctr"/>
+              <a:endParaRPr lang="de-DE">
+                <a:solidFill>
+                  <a:schemeClr val="tx1"/>
+                </a:solidFill>
+              </a:endParaRPr>
+            </a:p>
+          </p:txBody>
+        </p:sp>
+        <p:cxnSp>
+          <p:nvCxnSpPr>
+            <p:cNvPr id="13" name="Gerade Verbindung 28">
+              <a:extLst>
+                <a:ext uri="{FF2B5EF4-FFF2-40B4-BE49-F238E27FC236}">
+                  <a16:creationId xmlns="" xmlns:a16="http://schemas.microsoft.com/office/drawing/2014/main" id="{F1621AAB-A494-467F-9704-6039B7079C13}"/>
+                </a:ext>
+              </a:extLst>
+            </p:cNvPr>
+            <p:cNvCxnSpPr/>
+            <p:nvPr/>
+          </p:nvCxnSpPr>
+          <p:spPr>
+            <a:xfrm>
+              <a:off x="25400" y="5986694"/>
+              <a:ext cx="9072000" cy="1588"/>
+            </a:xfrm>
+            <a:prstGeom prst="line">
+              <a:avLst/>
+            </a:prstGeom>
+            <a:ln w="41275">
+              <a:solidFill>
+                <a:schemeClr val="accent3">
+                  <a:lumMod val="85000"/>
+                </a:schemeClr>
+              </a:solidFill>
+            </a:ln>
+          </p:spPr>
+          <p:style>
+            <a:lnRef idx="1">
+              <a:schemeClr val="accent1"/>
+            </a:lnRef>
+            <a:fillRef idx="0">
+              <a:schemeClr val="accent1"/>
+            </a:fillRef>
+            <a:effectRef idx="0">
+              <a:schemeClr val="accent1"/>
+            </a:effectRef>
+            <a:fontRef idx="minor">
+              <a:schemeClr val="tx1"/>
+            </a:fontRef>
+          </p:style>
+        </p:cxnSp>
+      </p:grpSp>
+      <p:pic>
+        <p:nvPicPr>
+          <p:cNvPr id="3" name="Grafik 2"/>
+          <p:cNvPicPr>
+            <a:picLocks noChangeAspect="1"/>
+          </p:cNvPicPr>
+          <p:nvPr/>
+        </p:nvPicPr>
+        <p:blipFill>
+          <a:blip r:embed="rId3"/>
+          <a:stretch>
+            <a:fillRect/>
+          </a:stretch>
+        </p:blipFill>
+        <p:spPr>
+          <a:xfrm>
+            <a:off x="1353098" y="858939"/>
+            <a:ext cx="6262687" cy="5112208"/>
+          </a:xfrm>
+          <a:prstGeom prst="rect">
+            <a:avLst/>
+          </a:prstGeom>
+        </p:spPr>
+      </p:pic>
+      <p:sp>
+        <p:nvSpPr>
+          <p:cNvPr id="14" name="Rechteck 13">
+            <a:extLst>
+              <a:ext uri="{FF2B5EF4-FFF2-40B4-BE49-F238E27FC236}">
+                <a16:creationId xmlns="" xmlns:a16="http://schemas.microsoft.com/office/drawing/2014/main" id="{290AE785-4EFD-4BF1-B2A8-7986CC2B69F2}"/>
+              </a:ext>
+            </a:extLst>
+          </p:cNvPr>
+          <p:cNvSpPr/>
+          <p:nvPr/>
+        </p:nvSpPr>
+        <p:spPr>
+          <a:xfrm>
+            <a:off x="3922474" y="1345845"/>
+            <a:ext cx="1640126" cy="4369156"/>
+          </a:xfrm>
+          <a:prstGeom prst="rect">
+            <a:avLst/>
+          </a:prstGeom>
+          <a:solidFill>
+            <a:srgbClr val="FFFF00">
+              <a:alpha val="38824"/>
+            </a:srgbClr>
+          </a:solidFill>
+          <a:ln>
+            <a:solidFill>
+              <a:srgbClr val="FFFFFF"/>
+            </a:solidFill>
+          </a:ln>
+        </p:spPr>
+        <p:style>
+          <a:lnRef idx="2">
+            <a:schemeClr val="accent1">
+              <a:shade val="50000"/>
+            </a:schemeClr>
+          </a:lnRef>
+          <a:fillRef idx="1">
+            <a:schemeClr val="accent1"/>
+          </a:fillRef>
+          <a:effectRef idx="0">
+            <a:schemeClr val="accent1"/>
+          </a:effectRef>
+          <a:fontRef idx="minor">
+            <a:schemeClr val="lt1"/>
+          </a:fontRef>
+        </p:style>
+        <p:txBody>
+          <a:bodyPr rtlCol="0" anchor="ctr"/>
+          <a:lstStyle/>
+          <a:p>
+            <a:pPr algn="ctr"/>
+            <a:endParaRPr lang="de-DE"/>
+          </a:p>
+        </p:txBody>
+      </p:sp>
+    </p:spTree>
+    <p:extLst>
+      <p:ext uri="{BB962C8B-B14F-4D97-AF65-F5344CB8AC3E}">
+        <p14:creationId xmlns:p14="http://schemas.microsoft.com/office/powerpoint/2010/main" val="2978387031"/>
+      </p:ext>
+    </p:extLst>
+  </p:cSld>
+  <p:clrMapOvr>
+    <a:masterClrMapping/>
+  </p:clrMapOvr>
+</p:sld>
+</file>
+
+<file path=ppt/slides/slide15.xml><?xml version="1.0" encoding="utf-8"?>
+<p:sld xmlns:a="http://schemas.openxmlformats.org/drawingml/2006/main" xmlns:r="http://schemas.openxmlformats.org/officeDocument/2006/relationships" xmlns:p="http://schemas.openxmlformats.org/presentationml/2006/main">
+  <p:cSld>
+    <p:spTree>
+      <p:nvGrpSpPr>
+        <p:cNvPr id="1" name=""/>
+        <p:cNvGrpSpPr/>
+        <p:nvPr/>
+      </p:nvGrpSpPr>
+      <p:grpSpPr>
+        <a:xfrm>
+          <a:off x="0" y="0"/>
+          <a:ext cx="0" cy="0"/>
+          <a:chOff x="0" y="0"/>
+          <a:chExt cx="0" cy="0"/>
+        </a:xfrm>
+      </p:grpSpPr>
+      <p:sp>
+        <p:nvSpPr>
+          <p:cNvPr id="17409" name="Titel 1"/>
+          <p:cNvSpPr>
+            <a:spLocks noGrp="1"/>
+          </p:cNvSpPr>
+          <p:nvPr>
+            <p:ph type="title"/>
+          </p:nvPr>
+        </p:nvSpPr>
+        <p:spPr/>
+        <p:txBody>
+          <a:bodyPr/>
+          <a:lstStyle/>
+          <a:p>
+            <a:r>
+              <a:rPr lang="de-DE" dirty="0"/>
+              <a:t>Vergleich</a:t>
+            </a:r>
+          </a:p>
+        </p:txBody>
+      </p:sp>
+      <p:sp>
+        <p:nvSpPr>
+          <p:cNvPr id="17412" name="Fußzeilenplatzhalter 3"/>
+          <p:cNvSpPr>
+            <a:spLocks noGrp="1"/>
+          </p:cNvSpPr>
+          <p:nvPr>
+            <p:ph type="ftr" sz="quarter" idx="10"/>
+          </p:nvPr>
+        </p:nvSpPr>
+        <p:spPr>
+          <a:noFill/>
+        </p:spPr>
+        <p:txBody>
+          <a:bodyPr/>
+          <a:lstStyle/>
+          <a:p>
+            <a:r>
+              <a:rPr lang="de-DE" dirty="0">
+                <a:latin typeface="Arial" charset="0"/>
+                <a:cs typeface="Arial" charset="0"/>
+              </a:rPr>
+              <a:t>Firnkes Patrick:</a:t>
+            </a:r>
+            <a:r>
+              <a:rPr lang="de-DE" dirty="0"/>
+              <a:t> Modellierung und Simulation von Lastverteilungsstrategien </a:t>
+            </a:r>
+            <a:endParaRPr lang="de-DE" dirty="0">
+              <a:latin typeface="Arial" charset="0"/>
+              <a:cs typeface="Arial" charset="0"/>
+            </a:endParaRPr>
+          </a:p>
+        </p:txBody>
+      </p:sp>
+      <p:grpSp>
+        <p:nvGrpSpPr>
+          <p:cNvPr id="5" name="Gruppieren 21">
+            <a:extLst>
+              <a:ext uri="{FF2B5EF4-FFF2-40B4-BE49-F238E27FC236}">
+                <a16:creationId xmlns="" xmlns:a16="http://schemas.microsoft.com/office/drawing/2014/main" id="{BCC0948F-C1E3-4907-854B-A0721D1FDACC}"/>
+              </a:ext>
+            </a:extLst>
+          </p:cNvPr>
+          <p:cNvGrpSpPr/>
+          <p:nvPr/>
+        </p:nvGrpSpPr>
+        <p:grpSpPr>
+          <a:xfrm>
+            <a:off x="72000" y="5993167"/>
+            <a:ext cx="9072000" cy="322628"/>
+            <a:chOff x="25400" y="5986694"/>
+            <a:chExt cx="9072000" cy="322628"/>
+          </a:xfrm>
+        </p:grpSpPr>
+        <p:sp>
+          <p:nvSpPr>
+            <p:cNvPr id="6" name="Textfeld 13">
+              <a:extLst>
+                <a:ext uri="{FF2B5EF4-FFF2-40B4-BE49-F238E27FC236}">
+                  <a16:creationId xmlns="" xmlns:a16="http://schemas.microsoft.com/office/drawing/2014/main" id="{425AEF1D-6595-4E36-A5D4-5F32C0012763}"/>
+                </a:ext>
+              </a:extLst>
+            </p:cNvPr>
+            <p:cNvSpPr txBox="1"/>
+            <p:nvPr/>
+          </p:nvSpPr>
+          <p:spPr>
+            <a:xfrm>
+              <a:off x="2380929" y="6032322"/>
+              <a:ext cx="1062593" cy="276999"/>
+            </a:xfrm>
+            <a:prstGeom prst="rect">
+              <a:avLst/>
+            </a:prstGeom>
+            <a:noFill/>
+            <a:ln>
+              <a:noFill/>
+            </a:ln>
+          </p:spPr>
+          <p:style>
+            <a:lnRef idx="2">
+              <a:schemeClr val="accent3"/>
+            </a:lnRef>
+            <a:fillRef idx="1">
+              <a:schemeClr val="lt1"/>
+            </a:fillRef>
+            <a:effectRef idx="0">
+              <a:schemeClr val="accent3"/>
+            </a:effectRef>
+            <a:fontRef idx="minor">
+              <a:schemeClr val="dk1"/>
+            </a:fontRef>
+          </p:style>
+          <p:txBody>
+            <a:bodyPr wrap="square" rtlCol="0">
+              <a:spAutoFit/>
+            </a:bodyPr>
+            <a:lstStyle/>
+            <a:p>
+              <a:r>
+                <a:rPr lang="de-DE" sz="1200" dirty="0"/>
+                <a:t>Grundlagen</a:t>
+              </a:r>
+            </a:p>
+          </p:txBody>
+        </p:sp>
+        <p:sp>
+          <p:nvSpPr>
+            <p:cNvPr id="7" name="Textfeld 6">
+              <a:extLst>
+                <a:ext uri="{FF2B5EF4-FFF2-40B4-BE49-F238E27FC236}">
+                  <a16:creationId xmlns="" xmlns:a16="http://schemas.microsoft.com/office/drawing/2014/main" id="{82ABF473-AD17-4ED8-AB87-CC275185AE43}"/>
+                </a:ext>
+              </a:extLst>
+            </p:cNvPr>
+            <p:cNvSpPr txBox="1"/>
+            <p:nvPr/>
+          </p:nvSpPr>
+          <p:spPr>
+            <a:xfrm>
+              <a:off x="4689228" y="6032323"/>
+              <a:ext cx="1614801" cy="276999"/>
+            </a:xfrm>
+            <a:prstGeom prst="rect">
+              <a:avLst/>
+            </a:prstGeom>
+            <a:noFill/>
+            <a:ln>
+              <a:noFill/>
+            </a:ln>
+          </p:spPr>
+          <p:style>
+            <a:lnRef idx="2">
+              <a:schemeClr val="accent3"/>
+            </a:lnRef>
+            <a:fillRef idx="1">
+              <a:schemeClr val="lt1"/>
+            </a:fillRef>
+            <a:effectRef idx="0">
+              <a:schemeClr val="accent3"/>
+            </a:effectRef>
+            <a:fontRef idx="minor">
+              <a:schemeClr val="dk1"/>
+            </a:fontRef>
+          </p:style>
+          <p:txBody>
+            <a:bodyPr wrap="none" rtlCol="0">
+              <a:spAutoFit/>
+            </a:bodyPr>
+            <a:lstStyle/>
+            <a:p>
+              <a:r>
+                <a:rPr lang="de-DE" sz="1200" b="1" dirty="0"/>
+                <a:t>Verwandte Arbeiten</a:t>
+              </a:r>
+            </a:p>
+          </p:txBody>
+        </p:sp>
+        <p:sp>
+          <p:nvSpPr>
+            <p:cNvPr id="8" name="Textfeld 7">
+              <a:extLst>
+                <a:ext uri="{FF2B5EF4-FFF2-40B4-BE49-F238E27FC236}">
+                  <a16:creationId xmlns="" xmlns:a16="http://schemas.microsoft.com/office/drawing/2014/main" id="{3841D7B1-EF8D-476C-85AC-C17E649EE1A9}"/>
+                </a:ext>
+              </a:extLst>
+            </p:cNvPr>
+            <p:cNvSpPr txBox="1"/>
+            <p:nvPr/>
+          </p:nvSpPr>
+          <p:spPr>
+            <a:xfrm>
+              <a:off x="7549736" y="6032321"/>
+              <a:ext cx="1491302" cy="276999"/>
+            </a:xfrm>
+            <a:prstGeom prst="rect">
+              <a:avLst/>
+            </a:prstGeom>
+            <a:noFill/>
+            <a:ln>
+              <a:noFill/>
+            </a:ln>
+          </p:spPr>
+          <p:style>
+            <a:lnRef idx="2">
+              <a:schemeClr val="accent3"/>
+            </a:lnRef>
+            <a:fillRef idx="1">
+              <a:schemeClr val="lt1"/>
+            </a:fillRef>
+            <a:effectRef idx="0">
+              <a:schemeClr val="accent3"/>
+            </a:effectRef>
+            <a:fontRef idx="minor">
+              <a:schemeClr val="dk1"/>
+            </a:fontRef>
+          </p:style>
+          <p:txBody>
+            <a:bodyPr wrap="square" rtlCol="0">
+              <a:spAutoFit/>
+            </a:bodyPr>
+            <a:lstStyle/>
+            <a:p>
+              <a:r>
+                <a:rPr lang="de-DE" sz="1200" dirty="0"/>
+                <a:t>Fazit</a:t>
+              </a:r>
+            </a:p>
+          </p:txBody>
+        </p:sp>
+        <p:sp>
+          <p:nvSpPr>
+            <p:cNvPr id="9" name="Textfeld 8">
+              <a:extLst>
+                <a:ext uri="{FF2B5EF4-FFF2-40B4-BE49-F238E27FC236}">
+                  <a16:creationId xmlns="" xmlns:a16="http://schemas.microsoft.com/office/drawing/2014/main" id="{0DF05AE7-97F5-4E02-9206-C6B40B968DFA}"/>
+                </a:ext>
+              </a:extLst>
+            </p:cNvPr>
+            <p:cNvSpPr txBox="1"/>
+            <p:nvPr/>
+          </p:nvSpPr>
+          <p:spPr>
+            <a:xfrm>
+              <a:off x="179512" y="6032321"/>
+              <a:ext cx="955711" cy="276999"/>
+            </a:xfrm>
+            <a:prstGeom prst="rect">
+              <a:avLst/>
+            </a:prstGeom>
+            <a:noFill/>
+            <a:ln>
+              <a:noFill/>
+            </a:ln>
+          </p:spPr>
+          <p:style>
+            <a:lnRef idx="2">
+              <a:schemeClr val="accent3"/>
+            </a:lnRef>
+            <a:fillRef idx="1">
+              <a:schemeClr val="lt1"/>
+            </a:fillRef>
+            <a:effectRef idx="0">
+              <a:schemeClr val="accent3"/>
+            </a:effectRef>
+            <a:fontRef idx="minor">
+              <a:schemeClr val="dk1"/>
+            </a:fontRef>
+          </p:style>
+          <p:txBody>
+            <a:bodyPr wrap="square" rtlCol="0">
+              <a:spAutoFit/>
+            </a:bodyPr>
+            <a:lstStyle/>
+            <a:p>
+              <a:r>
+                <a:rPr lang="en-US" sz="1200" dirty="0"/>
+                <a:t>Motivation</a:t>
+              </a:r>
+            </a:p>
+          </p:txBody>
+        </p:sp>
+        <p:sp>
+          <p:nvSpPr>
+            <p:cNvPr id="10" name="Eingekerbter Richtungspfeil 9">
+              <a:extLst>
+                <a:ext uri="{FF2B5EF4-FFF2-40B4-BE49-F238E27FC236}">
+                  <a16:creationId xmlns="" xmlns:a16="http://schemas.microsoft.com/office/drawing/2014/main" id="{C358C398-D0F2-4ECA-8BF9-29E733DFE60D}"/>
+                </a:ext>
+              </a:extLst>
+            </p:cNvPr>
+            <p:cNvSpPr/>
+            <p:nvPr/>
+          </p:nvSpPr>
+          <p:spPr>
+            <a:xfrm>
+              <a:off x="1678828" y="6091573"/>
+              <a:ext cx="158496" cy="158496"/>
+            </a:xfrm>
+            <a:prstGeom prst="chevron">
+              <a:avLst/>
+            </a:prstGeom>
+          </p:spPr>
+          <p:style>
+            <a:lnRef idx="1">
+              <a:schemeClr val="accent4"/>
+            </a:lnRef>
+            <a:fillRef idx="2">
+              <a:schemeClr val="accent4"/>
+            </a:fillRef>
+            <a:effectRef idx="1">
+              <a:schemeClr val="accent4"/>
+            </a:effectRef>
+            <a:fontRef idx="minor">
+              <a:schemeClr val="dk1"/>
+            </a:fontRef>
+          </p:style>
+          <p:txBody>
+            <a:bodyPr rtlCol="0" anchor="ctr"/>
+            <a:lstStyle/>
+            <a:p>
+              <a:pPr algn="ctr"/>
+              <a:endParaRPr lang="de-DE" dirty="0">
+                <a:solidFill>
+                  <a:schemeClr val="tx1"/>
+                </a:solidFill>
+              </a:endParaRPr>
+            </a:p>
+          </p:txBody>
+        </p:sp>
+        <p:sp>
+          <p:nvSpPr>
+            <p:cNvPr id="11" name="Eingekerbter Richtungspfeil 10">
+              <a:extLst>
+                <a:ext uri="{FF2B5EF4-FFF2-40B4-BE49-F238E27FC236}">
+                  <a16:creationId xmlns="" xmlns:a16="http://schemas.microsoft.com/office/drawing/2014/main" id="{3FEDA7B1-0BEF-47B2-90E9-8E698F727222}"/>
+                </a:ext>
+              </a:extLst>
+            </p:cNvPr>
+            <p:cNvSpPr/>
+            <p:nvPr/>
+          </p:nvSpPr>
+          <p:spPr>
+            <a:xfrm>
+              <a:off x="3987127" y="6091574"/>
+              <a:ext cx="158496" cy="158496"/>
+            </a:xfrm>
+            <a:prstGeom prst="chevron">
+              <a:avLst/>
+            </a:prstGeom>
+          </p:spPr>
+          <p:style>
+            <a:lnRef idx="1">
+              <a:schemeClr val="accent4"/>
+            </a:lnRef>
+            <a:fillRef idx="2">
+              <a:schemeClr val="accent4"/>
+            </a:fillRef>
+            <a:effectRef idx="1">
+              <a:schemeClr val="accent4"/>
+            </a:effectRef>
+            <a:fontRef idx="minor">
+              <a:schemeClr val="dk1"/>
+            </a:fontRef>
+          </p:style>
+          <p:txBody>
+            <a:bodyPr rtlCol="0" anchor="ctr"/>
+            <a:lstStyle/>
+            <a:p>
+              <a:pPr algn="ctr"/>
+              <a:endParaRPr lang="de-DE">
+                <a:solidFill>
+                  <a:schemeClr val="tx1"/>
+                </a:solidFill>
+              </a:endParaRPr>
+            </a:p>
+          </p:txBody>
+        </p:sp>
+        <p:sp>
+          <p:nvSpPr>
+            <p:cNvPr id="12" name="Eingekerbter Richtungspfeil 11">
+              <a:extLst>
+                <a:ext uri="{FF2B5EF4-FFF2-40B4-BE49-F238E27FC236}">
+                  <a16:creationId xmlns="" xmlns:a16="http://schemas.microsoft.com/office/drawing/2014/main" id="{2EBD9B49-A90C-436A-BBEF-D89DD2237ECF}"/>
+                </a:ext>
+              </a:extLst>
+            </p:cNvPr>
+            <p:cNvSpPr/>
+            <p:nvPr/>
+          </p:nvSpPr>
+          <p:spPr>
+            <a:xfrm>
+              <a:off x="6847634" y="6091575"/>
+              <a:ext cx="158496" cy="158496"/>
+            </a:xfrm>
+            <a:prstGeom prst="chevron">
+              <a:avLst/>
+            </a:prstGeom>
+          </p:spPr>
+          <p:style>
+            <a:lnRef idx="1">
+              <a:schemeClr val="accent4"/>
+            </a:lnRef>
+            <a:fillRef idx="2">
+              <a:schemeClr val="accent4"/>
+            </a:fillRef>
+            <a:effectRef idx="1">
+              <a:schemeClr val="accent4"/>
+            </a:effectRef>
+            <a:fontRef idx="minor">
+              <a:schemeClr val="dk1"/>
+            </a:fontRef>
+          </p:style>
+          <p:txBody>
+            <a:bodyPr rtlCol="0" anchor="ctr"/>
+            <a:lstStyle/>
+            <a:p>
+              <a:pPr algn="ctr"/>
+              <a:endParaRPr lang="de-DE">
+                <a:solidFill>
+                  <a:schemeClr val="tx1"/>
+                </a:solidFill>
+              </a:endParaRPr>
+            </a:p>
+          </p:txBody>
+        </p:sp>
+        <p:cxnSp>
+          <p:nvCxnSpPr>
+            <p:cNvPr id="13" name="Gerade Verbindung 28">
+              <a:extLst>
+                <a:ext uri="{FF2B5EF4-FFF2-40B4-BE49-F238E27FC236}">
+                  <a16:creationId xmlns="" xmlns:a16="http://schemas.microsoft.com/office/drawing/2014/main" id="{F1621AAB-A494-467F-9704-6039B7079C13}"/>
+                </a:ext>
+              </a:extLst>
+            </p:cNvPr>
+            <p:cNvCxnSpPr/>
+            <p:nvPr/>
+          </p:nvCxnSpPr>
+          <p:spPr>
+            <a:xfrm>
+              <a:off x="25400" y="5986694"/>
+              <a:ext cx="9072000" cy="1588"/>
+            </a:xfrm>
+            <a:prstGeom prst="line">
+              <a:avLst/>
+            </a:prstGeom>
+            <a:ln w="41275">
+              <a:solidFill>
+                <a:schemeClr val="accent3">
+                  <a:lumMod val="85000"/>
+                </a:schemeClr>
+              </a:solidFill>
+            </a:ln>
+          </p:spPr>
+          <p:style>
+            <a:lnRef idx="1">
+              <a:schemeClr val="accent1"/>
+            </a:lnRef>
+            <a:fillRef idx="0">
+              <a:schemeClr val="accent1"/>
+            </a:fillRef>
+            <a:effectRef idx="0">
+              <a:schemeClr val="accent1"/>
+            </a:effectRef>
+            <a:fontRef idx="minor">
+              <a:schemeClr val="tx1"/>
+            </a:fontRef>
+          </p:style>
+        </p:cxnSp>
+      </p:grpSp>
+      <p:pic>
+        <p:nvPicPr>
+          <p:cNvPr id="3" name="Grafik 2"/>
+          <p:cNvPicPr>
+            <a:picLocks noChangeAspect="1"/>
+          </p:cNvPicPr>
+          <p:nvPr/>
+        </p:nvPicPr>
+        <p:blipFill>
+          <a:blip r:embed="rId3"/>
+          <a:stretch>
+            <a:fillRect/>
+          </a:stretch>
+        </p:blipFill>
+        <p:spPr>
+          <a:xfrm>
+            <a:off x="1353098" y="858939"/>
+            <a:ext cx="6262687" cy="5112208"/>
+          </a:xfrm>
+          <a:prstGeom prst="rect">
+            <a:avLst/>
+          </a:prstGeom>
+        </p:spPr>
+      </p:pic>
+      <p:sp>
+        <p:nvSpPr>
+          <p:cNvPr id="14" name="Rechteck 13">
+            <a:extLst>
+              <a:ext uri="{FF2B5EF4-FFF2-40B4-BE49-F238E27FC236}">
+                <a16:creationId xmlns="" xmlns:a16="http://schemas.microsoft.com/office/drawing/2014/main" id="{0A865F75-01A5-45E4-AF2F-FD93FDFD7A12}"/>
+              </a:ext>
+            </a:extLst>
+          </p:cNvPr>
+          <p:cNvSpPr/>
+          <p:nvPr/>
+        </p:nvSpPr>
+        <p:spPr>
+          <a:xfrm>
+            <a:off x="5486401" y="1345845"/>
+            <a:ext cx="864228" cy="4369156"/>
+          </a:xfrm>
+          <a:prstGeom prst="rect">
+            <a:avLst/>
+          </a:prstGeom>
+          <a:solidFill>
+            <a:srgbClr val="FFFF00">
+              <a:alpha val="38824"/>
+            </a:srgbClr>
+          </a:solidFill>
+          <a:ln>
+            <a:noFill/>
+          </a:ln>
+        </p:spPr>
+        <p:style>
+          <a:lnRef idx="2">
+            <a:schemeClr val="accent1">
+              <a:shade val="50000"/>
+            </a:schemeClr>
+          </a:lnRef>
+          <a:fillRef idx="1">
+            <a:schemeClr val="accent1"/>
+          </a:fillRef>
+          <a:effectRef idx="0">
+            <a:schemeClr val="accent1"/>
+          </a:effectRef>
+          <a:fontRef idx="minor">
+            <a:schemeClr val="lt1"/>
+          </a:fontRef>
+        </p:style>
+        <p:txBody>
+          <a:bodyPr rtlCol="0" anchor="ctr"/>
+          <a:lstStyle/>
+          <a:p>
+            <a:pPr algn="ctr"/>
+            <a:endParaRPr lang="de-DE"/>
+          </a:p>
+        </p:txBody>
+      </p:sp>
+    </p:spTree>
+    <p:extLst>
+      <p:ext uri="{BB962C8B-B14F-4D97-AF65-F5344CB8AC3E}">
+        <p14:creationId xmlns:p14="http://schemas.microsoft.com/office/powerpoint/2010/main" val="2939139938"/>
+      </p:ext>
+    </p:extLst>
+  </p:cSld>
+  <p:clrMapOvr>
+    <a:masterClrMapping/>
+  </p:clrMapOvr>
+</p:sld>
+</file>
+
+<file path=ppt/slides/slide16.xml><?xml version="1.0" encoding="utf-8"?>
+<p:sld xmlns:a="http://schemas.openxmlformats.org/drawingml/2006/main" xmlns:r="http://schemas.openxmlformats.org/officeDocument/2006/relationships" xmlns:p="http://schemas.openxmlformats.org/presentationml/2006/main">
+  <p:cSld>
+    <p:spTree>
+      <p:nvGrpSpPr>
+        <p:cNvPr id="1" name=""/>
+        <p:cNvGrpSpPr/>
+        <p:nvPr/>
+      </p:nvGrpSpPr>
+      <p:grpSpPr>
+        <a:xfrm>
+          <a:off x="0" y="0"/>
+          <a:ext cx="0" cy="0"/>
+          <a:chOff x="0" y="0"/>
+          <a:chExt cx="0" cy="0"/>
+        </a:xfrm>
+      </p:grpSpPr>
+      <p:sp>
+        <p:nvSpPr>
+          <p:cNvPr id="17409" name="Titel 1"/>
+          <p:cNvSpPr>
+            <a:spLocks noGrp="1"/>
+          </p:cNvSpPr>
+          <p:nvPr>
+            <p:ph type="title"/>
+          </p:nvPr>
+        </p:nvSpPr>
+        <p:spPr/>
+        <p:txBody>
+          <a:bodyPr/>
+          <a:lstStyle/>
+          <a:p>
+            <a:r>
+              <a:rPr lang="de-DE" dirty="0"/>
+              <a:t>Vergleich</a:t>
+            </a:r>
+          </a:p>
+        </p:txBody>
+      </p:sp>
+      <p:sp>
+        <p:nvSpPr>
+          <p:cNvPr id="17412" name="Fußzeilenplatzhalter 3"/>
+          <p:cNvSpPr>
+            <a:spLocks noGrp="1"/>
+          </p:cNvSpPr>
+          <p:nvPr>
+            <p:ph type="ftr" sz="quarter" idx="10"/>
+          </p:nvPr>
+        </p:nvSpPr>
+        <p:spPr>
+          <a:noFill/>
+        </p:spPr>
+        <p:txBody>
+          <a:bodyPr/>
+          <a:lstStyle/>
+          <a:p>
+            <a:r>
+              <a:rPr lang="de-DE" dirty="0">
+                <a:latin typeface="Arial" charset="0"/>
+                <a:cs typeface="Arial" charset="0"/>
+              </a:rPr>
+              <a:t>Firnkes Patrick:</a:t>
+            </a:r>
+            <a:r>
+              <a:rPr lang="de-DE" dirty="0"/>
+              <a:t> Modellierung und Simulation von Lastverteilungsstrategien </a:t>
+            </a:r>
+            <a:endParaRPr lang="de-DE" dirty="0">
+              <a:latin typeface="Arial" charset="0"/>
+              <a:cs typeface="Arial" charset="0"/>
+            </a:endParaRPr>
+          </a:p>
+        </p:txBody>
+      </p:sp>
+      <p:grpSp>
+        <p:nvGrpSpPr>
+          <p:cNvPr id="5" name="Gruppieren 21">
+            <a:extLst>
+              <a:ext uri="{FF2B5EF4-FFF2-40B4-BE49-F238E27FC236}">
+                <a16:creationId xmlns="" xmlns:a16="http://schemas.microsoft.com/office/drawing/2014/main" id="{BCC0948F-C1E3-4907-854B-A0721D1FDACC}"/>
+              </a:ext>
+            </a:extLst>
+          </p:cNvPr>
+          <p:cNvGrpSpPr/>
+          <p:nvPr/>
+        </p:nvGrpSpPr>
+        <p:grpSpPr>
+          <a:xfrm>
+            <a:off x="72000" y="5993167"/>
+            <a:ext cx="9072000" cy="322628"/>
+            <a:chOff x="25400" y="5986694"/>
+            <a:chExt cx="9072000" cy="322628"/>
+          </a:xfrm>
+        </p:grpSpPr>
+        <p:sp>
+          <p:nvSpPr>
+            <p:cNvPr id="6" name="Textfeld 13">
+              <a:extLst>
+                <a:ext uri="{FF2B5EF4-FFF2-40B4-BE49-F238E27FC236}">
+                  <a16:creationId xmlns="" xmlns:a16="http://schemas.microsoft.com/office/drawing/2014/main" id="{425AEF1D-6595-4E36-A5D4-5F32C0012763}"/>
+                </a:ext>
+              </a:extLst>
+            </p:cNvPr>
+            <p:cNvSpPr txBox="1"/>
+            <p:nvPr/>
+          </p:nvSpPr>
+          <p:spPr>
+            <a:xfrm>
+              <a:off x="2380929" y="6032322"/>
+              <a:ext cx="1062593" cy="276999"/>
+            </a:xfrm>
+            <a:prstGeom prst="rect">
+              <a:avLst/>
+            </a:prstGeom>
+            <a:noFill/>
+            <a:ln>
+              <a:noFill/>
+            </a:ln>
+          </p:spPr>
+          <p:style>
+            <a:lnRef idx="2">
+              <a:schemeClr val="accent3"/>
+            </a:lnRef>
+            <a:fillRef idx="1">
+              <a:schemeClr val="lt1"/>
+            </a:fillRef>
+            <a:effectRef idx="0">
+              <a:schemeClr val="accent3"/>
+            </a:effectRef>
+            <a:fontRef idx="minor">
+              <a:schemeClr val="dk1"/>
+            </a:fontRef>
+          </p:style>
+          <p:txBody>
+            <a:bodyPr wrap="square" rtlCol="0">
+              <a:spAutoFit/>
+            </a:bodyPr>
+            <a:lstStyle/>
+            <a:p>
+              <a:r>
+                <a:rPr lang="de-DE" sz="1200" dirty="0"/>
+                <a:t>Grundlagen</a:t>
+              </a:r>
+            </a:p>
+          </p:txBody>
+        </p:sp>
+        <p:sp>
+          <p:nvSpPr>
+            <p:cNvPr id="7" name="Textfeld 6">
+              <a:extLst>
+                <a:ext uri="{FF2B5EF4-FFF2-40B4-BE49-F238E27FC236}">
+                  <a16:creationId xmlns="" xmlns:a16="http://schemas.microsoft.com/office/drawing/2014/main" id="{82ABF473-AD17-4ED8-AB87-CC275185AE43}"/>
+                </a:ext>
+              </a:extLst>
+            </p:cNvPr>
+            <p:cNvSpPr txBox="1"/>
+            <p:nvPr/>
+          </p:nvSpPr>
+          <p:spPr>
+            <a:xfrm>
+              <a:off x="4689228" y="6032323"/>
+              <a:ext cx="1614801" cy="276999"/>
+            </a:xfrm>
+            <a:prstGeom prst="rect">
+              <a:avLst/>
+            </a:prstGeom>
+            <a:noFill/>
+            <a:ln>
+              <a:noFill/>
+            </a:ln>
+          </p:spPr>
+          <p:style>
+            <a:lnRef idx="2">
+              <a:schemeClr val="accent3"/>
+            </a:lnRef>
+            <a:fillRef idx="1">
+              <a:schemeClr val="lt1"/>
+            </a:fillRef>
+            <a:effectRef idx="0">
+              <a:schemeClr val="accent3"/>
+            </a:effectRef>
+            <a:fontRef idx="minor">
+              <a:schemeClr val="dk1"/>
+            </a:fontRef>
+          </p:style>
+          <p:txBody>
+            <a:bodyPr wrap="none" rtlCol="0">
+              <a:spAutoFit/>
+            </a:bodyPr>
+            <a:lstStyle/>
+            <a:p>
+              <a:r>
+                <a:rPr lang="de-DE" sz="1200" b="1" dirty="0"/>
+                <a:t>Verwandte Arbeiten</a:t>
+              </a:r>
+            </a:p>
+          </p:txBody>
+        </p:sp>
+        <p:sp>
+          <p:nvSpPr>
+            <p:cNvPr id="8" name="Textfeld 7">
+              <a:extLst>
+                <a:ext uri="{FF2B5EF4-FFF2-40B4-BE49-F238E27FC236}">
+                  <a16:creationId xmlns="" xmlns:a16="http://schemas.microsoft.com/office/drawing/2014/main" id="{3841D7B1-EF8D-476C-85AC-C17E649EE1A9}"/>
+                </a:ext>
+              </a:extLst>
+            </p:cNvPr>
+            <p:cNvSpPr txBox="1"/>
+            <p:nvPr/>
+          </p:nvSpPr>
+          <p:spPr>
+            <a:xfrm>
+              <a:off x="7549736" y="6032321"/>
+              <a:ext cx="1491302" cy="276999"/>
+            </a:xfrm>
+            <a:prstGeom prst="rect">
+              <a:avLst/>
+            </a:prstGeom>
+            <a:noFill/>
+            <a:ln>
+              <a:noFill/>
+            </a:ln>
+          </p:spPr>
+          <p:style>
+            <a:lnRef idx="2">
+              <a:schemeClr val="accent3"/>
+            </a:lnRef>
+            <a:fillRef idx="1">
+              <a:schemeClr val="lt1"/>
+            </a:fillRef>
+            <a:effectRef idx="0">
+              <a:schemeClr val="accent3"/>
+            </a:effectRef>
+            <a:fontRef idx="minor">
+              <a:schemeClr val="dk1"/>
+            </a:fontRef>
+          </p:style>
+          <p:txBody>
+            <a:bodyPr wrap="square" rtlCol="0">
+              <a:spAutoFit/>
+            </a:bodyPr>
+            <a:lstStyle/>
+            <a:p>
+              <a:r>
+                <a:rPr lang="de-DE" sz="1200" dirty="0"/>
+                <a:t>Fazit</a:t>
+              </a:r>
+            </a:p>
+          </p:txBody>
+        </p:sp>
+        <p:sp>
+          <p:nvSpPr>
+            <p:cNvPr id="9" name="Textfeld 8">
+              <a:extLst>
+                <a:ext uri="{FF2B5EF4-FFF2-40B4-BE49-F238E27FC236}">
+                  <a16:creationId xmlns="" xmlns:a16="http://schemas.microsoft.com/office/drawing/2014/main" id="{0DF05AE7-97F5-4E02-9206-C6B40B968DFA}"/>
+                </a:ext>
+              </a:extLst>
+            </p:cNvPr>
+            <p:cNvSpPr txBox="1"/>
+            <p:nvPr/>
+          </p:nvSpPr>
+          <p:spPr>
+            <a:xfrm>
+              <a:off x="179512" y="6032321"/>
+              <a:ext cx="955711" cy="276999"/>
+            </a:xfrm>
+            <a:prstGeom prst="rect">
+              <a:avLst/>
+            </a:prstGeom>
+            <a:noFill/>
+            <a:ln>
+              <a:noFill/>
+            </a:ln>
+          </p:spPr>
+          <p:style>
+            <a:lnRef idx="2">
+              <a:schemeClr val="accent3"/>
+            </a:lnRef>
+            <a:fillRef idx="1">
+              <a:schemeClr val="lt1"/>
+            </a:fillRef>
+            <a:effectRef idx="0">
+              <a:schemeClr val="accent3"/>
+            </a:effectRef>
+            <a:fontRef idx="minor">
+              <a:schemeClr val="dk1"/>
+            </a:fontRef>
+          </p:style>
+          <p:txBody>
+            <a:bodyPr wrap="square" rtlCol="0">
+              <a:spAutoFit/>
+            </a:bodyPr>
+            <a:lstStyle/>
+            <a:p>
+              <a:r>
+                <a:rPr lang="en-US" sz="1200" dirty="0"/>
+                <a:t>Motivation</a:t>
+              </a:r>
+            </a:p>
+          </p:txBody>
+        </p:sp>
+        <p:sp>
+          <p:nvSpPr>
+            <p:cNvPr id="10" name="Eingekerbter Richtungspfeil 9">
+              <a:extLst>
+                <a:ext uri="{FF2B5EF4-FFF2-40B4-BE49-F238E27FC236}">
+                  <a16:creationId xmlns="" xmlns:a16="http://schemas.microsoft.com/office/drawing/2014/main" id="{C358C398-D0F2-4ECA-8BF9-29E733DFE60D}"/>
+                </a:ext>
+              </a:extLst>
+            </p:cNvPr>
+            <p:cNvSpPr/>
+            <p:nvPr/>
+          </p:nvSpPr>
+          <p:spPr>
+            <a:xfrm>
+              <a:off x="1678828" y="6091573"/>
+              <a:ext cx="158496" cy="158496"/>
+            </a:xfrm>
+            <a:prstGeom prst="chevron">
+              <a:avLst/>
+            </a:prstGeom>
+          </p:spPr>
+          <p:style>
+            <a:lnRef idx="1">
+              <a:schemeClr val="accent4"/>
+            </a:lnRef>
+            <a:fillRef idx="2">
+              <a:schemeClr val="accent4"/>
+            </a:fillRef>
+            <a:effectRef idx="1">
+              <a:schemeClr val="accent4"/>
+            </a:effectRef>
+            <a:fontRef idx="minor">
+              <a:schemeClr val="dk1"/>
+            </a:fontRef>
+          </p:style>
+          <p:txBody>
+            <a:bodyPr rtlCol="0" anchor="ctr"/>
+            <a:lstStyle/>
+            <a:p>
+              <a:pPr algn="ctr"/>
+              <a:endParaRPr lang="de-DE" dirty="0">
+                <a:solidFill>
+                  <a:schemeClr val="tx1"/>
+                </a:solidFill>
+              </a:endParaRPr>
+            </a:p>
+          </p:txBody>
+        </p:sp>
+        <p:sp>
+          <p:nvSpPr>
+            <p:cNvPr id="11" name="Eingekerbter Richtungspfeil 10">
+              <a:extLst>
+                <a:ext uri="{FF2B5EF4-FFF2-40B4-BE49-F238E27FC236}">
+                  <a16:creationId xmlns="" xmlns:a16="http://schemas.microsoft.com/office/drawing/2014/main" id="{3FEDA7B1-0BEF-47B2-90E9-8E698F727222}"/>
+                </a:ext>
+              </a:extLst>
+            </p:cNvPr>
+            <p:cNvSpPr/>
+            <p:nvPr/>
+          </p:nvSpPr>
+          <p:spPr>
+            <a:xfrm>
+              <a:off x="3987127" y="6091574"/>
+              <a:ext cx="158496" cy="158496"/>
+            </a:xfrm>
+            <a:prstGeom prst="chevron">
+              <a:avLst/>
+            </a:prstGeom>
+          </p:spPr>
+          <p:style>
+            <a:lnRef idx="1">
+              <a:schemeClr val="accent4"/>
+            </a:lnRef>
+            <a:fillRef idx="2">
+              <a:schemeClr val="accent4"/>
+            </a:fillRef>
+            <a:effectRef idx="1">
+              <a:schemeClr val="accent4"/>
+            </a:effectRef>
+            <a:fontRef idx="minor">
+              <a:schemeClr val="dk1"/>
+            </a:fontRef>
+          </p:style>
+          <p:txBody>
+            <a:bodyPr rtlCol="0" anchor="ctr"/>
+            <a:lstStyle/>
+            <a:p>
+              <a:pPr algn="ctr"/>
+              <a:endParaRPr lang="de-DE">
+                <a:solidFill>
+                  <a:schemeClr val="tx1"/>
+                </a:solidFill>
+              </a:endParaRPr>
+            </a:p>
+          </p:txBody>
+        </p:sp>
+        <p:sp>
+          <p:nvSpPr>
+            <p:cNvPr id="12" name="Eingekerbter Richtungspfeil 11">
+              <a:extLst>
+                <a:ext uri="{FF2B5EF4-FFF2-40B4-BE49-F238E27FC236}">
+                  <a16:creationId xmlns="" xmlns:a16="http://schemas.microsoft.com/office/drawing/2014/main" id="{2EBD9B49-A90C-436A-BBEF-D89DD2237ECF}"/>
+                </a:ext>
+              </a:extLst>
+            </p:cNvPr>
+            <p:cNvSpPr/>
+            <p:nvPr/>
+          </p:nvSpPr>
+          <p:spPr>
+            <a:xfrm>
+              <a:off x="6847634" y="6091575"/>
+              <a:ext cx="158496" cy="158496"/>
+            </a:xfrm>
+            <a:prstGeom prst="chevron">
+              <a:avLst/>
+            </a:prstGeom>
+          </p:spPr>
+          <p:style>
+            <a:lnRef idx="1">
+              <a:schemeClr val="accent4"/>
+            </a:lnRef>
+            <a:fillRef idx="2">
+              <a:schemeClr val="accent4"/>
+            </a:fillRef>
+            <a:effectRef idx="1">
+              <a:schemeClr val="accent4"/>
+            </a:effectRef>
+            <a:fontRef idx="minor">
+              <a:schemeClr val="dk1"/>
+            </a:fontRef>
+          </p:style>
+          <p:txBody>
+            <a:bodyPr rtlCol="0" anchor="ctr"/>
+            <a:lstStyle/>
+            <a:p>
+              <a:pPr algn="ctr"/>
+              <a:endParaRPr lang="de-DE">
+                <a:solidFill>
+                  <a:schemeClr val="tx1"/>
+                </a:solidFill>
+              </a:endParaRPr>
+            </a:p>
+          </p:txBody>
+        </p:sp>
+        <p:cxnSp>
+          <p:nvCxnSpPr>
+            <p:cNvPr id="13" name="Gerade Verbindung 28">
+              <a:extLst>
+                <a:ext uri="{FF2B5EF4-FFF2-40B4-BE49-F238E27FC236}">
+                  <a16:creationId xmlns="" xmlns:a16="http://schemas.microsoft.com/office/drawing/2014/main" id="{F1621AAB-A494-467F-9704-6039B7079C13}"/>
+                </a:ext>
+              </a:extLst>
+            </p:cNvPr>
+            <p:cNvCxnSpPr/>
+            <p:nvPr/>
+          </p:nvCxnSpPr>
+          <p:spPr>
+            <a:xfrm>
+              <a:off x="25400" y="5986694"/>
+              <a:ext cx="9072000" cy="1588"/>
+            </a:xfrm>
+            <a:prstGeom prst="line">
+              <a:avLst/>
+            </a:prstGeom>
+            <a:ln w="41275">
+              <a:solidFill>
+                <a:schemeClr val="accent3">
+                  <a:lumMod val="85000"/>
+                </a:schemeClr>
+              </a:solidFill>
+            </a:ln>
+          </p:spPr>
+          <p:style>
+            <a:lnRef idx="1">
+              <a:schemeClr val="accent1"/>
+            </a:lnRef>
+            <a:fillRef idx="0">
+              <a:schemeClr val="accent1"/>
+            </a:fillRef>
+            <a:effectRef idx="0">
+              <a:schemeClr val="accent1"/>
+            </a:effectRef>
+            <a:fontRef idx="minor">
+              <a:schemeClr val="tx1"/>
+            </a:fontRef>
+          </p:style>
+        </p:cxnSp>
+      </p:grpSp>
+      <p:pic>
+        <p:nvPicPr>
+          <p:cNvPr id="3" name="Grafik 2"/>
+          <p:cNvPicPr>
+            <a:picLocks noChangeAspect="1"/>
+          </p:cNvPicPr>
+          <p:nvPr/>
+        </p:nvPicPr>
+        <p:blipFill>
+          <a:blip r:embed="rId3"/>
+          <a:stretch>
+            <a:fillRect/>
+          </a:stretch>
+        </p:blipFill>
+        <p:spPr>
+          <a:xfrm>
+            <a:off x="1353098" y="858939"/>
+            <a:ext cx="6262687" cy="5112208"/>
+          </a:xfrm>
+          <a:prstGeom prst="rect">
+            <a:avLst/>
+          </a:prstGeom>
+        </p:spPr>
+      </p:pic>
+      <p:sp>
+        <p:nvSpPr>
+          <p:cNvPr id="14" name="Rechteck 13">
+            <a:extLst>
+              <a:ext uri="{FF2B5EF4-FFF2-40B4-BE49-F238E27FC236}">
+                <a16:creationId xmlns="" xmlns:a16="http://schemas.microsoft.com/office/drawing/2014/main" id="{1F9FA5A9-D44F-4AD2-BF6A-26F4FBE1416F}"/>
+              </a:ext>
+            </a:extLst>
+          </p:cNvPr>
+          <p:cNvSpPr/>
+          <p:nvPr/>
+        </p:nvSpPr>
+        <p:spPr>
+          <a:xfrm>
+            <a:off x="6248400" y="1295400"/>
+            <a:ext cx="483229" cy="4472396"/>
+          </a:xfrm>
+          <a:prstGeom prst="rect">
+            <a:avLst/>
+          </a:prstGeom>
+          <a:solidFill>
+            <a:srgbClr val="FFFF00">
+              <a:alpha val="38824"/>
+            </a:srgbClr>
+          </a:solidFill>
+          <a:ln>
+            <a:solidFill>
+              <a:srgbClr val="FFFFFF"/>
+            </a:solidFill>
+          </a:ln>
+        </p:spPr>
+        <p:style>
+          <a:lnRef idx="2">
+            <a:schemeClr val="accent1">
+              <a:shade val="50000"/>
+            </a:schemeClr>
+          </a:lnRef>
+          <a:fillRef idx="1">
+            <a:schemeClr val="accent1"/>
+          </a:fillRef>
+          <a:effectRef idx="0">
+            <a:schemeClr val="accent1"/>
+          </a:effectRef>
+          <a:fontRef idx="minor">
+            <a:schemeClr val="lt1"/>
+          </a:fontRef>
+        </p:style>
+        <p:txBody>
+          <a:bodyPr rtlCol="0" anchor="ctr"/>
+          <a:lstStyle/>
+          <a:p>
+            <a:pPr algn="ctr"/>
+            <a:endParaRPr lang="de-DE"/>
+          </a:p>
+        </p:txBody>
+      </p:sp>
+    </p:spTree>
+    <p:extLst>
+      <p:ext uri="{BB962C8B-B14F-4D97-AF65-F5344CB8AC3E}">
+        <p14:creationId xmlns:p14="http://schemas.microsoft.com/office/powerpoint/2010/main" val="1095230025"/>
+      </p:ext>
+    </p:extLst>
+  </p:cSld>
+  <p:clrMapOvr>
+    <a:masterClrMapping/>
+  </p:clrMapOvr>
+</p:sld>
+</file>
+
+<file path=ppt/slides/slide17.xml><?xml version="1.0" encoding="utf-8"?>
+<p:sld xmlns:a="http://schemas.openxmlformats.org/drawingml/2006/main" xmlns:r="http://schemas.openxmlformats.org/officeDocument/2006/relationships" xmlns:p="http://schemas.openxmlformats.org/presentationml/2006/main">
+  <p:cSld>
+    <p:spTree>
+      <p:nvGrpSpPr>
+        <p:cNvPr id="1" name=""/>
+        <p:cNvGrpSpPr/>
+        <p:nvPr/>
+      </p:nvGrpSpPr>
+      <p:grpSpPr>
+        <a:xfrm>
+          <a:off x="0" y="0"/>
+          <a:ext cx="0" cy="0"/>
+          <a:chOff x="0" y="0"/>
+          <a:chExt cx="0" cy="0"/>
+        </a:xfrm>
+      </p:grpSpPr>
+      <p:sp>
+        <p:nvSpPr>
+          <p:cNvPr id="17409" name="Titel 1"/>
+          <p:cNvSpPr>
+            <a:spLocks noGrp="1"/>
+          </p:cNvSpPr>
+          <p:nvPr>
+            <p:ph type="title"/>
+          </p:nvPr>
+        </p:nvSpPr>
+        <p:spPr/>
+        <p:txBody>
+          <a:bodyPr/>
+          <a:lstStyle/>
+          <a:p>
+            <a:r>
+              <a:rPr lang="de-DE" dirty="0" smtClean="0"/>
+              <a:t>Offene Punkte</a:t>
+            </a:r>
+            <a:endParaRPr lang="de-DE" dirty="0"/>
+          </a:p>
+        </p:txBody>
+      </p:sp>
+      <p:sp>
+        <p:nvSpPr>
+          <p:cNvPr id="2" name="Inhaltsplatzhalter 1"/>
+          <p:cNvSpPr>
+            <a:spLocks noGrp="1"/>
+          </p:cNvSpPr>
+          <p:nvPr>
+            <p:ph idx="1"/>
+          </p:nvPr>
+        </p:nvSpPr>
+        <p:spPr>
+          <a:xfrm>
+            <a:off x="387956" y="1679589"/>
+            <a:ext cx="8358188" cy="3886200"/>
+          </a:xfrm>
+        </p:spPr>
+        <p:txBody>
+          <a:bodyPr/>
+          <a:lstStyle/>
+          <a:p>
+            <a:r>
+              <a:rPr lang="de-DE" dirty="0" smtClean="0"/>
+              <a:t>Keine </a:t>
+            </a:r>
+            <a:r>
+              <a:rPr lang="de-DE" dirty="0" smtClean="0"/>
+              <a:t>große Simulation</a:t>
+            </a:r>
+            <a:endParaRPr lang="de-DE" dirty="0" smtClean="0"/>
+          </a:p>
+          <a:p>
+            <a:pPr lvl="1"/>
+            <a:r>
+              <a:rPr lang="de-DE" dirty="0" smtClean="0"/>
+              <a:t>Meiste Fallstudien unter 100 CPUs</a:t>
+            </a:r>
+          </a:p>
+          <a:p>
+            <a:pPr lvl="1"/>
+            <a:r>
+              <a:rPr lang="de-DE" dirty="0" smtClean="0"/>
+              <a:t>Größte: MONARC Tier 2 mit 3000 CPUs</a:t>
+            </a:r>
+          </a:p>
+          <a:p>
+            <a:pPr lvl="1"/>
+            <a:r>
+              <a:rPr lang="de-DE" dirty="0" smtClean="0"/>
+              <a:t>WLCG: </a:t>
+            </a:r>
+            <a:r>
+              <a:rPr lang="de-DE" dirty="0" smtClean="0"/>
+              <a:t>72.000 </a:t>
+            </a:r>
+            <a:r>
+              <a:rPr lang="de-DE" dirty="0" smtClean="0"/>
+              <a:t>CPUs</a:t>
+            </a:r>
+          </a:p>
+          <a:p>
+            <a:r>
+              <a:rPr lang="de-DE" dirty="0" smtClean="0"/>
+              <a:t>Datenlokalität</a:t>
+            </a:r>
+          </a:p>
+          <a:p>
+            <a:pPr lvl="1"/>
+            <a:r>
+              <a:rPr lang="de-DE" dirty="0" smtClean="0"/>
+              <a:t>Datenreplikation evaluieren</a:t>
+            </a:r>
+          </a:p>
+          <a:p>
+            <a:pPr lvl="1"/>
+            <a:r>
+              <a:rPr lang="de-DE" dirty="0" smtClean="0"/>
+              <a:t>Konkrete </a:t>
+            </a:r>
+            <a:r>
+              <a:rPr lang="de-DE" dirty="0" err="1" smtClean="0"/>
+              <a:t>Scheduling</a:t>
+            </a:r>
+            <a:r>
+              <a:rPr lang="de-DE" dirty="0"/>
+              <a:t> </a:t>
+            </a:r>
+            <a:r>
+              <a:rPr lang="de-DE" dirty="0" smtClean="0"/>
+              <a:t>Entscheidungen vergleichen</a:t>
+            </a:r>
+            <a:endParaRPr lang="de-DE" dirty="0"/>
+          </a:p>
+        </p:txBody>
+      </p:sp>
+      <p:sp>
+        <p:nvSpPr>
+          <p:cNvPr id="17412" name="Fußzeilenplatzhalter 3"/>
+          <p:cNvSpPr>
+            <a:spLocks noGrp="1"/>
+          </p:cNvSpPr>
+          <p:nvPr>
+            <p:ph type="ftr" sz="quarter" idx="10"/>
+          </p:nvPr>
+        </p:nvSpPr>
+        <p:spPr>
+          <a:noFill/>
+        </p:spPr>
+        <p:txBody>
+          <a:bodyPr/>
+          <a:lstStyle/>
+          <a:p>
+            <a:r>
+              <a:rPr lang="de-DE" dirty="0">
+                <a:latin typeface="Arial" charset="0"/>
+                <a:cs typeface="Arial" charset="0"/>
+              </a:rPr>
+              <a:t>Firnkes Patrick:</a:t>
+            </a:r>
+            <a:r>
+              <a:rPr lang="de-DE" dirty="0"/>
+              <a:t> Modellierung und Simulation von Lastverteilungsstrategien </a:t>
+            </a:r>
+            <a:endParaRPr lang="de-DE" dirty="0">
+              <a:latin typeface="Arial" charset="0"/>
+              <a:cs typeface="Arial" charset="0"/>
+            </a:endParaRPr>
+          </a:p>
+        </p:txBody>
+      </p:sp>
+      <p:grpSp>
+        <p:nvGrpSpPr>
+          <p:cNvPr id="5" name="Gruppieren 21">
+            <a:extLst>
+              <a:ext uri="{FF2B5EF4-FFF2-40B4-BE49-F238E27FC236}">
+                <a16:creationId xmlns="" xmlns:a16="http://schemas.microsoft.com/office/drawing/2014/main" id="{BCC0948F-C1E3-4907-854B-A0721D1FDACC}"/>
+              </a:ext>
+            </a:extLst>
+          </p:cNvPr>
+          <p:cNvGrpSpPr/>
+          <p:nvPr/>
+        </p:nvGrpSpPr>
+        <p:grpSpPr>
+          <a:xfrm>
+            <a:off x="72000" y="5993167"/>
+            <a:ext cx="9072000" cy="322628"/>
+            <a:chOff x="25400" y="5986694"/>
+            <a:chExt cx="9072000" cy="322628"/>
+          </a:xfrm>
+        </p:grpSpPr>
+        <p:sp>
+          <p:nvSpPr>
+            <p:cNvPr id="6" name="Textfeld 13">
+              <a:extLst>
+                <a:ext uri="{FF2B5EF4-FFF2-40B4-BE49-F238E27FC236}">
+                  <a16:creationId xmlns="" xmlns:a16="http://schemas.microsoft.com/office/drawing/2014/main" id="{425AEF1D-6595-4E36-A5D4-5F32C0012763}"/>
+                </a:ext>
+              </a:extLst>
+            </p:cNvPr>
+            <p:cNvSpPr txBox="1"/>
+            <p:nvPr/>
+          </p:nvSpPr>
+          <p:spPr>
+            <a:xfrm>
+              <a:off x="2380929" y="6032322"/>
+              <a:ext cx="1062593" cy="276999"/>
+            </a:xfrm>
+            <a:prstGeom prst="rect">
+              <a:avLst/>
+            </a:prstGeom>
+            <a:noFill/>
+            <a:ln>
+              <a:noFill/>
+            </a:ln>
+          </p:spPr>
+          <p:style>
+            <a:lnRef idx="2">
+              <a:schemeClr val="accent3"/>
+            </a:lnRef>
+            <a:fillRef idx="1">
+              <a:schemeClr val="lt1"/>
+            </a:fillRef>
+            <a:effectRef idx="0">
+              <a:schemeClr val="accent3"/>
+            </a:effectRef>
+            <a:fontRef idx="minor">
+              <a:schemeClr val="dk1"/>
+            </a:fontRef>
+          </p:style>
+          <p:txBody>
+            <a:bodyPr wrap="square" rtlCol="0">
+              <a:spAutoFit/>
+            </a:bodyPr>
+            <a:lstStyle/>
+            <a:p>
+              <a:r>
+                <a:rPr lang="de-DE" sz="1200" dirty="0"/>
+                <a:t>Grundlagen</a:t>
+              </a:r>
+            </a:p>
+          </p:txBody>
+        </p:sp>
+        <p:sp>
+          <p:nvSpPr>
+            <p:cNvPr id="7" name="Textfeld 6">
+              <a:extLst>
+                <a:ext uri="{FF2B5EF4-FFF2-40B4-BE49-F238E27FC236}">
+                  <a16:creationId xmlns="" xmlns:a16="http://schemas.microsoft.com/office/drawing/2014/main" id="{82ABF473-AD17-4ED8-AB87-CC275185AE43}"/>
+                </a:ext>
+              </a:extLst>
+            </p:cNvPr>
+            <p:cNvSpPr txBox="1"/>
+            <p:nvPr/>
+          </p:nvSpPr>
+          <p:spPr>
+            <a:xfrm>
+              <a:off x="4689228" y="6032323"/>
+              <a:ext cx="1614801" cy="276999"/>
+            </a:xfrm>
+            <a:prstGeom prst="rect">
+              <a:avLst/>
+            </a:prstGeom>
+            <a:noFill/>
+            <a:ln>
+              <a:noFill/>
+            </a:ln>
+          </p:spPr>
+          <p:style>
+            <a:lnRef idx="2">
+              <a:schemeClr val="accent3"/>
+            </a:lnRef>
+            <a:fillRef idx="1">
+              <a:schemeClr val="lt1"/>
+            </a:fillRef>
+            <a:effectRef idx="0">
+              <a:schemeClr val="accent3"/>
+            </a:effectRef>
+            <a:fontRef idx="minor">
+              <a:schemeClr val="dk1"/>
+            </a:fontRef>
+          </p:style>
+          <p:txBody>
+            <a:bodyPr wrap="none" rtlCol="0">
+              <a:spAutoFit/>
+            </a:bodyPr>
+            <a:lstStyle/>
+            <a:p>
+              <a:r>
+                <a:rPr lang="de-DE" sz="1200" b="1" dirty="0"/>
+                <a:t>Verwandte Arbeiten</a:t>
+              </a:r>
+            </a:p>
+          </p:txBody>
+        </p:sp>
+        <p:sp>
+          <p:nvSpPr>
+            <p:cNvPr id="8" name="Textfeld 7">
+              <a:extLst>
+                <a:ext uri="{FF2B5EF4-FFF2-40B4-BE49-F238E27FC236}">
+                  <a16:creationId xmlns="" xmlns:a16="http://schemas.microsoft.com/office/drawing/2014/main" id="{3841D7B1-EF8D-476C-85AC-C17E649EE1A9}"/>
+                </a:ext>
+              </a:extLst>
+            </p:cNvPr>
+            <p:cNvSpPr txBox="1"/>
+            <p:nvPr/>
+          </p:nvSpPr>
+          <p:spPr>
+            <a:xfrm>
+              <a:off x="7549736" y="6032321"/>
+              <a:ext cx="1491302" cy="276999"/>
+            </a:xfrm>
+            <a:prstGeom prst="rect">
+              <a:avLst/>
+            </a:prstGeom>
+            <a:noFill/>
+            <a:ln>
+              <a:noFill/>
+            </a:ln>
+          </p:spPr>
+          <p:style>
+            <a:lnRef idx="2">
+              <a:schemeClr val="accent3"/>
+            </a:lnRef>
+            <a:fillRef idx="1">
+              <a:schemeClr val="lt1"/>
+            </a:fillRef>
+            <a:effectRef idx="0">
+              <a:schemeClr val="accent3"/>
+            </a:effectRef>
+            <a:fontRef idx="minor">
+              <a:schemeClr val="dk1"/>
+            </a:fontRef>
+          </p:style>
+          <p:txBody>
+            <a:bodyPr wrap="square" rtlCol="0">
+              <a:spAutoFit/>
+            </a:bodyPr>
+            <a:lstStyle/>
+            <a:p>
+              <a:r>
+                <a:rPr lang="de-DE" sz="1200" dirty="0"/>
+                <a:t>Fazit</a:t>
+              </a:r>
+            </a:p>
+          </p:txBody>
+        </p:sp>
+        <p:sp>
+          <p:nvSpPr>
+            <p:cNvPr id="9" name="Textfeld 8">
+              <a:extLst>
+                <a:ext uri="{FF2B5EF4-FFF2-40B4-BE49-F238E27FC236}">
+                  <a16:creationId xmlns="" xmlns:a16="http://schemas.microsoft.com/office/drawing/2014/main" id="{0DF05AE7-97F5-4E02-9206-C6B40B968DFA}"/>
+                </a:ext>
+              </a:extLst>
+            </p:cNvPr>
+            <p:cNvSpPr txBox="1"/>
+            <p:nvPr/>
+          </p:nvSpPr>
+          <p:spPr>
+            <a:xfrm>
+              <a:off x="179512" y="6032321"/>
+              <a:ext cx="955711" cy="276999"/>
+            </a:xfrm>
+            <a:prstGeom prst="rect">
+              <a:avLst/>
+            </a:prstGeom>
+            <a:noFill/>
+            <a:ln>
+              <a:noFill/>
+            </a:ln>
+          </p:spPr>
+          <p:style>
+            <a:lnRef idx="2">
+              <a:schemeClr val="accent3"/>
+            </a:lnRef>
+            <a:fillRef idx="1">
+              <a:schemeClr val="lt1"/>
+            </a:fillRef>
+            <a:effectRef idx="0">
+              <a:schemeClr val="accent3"/>
+            </a:effectRef>
+            <a:fontRef idx="minor">
+              <a:schemeClr val="dk1"/>
+            </a:fontRef>
+          </p:style>
+          <p:txBody>
+            <a:bodyPr wrap="square" rtlCol="0">
+              <a:spAutoFit/>
+            </a:bodyPr>
+            <a:lstStyle/>
+            <a:p>
+              <a:r>
+                <a:rPr lang="en-US" sz="1200" dirty="0"/>
+                <a:t>Motivation</a:t>
+              </a:r>
+            </a:p>
+          </p:txBody>
+        </p:sp>
+        <p:sp>
+          <p:nvSpPr>
+            <p:cNvPr id="10" name="Eingekerbter Richtungspfeil 9">
+              <a:extLst>
+                <a:ext uri="{FF2B5EF4-FFF2-40B4-BE49-F238E27FC236}">
+                  <a16:creationId xmlns="" xmlns:a16="http://schemas.microsoft.com/office/drawing/2014/main" id="{C358C398-D0F2-4ECA-8BF9-29E733DFE60D}"/>
+                </a:ext>
+              </a:extLst>
+            </p:cNvPr>
+            <p:cNvSpPr/>
+            <p:nvPr/>
+          </p:nvSpPr>
+          <p:spPr>
+            <a:xfrm>
+              <a:off x="1678828" y="6091573"/>
+              <a:ext cx="158496" cy="158496"/>
+            </a:xfrm>
+            <a:prstGeom prst="chevron">
+              <a:avLst/>
+            </a:prstGeom>
+          </p:spPr>
+          <p:style>
+            <a:lnRef idx="1">
+              <a:schemeClr val="accent4"/>
+            </a:lnRef>
+            <a:fillRef idx="2">
+              <a:schemeClr val="accent4"/>
+            </a:fillRef>
+            <a:effectRef idx="1">
+              <a:schemeClr val="accent4"/>
+            </a:effectRef>
+            <a:fontRef idx="minor">
+              <a:schemeClr val="dk1"/>
+            </a:fontRef>
+          </p:style>
+          <p:txBody>
+            <a:bodyPr rtlCol="0" anchor="ctr"/>
+            <a:lstStyle/>
+            <a:p>
+              <a:pPr algn="ctr"/>
+              <a:endParaRPr lang="de-DE" dirty="0">
+                <a:solidFill>
+                  <a:schemeClr val="tx1"/>
+                </a:solidFill>
+              </a:endParaRPr>
+            </a:p>
+          </p:txBody>
+        </p:sp>
+        <p:sp>
+          <p:nvSpPr>
+            <p:cNvPr id="11" name="Eingekerbter Richtungspfeil 10">
+              <a:extLst>
+                <a:ext uri="{FF2B5EF4-FFF2-40B4-BE49-F238E27FC236}">
+                  <a16:creationId xmlns="" xmlns:a16="http://schemas.microsoft.com/office/drawing/2014/main" id="{3FEDA7B1-0BEF-47B2-90E9-8E698F727222}"/>
+                </a:ext>
+              </a:extLst>
+            </p:cNvPr>
+            <p:cNvSpPr/>
+            <p:nvPr/>
+          </p:nvSpPr>
+          <p:spPr>
+            <a:xfrm>
+              <a:off x="3987127" y="6091574"/>
+              <a:ext cx="158496" cy="158496"/>
+            </a:xfrm>
+            <a:prstGeom prst="chevron">
+              <a:avLst/>
+            </a:prstGeom>
+          </p:spPr>
+          <p:style>
+            <a:lnRef idx="1">
+              <a:schemeClr val="accent4"/>
+            </a:lnRef>
+            <a:fillRef idx="2">
+              <a:schemeClr val="accent4"/>
+            </a:fillRef>
+            <a:effectRef idx="1">
+              <a:schemeClr val="accent4"/>
+            </a:effectRef>
+            <a:fontRef idx="minor">
+              <a:schemeClr val="dk1"/>
+            </a:fontRef>
+          </p:style>
+          <p:txBody>
+            <a:bodyPr rtlCol="0" anchor="ctr"/>
+            <a:lstStyle/>
+            <a:p>
+              <a:pPr algn="ctr"/>
+              <a:endParaRPr lang="de-DE">
+                <a:solidFill>
+                  <a:schemeClr val="tx1"/>
+                </a:solidFill>
+              </a:endParaRPr>
+            </a:p>
+          </p:txBody>
+        </p:sp>
+        <p:sp>
+          <p:nvSpPr>
+            <p:cNvPr id="12" name="Eingekerbter Richtungspfeil 11">
+              <a:extLst>
+                <a:ext uri="{FF2B5EF4-FFF2-40B4-BE49-F238E27FC236}">
+                  <a16:creationId xmlns="" xmlns:a16="http://schemas.microsoft.com/office/drawing/2014/main" id="{2EBD9B49-A90C-436A-BBEF-D89DD2237ECF}"/>
+                </a:ext>
+              </a:extLst>
+            </p:cNvPr>
+            <p:cNvSpPr/>
+            <p:nvPr/>
+          </p:nvSpPr>
+          <p:spPr>
+            <a:xfrm>
+              <a:off x="6847634" y="6091575"/>
+              <a:ext cx="158496" cy="158496"/>
+            </a:xfrm>
+            <a:prstGeom prst="chevron">
+              <a:avLst/>
+            </a:prstGeom>
+          </p:spPr>
+          <p:style>
+            <a:lnRef idx="1">
+              <a:schemeClr val="accent4"/>
+            </a:lnRef>
+            <a:fillRef idx="2">
+              <a:schemeClr val="accent4"/>
+            </a:fillRef>
+            <a:effectRef idx="1">
+              <a:schemeClr val="accent4"/>
+            </a:effectRef>
+            <a:fontRef idx="minor">
+              <a:schemeClr val="dk1"/>
+            </a:fontRef>
+          </p:style>
+          <p:txBody>
+            <a:bodyPr rtlCol="0" anchor="ctr"/>
+            <a:lstStyle/>
+            <a:p>
+              <a:pPr algn="ctr"/>
+              <a:endParaRPr lang="de-DE">
+                <a:solidFill>
+                  <a:schemeClr val="tx1"/>
+                </a:solidFill>
+              </a:endParaRPr>
+            </a:p>
+          </p:txBody>
+        </p:sp>
+        <p:cxnSp>
+          <p:nvCxnSpPr>
+            <p:cNvPr id="13" name="Gerade Verbindung 28">
+              <a:extLst>
+                <a:ext uri="{FF2B5EF4-FFF2-40B4-BE49-F238E27FC236}">
+                  <a16:creationId xmlns="" xmlns:a16="http://schemas.microsoft.com/office/drawing/2014/main" id="{F1621AAB-A494-467F-9704-6039B7079C13}"/>
+                </a:ext>
+              </a:extLst>
+            </p:cNvPr>
+            <p:cNvCxnSpPr/>
+            <p:nvPr/>
+          </p:nvCxnSpPr>
+          <p:spPr>
+            <a:xfrm>
+              <a:off x="25400" y="5986694"/>
+              <a:ext cx="9072000" cy="1588"/>
+            </a:xfrm>
+            <a:prstGeom prst="line">
+              <a:avLst/>
+            </a:prstGeom>
+            <a:ln w="41275">
+              <a:solidFill>
+                <a:schemeClr val="accent3">
+                  <a:lumMod val="85000"/>
+                </a:schemeClr>
+              </a:solidFill>
+            </a:ln>
+          </p:spPr>
+          <p:style>
+            <a:lnRef idx="1">
+              <a:schemeClr val="accent1"/>
+            </a:lnRef>
+            <a:fillRef idx="0">
+              <a:schemeClr val="accent1"/>
+            </a:fillRef>
+            <a:effectRef idx="0">
+              <a:schemeClr val="accent1"/>
+            </a:effectRef>
+            <a:fontRef idx="minor">
+              <a:schemeClr val="tx1"/>
+            </a:fontRef>
+          </p:style>
+        </p:cxnSp>
+      </p:grpSp>
+    </p:spTree>
+    <p:extLst>
+      <p:ext uri="{BB962C8B-B14F-4D97-AF65-F5344CB8AC3E}">
+        <p14:creationId xmlns:p14="http://schemas.microsoft.com/office/powerpoint/2010/main" val="1467745452"/>
+      </p:ext>
+    </p:extLst>
+  </p:cSld>
+  <p:clrMapOvr>
+    <a:masterClrMapping/>
+  </p:clrMapOvr>
+</p:sld>
+</file>
+
+<file path=ppt/slides/slide18.xml><?xml version="1.0" encoding="utf-8"?>
+<p:sld xmlns:a="http://schemas.openxmlformats.org/drawingml/2006/main" xmlns:r="http://schemas.openxmlformats.org/officeDocument/2006/relationships" xmlns:p="http://schemas.openxmlformats.org/presentationml/2006/main">
+  <p:cSld>
+    <p:spTree>
+      <p:nvGrpSpPr>
+        <p:cNvPr id="1" name=""/>
+        <p:cNvGrpSpPr/>
+        <p:nvPr/>
+      </p:nvGrpSpPr>
+      <p:grpSpPr>
+        <a:xfrm>
+          <a:off x="0" y="0"/>
+          <a:ext cx="0" cy="0"/>
+          <a:chOff x="0" y="0"/>
+          <a:chExt cx="0" cy="0"/>
+        </a:xfrm>
+      </p:grpSpPr>
+      <p:sp>
+        <p:nvSpPr>
+          <p:cNvPr id="17409" name="Titel 1"/>
+          <p:cNvSpPr>
+            <a:spLocks noGrp="1"/>
+          </p:cNvSpPr>
+          <p:nvPr>
+            <p:ph type="title"/>
+          </p:nvPr>
+        </p:nvSpPr>
+        <p:spPr/>
+        <p:txBody>
+          <a:bodyPr/>
+          <a:lstStyle/>
+          <a:p>
+            <a:r>
+              <a:rPr lang="de-DE" dirty="0"/>
               <a:t>Fazit</a:t>
             </a:r>
           </a:p>
@@ -8610,35 +13375,22 @@
           <a:p>
             <a:r>
               <a:rPr lang="de-DE" dirty="0"/>
-              <a:t>Simulation </a:t>
-            </a:r>
-            <a:r>
-              <a:rPr lang="de-DE" dirty="0" smtClean="0"/>
-              <a:t>notwendig</a:t>
-            </a:r>
+              <a:t>Simulation notwendig, um effizient Grid zu betreiben</a:t>
+            </a:r>
+          </a:p>
+          <a:p>
+            <a:pPr lvl="1"/>
             <a:r>
               <a:rPr lang="de-DE" dirty="0"/>
-              <a:t>, um effizient Grid zu </a:t>
-            </a:r>
-            <a:r>
-              <a:rPr lang="de-DE" dirty="0" smtClean="0"/>
-              <a:t>betreiben</a:t>
+              <a:t>Lastverteilung</a:t>
             </a:r>
           </a:p>
           <a:p>
             <a:pPr lvl="1"/>
             <a:r>
-              <a:rPr lang="de-DE" dirty="0" smtClean="0"/>
-              <a:t>Lastverteilung</a:t>
-            </a:r>
-          </a:p>
-          <a:p>
-            <a:pPr lvl="1"/>
-            <a:r>
-              <a:rPr lang="de-DE" dirty="0" smtClean="0"/>
+              <a:rPr lang="de-DE" dirty="0"/>
               <a:t>Infrastruktur</a:t>
             </a:r>
-            <a:endParaRPr lang="de-DE" dirty="0"/>
           </a:p>
           <a:p>
             <a:r>
@@ -8648,26 +13400,9 @@
           </a:p>
           <a:p>
             <a:r>
-              <a:rPr lang="de-DE" dirty="0" smtClean="0"/>
-              <a:t>Unsere </a:t>
-            </a:r>
-            <a:r>
               <a:rPr lang="de-DE" dirty="0"/>
-              <a:t>A</a:t>
-            </a:r>
-            <a:r>
-              <a:rPr lang="de-DE" dirty="0" smtClean="0"/>
-              <a:t>rbeit </a:t>
-            </a:r>
-            <a:r>
-              <a:rPr lang="de-DE" dirty="0"/>
-              <a:t>wird zeigen ob Simulatoren </a:t>
-            </a:r>
-            <a:r>
-              <a:rPr lang="de-DE" dirty="0" smtClean="0"/>
-              <a:t>für derart großen Systeme geeignet sind</a:t>
-            </a:r>
-            <a:endParaRPr lang="de-DE" dirty="0"/>
+              <a:t>Unsere Arbeit wird zeigen ob Simulatoren für derart großen Systeme geeignet sind</a:t>
+            </a:r>
           </a:p>
         </p:txBody>
       </p:sp>
@@ -8711,7 +13446,7 @@
           <p:cNvPr id="34" name="Gruppieren 21">
             <a:extLst>
               <a:ext uri="{FF2B5EF4-FFF2-40B4-BE49-F238E27FC236}">
-                <a16:creationId xmlns:a16="http://schemas.microsoft.com/office/drawing/2014/main" xmlns="" id="{BCC0948F-C1E3-4907-854B-A0721D1FDACC}"/>
+                <a16:creationId xmlns="" xmlns:a16="http://schemas.microsoft.com/office/drawing/2014/main" id="{BCC0948F-C1E3-4907-854B-A0721D1FDACC}"/>
               </a:ext>
             </a:extLst>
           </p:cNvPr>
@@ -8731,7 +13466,7 @@
             <p:cNvPr id="36" name="Textfeld 13">
               <a:extLst>
                 <a:ext uri="{FF2B5EF4-FFF2-40B4-BE49-F238E27FC236}">
-                  <a16:creationId xmlns:a16="http://schemas.microsoft.com/office/drawing/2014/main" xmlns="" id="{425AEF1D-6595-4E36-A5D4-5F32C0012763}"/>
+                  <a16:creationId xmlns="" xmlns:a16="http://schemas.microsoft.com/office/drawing/2014/main" id="{425AEF1D-6595-4E36-A5D4-5F32C0012763}"/>
                 </a:ext>
               </a:extLst>
             </p:cNvPr>
@@ -8783,7 +13518,7 @@
             <p:cNvPr id="63" name="Textfeld 62">
               <a:extLst>
                 <a:ext uri="{FF2B5EF4-FFF2-40B4-BE49-F238E27FC236}">
-                  <a16:creationId xmlns:a16="http://schemas.microsoft.com/office/drawing/2014/main" xmlns="" id="{82ABF473-AD17-4ED8-AB87-CC275185AE43}"/>
+                  <a16:creationId xmlns="" xmlns:a16="http://schemas.microsoft.com/office/drawing/2014/main" id="{82ABF473-AD17-4ED8-AB87-CC275185AE43}"/>
                 </a:ext>
               </a:extLst>
             </p:cNvPr>
@@ -8835,7 +13570,7 @@
             <p:cNvPr id="64" name="Textfeld 63">
               <a:extLst>
                 <a:ext uri="{FF2B5EF4-FFF2-40B4-BE49-F238E27FC236}">
-                  <a16:creationId xmlns:a16="http://schemas.microsoft.com/office/drawing/2014/main" xmlns="" id="{3841D7B1-EF8D-476C-85AC-C17E649EE1A9}"/>
+                  <a16:creationId xmlns="" xmlns:a16="http://schemas.microsoft.com/office/drawing/2014/main" id="{3841D7B1-EF8D-476C-85AC-C17E649EE1A9}"/>
                 </a:ext>
               </a:extLst>
             </p:cNvPr>
@@ -8876,10 +13611,9 @@
             <a:lstStyle/>
             <a:p>
               <a:r>
-                <a:rPr lang="de-DE" sz="1200" b="1" dirty="0" smtClean="0"/>
+                <a:rPr lang="de-DE" sz="1200" b="1" dirty="0"/>
                 <a:t>Fazit</a:t>
               </a:r>
-              <a:endParaRPr lang="de-DE" sz="1200" b="1" dirty="0"/>
             </a:p>
           </p:txBody>
         </p:sp>
@@ -8888,7 +13622,7 @@
             <p:cNvPr id="65" name="Textfeld 64">
               <a:extLst>
                 <a:ext uri="{FF2B5EF4-FFF2-40B4-BE49-F238E27FC236}">
-                  <a16:creationId xmlns:a16="http://schemas.microsoft.com/office/drawing/2014/main" xmlns="" id="{0DF05AE7-97F5-4E02-9206-C6B40B968DFA}"/>
+                  <a16:creationId xmlns="" xmlns:a16="http://schemas.microsoft.com/office/drawing/2014/main" id="{0DF05AE7-97F5-4E02-9206-C6B40B968DFA}"/>
                 </a:ext>
               </a:extLst>
             </p:cNvPr>
@@ -8940,7 +13674,7 @@
             <p:cNvPr id="66" name="Eingekerbter Richtungspfeil 23">
               <a:extLst>
                 <a:ext uri="{FF2B5EF4-FFF2-40B4-BE49-F238E27FC236}">
-                  <a16:creationId xmlns:a16="http://schemas.microsoft.com/office/drawing/2014/main" xmlns="" id="{C358C398-D0F2-4ECA-8BF9-29E733DFE60D}"/>
+                  <a16:creationId xmlns="" xmlns:a16="http://schemas.microsoft.com/office/drawing/2014/main" id="{C358C398-D0F2-4ECA-8BF9-29E733DFE60D}"/>
                 </a:ext>
               </a:extLst>
             </p:cNvPr>
@@ -8988,7 +13722,7 @@
             <p:cNvPr id="67" name="Eingekerbter Richtungspfeil 24">
               <a:extLst>
                 <a:ext uri="{FF2B5EF4-FFF2-40B4-BE49-F238E27FC236}">
-                  <a16:creationId xmlns:a16="http://schemas.microsoft.com/office/drawing/2014/main" xmlns="" id="{3FEDA7B1-0BEF-47B2-90E9-8E698F727222}"/>
+                  <a16:creationId xmlns="" xmlns:a16="http://schemas.microsoft.com/office/drawing/2014/main" id="{3FEDA7B1-0BEF-47B2-90E9-8E698F727222}"/>
                 </a:ext>
               </a:extLst>
             </p:cNvPr>
@@ -9036,7 +13770,7 @@
             <p:cNvPr id="68" name="Eingekerbter Richtungspfeil 25">
               <a:extLst>
                 <a:ext uri="{FF2B5EF4-FFF2-40B4-BE49-F238E27FC236}">
-                  <a16:creationId xmlns:a16="http://schemas.microsoft.com/office/drawing/2014/main" xmlns="" id="{2EBD9B49-A90C-436A-BBEF-D89DD2237ECF}"/>
+                  <a16:creationId xmlns="" xmlns:a16="http://schemas.microsoft.com/office/drawing/2014/main" id="{2EBD9B49-A90C-436A-BBEF-D89DD2237ECF}"/>
                 </a:ext>
               </a:extLst>
             </p:cNvPr>
@@ -9084,7 +13818,7 @@
             <p:cNvPr id="71" name="Gerade Verbindung 28">
               <a:extLst>
                 <a:ext uri="{FF2B5EF4-FFF2-40B4-BE49-F238E27FC236}">
-                  <a16:creationId xmlns:a16="http://schemas.microsoft.com/office/drawing/2014/main" xmlns="" id="{F1621AAB-A494-467F-9704-6039B7079C13}"/>
+                  <a16:creationId xmlns="" xmlns:a16="http://schemas.microsoft.com/office/drawing/2014/main" id="{F1621AAB-A494-467F-9704-6039B7079C13}"/>
                 </a:ext>
               </a:extLst>
             </p:cNvPr>
@@ -9133,1418 +13867,6 @@
   <p:clrMapOvr>
     <a:masterClrMapping/>
   </p:clrMapOvr>
-  <p:timing>
-    <p:tnLst>
-      <p:par>
-        <p:cTn id="1" dur="indefinite" restart="never" nodeType="tmRoot"/>
-      </p:par>
-    </p:tnLst>
-  </p:timing>
-</p:sld>
-</file>
-
-<file path=ppt/slides/slide13.xml><?xml version="1.0" encoding="utf-8"?>
-<p:sld xmlns:a="http://schemas.openxmlformats.org/drawingml/2006/main" xmlns:r="http://schemas.openxmlformats.org/officeDocument/2006/relationships" xmlns:p="http://schemas.openxmlformats.org/presentationml/2006/main">
-  <p:cSld>
-    <p:spTree>
-      <p:nvGrpSpPr>
-        <p:cNvPr id="1" name=""/>
-        <p:cNvGrpSpPr/>
-        <p:nvPr/>
-      </p:nvGrpSpPr>
-      <p:grpSpPr>
-        <a:xfrm>
-          <a:off x="0" y="0"/>
-          <a:ext cx="0" cy="0"/>
-          <a:chOff x="0" y="0"/>
-          <a:chExt cx="0" cy="0"/>
-        </a:xfrm>
-      </p:grpSpPr>
-      <p:sp>
-        <p:nvSpPr>
-          <p:cNvPr id="17409" name="Titel 1"/>
-          <p:cNvSpPr>
-            <a:spLocks noGrp="1"/>
-          </p:cNvSpPr>
-          <p:nvPr>
-            <p:ph type="title"/>
-          </p:nvPr>
-        </p:nvSpPr>
-        <p:spPr/>
-        <p:txBody>
-          <a:bodyPr/>
-          <a:lstStyle/>
-          <a:p>
-            <a:r>
-              <a:rPr lang="de-DE" noProof="0" dirty="0"/>
-              <a:t>Quellen</a:t>
-            </a:r>
-          </a:p>
-        </p:txBody>
-      </p:sp>
-      <p:sp>
-        <p:nvSpPr>
-          <p:cNvPr id="3" name="Inhaltsplatzhalter 2"/>
-          <p:cNvSpPr>
-            <a:spLocks noGrp="1"/>
-          </p:cNvSpPr>
-          <p:nvPr>
-            <p:ph idx="1"/>
-          </p:nvPr>
-        </p:nvSpPr>
-        <p:spPr/>
-        <p:txBody>
-          <a:bodyPr/>
-          <a:lstStyle/>
-          <a:p>
-            <a:r>
-              <a:rPr lang="de-DE" sz="2000" noProof="0" dirty="0"/>
-              <a:t>[1] WLCG Project. WLCG Worldwide LHC Computing Grid. 2017. url: http://wlcg-public.web.cern.ch/ (</a:t>
-            </a:r>
-            <a:r>
-              <a:rPr lang="de-DE" sz="2000" noProof="0" dirty="0" err="1"/>
-              <a:t>visited</a:t>
-            </a:r>
-            <a:r>
-              <a:rPr lang="de-DE" sz="2000" noProof="0" dirty="0"/>
-              <a:t> on 11/2017).</a:t>
-            </a:r>
-          </a:p>
-          <a:p>
-            <a:r>
-              <a:rPr lang="de-DE" sz="2000" noProof="0" dirty="0"/>
-              <a:t>[2] WLCG Project. WLCG </a:t>
-            </a:r>
-            <a:r>
-              <a:rPr lang="de-DE" sz="2000" noProof="0" dirty="0" err="1"/>
-              <a:t>REsource</a:t>
-            </a:r>
-            <a:r>
-              <a:rPr lang="de-DE" sz="2000" noProof="0" dirty="0"/>
-              <a:t>, Balance &amp; </a:t>
-            </a:r>
-            <a:r>
-              <a:rPr lang="de-DE" sz="2000" noProof="0" dirty="0" err="1"/>
-              <a:t>USage</a:t>
-            </a:r>
-            <a:r>
-              <a:rPr lang="de-DE" sz="2000" noProof="0" dirty="0"/>
-              <a:t>. 2017. url: https://wlcg-rebus.cern.ch/apps/capacities/federations/ (</a:t>
-            </a:r>
-            <a:r>
-              <a:rPr lang="de-DE" sz="2000" noProof="0" dirty="0" err="1"/>
-              <a:t>visited</a:t>
-            </a:r>
-            <a:r>
-              <a:rPr lang="de-DE" sz="2000" noProof="0" dirty="0"/>
-              <a:t> on 11/2017).</a:t>
-            </a:r>
-          </a:p>
-          <a:p>
-            <a:r>
-              <a:rPr lang="de-DE" sz="2000" noProof="0" dirty="0"/>
-              <a:t>[3] Ian Bird. “Computing </a:t>
-            </a:r>
-            <a:r>
-              <a:rPr lang="de-DE" sz="2000" noProof="0" dirty="0" err="1"/>
-              <a:t>for</a:t>
-            </a:r>
-            <a:r>
-              <a:rPr lang="de-DE" sz="2000" noProof="0" dirty="0"/>
-              <a:t> the Large </a:t>
-            </a:r>
-            <a:r>
-              <a:rPr lang="de-DE" sz="2000" noProof="0" dirty="0" err="1"/>
-              <a:t>Hadron</a:t>
-            </a:r>
-            <a:r>
-              <a:rPr lang="de-DE" sz="2000" noProof="0" dirty="0"/>
-              <a:t> </a:t>
-            </a:r>
-            <a:r>
-              <a:rPr lang="de-DE" sz="2000" noProof="0" dirty="0" err="1"/>
-              <a:t>Collider</a:t>
-            </a:r>
-            <a:r>
-              <a:rPr lang="de-DE" sz="2000" noProof="0" dirty="0"/>
-              <a:t>”. In: Annual Review of </a:t>
-            </a:r>
-            <a:r>
-              <a:rPr lang="de-DE" sz="2000" noProof="0" dirty="0" err="1"/>
-              <a:t>Nuclear</a:t>
-            </a:r>
-            <a:r>
-              <a:rPr lang="de-DE" sz="2000" noProof="0" dirty="0"/>
-              <a:t> </a:t>
-            </a:r>
-            <a:r>
-              <a:rPr lang="de-DE" sz="2000" noProof="0" dirty="0" err="1"/>
-              <a:t>and</a:t>
-            </a:r>
-            <a:r>
-              <a:rPr lang="de-DE" sz="2000" noProof="0" dirty="0"/>
-              <a:t> </a:t>
-            </a:r>
-            <a:r>
-              <a:rPr lang="de-DE" sz="2000" noProof="0" dirty="0" err="1"/>
-              <a:t>Particle</a:t>
-            </a:r>
-            <a:r>
-              <a:rPr lang="de-DE" sz="2000" noProof="0" dirty="0"/>
-              <a:t> Science 61.1 (2011), pp. 99–118. </a:t>
-            </a:r>
-            <a:r>
-              <a:rPr lang="de-DE" sz="2000" noProof="0" dirty="0" err="1"/>
-              <a:t>doi</a:t>
-            </a:r>
-            <a:r>
-              <a:rPr lang="de-DE" sz="2000" noProof="0" dirty="0"/>
-              <a:t>: 10 . 1146 / </a:t>
-            </a:r>
-            <a:r>
-              <a:rPr lang="de-DE" sz="2000" noProof="0" dirty="0" err="1"/>
-              <a:t>annurev</a:t>
-            </a:r>
-            <a:r>
-              <a:rPr lang="de-DE" sz="2000" noProof="0" dirty="0"/>
-              <a:t> - </a:t>
-            </a:r>
-            <a:r>
-              <a:rPr lang="de-DE" sz="2000" noProof="0" dirty="0" err="1"/>
-              <a:t>nucl</a:t>
-            </a:r>
-            <a:r>
-              <a:rPr lang="de-DE" sz="2000" noProof="0" dirty="0"/>
-              <a:t> - 102010 -130059. </a:t>
-            </a:r>
-            <a:r>
-              <a:rPr lang="de-DE" sz="2000" noProof="0" dirty="0" err="1"/>
-              <a:t>print</a:t>
-            </a:r>
-            <a:r>
-              <a:rPr lang="de-DE" sz="2000" noProof="0" dirty="0"/>
-              <a:t>: https://doi.org/10.1146/annurev-nucl-102010-130059. url: </a:t>
-            </a:r>
-            <a:r>
-              <a:rPr lang="de-DE" sz="2000" noProof="0" dirty="0">
-                <a:hlinkClick r:id="rId3"/>
-              </a:rPr>
-              <a:t>https://doi.org/10.1146/annurev-nucl-102010-130059</a:t>
-            </a:r>
-            <a:r>
-              <a:rPr lang="de-DE" sz="2000" noProof="0" dirty="0"/>
-              <a:t>.</a:t>
-            </a:r>
-          </a:p>
-          <a:p>
-            <a:r>
-              <a:rPr lang="de-DE" sz="2000" noProof="0" dirty="0"/>
-              <a:t>[4] Steen Becker, Heiko </a:t>
-            </a:r>
-            <a:r>
-              <a:rPr lang="de-DE" sz="2000" noProof="0" dirty="0" err="1"/>
-              <a:t>Koziolek</a:t>
-            </a:r>
-            <a:r>
-              <a:rPr lang="de-DE" sz="2000" noProof="0" dirty="0"/>
-              <a:t>, </a:t>
-            </a:r>
-            <a:r>
-              <a:rPr lang="de-DE" sz="2000" noProof="0" dirty="0" err="1"/>
-              <a:t>and</a:t>
-            </a:r>
-            <a:r>
-              <a:rPr lang="de-DE" sz="2000" noProof="0" dirty="0"/>
-              <a:t> Ralf </a:t>
-            </a:r>
-            <a:r>
-              <a:rPr lang="de-DE" sz="2000" noProof="0" dirty="0" err="1"/>
-              <a:t>Reussner</a:t>
-            </a:r>
-            <a:r>
-              <a:rPr lang="de-DE" sz="2000" noProof="0" dirty="0"/>
-              <a:t>. “The Palladio </a:t>
-            </a:r>
-            <a:r>
-              <a:rPr lang="de-DE" sz="2000" noProof="0" dirty="0" err="1"/>
-              <a:t>component</a:t>
-            </a:r>
-            <a:r>
-              <a:rPr lang="de-DE" sz="2000" noProof="0" dirty="0"/>
-              <a:t> </a:t>
-            </a:r>
-            <a:r>
-              <a:rPr lang="de-DE" sz="2000" noProof="0" dirty="0" err="1"/>
-              <a:t>model</a:t>
-            </a:r>
-            <a:r>
-              <a:rPr lang="de-DE" sz="2000" noProof="0" dirty="0"/>
-              <a:t> </a:t>
-            </a:r>
-            <a:r>
-              <a:rPr lang="de-DE" sz="2000" noProof="0" dirty="0" err="1"/>
-              <a:t>for</a:t>
-            </a:r>
-            <a:r>
-              <a:rPr lang="de-DE" sz="2000" noProof="0" dirty="0"/>
-              <a:t> model-</a:t>
-            </a:r>
-            <a:r>
-              <a:rPr lang="de-DE" sz="2000" noProof="0" dirty="0" err="1"/>
-              <a:t>driven</a:t>
-            </a:r>
-            <a:r>
-              <a:rPr lang="de-DE" sz="2000" noProof="0" dirty="0"/>
-              <a:t> </a:t>
-            </a:r>
-            <a:r>
-              <a:rPr lang="de-DE" sz="2000" noProof="0" dirty="0" err="1"/>
-              <a:t>performance</a:t>
-            </a:r>
-            <a:r>
-              <a:rPr lang="de-DE" sz="2000" noProof="0" dirty="0"/>
-              <a:t> </a:t>
-            </a:r>
-            <a:r>
-              <a:rPr lang="de-DE" sz="2000" noProof="0" dirty="0" err="1"/>
-              <a:t>prediction</a:t>
-            </a:r>
-            <a:r>
-              <a:rPr lang="de-DE" sz="2000" noProof="0" dirty="0"/>
-              <a:t>”. In: Journal of Systems </a:t>
-            </a:r>
-            <a:r>
-              <a:rPr lang="de-DE" sz="2000" noProof="0" dirty="0" err="1"/>
-              <a:t>and</a:t>
-            </a:r>
-            <a:r>
-              <a:rPr lang="de-DE" sz="2000" noProof="0" dirty="0"/>
-              <a:t> Software 82.1 (2009).Special </a:t>
-            </a:r>
-            <a:r>
-              <a:rPr lang="de-DE" sz="2000" noProof="0" dirty="0" err="1"/>
-              <a:t>Issue</a:t>
-            </a:r>
-            <a:r>
-              <a:rPr lang="de-DE" sz="2000" noProof="0" dirty="0"/>
-              <a:t>: Software </a:t>
-            </a:r>
-            <a:r>
-              <a:rPr lang="de-DE" sz="2000" noProof="0" dirty="0" err="1"/>
-              <a:t>performance</a:t>
-            </a:r>
-            <a:r>
-              <a:rPr lang="de-DE" sz="2000" noProof="0" dirty="0"/>
-              <a:t> - Modeling </a:t>
-            </a:r>
-            <a:r>
-              <a:rPr lang="de-DE" sz="2000" noProof="0" dirty="0" err="1"/>
-              <a:t>and</a:t>
-            </a:r>
-            <a:r>
-              <a:rPr lang="de-DE" sz="2000" noProof="0" dirty="0"/>
-              <a:t> Analysis, pp. 3–22. </a:t>
-            </a:r>
-            <a:r>
-              <a:rPr lang="de-DE" sz="2000" noProof="0" dirty="0" err="1"/>
-              <a:t>issn</a:t>
-            </a:r>
-            <a:r>
-              <a:rPr lang="de-DE" sz="2000" noProof="0" dirty="0"/>
-              <a:t>: 0164-1212.doi: https://doi.org/10.1016/j.jss.2008.03.066. url: http://www.sciencedirect.com/science/article/pii/S0164121208001015.</a:t>
-            </a:r>
-          </a:p>
-        </p:txBody>
-      </p:sp>
-      <p:sp>
-        <p:nvSpPr>
-          <p:cNvPr id="17412" name="Fußzeilenplatzhalter 3"/>
-          <p:cNvSpPr>
-            <a:spLocks noGrp="1"/>
-          </p:cNvSpPr>
-          <p:nvPr>
-            <p:ph type="ftr" sz="quarter" idx="10"/>
-          </p:nvPr>
-        </p:nvSpPr>
-        <p:spPr>
-          <a:noFill/>
-        </p:spPr>
-        <p:txBody>
-          <a:bodyPr/>
-          <a:lstStyle/>
-          <a:p>
-            <a:r>
-              <a:rPr lang="de-DE" dirty="0">
-                <a:latin typeface="Arial" charset="0"/>
-                <a:cs typeface="Arial" charset="0"/>
-              </a:rPr>
-              <a:t>Firnkes Patrick:</a:t>
-            </a:r>
-            <a:r>
-              <a:rPr lang="de-DE" dirty="0"/>
-              <a:t> Modellierung und Simulation von Lastverteilungsstrategien </a:t>
-            </a:r>
-            <a:endParaRPr lang="de-DE" dirty="0">
-              <a:latin typeface="Arial" charset="0"/>
-              <a:cs typeface="Arial" charset="0"/>
-            </a:endParaRPr>
-          </a:p>
-        </p:txBody>
-      </p:sp>
-    </p:spTree>
-    <p:extLst>
-      <p:ext uri="{BB962C8B-B14F-4D97-AF65-F5344CB8AC3E}">
-        <p14:creationId xmlns:p14="http://schemas.microsoft.com/office/powerpoint/2010/main" val="1427489207"/>
-      </p:ext>
-    </p:extLst>
-  </p:cSld>
-  <p:clrMapOvr>
-    <a:masterClrMapping/>
-  </p:clrMapOvr>
-  <p:timing>
-    <p:tnLst>
-      <p:par>
-        <p:cTn id="1" dur="indefinite" restart="never" nodeType="tmRoot"/>
-      </p:par>
-    </p:tnLst>
-  </p:timing>
-</p:sld>
-</file>
-
-<file path=ppt/slides/slide14.xml><?xml version="1.0" encoding="utf-8"?>
-<p:sld xmlns:a="http://schemas.openxmlformats.org/drawingml/2006/main" xmlns:r="http://schemas.openxmlformats.org/officeDocument/2006/relationships" xmlns:p="http://schemas.openxmlformats.org/presentationml/2006/main">
-  <p:cSld>
-    <p:spTree>
-      <p:nvGrpSpPr>
-        <p:cNvPr id="1" name=""/>
-        <p:cNvGrpSpPr/>
-        <p:nvPr/>
-      </p:nvGrpSpPr>
-      <p:grpSpPr>
-        <a:xfrm>
-          <a:off x="0" y="0"/>
-          <a:ext cx="0" cy="0"/>
-          <a:chOff x="0" y="0"/>
-          <a:chExt cx="0" cy="0"/>
-        </a:xfrm>
-      </p:grpSpPr>
-      <p:sp>
-        <p:nvSpPr>
-          <p:cNvPr id="17409" name="Titel 1"/>
-          <p:cNvSpPr>
-            <a:spLocks noGrp="1"/>
-          </p:cNvSpPr>
-          <p:nvPr>
-            <p:ph type="title"/>
-          </p:nvPr>
-        </p:nvSpPr>
-        <p:spPr/>
-        <p:txBody>
-          <a:bodyPr/>
-          <a:lstStyle/>
-          <a:p>
-            <a:r>
-              <a:rPr lang="de-DE" noProof="0" dirty="0"/>
-              <a:t>Quellen</a:t>
-            </a:r>
-          </a:p>
-        </p:txBody>
-      </p:sp>
-      <p:sp>
-        <p:nvSpPr>
-          <p:cNvPr id="3" name="Inhaltsplatzhalter 2"/>
-          <p:cNvSpPr>
-            <a:spLocks noGrp="1"/>
-          </p:cNvSpPr>
-          <p:nvPr>
-            <p:ph idx="1"/>
-          </p:nvPr>
-        </p:nvSpPr>
-        <p:spPr/>
-        <p:txBody>
-          <a:bodyPr/>
-          <a:lstStyle/>
-          <a:p>
-            <a:r>
-              <a:rPr lang="de-DE" sz="2000" noProof="0" dirty="0"/>
-              <a:t>[5] Sebastian </a:t>
-            </a:r>
-            <a:r>
-              <a:rPr lang="de-DE" sz="2000" noProof="0" dirty="0" err="1"/>
-              <a:t>Lehrig</a:t>
-            </a:r>
-            <a:r>
-              <a:rPr lang="de-DE" sz="2000" noProof="0" dirty="0"/>
-              <a:t> </a:t>
-            </a:r>
-            <a:r>
-              <a:rPr lang="de-DE" sz="2000" noProof="0" dirty="0" err="1"/>
-              <a:t>and</a:t>
-            </a:r>
-            <a:r>
-              <a:rPr lang="de-DE" sz="2000" noProof="0" dirty="0"/>
-              <a:t> Matthias Becker. “</a:t>
-            </a:r>
-            <a:r>
-              <a:rPr lang="de-DE" sz="2000" noProof="0" dirty="0" err="1"/>
-              <a:t>Approaching</a:t>
-            </a:r>
-            <a:r>
-              <a:rPr lang="de-DE" sz="2000" noProof="0" dirty="0"/>
-              <a:t> the </a:t>
-            </a:r>
-            <a:r>
-              <a:rPr lang="de-DE" sz="2000" noProof="0" dirty="0" err="1"/>
-              <a:t>cloud</a:t>
-            </a:r>
-            <a:r>
-              <a:rPr lang="de-DE" sz="2000" noProof="0" dirty="0"/>
-              <a:t>: </a:t>
-            </a:r>
-            <a:r>
-              <a:rPr lang="de-DE" sz="2000" noProof="0" dirty="0" err="1"/>
-              <a:t>Using</a:t>
-            </a:r>
-            <a:r>
-              <a:rPr lang="de-DE" sz="2000" noProof="0" dirty="0"/>
-              <a:t> </a:t>
-            </a:r>
-            <a:r>
-              <a:rPr lang="de-DE" sz="2000" noProof="0" dirty="0" err="1"/>
-              <a:t>palladio</a:t>
-            </a:r>
-            <a:r>
-              <a:rPr lang="de-DE" sz="2000" noProof="0" dirty="0"/>
-              <a:t> </a:t>
-            </a:r>
-            <a:r>
-              <a:rPr lang="de-DE" sz="2000" noProof="0" dirty="0" err="1"/>
-              <a:t>for</a:t>
-            </a:r>
-            <a:r>
-              <a:rPr lang="de-DE" sz="2000" noProof="0" dirty="0"/>
-              <a:t> </a:t>
-            </a:r>
-            <a:r>
-              <a:rPr lang="de-DE" sz="2000" noProof="0" dirty="0" err="1"/>
-              <a:t>scalability,elasticity</a:t>
-            </a:r>
-            <a:r>
-              <a:rPr lang="de-DE" sz="2000" noProof="0" dirty="0"/>
-              <a:t>, </a:t>
-            </a:r>
-            <a:r>
-              <a:rPr lang="de-DE" sz="2000" noProof="0" dirty="0" err="1"/>
-              <a:t>and</a:t>
-            </a:r>
-            <a:r>
-              <a:rPr lang="de-DE" sz="2000" noProof="0" dirty="0"/>
-              <a:t> </a:t>
-            </a:r>
-            <a:r>
-              <a:rPr lang="de-DE" sz="2000" noProof="0" dirty="0" err="1"/>
-              <a:t>eciency</a:t>
-            </a:r>
-            <a:r>
-              <a:rPr lang="de-DE" sz="2000" noProof="0" dirty="0"/>
-              <a:t> </a:t>
-            </a:r>
-            <a:r>
-              <a:rPr lang="de-DE" sz="2000" noProof="0" dirty="0" err="1"/>
-              <a:t>analyses</a:t>
-            </a:r>
-            <a:r>
-              <a:rPr lang="de-DE" sz="2000" noProof="0" dirty="0"/>
-              <a:t>”. In: </a:t>
-            </a:r>
-            <a:r>
-              <a:rPr lang="de-DE" sz="2000" noProof="0" dirty="0" err="1"/>
-              <a:t>Proceedings</a:t>
-            </a:r>
-            <a:r>
-              <a:rPr lang="de-DE" sz="2000" noProof="0" dirty="0"/>
-              <a:t> of the Symposium on </a:t>
-            </a:r>
-            <a:r>
-              <a:rPr lang="de-DE" sz="2000" noProof="0" dirty="0" err="1"/>
-              <a:t>SoftwarePerformance</a:t>
-            </a:r>
-            <a:r>
-              <a:rPr lang="de-DE" sz="2000" noProof="0" dirty="0"/>
-              <a:t>. 2014, pp. 26–28.</a:t>
-            </a:r>
-          </a:p>
-          <a:p>
-            <a:r>
-              <a:rPr lang="de-DE" sz="2000" noProof="0" dirty="0"/>
-              <a:t>[6] Matthias Becker, Steen Becker, </a:t>
-            </a:r>
-            <a:r>
-              <a:rPr lang="de-DE" sz="2000" noProof="0" dirty="0" err="1"/>
-              <a:t>and</a:t>
-            </a:r>
-            <a:r>
-              <a:rPr lang="de-DE" sz="2000" noProof="0" dirty="0"/>
-              <a:t> Joachim Meyer. “</a:t>
-            </a:r>
-            <a:r>
-              <a:rPr lang="de-DE" sz="2000" noProof="0" dirty="0" err="1"/>
-              <a:t>SimuLizar</a:t>
-            </a:r>
-            <a:r>
-              <a:rPr lang="de-DE" sz="2000" noProof="0" dirty="0"/>
-              <a:t>: Design-Time Modeling </a:t>
-            </a:r>
-            <a:r>
-              <a:rPr lang="de-DE" sz="2000" noProof="0" dirty="0" err="1"/>
-              <a:t>and</a:t>
-            </a:r>
-            <a:r>
-              <a:rPr lang="de-DE" sz="2000" noProof="0" dirty="0"/>
-              <a:t> Performance Analysis of </a:t>
-            </a:r>
-            <a:r>
-              <a:rPr lang="de-DE" sz="2000" noProof="0" dirty="0" err="1"/>
-              <a:t>Self</a:t>
-            </a:r>
-            <a:r>
-              <a:rPr lang="de-DE" sz="2000" noProof="0" dirty="0"/>
-              <a:t>-Adaptive Systems.” In: Software Engineering 213 (2013), pp. 71–84.</a:t>
-            </a:r>
-          </a:p>
-          <a:p>
-            <a:r>
-              <a:rPr lang="de-DE" sz="2000" noProof="0" dirty="0"/>
-              <a:t>[7] C Zach et al. “Simulation of the </a:t>
-            </a:r>
-            <a:r>
-              <a:rPr lang="de-DE" sz="2000" noProof="0" dirty="0" err="1"/>
-              <a:t>job</a:t>
-            </a:r>
-            <a:r>
-              <a:rPr lang="de-DE" sz="2000" noProof="0" dirty="0"/>
-              <a:t> </a:t>
-            </a:r>
-            <a:r>
-              <a:rPr lang="de-DE" sz="2000" noProof="0" dirty="0" err="1"/>
-              <a:t>processing</a:t>
-            </a:r>
-            <a:r>
-              <a:rPr lang="de-DE" sz="2000" noProof="0" dirty="0"/>
-              <a:t> </a:t>
-            </a:r>
-            <a:r>
-              <a:rPr lang="de-DE" sz="2000" noProof="0" dirty="0" err="1"/>
-              <a:t>performance</a:t>
-            </a:r>
-            <a:r>
-              <a:rPr lang="de-DE" sz="2000" noProof="0" dirty="0"/>
-              <a:t> at an ALICE Tier-2 </a:t>
-            </a:r>
-            <a:r>
-              <a:rPr lang="de-DE" sz="2000" noProof="0" dirty="0" err="1"/>
-              <a:t>site</a:t>
-            </a:r>
-            <a:r>
-              <a:rPr lang="de-DE" sz="2000" noProof="0" dirty="0"/>
-              <a:t> </a:t>
-            </a:r>
-            <a:r>
-              <a:rPr lang="de-DE" sz="2000" noProof="0" dirty="0" err="1"/>
-              <a:t>with</a:t>
-            </a:r>
-            <a:r>
-              <a:rPr lang="de-DE" sz="2000" noProof="0" dirty="0"/>
-              <a:t> MONARC”. In: Journal of </a:t>
-            </a:r>
-            <a:r>
-              <a:rPr lang="de-DE" sz="2000" noProof="0" dirty="0" err="1"/>
-              <a:t>Physics</a:t>
-            </a:r>
-            <a:r>
-              <a:rPr lang="de-DE" sz="2000" noProof="0" dirty="0"/>
-              <a:t>: Conference Series 331.7 (2011), p. 072038. </a:t>
-            </a:r>
-            <a:r>
-              <a:rPr lang="de-DE" sz="2000" noProof="0" dirty="0">
-                <a:hlinkClick r:id="rId3"/>
-              </a:rPr>
-              <a:t>url:http://stacks.iop.org/1742-6596/331/i=7/a=072038</a:t>
-            </a:r>
-            <a:r>
-              <a:rPr lang="de-DE" sz="2000" noProof="0" dirty="0"/>
-              <a:t>.</a:t>
-            </a:r>
-          </a:p>
-          <a:p>
-            <a:r>
-              <a:rPr lang="de-DE" sz="2000" noProof="0" dirty="0"/>
-              <a:t>[8] </a:t>
-            </a:r>
-            <a:r>
-              <a:rPr lang="de-DE" sz="2000" dirty="0"/>
-              <a:t>Henri Casanova et al. “Versatile, </a:t>
-            </a:r>
-            <a:r>
-              <a:rPr lang="de-DE" sz="2000" dirty="0" err="1"/>
-              <a:t>Scalable</a:t>
-            </a:r>
-            <a:r>
-              <a:rPr lang="de-DE" sz="2000" dirty="0"/>
-              <a:t>, </a:t>
-            </a:r>
-            <a:r>
-              <a:rPr lang="de-DE" sz="2000" dirty="0" err="1"/>
-              <a:t>and</a:t>
-            </a:r>
-            <a:r>
-              <a:rPr lang="de-DE" sz="2000" dirty="0"/>
-              <a:t> </a:t>
-            </a:r>
-            <a:r>
-              <a:rPr lang="de-DE" sz="2000" dirty="0" err="1"/>
-              <a:t>Accurate</a:t>
-            </a:r>
-            <a:r>
-              <a:rPr lang="de-DE" sz="2000" dirty="0"/>
-              <a:t> Simulation of Distributed </a:t>
-            </a:r>
-            <a:r>
-              <a:rPr lang="de-DE" sz="2000" dirty="0" err="1"/>
-              <a:t>Applications</a:t>
-            </a:r>
-            <a:r>
-              <a:rPr lang="de-DE" sz="2000" dirty="0"/>
-              <a:t> </a:t>
-            </a:r>
-            <a:r>
-              <a:rPr lang="en-US" sz="2000" dirty="0"/>
-              <a:t>and Platforms”. In: Journal of Parallel and Distributed Computing 74.10 (June </a:t>
-            </a:r>
-            <a:r>
-              <a:rPr lang="de-DE" sz="2000" dirty="0"/>
-              <a:t>2014), pp. 2899–2917. url: http://hal.inria.fr/hal-01017319.</a:t>
-            </a:r>
-            <a:endParaRPr lang="de-DE" sz="2000" noProof="0" dirty="0"/>
-          </a:p>
-        </p:txBody>
-      </p:sp>
-      <p:sp>
-        <p:nvSpPr>
-          <p:cNvPr id="17412" name="Fußzeilenplatzhalter 3"/>
-          <p:cNvSpPr>
-            <a:spLocks noGrp="1"/>
-          </p:cNvSpPr>
-          <p:nvPr>
-            <p:ph type="ftr" sz="quarter" idx="10"/>
-          </p:nvPr>
-        </p:nvSpPr>
-        <p:spPr>
-          <a:noFill/>
-        </p:spPr>
-        <p:txBody>
-          <a:bodyPr/>
-          <a:lstStyle/>
-          <a:p>
-            <a:r>
-              <a:rPr lang="de-DE" dirty="0">
-                <a:latin typeface="Arial" charset="0"/>
-                <a:cs typeface="Arial" charset="0"/>
-              </a:rPr>
-              <a:t>Firnkes Patrick:</a:t>
-            </a:r>
-            <a:r>
-              <a:rPr lang="de-DE" dirty="0"/>
-              <a:t> Modellierung und Simulation von Lastverteilungsstrategien </a:t>
-            </a:r>
-            <a:endParaRPr lang="de-DE" dirty="0">
-              <a:latin typeface="Arial" charset="0"/>
-              <a:cs typeface="Arial" charset="0"/>
-            </a:endParaRPr>
-          </a:p>
-        </p:txBody>
-      </p:sp>
-    </p:spTree>
-    <p:extLst>
-      <p:ext uri="{BB962C8B-B14F-4D97-AF65-F5344CB8AC3E}">
-        <p14:creationId xmlns:p14="http://schemas.microsoft.com/office/powerpoint/2010/main" val="2102612790"/>
-      </p:ext>
-    </p:extLst>
-  </p:cSld>
-  <p:clrMapOvr>
-    <a:masterClrMapping/>
-  </p:clrMapOvr>
-</p:sld>
-</file>
-
-<file path=ppt/slides/slide15.xml><?xml version="1.0" encoding="utf-8"?>
-<p:sld xmlns:a="http://schemas.openxmlformats.org/drawingml/2006/main" xmlns:r="http://schemas.openxmlformats.org/officeDocument/2006/relationships" xmlns:p="http://schemas.openxmlformats.org/presentationml/2006/main">
-  <p:cSld>
-    <p:spTree>
-      <p:nvGrpSpPr>
-        <p:cNvPr id="1" name=""/>
-        <p:cNvGrpSpPr/>
-        <p:nvPr/>
-      </p:nvGrpSpPr>
-      <p:grpSpPr>
-        <a:xfrm>
-          <a:off x="0" y="0"/>
-          <a:ext cx="0" cy="0"/>
-          <a:chOff x="0" y="0"/>
-          <a:chExt cx="0" cy="0"/>
-        </a:xfrm>
-      </p:grpSpPr>
-      <p:sp>
-        <p:nvSpPr>
-          <p:cNvPr id="17409" name="Titel 1"/>
-          <p:cNvSpPr>
-            <a:spLocks noGrp="1"/>
-          </p:cNvSpPr>
-          <p:nvPr>
-            <p:ph type="title"/>
-          </p:nvPr>
-        </p:nvSpPr>
-        <p:spPr/>
-        <p:txBody>
-          <a:bodyPr/>
-          <a:lstStyle/>
-          <a:p>
-            <a:r>
-              <a:rPr lang="de-DE" noProof="0" dirty="0"/>
-              <a:t>Quellen</a:t>
-            </a:r>
-          </a:p>
-        </p:txBody>
-      </p:sp>
-      <p:sp>
-        <p:nvSpPr>
-          <p:cNvPr id="3" name="Inhaltsplatzhalter 2"/>
-          <p:cNvSpPr>
-            <a:spLocks noGrp="1"/>
-          </p:cNvSpPr>
-          <p:nvPr>
-            <p:ph idx="1"/>
-          </p:nvPr>
-        </p:nvSpPr>
-        <p:spPr/>
-        <p:txBody>
-          <a:bodyPr/>
-          <a:lstStyle/>
-          <a:p>
-            <a:r>
-              <a:rPr lang="de-DE" sz="2000" noProof="0" dirty="0"/>
-              <a:t>[9] </a:t>
-            </a:r>
-            <a:r>
-              <a:rPr lang="de-DE" sz="2000" dirty="0" err="1"/>
-              <a:t>Monarc</a:t>
-            </a:r>
-            <a:r>
-              <a:rPr lang="de-DE" sz="2000" dirty="0"/>
-              <a:t> </a:t>
-            </a:r>
-            <a:r>
-              <a:rPr lang="de-DE" sz="2000" dirty="0" err="1"/>
-              <a:t>Collaboration</a:t>
-            </a:r>
-            <a:r>
-              <a:rPr lang="de-DE" sz="2000" dirty="0"/>
-              <a:t> et al. Models of </a:t>
-            </a:r>
-            <a:r>
-              <a:rPr lang="de-DE" sz="2000" dirty="0" err="1"/>
-              <a:t>Networked</a:t>
-            </a:r>
-            <a:r>
-              <a:rPr lang="de-DE" sz="2000" dirty="0"/>
-              <a:t> Analysis at Regional </a:t>
-            </a:r>
-            <a:r>
-              <a:rPr lang="de-DE" sz="2000" dirty="0" err="1"/>
-              <a:t>Centres</a:t>
-            </a:r>
-            <a:r>
-              <a:rPr lang="de-DE" sz="2000" dirty="0"/>
-              <a:t> </a:t>
-            </a:r>
-            <a:r>
-              <a:rPr lang="de-DE" sz="2000" dirty="0" err="1"/>
-              <a:t>for</a:t>
-            </a:r>
-            <a:r>
-              <a:rPr lang="de-DE" sz="2000" dirty="0"/>
-              <a:t> LHC </a:t>
-            </a:r>
-            <a:r>
-              <a:rPr lang="en-US" sz="2000" dirty="0"/>
-              <a:t>experiments: Phase 2 report. Tech. rep. Technical Report CERN/LCB-001, CERN, 2000.</a:t>
-            </a:r>
-            <a:r>
-              <a:rPr lang="de-DE" sz="2000" dirty="0"/>
-              <a:t>http://www.cern.ch/MONARC, 2000.</a:t>
-            </a:r>
-          </a:p>
-          <a:p>
-            <a:r>
-              <a:rPr lang="en-US" sz="2000" dirty="0"/>
-              <a:t>[10] </a:t>
-            </a:r>
-            <a:r>
-              <a:rPr lang="en-US" sz="2000" dirty="0" err="1"/>
-              <a:t>Youhei</a:t>
-            </a:r>
-            <a:r>
-              <a:rPr lang="en-US" sz="2000" dirty="0"/>
-              <a:t> Morita, </a:t>
-            </a:r>
-            <a:r>
-              <a:rPr lang="en-US" sz="2000" dirty="0" err="1"/>
-              <a:t>Monarc</a:t>
-            </a:r>
-            <a:r>
-              <a:rPr lang="en-US" sz="2000" dirty="0"/>
-              <a:t> Collaboration, et al. “Validation of the MONARC simulation </a:t>
-            </a:r>
-            <a:r>
-              <a:rPr lang="de-DE" sz="2000" dirty="0" err="1"/>
-              <a:t>tools</a:t>
-            </a:r>
-            <a:r>
-              <a:rPr lang="de-DE" sz="2000" dirty="0"/>
-              <a:t>”. In: Computer </a:t>
-            </a:r>
-            <a:r>
-              <a:rPr lang="de-DE" sz="2000" dirty="0" err="1"/>
-              <a:t>Physics</a:t>
-            </a:r>
-            <a:r>
-              <a:rPr lang="de-DE" sz="2000" dirty="0"/>
-              <a:t> Communications 140.1-2 (2001), pp. 153–161.</a:t>
-            </a:r>
-          </a:p>
-          <a:p>
-            <a:r>
-              <a:rPr lang="de-DE" sz="2000" noProof="0" dirty="0"/>
-              <a:t>[11] </a:t>
-            </a:r>
-            <a:r>
-              <a:rPr lang="en-US" sz="2000" dirty="0"/>
-              <a:t>C Zach et al. “Simulation of the job processing performance at an ALICE Tier-2 site with MONARC”. In: Journal of Physics: Conference Series 331.7 (2011), p. 072038. </a:t>
-            </a:r>
-            <a:r>
-              <a:rPr lang="en-US" sz="2000" dirty="0">
-                <a:hlinkClick r:id="rId3"/>
-              </a:rPr>
-              <a:t>url:</a:t>
-            </a:r>
-            <a:r>
-              <a:rPr lang="de-DE" sz="2000" dirty="0">
-                <a:hlinkClick r:id="rId3"/>
-              </a:rPr>
-              <a:t>http://stacks.iop.org/1742-6596/331/i=7/a=072038</a:t>
-            </a:r>
-            <a:r>
-              <a:rPr lang="de-DE" sz="2000" dirty="0"/>
-              <a:t>.</a:t>
-            </a:r>
-          </a:p>
-          <a:p>
-            <a:r>
-              <a:rPr lang="de-DE" sz="2000" noProof="0" dirty="0"/>
-              <a:t>[12] </a:t>
-            </a:r>
-            <a:r>
-              <a:rPr lang="en-US" sz="2000" dirty="0"/>
-              <a:t>P. O. </a:t>
-            </a:r>
-            <a:r>
-              <a:rPr lang="en-US" sz="2000" dirty="0" err="1"/>
-              <a:t>Östberg</a:t>
-            </a:r>
-            <a:r>
-              <a:rPr lang="en-US" sz="2000" dirty="0"/>
-              <a:t> et al. “The CACTOS Vision of Context-Aware Cloud Topology Optimization and Simulation”. In: 2014 IEEE 6th International Conference on Cloud </a:t>
-            </a:r>
-            <a:r>
-              <a:rPr lang="en-US" sz="2000" dirty="0" err="1"/>
-              <a:t>ComputingTechnology</a:t>
-            </a:r>
-            <a:r>
-              <a:rPr lang="en-US" sz="2000" dirty="0"/>
-              <a:t> and Science. Dec. 2014, pp. 26–31. </a:t>
-            </a:r>
-            <a:r>
-              <a:rPr lang="en-US" sz="2000" dirty="0" err="1"/>
-              <a:t>doi</a:t>
-            </a:r>
-            <a:r>
-              <a:rPr lang="en-US" sz="2000" dirty="0"/>
-              <a:t>: 10.1109/CloudCom.2014.62.</a:t>
-            </a:r>
-            <a:endParaRPr lang="de-DE" sz="2000" noProof="0" dirty="0"/>
-          </a:p>
-        </p:txBody>
-      </p:sp>
-      <p:sp>
-        <p:nvSpPr>
-          <p:cNvPr id="17412" name="Fußzeilenplatzhalter 3"/>
-          <p:cNvSpPr>
-            <a:spLocks noGrp="1"/>
-          </p:cNvSpPr>
-          <p:nvPr>
-            <p:ph type="ftr" sz="quarter" idx="10"/>
-          </p:nvPr>
-        </p:nvSpPr>
-        <p:spPr>
-          <a:noFill/>
-        </p:spPr>
-        <p:txBody>
-          <a:bodyPr/>
-          <a:lstStyle/>
-          <a:p>
-            <a:r>
-              <a:rPr lang="de-DE" dirty="0">
-                <a:latin typeface="Arial" charset="0"/>
-                <a:cs typeface="Arial" charset="0"/>
-              </a:rPr>
-              <a:t>Firnkes Patrick:</a:t>
-            </a:r>
-            <a:r>
-              <a:rPr lang="de-DE" dirty="0"/>
-              <a:t> Modellierung und Simulation von Lastverteilungsstrategien </a:t>
-            </a:r>
-            <a:endParaRPr lang="de-DE" dirty="0">
-              <a:latin typeface="Arial" charset="0"/>
-              <a:cs typeface="Arial" charset="0"/>
-            </a:endParaRPr>
-          </a:p>
-        </p:txBody>
-      </p:sp>
-    </p:spTree>
-    <p:extLst>
-      <p:ext uri="{BB962C8B-B14F-4D97-AF65-F5344CB8AC3E}">
-        <p14:creationId xmlns:p14="http://schemas.microsoft.com/office/powerpoint/2010/main" val="439457967"/>
-      </p:ext>
-    </p:extLst>
-  </p:cSld>
-  <p:clrMapOvr>
-    <a:masterClrMapping/>
-  </p:clrMapOvr>
-</p:sld>
-</file>
-
-<file path=ppt/slides/slide16.xml><?xml version="1.0" encoding="utf-8"?>
-<p:sld xmlns:a="http://schemas.openxmlformats.org/drawingml/2006/main" xmlns:r="http://schemas.openxmlformats.org/officeDocument/2006/relationships" xmlns:p="http://schemas.openxmlformats.org/presentationml/2006/main">
-  <p:cSld>
-    <p:spTree>
-      <p:nvGrpSpPr>
-        <p:cNvPr id="1" name=""/>
-        <p:cNvGrpSpPr/>
-        <p:nvPr/>
-      </p:nvGrpSpPr>
-      <p:grpSpPr>
-        <a:xfrm>
-          <a:off x="0" y="0"/>
-          <a:ext cx="0" cy="0"/>
-          <a:chOff x="0" y="0"/>
-          <a:chExt cx="0" cy="0"/>
-        </a:xfrm>
-      </p:grpSpPr>
-      <p:sp>
-        <p:nvSpPr>
-          <p:cNvPr id="17409" name="Titel 1"/>
-          <p:cNvSpPr>
-            <a:spLocks noGrp="1"/>
-          </p:cNvSpPr>
-          <p:nvPr>
-            <p:ph type="title"/>
-          </p:nvPr>
-        </p:nvSpPr>
-        <p:spPr/>
-        <p:txBody>
-          <a:bodyPr/>
-          <a:lstStyle/>
-          <a:p>
-            <a:r>
-              <a:rPr lang="de-DE" noProof="0" dirty="0"/>
-              <a:t>Quellen</a:t>
-            </a:r>
-          </a:p>
-        </p:txBody>
-      </p:sp>
-      <p:sp>
-        <p:nvSpPr>
-          <p:cNvPr id="3" name="Inhaltsplatzhalter 2"/>
-          <p:cNvSpPr>
-            <a:spLocks noGrp="1"/>
-          </p:cNvSpPr>
-          <p:nvPr>
-            <p:ph idx="1"/>
-          </p:nvPr>
-        </p:nvSpPr>
-        <p:spPr/>
-        <p:txBody>
-          <a:bodyPr/>
-          <a:lstStyle/>
-          <a:p>
-            <a:r>
-              <a:rPr lang="de-DE" sz="2000" dirty="0"/>
-              <a:t>[13] Christian Stier et al. “Rapid </a:t>
-            </a:r>
-            <a:r>
-              <a:rPr lang="de-DE" sz="2000" dirty="0" err="1"/>
-              <a:t>Testing</a:t>
-            </a:r>
-            <a:r>
-              <a:rPr lang="de-DE" sz="2000" dirty="0"/>
-              <a:t> of </a:t>
-            </a:r>
-            <a:r>
-              <a:rPr lang="de-DE" sz="2000" dirty="0" err="1"/>
-              <a:t>IaaS</a:t>
-            </a:r>
-            <a:r>
-              <a:rPr lang="de-DE" sz="2000" dirty="0"/>
-              <a:t> </a:t>
-            </a:r>
-            <a:r>
-              <a:rPr lang="de-DE" sz="2000" dirty="0" err="1"/>
-              <a:t>Resource</a:t>
-            </a:r>
-            <a:r>
-              <a:rPr lang="de-DE" sz="2000" dirty="0"/>
-              <a:t> Management </a:t>
-            </a:r>
-            <a:r>
-              <a:rPr lang="de-DE" sz="2000" dirty="0" err="1"/>
-              <a:t>Algorithms</a:t>
-            </a:r>
-            <a:r>
-              <a:rPr lang="de-DE" sz="2000" dirty="0"/>
-              <a:t> via Cloud </a:t>
-            </a:r>
-            <a:r>
-              <a:rPr lang="en-US" sz="2000" dirty="0"/>
-              <a:t>Middleware Simulation”. In: ACM / SPEC International Conference on Performance Engineering</a:t>
-            </a:r>
-            <a:r>
-              <a:rPr lang="de-DE" sz="2000" dirty="0"/>
-              <a:t>(ICPE’18). ICPE. 2018.</a:t>
-            </a:r>
-            <a:endParaRPr lang="de-DE" sz="2000" noProof="0" dirty="0"/>
-          </a:p>
-        </p:txBody>
-      </p:sp>
-      <p:sp>
-        <p:nvSpPr>
-          <p:cNvPr id="17412" name="Fußzeilenplatzhalter 3"/>
-          <p:cNvSpPr>
-            <a:spLocks noGrp="1"/>
-          </p:cNvSpPr>
-          <p:nvPr>
-            <p:ph type="ftr" sz="quarter" idx="10"/>
-          </p:nvPr>
-        </p:nvSpPr>
-        <p:spPr>
-          <a:noFill/>
-        </p:spPr>
-        <p:txBody>
-          <a:bodyPr/>
-          <a:lstStyle/>
-          <a:p>
-            <a:r>
-              <a:rPr lang="de-DE" dirty="0">
-                <a:latin typeface="Arial" charset="0"/>
-                <a:cs typeface="Arial" charset="0"/>
-              </a:rPr>
-              <a:t>Firnkes Patrick:</a:t>
-            </a:r>
-            <a:r>
-              <a:rPr lang="de-DE" dirty="0"/>
-              <a:t> Modellierung und Simulation von Lastverteilungsstrategien </a:t>
-            </a:r>
-            <a:endParaRPr lang="de-DE" dirty="0">
-              <a:latin typeface="Arial" charset="0"/>
-              <a:cs typeface="Arial" charset="0"/>
-            </a:endParaRPr>
-          </a:p>
-        </p:txBody>
-      </p:sp>
-    </p:spTree>
-    <p:extLst>
-      <p:ext uri="{BB962C8B-B14F-4D97-AF65-F5344CB8AC3E}">
-        <p14:creationId xmlns:p14="http://schemas.microsoft.com/office/powerpoint/2010/main" val="798282035"/>
-      </p:ext>
-    </p:extLst>
-  </p:cSld>
-  <p:clrMapOvr>
-    <a:masterClrMapping/>
-  </p:clrMapOvr>
-</p:sld>
-</file>
-
-<file path=ppt/slides/slide17.xml><?xml version="1.0" encoding="utf-8"?>
-<p:sld xmlns:a="http://schemas.openxmlformats.org/drawingml/2006/main" xmlns:r="http://schemas.openxmlformats.org/officeDocument/2006/relationships" xmlns:p="http://schemas.openxmlformats.org/presentationml/2006/main">
-  <p:cSld>
-    <p:spTree>
-      <p:nvGrpSpPr>
-        <p:cNvPr id="1" name=""/>
-        <p:cNvGrpSpPr/>
-        <p:nvPr/>
-      </p:nvGrpSpPr>
-      <p:grpSpPr>
-        <a:xfrm>
-          <a:off x="0" y="0"/>
-          <a:ext cx="0" cy="0"/>
-          <a:chOff x="0" y="0"/>
-          <a:chExt cx="0" cy="0"/>
-        </a:xfrm>
-      </p:grpSpPr>
-      <p:sp>
-        <p:nvSpPr>
-          <p:cNvPr id="17409" name="Titel 1"/>
-          <p:cNvSpPr>
-            <a:spLocks noGrp="1"/>
-          </p:cNvSpPr>
-          <p:nvPr>
-            <p:ph type="title"/>
-          </p:nvPr>
-        </p:nvSpPr>
-        <p:spPr/>
-        <p:txBody>
-          <a:bodyPr/>
-          <a:lstStyle/>
-          <a:p>
-            <a:r>
-              <a:rPr lang="de-DE" noProof="0" dirty="0"/>
-              <a:t>Experimente</a:t>
-            </a:r>
-          </a:p>
-        </p:txBody>
-      </p:sp>
-      <p:pic>
-        <p:nvPicPr>
-          <p:cNvPr id="2" name="Inhaltsplatzhalter 1"/>
-          <p:cNvPicPr>
-            <a:picLocks noGrp="1" noChangeAspect="1"/>
-          </p:cNvPicPr>
-          <p:nvPr>
-            <p:ph idx="1"/>
-          </p:nvPr>
-        </p:nvPicPr>
-        <p:blipFill>
-          <a:blip r:embed="rId3">
-            <a:extLst>
-              <a:ext uri="{28A0092B-C50C-407E-A947-70E740481C1C}">
-                <a14:useLocalDpi xmlns:a14="http://schemas.microsoft.com/office/drawing/2010/main" val="0"/>
-              </a:ext>
-            </a:extLst>
-          </a:blip>
-          <a:stretch>
-            <a:fillRect/>
-          </a:stretch>
-        </p:blipFill>
-        <p:spPr>
-          <a:xfrm>
-            <a:off x="1211095" y="1198563"/>
-            <a:ext cx="6718636" cy="4745037"/>
-          </a:xfrm>
-        </p:spPr>
-      </p:pic>
-      <p:sp>
-        <p:nvSpPr>
-          <p:cNvPr id="17412" name="Fußzeilenplatzhalter 3"/>
-          <p:cNvSpPr>
-            <a:spLocks noGrp="1"/>
-          </p:cNvSpPr>
-          <p:nvPr>
-            <p:ph type="ftr" sz="quarter" idx="10"/>
-          </p:nvPr>
-        </p:nvSpPr>
-        <p:spPr>
-          <a:noFill/>
-        </p:spPr>
-        <p:txBody>
-          <a:bodyPr/>
-          <a:lstStyle/>
-          <a:p>
-            <a:r>
-              <a:rPr lang="de-DE" dirty="0">
-                <a:latin typeface="Arial" charset="0"/>
-                <a:cs typeface="Arial" charset="0"/>
-              </a:rPr>
-              <a:t>Firnkes Patrick:</a:t>
-            </a:r>
-            <a:r>
-              <a:rPr lang="de-DE" dirty="0"/>
-              <a:t> Modellierung und Simulation von Lastverteilungsstrategien </a:t>
-            </a:r>
-            <a:endParaRPr lang="de-DE" dirty="0">
-              <a:latin typeface="Arial" charset="0"/>
-              <a:cs typeface="Arial" charset="0"/>
-            </a:endParaRPr>
-          </a:p>
-        </p:txBody>
-      </p:sp>
-    </p:spTree>
-    <p:extLst>
-      <p:ext uri="{BB962C8B-B14F-4D97-AF65-F5344CB8AC3E}">
-        <p14:creationId xmlns:p14="http://schemas.microsoft.com/office/powerpoint/2010/main" val="709214438"/>
-      </p:ext>
-    </p:extLst>
-  </p:cSld>
-  <p:clrMapOvr>
-    <a:masterClrMapping/>
-  </p:clrMapOvr>
-</p:sld>
-</file>
-
-<file path=ppt/slides/slide18.xml><?xml version="1.0" encoding="utf-8"?>
-<p:sld xmlns:a="http://schemas.openxmlformats.org/drawingml/2006/main" xmlns:r="http://schemas.openxmlformats.org/officeDocument/2006/relationships" xmlns:p="http://schemas.openxmlformats.org/presentationml/2006/main">
-  <p:cSld>
-    <p:spTree>
-      <p:nvGrpSpPr>
-        <p:cNvPr id="1" name=""/>
-        <p:cNvGrpSpPr/>
-        <p:nvPr/>
-      </p:nvGrpSpPr>
-      <p:grpSpPr>
-        <a:xfrm>
-          <a:off x="0" y="0"/>
-          <a:ext cx="0" cy="0"/>
-          <a:chOff x="0" y="0"/>
-          <a:chExt cx="0" cy="0"/>
-        </a:xfrm>
-      </p:grpSpPr>
-      <p:sp>
-        <p:nvSpPr>
-          <p:cNvPr id="17409" name="Titel 1"/>
-          <p:cNvSpPr>
-            <a:spLocks noGrp="1"/>
-          </p:cNvSpPr>
-          <p:nvPr>
-            <p:ph type="title"/>
-          </p:nvPr>
-        </p:nvSpPr>
-        <p:spPr/>
-        <p:txBody>
-          <a:bodyPr/>
-          <a:lstStyle/>
-          <a:p>
-            <a:r>
-              <a:rPr lang="de-DE" noProof="0" dirty="0"/>
-              <a:t>Palladio</a:t>
-            </a:r>
-          </a:p>
-        </p:txBody>
-      </p:sp>
-      <p:pic>
-        <p:nvPicPr>
-          <p:cNvPr id="2" name="Inhaltsplatzhalter 1"/>
-          <p:cNvPicPr>
-            <a:picLocks noGrp="1" noChangeAspect="1"/>
-          </p:cNvPicPr>
-          <p:nvPr>
-            <p:ph idx="1"/>
-          </p:nvPr>
-        </p:nvPicPr>
-        <p:blipFill>
-          <a:blip r:embed="rId3">
-            <a:extLst>
-              <a:ext uri="{28A0092B-C50C-407E-A947-70E740481C1C}">
-                <a14:useLocalDpi xmlns:a14="http://schemas.microsoft.com/office/drawing/2010/main" val="0"/>
-              </a:ext>
-            </a:extLst>
-          </a:blip>
-          <a:stretch>
-            <a:fillRect/>
-          </a:stretch>
-        </p:blipFill>
-        <p:spPr>
-          <a:xfrm>
-            <a:off x="258702" y="1435039"/>
-            <a:ext cx="8431764" cy="3903148"/>
-          </a:xfrm>
-        </p:spPr>
-      </p:pic>
-      <p:sp>
-        <p:nvSpPr>
-          <p:cNvPr id="17412" name="Fußzeilenplatzhalter 3"/>
-          <p:cNvSpPr>
-            <a:spLocks noGrp="1"/>
-          </p:cNvSpPr>
-          <p:nvPr>
-            <p:ph type="ftr" sz="quarter" idx="10"/>
-          </p:nvPr>
-        </p:nvSpPr>
-        <p:spPr>
-          <a:noFill/>
-        </p:spPr>
-        <p:txBody>
-          <a:bodyPr/>
-          <a:lstStyle/>
-          <a:p>
-            <a:r>
-              <a:rPr lang="de-DE" dirty="0">
-                <a:latin typeface="Arial" charset="0"/>
-                <a:cs typeface="Arial" charset="0"/>
-              </a:rPr>
-              <a:t>Firnkes Patrick:</a:t>
-            </a:r>
-            <a:r>
-              <a:rPr lang="de-DE" dirty="0"/>
-              <a:t> Modellierung und Simulation von Lastverteilungsstrategien </a:t>
-            </a:r>
-            <a:endParaRPr lang="de-DE" dirty="0">
-              <a:latin typeface="Arial" charset="0"/>
-              <a:cs typeface="Arial" charset="0"/>
-            </a:endParaRPr>
-          </a:p>
-        </p:txBody>
-      </p:sp>
-      <p:sp>
-        <p:nvSpPr>
-          <p:cNvPr id="4" name="Textfeld 3"/>
-          <p:cNvSpPr txBox="1"/>
-          <p:nvPr/>
-        </p:nvSpPr>
-        <p:spPr>
-          <a:xfrm>
-            <a:off x="3276600" y="5398588"/>
-            <a:ext cx="2916183" cy="369332"/>
-          </a:xfrm>
-          <a:prstGeom prst="rect">
-            <a:avLst/>
-          </a:prstGeom>
-          <a:noFill/>
-        </p:spPr>
-        <p:txBody>
-          <a:bodyPr wrap="none" rtlCol="0">
-            <a:spAutoFit/>
-          </a:bodyPr>
-          <a:lstStyle/>
-          <a:p>
-            <a:r>
-              <a:rPr lang="de-DE" dirty="0"/>
-              <a:t>Arbeitsprozess Palladio </a:t>
-            </a:r>
-            <a:r>
-              <a:rPr lang="de-DE" sz="1400" dirty="0"/>
-              <a:t>[4]</a:t>
-            </a:r>
-          </a:p>
-        </p:txBody>
-      </p:sp>
-    </p:spTree>
-    <p:extLst>
-      <p:ext uri="{BB962C8B-B14F-4D97-AF65-F5344CB8AC3E}">
-        <p14:creationId xmlns:p14="http://schemas.microsoft.com/office/powerpoint/2010/main" val="3171028617"/>
-      </p:ext>
-    </p:extLst>
-  </p:cSld>
-  <p:clrMapOvr>
-    <a:masterClrMapping/>
-  </p:clrMapOvr>
 </p:sld>
 </file>
 
@@ -10582,7 +13904,281 @@
           <a:p>
             <a:r>
               <a:rPr lang="de-DE" noProof="0" dirty="0"/>
-              <a:t>Anhang</a:t>
+              <a:t>Quellen</a:t>
+            </a:r>
+          </a:p>
+        </p:txBody>
+      </p:sp>
+      <p:sp>
+        <p:nvSpPr>
+          <p:cNvPr id="3" name="Inhaltsplatzhalter 2"/>
+          <p:cNvSpPr>
+            <a:spLocks noGrp="1"/>
+          </p:cNvSpPr>
+          <p:nvPr>
+            <p:ph idx="1"/>
+          </p:nvPr>
+        </p:nvSpPr>
+        <p:spPr/>
+        <p:txBody>
+          <a:bodyPr/>
+          <a:lstStyle/>
+          <a:p>
+            <a:r>
+              <a:rPr lang="de-DE" sz="2000" noProof="0" dirty="0"/>
+              <a:t>[1] WLCG Project. WLCG Worldwide LHC Computing Grid. 2017. url: http://wlcg-public.web.cern.ch/ (</a:t>
+            </a:r>
+            <a:r>
+              <a:rPr lang="de-DE" sz="2000" noProof="0" dirty="0" err="1"/>
+              <a:t>visited</a:t>
+            </a:r>
+            <a:r>
+              <a:rPr lang="de-DE" sz="2000" noProof="0" dirty="0"/>
+              <a:t> on 11/2017).</a:t>
+            </a:r>
+          </a:p>
+          <a:p>
+            <a:r>
+              <a:rPr lang="de-DE" sz="2000" noProof="0" dirty="0"/>
+              <a:t>[2] WLCG Project. WLCG </a:t>
+            </a:r>
+            <a:r>
+              <a:rPr lang="de-DE" sz="2000" noProof="0" dirty="0" err="1"/>
+              <a:t>REsource</a:t>
+            </a:r>
+            <a:r>
+              <a:rPr lang="de-DE" sz="2000" noProof="0" dirty="0"/>
+              <a:t>, Balance &amp; </a:t>
+            </a:r>
+            <a:r>
+              <a:rPr lang="de-DE" sz="2000" noProof="0" dirty="0" err="1"/>
+              <a:t>USage</a:t>
+            </a:r>
+            <a:r>
+              <a:rPr lang="de-DE" sz="2000" noProof="0" dirty="0"/>
+              <a:t>. 2017. url: https://wlcg-rebus.cern.ch/apps/capacities/federations/ (</a:t>
+            </a:r>
+            <a:r>
+              <a:rPr lang="de-DE" sz="2000" noProof="0" dirty="0" err="1"/>
+              <a:t>visited</a:t>
+            </a:r>
+            <a:r>
+              <a:rPr lang="de-DE" sz="2000" noProof="0" dirty="0"/>
+              <a:t> on 11/2017).</a:t>
+            </a:r>
+          </a:p>
+          <a:p>
+            <a:r>
+              <a:rPr lang="de-DE" sz="2000" noProof="0" dirty="0"/>
+              <a:t>[3] Ian Bird. “Computing </a:t>
+            </a:r>
+            <a:r>
+              <a:rPr lang="de-DE" sz="2000" noProof="0" dirty="0" err="1"/>
+              <a:t>for</a:t>
+            </a:r>
+            <a:r>
+              <a:rPr lang="de-DE" sz="2000" noProof="0" dirty="0"/>
+              <a:t> the Large </a:t>
+            </a:r>
+            <a:r>
+              <a:rPr lang="de-DE" sz="2000" noProof="0" dirty="0" err="1"/>
+              <a:t>Hadron</a:t>
+            </a:r>
+            <a:r>
+              <a:rPr lang="de-DE" sz="2000" noProof="0" dirty="0"/>
+              <a:t> </a:t>
+            </a:r>
+            <a:r>
+              <a:rPr lang="de-DE" sz="2000" noProof="0" dirty="0" err="1"/>
+              <a:t>Collider</a:t>
+            </a:r>
+            <a:r>
+              <a:rPr lang="de-DE" sz="2000" noProof="0" dirty="0"/>
+              <a:t>”. In: Annual Review of </a:t>
+            </a:r>
+            <a:r>
+              <a:rPr lang="de-DE" sz="2000" noProof="0" dirty="0" err="1"/>
+              <a:t>Nuclear</a:t>
+            </a:r>
+            <a:r>
+              <a:rPr lang="de-DE" sz="2000" noProof="0" dirty="0"/>
+              <a:t> </a:t>
+            </a:r>
+            <a:r>
+              <a:rPr lang="de-DE" sz="2000" noProof="0" dirty="0" err="1"/>
+              <a:t>and</a:t>
+            </a:r>
+            <a:r>
+              <a:rPr lang="de-DE" sz="2000" noProof="0" dirty="0"/>
+              <a:t> </a:t>
+            </a:r>
+            <a:r>
+              <a:rPr lang="de-DE" sz="2000" noProof="0" dirty="0" err="1"/>
+              <a:t>Particle</a:t>
+            </a:r>
+            <a:r>
+              <a:rPr lang="de-DE" sz="2000" noProof="0" dirty="0"/>
+              <a:t> Science 61.1 (2011), pp. 99–118. </a:t>
+            </a:r>
+            <a:r>
+              <a:rPr lang="de-DE" sz="2000" noProof="0" dirty="0" err="1"/>
+              <a:t>doi</a:t>
+            </a:r>
+            <a:r>
+              <a:rPr lang="de-DE" sz="2000" noProof="0" dirty="0"/>
+              <a:t>: 10 . 1146 / </a:t>
+            </a:r>
+            <a:r>
+              <a:rPr lang="de-DE" sz="2000" noProof="0" dirty="0" err="1"/>
+              <a:t>annurev</a:t>
+            </a:r>
+            <a:r>
+              <a:rPr lang="de-DE" sz="2000" noProof="0" dirty="0"/>
+              <a:t> - </a:t>
+            </a:r>
+            <a:r>
+              <a:rPr lang="de-DE" sz="2000" noProof="0" dirty="0" err="1"/>
+              <a:t>nucl</a:t>
+            </a:r>
+            <a:r>
+              <a:rPr lang="de-DE" sz="2000" noProof="0" dirty="0"/>
+              <a:t> - 102010 -130059. </a:t>
+            </a:r>
+            <a:r>
+              <a:rPr lang="de-DE" sz="2000" noProof="0" dirty="0" err="1"/>
+              <a:t>print</a:t>
+            </a:r>
+            <a:r>
+              <a:rPr lang="de-DE" sz="2000" noProof="0" dirty="0"/>
+              <a:t>: https://doi.org/10.1146/annurev-nucl-102010-130059. url: </a:t>
+            </a:r>
+            <a:r>
+              <a:rPr lang="de-DE" sz="2000" noProof="0" dirty="0">
+                <a:hlinkClick r:id="rId3"/>
+              </a:rPr>
+              <a:t>https://doi.org/10.1146/annurev-nucl-102010-130059</a:t>
+            </a:r>
+            <a:r>
+              <a:rPr lang="de-DE" sz="2000" noProof="0" dirty="0"/>
+              <a:t>.</a:t>
+            </a:r>
+          </a:p>
+          <a:p>
+            <a:r>
+              <a:rPr lang="de-DE" sz="2000" noProof="0" dirty="0"/>
+              <a:t>[4] Steen Becker, Heiko </a:t>
+            </a:r>
+            <a:r>
+              <a:rPr lang="de-DE" sz="2000" noProof="0" dirty="0" err="1"/>
+              <a:t>Koziolek</a:t>
+            </a:r>
+            <a:r>
+              <a:rPr lang="de-DE" sz="2000" noProof="0" dirty="0"/>
+              <a:t>, </a:t>
+            </a:r>
+            <a:r>
+              <a:rPr lang="de-DE" sz="2000" noProof="0" dirty="0" err="1"/>
+              <a:t>and</a:t>
+            </a:r>
+            <a:r>
+              <a:rPr lang="de-DE" sz="2000" noProof="0" dirty="0"/>
+              <a:t> Ralf </a:t>
+            </a:r>
+            <a:r>
+              <a:rPr lang="de-DE" sz="2000" noProof="0" dirty="0" err="1"/>
+              <a:t>Reussner</a:t>
+            </a:r>
+            <a:r>
+              <a:rPr lang="de-DE" sz="2000" noProof="0" dirty="0"/>
+              <a:t>. “The Palladio </a:t>
+            </a:r>
+            <a:r>
+              <a:rPr lang="de-DE" sz="2000" noProof="0" dirty="0" err="1"/>
+              <a:t>component</a:t>
+            </a:r>
+            <a:r>
+              <a:rPr lang="de-DE" sz="2000" noProof="0" dirty="0"/>
+              <a:t> </a:t>
+            </a:r>
+            <a:r>
+              <a:rPr lang="de-DE" sz="2000" noProof="0" dirty="0" err="1"/>
+              <a:t>model</a:t>
+            </a:r>
+            <a:r>
+              <a:rPr lang="de-DE" sz="2000" noProof="0" dirty="0"/>
+              <a:t> </a:t>
+            </a:r>
+            <a:r>
+              <a:rPr lang="de-DE" sz="2000" noProof="0" dirty="0" err="1"/>
+              <a:t>for</a:t>
+            </a:r>
+            <a:r>
+              <a:rPr lang="de-DE" sz="2000" noProof="0" dirty="0"/>
+              <a:t> model-</a:t>
+            </a:r>
+            <a:r>
+              <a:rPr lang="de-DE" sz="2000" noProof="0" dirty="0" err="1"/>
+              <a:t>driven</a:t>
+            </a:r>
+            <a:r>
+              <a:rPr lang="de-DE" sz="2000" noProof="0" dirty="0"/>
+              <a:t> </a:t>
+            </a:r>
+            <a:r>
+              <a:rPr lang="de-DE" sz="2000" noProof="0" dirty="0" err="1"/>
+              <a:t>performance</a:t>
+            </a:r>
+            <a:r>
+              <a:rPr lang="de-DE" sz="2000" noProof="0" dirty="0"/>
+              <a:t> </a:t>
+            </a:r>
+            <a:r>
+              <a:rPr lang="de-DE" sz="2000" noProof="0" dirty="0" err="1"/>
+              <a:t>prediction</a:t>
+            </a:r>
+            <a:r>
+              <a:rPr lang="de-DE" sz="2000" noProof="0" dirty="0"/>
+              <a:t>”. In: Journal of Systems </a:t>
+            </a:r>
+            <a:r>
+              <a:rPr lang="de-DE" sz="2000" noProof="0" dirty="0" err="1"/>
+              <a:t>and</a:t>
+            </a:r>
+            <a:r>
+              <a:rPr lang="de-DE" sz="2000" noProof="0" dirty="0"/>
+              <a:t> Software 82.1 (2009).Special </a:t>
+            </a:r>
+            <a:r>
+              <a:rPr lang="de-DE" sz="2000" noProof="0" dirty="0" err="1"/>
+              <a:t>Issue</a:t>
+            </a:r>
+            <a:r>
+              <a:rPr lang="de-DE" sz="2000" noProof="0" dirty="0"/>
+              <a:t>: Software </a:t>
+            </a:r>
+            <a:r>
+              <a:rPr lang="de-DE" sz="2000" noProof="0" dirty="0" err="1"/>
+              <a:t>performance</a:t>
+            </a:r>
+            <a:r>
+              <a:rPr lang="de-DE" sz="2000" noProof="0" dirty="0"/>
+              <a:t> - Modeling </a:t>
+            </a:r>
+            <a:r>
+              <a:rPr lang="de-DE" sz="2000" noProof="0" dirty="0" err="1"/>
+              <a:t>and</a:t>
+            </a:r>
+            <a:r>
+              <a:rPr lang="de-DE" sz="2000" noProof="0" dirty="0"/>
+              <a:t> Analysis, pp. 3–22. </a:t>
+            </a:r>
+            <a:r>
+              <a:rPr lang="de-DE" sz="2000" noProof="0" dirty="0" err="1"/>
+              <a:t>issn</a:t>
+            </a:r>
+            <a:r>
+              <a:rPr lang="de-DE" sz="2000" noProof="0" dirty="0"/>
+              <a:t>: 0164-1212.doi: https://doi.org/10.1016/j.jss.2008.03.066. url: http://www.sciencedirect.com/science/article/pii/S0164121208001015.</a:t>
             </a:r>
           </a:p>
         </p:txBody>
@@ -10622,29 +14218,10 @@
           </a:p>
         </p:txBody>
       </p:sp>
-      <p:sp>
-        <p:nvSpPr>
-          <p:cNvPr id="3" name="Inhaltsplatzhalter 2"/>
-          <p:cNvSpPr>
-            <a:spLocks noGrp="1"/>
-          </p:cNvSpPr>
-          <p:nvPr>
-            <p:ph idx="1"/>
-          </p:nvPr>
-        </p:nvSpPr>
-        <p:spPr/>
-        <p:txBody>
-          <a:bodyPr/>
-          <a:lstStyle/>
-          <a:p>
-            <a:endParaRPr lang="de-DE"/>
-          </a:p>
-        </p:txBody>
-      </p:sp>
     </p:spTree>
     <p:extLst>
       <p:ext uri="{BB962C8B-B14F-4D97-AF65-F5344CB8AC3E}">
-        <p14:creationId xmlns:p14="http://schemas.microsoft.com/office/powerpoint/2010/main" val="1699875558"/>
+        <p14:creationId xmlns:p14="http://schemas.microsoft.com/office/powerpoint/2010/main" val="1427489207"/>
       </p:ext>
     </p:extLst>
   </p:cSld>
@@ -10730,23 +14307,7 @@
           <a:p>
             <a:r>
               <a:rPr lang="de-DE" noProof="0" dirty="0"/>
-              <a:t>Entdeckte </a:t>
-            </a:r>
-            <a:r>
-              <a:rPr lang="de-DE" noProof="0" dirty="0" err="1"/>
-              <a:t>Higgs</a:t>
-            </a:r>
-            <a:r>
-              <a:rPr lang="de-DE" noProof="0" dirty="0"/>
-              <a:t> </a:t>
-            </a:r>
-            <a:r>
-              <a:rPr lang="de-DE" noProof="0" dirty="0" err="1"/>
-              <a:t>Bosom</a:t>
-            </a:r>
-            <a:r>
-              <a:rPr lang="de-DE" noProof="0" dirty="0"/>
-              <a:t> 2012 </a:t>
+              <a:t>Entdeckte Higgs Boson 2012 </a:t>
             </a:r>
             <a:r>
               <a:rPr lang="de-DE" sz="1800" noProof="0" dirty="0"/>
@@ -10855,7 +14416,7 @@
           <p:cNvPr id="20" name="Gruppieren 21">
             <a:extLst>
               <a:ext uri="{FF2B5EF4-FFF2-40B4-BE49-F238E27FC236}">
-                <a16:creationId xmlns:a16="http://schemas.microsoft.com/office/drawing/2014/main" xmlns="" id="{BCC0948F-C1E3-4907-854B-A0721D1FDACC}"/>
+                <a16:creationId xmlns="" xmlns:a16="http://schemas.microsoft.com/office/drawing/2014/main" id="{BCC0948F-C1E3-4907-854B-A0721D1FDACC}"/>
               </a:ext>
             </a:extLst>
           </p:cNvPr>
@@ -10875,7 +14436,7 @@
             <p:cNvPr id="21" name="Textfeld 13">
               <a:extLst>
                 <a:ext uri="{FF2B5EF4-FFF2-40B4-BE49-F238E27FC236}">
-                  <a16:creationId xmlns:a16="http://schemas.microsoft.com/office/drawing/2014/main" xmlns="" id="{425AEF1D-6595-4E36-A5D4-5F32C0012763}"/>
+                  <a16:creationId xmlns="" xmlns:a16="http://schemas.microsoft.com/office/drawing/2014/main" id="{425AEF1D-6595-4E36-A5D4-5F32C0012763}"/>
                 </a:ext>
               </a:extLst>
             </p:cNvPr>
@@ -10927,7 +14488,7 @@
             <p:cNvPr id="22" name="Textfeld 21">
               <a:extLst>
                 <a:ext uri="{FF2B5EF4-FFF2-40B4-BE49-F238E27FC236}">
-                  <a16:creationId xmlns:a16="http://schemas.microsoft.com/office/drawing/2014/main" xmlns="" id="{82ABF473-AD17-4ED8-AB87-CC275185AE43}"/>
+                  <a16:creationId xmlns="" xmlns:a16="http://schemas.microsoft.com/office/drawing/2014/main" id="{82ABF473-AD17-4ED8-AB87-CC275185AE43}"/>
                 </a:ext>
               </a:extLst>
             </p:cNvPr>
@@ -10979,7 +14540,7 @@
             <p:cNvPr id="23" name="Textfeld 22">
               <a:extLst>
                 <a:ext uri="{FF2B5EF4-FFF2-40B4-BE49-F238E27FC236}">
-                  <a16:creationId xmlns:a16="http://schemas.microsoft.com/office/drawing/2014/main" xmlns="" id="{3841D7B1-EF8D-476C-85AC-C17E649EE1A9}"/>
+                  <a16:creationId xmlns="" xmlns:a16="http://schemas.microsoft.com/office/drawing/2014/main" id="{3841D7B1-EF8D-476C-85AC-C17E649EE1A9}"/>
                 </a:ext>
               </a:extLst>
             </p:cNvPr>
@@ -11020,10 +14581,9 @@
             <a:lstStyle/>
             <a:p>
               <a:r>
-                <a:rPr lang="de-DE" sz="1200" dirty="0" smtClean="0"/>
+                <a:rPr lang="de-DE" sz="1200" dirty="0"/>
                 <a:t>Fazit</a:t>
               </a:r>
-              <a:endParaRPr lang="de-DE" sz="1200" dirty="0"/>
             </a:p>
           </p:txBody>
         </p:sp>
@@ -11032,7 +14592,7 @@
             <p:cNvPr id="24" name="Textfeld 23">
               <a:extLst>
                 <a:ext uri="{FF2B5EF4-FFF2-40B4-BE49-F238E27FC236}">
-                  <a16:creationId xmlns:a16="http://schemas.microsoft.com/office/drawing/2014/main" xmlns="" id="{0DF05AE7-97F5-4E02-9206-C6B40B968DFA}"/>
+                  <a16:creationId xmlns="" xmlns:a16="http://schemas.microsoft.com/office/drawing/2014/main" id="{0DF05AE7-97F5-4E02-9206-C6B40B968DFA}"/>
                 </a:ext>
               </a:extLst>
             </p:cNvPr>
@@ -11084,7 +14644,7 @@
             <p:cNvPr id="25" name="Eingekerbter Richtungspfeil 24">
               <a:extLst>
                 <a:ext uri="{FF2B5EF4-FFF2-40B4-BE49-F238E27FC236}">
-                  <a16:creationId xmlns:a16="http://schemas.microsoft.com/office/drawing/2014/main" xmlns="" id="{C358C398-D0F2-4ECA-8BF9-29E733DFE60D}"/>
+                  <a16:creationId xmlns="" xmlns:a16="http://schemas.microsoft.com/office/drawing/2014/main" id="{C358C398-D0F2-4ECA-8BF9-29E733DFE60D}"/>
                 </a:ext>
               </a:extLst>
             </p:cNvPr>
@@ -11132,7 +14692,7 @@
             <p:cNvPr id="26" name="Eingekerbter Richtungspfeil 25">
               <a:extLst>
                 <a:ext uri="{FF2B5EF4-FFF2-40B4-BE49-F238E27FC236}">
-                  <a16:creationId xmlns:a16="http://schemas.microsoft.com/office/drawing/2014/main" xmlns="" id="{3FEDA7B1-0BEF-47B2-90E9-8E698F727222}"/>
+                  <a16:creationId xmlns="" xmlns:a16="http://schemas.microsoft.com/office/drawing/2014/main" id="{3FEDA7B1-0BEF-47B2-90E9-8E698F727222}"/>
                 </a:ext>
               </a:extLst>
             </p:cNvPr>
@@ -11180,7 +14740,7 @@
             <p:cNvPr id="27" name="Eingekerbter Richtungspfeil 26">
               <a:extLst>
                 <a:ext uri="{FF2B5EF4-FFF2-40B4-BE49-F238E27FC236}">
-                  <a16:creationId xmlns:a16="http://schemas.microsoft.com/office/drawing/2014/main" xmlns="" id="{2EBD9B49-A90C-436A-BBEF-D89DD2237ECF}"/>
+                  <a16:creationId xmlns="" xmlns:a16="http://schemas.microsoft.com/office/drawing/2014/main" id="{2EBD9B49-A90C-436A-BBEF-D89DD2237ECF}"/>
                 </a:ext>
               </a:extLst>
             </p:cNvPr>
@@ -11228,7 +14788,7 @@
             <p:cNvPr id="28" name="Gerade Verbindung 28">
               <a:extLst>
                 <a:ext uri="{FF2B5EF4-FFF2-40B4-BE49-F238E27FC236}">
-                  <a16:creationId xmlns:a16="http://schemas.microsoft.com/office/drawing/2014/main" xmlns="" id="{F1621AAB-A494-467F-9704-6039B7079C13}"/>
+                  <a16:creationId xmlns="" xmlns:a16="http://schemas.microsoft.com/office/drawing/2014/main" id="{F1621AAB-A494-467F-9704-6039B7079C13}"/>
                 </a:ext>
               </a:extLst>
             </p:cNvPr>
@@ -11277,13 +14837,1043 @@
   <p:clrMapOvr>
     <a:masterClrMapping/>
   </p:clrMapOvr>
-  <p:timing>
-    <p:tnLst>
-      <p:par>
-        <p:cTn id="1" dur="indefinite" restart="never" nodeType="tmRoot"/>
-      </p:par>
-    </p:tnLst>
-  </p:timing>
+</p:sld>
+</file>
+
+<file path=ppt/slides/slide20.xml><?xml version="1.0" encoding="utf-8"?>
+<p:sld xmlns:a="http://schemas.openxmlformats.org/drawingml/2006/main" xmlns:r="http://schemas.openxmlformats.org/officeDocument/2006/relationships" xmlns:p="http://schemas.openxmlformats.org/presentationml/2006/main">
+  <p:cSld>
+    <p:spTree>
+      <p:nvGrpSpPr>
+        <p:cNvPr id="1" name=""/>
+        <p:cNvGrpSpPr/>
+        <p:nvPr/>
+      </p:nvGrpSpPr>
+      <p:grpSpPr>
+        <a:xfrm>
+          <a:off x="0" y="0"/>
+          <a:ext cx="0" cy="0"/>
+          <a:chOff x="0" y="0"/>
+          <a:chExt cx="0" cy="0"/>
+        </a:xfrm>
+      </p:grpSpPr>
+      <p:sp>
+        <p:nvSpPr>
+          <p:cNvPr id="17409" name="Titel 1"/>
+          <p:cNvSpPr>
+            <a:spLocks noGrp="1"/>
+          </p:cNvSpPr>
+          <p:nvPr>
+            <p:ph type="title"/>
+          </p:nvPr>
+        </p:nvSpPr>
+        <p:spPr/>
+        <p:txBody>
+          <a:bodyPr/>
+          <a:lstStyle/>
+          <a:p>
+            <a:r>
+              <a:rPr lang="de-DE" noProof="0" dirty="0"/>
+              <a:t>Quellen</a:t>
+            </a:r>
+          </a:p>
+        </p:txBody>
+      </p:sp>
+      <p:sp>
+        <p:nvSpPr>
+          <p:cNvPr id="3" name="Inhaltsplatzhalter 2"/>
+          <p:cNvSpPr>
+            <a:spLocks noGrp="1"/>
+          </p:cNvSpPr>
+          <p:nvPr>
+            <p:ph idx="1"/>
+          </p:nvPr>
+        </p:nvSpPr>
+        <p:spPr/>
+        <p:txBody>
+          <a:bodyPr/>
+          <a:lstStyle/>
+          <a:p>
+            <a:r>
+              <a:rPr lang="de-DE" sz="2000" noProof="0" dirty="0"/>
+              <a:t>[5] Sebastian </a:t>
+            </a:r>
+            <a:r>
+              <a:rPr lang="de-DE" sz="2000" noProof="0" dirty="0" err="1"/>
+              <a:t>Lehrig</a:t>
+            </a:r>
+            <a:r>
+              <a:rPr lang="de-DE" sz="2000" noProof="0" dirty="0"/>
+              <a:t> </a:t>
+            </a:r>
+            <a:r>
+              <a:rPr lang="de-DE" sz="2000" noProof="0" dirty="0" err="1"/>
+              <a:t>and</a:t>
+            </a:r>
+            <a:r>
+              <a:rPr lang="de-DE" sz="2000" noProof="0" dirty="0"/>
+              <a:t> Matthias Becker. “</a:t>
+            </a:r>
+            <a:r>
+              <a:rPr lang="de-DE" sz="2000" noProof="0" dirty="0" err="1"/>
+              <a:t>Approaching</a:t>
+            </a:r>
+            <a:r>
+              <a:rPr lang="de-DE" sz="2000" noProof="0" dirty="0"/>
+              <a:t> the </a:t>
+            </a:r>
+            <a:r>
+              <a:rPr lang="de-DE" sz="2000" noProof="0" dirty="0" err="1"/>
+              <a:t>cloud</a:t>
+            </a:r>
+            <a:r>
+              <a:rPr lang="de-DE" sz="2000" noProof="0" dirty="0"/>
+              <a:t>: </a:t>
+            </a:r>
+            <a:r>
+              <a:rPr lang="de-DE" sz="2000" noProof="0" dirty="0" err="1"/>
+              <a:t>Using</a:t>
+            </a:r>
+            <a:r>
+              <a:rPr lang="de-DE" sz="2000" noProof="0" dirty="0"/>
+              <a:t> </a:t>
+            </a:r>
+            <a:r>
+              <a:rPr lang="de-DE" sz="2000" noProof="0" dirty="0" err="1"/>
+              <a:t>palladio</a:t>
+            </a:r>
+            <a:r>
+              <a:rPr lang="de-DE" sz="2000" noProof="0" dirty="0"/>
+              <a:t> </a:t>
+            </a:r>
+            <a:r>
+              <a:rPr lang="de-DE" sz="2000" noProof="0" dirty="0" err="1"/>
+              <a:t>for</a:t>
+            </a:r>
+            <a:r>
+              <a:rPr lang="de-DE" sz="2000" noProof="0" dirty="0"/>
+              <a:t> </a:t>
+            </a:r>
+            <a:r>
+              <a:rPr lang="de-DE" sz="2000" noProof="0" dirty="0" err="1"/>
+              <a:t>scalability,elasticity</a:t>
+            </a:r>
+            <a:r>
+              <a:rPr lang="de-DE" sz="2000" noProof="0" dirty="0"/>
+              <a:t>, </a:t>
+            </a:r>
+            <a:r>
+              <a:rPr lang="de-DE" sz="2000" noProof="0" dirty="0" err="1"/>
+              <a:t>and</a:t>
+            </a:r>
+            <a:r>
+              <a:rPr lang="de-DE" sz="2000" noProof="0" dirty="0"/>
+              <a:t> </a:t>
+            </a:r>
+            <a:r>
+              <a:rPr lang="de-DE" sz="2000" noProof="0" dirty="0" err="1"/>
+              <a:t>eciency</a:t>
+            </a:r>
+            <a:r>
+              <a:rPr lang="de-DE" sz="2000" noProof="0" dirty="0"/>
+              <a:t> </a:t>
+            </a:r>
+            <a:r>
+              <a:rPr lang="de-DE" sz="2000" noProof="0" dirty="0" err="1"/>
+              <a:t>analyses</a:t>
+            </a:r>
+            <a:r>
+              <a:rPr lang="de-DE" sz="2000" noProof="0" dirty="0"/>
+              <a:t>”. In: </a:t>
+            </a:r>
+            <a:r>
+              <a:rPr lang="de-DE" sz="2000" noProof="0" dirty="0" err="1"/>
+              <a:t>Proceedings</a:t>
+            </a:r>
+            <a:r>
+              <a:rPr lang="de-DE" sz="2000" noProof="0" dirty="0"/>
+              <a:t> of the Symposium on </a:t>
+            </a:r>
+            <a:r>
+              <a:rPr lang="de-DE" sz="2000" noProof="0" dirty="0" err="1"/>
+              <a:t>SoftwarePerformance</a:t>
+            </a:r>
+            <a:r>
+              <a:rPr lang="de-DE" sz="2000" noProof="0" dirty="0"/>
+              <a:t>. 2014, pp. 26–28.</a:t>
+            </a:r>
+          </a:p>
+          <a:p>
+            <a:r>
+              <a:rPr lang="de-DE" sz="2000" noProof="0" dirty="0"/>
+              <a:t>[6] Matthias Becker, Steen Becker, </a:t>
+            </a:r>
+            <a:r>
+              <a:rPr lang="de-DE" sz="2000" noProof="0" dirty="0" err="1"/>
+              <a:t>and</a:t>
+            </a:r>
+            <a:r>
+              <a:rPr lang="de-DE" sz="2000" noProof="0" dirty="0"/>
+              <a:t> Joachim Meyer. “</a:t>
+            </a:r>
+            <a:r>
+              <a:rPr lang="de-DE" sz="2000" noProof="0" dirty="0" err="1"/>
+              <a:t>SimuLizar</a:t>
+            </a:r>
+            <a:r>
+              <a:rPr lang="de-DE" sz="2000" noProof="0" dirty="0"/>
+              <a:t>: Design-Time Modeling </a:t>
+            </a:r>
+            <a:r>
+              <a:rPr lang="de-DE" sz="2000" noProof="0" dirty="0" err="1"/>
+              <a:t>and</a:t>
+            </a:r>
+            <a:r>
+              <a:rPr lang="de-DE" sz="2000" noProof="0" dirty="0"/>
+              <a:t> Performance Analysis of </a:t>
+            </a:r>
+            <a:r>
+              <a:rPr lang="de-DE" sz="2000" noProof="0" dirty="0" err="1"/>
+              <a:t>Self</a:t>
+            </a:r>
+            <a:r>
+              <a:rPr lang="de-DE" sz="2000" noProof="0" dirty="0"/>
+              <a:t>-Adaptive Systems.” In: Software Engineering 213 (2013), pp. 71–84.</a:t>
+            </a:r>
+          </a:p>
+          <a:p>
+            <a:r>
+              <a:rPr lang="de-DE" sz="2000" noProof="0" dirty="0"/>
+              <a:t>[7] C Zach et al. “Simulation of the </a:t>
+            </a:r>
+            <a:r>
+              <a:rPr lang="de-DE" sz="2000" noProof="0" dirty="0" err="1"/>
+              <a:t>job</a:t>
+            </a:r>
+            <a:r>
+              <a:rPr lang="de-DE" sz="2000" noProof="0" dirty="0"/>
+              <a:t> </a:t>
+            </a:r>
+            <a:r>
+              <a:rPr lang="de-DE" sz="2000" noProof="0" dirty="0" err="1"/>
+              <a:t>processing</a:t>
+            </a:r>
+            <a:r>
+              <a:rPr lang="de-DE" sz="2000" noProof="0" dirty="0"/>
+              <a:t> </a:t>
+            </a:r>
+            <a:r>
+              <a:rPr lang="de-DE" sz="2000" noProof="0" dirty="0" err="1"/>
+              <a:t>performance</a:t>
+            </a:r>
+            <a:r>
+              <a:rPr lang="de-DE" sz="2000" noProof="0" dirty="0"/>
+              <a:t> at an ALICE Tier-2 </a:t>
+            </a:r>
+            <a:r>
+              <a:rPr lang="de-DE" sz="2000" noProof="0" dirty="0" err="1"/>
+              <a:t>site</a:t>
+            </a:r>
+            <a:r>
+              <a:rPr lang="de-DE" sz="2000" noProof="0" dirty="0"/>
+              <a:t> </a:t>
+            </a:r>
+            <a:r>
+              <a:rPr lang="de-DE" sz="2000" noProof="0" dirty="0" err="1"/>
+              <a:t>with</a:t>
+            </a:r>
+            <a:r>
+              <a:rPr lang="de-DE" sz="2000" noProof="0" dirty="0"/>
+              <a:t> MONARC”. In: Journal of </a:t>
+            </a:r>
+            <a:r>
+              <a:rPr lang="de-DE" sz="2000" noProof="0" dirty="0" err="1"/>
+              <a:t>Physics</a:t>
+            </a:r>
+            <a:r>
+              <a:rPr lang="de-DE" sz="2000" noProof="0" dirty="0"/>
+              <a:t>: Conference Series 331.7 (2011), p. 072038. </a:t>
+            </a:r>
+            <a:r>
+              <a:rPr lang="de-DE" sz="2000" noProof="0" dirty="0">
+                <a:hlinkClick r:id="rId3"/>
+              </a:rPr>
+              <a:t>url:http://stacks.iop.org/1742-6596/331/i=7/a=072038</a:t>
+            </a:r>
+            <a:r>
+              <a:rPr lang="de-DE" sz="2000" noProof="0" dirty="0"/>
+              <a:t>.</a:t>
+            </a:r>
+          </a:p>
+          <a:p>
+            <a:r>
+              <a:rPr lang="de-DE" sz="2000" noProof="0" dirty="0"/>
+              <a:t>[8] </a:t>
+            </a:r>
+            <a:r>
+              <a:rPr lang="de-DE" sz="2000" dirty="0"/>
+              <a:t>Henri Casanova et al. “Versatile, </a:t>
+            </a:r>
+            <a:r>
+              <a:rPr lang="de-DE" sz="2000" dirty="0" err="1"/>
+              <a:t>Scalable</a:t>
+            </a:r>
+            <a:r>
+              <a:rPr lang="de-DE" sz="2000" dirty="0"/>
+              <a:t>, </a:t>
+            </a:r>
+            <a:r>
+              <a:rPr lang="de-DE" sz="2000" dirty="0" err="1"/>
+              <a:t>and</a:t>
+            </a:r>
+            <a:r>
+              <a:rPr lang="de-DE" sz="2000" dirty="0"/>
+              <a:t> </a:t>
+            </a:r>
+            <a:r>
+              <a:rPr lang="de-DE" sz="2000" dirty="0" err="1"/>
+              <a:t>Accurate</a:t>
+            </a:r>
+            <a:r>
+              <a:rPr lang="de-DE" sz="2000" dirty="0"/>
+              <a:t> Simulation of Distributed </a:t>
+            </a:r>
+            <a:r>
+              <a:rPr lang="de-DE" sz="2000" dirty="0" err="1"/>
+              <a:t>Applications</a:t>
+            </a:r>
+            <a:r>
+              <a:rPr lang="de-DE" sz="2000" dirty="0"/>
+              <a:t> </a:t>
+            </a:r>
+            <a:r>
+              <a:rPr lang="en-US" sz="2000" dirty="0"/>
+              <a:t>and Platforms”. In: Journal of Parallel and Distributed Computing 74.10 (June </a:t>
+            </a:r>
+            <a:r>
+              <a:rPr lang="de-DE" sz="2000" dirty="0"/>
+              <a:t>2014), pp. 2899–2917. url: http://hal.inria.fr/hal-01017319.</a:t>
+            </a:r>
+            <a:endParaRPr lang="de-DE" sz="2000" noProof="0" dirty="0"/>
+          </a:p>
+        </p:txBody>
+      </p:sp>
+      <p:sp>
+        <p:nvSpPr>
+          <p:cNvPr id="17412" name="Fußzeilenplatzhalter 3"/>
+          <p:cNvSpPr>
+            <a:spLocks noGrp="1"/>
+          </p:cNvSpPr>
+          <p:nvPr>
+            <p:ph type="ftr" sz="quarter" idx="10"/>
+          </p:nvPr>
+        </p:nvSpPr>
+        <p:spPr>
+          <a:noFill/>
+        </p:spPr>
+        <p:txBody>
+          <a:bodyPr/>
+          <a:lstStyle/>
+          <a:p>
+            <a:r>
+              <a:rPr lang="de-DE" dirty="0">
+                <a:latin typeface="Arial" charset="0"/>
+                <a:cs typeface="Arial" charset="0"/>
+              </a:rPr>
+              <a:t>Firnkes Patrick:</a:t>
+            </a:r>
+            <a:r>
+              <a:rPr lang="de-DE" dirty="0"/>
+              <a:t> Modellierung und Simulation von Lastverteilungsstrategien </a:t>
+            </a:r>
+            <a:endParaRPr lang="de-DE" dirty="0">
+              <a:latin typeface="Arial" charset="0"/>
+              <a:cs typeface="Arial" charset="0"/>
+            </a:endParaRPr>
+          </a:p>
+        </p:txBody>
+      </p:sp>
+    </p:spTree>
+    <p:extLst>
+      <p:ext uri="{BB962C8B-B14F-4D97-AF65-F5344CB8AC3E}">
+        <p14:creationId xmlns:p14="http://schemas.microsoft.com/office/powerpoint/2010/main" val="2102612790"/>
+      </p:ext>
+    </p:extLst>
+  </p:cSld>
+  <p:clrMapOvr>
+    <a:masterClrMapping/>
+  </p:clrMapOvr>
+</p:sld>
+</file>
+
+<file path=ppt/slides/slide21.xml><?xml version="1.0" encoding="utf-8"?>
+<p:sld xmlns:a="http://schemas.openxmlformats.org/drawingml/2006/main" xmlns:r="http://schemas.openxmlformats.org/officeDocument/2006/relationships" xmlns:p="http://schemas.openxmlformats.org/presentationml/2006/main">
+  <p:cSld>
+    <p:spTree>
+      <p:nvGrpSpPr>
+        <p:cNvPr id="1" name=""/>
+        <p:cNvGrpSpPr/>
+        <p:nvPr/>
+      </p:nvGrpSpPr>
+      <p:grpSpPr>
+        <a:xfrm>
+          <a:off x="0" y="0"/>
+          <a:ext cx="0" cy="0"/>
+          <a:chOff x="0" y="0"/>
+          <a:chExt cx="0" cy="0"/>
+        </a:xfrm>
+      </p:grpSpPr>
+      <p:sp>
+        <p:nvSpPr>
+          <p:cNvPr id="17409" name="Titel 1"/>
+          <p:cNvSpPr>
+            <a:spLocks noGrp="1"/>
+          </p:cNvSpPr>
+          <p:nvPr>
+            <p:ph type="title"/>
+          </p:nvPr>
+        </p:nvSpPr>
+        <p:spPr/>
+        <p:txBody>
+          <a:bodyPr/>
+          <a:lstStyle/>
+          <a:p>
+            <a:r>
+              <a:rPr lang="de-DE" noProof="0" dirty="0"/>
+              <a:t>Quellen</a:t>
+            </a:r>
+          </a:p>
+        </p:txBody>
+      </p:sp>
+      <p:sp>
+        <p:nvSpPr>
+          <p:cNvPr id="3" name="Inhaltsplatzhalter 2"/>
+          <p:cNvSpPr>
+            <a:spLocks noGrp="1"/>
+          </p:cNvSpPr>
+          <p:nvPr>
+            <p:ph idx="1"/>
+          </p:nvPr>
+        </p:nvSpPr>
+        <p:spPr/>
+        <p:txBody>
+          <a:bodyPr/>
+          <a:lstStyle/>
+          <a:p>
+            <a:r>
+              <a:rPr lang="de-DE" sz="2000" noProof="0" dirty="0"/>
+              <a:t>[9] </a:t>
+            </a:r>
+            <a:r>
+              <a:rPr lang="de-DE" sz="2000" dirty="0" err="1"/>
+              <a:t>Monarc</a:t>
+            </a:r>
+            <a:r>
+              <a:rPr lang="de-DE" sz="2000" dirty="0"/>
+              <a:t> </a:t>
+            </a:r>
+            <a:r>
+              <a:rPr lang="de-DE" sz="2000" dirty="0" err="1"/>
+              <a:t>Collaboration</a:t>
+            </a:r>
+            <a:r>
+              <a:rPr lang="de-DE" sz="2000" dirty="0"/>
+              <a:t> et al. Models of </a:t>
+            </a:r>
+            <a:r>
+              <a:rPr lang="de-DE" sz="2000" dirty="0" err="1"/>
+              <a:t>Networked</a:t>
+            </a:r>
+            <a:r>
+              <a:rPr lang="de-DE" sz="2000" dirty="0"/>
+              <a:t> Analysis at Regional </a:t>
+            </a:r>
+            <a:r>
+              <a:rPr lang="de-DE" sz="2000" dirty="0" err="1"/>
+              <a:t>Centres</a:t>
+            </a:r>
+            <a:r>
+              <a:rPr lang="de-DE" sz="2000" dirty="0"/>
+              <a:t> </a:t>
+            </a:r>
+            <a:r>
+              <a:rPr lang="de-DE" sz="2000" dirty="0" err="1"/>
+              <a:t>for</a:t>
+            </a:r>
+            <a:r>
+              <a:rPr lang="de-DE" sz="2000" dirty="0"/>
+              <a:t> LHC </a:t>
+            </a:r>
+            <a:r>
+              <a:rPr lang="en-US" sz="2000" dirty="0"/>
+              <a:t>experiments: Phase 2 report. Tech. rep. Technical Report CERN/LCB-001, CERN, 2000.</a:t>
+            </a:r>
+            <a:r>
+              <a:rPr lang="de-DE" sz="2000" dirty="0"/>
+              <a:t>http://www.cern.ch/MONARC, 2000.</a:t>
+            </a:r>
+          </a:p>
+          <a:p>
+            <a:r>
+              <a:rPr lang="en-US" sz="2000" dirty="0"/>
+              <a:t>[10] </a:t>
+            </a:r>
+            <a:r>
+              <a:rPr lang="en-US" sz="2000" dirty="0" err="1"/>
+              <a:t>Youhei</a:t>
+            </a:r>
+            <a:r>
+              <a:rPr lang="en-US" sz="2000" dirty="0"/>
+              <a:t> Morita, </a:t>
+            </a:r>
+            <a:r>
+              <a:rPr lang="en-US" sz="2000" dirty="0" err="1"/>
+              <a:t>Monarc</a:t>
+            </a:r>
+            <a:r>
+              <a:rPr lang="en-US" sz="2000" dirty="0"/>
+              <a:t> Collaboration, et al. “Validation of the MONARC simulation </a:t>
+            </a:r>
+            <a:r>
+              <a:rPr lang="de-DE" sz="2000" dirty="0" err="1"/>
+              <a:t>tools</a:t>
+            </a:r>
+            <a:r>
+              <a:rPr lang="de-DE" sz="2000" dirty="0"/>
+              <a:t>”. In: Computer </a:t>
+            </a:r>
+            <a:r>
+              <a:rPr lang="de-DE" sz="2000" dirty="0" err="1"/>
+              <a:t>Physics</a:t>
+            </a:r>
+            <a:r>
+              <a:rPr lang="de-DE" sz="2000" dirty="0"/>
+              <a:t> Communications 140.1-2 (2001), pp. 153–161.</a:t>
+            </a:r>
+          </a:p>
+          <a:p>
+            <a:r>
+              <a:rPr lang="de-DE" sz="2000" noProof="0" dirty="0"/>
+              <a:t>[11] </a:t>
+            </a:r>
+            <a:r>
+              <a:rPr lang="en-US" sz="2000" dirty="0"/>
+              <a:t>C Zach et al. “Simulation of the job processing performance at an ALICE Tier-2 site with MONARC”. In: Journal of Physics: Conference Series 331.7 (2011), p. 072038. </a:t>
+            </a:r>
+            <a:r>
+              <a:rPr lang="en-US" sz="2000" dirty="0">
+                <a:hlinkClick r:id="rId3"/>
+              </a:rPr>
+              <a:t>url:</a:t>
+            </a:r>
+            <a:r>
+              <a:rPr lang="de-DE" sz="2000" dirty="0">
+                <a:hlinkClick r:id="rId3"/>
+              </a:rPr>
+              <a:t>http://stacks.iop.org/1742-6596/331/i=7/a=072038</a:t>
+            </a:r>
+            <a:r>
+              <a:rPr lang="de-DE" sz="2000" dirty="0"/>
+              <a:t>.</a:t>
+            </a:r>
+          </a:p>
+          <a:p>
+            <a:r>
+              <a:rPr lang="de-DE" sz="2000" noProof="0" dirty="0"/>
+              <a:t>[12] </a:t>
+            </a:r>
+            <a:r>
+              <a:rPr lang="en-US" sz="2000" dirty="0"/>
+              <a:t>P. O. </a:t>
+            </a:r>
+            <a:r>
+              <a:rPr lang="en-US" sz="2000" dirty="0" err="1"/>
+              <a:t>Östberg</a:t>
+            </a:r>
+            <a:r>
+              <a:rPr lang="en-US" sz="2000" dirty="0"/>
+              <a:t> et al. “The CACTOS Vision of Context-Aware Cloud Topology Optimization and Simulation”. In: 2014 IEEE 6th International Conference on Cloud </a:t>
+            </a:r>
+            <a:r>
+              <a:rPr lang="en-US" sz="2000" dirty="0" err="1"/>
+              <a:t>ComputingTechnology</a:t>
+            </a:r>
+            <a:r>
+              <a:rPr lang="en-US" sz="2000" dirty="0"/>
+              <a:t> and Science. Dec. 2014, pp. 26–31. </a:t>
+            </a:r>
+            <a:r>
+              <a:rPr lang="en-US" sz="2000" dirty="0" err="1"/>
+              <a:t>doi</a:t>
+            </a:r>
+            <a:r>
+              <a:rPr lang="en-US" sz="2000" dirty="0"/>
+              <a:t>: 10.1109/CloudCom.2014.62.</a:t>
+            </a:r>
+            <a:endParaRPr lang="de-DE" sz="2000" noProof="0" dirty="0"/>
+          </a:p>
+        </p:txBody>
+      </p:sp>
+      <p:sp>
+        <p:nvSpPr>
+          <p:cNvPr id="17412" name="Fußzeilenplatzhalter 3"/>
+          <p:cNvSpPr>
+            <a:spLocks noGrp="1"/>
+          </p:cNvSpPr>
+          <p:nvPr>
+            <p:ph type="ftr" sz="quarter" idx="10"/>
+          </p:nvPr>
+        </p:nvSpPr>
+        <p:spPr>
+          <a:noFill/>
+        </p:spPr>
+        <p:txBody>
+          <a:bodyPr/>
+          <a:lstStyle/>
+          <a:p>
+            <a:r>
+              <a:rPr lang="de-DE" dirty="0">
+                <a:latin typeface="Arial" charset="0"/>
+                <a:cs typeface="Arial" charset="0"/>
+              </a:rPr>
+              <a:t>Firnkes Patrick:</a:t>
+            </a:r>
+            <a:r>
+              <a:rPr lang="de-DE" dirty="0"/>
+              <a:t> Modellierung und Simulation von Lastverteilungsstrategien </a:t>
+            </a:r>
+            <a:endParaRPr lang="de-DE" dirty="0">
+              <a:latin typeface="Arial" charset="0"/>
+              <a:cs typeface="Arial" charset="0"/>
+            </a:endParaRPr>
+          </a:p>
+        </p:txBody>
+      </p:sp>
+    </p:spTree>
+    <p:extLst>
+      <p:ext uri="{BB962C8B-B14F-4D97-AF65-F5344CB8AC3E}">
+        <p14:creationId xmlns:p14="http://schemas.microsoft.com/office/powerpoint/2010/main" val="439457967"/>
+      </p:ext>
+    </p:extLst>
+  </p:cSld>
+  <p:clrMapOvr>
+    <a:masterClrMapping/>
+  </p:clrMapOvr>
+</p:sld>
+</file>
+
+<file path=ppt/slides/slide22.xml><?xml version="1.0" encoding="utf-8"?>
+<p:sld xmlns:a="http://schemas.openxmlformats.org/drawingml/2006/main" xmlns:r="http://schemas.openxmlformats.org/officeDocument/2006/relationships" xmlns:p="http://schemas.openxmlformats.org/presentationml/2006/main">
+  <p:cSld>
+    <p:spTree>
+      <p:nvGrpSpPr>
+        <p:cNvPr id="1" name=""/>
+        <p:cNvGrpSpPr/>
+        <p:nvPr/>
+      </p:nvGrpSpPr>
+      <p:grpSpPr>
+        <a:xfrm>
+          <a:off x="0" y="0"/>
+          <a:ext cx="0" cy="0"/>
+          <a:chOff x="0" y="0"/>
+          <a:chExt cx="0" cy="0"/>
+        </a:xfrm>
+      </p:grpSpPr>
+      <p:sp>
+        <p:nvSpPr>
+          <p:cNvPr id="17409" name="Titel 1"/>
+          <p:cNvSpPr>
+            <a:spLocks noGrp="1"/>
+          </p:cNvSpPr>
+          <p:nvPr>
+            <p:ph type="title"/>
+          </p:nvPr>
+        </p:nvSpPr>
+        <p:spPr/>
+        <p:txBody>
+          <a:bodyPr/>
+          <a:lstStyle/>
+          <a:p>
+            <a:r>
+              <a:rPr lang="de-DE" noProof="0" dirty="0"/>
+              <a:t>Quellen</a:t>
+            </a:r>
+          </a:p>
+        </p:txBody>
+      </p:sp>
+      <p:sp>
+        <p:nvSpPr>
+          <p:cNvPr id="3" name="Inhaltsplatzhalter 2"/>
+          <p:cNvSpPr>
+            <a:spLocks noGrp="1"/>
+          </p:cNvSpPr>
+          <p:nvPr>
+            <p:ph idx="1"/>
+          </p:nvPr>
+        </p:nvSpPr>
+        <p:spPr/>
+        <p:txBody>
+          <a:bodyPr/>
+          <a:lstStyle/>
+          <a:p>
+            <a:r>
+              <a:rPr lang="de-DE" sz="2000" dirty="0"/>
+              <a:t>[13] Christian Stier et al. “Rapid </a:t>
+            </a:r>
+            <a:r>
+              <a:rPr lang="de-DE" sz="2000" dirty="0" err="1"/>
+              <a:t>Testing</a:t>
+            </a:r>
+            <a:r>
+              <a:rPr lang="de-DE" sz="2000" dirty="0"/>
+              <a:t> of </a:t>
+            </a:r>
+            <a:r>
+              <a:rPr lang="de-DE" sz="2000" dirty="0" err="1"/>
+              <a:t>IaaS</a:t>
+            </a:r>
+            <a:r>
+              <a:rPr lang="de-DE" sz="2000" dirty="0"/>
+              <a:t> </a:t>
+            </a:r>
+            <a:r>
+              <a:rPr lang="de-DE" sz="2000" dirty="0" err="1"/>
+              <a:t>Resource</a:t>
+            </a:r>
+            <a:r>
+              <a:rPr lang="de-DE" sz="2000" dirty="0"/>
+              <a:t> Management </a:t>
+            </a:r>
+            <a:r>
+              <a:rPr lang="de-DE" sz="2000" dirty="0" err="1"/>
+              <a:t>Algorithms</a:t>
+            </a:r>
+            <a:r>
+              <a:rPr lang="de-DE" sz="2000" dirty="0"/>
+              <a:t> via Cloud </a:t>
+            </a:r>
+            <a:r>
+              <a:rPr lang="en-US" sz="2000" dirty="0"/>
+              <a:t>Middleware Simulation”. In: ACM / SPEC International Conference on Performance Engineering</a:t>
+            </a:r>
+            <a:r>
+              <a:rPr lang="de-DE" sz="2000" dirty="0"/>
+              <a:t>(ICPE’18). ICPE. 2018.</a:t>
+            </a:r>
+            <a:endParaRPr lang="de-DE" sz="2000" noProof="0" dirty="0"/>
+          </a:p>
+        </p:txBody>
+      </p:sp>
+      <p:sp>
+        <p:nvSpPr>
+          <p:cNvPr id="17412" name="Fußzeilenplatzhalter 3"/>
+          <p:cNvSpPr>
+            <a:spLocks noGrp="1"/>
+          </p:cNvSpPr>
+          <p:nvPr>
+            <p:ph type="ftr" sz="quarter" idx="10"/>
+          </p:nvPr>
+        </p:nvSpPr>
+        <p:spPr>
+          <a:noFill/>
+        </p:spPr>
+        <p:txBody>
+          <a:bodyPr/>
+          <a:lstStyle/>
+          <a:p>
+            <a:r>
+              <a:rPr lang="de-DE" dirty="0">
+                <a:latin typeface="Arial" charset="0"/>
+                <a:cs typeface="Arial" charset="0"/>
+              </a:rPr>
+              <a:t>Firnkes Patrick:</a:t>
+            </a:r>
+            <a:r>
+              <a:rPr lang="de-DE" dirty="0"/>
+              <a:t> Modellierung und Simulation von Lastverteilungsstrategien </a:t>
+            </a:r>
+            <a:endParaRPr lang="de-DE" dirty="0">
+              <a:latin typeface="Arial" charset="0"/>
+              <a:cs typeface="Arial" charset="0"/>
+            </a:endParaRPr>
+          </a:p>
+        </p:txBody>
+      </p:sp>
+    </p:spTree>
+    <p:extLst>
+      <p:ext uri="{BB962C8B-B14F-4D97-AF65-F5344CB8AC3E}">
+        <p14:creationId xmlns:p14="http://schemas.microsoft.com/office/powerpoint/2010/main" val="798282035"/>
+      </p:ext>
+    </p:extLst>
+  </p:cSld>
+  <p:clrMapOvr>
+    <a:masterClrMapping/>
+  </p:clrMapOvr>
+</p:sld>
+</file>
+
+<file path=ppt/slides/slide23.xml><?xml version="1.0" encoding="utf-8"?>
+<p:sld xmlns:a="http://schemas.openxmlformats.org/drawingml/2006/main" xmlns:r="http://schemas.openxmlformats.org/officeDocument/2006/relationships" xmlns:p="http://schemas.openxmlformats.org/presentationml/2006/main">
+  <p:cSld>
+    <p:spTree>
+      <p:nvGrpSpPr>
+        <p:cNvPr id="1" name=""/>
+        <p:cNvGrpSpPr/>
+        <p:nvPr/>
+      </p:nvGrpSpPr>
+      <p:grpSpPr>
+        <a:xfrm>
+          <a:off x="0" y="0"/>
+          <a:ext cx="0" cy="0"/>
+          <a:chOff x="0" y="0"/>
+          <a:chExt cx="0" cy="0"/>
+        </a:xfrm>
+      </p:grpSpPr>
+      <p:sp>
+        <p:nvSpPr>
+          <p:cNvPr id="17409" name="Titel 1"/>
+          <p:cNvSpPr>
+            <a:spLocks noGrp="1"/>
+          </p:cNvSpPr>
+          <p:nvPr>
+            <p:ph type="title"/>
+          </p:nvPr>
+        </p:nvSpPr>
+        <p:spPr/>
+        <p:txBody>
+          <a:bodyPr/>
+          <a:lstStyle/>
+          <a:p>
+            <a:r>
+              <a:rPr lang="de-DE" noProof="0" dirty="0"/>
+              <a:t>Experimente</a:t>
+            </a:r>
+          </a:p>
+        </p:txBody>
+      </p:sp>
+      <p:pic>
+        <p:nvPicPr>
+          <p:cNvPr id="2" name="Inhaltsplatzhalter 1"/>
+          <p:cNvPicPr>
+            <a:picLocks noGrp="1" noChangeAspect="1"/>
+          </p:cNvPicPr>
+          <p:nvPr>
+            <p:ph idx="1"/>
+          </p:nvPr>
+        </p:nvPicPr>
+        <p:blipFill>
+          <a:blip r:embed="rId3">
+            <a:extLst>
+              <a:ext uri="{28A0092B-C50C-407E-A947-70E740481C1C}">
+                <a14:useLocalDpi xmlns:a14="http://schemas.microsoft.com/office/drawing/2010/main" val="0"/>
+              </a:ext>
+            </a:extLst>
+          </a:blip>
+          <a:stretch>
+            <a:fillRect/>
+          </a:stretch>
+        </p:blipFill>
+        <p:spPr>
+          <a:xfrm>
+            <a:off x="1211095" y="1198563"/>
+            <a:ext cx="6718636" cy="4745037"/>
+          </a:xfrm>
+        </p:spPr>
+      </p:pic>
+      <p:sp>
+        <p:nvSpPr>
+          <p:cNvPr id="17412" name="Fußzeilenplatzhalter 3"/>
+          <p:cNvSpPr>
+            <a:spLocks noGrp="1"/>
+          </p:cNvSpPr>
+          <p:nvPr>
+            <p:ph type="ftr" sz="quarter" idx="10"/>
+          </p:nvPr>
+        </p:nvSpPr>
+        <p:spPr>
+          <a:noFill/>
+        </p:spPr>
+        <p:txBody>
+          <a:bodyPr/>
+          <a:lstStyle/>
+          <a:p>
+            <a:r>
+              <a:rPr lang="de-DE" dirty="0">
+                <a:latin typeface="Arial" charset="0"/>
+                <a:cs typeface="Arial" charset="0"/>
+              </a:rPr>
+              <a:t>Firnkes Patrick:</a:t>
+            </a:r>
+            <a:r>
+              <a:rPr lang="de-DE" dirty="0"/>
+              <a:t> Modellierung und Simulation von Lastverteilungsstrategien </a:t>
+            </a:r>
+            <a:endParaRPr lang="de-DE" dirty="0">
+              <a:latin typeface="Arial" charset="0"/>
+              <a:cs typeface="Arial" charset="0"/>
+            </a:endParaRPr>
+          </a:p>
+        </p:txBody>
+      </p:sp>
+    </p:spTree>
+    <p:extLst>
+      <p:ext uri="{BB962C8B-B14F-4D97-AF65-F5344CB8AC3E}">
+        <p14:creationId xmlns:p14="http://schemas.microsoft.com/office/powerpoint/2010/main" val="709214438"/>
+      </p:ext>
+    </p:extLst>
+  </p:cSld>
+  <p:clrMapOvr>
+    <a:masterClrMapping/>
+  </p:clrMapOvr>
+</p:sld>
+</file>
+
+<file path=ppt/slides/slide24.xml><?xml version="1.0" encoding="utf-8"?>
+<p:sld xmlns:a="http://schemas.openxmlformats.org/drawingml/2006/main" xmlns:r="http://schemas.openxmlformats.org/officeDocument/2006/relationships" xmlns:p="http://schemas.openxmlformats.org/presentationml/2006/main">
+  <p:cSld>
+    <p:spTree>
+      <p:nvGrpSpPr>
+        <p:cNvPr id="1" name=""/>
+        <p:cNvGrpSpPr/>
+        <p:nvPr/>
+      </p:nvGrpSpPr>
+      <p:grpSpPr>
+        <a:xfrm>
+          <a:off x="0" y="0"/>
+          <a:ext cx="0" cy="0"/>
+          <a:chOff x="0" y="0"/>
+          <a:chExt cx="0" cy="0"/>
+        </a:xfrm>
+      </p:grpSpPr>
+      <p:sp>
+        <p:nvSpPr>
+          <p:cNvPr id="17409" name="Titel 1"/>
+          <p:cNvSpPr>
+            <a:spLocks noGrp="1"/>
+          </p:cNvSpPr>
+          <p:nvPr>
+            <p:ph type="title"/>
+          </p:nvPr>
+        </p:nvSpPr>
+        <p:spPr/>
+        <p:txBody>
+          <a:bodyPr/>
+          <a:lstStyle/>
+          <a:p>
+            <a:r>
+              <a:rPr lang="de-DE" noProof="0" dirty="0"/>
+              <a:t>Palladio</a:t>
+            </a:r>
+          </a:p>
+        </p:txBody>
+      </p:sp>
+      <p:pic>
+        <p:nvPicPr>
+          <p:cNvPr id="2" name="Inhaltsplatzhalter 1"/>
+          <p:cNvPicPr>
+            <a:picLocks noGrp="1" noChangeAspect="1"/>
+          </p:cNvPicPr>
+          <p:nvPr>
+            <p:ph idx="1"/>
+          </p:nvPr>
+        </p:nvPicPr>
+        <p:blipFill>
+          <a:blip r:embed="rId3">
+            <a:extLst>
+              <a:ext uri="{28A0092B-C50C-407E-A947-70E740481C1C}">
+                <a14:useLocalDpi xmlns:a14="http://schemas.microsoft.com/office/drawing/2010/main" val="0"/>
+              </a:ext>
+            </a:extLst>
+          </a:blip>
+          <a:stretch>
+            <a:fillRect/>
+          </a:stretch>
+        </p:blipFill>
+        <p:spPr>
+          <a:xfrm>
+            <a:off x="258702" y="1435039"/>
+            <a:ext cx="8431764" cy="3903148"/>
+          </a:xfrm>
+        </p:spPr>
+      </p:pic>
+      <p:sp>
+        <p:nvSpPr>
+          <p:cNvPr id="17412" name="Fußzeilenplatzhalter 3"/>
+          <p:cNvSpPr>
+            <a:spLocks noGrp="1"/>
+          </p:cNvSpPr>
+          <p:nvPr>
+            <p:ph type="ftr" sz="quarter" idx="10"/>
+          </p:nvPr>
+        </p:nvSpPr>
+        <p:spPr>
+          <a:noFill/>
+        </p:spPr>
+        <p:txBody>
+          <a:bodyPr/>
+          <a:lstStyle/>
+          <a:p>
+            <a:r>
+              <a:rPr lang="de-DE" dirty="0">
+                <a:latin typeface="Arial" charset="0"/>
+                <a:cs typeface="Arial" charset="0"/>
+              </a:rPr>
+              <a:t>Firnkes Patrick:</a:t>
+            </a:r>
+            <a:r>
+              <a:rPr lang="de-DE" dirty="0"/>
+              <a:t> Modellierung und Simulation von Lastverteilungsstrategien </a:t>
+            </a:r>
+            <a:endParaRPr lang="de-DE" dirty="0">
+              <a:latin typeface="Arial" charset="0"/>
+              <a:cs typeface="Arial" charset="0"/>
+            </a:endParaRPr>
+          </a:p>
+        </p:txBody>
+      </p:sp>
+      <p:sp>
+        <p:nvSpPr>
+          <p:cNvPr id="4" name="Textfeld 3"/>
+          <p:cNvSpPr txBox="1"/>
+          <p:nvPr/>
+        </p:nvSpPr>
+        <p:spPr>
+          <a:xfrm>
+            <a:off x="3276600" y="5398588"/>
+            <a:ext cx="2916183" cy="369332"/>
+          </a:xfrm>
+          <a:prstGeom prst="rect">
+            <a:avLst/>
+          </a:prstGeom>
+          <a:noFill/>
+        </p:spPr>
+        <p:txBody>
+          <a:bodyPr wrap="none" rtlCol="0">
+            <a:spAutoFit/>
+          </a:bodyPr>
+          <a:lstStyle/>
+          <a:p>
+            <a:r>
+              <a:rPr lang="de-DE" dirty="0"/>
+              <a:t>Arbeitsprozess Palladio </a:t>
+            </a:r>
+            <a:r>
+              <a:rPr lang="de-DE" sz="1400" dirty="0"/>
+              <a:t>[4]</a:t>
+            </a:r>
+          </a:p>
+        </p:txBody>
+      </p:sp>
+    </p:spTree>
+    <p:extLst>
+      <p:ext uri="{BB962C8B-B14F-4D97-AF65-F5344CB8AC3E}">
+        <p14:creationId xmlns:p14="http://schemas.microsoft.com/office/powerpoint/2010/main" val="3171028617"/>
+      </p:ext>
+    </p:extLst>
+  </p:cSld>
+  <p:clrMapOvr>
+    <a:masterClrMapping/>
+  </p:clrMapOvr>
 </p:sld>
 </file>
 
@@ -11528,7 +16118,7 @@
           <p:cNvPr id="20" name="Gruppieren 21">
             <a:extLst>
               <a:ext uri="{FF2B5EF4-FFF2-40B4-BE49-F238E27FC236}">
-                <a16:creationId xmlns:a16="http://schemas.microsoft.com/office/drawing/2014/main" xmlns="" id="{BCC0948F-C1E3-4907-854B-A0721D1FDACC}"/>
+                <a16:creationId xmlns="" xmlns:a16="http://schemas.microsoft.com/office/drawing/2014/main" id="{BCC0948F-C1E3-4907-854B-A0721D1FDACC}"/>
               </a:ext>
             </a:extLst>
           </p:cNvPr>
@@ -11548,7 +16138,7 @@
             <p:cNvPr id="21" name="Textfeld 13">
               <a:extLst>
                 <a:ext uri="{FF2B5EF4-FFF2-40B4-BE49-F238E27FC236}">
-                  <a16:creationId xmlns:a16="http://schemas.microsoft.com/office/drawing/2014/main" xmlns="" id="{425AEF1D-6595-4E36-A5D4-5F32C0012763}"/>
+                  <a16:creationId xmlns="" xmlns:a16="http://schemas.microsoft.com/office/drawing/2014/main" id="{425AEF1D-6595-4E36-A5D4-5F32C0012763}"/>
                 </a:ext>
               </a:extLst>
             </p:cNvPr>
@@ -11600,7 +16190,7 @@
             <p:cNvPr id="22" name="Textfeld 21">
               <a:extLst>
                 <a:ext uri="{FF2B5EF4-FFF2-40B4-BE49-F238E27FC236}">
-                  <a16:creationId xmlns:a16="http://schemas.microsoft.com/office/drawing/2014/main" xmlns="" id="{82ABF473-AD17-4ED8-AB87-CC275185AE43}"/>
+                  <a16:creationId xmlns="" xmlns:a16="http://schemas.microsoft.com/office/drawing/2014/main" id="{82ABF473-AD17-4ED8-AB87-CC275185AE43}"/>
                 </a:ext>
               </a:extLst>
             </p:cNvPr>
@@ -11652,7 +16242,7 @@
             <p:cNvPr id="23" name="Textfeld 22">
               <a:extLst>
                 <a:ext uri="{FF2B5EF4-FFF2-40B4-BE49-F238E27FC236}">
-                  <a16:creationId xmlns:a16="http://schemas.microsoft.com/office/drawing/2014/main" xmlns="" id="{3841D7B1-EF8D-476C-85AC-C17E649EE1A9}"/>
+                  <a16:creationId xmlns="" xmlns:a16="http://schemas.microsoft.com/office/drawing/2014/main" id="{3841D7B1-EF8D-476C-85AC-C17E649EE1A9}"/>
                 </a:ext>
               </a:extLst>
             </p:cNvPr>
@@ -11693,10 +16283,9 @@
             <a:lstStyle/>
             <a:p>
               <a:r>
-                <a:rPr lang="de-DE" sz="1200" dirty="0" smtClean="0"/>
+                <a:rPr lang="de-DE" sz="1200" dirty="0"/>
                 <a:t>Fazit</a:t>
               </a:r>
-              <a:endParaRPr lang="de-DE" sz="1200" dirty="0"/>
             </a:p>
           </p:txBody>
         </p:sp>
@@ -11705,7 +16294,7 @@
             <p:cNvPr id="24" name="Textfeld 23">
               <a:extLst>
                 <a:ext uri="{FF2B5EF4-FFF2-40B4-BE49-F238E27FC236}">
-                  <a16:creationId xmlns:a16="http://schemas.microsoft.com/office/drawing/2014/main" xmlns="" id="{0DF05AE7-97F5-4E02-9206-C6B40B968DFA}"/>
+                  <a16:creationId xmlns="" xmlns:a16="http://schemas.microsoft.com/office/drawing/2014/main" id="{0DF05AE7-97F5-4E02-9206-C6B40B968DFA}"/>
                 </a:ext>
               </a:extLst>
             </p:cNvPr>
@@ -11757,7 +16346,7 @@
             <p:cNvPr id="25" name="Eingekerbter Richtungspfeil 24">
               <a:extLst>
                 <a:ext uri="{FF2B5EF4-FFF2-40B4-BE49-F238E27FC236}">
-                  <a16:creationId xmlns:a16="http://schemas.microsoft.com/office/drawing/2014/main" xmlns="" id="{C358C398-D0F2-4ECA-8BF9-29E733DFE60D}"/>
+                  <a16:creationId xmlns="" xmlns:a16="http://schemas.microsoft.com/office/drawing/2014/main" id="{C358C398-D0F2-4ECA-8BF9-29E733DFE60D}"/>
                 </a:ext>
               </a:extLst>
             </p:cNvPr>
@@ -11805,7 +16394,7 @@
             <p:cNvPr id="26" name="Eingekerbter Richtungspfeil 25">
               <a:extLst>
                 <a:ext uri="{FF2B5EF4-FFF2-40B4-BE49-F238E27FC236}">
-                  <a16:creationId xmlns:a16="http://schemas.microsoft.com/office/drawing/2014/main" xmlns="" id="{3FEDA7B1-0BEF-47B2-90E9-8E698F727222}"/>
+                  <a16:creationId xmlns="" xmlns:a16="http://schemas.microsoft.com/office/drawing/2014/main" id="{3FEDA7B1-0BEF-47B2-90E9-8E698F727222}"/>
                 </a:ext>
               </a:extLst>
             </p:cNvPr>
@@ -11853,7 +16442,7 @@
             <p:cNvPr id="27" name="Eingekerbter Richtungspfeil 26">
               <a:extLst>
                 <a:ext uri="{FF2B5EF4-FFF2-40B4-BE49-F238E27FC236}">
-                  <a16:creationId xmlns:a16="http://schemas.microsoft.com/office/drawing/2014/main" xmlns="" id="{2EBD9B49-A90C-436A-BBEF-D89DD2237ECF}"/>
+                  <a16:creationId xmlns="" xmlns:a16="http://schemas.microsoft.com/office/drawing/2014/main" id="{2EBD9B49-A90C-436A-BBEF-D89DD2237ECF}"/>
                 </a:ext>
               </a:extLst>
             </p:cNvPr>
@@ -11901,7 +16490,7 @@
             <p:cNvPr id="28" name="Gerade Verbindung 28">
               <a:extLst>
                 <a:ext uri="{FF2B5EF4-FFF2-40B4-BE49-F238E27FC236}">
-                  <a16:creationId xmlns:a16="http://schemas.microsoft.com/office/drawing/2014/main" xmlns="" id="{F1621AAB-A494-467F-9704-6039B7079C13}"/>
+                  <a16:creationId xmlns="" xmlns:a16="http://schemas.microsoft.com/office/drawing/2014/main" id="{F1621AAB-A494-467F-9704-6039B7079C13}"/>
                 </a:ext>
               </a:extLst>
             </p:cNvPr>
@@ -11950,13 +16539,6 @@
   <p:clrMapOvr>
     <a:masterClrMapping/>
   </p:clrMapOvr>
-  <p:timing>
-    <p:tnLst>
-      <p:par>
-        <p:cTn id="1" dur="indefinite" restart="never" nodeType="tmRoot"/>
-      </p:par>
-    </p:tnLst>
-  </p:timing>
 </p:sld>
 </file>
 
@@ -12174,7 +16756,7 @@
           <p:cNvPr id="19" name="Gruppieren 21">
             <a:extLst>
               <a:ext uri="{FF2B5EF4-FFF2-40B4-BE49-F238E27FC236}">
-                <a16:creationId xmlns:a16="http://schemas.microsoft.com/office/drawing/2014/main" xmlns="" id="{BCC0948F-C1E3-4907-854B-A0721D1FDACC}"/>
+                <a16:creationId xmlns="" xmlns:a16="http://schemas.microsoft.com/office/drawing/2014/main" id="{BCC0948F-C1E3-4907-854B-A0721D1FDACC}"/>
               </a:ext>
             </a:extLst>
           </p:cNvPr>
@@ -12194,7 +16776,7 @@
             <p:cNvPr id="20" name="Textfeld 13">
               <a:extLst>
                 <a:ext uri="{FF2B5EF4-FFF2-40B4-BE49-F238E27FC236}">
-                  <a16:creationId xmlns:a16="http://schemas.microsoft.com/office/drawing/2014/main" xmlns="" id="{425AEF1D-6595-4E36-A5D4-5F32C0012763}"/>
+                  <a16:creationId xmlns="" xmlns:a16="http://schemas.microsoft.com/office/drawing/2014/main" id="{425AEF1D-6595-4E36-A5D4-5F32C0012763}"/>
                 </a:ext>
               </a:extLst>
             </p:cNvPr>
@@ -12246,7 +16828,7 @@
             <p:cNvPr id="21" name="Textfeld 20">
               <a:extLst>
                 <a:ext uri="{FF2B5EF4-FFF2-40B4-BE49-F238E27FC236}">
-                  <a16:creationId xmlns:a16="http://schemas.microsoft.com/office/drawing/2014/main" xmlns="" id="{82ABF473-AD17-4ED8-AB87-CC275185AE43}"/>
+                  <a16:creationId xmlns="" xmlns:a16="http://schemas.microsoft.com/office/drawing/2014/main" id="{82ABF473-AD17-4ED8-AB87-CC275185AE43}"/>
                 </a:ext>
               </a:extLst>
             </p:cNvPr>
@@ -12298,7 +16880,7 @@
             <p:cNvPr id="22" name="Textfeld 21">
               <a:extLst>
                 <a:ext uri="{FF2B5EF4-FFF2-40B4-BE49-F238E27FC236}">
-                  <a16:creationId xmlns:a16="http://schemas.microsoft.com/office/drawing/2014/main" xmlns="" id="{3841D7B1-EF8D-476C-85AC-C17E649EE1A9}"/>
+                  <a16:creationId xmlns="" xmlns:a16="http://schemas.microsoft.com/office/drawing/2014/main" id="{3841D7B1-EF8D-476C-85AC-C17E649EE1A9}"/>
                 </a:ext>
               </a:extLst>
             </p:cNvPr>
@@ -12339,10 +16921,9 @@
             <a:lstStyle/>
             <a:p>
               <a:r>
-                <a:rPr lang="de-DE" sz="1200" dirty="0" smtClean="0"/>
+                <a:rPr lang="de-DE" sz="1200" dirty="0"/>
                 <a:t>Fazit</a:t>
               </a:r>
-              <a:endParaRPr lang="de-DE" sz="1200" dirty="0"/>
             </a:p>
           </p:txBody>
         </p:sp>
@@ -12351,7 +16932,7 @@
             <p:cNvPr id="23" name="Textfeld 22">
               <a:extLst>
                 <a:ext uri="{FF2B5EF4-FFF2-40B4-BE49-F238E27FC236}">
-                  <a16:creationId xmlns:a16="http://schemas.microsoft.com/office/drawing/2014/main" xmlns="" id="{0DF05AE7-97F5-4E02-9206-C6B40B968DFA}"/>
+                  <a16:creationId xmlns="" xmlns:a16="http://schemas.microsoft.com/office/drawing/2014/main" id="{0DF05AE7-97F5-4E02-9206-C6B40B968DFA}"/>
                 </a:ext>
               </a:extLst>
             </p:cNvPr>
@@ -12403,7 +16984,7 @@
             <p:cNvPr id="24" name="Eingekerbter Richtungspfeil 23">
               <a:extLst>
                 <a:ext uri="{FF2B5EF4-FFF2-40B4-BE49-F238E27FC236}">
-                  <a16:creationId xmlns:a16="http://schemas.microsoft.com/office/drawing/2014/main" xmlns="" id="{C358C398-D0F2-4ECA-8BF9-29E733DFE60D}"/>
+                  <a16:creationId xmlns="" xmlns:a16="http://schemas.microsoft.com/office/drawing/2014/main" id="{C358C398-D0F2-4ECA-8BF9-29E733DFE60D}"/>
                 </a:ext>
               </a:extLst>
             </p:cNvPr>
@@ -12451,7 +17032,7 @@
             <p:cNvPr id="26" name="Eingekerbter Richtungspfeil 25">
               <a:extLst>
                 <a:ext uri="{FF2B5EF4-FFF2-40B4-BE49-F238E27FC236}">
-                  <a16:creationId xmlns:a16="http://schemas.microsoft.com/office/drawing/2014/main" xmlns="" id="{3FEDA7B1-0BEF-47B2-90E9-8E698F727222}"/>
+                  <a16:creationId xmlns="" xmlns:a16="http://schemas.microsoft.com/office/drawing/2014/main" id="{3FEDA7B1-0BEF-47B2-90E9-8E698F727222}"/>
                 </a:ext>
               </a:extLst>
             </p:cNvPr>
@@ -12499,7 +17080,7 @@
             <p:cNvPr id="27" name="Eingekerbter Richtungspfeil 26">
               <a:extLst>
                 <a:ext uri="{FF2B5EF4-FFF2-40B4-BE49-F238E27FC236}">
-                  <a16:creationId xmlns:a16="http://schemas.microsoft.com/office/drawing/2014/main" xmlns="" id="{2EBD9B49-A90C-436A-BBEF-D89DD2237ECF}"/>
+                  <a16:creationId xmlns="" xmlns:a16="http://schemas.microsoft.com/office/drawing/2014/main" id="{2EBD9B49-A90C-436A-BBEF-D89DD2237ECF}"/>
                 </a:ext>
               </a:extLst>
             </p:cNvPr>
@@ -12547,7 +17128,7 @@
             <p:cNvPr id="28" name="Gerade Verbindung 28">
               <a:extLst>
                 <a:ext uri="{FF2B5EF4-FFF2-40B4-BE49-F238E27FC236}">
-                  <a16:creationId xmlns:a16="http://schemas.microsoft.com/office/drawing/2014/main" xmlns="" id="{F1621AAB-A494-467F-9704-6039B7079C13}"/>
+                  <a16:creationId xmlns="" xmlns:a16="http://schemas.microsoft.com/office/drawing/2014/main" id="{F1621AAB-A494-467F-9704-6039B7079C13}"/>
                 </a:ext>
               </a:extLst>
             </p:cNvPr>
@@ -12596,13 +17177,6 @@
   <p:clrMapOvr>
     <a:masterClrMapping/>
   </p:clrMapOvr>
-  <p:timing>
-    <p:tnLst>
-      <p:par>
-        <p:cTn id="1" dur="indefinite" restart="never" nodeType="tmRoot"/>
-      </p:par>
-    </p:tnLst>
-  </p:timing>
 </p:sld>
 </file>
 
@@ -12667,15 +17241,7 @@
           <a:p>
             <a:r>
               <a:rPr lang="de-DE" noProof="0" dirty="0"/>
-              <a:t>Erstelle </a:t>
-            </a:r>
-            <a:r>
-              <a:rPr lang="de-DE" noProof="0" dirty="0" smtClean="0"/>
-              <a:t>Modell </a:t>
-            </a:r>
-            <a:r>
-              <a:rPr lang="de-DE" noProof="0" dirty="0"/>
-              <a:t>und Simulation </a:t>
+              <a:t>Erstelle Modell und Simulation </a:t>
             </a:r>
           </a:p>
           <a:p>
@@ -12684,13 +17250,8 @@
             </a:pPr>
             <a:r>
               <a:rPr lang="de-DE" noProof="0" dirty="0"/>
-              <a:t>    des CMS Computing </a:t>
-            </a:r>
-            <a:r>
-              <a:rPr lang="de-DE" noProof="0" dirty="0" err="1" smtClean="0"/>
-              <a:t>Model´s</a:t>
-            </a:r>
-            <a:endParaRPr lang="de-DE" noProof="0" dirty="0"/>
+              <a:t>    des CMS Computing Model</a:t>
+            </a:r>
           </a:p>
           <a:p>
             <a:r>
@@ -12702,13 +17263,8 @@
             <a:pPr lvl="1"/>
             <a:r>
               <a:rPr lang="de-DE" noProof="0" dirty="0"/>
-              <a:t>Verschiedene </a:t>
-            </a:r>
-            <a:r>
-              <a:rPr lang="de-DE" noProof="0" dirty="0" err="1"/>
-              <a:t>Lastverteilungsstragien</a:t>
-            </a:r>
-            <a:endParaRPr lang="de-DE" noProof="0" dirty="0"/>
+              <a:t>Verschiedene Lastverteilungsstrategien</a:t>
+            </a:r>
           </a:p>
           <a:p>
             <a:pPr lvl="1"/>
@@ -12829,7 +17385,7 @@
           <p:cNvPr id="19" name="Gruppieren 21">
             <a:extLst>
               <a:ext uri="{FF2B5EF4-FFF2-40B4-BE49-F238E27FC236}">
-                <a16:creationId xmlns:a16="http://schemas.microsoft.com/office/drawing/2014/main" xmlns="" id="{BCC0948F-C1E3-4907-854B-A0721D1FDACC}"/>
+                <a16:creationId xmlns="" xmlns:a16="http://schemas.microsoft.com/office/drawing/2014/main" id="{BCC0948F-C1E3-4907-854B-A0721D1FDACC}"/>
               </a:ext>
             </a:extLst>
           </p:cNvPr>
@@ -12849,7 +17405,7 @@
             <p:cNvPr id="20" name="Textfeld 13">
               <a:extLst>
                 <a:ext uri="{FF2B5EF4-FFF2-40B4-BE49-F238E27FC236}">
-                  <a16:creationId xmlns:a16="http://schemas.microsoft.com/office/drawing/2014/main" xmlns="" id="{425AEF1D-6595-4E36-A5D4-5F32C0012763}"/>
+                  <a16:creationId xmlns="" xmlns:a16="http://schemas.microsoft.com/office/drawing/2014/main" id="{425AEF1D-6595-4E36-A5D4-5F32C0012763}"/>
                 </a:ext>
               </a:extLst>
             </p:cNvPr>
@@ -12901,7 +17457,7 @@
             <p:cNvPr id="21" name="Textfeld 20">
               <a:extLst>
                 <a:ext uri="{FF2B5EF4-FFF2-40B4-BE49-F238E27FC236}">
-                  <a16:creationId xmlns:a16="http://schemas.microsoft.com/office/drawing/2014/main" xmlns="" id="{82ABF473-AD17-4ED8-AB87-CC275185AE43}"/>
+                  <a16:creationId xmlns="" xmlns:a16="http://schemas.microsoft.com/office/drawing/2014/main" id="{82ABF473-AD17-4ED8-AB87-CC275185AE43}"/>
                 </a:ext>
               </a:extLst>
             </p:cNvPr>
@@ -12953,7 +17509,7 @@
             <p:cNvPr id="22" name="Textfeld 21">
               <a:extLst>
                 <a:ext uri="{FF2B5EF4-FFF2-40B4-BE49-F238E27FC236}">
-                  <a16:creationId xmlns:a16="http://schemas.microsoft.com/office/drawing/2014/main" xmlns="" id="{3841D7B1-EF8D-476C-85AC-C17E649EE1A9}"/>
+                  <a16:creationId xmlns="" xmlns:a16="http://schemas.microsoft.com/office/drawing/2014/main" id="{3841D7B1-EF8D-476C-85AC-C17E649EE1A9}"/>
                 </a:ext>
               </a:extLst>
             </p:cNvPr>
@@ -12994,10 +17550,9 @@
             <a:lstStyle/>
             <a:p>
               <a:r>
-                <a:rPr lang="de-DE" sz="1200" dirty="0" smtClean="0"/>
+                <a:rPr lang="de-DE" sz="1200" dirty="0"/>
                 <a:t>Fazit</a:t>
               </a:r>
-              <a:endParaRPr lang="de-DE" sz="1200" dirty="0"/>
             </a:p>
           </p:txBody>
         </p:sp>
@@ -13006,7 +17561,7 @@
             <p:cNvPr id="23" name="Textfeld 22">
               <a:extLst>
                 <a:ext uri="{FF2B5EF4-FFF2-40B4-BE49-F238E27FC236}">
-                  <a16:creationId xmlns:a16="http://schemas.microsoft.com/office/drawing/2014/main" xmlns="" id="{0DF05AE7-97F5-4E02-9206-C6B40B968DFA}"/>
+                  <a16:creationId xmlns="" xmlns:a16="http://schemas.microsoft.com/office/drawing/2014/main" id="{0DF05AE7-97F5-4E02-9206-C6B40B968DFA}"/>
                 </a:ext>
               </a:extLst>
             </p:cNvPr>
@@ -13058,7 +17613,7 @@
             <p:cNvPr id="24" name="Eingekerbter Richtungspfeil 23">
               <a:extLst>
                 <a:ext uri="{FF2B5EF4-FFF2-40B4-BE49-F238E27FC236}">
-                  <a16:creationId xmlns:a16="http://schemas.microsoft.com/office/drawing/2014/main" xmlns="" id="{C358C398-D0F2-4ECA-8BF9-29E733DFE60D}"/>
+                  <a16:creationId xmlns="" xmlns:a16="http://schemas.microsoft.com/office/drawing/2014/main" id="{C358C398-D0F2-4ECA-8BF9-29E733DFE60D}"/>
                 </a:ext>
               </a:extLst>
             </p:cNvPr>
@@ -13106,7 +17661,7 @@
             <p:cNvPr id="25" name="Eingekerbter Richtungspfeil 24">
               <a:extLst>
                 <a:ext uri="{FF2B5EF4-FFF2-40B4-BE49-F238E27FC236}">
-                  <a16:creationId xmlns:a16="http://schemas.microsoft.com/office/drawing/2014/main" xmlns="" id="{3FEDA7B1-0BEF-47B2-90E9-8E698F727222}"/>
+                  <a16:creationId xmlns="" xmlns:a16="http://schemas.microsoft.com/office/drawing/2014/main" id="{3FEDA7B1-0BEF-47B2-90E9-8E698F727222}"/>
                 </a:ext>
               </a:extLst>
             </p:cNvPr>
@@ -13154,7 +17709,7 @@
             <p:cNvPr id="26" name="Eingekerbter Richtungspfeil 25">
               <a:extLst>
                 <a:ext uri="{FF2B5EF4-FFF2-40B4-BE49-F238E27FC236}">
-                  <a16:creationId xmlns:a16="http://schemas.microsoft.com/office/drawing/2014/main" xmlns="" id="{2EBD9B49-A90C-436A-BBEF-D89DD2237ECF}"/>
+                  <a16:creationId xmlns="" xmlns:a16="http://schemas.microsoft.com/office/drawing/2014/main" id="{2EBD9B49-A90C-436A-BBEF-D89DD2237ECF}"/>
                 </a:ext>
               </a:extLst>
             </p:cNvPr>
@@ -13202,7 +17757,7 @@
             <p:cNvPr id="27" name="Gerade Verbindung 28">
               <a:extLst>
                 <a:ext uri="{FF2B5EF4-FFF2-40B4-BE49-F238E27FC236}">
-                  <a16:creationId xmlns:a16="http://schemas.microsoft.com/office/drawing/2014/main" xmlns="" id="{F1621AAB-A494-467F-9704-6039B7079C13}"/>
+                  <a16:creationId xmlns="" xmlns:a16="http://schemas.microsoft.com/office/drawing/2014/main" id="{F1621AAB-A494-467F-9704-6039B7079C13}"/>
                 </a:ext>
               </a:extLst>
             </p:cNvPr>
@@ -13251,13 +17806,6 @@
   <p:clrMapOvr>
     <a:masterClrMapping/>
   </p:clrMapOvr>
-  <p:timing>
-    <p:tnLst>
-      <p:par>
-        <p:cTn id="1" dur="indefinite" restart="never" nodeType="tmRoot"/>
-      </p:par>
-    </p:tnLst>
-  </p:timing>
 </p:sld>
 </file>
 
@@ -13328,12 +17876,8 @@
           <a:p>
             <a:pPr lvl="1"/>
             <a:r>
-              <a:rPr lang="de-DE" noProof="0" dirty="0" smtClean="0"/>
-              <a:t>Modell </a:t>
-            </a:r>
-            <a:r>
               <a:rPr lang="de-DE" noProof="0" dirty="0"/>
-              <a:t>getriebener Software Architektur Simulator</a:t>
+              <a:t>Modell getriebener Software Architektur Simulator</a:t>
             </a:r>
           </a:p>
           <a:p>
@@ -13472,7 +18016,7 @@
           <p:cNvPr id="19" name="Gruppieren 21">
             <a:extLst>
               <a:ext uri="{FF2B5EF4-FFF2-40B4-BE49-F238E27FC236}">
-                <a16:creationId xmlns:a16="http://schemas.microsoft.com/office/drawing/2014/main" xmlns="" id="{BCC0948F-C1E3-4907-854B-A0721D1FDACC}"/>
+                <a16:creationId xmlns="" xmlns:a16="http://schemas.microsoft.com/office/drawing/2014/main" id="{BCC0948F-C1E3-4907-854B-A0721D1FDACC}"/>
               </a:ext>
             </a:extLst>
           </p:cNvPr>
@@ -13492,7 +18036,7 @@
             <p:cNvPr id="20" name="Textfeld 13">
               <a:extLst>
                 <a:ext uri="{FF2B5EF4-FFF2-40B4-BE49-F238E27FC236}">
-                  <a16:creationId xmlns:a16="http://schemas.microsoft.com/office/drawing/2014/main" xmlns="" id="{425AEF1D-6595-4E36-A5D4-5F32C0012763}"/>
+                  <a16:creationId xmlns="" xmlns:a16="http://schemas.microsoft.com/office/drawing/2014/main" id="{425AEF1D-6595-4E36-A5D4-5F32C0012763}"/>
                 </a:ext>
               </a:extLst>
             </p:cNvPr>
@@ -13544,7 +18088,7 @@
             <p:cNvPr id="21" name="Textfeld 20">
               <a:extLst>
                 <a:ext uri="{FF2B5EF4-FFF2-40B4-BE49-F238E27FC236}">
-                  <a16:creationId xmlns:a16="http://schemas.microsoft.com/office/drawing/2014/main" xmlns="" id="{82ABF473-AD17-4ED8-AB87-CC275185AE43}"/>
+                  <a16:creationId xmlns="" xmlns:a16="http://schemas.microsoft.com/office/drawing/2014/main" id="{82ABF473-AD17-4ED8-AB87-CC275185AE43}"/>
                 </a:ext>
               </a:extLst>
             </p:cNvPr>
@@ -13596,7 +18140,7 @@
             <p:cNvPr id="22" name="Textfeld 21">
               <a:extLst>
                 <a:ext uri="{FF2B5EF4-FFF2-40B4-BE49-F238E27FC236}">
-                  <a16:creationId xmlns:a16="http://schemas.microsoft.com/office/drawing/2014/main" xmlns="" id="{3841D7B1-EF8D-476C-85AC-C17E649EE1A9}"/>
+                  <a16:creationId xmlns="" xmlns:a16="http://schemas.microsoft.com/office/drawing/2014/main" id="{3841D7B1-EF8D-476C-85AC-C17E649EE1A9}"/>
                 </a:ext>
               </a:extLst>
             </p:cNvPr>
@@ -13637,10 +18181,9 @@
             <a:lstStyle/>
             <a:p>
               <a:r>
-                <a:rPr lang="de-DE" sz="1200" dirty="0" smtClean="0"/>
+                <a:rPr lang="de-DE" sz="1200" dirty="0"/>
                 <a:t>Fazit</a:t>
               </a:r>
-              <a:endParaRPr lang="de-DE" sz="1200" dirty="0"/>
             </a:p>
           </p:txBody>
         </p:sp>
@@ -13649,7 +18192,7 @@
             <p:cNvPr id="23" name="Textfeld 22">
               <a:extLst>
                 <a:ext uri="{FF2B5EF4-FFF2-40B4-BE49-F238E27FC236}">
-                  <a16:creationId xmlns:a16="http://schemas.microsoft.com/office/drawing/2014/main" xmlns="" id="{0DF05AE7-97F5-4E02-9206-C6B40B968DFA}"/>
+                  <a16:creationId xmlns="" xmlns:a16="http://schemas.microsoft.com/office/drawing/2014/main" id="{0DF05AE7-97F5-4E02-9206-C6B40B968DFA}"/>
                 </a:ext>
               </a:extLst>
             </p:cNvPr>
@@ -13701,7 +18244,7 @@
             <p:cNvPr id="24" name="Eingekerbter Richtungspfeil 23">
               <a:extLst>
                 <a:ext uri="{FF2B5EF4-FFF2-40B4-BE49-F238E27FC236}">
-                  <a16:creationId xmlns:a16="http://schemas.microsoft.com/office/drawing/2014/main" xmlns="" id="{C358C398-D0F2-4ECA-8BF9-29E733DFE60D}"/>
+                  <a16:creationId xmlns="" xmlns:a16="http://schemas.microsoft.com/office/drawing/2014/main" id="{C358C398-D0F2-4ECA-8BF9-29E733DFE60D}"/>
                 </a:ext>
               </a:extLst>
             </p:cNvPr>
@@ -13749,7 +18292,7 @@
             <p:cNvPr id="25" name="Eingekerbter Richtungspfeil 24">
               <a:extLst>
                 <a:ext uri="{FF2B5EF4-FFF2-40B4-BE49-F238E27FC236}">
-                  <a16:creationId xmlns:a16="http://schemas.microsoft.com/office/drawing/2014/main" xmlns="" id="{3FEDA7B1-0BEF-47B2-90E9-8E698F727222}"/>
+                  <a16:creationId xmlns="" xmlns:a16="http://schemas.microsoft.com/office/drawing/2014/main" id="{3FEDA7B1-0BEF-47B2-90E9-8E698F727222}"/>
                 </a:ext>
               </a:extLst>
             </p:cNvPr>
@@ -13797,7 +18340,7 @@
             <p:cNvPr id="26" name="Eingekerbter Richtungspfeil 25">
               <a:extLst>
                 <a:ext uri="{FF2B5EF4-FFF2-40B4-BE49-F238E27FC236}">
-                  <a16:creationId xmlns:a16="http://schemas.microsoft.com/office/drawing/2014/main" xmlns="" id="{2EBD9B49-A90C-436A-BBEF-D89DD2237ECF}"/>
+                  <a16:creationId xmlns="" xmlns:a16="http://schemas.microsoft.com/office/drawing/2014/main" id="{2EBD9B49-A90C-436A-BBEF-D89DD2237ECF}"/>
                 </a:ext>
               </a:extLst>
             </p:cNvPr>
@@ -13845,7 +18388,7 @@
             <p:cNvPr id="27" name="Gerade Verbindung 28">
               <a:extLst>
                 <a:ext uri="{FF2B5EF4-FFF2-40B4-BE49-F238E27FC236}">
-                  <a16:creationId xmlns:a16="http://schemas.microsoft.com/office/drawing/2014/main" xmlns="" id="{F1621AAB-A494-467F-9704-6039B7079C13}"/>
+                  <a16:creationId xmlns="" xmlns:a16="http://schemas.microsoft.com/office/drawing/2014/main" id="{F1621AAB-A494-467F-9704-6039B7079C13}"/>
                 </a:ext>
               </a:extLst>
             </p:cNvPr>
@@ -13894,13 +18437,6 @@
   <p:clrMapOvr>
     <a:masterClrMapping/>
   </p:clrMapOvr>
-  <p:timing>
-    <p:tnLst>
-      <p:par>
-        <p:cTn id="1" dur="indefinite" restart="never" nodeType="tmRoot"/>
-      </p:par>
-    </p:tnLst>
-  </p:timing>
 </p:sld>
 </file>
 
@@ -14074,7 +18610,7 @@
           <p:cNvPr id="18" name="Gruppieren 21">
             <a:extLst>
               <a:ext uri="{FF2B5EF4-FFF2-40B4-BE49-F238E27FC236}">
-                <a16:creationId xmlns:a16="http://schemas.microsoft.com/office/drawing/2014/main" xmlns="" id="{BCC0948F-C1E3-4907-854B-A0721D1FDACC}"/>
+                <a16:creationId xmlns="" xmlns:a16="http://schemas.microsoft.com/office/drawing/2014/main" id="{BCC0948F-C1E3-4907-854B-A0721D1FDACC}"/>
               </a:ext>
             </a:extLst>
           </p:cNvPr>
@@ -14094,7 +18630,7 @@
             <p:cNvPr id="19" name="Textfeld 13">
               <a:extLst>
                 <a:ext uri="{FF2B5EF4-FFF2-40B4-BE49-F238E27FC236}">
-                  <a16:creationId xmlns:a16="http://schemas.microsoft.com/office/drawing/2014/main" xmlns="" id="{425AEF1D-6595-4E36-A5D4-5F32C0012763}"/>
+                  <a16:creationId xmlns="" xmlns:a16="http://schemas.microsoft.com/office/drawing/2014/main" id="{425AEF1D-6595-4E36-A5D4-5F32C0012763}"/>
                 </a:ext>
               </a:extLst>
             </p:cNvPr>
@@ -14146,7 +18682,7 @@
             <p:cNvPr id="20" name="Textfeld 19">
               <a:extLst>
                 <a:ext uri="{FF2B5EF4-FFF2-40B4-BE49-F238E27FC236}">
-                  <a16:creationId xmlns:a16="http://schemas.microsoft.com/office/drawing/2014/main" xmlns="" id="{82ABF473-AD17-4ED8-AB87-CC275185AE43}"/>
+                  <a16:creationId xmlns="" xmlns:a16="http://schemas.microsoft.com/office/drawing/2014/main" id="{82ABF473-AD17-4ED8-AB87-CC275185AE43}"/>
                 </a:ext>
               </a:extLst>
             </p:cNvPr>
@@ -14198,7 +18734,7 @@
             <p:cNvPr id="21" name="Textfeld 20">
               <a:extLst>
                 <a:ext uri="{FF2B5EF4-FFF2-40B4-BE49-F238E27FC236}">
-                  <a16:creationId xmlns:a16="http://schemas.microsoft.com/office/drawing/2014/main" xmlns="" id="{3841D7B1-EF8D-476C-85AC-C17E649EE1A9}"/>
+                  <a16:creationId xmlns="" xmlns:a16="http://schemas.microsoft.com/office/drawing/2014/main" id="{3841D7B1-EF8D-476C-85AC-C17E649EE1A9}"/>
                 </a:ext>
               </a:extLst>
             </p:cNvPr>
@@ -14239,10 +18775,9 @@
             <a:lstStyle/>
             <a:p>
               <a:r>
-                <a:rPr lang="de-DE" sz="1200" dirty="0" smtClean="0"/>
+                <a:rPr lang="de-DE" sz="1200" dirty="0"/>
                 <a:t>Fazit</a:t>
               </a:r>
-              <a:endParaRPr lang="de-DE" sz="1200" dirty="0"/>
             </a:p>
           </p:txBody>
         </p:sp>
@@ -14251,7 +18786,7 @@
             <p:cNvPr id="22" name="Textfeld 21">
               <a:extLst>
                 <a:ext uri="{FF2B5EF4-FFF2-40B4-BE49-F238E27FC236}">
-                  <a16:creationId xmlns:a16="http://schemas.microsoft.com/office/drawing/2014/main" xmlns="" id="{0DF05AE7-97F5-4E02-9206-C6B40B968DFA}"/>
+                  <a16:creationId xmlns="" xmlns:a16="http://schemas.microsoft.com/office/drawing/2014/main" id="{0DF05AE7-97F5-4E02-9206-C6B40B968DFA}"/>
                 </a:ext>
               </a:extLst>
             </p:cNvPr>
@@ -14303,7 +18838,7 @@
             <p:cNvPr id="23" name="Eingekerbter Richtungspfeil 23">
               <a:extLst>
                 <a:ext uri="{FF2B5EF4-FFF2-40B4-BE49-F238E27FC236}">
-                  <a16:creationId xmlns:a16="http://schemas.microsoft.com/office/drawing/2014/main" xmlns="" id="{C358C398-D0F2-4ECA-8BF9-29E733DFE60D}"/>
+                  <a16:creationId xmlns="" xmlns:a16="http://schemas.microsoft.com/office/drawing/2014/main" id="{C358C398-D0F2-4ECA-8BF9-29E733DFE60D}"/>
                 </a:ext>
               </a:extLst>
             </p:cNvPr>
@@ -14351,7 +18886,7 @@
             <p:cNvPr id="24" name="Eingekerbter Richtungspfeil 24">
               <a:extLst>
                 <a:ext uri="{FF2B5EF4-FFF2-40B4-BE49-F238E27FC236}">
-                  <a16:creationId xmlns:a16="http://schemas.microsoft.com/office/drawing/2014/main" xmlns="" id="{3FEDA7B1-0BEF-47B2-90E9-8E698F727222}"/>
+                  <a16:creationId xmlns="" xmlns:a16="http://schemas.microsoft.com/office/drawing/2014/main" id="{3FEDA7B1-0BEF-47B2-90E9-8E698F727222}"/>
                 </a:ext>
               </a:extLst>
             </p:cNvPr>
@@ -14399,7 +18934,7 @@
             <p:cNvPr id="25" name="Eingekerbter Richtungspfeil 25">
               <a:extLst>
                 <a:ext uri="{FF2B5EF4-FFF2-40B4-BE49-F238E27FC236}">
-                  <a16:creationId xmlns:a16="http://schemas.microsoft.com/office/drawing/2014/main" xmlns="" id="{2EBD9B49-A90C-436A-BBEF-D89DD2237ECF}"/>
+                  <a16:creationId xmlns="" xmlns:a16="http://schemas.microsoft.com/office/drawing/2014/main" id="{2EBD9B49-A90C-436A-BBEF-D89DD2237ECF}"/>
                 </a:ext>
               </a:extLst>
             </p:cNvPr>
@@ -14447,7 +18982,7 @@
             <p:cNvPr id="26" name="Gerade Verbindung 28">
               <a:extLst>
                 <a:ext uri="{FF2B5EF4-FFF2-40B4-BE49-F238E27FC236}">
-                  <a16:creationId xmlns:a16="http://schemas.microsoft.com/office/drawing/2014/main" xmlns="" id="{F1621AAB-A494-467F-9704-6039B7079C13}"/>
+                  <a16:creationId xmlns="" xmlns:a16="http://schemas.microsoft.com/office/drawing/2014/main" id="{F1621AAB-A494-467F-9704-6039B7079C13}"/>
                 </a:ext>
               </a:extLst>
             </p:cNvPr>
@@ -14496,13 +19031,6 @@
   <p:clrMapOvr>
     <a:masterClrMapping/>
   </p:clrMapOvr>
-  <p:timing>
-    <p:tnLst>
-      <p:par>
-        <p:cTn id="1" dur="indefinite" restart="never" nodeType="tmRoot"/>
-      </p:par>
-    </p:tnLst>
-  </p:timing>
 </p:sld>
 </file>
 
@@ -14770,7 +19298,7 @@
           <p:cNvPr id="21" name="Gruppieren 21">
             <a:extLst>
               <a:ext uri="{FF2B5EF4-FFF2-40B4-BE49-F238E27FC236}">
-                <a16:creationId xmlns:a16="http://schemas.microsoft.com/office/drawing/2014/main" xmlns="" id="{BCC0948F-C1E3-4907-854B-A0721D1FDACC}"/>
+                <a16:creationId xmlns="" xmlns:a16="http://schemas.microsoft.com/office/drawing/2014/main" id="{BCC0948F-C1E3-4907-854B-A0721D1FDACC}"/>
               </a:ext>
             </a:extLst>
           </p:cNvPr>
@@ -14790,7 +19318,7 @@
             <p:cNvPr id="22" name="Textfeld 13">
               <a:extLst>
                 <a:ext uri="{FF2B5EF4-FFF2-40B4-BE49-F238E27FC236}">
-                  <a16:creationId xmlns:a16="http://schemas.microsoft.com/office/drawing/2014/main" xmlns="" id="{425AEF1D-6595-4E36-A5D4-5F32C0012763}"/>
+                  <a16:creationId xmlns="" xmlns:a16="http://schemas.microsoft.com/office/drawing/2014/main" id="{425AEF1D-6595-4E36-A5D4-5F32C0012763}"/>
                 </a:ext>
               </a:extLst>
             </p:cNvPr>
@@ -14842,7 +19370,7 @@
             <p:cNvPr id="23" name="Textfeld 22">
               <a:extLst>
                 <a:ext uri="{FF2B5EF4-FFF2-40B4-BE49-F238E27FC236}">
-                  <a16:creationId xmlns:a16="http://schemas.microsoft.com/office/drawing/2014/main" xmlns="" id="{82ABF473-AD17-4ED8-AB87-CC275185AE43}"/>
+                  <a16:creationId xmlns="" xmlns:a16="http://schemas.microsoft.com/office/drawing/2014/main" id="{82ABF473-AD17-4ED8-AB87-CC275185AE43}"/>
                 </a:ext>
               </a:extLst>
             </p:cNvPr>
@@ -14894,7 +19422,7 @@
             <p:cNvPr id="24" name="Textfeld 23">
               <a:extLst>
                 <a:ext uri="{FF2B5EF4-FFF2-40B4-BE49-F238E27FC236}">
-                  <a16:creationId xmlns:a16="http://schemas.microsoft.com/office/drawing/2014/main" xmlns="" id="{3841D7B1-EF8D-476C-85AC-C17E649EE1A9}"/>
+                  <a16:creationId xmlns="" xmlns:a16="http://schemas.microsoft.com/office/drawing/2014/main" id="{3841D7B1-EF8D-476C-85AC-C17E649EE1A9}"/>
                 </a:ext>
               </a:extLst>
             </p:cNvPr>
@@ -14935,10 +19463,9 @@
             <a:lstStyle/>
             <a:p>
               <a:r>
-                <a:rPr lang="de-DE" sz="1200" dirty="0" smtClean="0"/>
+                <a:rPr lang="de-DE" sz="1200" dirty="0"/>
                 <a:t>Fazit</a:t>
               </a:r>
-              <a:endParaRPr lang="de-DE" sz="1200" dirty="0"/>
             </a:p>
           </p:txBody>
         </p:sp>
@@ -14947,7 +19474,7 @@
             <p:cNvPr id="25" name="Textfeld 24">
               <a:extLst>
                 <a:ext uri="{FF2B5EF4-FFF2-40B4-BE49-F238E27FC236}">
-                  <a16:creationId xmlns:a16="http://schemas.microsoft.com/office/drawing/2014/main" xmlns="" id="{0DF05AE7-97F5-4E02-9206-C6B40B968DFA}"/>
+                  <a16:creationId xmlns="" xmlns:a16="http://schemas.microsoft.com/office/drawing/2014/main" id="{0DF05AE7-97F5-4E02-9206-C6B40B968DFA}"/>
                 </a:ext>
               </a:extLst>
             </p:cNvPr>
@@ -14999,7 +19526,7 @@
             <p:cNvPr id="26" name="Eingekerbter Richtungspfeil 23">
               <a:extLst>
                 <a:ext uri="{FF2B5EF4-FFF2-40B4-BE49-F238E27FC236}">
-                  <a16:creationId xmlns:a16="http://schemas.microsoft.com/office/drawing/2014/main" xmlns="" id="{C358C398-D0F2-4ECA-8BF9-29E733DFE60D}"/>
+                  <a16:creationId xmlns="" xmlns:a16="http://schemas.microsoft.com/office/drawing/2014/main" id="{C358C398-D0F2-4ECA-8BF9-29E733DFE60D}"/>
                 </a:ext>
               </a:extLst>
             </p:cNvPr>
@@ -15047,7 +19574,7 @@
             <p:cNvPr id="27" name="Eingekerbter Richtungspfeil 24">
               <a:extLst>
                 <a:ext uri="{FF2B5EF4-FFF2-40B4-BE49-F238E27FC236}">
-                  <a16:creationId xmlns:a16="http://schemas.microsoft.com/office/drawing/2014/main" xmlns="" id="{3FEDA7B1-0BEF-47B2-90E9-8E698F727222}"/>
+                  <a16:creationId xmlns="" xmlns:a16="http://schemas.microsoft.com/office/drawing/2014/main" id="{3FEDA7B1-0BEF-47B2-90E9-8E698F727222}"/>
                 </a:ext>
               </a:extLst>
             </p:cNvPr>
@@ -15095,7 +19622,7 @@
             <p:cNvPr id="28" name="Eingekerbter Richtungspfeil 25">
               <a:extLst>
                 <a:ext uri="{FF2B5EF4-FFF2-40B4-BE49-F238E27FC236}">
-                  <a16:creationId xmlns:a16="http://schemas.microsoft.com/office/drawing/2014/main" xmlns="" id="{2EBD9B49-A90C-436A-BBEF-D89DD2237ECF}"/>
+                  <a16:creationId xmlns="" xmlns:a16="http://schemas.microsoft.com/office/drawing/2014/main" id="{2EBD9B49-A90C-436A-BBEF-D89DD2237ECF}"/>
                 </a:ext>
               </a:extLst>
             </p:cNvPr>
@@ -15143,7 +19670,7 @@
             <p:cNvPr id="29" name="Gerade Verbindung 28">
               <a:extLst>
                 <a:ext uri="{FF2B5EF4-FFF2-40B4-BE49-F238E27FC236}">
-                  <a16:creationId xmlns:a16="http://schemas.microsoft.com/office/drawing/2014/main" xmlns="" id="{F1621AAB-A494-467F-9704-6039B7079C13}"/>
+                  <a16:creationId xmlns="" xmlns:a16="http://schemas.microsoft.com/office/drawing/2014/main" id="{F1621AAB-A494-467F-9704-6039B7079C13}"/>
                 </a:ext>
               </a:extLst>
             </p:cNvPr>
@@ -15192,13 +19719,6 @@
   <p:clrMapOvr>
     <a:masterClrMapping/>
   </p:clrMapOvr>
-  <p:timing>
-    <p:tnLst>
-      <p:par>
-        <p:cTn id="1" dur="indefinite" restart="never" nodeType="tmRoot"/>
-      </p:par>
-    </p:tnLst>
-  </p:timing>
 </p:sld>
 </file>
 
@@ -15309,31 +19829,7 @@
           <a:p>
             <a:r>
               <a:rPr lang="de-DE" dirty="0"/>
-              <a:t>Wollten </a:t>
-            </a:r>
-            <a:r>
-              <a:rPr lang="de-DE" dirty="0" smtClean="0"/>
-              <a:t>Modell </a:t>
-            </a:r>
-            <a:r>
-              <a:rPr lang="de-DE" dirty="0"/>
-              <a:t>und </a:t>
-            </a:r>
-            <a:r>
-              <a:rPr lang="de-DE" dirty="0" smtClean="0"/>
-              <a:t>Simulation erstellen, </a:t>
-            </a:r>
-            <a:r>
-              <a:rPr lang="de-DE" dirty="0"/>
-              <a:t>um </a:t>
-            </a:r>
-            <a:r>
-              <a:rPr lang="de-DE" dirty="0" smtClean="0"/>
-              <a:t>WLCG </a:t>
-            </a:r>
-            <a:r>
-              <a:rPr lang="de-DE" dirty="0"/>
-              <a:t>zu optimieren</a:t>
+              <a:t>Wollten Modell und Simulation erstellen, um WLCG zu optimieren</a:t>
             </a:r>
           </a:p>
           <a:p>
@@ -15406,7 +19902,7 @@
           <p:cNvPr id="19" name="Gruppieren 21">
             <a:extLst>
               <a:ext uri="{FF2B5EF4-FFF2-40B4-BE49-F238E27FC236}">
-                <a16:creationId xmlns:a16="http://schemas.microsoft.com/office/drawing/2014/main" xmlns="" id="{BCC0948F-C1E3-4907-854B-A0721D1FDACC}"/>
+                <a16:creationId xmlns="" xmlns:a16="http://schemas.microsoft.com/office/drawing/2014/main" id="{BCC0948F-C1E3-4907-854B-A0721D1FDACC}"/>
               </a:ext>
             </a:extLst>
           </p:cNvPr>
@@ -15426,7 +19922,7 @@
             <p:cNvPr id="20" name="Textfeld 13">
               <a:extLst>
                 <a:ext uri="{FF2B5EF4-FFF2-40B4-BE49-F238E27FC236}">
-                  <a16:creationId xmlns:a16="http://schemas.microsoft.com/office/drawing/2014/main" xmlns="" id="{425AEF1D-6595-4E36-A5D4-5F32C0012763}"/>
+                  <a16:creationId xmlns="" xmlns:a16="http://schemas.microsoft.com/office/drawing/2014/main" id="{425AEF1D-6595-4E36-A5D4-5F32C0012763}"/>
                 </a:ext>
               </a:extLst>
             </p:cNvPr>
@@ -15478,7 +19974,7 @@
             <p:cNvPr id="21" name="Textfeld 20">
               <a:extLst>
                 <a:ext uri="{FF2B5EF4-FFF2-40B4-BE49-F238E27FC236}">
-                  <a16:creationId xmlns:a16="http://schemas.microsoft.com/office/drawing/2014/main" xmlns="" id="{82ABF473-AD17-4ED8-AB87-CC275185AE43}"/>
+                  <a16:creationId xmlns="" xmlns:a16="http://schemas.microsoft.com/office/drawing/2014/main" id="{82ABF473-AD17-4ED8-AB87-CC275185AE43}"/>
                 </a:ext>
               </a:extLst>
             </p:cNvPr>
@@ -15530,7 +20026,7 @@
             <p:cNvPr id="22" name="Textfeld 21">
               <a:extLst>
                 <a:ext uri="{FF2B5EF4-FFF2-40B4-BE49-F238E27FC236}">
-                  <a16:creationId xmlns:a16="http://schemas.microsoft.com/office/drawing/2014/main" xmlns="" id="{3841D7B1-EF8D-476C-85AC-C17E649EE1A9}"/>
+                  <a16:creationId xmlns="" xmlns:a16="http://schemas.microsoft.com/office/drawing/2014/main" id="{3841D7B1-EF8D-476C-85AC-C17E649EE1A9}"/>
                 </a:ext>
               </a:extLst>
             </p:cNvPr>
@@ -15571,10 +20067,9 @@
             <a:lstStyle/>
             <a:p>
               <a:r>
-                <a:rPr lang="de-DE" sz="1200" dirty="0" smtClean="0"/>
+                <a:rPr lang="de-DE" sz="1200" dirty="0"/>
                 <a:t>Fazit</a:t>
               </a:r>
-              <a:endParaRPr lang="de-DE" sz="1200" dirty="0"/>
             </a:p>
           </p:txBody>
         </p:sp>
@@ -15583,7 +20078,7 @@
             <p:cNvPr id="23" name="Textfeld 22">
               <a:extLst>
                 <a:ext uri="{FF2B5EF4-FFF2-40B4-BE49-F238E27FC236}">
-                  <a16:creationId xmlns:a16="http://schemas.microsoft.com/office/drawing/2014/main" xmlns="" id="{0DF05AE7-97F5-4E02-9206-C6B40B968DFA}"/>
+                  <a16:creationId xmlns="" xmlns:a16="http://schemas.microsoft.com/office/drawing/2014/main" id="{0DF05AE7-97F5-4E02-9206-C6B40B968DFA}"/>
                 </a:ext>
               </a:extLst>
             </p:cNvPr>
@@ -15635,7 +20130,7 @@
             <p:cNvPr id="24" name="Eingekerbter Richtungspfeil 23">
               <a:extLst>
                 <a:ext uri="{FF2B5EF4-FFF2-40B4-BE49-F238E27FC236}">
-                  <a16:creationId xmlns:a16="http://schemas.microsoft.com/office/drawing/2014/main" xmlns="" id="{C358C398-D0F2-4ECA-8BF9-29E733DFE60D}"/>
+                  <a16:creationId xmlns="" xmlns:a16="http://schemas.microsoft.com/office/drawing/2014/main" id="{C358C398-D0F2-4ECA-8BF9-29E733DFE60D}"/>
                 </a:ext>
               </a:extLst>
             </p:cNvPr>
@@ -15683,7 +20178,7 @@
             <p:cNvPr id="25" name="Eingekerbter Richtungspfeil 24">
               <a:extLst>
                 <a:ext uri="{FF2B5EF4-FFF2-40B4-BE49-F238E27FC236}">
-                  <a16:creationId xmlns:a16="http://schemas.microsoft.com/office/drawing/2014/main" xmlns="" id="{3FEDA7B1-0BEF-47B2-90E9-8E698F727222}"/>
+                  <a16:creationId xmlns="" xmlns:a16="http://schemas.microsoft.com/office/drawing/2014/main" id="{3FEDA7B1-0BEF-47B2-90E9-8E698F727222}"/>
                 </a:ext>
               </a:extLst>
             </p:cNvPr>
@@ -15731,7 +20226,7 @@
             <p:cNvPr id="26" name="Eingekerbter Richtungspfeil 25">
               <a:extLst>
                 <a:ext uri="{FF2B5EF4-FFF2-40B4-BE49-F238E27FC236}">
-                  <a16:creationId xmlns:a16="http://schemas.microsoft.com/office/drawing/2014/main" xmlns="" id="{2EBD9B49-A90C-436A-BBEF-D89DD2237ECF}"/>
+                  <a16:creationId xmlns="" xmlns:a16="http://schemas.microsoft.com/office/drawing/2014/main" id="{2EBD9B49-A90C-436A-BBEF-D89DD2237ECF}"/>
                 </a:ext>
               </a:extLst>
             </p:cNvPr>
@@ -15779,7 +20274,7 @@
             <p:cNvPr id="27" name="Gerade Verbindung 28">
               <a:extLst>
                 <a:ext uri="{FF2B5EF4-FFF2-40B4-BE49-F238E27FC236}">
-                  <a16:creationId xmlns:a16="http://schemas.microsoft.com/office/drawing/2014/main" xmlns="" id="{F1621AAB-A494-467F-9704-6039B7079C13}"/>
+                  <a16:creationId xmlns="" xmlns:a16="http://schemas.microsoft.com/office/drawing/2014/main" id="{F1621AAB-A494-467F-9704-6039B7079C13}"/>
                 </a:ext>
               </a:extLst>
             </p:cNvPr>
@@ -15828,13 +20323,6 @@
   <p:clrMapOvr>
     <a:masterClrMapping/>
   </p:clrMapOvr>
-  <p:timing>
-    <p:tnLst>
-      <p:par>
-        <p:cTn id="1" dur="indefinite" restart="never" nodeType="tmRoot"/>
-      </p:par>
-    </p:tnLst>
-  </p:timing>
 </p:sld>
 </file>
 

--- a/presentations/state-of-the-art.pptx
+++ b/presentations/state-of-the-art.pptx
@@ -7967,7 +7967,7 @@
               <a:pPr>
                 <a:defRPr/>
               </a:pPr>
-              <a:t>12.12.2017</a:t>
+              <a:t>13.12.2017</a:t>
             </a:fld>
             <a:endParaRPr lang="de-DE" sz="1000" dirty="0">
               <a:latin typeface="Arial" pitchFamily="34" charset="0"/>
@@ -8844,7 +8844,7 @@
           <p:cNvPr id="19" name="Gruppieren 21">
             <a:extLst>
               <a:ext uri="{FF2B5EF4-FFF2-40B4-BE49-F238E27FC236}">
-                <a16:creationId xmlns="" xmlns:a16="http://schemas.microsoft.com/office/drawing/2014/main" id="{BCC0948F-C1E3-4907-854B-A0721D1FDACC}"/>
+                <a16:creationId xmlns:a16="http://schemas.microsoft.com/office/drawing/2014/main" xmlns="" id="{BCC0948F-C1E3-4907-854B-A0721D1FDACC}"/>
               </a:ext>
             </a:extLst>
           </p:cNvPr>
@@ -8864,7 +8864,7 @@
             <p:cNvPr id="20" name="Textfeld 13">
               <a:extLst>
                 <a:ext uri="{FF2B5EF4-FFF2-40B4-BE49-F238E27FC236}">
-                  <a16:creationId xmlns="" xmlns:a16="http://schemas.microsoft.com/office/drawing/2014/main" id="{425AEF1D-6595-4E36-A5D4-5F32C0012763}"/>
+                  <a16:creationId xmlns:a16="http://schemas.microsoft.com/office/drawing/2014/main" xmlns="" id="{425AEF1D-6595-4E36-A5D4-5F32C0012763}"/>
                 </a:ext>
               </a:extLst>
             </p:cNvPr>
@@ -8916,7 +8916,7 @@
             <p:cNvPr id="21" name="Textfeld 20">
               <a:extLst>
                 <a:ext uri="{FF2B5EF4-FFF2-40B4-BE49-F238E27FC236}">
-                  <a16:creationId xmlns="" xmlns:a16="http://schemas.microsoft.com/office/drawing/2014/main" id="{82ABF473-AD17-4ED8-AB87-CC275185AE43}"/>
+                  <a16:creationId xmlns:a16="http://schemas.microsoft.com/office/drawing/2014/main" xmlns="" id="{82ABF473-AD17-4ED8-AB87-CC275185AE43}"/>
                 </a:ext>
               </a:extLst>
             </p:cNvPr>
@@ -8968,7 +8968,7 @@
             <p:cNvPr id="22" name="Textfeld 21">
               <a:extLst>
                 <a:ext uri="{FF2B5EF4-FFF2-40B4-BE49-F238E27FC236}">
-                  <a16:creationId xmlns="" xmlns:a16="http://schemas.microsoft.com/office/drawing/2014/main" id="{3841D7B1-EF8D-476C-85AC-C17E649EE1A9}"/>
+                  <a16:creationId xmlns:a16="http://schemas.microsoft.com/office/drawing/2014/main" xmlns="" id="{3841D7B1-EF8D-476C-85AC-C17E649EE1A9}"/>
                 </a:ext>
               </a:extLst>
             </p:cNvPr>
@@ -9020,7 +9020,7 @@
             <p:cNvPr id="23" name="Textfeld 22">
               <a:extLst>
                 <a:ext uri="{FF2B5EF4-FFF2-40B4-BE49-F238E27FC236}">
-                  <a16:creationId xmlns="" xmlns:a16="http://schemas.microsoft.com/office/drawing/2014/main" id="{0DF05AE7-97F5-4E02-9206-C6B40B968DFA}"/>
+                  <a16:creationId xmlns:a16="http://schemas.microsoft.com/office/drawing/2014/main" xmlns="" id="{0DF05AE7-97F5-4E02-9206-C6B40B968DFA}"/>
                 </a:ext>
               </a:extLst>
             </p:cNvPr>
@@ -9072,7 +9072,7 @@
             <p:cNvPr id="24" name="Eingekerbter Richtungspfeil 23">
               <a:extLst>
                 <a:ext uri="{FF2B5EF4-FFF2-40B4-BE49-F238E27FC236}">
-                  <a16:creationId xmlns="" xmlns:a16="http://schemas.microsoft.com/office/drawing/2014/main" id="{C358C398-D0F2-4ECA-8BF9-29E733DFE60D}"/>
+                  <a16:creationId xmlns:a16="http://schemas.microsoft.com/office/drawing/2014/main" xmlns="" id="{C358C398-D0F2-4ECA-8BF9-29E733DFE60D}"/>
                 </a:ext>
               </a:extLst>
             </p:cNvPr>
@@ -9120,7 +9120,7 @@
             <p:cNvPr id="25" name="Eingekerbter Richtungspfeil 24">
               <a:extLst>
                 <a:ext uri="{FF2B5EF4-FFF2-40B4-BE49-F238E27FC236}">
-                  <a16:creationId xmlns="" xmlns:a16="http://schemas.microsoft.com/office/drawing/2014/main" id="{3FEDA7B1-0BEF-47B2-90E9-8E698F727222}"/>
+                  <a16:creationId xmlns:a16="http://schemas.microsoft.com/office/drawing/2014/main" xmlns="" id="{3FEDA7B1-0BEF-47B2-90E9-8E698F727222}"/>
                 </a:ext>
               </a:extLst>
             </p:cNvPr>
@@ -9168,7 +9168,7 @@
             <p:cNvPr id="26" name="Eingekerbter Richtungspfeil 25">
               <a:extLst>
                 <a:ext uri="{FF2B5EF4-FFF2-40B4-BE49-F238E27FC236}">
-                  <a16:creationId xmlns="" xmlns:a16="http://schemas.microsoft.com/office/drawing/2014/main" id="{2EBD9B49-A90C-436A-BBEF-D89DD2237ECF}"/>
+                  <a16:creationId xmlns:a16="http://schemas.microsoft.com/office/drawing/2014/main" xmlns="" id="{2EBD9B49-A90C-436A-BBEF-D89DD2237ECF}"/>
                 </a:ext>
               </a:extLst>
             </p:cNvPr>
@@ -9216,7 +9216,7 @@
             <p:cNvPr id="27" name="Gerade Verbindung 28">
               <a:extLst>
                 <a:ext uri="{FF2B5EF4-FFF2-40B4-BE49-F238E27FC236}">
-                  <a16:creationId xmlns="" xmlns:a16="http://schemas.microsoft.com/office/drawing/2014/main" id="{F1621AAB-A494-467F-9704-6039B7079C13}"/>
+                  <a16:creationId xmlns:a16="http://schemas.microsoft.com/office/drawing/2014/main" xmlns="" id="{F1621AAB-A494-467F-9704-6039B7079C13}"/>
                 </a:ext>
               </a:extLst>
             </p:cNvPr>
@@ -9347,7 +9347,7 @@
           <p:cNvPr id="5" name="Gruppieren 21">
             <a:extLst>
               <a:ext uri="{FF2B5EF4-FFF2-40B4-BE49-F238E27FC236}">
-                <a16:creationId xmlns="" xmlns:a16="http://schemas.microsoft.com/office/drawing/2014/main" id="{BCC0948F-C1E3-4907-854B-A0721D1FDACC}"/>
+                <a16:creationId xmlns:a16="http://schemas.microsoft.com/office/drawing/2014/main" xmlns="" id="{BCC0948F-C1E3-4907-854B-A0721D1FDACC}"/>
               </a:ext>
             </a:extLst>
           </p:cNvPr>
@@ -9367,7 +9367,7 @@
             <p:cNvPr id="6" name="Textfeld 13">
               <a:extLst>
                 <a:ext uri="{FF2B5EF4-FFF2-40B4-BE49-F238E27FC236}">
-                  <a16:creationId xmlns="" xmlns:a16="http://schemas.microsoft.com/office/drawing/2014/main" id="{425AEF1D-6595-4E36-A5D4-5F32C0012763}"/>
+                  <a16:creationId xmlns:a16="http://schemas.microsoft.com/office/drawing/2014/main" xmlns="" id="{425AEF1D-6595-4E36-A5D4-5F32C0012763}"/>
                 </a:ext>
               </a:extLst>
             </p:cNvPr>
@@ -9419,7 +9419,7 @@
             <p:cNvPr id="7" name="Textfeld 6">
               <a:extLst>
                 <a:ext uri="{FF2B5EF4-FFF2-40B4-BE49-F238E27FC236}">
-                  <a16:creationId xmlns="" xmlns:a16="http://schemas.microsoft.com/office/drawing/2014/main" id="{82ABF473-AD17-4ED8-AB87-CC275185AE43}"/>
+                  <a16:creationId xmlns:a16="http://schemas.microsoft.com/office/drawing/2014/main" xmlns="" id="{82ABF473-AD17-4ED8-AB87-CC275185AE43}"/>
                 </a:ext>
               </a:extLst>
             </p:cNvPr>
@@ -9471,7 +9471,7 @@
             <p:cNvPr id="8" name="Textfeld 7">
               <a:extLst>
                 <a:ext uri="{FF2B5EF4-FFF2-40B4-BE49-F238E27FC236}">
-                  <a16:creationId xmlns="" xmlns:a16="http://schemas.microsoft.com/office/drawing/2014/main" id="{3841D7B1-EF8D-476C-85AC-C17E649EE1A9}"/>
+                  <a16:creationId xmlns:a16="http://schemas.microsoft.com/office/drawing/2014/main" xmlns="" id="{3841D7B1-EF8D-476C-85AC-C17E649EE1A9}"/>
                 </a:ext>
               </a:extLst>
             </p:cNvPr>
@@ -9523,7 +9523,7 @@
             <p:cNvPr id="9" name="Textfeld 8">
               <a:extLst>
                 <a:ext uri="{FF2B5EF4-FFF2-40B4-BE49-F238E27FC236}">
-                  <a16:creationId xmlns="" xmlns:a16="http://schemas.microsoft.com/office/drawing/2014/main" id="{0DF05AE7-97F5-4E02-9206-C6B40B968DFA}"/>
+                  <a16:creationId xmlns:a16="http://schemas.microsoft.com/office/drawing/2014/main" xmlns="" id="{0DF05AE7-97F5-4E02-9206-C6B40B968DFA}"/>
                 </a:ext>
               </a:extLst>
             </p:cNvPr>
@@ -9575,7 +9575,7 @@
             <p:cNvPr id="10" name="Eingekerbter Richtungspfeil 9">
               <a:extLst>
                 <a:ext uri="{FF2B5EF4-FFF2-40B4-BE49-F238E27FC236}">
-                  <a16:creationId xmlns="" xmlns:a16="http://schemas.microsoft.com/office/drawing/2014/main" id="{C358C398-D0F2-4ECA-8BF9-29E733DFE60D}"/>
+                  <a16:creationId xmlns:a16="http://schemas.microsoft.com/office/drawing/2014/main" xmlns="" id="{C358C398-D0F2-4ECA-8BF9-29E733DFE60D}"/>
                 </a:ext>
               </a:extLst>
             </p:cNvPr>
@@ -9623,7 +9623,7 @@
             <p:cNvPr id="11" name="Eingekerbter Richtungspfeil 10">
               <a:extLst>
                 <a:ext uri="{FF2B5EF4-FFF2-40B4-BE49-F238E27FC236}">
-                  <a16:creationId xmlns="" xmlns:a16="http://schemas.microsoft.com/office/drawing/2014/main" id="{3FEDA7B1-0BEF-47B2-90E9-8E698F727222}"/>
+                  <a16:creationId xmlns:a16="http://schemas.microsoft.com/office/drawing/2014/main" xmlns="" id="{3FEDA7B1-0BEF-47B2-90E9-8E698F727222}"/>
                 </a:ext>
               </a:extLst>
             </p:cNvPr>
@@ -9671,7 +9671,7 @@
             <p:cNvPr id="12" name="Eingekerbter Richtungspfeil 11">
               <a:extLst>
                 <a:ext uri="{FF2B5EF4-FFF2-40B4-BE49-F238E27FC236}">
-                  <a16:creationId xmlns="" xmlns:a16="http://schemas.microsoft.com/office/drawing/2014/main" id="{2EBD9B49-A90C-436A-BBEF-D89DD2237ECF}"/>
+                  <a16:creationId xmlns:a16="http://schemas.microsoft.com/office/drawing/2014/main" xmlns="" id="{2EBD9B49-A90C-436A-BBEF-D89DD2237ECF}"/>
                 </a:ext>
               </a:extLst>
             </p:cNvPr>
@@ -9719,7 +9719,7 @@
             <p:cNvPr id="13" name="Gerade Verbindung 28">
               <a:extLst>
                 <a:ext uri="{FF2B5EF4-FFF2-40B4-BE49-F238E27FC236}">
-                  <a16:creationId xmlns="" xmlns:a16="http://schemas.microsoft.com/office/drawing/2014/main" id="{F1621AAB-A494-467F-9704-6039B7079C13}"/>
+                  <a16:creationId xmlns:a16="http://schemas.microsoft.com/office/drawing/2014/main" xmlns="" id="{F1621AAB-A494-467F-9704-6039B7079C13}"/>
                 </a:ext>
               </a:extLst>
             </p:cNvPr>
@@ -9877,7 +9877,7 @@
           <p:cNvPr id="5" name="Gruppieren 21">
             <a:extLst>
               <a:ext uri="{FF2B5EF4-FFF2-40B4-BE49-F238E27FC236}">
-                <a16:creationId xmlns="" xmlns:a16="http://schemas.microsoft.com/office/drawing/2014/main" id="{BCC0948F-C1E3-4907-854B-A0721D1FDACC}"/>
+                <a16:creationId xmlns:a16="http://schemas.microsoft.com/office/drawing/2014/main" xmlns="" id="{BCC0948F-C1E3-4907-854B-A0721D1FDACC}"/>
               </a:ext>
             </a:extLst>
           </p:cNvPr>
@@ -9897,7 +9897,7 @@
             <p:cNvPr id="6" name="Textfeld 13">
               <a:extLst>
                 <a:ext uri="{FF2B5EF4-FFF2-40B4-BE49-F238E27FC236}">
-                  <a16:creationId xmlns="" xmlns:a16="http://schemas.microsoft.com/office/drawing/2014/main" id="{425AEF1D-6595-4E36-A5D4-5F32C0012763}"/>
+                  <a16:creationId xmlns:a16="http://schemas.microsoft.com/office/drawing/2014/main" xmlns="" id="{425AEF1D-6595-4E36-A5D4-5F32C0012763}"/>
                 </a:ext>
               </a:extLst>
             </p:cNvPr>
@@ -9949,7 +9949,7 @@
             <p:cNvPr id="7" name="Textfeld 6">
               <a:extLst>
                 <a:ext uri="{FF2B5EF4-FFF2-40B4-BE49-F238E27FC236}">
-                  <a16:creationId xmlns="" xmlns:a16="http://schemas.microsoft.com/office/drawing/2014/main" id="{82ABF473-AD17-4ED8-AB87-CC275185AE43}"/>
+                  <a16:creationId xmlns:a16="http://schemas.microsoft.com/office/drawing/2014/main" xmlns="" id="{82ABF473-AD17-4ED8-AB87-CC275185AE43}"/>
                 </a:ext>
               </a:extLst>
             </p:cNvPr>
@@ -10001,7 +10001,7 @@
             <p:cNvPr id="8" name="Textfeld 7">
               <a:extLst>
                 <a:ext uri="{FF2B5EF4-FFF2-40B4-BE49-F238E27FC236}">
-                  <a16:creationId xmlns="" xmlns:a16="http://schemas.microsoft.com/office/drawing/2014/main" id="{3841D7B1-EF8D-476C-85AC-C17E649EE1A9}"/>
+                  <a16:creationId xmlns:a16="http://schemas.microsoft.com/office/drawing/2014/main" xmlns="" id="{3841D7B1-EF8D-476C-85AC-C17E649EE1A9}"/>
                 </a:ext>
               </a:extLst>
             </p:cNvPr>
@@ -10053,7 +10053,7 @@
             <p:cNvPr id="9" name="Textfeld 8">
               <a:extLst>
                 <a:ext uri="{FF2B5EF4-FFF2-40B4-BE49-F238E27FC236}">
-                  <a16:creationId xmlns="" xmlns:a16="http://schemas.microsoft.com/office/drawing/2014/main" id="{0DF05AE7-97F5-4E02-9206-C6B40B968DFA}"/>
+                  <a16:creationId xmlns:a16="http://schemas.microsoft.com/office/drawing/2014/main" xmlns="" id="{0DF05AE7-97F5-4E02-9206-C6B40B968DFA}"/>
                 </a:ext>
               </a:extLst>
             </p:cNvPr>
@@ -10105,7 +10105,7 @@
             <p:cNvPr id="10" name="Eingekerbter Richtungspfeil 9">
               <a:extLst>
                 <a:ext uri="{FF2B5EF4-FFF2-40B4-BE49-F238E27FC236}">
-                  <a16:creationId xmlns="" xmlns:a16="http://schemas.microsoft.com/office/drawing/2014/main" id="{C358C398-D0F2-4ECA-8BF9-29E733DFE60D}"/>
+                  <a16:creationId xmlns:a16="http://schemas.microsoft.com/office/drawing/2014/main" xmlns="" id="{C358C398-D0F2-4ECA-8BF9-29E733DFE60D}"/>
                 </a:ext>
               </a:extLst>
             </p:cNvPr>
@@ -10153,7 +10153,7 @@
             <p:cNvPr id="11" name="Eingekerbter Richtungspfeil 10">
               <a:extLst>
                 <a:ext uri="{FF2B5EF4-FFF2-40B4-BE49-F238E27FC236}">
-                  <a16:creationId xmlns="" xmlns:a16="http://schemas.microsoft.com/office/drawing/2014/main" id="{3FEDA7B1-0BEF-47B2-90E9-8E698F727222}"/>
+                  <a16:creationId xmlns:a16="http://schemas.microsoft.com/office/drawing/2014/main" xmlns="" id="{3FEDA7B1-0BEF-47B2-90E9-8E698F727222}"/>
                 </a:ext>
               </a:extLst>
             </p:cNvPr>
@@ -10201,7 +10201,7 @@
             <p:cNvPr id="12" name="Eingekerbter Richtungspfeil 11">
               <a:extLst>
                 <a:ext uri="{FF2B5EF4-FFF2-40B4-BE49-F238E27FC236}">
-                  <a16:creationId xmlns="" xmlns:a16="http://schemas.microsoft.com/office/drawing/2014/main" id="{2EBD9B49-A90C-436A-BBEF-D89DD2237ECF}"/>
+                  <a16:creationId xmlns:a16="http://schemas.microsoft.com/office/drawing/2014/main" xmlns="" id="{2EBD9B49-A90C-436A-BBEF-D89DD2237ECF}"/>
                 </a:ext>
               </a:extLst>
             </p:cNvPr>
@@ -10249,7 +10249,7 @@
             <p:cNvPr id="13" name="Gerade Verbindung 28">
               <a:extLst>
                 <a:ext uri="{FF2B5EF4-FFF2-40B4-BE49-F238E27FC236}">
-                  <a16:creationId xmlns="" xmlns:a16="http://schemas.microsoft.com/office/drawing/2014/main" id="{F1621AAB-A494-467F-9704-6039B7079C13}"/>
+                  <a16:creationId xmlns:a16="http://schemas.microsoft.com/office/drawing/2014/main" xmlns="" id="{F1621AAB-A494-467F-9704-6039B7079C13}"/>
                 </a:ext>
               </a:extLst>
             </p:cNvPr>
@@ -10320,7 +10320,7 @@
           <p:cNvPr id="2" name="Rechteck 1">
             <a:extLst>
               <a:ext uri="{FF2B5EF4-FFF2-40B4-BE49-F238E27FC236}">
-                <a16:creationId xmlns="" xmlns:a16="http://schemas.microsoft.com/office/drawing/2014/main" id="{EE359C10-9D90-4381-A7F8-04F077B098A4}"/>
+                <a16:creationId xmlns:a16="http://schemas.microsoft.com/office/drawing/2014/main" xmlns="" id="{EE359C10-9D90-4381-A7F8-04F077B098A4}"/>
               </a:ext>
             </a:extLst>
           </p:cNvPr>
@@ -10461,7 +10461,7 @@
           <p:cNvPr id="5" name="Gruppieren 21">
             <a:extLst>
               <a:ext uri="{FF2B5EF4-FFF2-40B4-BE49-F238E27FC236}">
-                <a16:creationId xmlns="" xmlns:a16="http://schemas.microsoft.com/office/drawing/2014/main" id="{BCC0948F-C1E3-4907-854B-A0721D1FDACC}"/>
+                <a16:creationId xmlns:a16="http://schemas.microsoft.com/office/drawing/2014/main" xmlns="" id="{BCC0948F-C1E3-4907-854B-A0721D1FDACC}"/>
               </a:ext>
             </a:extLst>
           </p:cNvPr>
@@ -10481,7 +10481,7 @@
             <p:cNvPr id="6" name="Textfeld 13">
               <a:extLst>
                 <a:ext uri="{FF2B5EF4-FFF2-40B4-BE49-F238E27FC236}">
-                  <a16:creationId xmlns="" xmlns:a16="http://schemas.microsoft.com/office/drawing/2014/main" id="{425AEF1D-6595-4E36-A5D4-5F32C0012763}"/>
+                  <a16:creationId xmlns:a16="http://schemas.microsoft.com/office/drawing/2014/main" xmlns="" id="{425AEF1D-6595-4E36-A5D4-5F32C0012763}"/>
                 </a:ext>
               </a:extLst>
             </p:cNvPr>
@@ -10533,7 +10533,7 @@
             <p:cNvPr id="7" name="Textfeld 6">
               <a:extLst>
                 <a:ext uri="{FF2B5EF4-FFF2-40B4-BE49-F238E27FC236}">
-                  <a16:creationId xmlns="" xmlns:a16="http://schemas.microsoft.com/office/drawing/2014/main" id="{82ABF473-AD17-4ED8-AB87-CC275185AE43}"/>
+                  <a16:creationId xmlns:a16="http://schemas.microsoft.com/office/drawing/2014/main" xmlns="" id="{82ABF473-AD17-4ED8-AB87-CC275185AE43}"/>
                 </a:ext>
               </a:extLst>
             </p:cNvPr>
@@ -10585,7 +10585,7 @@
             <p:cNvPr id="8" name="Textfeld 7">
               <a:extLst>
                 <a:ext uri="{FF2B5EF4-FFF2-40B4-BE49-F238E27FC236}">
-                  <a16:creationId xmlns="" xmlns:a16="http://schemas.microsoft.com/office/drawing/2014/main" id="{3841D7B1-EF8D-476C-85AC-C17E649EE1A9}"/>
+                  <a16:creationId xmlns:a16="http://schemas.microsoft.com/office/drawing/2014/main" xmlns="" id="{3841D7B1-EF8D-476C-85AC-C17E649EE1A9}"/>
                 </a:ext>
               </a:extLst>
             </p:cNvPr>
@@ -10637,7 +10637,7 @@
             <p:cNvPr id="9" name="Textfeld 8">
               <a:extLst>
                 <a:ext uri="{FF2B5EF4-FFF2-40B4-BE49-F238E27FC236}">
-                  <a16:creationId xmlns="" xmlns:a16="http://schemas.microsoft.com/office/drawing/2014/main" id="{0DF05AE7-97F5-4E02-9206-C6B40B968DFA}"/>
+                  <a16:creationId xmlns:a16="http://schemas.microsoft.com/office/drawing/2014/main" xmlns="" id="{0DF05AE7-97F5-4E02-9206-C6B40B968DFA}"/>
                 </a:ext>
               </a:extLst>
             </p:cNvPr>
@@ -10689,7 +10689,7 @@
             <p:cNvPr id="10" name="Eingekerbter Richtungspfeil 9">
               <a:extLst>
                 <a:ext uri="{FF2B5EF4-FFF2-40B4-BE49-F238E27FC236}">
-                  <a16:creationId xmlns="" xmlns:a16="http://schemas.microsoft.com/office/drawing/2014/main" id="{C358C398-D0F2-4ECA-8BF9-29E733DFE60D}"/>
+                  <a16:creationId xmlns:a16="http://schemas.microsoft.com/office/drawing/2014/main" xmlns="" id="{C358C398-D0F2-4ECA-8BF9-29E733DFE60D}"/>
                 </a:ext>
               </a:extLst>
             </p:cNvPr>
@@ -10737,7 +10737,7 @@
             <p:cNvPr id="11" name="Eingekerbter Richtungspfeil 10">
               <a:extLst>
                 <a:ext uri="{FF2B5EF4-FFF2-40B4-BE49-F238E27FC236}">
-                  <a16:creationId xmlns="" xmlns:a16="http://schemas.microsoft.com/office/drawing/2014/main" id="{3FEDA7B1-0BEF-47B2-90E9-8E698F727222}"/>
+                  <a16:creationId xmlns:a16="http://schemas.microsoft.com/office/drawing/2014/main" xmlns="" id="{3FEDA7B1-0BEF-47B2-90E9-8E698F727222}"/>
                 </a:ext>
               </a:extLst>
             </p:cNvPr>
@@ -10785,7 +10785,7 @@
             <p:cNvPr id="12" name="Eingekerbter Richtungspfeil 11">
               <a:extLst>
                 <a:ext uri="{FF2B5EF4-FFF2-40B4-BE49-F238E27FC236}">
-                  <a16:creationId xmlns="" xmlns:a16="http://schemas.microsoft.com/office/drawing/2014/main" id="{2EBD9B49-A90C-436A-BBEF-D89DD2237ECF}"/>
+                  <a16:creationId xmlns:a16="http://schemas.microsoft.com/office/drawing/2014/main" xmlns="" id="{2EBD9B49-A90C-436A-BBEF-D89DD2237ECF}"/>
                 </a:ext>
               </a:extLst>
             </p:cNvPr>
@@ -10833,7 +10833,7 @@
             <p:cNvPr id="13" name="Gerade Verbindung 28">
               <a:extLst>
                 <a:ext uri="{FF2B5EF4-FFF2-40B4-BE49-F238E27FC236}">
-                  <a16:creationId xmlns="" xmlns:a16="http://schemas.microsoft.com/office/drawing/2014/main" id="{F1621AAB-A494-467F-9704-6039B7079C13}"/>
+                  <a16:creationId xmlns:a16="http://schemas.microsoft.com/office/drawing/2014/main" xmlns="" id="{F1621AAB-A494-467F-9704-6039B7079C13}"/>
                 </a:ext>
               </a:extLst>
             </p:cNvPr>
@@ -10901,7 +10901,7 @@
           <p:cNvPr id="14" name="Rechteck 13">
             <a:extLst>
               <a:ext uri="{FF2B5EF4-FFF2-40B4-BE49-F238E27FC236}">
-                <a16:creationId xmlns="" xmlns:a16="http://schemas.microsoft.com/office/drawing/2014/main" id="{F79826EC-20D0-4393-B5D8-4F55B87A2CFF}"/>
+                <a16:creationId xmlns:a16="http://schemas.microsoft.com/office/drawing/2014/main" xmlns="" id="{F79826EC-20D0-4393-B5D8-4F55B87A2CFF}"/>
               </a:ext>
             </a:extLst>
           </p:cNvPr>
@@ -11042,7 +11042,7 @@
           <p:cNvPr id="5" name="Gruppieren 21">
             <a:extLst>
               <a:ext uri="{FF2B5EF4-FFF2-40B4-BE49-F238E27FC236}">
-                <a16:creationId xmlns="" xmlns:a16="http://schemas.microsoft.com/office/drawing/2014/main" id="{BCC0948F-C1E3-4907-854B-A0721D1FDACC}"/>
+                <a16:creationId xmlns:a16="http://schemas.microsoft.com/office/drawing/2014/main" xmlns="" id="{BCC0948F-C1E3-4907-854B-A0721D1FDACC}"/>
               </a:ext>
             </a:extLst>
           </p:cNvPr>
@@ -11062,7 +11062,7 @@
             <p:cNvPr id="6" name="Textfeld 13">
               <a:extLst>
                 <a:ext uri="{FF2B5EF4-FFF2-40B4-BE49-F238E27FC236}">
-                  <a16:creationId xmlns="" xmlns:a16="http://schemas.microsoft.com/office/drawing/2014/main" id="{425AEF1D-6595-4E36-A5D4-5F32C0012763}"/>
+                  <a16:creationId xmlns:a16="http://schemas.microsoft.com/office/drawing/2014/main" xmlns="" id="{425AEF1D-6595-4E36-A5D4-5F32C0012763}"/>
                 </a:ext>
               </a:extLst>
             </p:cNvPr>
@@ -11114,7 +11114,7 @@
             <p:cNvPr id="7" name="Textfeld 6">
               <a:extLst>
                 <a:ext uri="{FF2B5EF4-FFF2-40B4-BE49-F238E27FC236}">
-                  <a16:creationId xmlns="" xmlns:a16="http://schemas.microsoft.com/office/drawing/2014/main" id="{82ABF473-AD17-4ED8-AB87-CC275185AE43}"/>
+                  <a16:creationId xmlns:a16="http://schemas.microsoft.com/office/drawing/2014/main" xmlns="" id="{82ABF473-AD17-4ED8-AB87-CC275185AE43}"/>
                 </a:ext>
               </a:extLst>
             </p:cNvPr>
@@ -11166,7 +11166,7 @@
             <p:cNvPr id="8" name="Textfeld 7">
               <a:extLst>
                 <a:ext uri="{FF2B5EF4-FFF2-40B4-BE49-F238E27FC236}">
-                  <a16:creationId xmlns="" xmlns:a16="http://schemas.microsoft.com/office/drawing/2014/main" id="{3841D7B1-EF8D-476C-85AC-C17E649EE1A9}"/>
+                  <a16:creationId xmlns:a16="http://schemas.microsoft.com/office/drawing/2014/main" xmlns="" id="{3841D7B1-EF8D-476C-85AC-C17E649EE1A9}"/>
                 </a:ext>
               </a:extLst>
             </p:cNvPr>
@@ -11218,7 +11218,7 @@
             <p:cNvPr id="9" name="Textfeld 8">
               <a:extLst>
                 <a:ext uri="{FF2B5EF4-FFF2-40B4-BE49-F238E27FC236}">
-                  <a16:creationId xmlns="" xmlns:a16="http://schemas.microsoft.com/office/drawing/2014/main" id="{0DF05AE7-97F5-4E02-9206-C6B40B968DFA}"/>
+                  <a16:creationId xmlns:a16="http://schemas.microsoft.com/office/drawing/2014/main" xmlns="" id="{0DF05AE7-97F5-4E02-9206-C6B40B968DFA}"/>
                 </a:ext>
               </a:extLst>
             </p:cNvPr>
@@ -11270,7 +11270,7 @@
             <p:cNvPr id="10" name="Eingekerbter Richtungspfeil 9">
               <a:extLst>
                 <a:ext uri="{FF2B5EF4-FFF2-40B4-BE49-F238E27FC236}">
-                  <a16:creationId xmlns="" xmlns:a16="http://schemas.microsoft.com/office/drawing/2014/main" id="{C358C398-D0F2-4ECA-8BF9-29E733DFE60D}"/>
+                  <a16:creationId xmlns:a16="http://schemas.microsoft.com/office/drawing/2014/main" xmlns="" id="{C358C398-D0F2-4ECA-8BF9-29E733DFE60D}"/>
                 </a:ext>
               </a:extLst>
             </p:cNvPr>
@@ -11318,7 +11318,7 @@
             <p:cNvPr id="11" name="Eingekerbter Richtungspfeil 10">
               <a:extLst>
                 <a:ext uri="{FF2B5EF4-FFF2-40B4-BE49-F238E27FC236}">
-                  <a16:creationId xmlns="" xmlns:a16="http://schemas.microsoft.com/office/drawing/2014/main" id="{3FEDA7B1-0BEF-47B2-90E9-8E698F727222}"/>
+                  <a16:creationId xmlns:a16="http://schemas.microsoft.com/office/drawing/2014/main" xmlns="" id="{3FEDA7B1-0BEF-47B2-90E9-8E698F727222}"/>
                 </a:ext>
               </a:extLst>
             </p:cNvPr>
@@ -11366,7 +11366,7 @@
             <p:cNvPr id="12" name="Eingekerbter Richtungspfeil 11">
               <a:extLst>
                 <a:ext uri="{FF2B5EF4-FFF2-40B4-BE49-F238E27FC236}">
-                  <a16:creationId xmlns="" xmlns:a16="http://schemas.microsoft.com/office/drawing/2014/main" id="{2EBD9B49-A90C-436A-BBEF-D89DD2237ECF}"/>
+                  <a16:creationId xmlns:a16="http://schemas.microsoft.com/office/drawing/2014/main" xmlns="" id="{2EBD9B49-A90C-436A-BBEF-D89DD2237ECF}"/>
                 </a:ext>
               </a:extLst>
             </p:cNvPr>
@@ -11414,7 +11414,7 @@
             <p:cNvPr id="13" name="Gerade Verbindung 28">
               <a:extLst>
                 <a:ext uri="{FF2B5EF4-FFF2-40B4-BE49-F238E27FC236}">
-                  <a16:creationId xmlns="" xmlns:a16="http://schemas.microsoft.com/office/drawing/2014/main" id="{F1621AAB-A494-467F-9704-6039B7079C13}"/>
+                  <a16:creationId xmlns:a16="http://schemas.microsoft.com/office/drawing/2014/main" xmlns="" id="{F1621AAB-A494-467F-9704-6039B7079C13}"/>
                 </a:ext>
               </a:extLst>
             </p:cNvPr>
@@ -11482,7 +11482,7 @@
           <p:cNvPr id="14" name="Rechteck 13">
             <a:extLst>
               <a:ext uri="{FF2B5EF4-FFF2-40B4-BE49-F238E27FC236}">
-                <a16:creationId xmlns="" xmlns:a16="http://schemas.microsoft.com/office/drawing/2014/main" id="{290AE785-4EFD-4BF1-B2A8-7986CC2B69F2}"/>
+                <a16:creationId xmlns:a16="http://schemas.microsoft.com/office/drawing/2014/main" xmlns="" id="{290AE785-4EFD-4BF1-B2A8-7986CC2B69F2}"/>
               </a:ext>
             </a:extLst>
           </p:cNvPr>
@@ -11625,7 +11625,7 @@
           <p:cNvPr id="5" name="Gruppieren 21">
             <a:extLst>
               <a:ext uri="{FF2B5EF4-FFF2-40B4-BE49-F238E27FC236}">
-                <a16:creationId xmlns="" xmlns:a16="http://schemas.microsoft.com/office/drawing/2014/main" id="{BCC0948F-C1E3-4907-854B-A0721D1FDACC}"/>
+                <a16:creationId xmlns:a16="http://schemas.microsoft.com/office/drawing/2014/main" xmlns="" id="{BCC0948F-C1E3-4907-854B-A0721D1FDACC}"/>
               </a:ext>
             </a:extLst>
           </p:cNvPr>
@@ -11645,7 +11645,7 @@
             <p:cNvPr id="6" name="Textfeld 13">
               <a:extLst>
                 <a:ext uri="{FF2B5EF4-FFF2-40B4-BE49-F238E27FC236}">
-                  <a16:creationId xmlns="" xmlns:a16="http://schemas.microsoft.com/office/drawing/2014/main" id="{425AEF1D-6595-4E36-A5D4-5F32C0012763}"/>
+                  <a16:creationId xmlns:a16="http://schemas.microsoft.com/office/drawing/2014/main" xmlns="" id="{425AEF1D-6595-4E36-A5D4-5F32C0012763}"/>
                 </a:ext>
               </a:extLst>
             </p:cNvPr>
@@ -11697,7 +11697,7 @@
             <p:cNvPr id="7" name="Textfeld 6">
               <a:extLst>
                 <a:ext uri="{FF2B5EF4-FFF2-40B4-BE49-F238E27FC236}">
-                  <a16:creationId xmlns="" xmlns:a16="http://schemas.microsoft.com/office/drawing/2014/main" id="{82ABF473-AD17-4ED8-AB87-CC275185AE43}"/>
+                  <a16:creationId xmlns:a16="http://schemas.microsoft.com/office/drawing/2014/main" xmlns="" id="{82ABF473-AD17-4ED8-AB87-CC275185AE43}"/>
                 </a:ext>
               </a:extLst>
             </p:cNvPr>
@@ -11749,7 +11749,7 @@
             <p:cNvPr id="8" name="Textfeld 7">
               <a:extLst>
                 <a:ext uri="{FF2B5EF4-FFF2-40B4-BE49-F238E27FC236}">
-                  <a16:creationId xmlns="" xmlns:a16="http://schemas.microsoft.com/office/drawing/2014/main" id="{3841D7B1-EF8D-476C-85AC-C17E649EE1A9}"/>
+                  <a16:creationId xmlns:a16="http://schemas.microsoft.com/office/drawing/2014/main" xmlns="" id="{3841D7B1-EF8D-476C-85AC-C17E649EE1A9}"/>
                 </a:ext>
               </a:extLst>
             </p:cNvPr>
@@ -11801,7 +11801,7 @@
             <p:cNvPr id="9" name="Textfeld 8">
               <a:extLst>
                 <a:ext uri="{FF2B5EF4-FFF2-40B4-BE49-F238E27FC236}">
-                  <a16:creationId xmlns="" xmlns:a16="http://schemas.microsoft.com/office/drawing/2014/main" id="{0DF05AE7-97F5-4E02-9206-C6B40B968DFA}"/>
+                  <a16:creationId xmlns:a16="http://schemas.microsoft.com/office/drawing/2014/main" xmlns="" id="{0DF05AE7-97F5-4E02-9206-C6B40B968DFA}"/>
                 </a:ext>
               </a:extLst>
             </p:cNvPr>
@@ -11853,7 +11853,7 @@
             <p:cNvPr id="10" name="Eingekerbter Richtungspfeil 9">
               <a:extLst>
                 <a:ext uri="{FF2B5EF4-FFF2-40B4-BE49-F238E27FC236}">
-                  <a16:creationId xmlns="" xmlns:a16="http://schemas.microsoft.com/office/drawing/2014/main" id="{C358C398-D0F2-4ECA-8BF9-29E733DFE60D}"/>
+                  <a16:creationId xmlns:a16="http://schemas.microsoft.com/office/drawing/2014/main" xmlns="" id="{C358C398-D0F2-4ECA-8BF9-29E733DFE60D}"/>
                 </a:ext>
               </a:extLst>
             </p:cNvPr>
@@ -11901,7 +11901,7 @@
             <p:cNvPr id="11" name="Eingekerbter Richtungspfeil 10">
               <a:extLst>
                 <a:ext uri="{FF2B5EF4-FFF2-40B4-BE49-F238E27FC236}">
-                  <a16:creationId xmlns="" xmlns:a16="http://schemas.microsoft.com/office/drawing/2014/main" id="{3FEDA7B1-0BEF-47B2-90E9-8E698F727222}"/>
+                  <a16:creationId xmlns:a16="http://schemas.microsoft.com/office/drawing/2014/main" xmlns="" id="{3FEDA7B1-0BEF-47B2-90E9-8E698F727222}"/>
                 </a:ext>
               </a:extLst>
             </p:cNvPr>
@@ -11949,7 +11949,7 @@
             <p:cNvPr id="12" name="Eingekerbter Richtungspfeil 11">
               <a:extLst>
                 <a:ext uri="{FF2B5EF4-FFF2-40B4-BE49-F238E27FC236}">
-                  <a16:creationId xmlns="" xmlns:a16="http://schemas.microsoft.com/office/drawing/2014/main" id="{2EBD9B49-A90C-436A-BBEF-D89DD2237ECF}"/>
+                  <a16:creationId xmlns:a16="http://schemas.microsoft.com/office/drawing/2014/main" xmlns="" id="{2EBD9B49-A90C-436A-BBEF-D89DD2237ECF}"/>
                 </a:ext>
               </a:extLst>
             </p:cNvPr>
@@ -11997,7 +11997,7 @@
             <p:cNvPr id="13" name="Gerade Verbindung 28">
               <a:extLst>
                 <a:ext uri="{FF2B5EF4-FFF2-40B4-BE49-F238E27FC236}">
-                  <a16:creationId xmlns="" xmlns:a16="http://schemas.microsoft.com/office/drawing/2014/main" id="{F1621AAB-A494-467F-9704-6039B7079C13}"/>
+                  <a16:creationId xmlns:a16="http://schemas.microsoft.com/office/drawing/2014/main" xmlns="" id="{F1621AAB-A494-467F-9704-6039B7079C13}"/>
                 </a:ext>
               </a:extLst>
             </p:cNvPr>
@@ -12065,7 +12065,7 @@
           <p:cNvPr id="14" name="Rechteck 13">
             <a:extLst>
               <a:ext uri="{FF2B5EF4-FFF2-40B4-BE49-F238E27FC236}">
-                <a16:creationId xmlns="" xmlns:a16="http://schemas.microsoft.com/office/drawing/2014/main" id="{0A865F75-01A5-45E4-AF2F-FD93FDFD7A12}"/>
+                <a16:creationId xmlns:a16="http://schemas.microsoft.com/office/drawing/2014/main" xmlns="" id="{0A865F75-01A5-45E4-AF2F-FD93FDFD7A12}"/>
               </a:ext>
             </a:extLst>
           </p:cNvPr>
@@ -12206,7 +12206,7 @@
           <p:cNvPr id="5" name="Gruppieren 21">
             <a:extLst>
               <a:ext uri="{FF2B5EF4-FFF2-40B4-BE49-F238E27FC236}">
-                <a16:creationId xmlns="" xmlns:a16="http://schemas.microsoft.com/office/drawing/2014/main" id="{BCC0948F-C1E3-4907-854B-A0721D1FDACC}"/>
+                <a16:creationId xmlns:a16="http://schemas.microsoft.com/office/drawing/2014/main" xmlns="" id="{BCC0948F-C1E3-4907-854B-A0721D1FDACC}"/>
               </a:ext>
             </a:extLst>
           </p:cNvPr>
@@ -12226,7 +12226,7 @@
             <p:cNvPr id="6" name="Textfeld 13">
               <a:extLst>
                 <a:ext uri="{FF2B5EF4-FFF2-40B4-BE49-F238E27FC236}">
-                  <a16:creationId xmlns="" xmlns:a16="http://schemas.microsoft.com/office/drawing/2014/main" id="{425AEF1D-6595-4E36-A5D4-5F32C0012763}"/>
+                  <a16:creationId xmlns:a16="http://schemas.microsoft.com/office/drawing/2014/main" xmlns="" id="{425AEF1D-6595-4E36-A5D4-5F32C0012763}"/>
                 </a:ext>
               </a:extLst>
             </p:cNvPr>
@@ -12278,7 +12278,7 @@
             <p:cNvPr id="7" name="Textfeld 6">
               <a:extLst>
                 <a:ext uri="{FF2B5EF4-FFF2-40B4-BE49-F238E27FC236}">
-                  <a16:creationId xmlns="" xmlns:a16="http://schemas.microsoft.com/office/drawing/2014/main" id="{82ABF473-AD17-4ED8-AB87-CC275185AE43}"/>
+                  <a16:creationId xmlns:a16="http://schemas.microsoft.com/office/drawing/2014/main" xmlns="" id="{82ABF473-AD17-4ED8-AB87-CC275185AE43}"/>
                 </a:ext>
               </a:extLst>
             </p:cNvPr>
@@ -12330,7 +12330,7 @@
             <p:cNvPr id="8" name="Textfeld 7">
               <a:extLst>
                 <a:ext uri="{FF2B5EF4-FFF2-40B4-BE49-F238E27FC236}">
-                  <a16:creationId xmlns="" xmlns:a16="http://schemas.microsoft.com/office/drawing/2014/main" id="{3841D7B1-EF8D-476C-85AC-C17E649EE1A9}"/>
+                  <a16:creationId xmlns:a16="http://schemas.microsoft.com/office/drawing/2014/main" xmlns="" id="{3841D7B1-EF8D-476C-85AC-C17E649EE1A9}"/>
                 </a:ext>
               </a:extLst>
             </p:cNvPr>
@@ -12382,7 +12382,7 @@
             <p:cNvPr id="9" name="Textfeld 8">
               <a:extLst>
                 <a:ext uri="{FF2B5EF4-FFF2-40B4-BE49-F238E27FC236}">
-                  <a16:creationId xmlns="" xmlns:a16="http://schemas.microsoft.com/office/drawing/2014/main" id="{0DF05AE7-97F5-4E02-9206-C6B40B968DFA}"/>
+                  <a16:creationId xmlns:a16="http://schemas.microsoft.com/office/drawing/2014/main" xmlns="" id="{0DF05AE7-97F5-4E02-9206-C6B40B968DFA}"/>
                 </a:ext>
               </a:extLst>
             </p:cNvPr>
@@ -12434,7 +12434,7 @@
             <p:cNvPr id="10" name="Eingekerbter Richtungspfeil 9">
               <a:extLst>
                 <a:ext uri="{FF2B5EF4-FFF2-40B4-BE49-F238E27FC236}">
-                  <a16:creationId xmlns="" xmlns:a16="http://schemas.microsoft.com/office/drawing/2014/main" id="{C358C398-D0F2-4ECA-8BF9-29E733DFE60D}"/>
+                  <a16:creationId xmlns:a16="http://schemas.microsoft.com/office/drawing/2014/main" xmlns="" id="{C358C398-D0F2-4ECA-8BF9-29E733DFE60D}"/>
                 </a:ext>
               </a:extLst>
             </p:cNvPr>
@@ -12482,7 +12482,7 @@
             <p:cNvPr id="11" name="Eingekerbter Richtungspfeil 10">
               <a:extLst>
                 <a:ext uri="{FF2B5EF4-FFF2-40B4-BE49-F238E27FC236}">
-                  <a16:creationId xmlns="" xmlns:a16="http://schemas.microsoft.com/office/drawing/2014/main" id="{3FEDA7B1-0BEF-47B2-90E9-8E698F727222}"/>
+                  <a16:creationId xmlns:a16="http://schemas.microsoft.com/office/drawing/2014/main" xmlns="" id="{3FEDA7B1-0BEF-47B2-90E9-8E698F727222}"/>
                 </a:ext>
               </a:extLst>
             </p:cNvPr>
@@ -12530,7 +12530,7 @@
             <p:cNvPr id="12" name="Eingekerbter Richtungspfeil 11">
               <a:extLst>
                 <a:ext uri="{FF2B5EF4-FFF2-40B4-BE49-F238E27FC236}">
-                  <a16:creationId xmlns="" xmlns:a16="http://schemas.microsoft.com/office/drawing/2014/main" id="{2EBD9B49-A90C-436A-BBEF-D89DD2237ECF}"/>
+                  <a16:creationId xmlns:a16="http://schemas.microsoft.com/office/drawing/2014/main" xmlns="" id="{2EBD9B49-A90C-436A-BBEF-D89DD2237ECF}"/>
                 </a:ext>
               </a:extLst>
             </p:cNvPr>
@@ -12578,7 +12578,7 @@
             <p:cNvPr id="13" name="Gerade Verbindung 28">
               <a:extLst>
                 <a:ext uri="{FF2B5EF4-FFF2-40B4-BE49-F238E27FC236}">
-                  <a16:creationId xmlns="" xmlns:a16="http://schemas.microsoft.com/office/drawing/2014/main" id="{F1621AAB-A494-467F-9704-6039B7079C13}"/>
+                  <a16:creationId xmlns:a16="http://schemas.microsoft.com/office/drawing/2014/main" xmlns="" id="{F1621AAB-A494-467F-9704-6039B7079C13}"/>
                 </a:ext>
               </a:extLst>
             </p:cNvPr>
@@ -12646,7 +12646,7 @@
           <p:cNvPr id="14" name="Rechteck 13">
             <a:extLst>
               <a:ext uri="{FF2B5EF4-FFF2-40B4-BE49-F238E27FC236}">
-                <a16:creationId xmlns="" xmlns:a16="http://schemas.microsoft.com/office/drawing/2014/main" id="{1F9FA5A9-D44F-4AD2-BF6A-26F4FBE1416F}"/>
+                <a16:creationId xmlns:a16="http://schemas.microsoft.com/office/drawing/2014/main" xmlns="" id="{1F9FA5A9-D44F-4AD2-BF6A-26F4FBE1416F}"/>
               </a:ext>
             </a:extLst>
           </p:cNvPr>
@@ -12772,13 +12772,8 @@
           <a:p>
             <a:r>
               <a:rPr lang="de-DE" dirty="0" smtClean="0"/>
-              <a:t>Keine </a:t>
-            </a:r>
-            <a:r>
-              <a:rPr lang="de-DE" dirty="0" smtClean="0"/>
-              <a:t>große Simulation</a:t>
-            </a:r>
-            <a:endParaRPr lang="de-DE" dirty="0" smtClean="0"/>
+              <a:t>Keine große Simulation</a:t>
+            </a:r>
           </a:p>
           <a:p>
             <a:pPr lvl="1"/>
@@ -12798,15 +12793,7 @@
             <a:pPr lvl="1"/>
             <a:r>
               <a:rPr lang="de-DE" dirty="0" smtClean="0"/>
-              <a:t>WLCG: </a:t>
-            </a:r>
-            <a:r>
-              <a:rPr lang="de-DE" dirty="0" smtClean="0"/>
-              <a:t>72.000 </a:t>
-            </a:r>
-            <a:r>
-              <a:rPr lang="de-DE" dirty="0" smtClean="0"/>
-              <a:t>CPUs</a:t>
+              <a:t>WLCG: 72.000 CPUs</a:t>
             </a:r>
           </a:p>
           <a:p>
@@ -12884,7 +12871,7 @@
           <p:cNvPr id="5" name="Gruppieren 21">
             <a:extLst>
               <a:ext uri="{FF2B5EF4-FFF2-40B4-BE49-F238E27FC236}">
-                <a16:creationId xmlns="" xmlns:a16="http://schemas.microsoft.com/office/drawing/2014/main" id="{BCC0948F-C1E3-4907-854B-A0721D1FDACC}"/>
+                <a16:creationId xmlns:a16="http://schemas.microsoft.com/office/drawing/2014/main" xmlns="" id="{BCC0948F-C1E3-4907-854B-A0721D1FDACC}"/>
               </a:ext>
             </a:extLst>
           </p:cNvPr>
@@ -12904,7 +12891,7 @@
             <p:cNvPr id="6" name="Textfeld 13">
               <a:extLst>
                 <a:ext uri="{FF2B5EF4-FFF2-40B4-BE49-F238E27FC236}">
-                  <a16:creationId xmlns="" xmlns:a16="http://schemas.microsoft.com/office/drawing/2014/main" id="{425AEF1D-6595-4E36-A5D4-5F32C0012763}"/>
+                  <a16:creationId xmlns:a16="http://schemas.microsoft.com/office/drawing/2014/main" xmlns="" id="{425AEF1D-6595-4E36-A5D4-5F32C0012763}"/>
                 </a:ext>
               </a:extLst>
             </p:cNvPr>
@@ -12956,7 +12943,7 @@
             <p:cNvPr id="7" name="Textfeld 6">
               <a:extLst>
                 <a:ext uri="{FF2B5EF4-FFF2-40B4-BE49-F238E27FC236}">
-                  <a16:creationId xmlns="" xmlns:a16="http://schemas.microsoft.com/office/drawing/2014/main" id="{82ABF473-AD17-4ED8-AB87-CC275185AE43}"/>
+                  <a16:creationId xmlns:a16="http://schemas.microsoft.com/office/drawing/2014/main" xmlns="" id="{82ABF473-AD17-4ED8-AB87-CC275185AE43}"/>
                 </a:ext>
               </a:extLst>
             </p:cNvPr>
@@ -13008,7 +12995,7 @@
             <p:cNvPr id="8" name="Textfeld 7">
               <a:extLst>
                 <a:ext uri="{FF2B5EF4-FFF2-40B4-BE49-F238E27FC236}">
-                  <a16:creationId xmlns="" xmlns:a16="http://schemas.microsoft.com/office/drawing/2014/main" id="{3841D7B1-EF8D-476C-85AC-C17E649EE1A9}"/>
+                  <a16:creationId xmlns:a16="http://schemas.microsoft.com/office/drawing/2014/main" xmlns="" id="{3841D7B1-EF8D-476C-85AC-C17E649EE1A9}"/>
                 </a:ext>
               </a:extLst>
             </p:cNvPr>
@@ -13060,7 +13047,7 @@
             <p:cNvPr id="9" name="Textfeld 8">
               <a:extLst>
                 <a:ext uri="{FF2B5EF4-FFF2-40B4-BE49-F238E27FC236}">
-                  <a16:creationId xmlns="" xmlns:a16="http://schemas.microsoft.com/office/drawing/2014/main" id="{0DF05AE7-97F5-4E02-9206-C6B40B968DFA}"/>
+                  <a16:creationId xmlns:a16="http://schemas.microsoft.com/office/drawing/2014/main" xmlns="" id="{0DF05AE7-97F5-4E02-9206-C6B40B968DFA}"/>
                 </a:ext>
               </a:extLst>
             </p:cNvPr>
@@ -13112,7 +13099,7 @@
             <p:cNvPr id="10" name="Eingekerbter Richtungspfeil 9">
               <a:extLst>
                 <a:ext uri="{FF2B5EF4-FFF2-40B4-BE49-F238E27FC236}">
-                  <a16:creationId xmlns="" xmlns:a16="http://schemas.microsoft.com/office/drawing/2014/main" id="{C358C398-D0F2-4ECA-8BF9-29E733DFE60D}"/>
+                  <a16:creationId xmlns:a16="http://schemas.microsoft.com/office/drawing/2014/main" xmlns="" id="{C358C398-D0F2-4ECA-8BF9-29E733DFE60D}"/>
                 </a:ext>
               </a:extLst>
             </p:cNvPr>
@@ -13160,7 +13147,7 @@
             <p:cNvPr id="11" name="Eingekerbter Richtungspfeil 10">
               <a:extLst>
                 <a:ext uri="{FF2B5EF4-FFF2-40B4-BE49-F238E27FC236}">
-                  <a16:creationId xmlns="" xmlns:a16="http://schemas.microsoft.com/office/drawing/2014/main" id="{3FEDA7B1-0BEF-47B2-90E9-8E698F727222}"/>
+                  <a16:creationId xmlns:a16="http://schemas.microsoft.com/office/drawing/2014/main" xmlns="" id="{3FEDA7B1-0BEF-47B2-90E9-8E698F727222}"/>
                 </a:ext>
               </a:extLst>
             </p:cNvPr>
@@ -13208,7 +13195,7 @@
             <p:cNvPr id="12" name="Eingekerbter Richtungspfeil 11">
               <a:extLst>
                 <a:ext uri="{FF2B5EF4-FFF2-40B4-BE49-F238E27FC236}">
-                  <a16:creationId xmlns="" xmlns:a16="http://schemas.microsoft.com/office/drawing/2014/main" id="{2EBD9B49-A90C-436A-BBEF-D89DD2237ECF}"/>
+                  <a16:creationId xmlns:a16="http://schemas.microsoft.com/office/drawing/2014/main" xmlns="" id="{2EBD9B49-A90C-436A-BBEF-D89DD2237ECF}"/>
                 </a:ext>
               </a:extLst>
             </p:cNvPr>
@@ -13256,7 +13243,7 @@
             <p:cNvPr id="13" name="Gerade Verbindung 28">
               <a:extLst>
                 <a:ext uri="{FF2B5EF4-FFF2-40B4-BE49-F238E27FC236}">
-                  <a16:creationId xmlns="" xmlns:a16="http://schemas.microsoft.com/office/drawing/2014/main" id="{F1621AAB-A494-467F-9704-6039B7079C13}"/>
+                  <a16:creationId xmlns:a16="http://schemas.microsoft.com/office/drawing/2014/main" xmlns="" id="{F1621AAB-A494-467F-9704-6039B7079C13}"/>
                 </a:ext>
               </a:extLst>
             </p:cNvPr>
@@ -13401,7 +13388,19 @@
           <a:p>
             <a:r>
               <a:rPr lang="de-DE" dirty="0"/>
-              <a:t>Unsere Arbeit wird zeigen ob Simulatoren für derart großen Systeme geeignet sind</a:t>
+              <a:t>Unsere Arbeit </a:t>
+            </a:r>
+            <a:r>
+              <a:rPr lang="de-DE"/>
+              <a:t>wird </a:t>
+            </a:r>
+            <a:r>
+              <a:rPr lang="de-DE" smtClean="0"/>
+              <a:t>zeigen, </a:t>
+            </a:r>
+            <a:r>
+              <a:rPr lang="de-DE" dirty="0"/>
+              <a:t>ob Simulatoren für derart großen Systeme geeignet sind</a:t>
             </a:r>
           </a:p>
         </p:txBody>
@@ -13446,7 +13445,7 @@
           <p:cNvPr id="34" name="Gruppieren 21">
             <a:extLst>
               <a:ext uri="{FF2B5EF4-FFF2-40B4-BE49-F238E27FC236}">
-                <a16:creationId xmlns="" xmlns:a16="http://schemas.microsoft.com/office/drawing/2014/main" id="{BCC0948F-C1E3-4907-854B-A0721D1FDACC}"/>
+                <a16:creationId xmlns:a16="http://schemas.microsoft.com/office/drawing/2014/main" xmlns="" id="{BCC0948F-C1E3-4907-854B-A0721D1FDACC}"/>
               </a:ext>
             </a:extLst>
           </p:cNvPr>
@@ -13466,7 +13465,7 @@
             <p:cNvPr id="36" name="Textfeld 13">
               <a:extLst>
                 <a:ext uri="{FF2B5EF4-FFF2-40B4-BE49-F238E27FC236}">
-                  <a16:creationId xmlns="" xmlns:a16="http://schemas.microsoft.com/office/drawing/2014/main" id="{425AEF1D-6595-4E36-A5D4-5F32C0012763}"/>
+                  <a16:creationId xmlns:a16="http://schemas.microsoft.com/office/drawing/2014/main" xmlns="" id="{425AEF1D-6595-4E36-A5D4-5F32C0012763}"/>
                 </a:ext>
               </a:extLst>
             </p:cNvPr>
@@ -13518,7 +13517,7 @@
             <p:cNvPr id="63" name="Textfeld 62">
               <a:extLst>
                 <a:ext uri="{FF2B5EF4-FFF2-40B4-BE49-F238E27FC236}">
-                  <a16:creationId xmlns="" xmlns:a16="http://schemas.microsoft.com/office/drawing/2014/main" id="{82ABF473-AD17-4ED8-AB87-CC275185AE43}"/>
+                  <a16:creationId xmlns:a16="http://schemas.microsoft.com/office/drawing/2014/main" xmlns="" id="{82ABF473-AD17-4ED8-AB87-CC275185AE43}"/>
                 </a:ext>
               </a:extLst>
             </p:cNvPr>
@@ -13570,7 +13569,7 @@
             <p:cNvPr id="64" name="Textfeld 63">
               <a:extLst>
                 <a:ext uri="{FF2B5EF4-FFF2-40B4-BE49-F238E27FC236}">
-                  <a16:creationId xmlns="" xmlns:a16="http://schemas.microsoft.com/office/drawing/2014/main" id="{3841D7B1-EF8D-476C-85AC-C17E649EE1A9}"/>
+                  <a16:creationId xmlns:a16="http://schemas.microsoft.com/office/drawing/2014/main" xmlns="" id="{3841D7B1-EF8D-476C-85AC-C17E649EE1A9}"/>
                 </a:ext>
               </a:extLst>
             </p:cNvPr>
@@ -13622,7 +13621,7 @@
             <p:cNvPr id="65" name="Textfeld 64">
               <a:extLst>
                 <a:ext uri="{FF2B5EF4-FFF2-40B4-BE49-F238E27FC236}">
-                  <a16:creationId xmlns="" xmlns:a16="http://schemas.microsoft.com/office/drawing/2014/main" id="{0DF05AE7-97F5-4E02-9206-C6B40B968DFA}"/>
+                  <a16:creationId xmlns:a16="http://schemas.microsoft.com/office/drawing/2014/main" xmlns="" id="{0DF05AE7-97F5-4E02-9206-C6B40B968DFA}"/>
                 </a:ext>
               </a:extLst>
             </p:cNvPr>
@@ -13674,7 +13673,7 @@
             <p:cNvPr id="66" name="Eingekerbter Richtungspfeil 23">
               <a:extLst>
                 <a:ext uri="{FF2B5EF4-FFF2-40B4-BE49-F238E27FC236}">
-                  <a16:creationId xmlns="" xmlns:a16="http://schemas.microsoft.com/office/drawing/2014/main" id="{C358C398-D0F2-4ECA-8BF9-29E733DFE60D}"/>
+                  <a16:creationId xmlns:a16="http://schemas.microsoft.com/office/drawing/2014/main" xmlns="" id="{C358C398-D0F2-4ECA-8BF9-29E733DFE60D}"/>
                 </a:ext>
               </a:extLst>
             </p:cNvPr>
@@ -13722,7 +13721,7 @@
             <p:cNvPr id="67" name="Eingekerbter Richtungspfeil 24">
               <a:extLst>
                 <a:ext uri="{FF2B5EF4-FFF2-40B4-BE49-F238E27FC236}">
-                  <a16:creationId xmlns="" xmlns:a16="http://schemas.microsoft.com/office/drawing/2014/main" id="{3FEDA7B1-0BEF-47B2-90E9-8E698F727222}"/>
+                  <a16:creationId xmlns:a16="http://schemas.microsoft.com/office/drawing/2014/main" xmlns="" id="{3FEDA7B1-0BEF-47B2-90E9-8E698F727222}"/>
                 </a:ext>
               </a:extLst>
             </p:cNvPr>
@@ -13770,7 +13769,7 @@
             <p:cNvPr id="68" name="Eingekerbter Richtungspfeil 25">
               <a:extLst>
                 <a:ext uri="{FF2B5EF4-FFF2-40B4-BE49-F238E27FC236}">
-                  <a16:creationId xmlns="" xmlns:a16="http://schemas.microsoft.com/office/drawing/2014/main" id="{2EBD9B49-A90C-436A-BBEF-D89DD2237ECF}"/>
+                  <a16:creationId xmlns:a16="http://schemas.microsoft.com/office/drawing/2014/main" xmlns="" id="{2EBD9B49-A90C-436A-BBEF-D89DD2237ECF}"/>
                 </a:ext>
               </a:extLst>
             </p:cNvPr>
@@ -13818,7 +13817,7 @@
             <p:cNvPr id="71" name="Gerade Verbindung 28">
               <a:extLst>
                 <a:ext uri="{FF2B5EF4-FFF2-40B4-BE49-F238E27FC236}">
-                  <a16:creationId xmlns="" xmlns:a16="http://schemas.microsoft.com/office/drawing/2014/main" id="{F1621AAB-A494-467F-9704-6039B7079C13}"/>
+                  <a16:creationId xmlns:a16="http://schemas.microsoft.com/office/drawing/2014/main" xmlns="" id="{F1621AAB-A494-467F-9704-6039B7079C13}"/>
                 </a:ext>
               </a:extLst>
             </p:cNvPr>
@@ -14416,7 +14415,7 @@
           <p:cNvPr id="20" name="Gruppieren 21">
             <a:extLst>
               <a:ext uri="{FF2B5EF4-FFF2-40B4-BE49-F238E27FC236}">
-                <a16:creationId xmlns="" xmlns:a16="http://schemas.microsoft.com/office/drawing/2014/main" id="{BCC0948F-C1E3-4907-854B-A0721D1FDACC}"/>
+                <a16:creationId xmlns:a16="http://schemas.microsoft.com/office/drawing/2014/main" xmlns="" id="{BCC0948F-C1E3-4907-854B-A0721D1FDACC}"/>
               </a:ext>
             </a:extLst>
           </p:cNvPr>
@@ -14436,7 +14435,7 @@
             <p:cNvPr id="21" name="Textfeld 13">
               <a:extLst>
                 <a:ext uri="{FF2B5EF4-FFF2-40B4-BE49-F238E27FC236}">
-                  <a16:creationId xmlns="" xmlns:a16="http://schemas.microsoft.com/office/drawing/2014/main" id="{425AEF1D-6595-4E36-A5D4-5F32C0012763}"/>
+                  <a16:creationId xmlns:a16="http://schemas.microsoft.com/office/drawing/2014/main" xmlns="" id="{425AEF1D-6595-4E36-A5D4-5F32C0012763}"/>
                 </a:ext>
               </a:extLst>
             </p:cNvPr>
@@ -14488,7 +14487,7 @@
             <p:cNvPr id="22" name="Textfeld 21">
               <a:extLst>
                 <a:ext uri="{FF2B5EF4-FFF2-40B4-BE49-F238E27FC236}">
-                  <a16:creationId xmlns="" xmlns:a16="http://schemas.microsoft.com/office/drawing/2014/main" id="{82ABF473-AD17-4ED8-AB87-CC275185AE43}"/>
+                  <a16:creationId xmlns:a16="http://schemas.microsoft.com/office/drawing/2014/main" xmlns="" id="{82ABF473-AD17-4ED8-AB87-CC275185AE43}"/>
                 </a:ext>
               </a:extLst>
             </p:cNvPr>
@@ -14540,7 +14539,7 @@
             <p:cNvPr id="23" name="Textfeld 22">
               <a:extLst>
                 <a:ext uri="{FF2B5EF4-FFF2-40B4-BE49-F238E27FC236}">
-                  <a16:creationId xmlns="" xmlns:a16="http://schemas.microsoft.com/office/drawing/2014/main" id="{3841D7B1-EF8D-476C-85AC-C17E649EE1A9}"/>
+                  <a16:creationId xmlns:a16="http://schemas.microsoft.com/office/drawing/2014/main" xmlns="" id="{3841D7B1-EF8D-476C-85AC-C17E649EE1A9}"/>
                 </a:ext>
               </a:extLst>
             </p:cNvPr>
@@ -14592,7 +14591,7 @@
             <p:cNvPr id="24" name="Textfeld 23">
               <a:extLst>
                 <a:ext uri="{FF2B5EF4-FFF2-40B4-BE49-F238E27FC236}">
-                  <a16:creationId xmlns="" xmlns:a16="http://schemas.microsoft.com/office/drawing/2014/main" id="{0DF05AE7-97F5-4E02-9206-C6B40B968DFA}"/>
+                  <a16:creationId xmlns:a16="http://schemas.microsoft.com/office/drawing/2014/main" xmlns="" id="{0DF05AE7-97F5-4E02-9206-C6B40B968DFA}"/>
                 </a:ext>
               </a:extLst>
             </p:cNvPr>
@@ -14644,7 +14643,7 @@
             <p:cNvPr id="25" name="Eingekerbter Richtungspfeil 24">
               <a:extLst>
                 <a:ext uri="{FF2B5EF4-FFF2-40B4-BE49-F238E27FC236}">
-                  <a16:creationId xmlns="" xmlns:a16="http://schemas.microsoft.com/office/drawing/2014/main" id="{C358C398-D0F2-4ECA-8BF9-29E733DFE60D}"/>
+                  <a16:creationId xmlns:a16="http://schemas.microsoft.com/office/drawing/2014/main" xmlns="" id="{C358C398-D0F2-4ECA-8BF9-29E733DFE60D}"/>
                 </a:ext>
               </a:extLst>
             </p:cNvPr>
@@ -14692,7 +14691,7 @@
             <p:cNvPr id="26" name="Eingekerbter Richtungspfeil 25">
               <a:extLst>
                 <a:ext uri="{FF2B5EF4-FFF2-40B4-BE49-F238E27FC236}">
-                  <a16:creationId xmlns="" xmlns:a16="http://schemas.microsoft.com/office/drawing/2014/main" id="{3FEDA7B1-0BEF-47B2-90E9-8E698F727222}"/>
+                  <a16:creationId xmlns:a16="http://schemas.microsoft.com/office/drawing/2014/main" xmlns="" id="{3FEDA7B1-0BEF-47B2-90E9-8E698F727222}"/>
                 </a:ext>
               </a:extLst>
             </p:cNvPr>
@@ -14740,7 +14739,7 @@
             <p:cNvPr id="27" name="Eingekerbter Richtungspfeil 26">
               <a:extLst>
                 <a:ext uri="{FF2B5EF4-FFF2-40B4-BE49-F238E27FC236}">
-                  <a16:creationId xmlns="" xmlns:a16="http://schemas.microsoft.com/office/drawing/2014/main" id="{2EBD9B49-A90C-436A-BBEF-D89DD2237ECF}"/>
+                  <a16:creationId xmlns:a16="http://schemas.microsoft.com/office/drawing/2014/main" xmlns="" id="{2EBD9B49-A90C-436A-BBEF-D89DD2237ECF}"/>
                 </a:ext>
               </a:extLst>
             </p:cNvPr>
@@ -14788,7 +14787,7 @@
             <p:cNvPr id="28" name="Gerade Verbindung 28">
               <a:extLst>
                 <a:ext uri="{FF2B5EF4-FFF2-40B4-BE49-F238E27FC236}">
-                  <a16:creationId xmlns="" xmlns:a16="http://schemas.microsoft.com/office/drawing/2014/main" id="{F1621AAB-A494-467F-9704-6039B7079C13}"/>
+                  <a16:creationId xmlns:a16="http://schemas.microsoft.com/office/drawing/2014/main" xmlns="" id="{F1621AAB-A494-467F-9704-6039B7079C13}"/>
                 </a:ext>
               </a:extLst>
             </p:cNvPr>
@@ -16118,7 +16117,7 @@
           <p:cNvPr id="20" name="Gruppieren 21">
             <a:extLst>
               <a:ext uri="{FF2B5EF4-FFF2-40B4-BE49-F238E27FC236}">
-                <a16:creationId xmlns="" xmlns:a16="http://schemas.microsoft.com/office/drawing/2014/main" id="{BCC0948F-C1E3-4907-854B-A0721D1FDACC}"/>
+                <a16:creationId xmlns:a16="http://schemas.microsoft.com/office/drawing/2014/main" xmlns="" id="{BCC0948F-C1E3-4907-854B-A0721D1FDACC}"/>
               </a:ext>
             </a:extLst>
           </p:cNvPr>
@@ -16138,7 +16137,7 @@
             <p:cNvPr id="21" name="Textfeld 13">
               <a:extLst>
                 <a:ext uri="{FF2B5EF4-FFF2-40B4-BE49-F238E27FC236}">
-                  <a16:creationId xmlns="" xmlns:a16="http://schemas.microsoft.com/office/drawing/2014/main" id="{425AEF1D-6595-4E36-A5D4-5F32C0012763}"/>
+                  <a16:creationId xmlns:a16="http://schemas.microsoft.com/office/drawing/2014/main" xmlns="" id="{425AEF1D-6595-4E36-A5D4-5F32C0012763}"/>
                 </a:ext>
               </a:extLst>
             </p:cNvPr>
@@ -16190,7 +16189,7 @@
             <p:cNvPr id="22" name="Textfeld 21">
               <a:extLst>
                 <a:ext uri="{FF2B5EF4-FFF2-40B4-BE49-F238E27FC236}">
-                  <a16:creationId xmlns="" xmlns:a16="http://schemas.microsoft.com/office/drawing/2014/main" id="{82ABF473-AD17-4ED8-AB87-CC275185AE43}"/>
+                  <a16:creationId xmlns:a16="http://schemas.microsoft.com/office/drawing/2014/main" xmlns="" id="{82ABF473-AD17-4ED8-AB87-CC275185AE43}"/>
                 </a:ext>
               </a:extLst>
             </p:cNvPr>
@@ -16242,7 +16241,7 @@
             <p:cNvPr id="23" name="Textfeld 22">
               <a:extLst>
                 <a:ext uri="{FF2B5EF4-FFF2-40B4-BE49-F238E27FC236}">
-                  <a16:creationId xmlns="" xmlns:a16="http://schemas.microsoft.com/office/drawing/2014/main" id="{3841D7B1-EF8D-476C-85AC-C17E649EE1A9}"/>
+                  <a16:creationId xmlns:a16="http://schemas.microsoft.com/office/drawing/2014/main" xmlns="" id="{3841D7B1-EF8D-476C-85AC-C17E649EE1A9}"/>
                 </a:ext>
               </a:extLst>
             </p:cNvPr>
@@ -16294,7 +16293,7 @@
             <p:cNvPr id="24" name="Textfeld 23">
               <a:extLst>
                 <a:ext uri="{FF2B5EF4-FFF2-40B4-BE49-F238E27FC236}">
-                  <a16:creationId xmlns="" xmlns:a16="http://schemas.microsoft.com/office/drawing/2014/main" id="{0DF05AE7-97F5-4E02-9206-C6B40B968DFA}"/>
+                  <a16:creationId xmlns:a16="http://schemas.microsoft.com/office/drawing/2014/main" xmlns="" id="{0DF05AE7-97F5-4E02-9206-C6B40B968DFA}"/>
                 </a:ext>
               </a:extLst>
             </p:cNvPr>
@@ -16346,7 +16345,7 @@
             <p:cNvPr id="25" name="Eingekerbter Richtungspfeil 24">
               <a:extLst>
                 <a:ext uri="{FF2B5EF4-FFF2-40B4-BE49-F238E27FC236}">
-                  <a16:creationId xmlns="" xmlns:a16="http://schemas.microsoft.com/office/drawing/2014/main" id="{C358C398-D0F2-4ECA-8BF9-29E733DFE60D}"/>
+                  <a16:creationId xmlns:a16="http://schemas.microsoft.com/office/drawing/2014/main" xmlns="" id="{C358C398-D0F2-4ECA-8BF9-29E733DFE60D}"/>
                 </a:ext>
               </a:extLst>
             </p:cNvPr>
@@ -16394,7 +16393,7 @@
             <p:cNvPr id="26" name="Eingekerbter Richtungspfeil 25">
               <a:extLst>
                 <a:ext uri="{FF2B5EF4-FFF2-40B4-BE49-F238E27FC236}">
-                  <a16:creationId xmlns="" xmlns:a16="http://schemas.microsoft.com/office/drawing/2014/main" id="{3FEDA7B1-0BEF-47B2-90E9-8E698F727222}"/>
+                  <a16:creationId xmlns:a16="http://schemas.microsoft.com/office/drawing/2014/main" xmlns="" id="{3FEDA7B1-0BEF-47B2-90E9-8E698F727222}"/>
                 </a:ext>
               </a:extLst>
             </p:cNvPr>
@@ -16442,7 +16441,7 @@
             <p:cNvPr id="27" name="Eingekerbter Richtungspfeil 26">
               <a:extLst>
                 <a:ext uri="{FF2B5EF4-FFF2-40B4-BE49-F238E27FC236}">
-                  <a16:creationId xmlns="" xmlns:a16="http://schemas.microsoft.com/office/drawing/2014/main" id="{2EBD9B49-A90C-436A-BBEF-D89DD2237ECF}"/>
+                  <a16:creationId xmlns:a16="http://schemas.microsoft.com/office/drawing/2014/main" xmlns="" id="{2EBD9B49-A90C-436A-BBEF-D89DD2237ECF}"/>
                 </a:ext>
               </a:extLst>
             </p:cNvPr>
@@ -16490,7 +16489,7 @@
             <p:cNvPr id="28" name="Gerade Verbindung 28">
               <a:extLst>
                 <a:ext uri="{FF2B5EF4-FFF2-40B4-BE49-F238E27FC236}">
-                  <a16:creationId xmlns="" xmlns:a16="http://schemas.microsoft.com/office/drawing/2014/main" id="{F1621AAB-A494-467F-9704-6039B7079C13}"/>
+                  <a16:creationId xmlns:a16="http://schemas.microsoft.com/office/drawing/2014/main" xmlns="" id="{F1621AAB-A494-467F-9704-6039B7079C13}"/>
                 </a:ext>
               </a:extLst>
             </p:cNvPr>
@@ -16756,7 +16755,7 @@
           <p:cNvPr id="19" name="Gruppieren 21">
             <a:extLst>
               <a:ext uri="{FF2B5EF4-FFF2-40B4-BE49-F238E27FC236}">
-                <a16:creationId xmlns="" xmlns:a16="http://schemas.microsoft.com/office/drawing/2014/main" id="{BCC0948F-C1E3-4907-854B-A0721D1FDACC}"/>
+                <a16:creationId xmlns:a16="http://schemas.microsoft.com/office/drawing/2014/main" xmlns="" id="{BCC0948F-C1E3-4907-854B-A0721D1FDACC}"/>
               </a:ext>
             </a:extLst>
           </p:cNvPr>
@@ -16776,7 +16775,7 @@
             <p:cNvPr id="20" name="Textfeld 13">
               <a:extLst>
                 <a:ext uri="{FF2B5EF4-FFF2-40B4-BE49-F238E27FC236}">
-                  <a16:creationId xmlns="" xmlns:a16="http://schemas.microsoft.com/office/drawing/2014/main" id="{425AEF1D-6595-4E36-A5D4-5F32C0012763}"/>
+                  <a16:creationId xmlns:a16="http://schemas.microsoft.com/office/drawing/2014/main" xmlns="" id="{425AEF1D-6595-4E36-A5D4-5F32C0012763}"/>
                 </a:ext>
               </a:extLst>
             </p:cNvPr>
@@ -16828,7 +16827,7 @@
             <p:cNvPr id="21" name="Textfeld 20">
               <a:extLst>
                 <a:ext uri="{FF2B5EF4-FFF2-40B4-BE49-F238E27FC236}">
-                  <a16:creationId xmlns="" xmlns:a16="http://schemas.microsoft.com/office/drawing/2014/main" id="{82ABF473-AD17-4ED8-AB87-CC275185AE43}"/>
+                  <a16:creationId xmlns:a16="http://schemas.microsoft.com/office/drawing/2014/main" xmlns="" id="{82ABF473-AD17-4ED8-AB87-CC275185AE43}"/>
                 </a:ext>
               </a:extLst>
             </p:cNvPr>
@@ -16880,7 +16879,7 @@
             <p:cNvPr id="22" name="Textfeld 21">
               <a:extLst>
                 <a:ext uri="{FF2B5EF4-FFF2-40B4-BE49-F238E27FC236}">
-                  <a16:creationId xmlns="" xmlns:a16="http://schemas.microsoft.com/office/drawing/2014/main" id="{3841D7B1-EF8D-476C-85AC-C17E649EE1A9}"/>
+                  <a16:creationId xmlns:a16="http://schemas.microsoft.com/office/drawing/2014/main" xmlns="" id="{3841D7B1-EF8D-476C-85AC-C17E649EE1A9}"/>
                 </a:ext>
               </a:extLst>
             </p:cNvPr>
@@ -16932,7 +16931,7 @@
             <p:cNvPr id="23" name="Textfeld 22">
               <a:extLst>
                 <a:ext uri="{FF2B5EF4-FFF2-40B4-BE49-F238E27FC236}">
-                  <a16:creationId xmlns="" xmlns:a16="http://schemas.microsoft.com/office/drawing/2014/main" id="{0DF05AE7-97F5-4E02-9206-C6B40B968DFA}"/>
+                  <a16:creationId xmlns:a16="http://schemas.microsoft.com/office/drawing/2014/main" xmlns="" id="{0DF05AE7-97F5-4E02-9206-C6B40B968DFA}"/>
                 </a:ext>
               </a:extLst>
             </p:cNvPr>
@@ -16984,7 +16983,7 @@
             <p:cNvPr id="24" name="Eingekerbter Richtungspfeil 23">
               <a:extLst>
                 <a:ext uri="{FF2B5EF4-FFF2-40B4-BE49-F238E27FC236}">
-                  <a16:creationId xmlns="" xmlns:a16="http://schemas.microsoft.com/office/drawing/2014/main" id="{C358C398-D0F2-4ECA-8BF9-29E733DFE60D}"/>
+                  <a16:creationId xmlns:a16="http://schemas.microsoft.com/office/drawing/2014/main" xmlns="" id="{C358C398-D0F2-4ECA-8BF9-29E733DFE60D}"/>
                 </a:ext>
               </a:extLst>
             </p:cNvPr>
@@ -17032,7 +17031,7 @@
             <p:cNvPr id="26" name="Eingekerbter Richtungspfeil 25">
               <a:extLst>
                 <a:ext uri="{FF2B5EF4-FFF2-40B4-BE49-F238E27FC236}">
-                  <a16:creationId xmlns="" xmlns:a16="http://schemas.microsoft.com/office/drawing/2014/main" id="{3FEDA7B1-0BEF-47B2-90E9-8E698F727222}"/>
+                  <a16:creationId xmlns:a16="http://schemas.microsoft.com/office/drawing/2014/main" xmlns="" id="{3FEDA7B1-0BEF-47B2-90E9-8E698F727222}"/>
                 </a:ext>
               </a:extLst>
             </p:cNvPr>
@@ -17080,7 +17079,7 @@
             <p:cNvPr id="27" name="Eingekerbter Richtungspfeil 26">
               <a:extLst>
                 <a:ext uri="{FF2B5EF4-FFF2-40B4-BE49-F238E27FC236}">
-                  <a16:creationId xmlns="" xmlns:a16="http://schemas.microsoft.com/office/drawing/2014/main" id="{2EBD9B49-A90C-436A-BBEF-D89DD2237ECF}"/>
+                  <a16:creationId xmlns:a16="http://schemas.microsoft.com/office/drawing/2014/main" xmlns="" id="{2EBD9B49-A90C-436A-BBEF-D89DD2237ECF}"/>
                 </a:ext>
               </a:extLst>
             </p:cNvPr>
@@ -17128,7 +17127,7 @@
             <p:cNvPr id="28" name="Gerade Verbindung 28">
               <a:extLst>
                 <a:ext uri="{FF2B5EF4-FFF2-40B4-BE49-F238E27FC236}">
-                  <a16:creationId xmlns="" xmlns:a16="http://schemas.microsoft.com/office/drawing/2014/main" id="{F1621AAB-A494-467F-9704-6039B7079C13}"/>
+                  <a16:creationId xmlns:a16="http://schemas.microsoft.com/office/drawing/2014/main" xmlns="" id="{F1621AAB-A494-467F-9704-6039B7079C13}"/>
                 </a:ext>
               </a:extLst>
             </p:cNvPr>
@@ -17385,7 +17384,7 @@
           <p:cNvPr id="19" name="Gruppieren 21">
             <a:extLst>
               <a:ext uri="{FF2B5EF4-FFF2-40B4-BE49-F238E27FC236}">
-                <a16:creationId xmlns="" xmlns:a16="http://schemas.microsoft.com/office/drawing/2014/main" id="{BCC0948F-C1E3-4907-854B-A0721D1FDACC}"/>
+                <a16:creationId xmlns:a16="http://schemas.microsoft.com/office/drawing/2014/main" xmlns="" id="{BCC0948F-C1E3-4907-854B-A0721D1FDACC}"/>
               </a:ext>
             </a:extLst>
           </p:cNvPr>
@@ -17405,7 +17404,7 @@
             <p:cNvPr id="20" name="Textfeld 13">
               <a:extLst>
                 <a:ext uri="{FF2B5EF4-FFF2-40B4-BE49-F238E27FC236}">
-                  <a16:creationId xmlns="" xmlns:a16="http://schemas.microsoft.com/office/drawing/2014/main" id="{425AEF1D-6595-4E36-A5D4-5F32C0012763}"/>
+                  <a16:creationId xmlns:a16="http://schemas.microsoft.com/office/drawing/2014/main" xmlns="" id="{425AEF1D-6595-4E36-A5D4-5F32C0012763}"/>
                 </a:ext>
               </a:extLst>
             </p:cNvPr>
@@ -17457,7 +17456,7 @@
             <p:cNvPr id="21" name="Textfeld 20">
               <a:extLst>
                 <a:ext uri="{FF2B5EF4-FFF2-40B4-BE49-F238E27FC236}">
-                  <a16:creationId xmlns="" xmlns:a16="http://schemas.microsoft.com/office/drawing/2014/main" id="{82ABF473-AD17-4ED8-AB87-CC275185AE43}"/>
+                  <a16:creationId xmlns:a16="http://schemas.microsoft.com/office/drawing/2014/main" xmlns="" id="{82ABF473-AD17-4ED8-AB87-CC275185AE43}"/>
                 </a:ext>
               </a:extLst>
             </p:cNvPr>
@@ -17509,7 +17508,7 @@
             <p:cNvPr id="22" name="Textfeld 21">
               <a:extLst>
                 <a:ext uri="{FF2B5EF4-FFF2-40B4-BE49-F238E27FC236}">
-                  <a16:creationId xmlns="" xmlns:a16="http://schemas.microsoft.com/office/drawing/2014/main" id="{3841D7B1-EF8D-476C-85AC-C17E649EE1A9}"/>
+                  <a16:creationId xmlns:a16="http://schemas.microsoft.com/office/drawing/2014/main" xmlns="" id="{3841D7B1-EF8D-476C-85AC-C17E649EE1A9}"/>
                 </a:ext>
               </a:extLst>
             </p:cNvPr>
@@ -17561,7 +17560,7 @@
             <p:cNvPr id="23" name="Textfeld 22">
               <a:extLst>
                 <a:ext uri="{FF2B5EF4-FFF2-40B4-BE49-F238E27FC236}">
-                  <a16:creationId xmlns="" xmlns:a16="http://schemas.microsoft.com/office/drawing/2014/main" id="{0DF05AE7-97F5-4E02-9206-C6B40B968DFA}"/>
+                  <a16:creationId xmlns:a16="http://schemas.microsoft.com/office/drawing/2014/main" xmlns="" id="{0DF05AE7-97F5-4E02-9206-C6B40B968DFA}"/>
                 </a:ext>
               </a:extLst>
             </p:cNvPr>
@@ -17613,7 +17612,7 @@
             <p:cNvPr id="24" name="Eingekerbter Richtungspfeil 23">
               <a:extLst>
                 <a:ext uri="{FF2B5EF4-FFF2-40B4-BE49-F238E27FC236}">
-                  <a16:creationId xmlns="" xmlns:a16="http://schemas.microsoft.com/office/drawing/2014/main" id="{C358C398-D0F2-4ECA-8BF9-29E733DFE60D}"/>
+                  <a16:creationId xmlns:a16="http://schemas.microsoft.com/office/drawing/2014/main" xmlns="" id="{C358C398-D0F2-4ECA-8BF9-29E733DFE60D}"/>
                 </a:ext>
               </a:extLst>
             </p:cNvPr>
@@ -17661,7 +17660,7 @@
             <p:cNvPr id="25" name="Eingekerbter Richtungspfeil 24">
               <a:extLst>
                 <a:ext uri="{FF2B5EF4-FFF2-40B4-BE49-F238E27FC236}">
-                  <a16:creationId xmlns="" xmlns:a16="http://schemas.microsoft.com/office/drawing/2014/main" id="{3FEDA7B1-0BEF-47B2-90E9-8E698F727222}"/>
+                  <a16:creationId xmlns:a16="http://schemas.microsoft.com/office/drawing/2014/main" xmlns="" id="{3FEDA7B1-0BEF-47B2-90E9-8E698F727222}"/>
                 </a:ext>
               </a:extLst>
             </p:cNvPr>
@@ -17709,7 +17708,7 @@
             <p:cNvPr id="26" name="Eingekerbter Richtungspfeil 25">
               <a:extLst>
                 <a:ext uri="{FF2B5EF4-FFF2-40B4-BE49-F238E27FC236}">
-                  <a16:creationId xmlns="" xmlns:a16="http://schemas.microsoft.com/office/drawing/2014/main" id="{2EBD9B49-A90C-436A-BBEF-D89DD2237ECF}"/>
+                  <a16:creationId xmlns:a16="http://schemas.microsoft.com/office/drawing/2014/main" xmlns="" id="{2EBD9B49-A90C-436A-BBEF-D89DD2237ECF}"/>
                 </a:ext>
               </a:extLst>
             </p:cNvPr>
@@ -17757,7 +17756,7 @@
             <p:cNvPr id="27" name="Gerade Verbindung 28">
               <a:extLst>
                 <a:ext uri="{FF2B5EF4-FFF2-40B4-BE49-F238E27FC236}">
-                  <a16:creationId xmlns="" xmlns:a16="http://schemas.microsoft.com/office/drawing/2014/main" id="{F1621AAB-A494-467F-9704-6039B7079C13}"/>
+                  <a16:creationId xmlns:a16="http://schemas.microsoft.com/office/drawing/2014/main" xmlns="" id="{F1621AAB-A494-467F-9704-6039B7079C13}"/>
                 </a:ext>
               </a:extLst>
             </p:cNvPr>
@@ -18016,7 +18015,7 @@
           <p:cNvPr id="19" name="Gruppieren 21">
             <a:extLst>
               <a:ext uri="{FF2B5EF4-FFF2-40B4-BE49-F238E27FC236}">
-                <a16:creationId xmlns="" xmlns:a16="http://schemas.microsoft.com/office/drawing/2014/main" id="{BCC0948F-C1E3-4907-854B-A0721D1FDACC}"/>
+                <a16:creationId xmlns:a16="http://schemas.microsoft.com/office/drawing/2014/main" xmlns="" id="{BCC0948F-C1E3-4907-854B-A0721D1FDACC}"/>
               </a:ext>
             </a:extLst>
           </p:cNvPr>
@@ -18036,7 +18035,7 @@
             <p:cNvPr id="20" name="Textfeld 13">
               <a:extLst>
                 <a:ext uri="{FF2B5EF4-FFF2-40B4-BE49-F238E27FC236}">
-                  <a16:creationId xmlns="" xmlns:a16="http://schemas.microsoft.com/office/drawing/2014/main" id="{425AEF1D-6595-4E36-A5D4-5F32C0012763}"/>
+                  <a16:creationId xmlns:a16="http://schemas.microsoft.com/office/drawing/2014/main" xmlns="" id="{425AEF1D-6595-4E36-A5D4-5F32C0012763}"/>
                 </a:ext>
               </a:extLst>
             </p:cNvPr>
@@ -18088,7 +18087,7 @@
             <p:cNvPr id="21" name="Textfeld 20">
               <a:extLst>
                 <a:ext uri="{FF2B5EF4-FFF2-40B4-BE49-F238E27FC236}">
-                  <a16:creationId xmlns="" xmlns:a16="http://schemas.microsoft.com/office/drawing/2014/main" id="{82ABF473-AD17-4ED8-AB87-CC275185AE43}"/>
+                  <a16:creationId xmlns:a16="http://schemas.microsoft.com/office/drawing/2014/main" xmlns="" id="{82ABF473-AD17-4ED8-AB87-CC275185AE43}"/>
                 </a:ext>
               </a:extLst>
             </p:cNvPr>
@@ -18140,7 +18139,7 @@
             <p:cNvPr id="22" name="Textfeld 21">
               <a:extLst>
                 <a:ext uri="{FF2B5EF4-FFF2-40B4-BE49-F238E27FC236}">
-                  <a16:creationId xmlns="" xmlns:a16="http://schemas.microsoft.com/office/drawing/2014/main" id="{3841D7B1-EF8D-476C-85AC-C17E649EE1A9}"/>
+                  <a16:creationId xmlns:a16="http://schemas.microsoft.com/office/drawing/2014/main" xmlns="" id="{3841D7B1-EF8D-476C-85AC-C17E649EE1A9}"/>
                 </a:ext>
               </a:extLst>
             </p:cNvPr>
@@ -18192,7 +18191,7 @@
             <p:cNvPr id="23" name="Textfeld 22">
               <a:extLst>
                 <a:ext uri="{FF2B5EF4-FFF2-40B4-BE49-F238E27FC236}">
-                  <a16:creationId xmlns="" xmlns:a16="http://schemas.microsoft.com/office/drawing/2014/main" id="{0DF05AE7-97F5-4E02-9206-C6B40B968DFA}"/>
+                  <a16:creationId xmlns:a16="http://schemas.microsoft.com/office/drawing/2014/main" xmlns="" id="{0DF05AE7-97F5-4E02-9206-C6B40B968DFA}"/>
                 </a:ext>
               </a:extLst>
             </p:cNvPr>
@@ -18244,7 +18243,7 @@
             <p:cNvPr id="24" name="Eingekerbter Richtungspfeil 23">
               <a:extLst>
                 <a:ext uri="{FF2B5EF4-FFF2-40B4-BE49-F238E27FC236}">
-                  <a16:creationId xmlns="" xmlns:a16="http://schemas.microsoft.com/office/drawing/2014/main" id="{C358C398-D0F2-4ECA-8BF9-29E733DFE60D}"/>
+                  <a16:creationId xmlns:a16="http://schemas.microsoft.com/office/drawing/2014/main" xmlns="" id="{C358C398-D0F2-4ECA-8BF9-29E733DFE60D}"/>
                 </a:ext>
               </a:extLst>
             </p:cNvPr>
@@ -18292,7 +18291,7 @@
             <p:cNvPr id="25" name="Eingekerbter Richtungspfeil 24">
               <a:extLst>
                 <a:ext uri="{FF2B5EF4-FFF2-40B4-BE49-F238E27FC236}">
-                  <a16:creationId xmlns="" xmlns:a16="http://schemas.microsoft.com/office/drawing/2014/main" id="{3FEDA7B1-0BEF-47B2-90E9-8E698F727222}"/>
+                  <a16:creationId xmlns:a16="http://schemas.microsoft.com/office/drawing/2014/main" xmlns="" id="{3FEDA7B1-0BEF-47B2-90E9-8E698F727222}"/>
                 </a:ext>
               </a:extLst>
             </p:cNvPr>
@@ -18340,7 +18339,7 @@
             <p:cNvPr id="26" name="Eingekerbter Richtungspfeil 25">
               <a:extLst>
                 <a:ext uri="{FF2B5EF4-FFF2-40B4-BE49-F238E27FC236}">
-                  <a16:creationId xmlns="" xmlns:a16="http://schemas.microsoft.com/office/drawing/2014/main" id="{2EBD9B49-A90C-436A-BBEF-D89DD2237ECF}"/>
+                  <a16:creationId xmlns:a16="http://schemas.microsoft.com/office/drawing/2014/main" xmlns="" id="{2EBD9B49-A90C-436A-BBEF-D89DD2237ECF}"/>
                 </a:ext>
               </a:extLst>
             </p:cNvPr>
@@ -18388,7 +18387,7 @@
             <p:cNvPr id="27" name="Gerade Verbindung 28">
               <a:extLst>
                 <a:ext uri="{FF2B5EF4-FFF2-40B4-BE49-F238E27FC236}">
-                  <a16:creationId xmlns="" xmlns:a16="http://schemas.microsoft.com/office/drawing/2014/main" id="{F1621AAB-A494-467F-9704-6039B7079C13}"/>
+                  <a16:creationId xmlns:a16="http://schemas.microsoft.com/office/drawing/2014/main" xmlns="" id="{F1621AAB-A494-467F-9704-6039B7079C13}"/>
                 </a:ext>
               </a:extLst>
             </p:cNvPr>
@@ -18610,7 +18609,7 @@
           <p:cNvPr id="18" name="Gruppieren 21">
             <a:extLst>
               <a:ext uri="{FF2B5EF4-FFF2-40B4-BE49-F238E27FC236}">
-                <a16:creationId xmlns="" xmlns:a16="http://schemas.microsoft.com/office/drawing/2014/main" id="{BCC0948F-C1E3-4907-854B-A0721D1FDACC}"/>
+                <a16:creationId xmlns:a16="http://schemas.microsoft.com/office/drawing/2014/main" xmlns="" id="{BCC0948F-C1E3-4907-854B-A0721D1FDACC}"/>
               </a:ext>
             </a:extLst>
           </p:cNvPr>
@@ -18630,7 +18629,7 @@
             <p:cNvPr id="19" name="Textfeld 13">
               <a:extLst>
                 <a:ext uri="{FF2B5EF4-FFF2-40B4-BE49-F238E27FC236}">
-                  <a16:creationId xmlns="" xmlns:a16="http://schemas.microsoft.com/office/drawing/2014/main" id="{425AEF1D-6595-4E36-A5D4-5F32C0012763}"/>
+                  <a16:creationId xmlns:a16="http://schemas.microsoft.com/office/drawing/2014/main" xmlns="" id="{425AEF1D-6595-4E36-A5D4-5F32C0012763}"/>
                 </a:ext>
               </a:extLst>
             </p:cNvPr>
@@ -18682,7 +18681,7 @@
             <p:cNvPr id="20" name="Textfeld 19">
               <a:extLst>
                 <a:ext uri="{FF2B5EF4-FFF2-40B4-BE49-F238E27FC236}">
-                  <a16:creationId xmlns="" xmlns:a16="http://schemas.microsoft.com/office/drawing/2014/main" id="{82ABF473-AD17-4ED8-AB87-CC275185AE43}"/>
+                  <a16:creationId xmlns:a16="http://schemas.microsoft.com/office/drawing/2014/main" xmlns="" id="{82ABF473-AD17-4ED8-AB87-CC275185AE43}"/>
                 </a:ext>
               </a:extLst>
             </p:cNvPr>
@@ -18734,7 +18733,7 @@
             <p:cNvPr id="21" name="Textfeld 20">
               <a:extLst>
                 <a:ext uri="{FF2B5EF4-FFF2-40B4-BE49-F238E27FC236}">
-                  <a16:creationId xmlns="" xmlns:a16="http://schemas.microsoft.com/office/drawing/2014/main" id="{3841D7B1-EF8D-476C-85AC-C17E649EE1A9}"/>
+                  <a16:creationId xmlns:a16="http://schemas.microsoft.com/office/drawing/2014/main" xmlns="" id="{3841D7B1-EF8D-476C-85AC-C17E649EE1A9}"/>
                 </a:ext>
               </a:extLst>
             </p:cNvPr>
@@ -18786,7 +18785,7 @@
             <p:cNvPr id="22" name="Textfeld 21">
               <a:extLst>
                 <a:ext uri="{FF2B5EF4-FFF2-40B4-BE49-F238E27FC236}">
-                  <a16:creationId xmlns="" xmlns:a16="http://schemas.microsoft.com/office/drawing/2014/main" id="{0DF05AE7-97F5-4E02-9206-C6B40B968DFA}"/>
+                  <a16:creationId xmlns:a16="http://schemas.microsoft.com/office/drawing/2014/main" xmlns="" id="{0DF05AE7-97F5-4E02-9206-C6B40B968DFA}"/>
                 </a:ext>
               </a:extLst>
             </p:cNvPr>
@@ -18838,7 +18837,7 @@
             <p:cNvPr id="23" name="Eingekerbter Richtungspfeil 23">
               <a:extLst>
                 <a:ext uri="{FF2B5EF4-FFF2-40B4-BE49-F238E27FC236}">
-                  <a16:creationId xmlns="" xmlns:a16="http://schemas.microsoft.com/office/drawing/2014/main" id="{C358C398-D0F2-4ECA-8BF9-29E733DFE60D}"/>
+                  <a16:creationId xmlns:a16="http://schemas.microsoft.com/office/drawing/2014/main" xmlns="" id="{C358C398-D0F2-4ECA-8BF9-29E733DFE60D}"/>
                 </a:ext>
               </a:extLst>
             </p:cNvPr>
@@ -18886,7 +18885,7 @@
             <p:cNvPr id="24" name="Eingekerbter Richtungspfeil 24">
               <a:extLst>
                 <a:ext uri="{FF2B5EF4-FFF2-40B4-BE49-F238E27FC236}">
-                  <a16:creationId xmlns="" xmlns:a16="http://schemas.microsoft.com/office/drawing/2014/main" id="{3FEDA7B1-0BEF-47B2-90E9-8E698F727222}"/>
+                  <a16:creationId xmlns:a16="http://schemas.microsoft.com/office/drawing/2014/main" xmlns="" id="{3FEDA7B1-0BEF-47B2-90E9-8E698F727222}"/>
                 </a:ext>
               </a:extLst>
             </p:cNvPr>
@@ -18934,7 +18933,7 @@
             <p:cNvPr id="25" name="Eingekerbter Richtungspfeil 25">
               <a:extLst>
                 <a:ext uri="{FF2B5EF4-FFF2-40B4-BE49-F238E27FC236}">
-                  <a16:creationId xmlns="" xmlns:a16="http://schemas.microsoft.com/office/drawing/2014/main" id="{2EBD9B49-A90C-436A-BBEF-D89DD2237ECF}"/>
+                  <a16:creationId xmlns:a16="http://schemas.microsoft.com/office/drawing/2014/main" xmlns="" id="{2EBD9B49-A90C-436A-BBEF-D89DD2237ECF}"/>
                 </a:ext>
               </a:extLst>
             </p:cNvPr>
@@ -18982,7 +18981,7 @@
             <p:cNvPr id="26" name="Gerade Verbindung 28">
               <a:extLst>
                 <a:ext uri="{FF2B5EF4-FFF2-40B4-BE49-F238E27FC236}">
-                  <a16:creationId xmlns="" xmlns:a16="http://schemas.microsoft.com/office/drawing/2014/main" id="{F1621AAB-A494-467F-9704-6039B7079C13}"/>
+                  <a16:creationId xmlns:a16="http://schemas.microsoft.com/office/drawing/2014/main" xmlns="" id="{F1621AAB-A494-467F-9704-6039B7079C13}"/>
                 </a:ext>
               </a:extLst>
             </p:cNvPr>
@@ -19298,7 +19297,7 @@
           <p:cNvPr id="21" name="Gruppieren 21">
             <a:extLst>
               <a:ext uri="{FF2B5EF4-FFF2-40B4-BE49-F238E27FC236}">
-                <a16:creationId xmlns="" xmlns:a16="http://schemas.microsoft.com/office/drawing/2014/main" id="{BCC0948F-C1E3-4907-854B-A0721D1FDACC}"/>
+                <a16:creationId xmlns:a16="http://schemas.microsoft.com/office/drawing/2014/main" xmlns="" id="{BCC0948F-C1E3-4907-854B-A0721D1FDACC}"/>
               </a:ext>
             </a:extLst>
           </p:cNvPr>
@@ -19318,7 +19317,7 @@
             <p:cNvPr id="22" name="Textfeld 13">
               <a:extLst>
                 <a:ext uri="{FF2B5EF4-FFF2-40B4-BE49-F238E27FC236}">
-                  <a16:creationId xmlns="" xmlns:a16="http://schemas.microsoft.com/office/drawing/2014/main" id="{425AEF1D-6595-4E36-A5D4-5F32C0012763}"/>
+                  <a16:creationId xmlns:a16="http://schemas.microsoft.com/office/drawing/2014/main" xmlns="" id="{425AEF1D-6595-4E36-A5D4-5F32C0012763}"/>
                 </a:ext>
               </a:extLst>
             </p:cNvPr>
@@ -19370,7 +19369,7 @@
             <p:cNvPr id="23" name="Textfeld 22">
               <a:extLst>
                 <a:ext uri="{FF2B5EF4-FFF2-40B4-BE49-F238E27FC236}">
-                  <a16:creationId xmlns="" xmlns:a16="http://schemas.microsoft.com/office/drawing/2014/main" id="{82ABF473-AD17-4ED8-AB87-CC275185AE43}"/>
+                  <a16:creationId xmlns:a16="http://schemas.microsoft.com/office/drawing/2014/main" xmlns="" id="{82ABF473-AD17-4ED8-AB87-CC275185AE43}"/>
                 </a:ext>
               </a:extLst>
             </p:cNvPr>
@@ -19422,7 +19421,7 @@
             <p:cNvPr id="24" name="Textfeld 23">
               <a:extLst>
                 <a:ext uri="{FF2B5EF4-FFF2-40B4-BE49-F238E27FC236}">
-                  <a16:creationId xmlns="" xmlns:a16="http://schemas.microsoft.com/office/drawing/2014/main" id="{3841D7B1-EF8D-476C-85AC-C17E649EE1A9}"/>
+                  <a16:creationId xmlns:a16="http://schemas.microsoft.com/office/drawing/2014/main" xmlns="" id="{3841D7B1-EF8D-476C-85AC-C17E649EE1A9}"/>
                 </a:ext>
               </a:extLst>
             </p:cNvPr>
@@ -19474,7 +19473,7 @@
             <p:cNvPr id="25" name="Textfeld 24">
               <a:extLst>
                 <a:ext uri="{FF2B5EF4-FFF2-40B4-BE49-F238E27FC236}">
-                  <a16:creationId xmlns="" xmlns:a16="http://schemas.microsoft.com/office/drawing/2014/main" id="{0DF05AE7-97F5-4E02-9206-C6B40B968DFA}"/>
+                  <a16:creationId xmlns:a16="http://schemas.microsoft.com/office/drawing/2014/main" xmlns="" id="{0DF05AE7-97F5-4E02-9206-C6B40B968DFA}"/>
                 </a:ext>
               </a:extLst>
             </p:cNvPr>
@@ -19526,7 +19525,7 @@
             <p:cNvPr id="26" name="Eingekerbter Richtungspfeil 23">
               <a:extLst>
                 <a:ext uri="{FF2B5EF4-FFF2-40B4-BE49-F238E27FC236}">
-                  <a16:creationId xmlns="" xmlns:a16="http://schemas.microsoft.com/office/drawing/2014/main" id="{C358C398-D0F2-4ECA-8BF9-29E733DFE60D}"/>
+                  <a16:creationId xmlns:a16="http://schemas.microsoft.com/office/drawing/2014/main" xmlns="" id="{C358C398-D0F2-4ECA-8BF9-29E733DFE60D}"/>
                 </a:ext>
               </a:extLst>
             </p:cNvPr>
@@ -19574,7 +19573,7 @@
             <p:cNvPr id="27" name="Eingekerbter Richtungspfeil 24">
               <a:extLst>
                 <a:ext uri="{FF2B5EF4-FFF2-40B4-BE49-F238E27FC236}">
-                  <a16:creationId xmlns="" xmlns:a16="http://schemas.microsoft.com/office/drawing/2014/main" id="{3FEDA7B1-0BEF-47B2-90E9-8E698F727222}"/>
+                  <a16:creationId xmlns:a16="http://schemas.microsoft.com/office/drawing/2014/main" xmlns="" id="{3FEDA7B1-0BEF-47B2-90E9-8E698F727222}"/>
                 </a:ext>
               </a:extLst>
             </p:cNvPr>
@@ -19622,7 +19621,7 @@
             <p:cNvPr id="28" name="Eingekerbter Richtungspfeil 25">
               <a:extLst>
                 <a:ext uri="{FF2B5EF4-FFF2-40B4-BE49-F238E27FC236}">
-                  <a16:creationId xmlns="" xmlns:a16="http://schemas.microsoft.com/office/drawing/2014/main" id="{2EBD9B49-A90C-436A-BBEF-D89DD2237ECF}"/>
+                  <a16:creationId xmlns:a16="http://schemas.microsoft.com/office/drawing/2014/main" xmlns="" id="{2EBD9B49-A90C-436A-BBEF-D89DD2237ECF}"/>
                 </a:ext>
               </a:extLst>
             </p:cNvPr>
@@ -19670,7 +19669,7 @@
             <p:cNvPr id="29" name="Gerade Verbindung 28">
               <a:extLst>
                 <a:ext uri="{FF2B5EF4-FFF2-40B4-BE49-F238E27FC236}">
-                  <a16:creationId xmlns="" xmlns:a16="http://schemas.microsoft.com/office/drawing/2014/main" id="{F1621AAB-A494-467F-9704-6039B7079C13}"/>
+                  <a16:creationId xmlns:a16="http://schemas.microsoft.com/office/drawing/2014/main" xmlns="" id="{F1621AAB-A494-467F-9704-6039B7079C13}"/>
                 </a:ext>
               </a:extLst>
             </p:cNvPr>
@@ -19902,7 +19901,7 @@
           <p:cNvPr id="19" name="Gruppieren 21">
             <a:extLst>
               <a:ext uri="{FF2B5EF4-FFF2-40B4-BE49-F238E27FC236}">
-                <a16:creationId xmlns="" xmlns:a16="http://schemas.microsoft.com/office/drawing/2014/main" id="{BCC0948F-C1E3-4907-854B-A0721D1FDACC}"/>
+                <a16:creationId xmlns:a16="http://schemas.microsoft.com/office/drawing/2014/main" xmlns="" id="{BCC0948F-C1E3-4907-854B-A0721D1FDACC}"/>
               </a:ext>
             </a:extLst>
           </p:cNvPr>
@@ -19922,7 +19921,7 @@
             <p:cNvPr id="20" name="Textfeld 13">
               <a:extLst>
                 <a:ext uri="{FF2B5EF4-FFF2-40B4-BE49-F238E27FC236}">
-                  <a16:creationId xmlns="" xmlns:a16="http://schemas.microsoft.com/office/drawing/2014/main" id="{425AEF1D-6595-4E36-A5D4-5F32C0012763}"/>
+                  <a16:creationId xmlns:a16="http://schemas.microsoft.com/office/drawing/2014/main" xmlns="" id="{425AEF1D-6595-4E36-A5D4-5F32C0012763}"/>
                 </a:ext>
               </a:extLst>
             </p:cNvPr>
@@ -19974,7 +19973,7 @@
             <p:cNvPr id="21" name="Textfeld 20">
               <a:extLst>
                 <a:ext uri="{FF2B5EF4-FFF2-40B4-BE49-F238E27FC236}">
-                  <a16:creationId xmlns="" xmlns:a16="http://schemas.microsoft.com/office/drawing/2014/main" id="{82ABF473-AD17-4ED8-AB87-CC275185AE43}"/>
+                  <a16:creationId xmlns:a16="http://schemas.microsoft.com/office/drawing/2014/main" xmlns="" id="{82ABF473-AD17-4ED8-AB87-CC275185AE43}"/>
                 </a:ext>
               </a:extLst>
             </p:cNvPr>
@@ -20026,7 +20025,7 @@
             <p:cNvPr id="22" name="Textfeld 21">
               <a:extLst>
                 <a:ext uri="{FF2B5EF4-FFF2-40B4-BE49-F238E27FC236}">
-                  <a16:creationId xmlns="" xmlns:a16="http://schemas.microsoft.com/office/drawing/2014/main" id="{3841D7B1-EF8D-476C-85AC-C17E649EE1A9}"/>
+                  <a16:creationId xmlns:a16="http://schemas.microsoft.com/office/drawing/2014/main" xmlns="" id="{3841D7B1-EF8D-476C-85AC-C17E649EE1A9}"/>
                 </a:ext>
               </a:extLst>
             </p:cNvPr>
@@ -20078,7 +20077,7 @@
             <p:cNvPr id="23" name="Textfeld 22">
               <a:extLst>
                 <a:ext uri="{FF2B5EF4-FFF2-40B4-BE49-F238E27FC236}">
-                  <a16:creationId xmlns="" xmlns:a16="http://schemas.microsoft.com/office/drawing/2014/main" id="{0DF05AE7-97F5-4E02-9206-C6B40B968DFA}"/>
+                  <a16:creationId xmlns:a16="http://schemas.microsoft.com/office/drawing/2014/main" xmlns="" id="{0DF05AE7-97F5-4E02-9206-C6B40B968DFA}"/>
                 </a:ext>
               </a:extLst>
             </p:cNvPr>
@@ -20130,7 +20129,7 @@
             <p:cNvPr id="24" name="Eingekerbter Richtungspfeil 23">
               <a:extLst>
                 <a:ext uri="{FF2B5EF4-FFF2-40B4-BE49-F238E27FC236}">
-                  <a16:creationId xmlns="" xmlns:a16="http://schemas.microsoft.com/office/drawing/2014/main" id="{C358C398-D0F2-4ECA-8BF9-29E733DFE60D}"/>
+                  <a16:creationId xmlns:a16="http://schemas.microsoft.com/office/drawing/2014/main" xmlns="" id="{C358C398-D0F2-4ECA-8BF9-29E733DFE60D}"/>
                 </a:ext>
               </a:extLst>
             </p:cNvPr>
@@ -20178,7 +20177,7 @@
             <p:cNvPr id="25" name="Eingekerbter Richtungspfeil 24">
               <a:extLst>
                 <a:ext uri="{FF2B5EF4-FFF2-40B4-BE49-F238E27FC236}">
-                  <a16:creationId xmlns="" xmlns:a16="http://schemas.microsoft.com/office/drawing/2014/main" id="{3FEDA7B1-0BEF-47B2-90E9-8E698F727222}"/>
+                  <a16:creationId xmlns:a16="http://schemas.microsoft.com/office/drawing/2014/main" xmlns="" id="{3FEDA7B1-0BEF-47B2-90E9-8E698F727222}"/>
                 </a:ext>
               </a:extLst>
             </p:cNvPr>
@@ -20226,7 +20225,7 @@
             <p:cNvPr id="26" name="Eingekerbter Richtungspfeil 25">
               <a:extLst>
                 <a:ext uri="{FF2B5EF4-FFF2-40B4-BE49-F238E27FC236}">
-                  <a16:creationId xmlns="" xmlns:a16="http://schemas.microsoft.com/office/drawing/2014/main" id="{2EBD9B49-A90C-436A-BBEF-D89DD2237ECF}"/>
+                  <a16:creationId xmlns:a16="http://schemas.microsoft.com/office/drawing/2014/main" xmlns="" id="{2EBD9B49-A90C-436A-BBEF-D89DD2237ECF}"/>
                 </a:ext>
               </a:extLst>
             </p:cNvPr>
@@ -20274,7 +20273,7 @@
             <p:cNvPr id="27" name="Gerade Verbindung 28">
               <a:extLst>
                 <a:ext uri="{FF2B5EF4-FFF2-40B4-BE49-F238E27FC236}">
-                  <a16:creationId xmlns="" xmlns:a16="http://schemas.microsoft.com/office/drawing/2014/main" id="{F1621AAB-A494-467F-9704-6039B7079C13}"/>
+                  <a16:creationId xmlns:a16="http://schemas.microsoft.com/office/drawing/2014/main" xmlns="" id="{F1621AAB-A494-467F-9704-6039B7079C13}"/>
                 </a:ext>
               </a:extLst>
             </p:cNvPr>

--- a/presentations/state-of-the-art.pptx
+++ b/presentations/state-of-the-art.pptx
@@ -2512,91 +2512,94 @@
           <a:p>
             <a:pPr lvl="1"/>
             <a:r>
-              <a:rPr lang="de-DE" noProof="0" dirty="0" smtClean="0"/>
+              <a:rPr lang="de-DE" noProof="0" dirty="0"/>
               <a:t>Simulatoren können schon vieles</a:t>
             </a:r>
           </a:p>
           <a:p>
             <a:pPr lvl="1"/>
-            <a:endParaRPr lang="de-DE" noProof="0" dirty="0" smtClean="0"/>
+            <a:endParaRPr lang="de-DE" noProof="0" dirty="0"/>
           </a:p>
           <a:p>
             <a:pPr lvl="1"/>
             <a:r>
-              <a:rPr lang="de-DE" noProof="0" dirty="0" err="1" smtClean="0"/>
+              <a:rPr lang="de-DE" noProof="0" dirty="0" err="1"/>
               <a:t>Monarc</a:t>
             </a:r>
             <a:r>
-              <a:rPr lang="de-DE" baseline="0" noProof="0" dirty="0" smtClean="0"/>
+              <a:rPr lang="de-DE" baseline="0" noProof="0" dirty="0"/>
               <a:t> mit 3000 CPU</a:t>
             </a:r>
           </a:p>
           <a:p>
             <a:pPr lvl="1"/>
             <a:r>
-              <a:rPr lang="de-DE" baseline="0" noProof="0" dirty="0" smtClean="0"/>
+              <a:rPr lang="de-DE" baseline="0" noProof="0" dirty="0"/>
               <a:t>Alle anderen Case Studies bis Größe 100</a:t>
             </a:r>
           </a:p>
           <a:p>
             <a:pPr lvl="1"/>
             <a:r>
-              <a:rPr lang="de-DE" baseline="0" noProof="0" dirty="0" smtClean="0"/>
+              <a:rPr lang="de-DE" baseline="0" noProof="0" dirty="0"/>
               <a:t>unsere 72.000 </a:t>
             </a:r>
           </a:p>
           <a:p>
             <a:pPr lvl="1"/>
-            <a:endParaRPr lang="de-DE" baseline="0" noProof="0" dirty="0" smtClean="0"/>
+            <a:endParaRPr lang="de-DE" baseline="0" noProof="0" dirty="0"/>
           </a:p>
           <a:p>
             <a:pPr lvl="1"/>
             <a:r>
-              <a:rPr lang="de-DE" baseline="0" noProof="0" dirty="0" smtClean="0"/>
+              <a:rPr lang="de-DE" baseline="0" noProof="0" dirty="0"/>
               <a:t>Datenlokalität können sowohl </a:t>
             </a:r>
             <a:r>
-              <a:rPr lang="de-DE" baseline="0" noProof="0" dirty="0" err="1" smtClean="0"/>
+              <a:rPr lang="de-DE" baseline="0" noProof="0" dirty="0" err="1"/>
               <a:t>SimGrid</a:t>
             </a:r>
             <a:r>
-              <a:rPr lang="de-DE" baseline="0" noProof="0" dirty="0" smtClean="0"/>
+              <a:rPr lang="de-DE" baseline="0" noProof="0" dirty="0"/>
               <a:t> und Palladio nicht, brauchen wir nicht für die ersten Arbeiten:</a:t>
             </a:r>
           </a:p>
           <a:p>
             <a:pPr lvl="1"/>
-            <a:endParaRPr lang="de-DE" baseline="0" noProof="0" dirty="0" smtClean="0"/>
+            <a:endParaRPr lang="de-DE" baseline="0" noProof="0" dirty="0"/>
           </a:p>
           <a:p>
             <a:pPr lvl="1"/>
             <a:r>
-              <a:rPr lang="de-DE" baseline="0" noProof="0" dirty="0" smtClean="0"/>
+              <a:rPr lang="de-DE" baseline="0" noProof="0" dirty="0"/>
               <a:t>Future </a:t>
             </a:r>
             <a:r>
-              <a:rPr lang="de-DE" baseline="0" noProof="0" dirty="0" err="1" smtClean="0"/>
+              <a:rPr lang="de-DE" baseline="0" noProof="0" dirty="0" err="1"/>
               <a:t>work</a:t>
             </a:r>
             <a:r>
-              <a:rPr lang="de-DE" baseline="0" noProof="0" dirty="0" smtClean="0"/>
-              <a:t>: Datenreplikation optimieren, beim </a:t>
-            </a:r>
-            <a:r>
-              <a:rPr lang="de-DE" baseline="0" noProof="0" dirty="0" err="1" smtClean="0"/>
-              <a:t>Scheduling</a:t>
-            </a:r>
-            <a:r>
-              <a:rPr lang="de-DE" baseline="0" noProof="0" dirty="0" smtClean="0"/>
-              <a:t> helfen wohin konkret </a:t>
-            </a:r>
-            <a:r>
-              <a:rPr lang="de-DE" baseline="0" noProof="0" dirty="0" err="1" smtClean="0"/>
+              <a:rPr lang="de-DE" baseline="0" noProof="0" dirty="0"/>
+              <a:t>: Datenreplikation optimieren, beim Scheduling helfen wohin konkret </a:t>
+            </a:r>
+            <a:r>
+              <a:rPr lang="de-DE" baseline="0" noProof="0" dirty="0" err="1"/>
               <a:t>submitten</a:t>
             </a:r>
             <a:r>
-              <a:rPr lang="de-DE" baseline="0" noProof="0" dirty="0" smtClean="0"/>
+              <a:rPr lang="de-DE" baseline="0" noProof="0" dirty="0"/>
               <a:t>: Site A oder Site B</a:t>
+            </a:r>
+          </a:p>
+          <a:p>
+            <a:pPr lvl="1"/>
+            <a:endParaRPr lang="de-DE" baseline="0" noProof="0" dirty="0"/>
+          </a:p>
+          <a:p>
+            <a:pPr lvl="1"/>
+            <a:r>
+              <a:rPr lang="de-DE" baseline="0" noProof="0" dirty="0"/>
+              <a:t>&lt;18min</a:t>
             </a:r>
             <a:endParaRPr lang="de-DE" noProof="0" dirty="0"/>
           </a:p>
@@ -4062,6 +4065,17 @@
               <a:rPr lang="de-DE" baseline="0" noProof="0" dirty="0"/>
               <a:t> was gutes Verhältnis ist</a:t>
             </a:r>
+          </a:p>
+          <a:p>
+            <a:pPr lvl="1"/>
+            <a:endParaRPr lang="de-DE" baseline="0" noProof="0" dirty="0"/>
+          </a:p>
+          <a:p>
+            <a:pPr lvl="1"/>
+            <a:r>
+              <a:rPr lang="de-DE" baseline="0" noProof="0" dirty="0"/>
+              <a:t>7min</a:t>
+            </a:r>
             <a:endParaRPr lang="de-DE" noProof="0" dirty="0"/>
           </a:p>
         </p:txBody>
@@ -4257,6 +4271,36 @@
               <a:rPr lang="de-DE" baseline="0" noProof="0" dirty="0"/>
               <a:t>Aber nie so großes System simuliert, Skalierbarkeit fraglich</a:t>
             </a:r>
+          </a:p>
+          <a:p>
+            <a:pPr lvl="1"/>
+            <a:endParaRPr lang="de-DE" baseline="0" noProof="0" dirty="0"/>
+          </a:p>
+          <a:p>
+            <a:pPr marL="457200" marR="0" lvl="1" indent="0" algn="l" defTabSz="914400" rtl="0" eaLnBrk="0" fontAlgn="base" latinLnBrk="0" hangingPunct="0">
+              <a:lnSpc>
+                <a:spcPct val="100000"/>
+              </a:lnSpc>
+              <a:spcBef>
+                <a:spcPct val="30000"/>
+              </a:spcBef>
+              <a:spcAft>
+                <a:spcPct val="0"/>
+              </a:spcAft>
+              <a:buClrTx/>
+              <a:buSzTx/>
+              <a:buFontTx/>
+              <a:buNone/>
+              <a:tabLst/>
+              <a:defRPr/>
+            </a:pPr>
+            <a:r>
+              <a:rPr lang="de-DE" baseline="0" noProof="0" dirty="0"/>
+              <a:t>9min</a:t>
+            </a:r>
+          </a:p>
+          <a:p>
+            <a:pPr lvl="1"/>
             <a:endParaRPr lang="de-DE" noProof="0" dirty="0"/>
           </a:p>
         </p:txBody>
@@ -5378,6 +5422,18 @@
               <a:rPr lang="de-DE" baseline="0" noProof="0" dirty="0"/>
               <a:t> vermuten wir dass Palladio skaliert, da in diesem Projekt für Cloud bereitgemacht wird</a:t>
             </a:r>
+          </a:p>
+          <a:p>
+            <a:pPr lvl="1"/>
+            <a:endParaRPr lang="de-DE" baseline="0" noProof="0" dirty="0"/>
+          </a:p>
+          <a:p>
+            <a:pPr lvl="1"/>
+            <a:r>
+              <a:rPr lang="de-DE" baseline="0" noProof="0"/>
+              <a:t>&lt;16min</a:t>
+            </a:r>
+            <a:endParaRPr lang="de-DE" baseline="0" noProof="0" dirty="0"/>
           </a:p>
           <a:p>
             <a:pPr lvl="1"/>
@@ -8844,7 +8900,7 @@
           <p:cNvPr id="19" name="Gruppieren 21">
             <a:extLst>
               <a:ext uri="{FF2B5EF4-FFF2-40B4-BE49-F238E27FC236}">
-                <a16:creationId xmlns:a16="http://schemas.microsoft.com/office/drawing/2014/main" xmlns="" id="{BCC0948F-C1E3-4907-854B-A0721D1FDACC}"/>
+                <a16:creationId xmlns:a16="http://schemas.microsoft.com/office/drawing/2014/main" id="{BCC0948F-C1E3-4907-854B-A0721D1FDACC}"/>
               </a:ext>
             </a:extLst>
           </p:cNvPr>
@@ -8864,7 +8920,7 @@
             <p:cNvPr id="20" name="Textfeld 13">
               <a:extLst>
                 <a:ext uri="{FF2B5EF4-FFF2-40B4-BE49-F238E27FC236}">
-                  <a16:creationId xmlns:a16="http://schemas.microsoft.com/office/drawing/2014/main" xmlns="" id="{425AEF1D-6595-4E36-A5D4-5F32C0012763}"/>
+                  <a16:creationId xmlns:a16="http://schemas.microsoft.com/office/drawing/2014/main" id="{425AEF1D-6595-4E36-A5D4-5F32C0012763}"/>
                 </a:ext>
               </a:extLst>
             </p:cNvPr>
@@ -8916,7 +8972,7 @@
             <p:cNvPr id="21" name="Textfeld 20">
               <a:extLst>
                 <a:ext uri="{FF2B5EF4-FFF2-40B4-BE49-F238E27FC236}">
-                  <a16:creationId xmlns:a16="http://schemas.microsoft.com/office/drawing/2014/main" xmlns="" id="{82ABF473-AD17-4ED8-AB87-CC275185AE43}"/>
+                  <a16:creationId xmlns:a16="http://schemas.microsoft.com/office/drawing/2014/main" id="{82ABF473-AD17-4ED8-AB87-CC275185AE43}"/>
                 </a:ext>
               </a:extLst>
             </p:cNvPr>
@@ -8968,7 +9024,7 @@
             <p:cNvPr id="22" name="Textfeld 21">
               <a:extLst>
                 <a:ext uri="{FF2B5EF4-FFF2-40B4-BE49-F238E27FC236}">
-                  <a16:creationId xmlns:a16="http://schemas.microsoft.com/office/drawing/2014/main" xmlns="" id="{3841D7B1-EF8D-476C-85AC-C17E649EE1A9}"/>
+                  <a16:creationId xmlns:a16="http://schemas.microsoft.com/office/drawing/2014/main" id="{3841D7B1-EF8D-476C-85AC-C17E649EE1A9}"/>
                 </a:ext>
               </a:extLst>
             </p:cNvPr>
@@ -9020,7 +9076,7 @@
             <p:cNvPr id="23" name="Textfeld 22">
               <a:extLst>
                 <a:ext uri="{FF2B5EF4-FFF2-40B4-BE49-F238E27FC236}">
-                  <a16:creationId xmlns:a16="http://schemas.microsoft.com/office/drawing/2014/main" xmlns="" id="{0DF05AE7-97F5-4E02-9206-C6B40B968DFA}"/>
+                  <a16:creationId xmlns:a16="http://schemas.microsoft.com/office/drawing/2014/main" id="{0DF05AE7-97F5-4E02-9206-C6B40B968DFA}"/>
                 </a:ext>
               </a:extLst>
             </p:cNvPr>
@@ -9072,7 +9128,7 @@
             <p:cNvPr id="24" name="Eingekerbter Richtungspfeil 23">
               <a:extLst>
                 <a:ext uri="{FF2B5EF4-FFF2-40B4-BE49-F238E27FC236}">
-                  <a16:creationId xmlns:a16="http://schemas.microsoft.com/office/drawing/2014/main" xmlns="" id="{C358C398-D0F2-4ECA-8BF9-29E733DFE60D}"/>
+                  <a16:creationId xmlns:a16="http://schemas.microsoft.com/office/drawing/2014/main" id="{C358C398-D0F2-4ECA-8BF9-29E733DFE60D}"/>
                 </a:ext>
               </a:extLst>
             </p:cNvPr>
@@ -9120,7 +9176,7 @@
             <p:cNvPr id="25" name="Eingekerbter Richtungspfeil 24">
               <a:extLst>
                 <a:ext uri="{FF2B5EF4-FFF2-40B4-BE49-F238E27FC236}">
-                  <a16:creationId xmlns:a16="http://schemas.microsoft.com/office/drawing/2014/main" xmlns="" id="{3FEDA7B1-0BEF-47B2-90E9-8E698F727222}"/>
+                  <a16:creationId xmlns:a16="http://schemas.microsoft.com/office/drawing/2014/main" id="{3FEDA7B1-0BEF-47B2-90E9-8E698F727222}"/>
                 </a:ext>
               </a:extLst>
             </p:cNvPr>
@@ -9168,7 +9224,7 @@
             <p:cNvPr id="26" name="Eingekerbter Richtungspfeil 25">
               <a:extLst>
                 <a:ext uri="{FF2B5EF4-FFF2-40B4-BE49-F238E27FC236}">
-                  <a16:creationId xmlns:a16="http://schemas.microsoft.com/office/drawing/2014/main" xmlns="" id="{2EBD9B49-A90C-436A-BBEF-D89DD2237ECF}"/>
+                  <a16:creationId xmlns:a16="http://schemas.microsoft.com/office/drawing/2014/main" id="{2EBD9B49-A90C-436A-BBEF-D89DD2237ECF}"/>
                 </a:ext>
               </a:extLst>
             </p:cNvPr>
@@ -9216,7 +9272,7 @@
             <p:cNvPr id="27" name="Gerade Verbindung 28">
               <a:extLst>
                 <a:ext uri="{FF2B5EF4-FFF2-40B4-BE49-F238E27FC236}">
-                  <a16:creationId xmlns:a16="http://schemas.microsoft.com/office/drawing/2014/main" xmlns="" id="{F1621AAB-A494-467F-9704-6039B7079C13}"/>
+                  <a16:creationId xmlns:a16="http://schemas.microsoft.com/office/drawing/2014/main" id="{F1621AAB-A494-467F-9704-6039B7079C13}"/>
                 </a:ext>
               </a:extLst>
             </p:cNvPr>
@@ -9347,7 +9403,7 @@
           <p:cNvPr id="5" name="Gruppieren 21">
             <a:extLst>
               <a:ext uri="{FF2B5EF4-FFF2-40B4-BE49-F238E27FC236}">
-                <a16:creationId xmlns:a16="http://schemas.microsoft.com/office/drawing/2014/main" xmlns="" id="{BCC0948F-C1E3-4907-854B-A0721D1FDACC}"/>
+                <a16:creationId xmlns:a16="http://schemas.microsoft.com/office/drawing/2014/main" id="{BCC0948F-C1E3-4907-854B-A0721D1FDACC}"/>
               </a:ext>
             </a:extLst>
           </p:cNvPr>
@@ -9367,7 +9423,7 @@
             <p:cNvPr id="6" name="Textfeld 13">
               <a:extLst>
                 <a:ext uri="{FF2B5EF4-FFF2-40B4-BE49-F238E27FC236}">
-                  <a16:creationId xmlns:a16="http://schemas.microsoft.com/office/drawing/2014/main" xmlns="" id="{425AEF1D-6595-4E36-A5D4-5F32C0012763}"/>
+                  <a16:creationId xmlns:a16="http://schemas.microsoft.com/office/drawing/2014/main" id="{425AEF1D-6595-4E36-A5D4-5F32C0012763}"/>
                 </a:ext>
               </a:extLst>
             </p:cNvPr>
@@ -9419,7 +9475,7 @@
             <p:cNvPr id="7" name="Textfeld 6">
               <a:extLst>
                 <a:ext uri="{FF2B5EF4-FFF2-40B4-BE49-F238E27FC236}">
-                  <a16:creationId xmlns:a16="http://schemas.microsoft.com/office/drawing/2014/main" xmlns="" id="{82ABF473-AD17-4ED8-AB87-CC275185AE43}"/>
+                  <a16:creationId xmlns:a16="http://schemas.microsoft.com/office/drawing/2014/main" id="{82ABF473-AD17-4ED8-AB87-CC275185AE43}"/>
                 </a:ext>
               </a:extLst>
             </p:cNvPr>
@@ -9471,7 +9527,7 @@
             <p:cNvPr id="8" name="Textfeld 7">
               <a:extLst>
                 <a:ext uri="{FF2B5EF4-FFF2-40B4-BE49-F238E27FC236}">
-                  <a16:creationId xmlns:a16="http://schemas.microsoft.com/office/drawing/2014/main" xmlns="" id="{3841D7B1-EF8D-476C-85AC-C17E649EE1A9}"/>
+                  <a16:creationId xmlns:a16="http://schemas.microsoft.com/office/drawing/2014/main" id="{3841D7B1-EF8D-476C-85AC-C17E649EE1A9}"/>
                 </a:ext>
               </a:extLst>
             </p:cNvPr>
@@ -9523,7 +9579,7 @@
             <p:cNvPr id="9" name="Textfeld 8">
               <a:extLst>
                 <a:ext uri="{FF2B5EF4-FFF2-40B4-BE49-F238E27FC236}">
-                  <a16:creationId xmlns:a16="http://schemas.microsoft.com/office/drawing/2014/main" xmlns="" id="{0DF05AE7-97F5-4E02-9206-C6B40B968DFA}"/>
+                  <a16:creationId xmlns:a16="http://schemas.microsoft.com/office/drawing/2014/main" id="{0DF05AE7-97F5-4E02-9206-C6B40B968DFA}"/>
                 </a:ext>
               </a:extLst>
             </p:cNvPr>
@@ -9575,7 +9631,7 @@
             <p:cNvPr id="10" name="Eingekerbter Richtungspfeil 9">
               <a:extLst>
                 <a:ext uri="{FF2B5EF4-FFF2-40B4-BE49-F238E27FC236}">
-                  <a16:creationId xmlns:a16="http://schemas.microsoft.com/office/drawing/2014/main" xmlns="" id="{C358C398-D0F2-4ECA-8BF9-29E733DFE60D}"/>
+                  <a16:creationId xmlns:a16="http://schemas.microsoft.com/office/drawing/2014/main" id="{C358C398-D0F2-4ECA-8BF9-29E733DFE60D}"/>
                 </a:ext>
               </a:extLst>
             </p:cNvPr>
@@ -9623,7 +9679,7 @@
             <p:cNvPr id="11" name="Eingekerbter Richtungspfeil 10">
               <a:extLst>
                 <a:ext uri="{FF2B5EF4-FFF2-40B4-BE49-F238E27FC236}">
-                  <a16:creationId xmlns:a16="http://schemas.microsoft.com/office/drawing/2014/main" xmlns="" id="{3FEDA7B1-0BEF-47B2-90E9-8E698F727222}"/>
+                  <a16:creationId xmlns:a16="http://schemas.microsoft.com/office/drawing/2014/main" id="{3FEDA7B1-0BEF-47B2-90E9-8E698F727222}"/>
                 </a:ext>
               </a:extLst>
             </p:cNvPr>
@@ -9671,7 +9727,7 @@
             <p:cNvPr id="12" name="Eingekerbter Richtungspfeil 11">
               <a:extLst>
                 <a:ext uri="{FF2B5EF4-FFF2-40B4-BE49-F238E27FC236}">
-                  <a16:creationId xmlns:a16="http://schemas.microsoft.com/office/drawing/2014/main" xmlns="" id="{2EBD9B49-A90C-436A-BBEF-D89DD2237ECF}"/>
+                  <a16:creationId xmlns:a16="http://schemas.microsoft.com/office/drawing/2014/main" id="{2EBD9B49-A90C-436A-BBEF-D89DD2237ECF}"/>
                 </a:ext>
               </a:extLst>
             </p:cNvPr>
@@ -9719,7 +9775,7 @@
             <p:cNvPr id="13" name="Gerade Verbindung 28">
               <a:extLst>
                 <a:ext uri="{FF2B5EF4-FFF2-40B4-BE49-F238E27FC236}">
-                  <a16:creationId xmlns:a16="http://schemas.microsoft.com/office/drawing/2014/main" xmlns="" id="{F1621AAB-A494-467F-9704-6039B7079C13}"/>
+                  <a16:creationId xmlns:a16="http://schemas.microsoft.com/office/drawing/2014/main" id="{F1621AAB-A494-467F-9704-6039B7079C13}"/>
                 </a:ext>
               </a:extLst>
             </p:cNvPr>
@@ -9877,7 +9933,7 @@
           <p:cNvPr id="5" name="Gruppieren 21">
             <a:extLst>
               <a:ext uri="{FF2B5EF4-FFF2-40B4-BE49-F238E27FC236}">
-                <a16:creationId xmlns:a16="http://schemas.microsoft.com/office/drawing/2014/main" xmlns="" id="{BCC0948F-C1E3-4907-854B-A0721D1FDACC}"/>
+                <a16:creationId xmlns:a16="http://schemas.microsoft.com/office/drawing/2014/main" id="{BCC0948F-C1E3-4907-854B-A0721D1FDACC}"/>
               </a:ext>
             </a:extLst>
           </p:cNvPr>
@@ -9897,7 +9953,7 @@
             <p:cNvPr id="6" name="Textfeld 13">
               <a:extLst>
                 <a:ext uri="{FF2B5EF4-FFF2-40B4-BE49-F238E27FC236}">
-                  <a16:creationId xmlns:a16="http://schemas.microsoft.com/office/drawing/2014/main" xmlns="" id="{425AEF1D-6595-4E36-A5D4-5F32C0012763}"/>
+                  <a16:creationId xmlns:a16="http://schemas.microsoft.com/office/drawing/2014/main" id="{425AEF1D-6595-4E36-A5D4-5F32C0012763}"/>
                 </a:ext>
               </a:extLst>
             </p:cNvPr>
@@ -9949,7 +10005,7 @@
             <p:cNvPr id="7" name="Textfeld 6">
               <a:extLst>
                 <a:ext uri="{FF2B5EF4-FFF2-40B4-BE49-F238E27FC236}">
-                  <a16:creationId xmlns:a16="http://schemas.microsoft.com/office/drawing/2014/main" xmlns="" id="{82ABF473-AD17-4ED8-AB87-CC275185AE43}"/>
+                  <a16:creationId xmlns:a16="http://schemas.microsoft.com/office/drawing/2014/main" id="{82ABF473-AD17-4ED8-AB87-CC275185AE43}"/>
                 </a:ext>
               </a:extLst>
             </p:cNvPr>
@@ -10001,7 +10057,7 @@
             <p:cNvPr id="8" name="Textfeld 7">
               <a:extLst>
                 <a:ext uri="{FF2B5EF4-FFF2-40B4-BE49-F238E27FC236}">
-                  <a16:creationId xmlns:a16="http://schemas.microsoft.com/office/drawing/2014/main" xmlns="" id="{3841D7B1-EF8D-476C-85AC-C17E649EE1A9}"/>
+                  <a16:creationId xmlns:a16="http://schemas.microsoft.com/office/drawing/2014/main" id="{3841D7B1-EF8D-476C-85AC-C17E649EE1A9}"/>
                 </a:ext>
               </a:extLst>
             </p:cNvPr>
@@ -10053,7 +10109,7 @@
             <p:cNvPr id="9" name="Textfeld 8">
               <a:extLst>
                 <a:ext uri="{FF2B5EF4-FFF2-40B4-BE49-F238E27FC236}">
-                  <a16:creationId xmlns:a16="http://schemas.microsoft.com/office/drawing/2014/main" xmlns="" id="{0DF05AE7-97F5-4E02-9206-C6B40B968DFA}"/>
+                  <a16:creationId xmlns:a16="http://schemas.microsoft.com/office/drawing/2014/main" id="{0DF05AE7-97F5-4E02-9206-C6B40B968DFA}"/>
                 </a:ext>
               </a:extLst>
             </p:cNvPr>
@@ -10105,7 +10161,7 @@
             <p:cNvPr id="10" name="Eingekerbter Richtungspfeil 9">
               <a:extLst>
                 <a:ext uri="{FF2B5EF4-FFF2-40B4-BE49-F238E27FC236}">
-                  <a16:creationId xmlns:a16="http://schemas.microsoft.com/office/drawing/2014/main" xmlns="" id="{C358C398-D0F2-4ECA-8BF9-29E733DFE60D}"/>
+                  <a16:creationId xmlns:a16="http://schemas.microsoft.com/office/drawing/2014/main" id="{C358C398-D0F2-4ECA-8BF9-29E733DFE60D}"/>
                 </a:ext>
               </a:extLst>
             </p:cNvPr>
@@ -10153,7 +10209,7 @@
             <p:cNvPr id="11" name="Eingekerbter Richtungspfeil 10">
               <a:extLst>
                 <a:ext uri="{FF2B5EF4-FFF2-40B4-BE49-F238E27FC236}">
-                  <a16:creationId xmlns:a16="http://schemas.microsoft.com/office/drawing/2014/main" xmlns="" id="{3FEDA7B1-0BEF-47B2-90E9-8E698F727222}"/>
+                  <a16:creationId xmlns:a16="http://schemas.microsoft.com/office/drawing/2014/main" id="{3FEDA7B1-0BEF-47B2-90E9-8E698F727222}"/>
                 </a:ext>
               </a:extLst>
             </p:cNvPr>
@@ -10201,7 +10257,7 @@
             <p:cNvPr id="12" name="Eingekerbter Richtungspfeil 11">
               <a:extLst>
                 <a:ext uri="{FF2B5EF4-FFF2-40B4-BE49-F238E27FC236}">
-                  <a16:creationId xmlns:a16="http://schemas.microsoft.com/office/drawing/2014/main" xmlns="" id="{2EBD9B49-A90C-436A-BBEF-D89DD2237ECF}"/>
+                  <a16:creationId xmlns:a16="http://schemas.microsoft.com/office/drawing/2014/main" id="{2EBD9B49-A90C-436A-BBEF-D89DD2237ECF}"/>
                 </a:ext>
               </a:extLst>
             </p:cNvPr>
@@ -10249,7 +10305,7 @@
             <p:cNvPr id="13" name="Gerade Verbindung 28">
               <a:extLst>
                 <a:ext uri="{FF2B5EF4-FFF2-40B4-BE49-F238E27FC236}">
-                  <a16:creationId xmlns:a16="http://schemas.microsoft.com/office/drawing/2014/main" xmlns="" id="{F1621AAB-A494-467F-9704-6039B7079C13}"/>
+                  <a16:creationId xmlns:a16="http://schemas.microsoft.com/office/drawing/2014/main" id="{F1621AAB-A494-467F-9704-6039B7079C13}"/>
                 </a:ext>
               </a:extLst>
             </p:cNvPr>
@@ -10320,7 +10376,7 @@
           <p:cNvPr id="2" name="Rechteck 1">
             <a:extLst>
               <a:ext uri="{FF2B5EF4-FFF2-40B4-BE49-F238E27FC236}">
-                <a16:creationId xmlns:a16="http://schemas.microsoft.com/office/drawing/2014/main" xmlns="" id="{EE359C10-9D90-4381-A7F8-04F077B098A4}"/>
+                <a16:creationId xmlns:a16="http://schemas.microsoft.com/office/drawing/2014/main" id="{EE359C10-9D90-4381-A7F8-04F077B098A4}"/>
               </a:ext>
             </a:extLst>
           </p:cNvPr>
@@ -10461,7 +10517,7 @@
           <p:cNvPr id="5" name="Gruppieren 21">
             <a:extLst>
               <a:ext uri="{FF2B5EF4-FFF2-40B4-BE49-F238E27FC236}">
-                <a16:creationId xmlns:a16="http://schemas.microsoft.com/office/drawing/2014/main" xmlns="" id="{BCC0948F-C1E3-4907-854B-A0721D1FDACC}"/>
+                <a16:creationId xmlns:a16="http://schemas.microsoft.com/office/drawing/2014/main" id="{BCC0948F-C1E3-4907-854B-A0721D1FDACC}"/>
               </a:ext>
             </a:extLst>
           </p:cNvPr>
@@ -10481,7 +10537,7 @@
             <p:cNvPr id="6" name="Textfeld 13">
               <a:extLst>
                 <a:ext uri="{FF2B5EF4-FFF2-40B4-BE49-F238E27FC236}">
-                  <a16:creationId xmlns:a16="http://schemas.microsoft.com/office/drawing/2014/main" xmlns="" id="{425AEF1D-6595-4E36-A5D4-5F32C0012763}"/>
+                  <a16:creationId xmlns:a16="http://schemas.microsoft.com/office/drawing/2014/main" id="{425AEF1D-6595-4E36-A5D4-5F32C0012763}"/>
                 </a:ext>
               </a:extLst>
             </p:cNvPr>
@@ -10533,7 +10589,7 @@
             <p:cNvPr id="7" name="Textfeld 6">
               <a:extLst>
                 <a:ext uri="{FF2B5EF4-FFF2-40B4-BE49-F238E27FC236}">
-                  <a16:creationId xmlns:a16="http://schemas.microsoft.com/office/drawing/2014/main" xmlns="" id="{82ABF473-AD17-4ED8-AB87-CC275185AE43}"/>
+                  <a16:creationId xmlns:a16="http://schemas.microsoft.com/office/drawing/2014/main" id="{82ABF473-AD17-4ED8-AB87-CC275185AE43}"/>
                 </a:ext>
               </a:extLst>
             </p:cNvPr>
@@ -10585,7 +10641,7 @@
             <p:cNvPr id="8" name="Textfeld 7">
               <a:extLst>
                 <a:ext uri="{FF2B5EF4-FFF2-40B4-BE49-F238E27FC236}">
-                  <a16:creationId xmlns:a16="http://schemas.microsoft.com/office/drawing/2014/main" xmlns="" id="{3841D7B1-EF8D-476C-85AC-C17E649EE1A9}"/>
+                  <a16:creationId xmlns:a16="http://schemas.microsoft.com/office/drawing/2014/main" id="{3841D7B1-EF8D-476C-85AC-C17E649EE1A9}"/>
                 </a:ext>
               </a:extLst>
             </p:cNvPr>
@@ -10637,7 +10693,7 @@
             <p:cNvPr id="9" name="Textfeld 8">
               <a:extLst>
                 <a:ext uri="{FF2B5EF4-FFF2-40B4-BE49-F238E27FC236}">
-                  <a16:creationId xmlns:a16="http://schemas.microsoft.com/office/drawing/2014/main" xmlns="" id="{0DF05AE7-97F5-4E02-9206-C6B40B968DFA}"/>
+                  <a16:creationId xmlns:a16="http://schemas.microsoft.com/office/drawing/2014/main" id="{0DF05AE7-97F5-4E02-9206-C6B40B968DFA}"/>
                 </a:ext>
               </a:extLst>
             </p:cNvPr>
@@ -10689,7 +10745,7 @@
             <p:cNvPr id="10" name="Eingekerbter Richtungspfeil 9">
               <a:extLst>
                 <a:ext uri="{FF2B5EF4-FFF2-40B4-BE49-F238E27FC236}">
-                  <a16:creationId xmlns:a16="http://schemas.microsoft.com/office/drawing/2014/main" xmlns="" id="{C358C398-D0F2-4ECA-8BF9-29E733DFE60D}"/>
+                  <a16:creationId xmlns:a16="http://schemas.microsoft.com/office/drawing/2014/main" id="{C358C398-D0F2-4ECA-8BF9-29E733DFE60D}"/>
                 </a:ext>
               </a:extLst>
             </p:cNvPr>
@@ -10737,7 +10793,7 @@
             <p:cNvPr id="11" name="Eingekerbter Richtungspfeil 10">
               <a:extLst>
                 <a:ext uri="{FF2B5EF4-FFF2-40B4-BE49-F238E27FC236}">
-                  <a16:creationId xmlns:a16="http://schemas.microsoft.com/office/drawing/2014/main" xmlns="" id="{3FEDA7B1-0BEF-47B2-90E9-8E698F727222}"/>
+                  <a16:creationId xmlns:a16="http://schemas.microsoft.com/office/drawing/2014/main" id="{3FEDA7B1-0BEF-47B2-90E9-8E698F727222}"/>
                 </a:ext>
               </a:extLst>
             </p:cNvPr>
@@ -10785,7 +10841,7 @@
             <p:cNvPr id="12" name="Eingekerbter Richtungspfeil 11">
               <a:extLst>
                 <a:ext uri="{FF2B5EF4-FFF2-40B4-BE49-F238E27FC236}">
-                  <a16:creationId xmlns:a16="http://schemas.microsoft.com/office/drawing/2014/main" xmlns="" id="{2EBD9B49-A90C-436A-BBEF-D89DD2237ECF}"/>
+                  <a16:creationId xmlns:a16="http://schemas.microsoft.com/office/drawing/2014/main" id="{2EBD9B49-A90C-436A-BBEF-D89DD2237ECF}"/>
                 </a:ext>
               </a:extLst>
             </p:cNvPr>
@@ -10833,7 +10889,7 @@
             <p:cNvPr id="13" name="Gerade Verbindung 28">
               <a:extLst>
                 <a:ext uri="{FF2B5EF4-FFF2-40B4-BE49-F238E27FC236}">
-                  <a16:creationId xmlns:a16="http://schemas.microsoft.com/office/drawing/2014/main" xmlns="" id="{F1621AAB-A494-467F-9704-6039B7079C13}"/>
+                  <a16:creationId xmlns:a16="http://schemas.microsoft.com/office/drawing/2014/main" id="{F1621AAB-A494-467F-9704-6039B7079C13}"/>
                 </a:ext>
               </a:extLst>
             </p:cNvPr>
@@ -10901,7 +10957,7 @@
           <p:cNvPr id="14" name="Rechteck 13">
             <a:extLst>
               <a:ext uri="{FF2B5EF4-FFF2-40B4-BE49-F238E27FC236}">
-                <a16:creationId xmlns:a16="http://schemas.microsoft.com/office/drawing/2014/main" xmlns="" id="{F79826EC-20D0-4393-B5D8-4F55B87A2CFF}"/>
+                <a16:creationId xmlns:a16="http://schemas.microsoft.com/office/drawing/2014/main" id="{F79826EC-20D0-4393-B5D8-4F55B87A2CFF}"/>
               </a:ext>
             </a:extLst>
           </p:cNvPr>
@@ -11042,7 +11098,7 @@
           <p:cNvPr id="5" name="Gruppieren 21">
             <a:extLst>
               <a:ext uri="{FF2B5EF4-FFF2-40B4-BE49-F238E27FC236}">
-                <a16:creationId xmlns:a16="http://schemas.microsoft.com/office/drawing/2014/main" xmlns="" id="{BCC0948F-C1E3-4907-854B-A0721D1FDACC}"/>
+                <a16:creationId xmlns:a16="http://schemas.microsoft.com/office/drawing/2014/main" id="{BCC0948F-C1E3-4907-854B-A0721D1FDACC}"/>
               </a:ext>
             </a:extLst>
           </p:cNvPr>
@@ -11062,7 +11118,7 @@
             <p:cNvPr id="6" name="Textfeld 13">
               <a:extLst>
                 <a:ext uri="{FF2B5EF4-FFF2-40B4-BE49-F238E27FC236}">
-                  <a16:creationId xmlns:a16="http://schemas.microsoft.com/office/drawing/2014/main" xmlns="" id="{425AEF1D-6595-4E36-A5D4-5F32C0012763}"/>
+                  <a16:creationId xmlns:a16="http://schemas.microsoft.com/office/drawing/2014/main" id="{425AEF1D-6595-4E36-A5D4-5F32C0012763}"/>
                 </a:ext>
               </a:extLst>
             </p:cNvPr>
@@ -11114,7 +11170,7 @@
             <p:cNvPr id="7" name="Textfeld 6">
               <a:extLst>
                 <a:ext uri="{FF2B5EF4-FFF2-40B4-BE49-F238E27FC236}">
-                  <a16:creationId xmlns:a16="http://schemas.microsoft.com/office/drawing/2014/main" xmlns="" id="{82ABF473-AD17-4ED8-AB87-CC275185AE43}"/>
+                  <a16:creationId xmlns:a16="http://schemas.microsoft.com/office/drawing/2014/main" id="{82ABF473-AD17-4ED8-AB87-CC275185AE43}"/>
                 </a:ext>
               </a:extLst>
             </p:cNvPr>
@@ -11166,7 +11222,7 @@
             <p:cNvPr id="8" name="Textfeld 7">
               <a:extLst>
                 <a:ext uri="{FF2B5EF4-FFF2-40B4-BE49-F238E27FC236}">
-                  <a16:creationId xmlns:a16="http://schemas.microsoft.com/office/drawing/2014/main" xmlns="" id="{3841D7B1-EF8D-476C-85AC-C17E649EE1A9}"/>
+                  <a16:creationId xmlns:a16="http://schemas.microsoft.com/office/drawing/2014/main" id="{3841D7B1-EF8D-476C-85AC-C17E649EE1A9}"/>
                 </a:ext>
               </a:extLst>
             </p:cNvPr>
@@ -11218,7 +11274,7 @@
             <p:cNvPr id="9" name="Textfeld 8">
               <a:extLst>
                 <a:ext uri="{FF2B5EF4-FFF2-40B4-BE49-F238E27FC236}">
-                  <a16:creationId xmlns:a16="http://schemas.microsoft.com/office/drawing/2014/main" xmlns="" id="{0DF05AE7-97F5-4E02-9206-C6B40B968DFA}"/>
+                  <a16:creationId xmlns:a16="http://schemas.microsoft.com/office/drawing/2014/main" id="{0DF05AE7-97F5-4E02-9206-C6B40B968DFA}"/>
                 </a:ext>
               </a:extLst>
             </p:cNvPr>
@@ -11270,7 +11326,7 @@
             <p:cNvPr id="10" name="Eingekerbter Richtungspfeil 9">
               <a:extLst>
                 <a:ext uri="{FF2B5EF4-FFF2-40B4-BE49-F238E27FC236}">
-                  <a16:creationId xmlns:a16="http://schemas.microsoft.com/office/drawing/2014/main" xmlns="" id="{C358C398-D0F2-4ECA-8BF9-29E733DFE60D}"/>
+                  <a16:creationId xmlns:a16="http://schemas.microsoft.com/office/drawing/2014/main" id="{C358C398-D0F2-4ECA-8BF9-29E733DFE60D}"/>
                 </a:ext>
               </a:extLst>
             </p:cNvPr>
@@ -11318,7 +11374,7 @@
             <p:cNvPr id="11" name="Eingekerbter Richtungspfeil 10">
               <a:extLst>
                 <a:ext uri="{FF2B5EF4-FFF2-40B4-BE49-F238E27FC236}">
-                  <a16:creationId xmlns:a16="http://schemas.microsoft.com/office/drawing/2014/main" xmlns="" id="{3FEDA7B1-0BEF-47B2-90E9-8E698F727222}"/>
+                  <a16:creationId xmlns:a16="http://schemas.microsoft.com/office/drawing/2014/main" id="{3FEDA7B1-0BEF-47B2-90E9-8E698F727222}"/>
                 </a:ext>
               </a:extLst>
             </p:cNvPr>
@@ -11366,7 +11422,7 @@
             <p:cNvPr id="12" name="Eingekerbter Richtungspfeil 11">
               <a:extLst>
                 <a:ext uri="{FF2B5EF4-FFF2-40B4-BE49-F238E27FC236}">
-                  <a16:creationId xmlns:a16="http://schemas.microsoft.com/office/drawing/2014/main" xmlns="" id="{2EBD9B49-A90C-436A-BBEF-D89DD2237ECF}"/>
+                  <a16:creationId xmlns:a16="http://schemas.microsoft.com/office/drawing/2014/main" id="{2EBD9B49-A90C-436A-BBEF-D89DD2237ECF}"/>
                 </a:ext>
               </a:extLst>
             </p:cNvPr>
@@ -11414,7 +11470,7 @@
             <p:cNvPr id="13" name="Gerade Verbindung 28">
               <a:extLst>
                 <a:ext uri="{FF2B5EF4-FFF2-40B4-BE49-F238E27FC236}">
-                  <a16:creationId xmlns:a16="http://schemas.microsoft.com/office/drawing/2014/main" xmlns="" id="{F1621AAB-A494-467F-9704-6039B7079C13}"/>
+                  <a16:creationId xmlns:a16="http://schemas.microsoft.com/office/drawing/2014/main" id="{F1621AAB-A494-467F-9704-6039B7079C13}"/>
                 </a:ext>
               </a:extLst>
             </p:cNvPr>
@@ -11482,7 +11538,7 @@
           <p:cNvPr id="14" name="Rechteck 13">
             <a:extLst>
               <a:ext uri="{FF2B5EF4-FFF2-40B4-BE49-F238E27FC236}">
-                <a16:creationId xmlns:a16="http://schemas.microsoft.com/office/drawing/2014/main" xmlns="" id="{290AE785-4EFD-4BF1-B2A8-7986CC2B69F2}"/>
+                <a16:creationId xmlns:a16="http://schemas.microsoft.com/office/drawing/2014/main" id="{290AE785-4EFD-4BF1-B2A8-7986CC2B69F2}"/>
               </a:ext>
             </a:extLst>
           </p:cNvPr>
@@ -11625,7 +11681,7 @@
           <p:cNvPr id="5" name="Gruppieren 21">
             <a:extLst>
               <a:ext uri="{FF2B5EF4-FFF2-40B4-BE49-F238E27FC236}">
-                <a16:creationId xmlns:a16="http://schemas.microsoft.com/office/drawing/2014/main" xmlns="" id="{BCC0948F-C1E3-4907-854B-A0721D1FDACC}"/>
+                <a16:creationId xmlns:a16="http://schemas.microsoft.com/office/drawing/2014/main" id="{BCC0948F-C1E3-4907-854B-A0721D1FDACC}"/>
               </a:ext>
             </a:extLst>
           </p:cNvPr>
@@ -11645,7 +11701,7 @@
             <p:cNvPr id="6" name="Textfeld 13">
               <a:extLst>
                 <a:ext uri="{FF2B5EF4-FFF2-40B4-BE49-F238E27FC236}">
-                  <a16:creationId xmlns:a16="http://schemas.microsoft.com/office/drawing/2014/main" xmlns="" id="{425AEF1D-6595-4E36-A5D4-5F32C0012763}"/>
+                  <a16:creationId xmlns:a16="http://schemas.microsoft.com/office/drawing/2014/main" id="{425AEF1D-6595-4E36-A5D4-5F32C0012763}"/>
                 </a:ext>
               </a:extLst>
             </p:cNvPr>
@@ -11697,7 +11753,7 @@
             <p:cNvPr id="7" name="Textfeld 6">
               <a:extLst>
                 <a:ext uri="{FF2B5EF4-FFF2-40B4-BE49-F238E27FC236}">
-                  <a16:creationId xmlns:a16="http://schemas.microsoft.com/office/drawing/2014/main" xmlns="" id="{82ABF473-AD17-4ED8-AB87-CC275185AE43}"/>
+                  <a16:creationId xmlns:a16="http://schemas.microsoft.com/office/drawing/2014/main" id="{82ABF473-AD17-4ED8-AB87-CC275185AE43}"/>
                 </a:ext>
               </a:extLst>
             </p:cNvPr>
@@ -11749,7 +11805,7 @@
             <p:cNvPr id="8" name="Textfeld 7">
               <a:extLst>
                 <a:ext uri="{FF2B5EF4-FFF2-40B4-BE49-F238E27FC236}">
-                  <a16:creationId xmlns:a16="http://schemas.microsoft.com/office/drawing/2014/main" xmlns="" id="{3841D7B1-EF8D-476C-85AC-C17E649EE1A9}"/>
+                  <a16:creationId xmlns:a16="http://schemas.microsoft.com/office/drawing/2014/main" id="{3841D7B1-EF8D-476C-85AC-C17E649EE1A9}"/>
                 </a:ext>
               </a:extLst>
             </p:cNvPr>
@@ -11801,7 +11857,7 @@
             <p:cNvPr id="9" name="Textfeld 8">
               <a:extLst>
                 <a:ext uri="{FF2B5EF4-FFF2-40B4-BE49-F238E27FC236}">
-                  <a16:creationId xmlns:a16="http://schemas.microsoft.com/office/drawing/2014/main" xmlns="" id="{0DF05AE7-97F5-4E02-9206-C6B40B968DFA}"/>
+                  <a16:creationId xmlns:a16="http://schemas.microsoft.com/office/drawing/2014/main" id="{0DF05AE7-97F5-4E02-9206-C6B40B968DFA}"/>
                 </a:ext>
               </a:extLst>
             </p:cNvPr>
@@ -11853,7 +11909,7 @@
             <p:cNvPr id="10" name="Eingekerbter Richtungspfeil 9">
               <a:extLst>
                 <a:ext uri="{FF2B5EF4-FFF2-40B4-BE49-F238E27FC236}">
-                  <a16:creationId xmlns:a16="http://schemas.microsoft.com/office/drawing/2014/main" xmlns="" id="{C358C398-D0F2-4ECA-8BF9-29E733DFE60D}"/>
+                  <a16:creationId xmlns:a16="http://schemas.microsoft.com/office/drawing/2014/main" id="{C358C398-D0F2-4ECA-8BF9-29E733DFE60D}"/>
                 </a:ext>
               </a:extLst>
             </p:cNvPr>
@@ -11901,7 +11957,7 @@
             <p:cNvPr id="11" name="Eingekerbter Richtungspfeil 10">
               <a:extLst>
                 <a:ext uri="{FF2B5EF4-FFF2-40B4-BE49-F238E27FC236}">
-                  <a16:creationId xmlns:a16="http://schemas.microsoft.com/office/drawing/2014/main" xmlns="" id="{3FEDA7B1-0BEF-47B2-90E9-8E698F727222}"/>
+                  <a16:creationId xmlns:a16="http://schemas.microsoft.com/office/drawing/2014/main" id="{3FEDA7B1-0BEF-47B2-90E9-8E698F727222}"/>
                 </a:ext>
               </a:extLst>
             </p:cNvPr>
@@ -11949,7 +12005,7 @@
             <p:cNvPr id="12" name="Eingekerbter Richtungspfeil 11">
               <a:extLst>
                 <a:ext uri="{FF2B5EF4-FFF2-40B4-BE49-F238E27FC236}">
-                  <a16:creationId xmlns:a16="http://schemas.microsoft.com/office/drawing/2014/main" xmlns="" id="{2EBD9B49-A90C-436A-BBEF-D89DD2237ECF}"/>
+                  <a16:creationId xmlns:a16="http://schemas.microsoft.com/office/drawing/2014/main" id="{2EBD9B49-A90C-436A-BBEF-D89DD2237ECF}"/>
                 </a:ext>
               </a:extLst>
             </p:cNvPr>
@@ -11997,7 +12053,7 @@
             <p:cNvPr id="13" name="Gerade Verbindung 28">
               <a:extLst>
                 <a:ext uri="{FF2B5EF4-FFF2-40B4-BE49-F238E27FC236}">
-                  <a16:creationId xmlns:a16="http://schemas.microsoft.com/office/drawing/2014/main" xmlns="" id="{F1621AAB-A494-467F-9704-6039B7079C13}"/>
+                  <a16:creationId xmlns:a16="http://schemas.microsoft.com/office/drawing/2014/main" id="{F1621AAB-A494-467F-9704-6039B7079C13}"/>
                 </a:ext>
               </a:extLst>
             </p:cNvPr>
@@ -12065,7 +12121,7 @@
           <p:cNvPr id="14" name="Rechteck 13">
             <a:extLst>
               <a:ext uri="{FF2B5EF4-FFF2-40B4-BE49-F238E27FC236}">
-                <a16:creationId xmlns:a16="http://schemas.microsoft.com/office/drawing/2014/main" xmlns="" id="{0A865F75-01A5-45E4-AF2F-FD93FDFD7A12}"/>
+                <a16:creationId xmlns:a16="http://schemas.microsoft.com/office/drawing/2014/main" id="{0A865F75-01A5-45E4-AF2F-FD93FDFD7A12}"/>
               </a:ext>
             </a:extLst>
           </p:cNvPr>
@@ -12206,7 +12262,7 @@
           <p:cNvPr id="5" name="Gruppieren 21">
             <a:extLst>
               <a:ext uri="{FF2B5EF4-FFF2-40B4-BE49-F238E27FC236}">
-                <a16:creationId xmlns:a16="http://schemas.microsoft.com/office/drawing/2014/main" xmlns="" id="{BCC0948F-C1E3-4907-854B-A0721D1FDACC}"/>
+                <a16:creationId xmlns:a16="http://schemas.microsoft.com/office/drawing/2014/main" id="{BCC0948F-C1E3-4907-854B-A0721D1FDACC}"/>
               </a:ext>
             </a:extLst>
           </p:cNvPr>
@@ -12226,7 +12282,7 @@
             <p:cNvPr id="6" name="Textfeld 13">
               <a:extLst>
                 <a:ext uri="{FF2B5EF4-FFF2-40B4-BE49-F238E27FC236}">
-                  <a16:creationId xmlns:a16="http://schemas.microsoft.com/office/drawing/2014/main" xmlns="" id="{425AEF1D-6595-4E36-A5D4-5F32C0012763}"/>
+                  <a16:creationId xmlns:a16="http://schemas.microsoft.com/office/drawing/2014/main" id="{425AEF1D-6595-4E36-A5D4-5F32C0012763}"/>
                 </a:ext>
               </a:extLst>
             </p:cNvPr>
@@ -12278,7 +12334,7 @@
             <p:cNvPr id="7" name="Textfeld 6">
               <a:extLst>
                 <a:ext uri="{FF2B5EF4-FFF2-40B4-BE49-F238E27FC236}">
-                  <a16:creationId xmlns:a16="http://schemas.microsoft.com/office/drawing/2014/main" xmlns="" id="{82ABF473-AD17-4ED8-AB87-CC275185AE43}"/>
+                  <a16:creationId xmlns:a16="http://schemas.microsoft.com/office/drawing/2014/main" id="{82ABF473-AD17-4ED8-AB87-CC275185AE43}"/>
                 </a:ext>
               </a:extLst>
             </p:cNvPr>
@@ -12330,7 +12386,7 @@
             <p:cNvPr id="8" name="Textfeld 7">
               <a:extLst>
                 <a:ext uri="{FF2B5EF4-FFF2-40B4-BE49-F238E27FC236}">
-                  <a16:creationId xmlns:a16="http://schemas.microsoft.com/office/drawing/2014/main" xmlns="" id="{3841D7B1-EF8D-476C-85AC-C17E649EE1A9}"/>
+                  <a16:creationId xmlns:a16="http://schemas.microsoft.com/office/drawing/2014/main" id="{3841D7B1-EF8D-476C-85AC-C17E649EE1A9}"/>
                 </a:ext>
               </a:extLst>
             </p:cNvPr>
@@ -12382,7 +12438,7 @@
             <p:cNvPr id="9" name="Textfeld 8">
               <a:extLst>
                 <a:ext uri="{FF2B5EF4-FFF2-40B4-BE49-F238E27FC236}">
-                  <a16:creationId xmlns:a16="http://schemas.microsoft.com/office/drawing/2014/main" xmlns="" id="{0DF05AE7-97F5-4E02-9206-C6B40B968DFA}"/>
+                  <a16:creationId xmlns:a16="http://schemas.microsoft.com/office/drawing/2014/main" id="{0DF05AE7-97F5-4E02-9206-C6B40B968DFA}"/>
                 </a:ext>
               </a:extLst>
             </p:cNvPr>
@@ -12434,7 +12490,7 @@
             <p:cNvPr id="10" name="Eingekerbter Richtungspfeil 9">
               <a:extLst>
                 <a:ext uri="{FF2B5EF4-FFF2-40B4-BE49-F238E27FC236}">
-                  <a16:creationId xmlns:a16="http://schemas.microsoft.com/office/drawing/2014/main" xmlns="" id="{C358C398-D0F2-4ECA-8BF9-29E733DFE60D}"/>
+                  <a16:creationId xmlns:a16="http://schemas.microsoft.com/office/drawing/2014/main" id="{C358C398-D0F2-4ECA-8BF9-29E733DFE60D}"/>
                 </a:ext>
               </a:extLst>
             </p:cNvPr>
@@ -12482,7 +12538,7 @@
             <p:cNvPr id="11" name="Eingekerbter Richtungspfeil 10">
               <a:extLst>
                 <a:ext uri="{FF2B5EF4-FFF2-40B4-BE49-F238E27FC236}">
-                  <a16:creationId xmlns:a16="http://schemas.microsoft.com/office/drawing/2014/main" xmlns="" id="{3FEDA7B1-0BEF-47B2-90E9-8E698F727222}"/>
+                  <a16:creationId xmlns:a16="http://schemas.microsoft.com/office/drawing/2014/main" id="{3FEDA7B1-0BEF-47B2-90E9-8E698F727222}"/>
                 </a:ext>
               </a:extLst>
             </p:cNvPr>
@@ -12530,7 +12586,7 @@
             <p:cNvPr id="12" name="Eingekerbter Richtungspfeil 11">
               <a:extLst>
                 <a:ext uri="{FF2B5EF4-FFF2-40B4-BE49-F238E27FC236}">
-                  <a16:creationId xmlns:a16="http://schemas.microsoft.com/office/drawing/2014/main" xmlns="" id="{2EBD9B49-A90C-436A-BBEF-D89DD2237ECF}"/>
+                  <a16:creationId xmlns:a16="http://schemas.microsoft.com/office/drawing/2014/main" id="{2EBD9B49-A90C-436A-BBEF-D89DD2237ECF}"/>
                 </a:ext>
               </a:extLst>
             </p:cNvPr>
@@ -12578,7 +12634,7 @@
             <p:cNvPr id="13" name="Gerade Verbindung 28">
               <a:extLst>
                 <a:ext uri="{FF2B5EF4-FFF2-40B4-BE49-F238E27FC236}">
-                  <a16:creationId xmlns:a16="http://schemas.microsoft.com/office/drawing/2014/main" xmlns="" id="{F1621AAB-A494-467F-9704-6039B7079C13}"/>
+                  <a16:creationId xmlns:a16="http://schemas.microsoft.com/office/drawing/2014/main" id="{F1621AAB-A494-467F-9704-6039B7079C13}"/>
                 </a:ext>
               </a:extLst>
             </p:cNvPr>
@@ -12646,7 +12702,7 @@
           <p:cNvPr id="14" name="Rechteck 13">
             <a:extLst>
               <a:ext uri="{FF2B5EF4-FFF2-40B4-BE49-F238E27FC236}">
-                <a16:creationId xmlns:a16="http://schemas.microsoft.com/office/drawing/2014/main" xmlns="" id="{1F9FA5A9-D44F-4AD2-BF6A-26F4FBE1416F}"/>
+                <a16:creationId xmlns:a16="http://schemas.microsoft.com/office/drawing/2014/main" id="{1F9FA5A9-D44F-4AD2-BF6A-26F4FBE1416F}"/>
               </a:ext>
             </a:extLst>
           </p:cNvPr>
@@ -12743,10 +12799,9 @@
           <a:lstStyle/>
           <a:p>
             <a:r>
-              <a:rPr lang="de-DE" dirty="0" smtClean="0"/>
+              <a:rPr lang="de-DE" dirty="0"/>
               <a:t>Offene Punkte</a:t>
             </a:r>
-            <a:endParaRPr lang="de-DE" dirty="0"/>
           </a:p>
         </p:txBody>
       </p:sp>
@@ -12771,63 +12826,58 @@
           <a:lstStyle/>
           <a:p>
             <a:r>
-              <a:rPr lang="de-DE" dirty="0" smtClean="0"/>
+              <a:rPr lang="de-DE" dirty="0"/>
               <a:t>Keine große Simulation</a:t>
             </a:r>
           </a:p>
           <a:p>
             <a:pPr lvl="1"/>
             <a:r>
-              <a:rPr lang="de-DE" dirty="0" smtClean="0"/>
+              <a:rPr lang="de-DE" dirty="0"/>
               <a:t>Meiste Fallstudien unter 100 CPUs</a:t>
             </a:r>
           </a:p>
           <a:p>
             <a:pPr lvl="1"/>
             <a:r>
-              <a:rPr lang="de-DE" dirty="0" smtClean="0"/>
+              <a:rPr lang="de-DE" dirty="0"/>
               <a:t>Größte: MONARC Tier 2 mit 3000 CPUs</a:t>
             </a:r>
           </a:p>
           <a:p>
             <a:pPr lvl="1"/>
             <a:r>
-              <a:rPr lang="de-DE" dirty="0" smtClean="0"/>
+              <a:rPr lang="de-DE" dirty="0"/>
               <a:t>WLCG: 72.000 CPUs</a:t>
             </a:r>
           </a:p>
           <a:p>
             <a:r>
-              <a:rPr lang="de-DE" dirty="0" smtClean="0"/>
+              <a:rPr lang="de-DE" dirty="0"/>
               <a:t>Datenlokalität</a:t>
             </a:r>
           </a:p>
           <a:p>
             <a:pPr lvl="1"/>
             <a:r>
-              <a:rPr lang="de-DE" dirty="0" smtClean="0"/>
+              <a:rPr lang="de-DE" dirty="0"/>
               <a:t>Datenreplikation evaluieren</a:t>
             </a:r>
           </a:p>
           <a:p>
             <a:pPr lvl="1"/>
             <a:r>
-              <a:rPr lang="de-DE" dirty="0" smtClean="0"/>
+              <a:rPr lang="de-DE" dirty="0"/>
               <a:t>Konkrete </a:t>
             </a:r>
             <a:r>
-              <a:rPr lang="de-DE" dirty="0" err="1" smtClean="0"/>
+              <a:rPr lang="de-DE" dirty="0" err="1"/>
               <a:t>Scheduling</a:t>
             </a:r>
             <a:r>
               <a:rPr lang="de-DE" dirty="0"/>
-              <a:t> </a:t>
-            </a:r>
-            <a:r>
-              <a:rPr lang="de-DE" dirty="0" smtClean="0"/>
-              <a:t>Entscheidungen vergleichen</a:t>
-            </a:r>
-            <a:endParaRPr lang="de-DE" dirty="0"/>
+              <a:t> Entscheidungen vergleichen</a:t>
+            </a:r>
           </a:p>
         </p:txBody>
       </p:sp>
@@ -12871,7 +12921,7 @@
           <p:cNvPr id="5" name="Gruppieren 21">
             <a:extLst>
               <a:ext uri="{FF2B5EF4-FFF2-40B4-BE49-F238E27FC236}">
-                <a16:creationId xmlns:a16="http://schemas.microsoft.com/office/drawing/2014/main" xmlns="" id="{BCC0948F-C1E3-4907-854B-A0721D1FDACC}"/>
+                <a16:creationId xmlns:a16="http://schemas.microsoft.com/office/drawing/2014/main" id="{BCC0948F-C1E3-4907-854B-A0721D1FDACC}"/>
               </a:ext>
             </a:extLst>
           </p:cNvPr>
@@ -12891,7 +12941,7 @@
             <p:cNvPr id="6" name="Textfeld 13">
               <a:extLst>
                 <a:ext uri="{FF2B5EF4-FFF2-40B4-BE49-F238E27FC236}">
-                  <a16:creationId xmlns:a16="http://schemas.microsoft.com/office/drawing/2014/main" xmlns="" id="{425AEF1D-6595-4E36-A5D4-5F32C0012763}"/>
+                  <a16:creationId xmlns:a16="http://schemas.microsoft.com/office/drawing/2014/main" id="{425AEF1D-6595-4E36-A5D4-5F32C0012763}"/>
                 </a:ext>
               </a:extLst>
             </p:cNvPr>
@@ -12943,7 +12993,7 @@
             <p:cNvPr id="7" name="Textfeld 6">
               <a:extLst>
                 <a:ext uri="{FF2B5EF4-FFF2-40B4-BE49-F238E27FC236}">
-                  <a16:creationId xmlns:a16="http://schemas.microsoft.com/office/drawing/2014/main" xmlns="" id="{82ABF473-AD17-4ED8-AB87-CC275185AE43}"/>
+                  <a16:creationId xmlns:a16="http://schemas.microsoft.com/office/drawing/2014/main" id="{82ABF473-AD17-4ED8-AB87-CC275185AE43}"/>
                 </a:ext>
               </a:extLst>
             </p:cNvPr>
@@ -12995,7 +13045,7 @@
             <p:cNvPr id="8" name="Textfeld 7">
               <a:extLst>
                 <a:ext uri="{FF2B5EF4-FFF2-40B4-BE49-F238E27FC236}">
-                  <a16:creationId xmlns:a16="http://schemas.microsoft.com/office/drawing/2014/main" xmlns="" id="{3841D7B1-EF8D-476C-85AC-C17E649EE1A9}"/>
+                  <a16:creationId xmlns:a16="http://schemas.microsoft.com/office/drawing/2014/main" id="{3841D7B1-EF8D-476C-85AC-C17E649EE1A9}"/>
                 </a:ext>
               </a:extLst>
             </p:cNvPr>
@@ -13047,7 +13097,7 @@
             <p:cNvPr id="9" name="Textfeld 8">
               <a:extLst>
                 <a:ext uri="{FF2B5EF4-FFF2-40B4-BE49-F238E27FC236}">
-                  <a16:creationId xmlns:a16="http://schemas.microsoft.com/office/drawing/2014/main" xmlns="" id="{0DF05AE7-97F5-4E02-9206-C6B40B968DFA}"/>
+                  <a16:creationId xmlns:a16="http://schemas.microsoft.com/office/drawing/2014/main" id="{0DF05AE7-97F5-4E02-9206-C6B40B968DFA}"/>
                 </a:ext>
               </a:extLst>
             </p:cNvPr>
@@ -13099,7 +13149,7 @@
             <p:cNvPr id="10" name="Eingekerbter Richtungspfeil 9">
               <a:extLst>
                 <a:ext uri="{FF2B5EF4-FFF2-40B4-BE49-F238E27FC236}">
-                  <a16:creationId xmlns:a16="http://schemas.microsoft.com/office/drawing/2014/main" xmlns="" id="{C358C398-D0F2-4ECA-8BF9-29E733DFE60D}"/>
+                  <a16:creationId xmlns:a16="http://schemas.microsoft.com/office/drawing/2014/main" id="{C358C398-D0F2-4ECA-8BF9-29E733DFE60D}"/>
                 </a:ext>
               </a:extLst>
             </p:cNvPr>
@@ -13147,7 +13197,7 @@
             <p:cNvPr id="11" name="Eingekerbter Richtungspfeil 10">
               <a:extLst>
                 <a:ext uri="{FF2B5EF4-FFF2-40B4-BE49-F238E27FC236}">
-                  <a16:creationId xmlns:a16="http://schemas.microsoft.com/office/drawing/2014/main" xmlns="" id="{3FEDA7B1-0BEF-47B2-90E9-8E698F727222}"/>
+                  <a16:creationId xmlns:a16="http://schemas.microsoft.com/office/drawing/2014/main" id="{3FEDA7B1-0BEF-47B2-90E9-8E698F727222}"/>
                 </a:ext>
               </a:extLst>
             </p:cNvPr>
@@ -13195,7 +13245,7 @@
             <p:cNvPr id="12" name="Eingekerbter Richtungspfeil 11">
               <a:extLst>
                 <a:ext uri="{FF2B5EF4-FFF2-40B4-BE49-F238E27FC236}">
-                  <a16:creationId xmlns:a16="http://schemas.microsoft.com/office/drawing/2014/main" xmlns="" id="{2EBD9B49-A90C-436A-BBEF-D89DD2237ECF}"/>
+                  <a16:creationId xmlns:a16="http://schemas.microsoft.com/office/drawing/2014/main" id="{2EBD9B49-A90C-436A-BBEF-D89DD2237ECF}"/>
                 </a:ext>
               </a:extLst>
             </p:cNvPr>
@@ -13243,7 +13293,7 @@
             <p:cNvPr id="13" name="Gerade Verbindung 28">
               <a:extLst>
                 <a:ext uri="{FF2B5EF4-FFF2-40B4-BE49-F238E27FC236}">
-                  <a16:creationId xmlns:a16="http://schemas.microsoft.com/office/drawing/2014/main" xmlns="" id="{F1621AAB-A494-467F-9704-6039B7079C13}"/>
+                  <a16:creationId xmlns:a16="http://schemas.microsoft.com/office/drawing/2014/main" id="{F1621AAB-A494-467F-9704-6039B7079C13}"/>
                 </a:ext>
               </a:extLst>
             </p:cNvPr>
@@ -13392,11 +13442,7 @@
             </a:r>
             <a:r>
               <a:rPr lang="de-DE"/>
-              <a:t>wird </a:t>
-            </a:r>
-            <a:r>
-              <a:rPr lang="de-DE" smtClean="0"/>
-              <a:t>zeigen, </a:t>
+              <a:t>wird zeigen, </a:t>
             </a:r>
             <a:r>
               <a:rPr lang="de-DE" dirty="0"/>
@@ -13445,7 +13491,7 @@
           <p:cNvPr id="34" name="Gruppieren 21">
             <a:extLst>
               <a:ext uri="{FF2B5EF4-FFF2-40B4-BE49-F238E27FC236}">
-                <a16:creationId xmlns:a16="http://schemas.microsoft.com/office/drawing/2014/main" xmlns="" id="{BCC0948F-C1E3-4907-854B-A0721D1FDACC}"/>
+                <a16:creationId xmlns:a16="http://schemas.microsoft.com/office/drawing/2014/main" id="{BCC0948F-C1E3-4907-854B-A0721D1FDACC}"/>
               </a:ext>
             </a:extLst>
           </p:cNvPr>
@@ -13465,7 +13511,7 @@
             <p:cNvPr id="36" name="Textfeld 13">
               <a:extLst>
                 <a:ext uri="{FF2B5EF4-FFF2-40B4-BE49-F238E27FC236}">
-                  <a16:creationId xmlns:a16="http://schemas.microsoft.com/office/drawing/2014/main" xmlns="" id="{425AEF1D-6595-4E36-A5D4-5F32C0012763}"/>
+                  <a16:creationId xmlns:a16="http://schemas.microsoft.com/office/drawing/2014/main" id="{425AEF1D-6595-4E36-A5D4-5F32C0012763}"/>
                 </a:ext>
               </a:extLst>
             </p:cNvPr>
@@ -13517,7 +13563,7 @@
             <p:cNvPr id="63" name="Textfeld 62">
               <a:extLst>
                 <a:ext uri="{FF2B5EF4-FFF2-40B4-BE49-F238E27FC236}">
-                  <a16:creationId xmlns:a16="http://schemas.microsoft.com/office/drawing/2014/main" xmlns="" id="{82ABF473-AD17-4ED8-AB87-CC275185AE43}"/>
+                  <a16:creationId xmlns:a16="http://schemas.microsoft.com/office/drawing/2014/main" id="{82ABF473-AD17-4ED8-AB87-CC275185AE43}"/>
                 </a:ext>
               </a:extLst>
             </p:cNvPr>
@@ -13569,7 +13615,7 @@
             <p:cNvPr id="64" name="Textfeld 63">
               <a:extLst>
                 <a:ext uri="{FF2B5EF4-FFF2-40B4-BE49-F238E27FC236}">
-                  <a16:creationId xmlns:a16="http://schemas.microsoft.com/office/drawing/2014/main" xmlns="" id="{3841D7B1-EF8D-476C-85AC-C17E649EE1A9}"/>
+                  <a16:creationId xmlns:a16="http://schemas.microsoft.com/office/drawing/2014/main" id="{3841D7B1-EF8D-476C-85AC-C17E649EE1A9}"/>
                 </a:ext>
               </a:extLst>
             </p:cNvPr>
@@ -13621,7 +13667,7 @@
             <p:cNvPr id="65" name="Textfeld 64">
               <a:extLst>
                 <a:ext uri="{FF2B5EF4-FFF2-40B4-BE49-F238E27FC236}">
-                  <a16:creationId xmlns:a16="http://schemas.microsoft.com/office/drawing/2014/main" xmlns="" id="{0DF05AE7-97F5-4E02-9206-C6B40B968DFA}"/>
+                  <a16:creationId xmlns:a16="http://schemas.microsoft.com/office/drawing/2014/main" id="{0DF05AE7-97F5-4E02-9206-C6B40B968DFA}"/>
                 </a:ext>
               </a:extLst>
             </p:cNvPr>
@@ -13673,7 +13719,7 @@
             <p:cNvPr id="66" name="Eingekerbter Richtungspfeil 23">
               <a:extLst>
                 <a:ext uri="{FF2B5EF4-FFF2-40B4-BE49-F238E27FC236}">
-                  <a16:creationId xmlns:a16="http://schemas.microsoft.com/office/drawing/2014/main" xmlns="" id="{C358C398-D0F2-4ECA-8BF9-29E733DFE60D}"/>
+                  <a16:creationId xmlns:a16="http://schemas.microsoft.com/office/drawing/2014/main" id="{C358C398-D0F2-4ECA-8BF9-29E733DFE60D}"/>
                 </a:ext>
               </a:extLst>
             </p:cNvPr>
@@ -13721,7 +13767,7 @@
             <p:cNvPr id="67" name="Eingekerbter Richtungspfeil 24">
               <a:extLst>
                 <a:ext uri="{FF2B5EF4-FFF2-40B4-BE49-F238E27FC236}">
-                  <a16:creationId xmlns:a16="http://schemas.microsoft.com/office/drawing/2014/main" xmlns="" id="{3FEDA7B1-0BEF-47B2-90E9-8E698F727222}"/>
+                  <a16:creationId xmlns:a16="http://schemas.microsoft.com/office/drawing/2014/main" id="{3FEDA7B1-0BEF-47B2-90E9-8E698F727222}"/>
                 </a:ext>
               </a:extLst>
             </p:cNvPr>
@@ -13769,7 +13815,7 @@
             <p:cNvPr id="68" name="Eingekerbter Richtungspfeil 25">
               <a:extLst>
                 <a:ext uri="{FF2B5EF4-FFF2-40B4-BE49-F238E27FC236}">
-                  <a16:creationId xmlns:a16="http://schemas.microsoft.com/office/drawing/2014/main" xmlns="" id="{2EBD9B49-A90C-436A-BBEF-D89DD2237ECF}"/>
+                  <a16:creationId xmlns:a16="http://schemas.microsoft.com/office/drawing/2014/main" id="{2EBD9B49-A90C-436A-BBEF-D89DD2237ECF}"/>
                 </a:ext>
               </a:extLst>
             </p:cNvPr>
@@ -13817,7 +13863,7 @@
             <p:cNvPr id="71" name="Gerade Verbindung 28">
               <a:extLst>
                 <a:ext uri="{FF2B5EF4-FFF2-40B4-BE49-F238E27FC236}">
-                  <a16:creationId xmlns:a16="http://schemas.microsoft.com/office/drawing/2014/main" xmlns="" id="{F1621AAB-A494-467F-9704-6039B7079C13}"/>
+                  <a16:creationId xmlns:a16="http://schemas.microsoft.com/office/drawing/2014/main" id="{F1621AAB-A494-467F-9704-6039B7079C13}"/>
                 </a:ext>
               </a:extLst>
             </p:cNvPr>
@@ -14415,7 +14461,7 @@
           <p:cNvPr id="20" name="Gruppieren 21">
             <a:extLst>
               <a:ext uri="{FF2B5EF4-FFF2-40B4-BE49-F238E27FC236}">
-                <a16:creationId xmlns:a16="http://schemas.microsoft.com/office/drawing/2014/main" xmlns="" id="{BCC0948F-C1E3-4907-854B-A0721D1FDACC}"/>
+                <a16:creationId xmlns:a16="http://schemas.microsoft.com/office/drawing/2014/main" id="{BCC0948F-C1E3-4907-854B-A0721D1FDACC}"/>
               </a:ext>
             </a:extLst>
           </p:cNvPr>
@@ -14435,7 +14481,7 @@
             <p:cNvPr id="21" name="Textfeld 13">
               <a:extLst>
                 <a:ext uri="{FF2B5EF4-FFF2-40B4-BE49-F238E27FC236}">
-                  <a16:creationId xmlns:a16="http://schemas.microsoft.com/office/drawing/2014/main" xmlns="" id="{425AEF1D-6595-4E36-A5D4-5F32C0012763}"/>
+                  <a16:creationId xmlns:a16="http://schemas.microsoft.com/office/drawing/2014/main" id="{425AEF1D-6595-4E36-A5D4-5F32C0012763}"/>
                 </a:ext>
               </a:extLst>
             </p:cNvPr>
@@ -14487,7 +14533,7 @@
             <p:cNvPr id="22" name="Textfeld 21">
               <a:extLst>
                 <a:ext uri="{FF2B5EF4-FFF2-40B4-BE49-F238E27FC236}">
-                  <a16:creationId xmlns:a16="http://schemas.microsoft.com/office/drawing/2014/main" xmlns="" id="{82ABF473-AD17-4ED8-AB87-CC275185AE43}"/>
+                  <a16:creationId xmlns:a16="http://schemas.microsoft.com/office/drawing/2014/main" id="{82ABF473-AD17-4ED8-AB87-CC275185AE43}"/>
                 </a:ext>
               </a:extLst>
             </p:cNvPr>
@@ -14539,7 +14585,7 @@
             <p:cNvPr id="23" name="Textfeld 22">
               <a:extLst>
                 <a:ext uri="{FF2B5EF4-FFF2-40B4-BE49-F238E27FC236}">
-                  <a16:creationId xmlns:a16="http://schemas.microsoft.com/office/drawing/2014/main" xmlns="" id="{3841D7B1-EF8D-476C-85AC-C17E649EE1A9}"/>
+                  <a16:creationId xmlns:a16="http://schemas.microsoft.com/office/drawing/2014/main" id="{3841D7B1-EF8D-476C-85AC-C17E649EE1A9}"/>
                 </a:ext>
               </a:extLst>
             </p:cNvPr>
@@ -14591,7 +14637,7 @@
             <p:cNvPr id="24" name="Textfeld 23">
               <a:extLst>
                 <a:ext uri="{FF2B5EF4-FFF2-40B4-BE49-F238E27FC236}">
-                  <a16:creationId xmlns:a16="http://schemas.microsoft.com/office/drawing/2014/main" xmlns="" id="{0DF05AE7-97F5-4E02-9206-C6B40B968DFA}"/>
+                  <a16:creationId xmlns:a16="http://schemas.microsoft.com/office/drawing/2014/main" id="{0DF05AE7-97F5-4E02-9206-C6B40B968DFA}"/>
                 </a:ext>
               </a:extLst>
             </p:cNvPr>
@@ -14643,7 +14689,7 @@
             <p:cNvPr id="25" name="Eingekerbter Richtungspfeil 24">
               <a:extLst>
                 <a:ext uri="{FF2B5EF4-FFF2-40B4-BE49-F238E27FC236}">
-                  <a16:creationId xmlns:a16="http://schemas.microsoft.com/office/drawing/2014/main" xmlns="" id="{C358C398-D0F2-4ECA-8BF9-29E733DFE60D}"/>
+                  <a16:creationId xmlns:a16="http://schemas.microsoft.com/office/drawing/2014/main" id="{C358C398-D0F2-4ECA-8BF9-29E733DFE60D}"/>
                 </a:ext>
               </a:extLst>
             </p:cNvPr>
@@ -14691,7 +14737,7 @@
             <p:cNvPr id="26" name="Eingekerbter Richtungspfeil 25">
               <a:extLst>
                 <a:ext uri="{FF2B5EF4-FFF2-40B4-BE49-F238E27FC236}">
-                  <a16:creationId xmlns:a16="http://schemas.microsoft.com/office/drawing/2014/main" xmlns="" id="{3FEDA7B1-0BEF-47B2-90E9-8E698F727222}"/>
+                  <a16:creationId xmlns:a16="http://schemas.microsoft.com/office/drawing/2014/main" id="{3FEDA7B1-0BEF-47B2-90E9-8E698F727222}"/>
                 </a:ext>
               </a:extLst>
             </p:cNvPr>
@@ -14739,7 +14785,7 @@
             <p:cNvPr id="27" name="Eingekerbter Richtungspfeil 26">
               <a:extLst>
                 <a:ext uri="{FF2B5EF4-FFF2-40B4-BE49-F238E27FC236}">
-                  <a16:creationId xmlns:a16="http://schemas.microsoft.com/office/drawing/2014/main" xmlns="" id="{2EBD9B49-A90C-436A-BBEF-D89DD2237ECF}"/>
+                  <a16:creationId xmlns:a16="http://schemas.microsoft.com/office/drawing/2014/main" id="{2EBD9B49-A90C-436A-BBEF-D89DD2237ECF}"/>
                 </a:ext>
               </a:extLst>
             </p:cNvPr>
@@ -14787,7 +14833,7 @@
             <p:cNvPr id="28" name="Gerade Verbindung 28">
               <a:extLst>
                 <a:ext uri="{FF2B5EF4-FFF2-40B4-BE49-F238E27FC236}">
-                  <a16:creationId xmlns:a16="http://schemas.microsoft.com/office/drawing/2014/main" xmlns="" id="{F1621AAB-A494-467F-9704-6039B7079C13}"/>
+                  <a16:creationId xmlns:a16="http://schemas.microsoft.com/office/drawing/2014/main" id="{F1621AAB-A494-467F-9704-6039B7079C13}"/>
                 </a:ext>
               </a:extLst>
             </p:cNvPr>
@@ -16117,7 +16163,7 @@
           <p:cNvPr id="20" name="Gruppieren 21">
             <a:extLst>
               <a:ext uri="{FF2B5EF4-FFF2-40B4-BE49-F238E27FC236}">
-                <a16:creationId xmlns:a16="http://schemas.microsoft.com/office/drawing/2014/main" xmlns="" id="{BCC0948F-C1E3-4907-854B-A0721D1FDACC}"/>
+                <a16:creationId xmlns:a16="http://schemas.microsoft.com/office/drawing/2014/main" id="{BCC0948F-C1E3-4907-854B-A0721D1FDACC}"/>
               </a:ext>
             </a:extLst>
           </p:cNvPr>
@@ -16137,7 +16183,7 @@
             <p:cNvPr id="21" name="Textfeld 13">
               <a:extLst>
                 <a:ext uri="{FF2B5EF4-FFF2-40B4-BE49-F238E27FC236}">
-                  <a16:creationId xmlns:a16="http://schemas.microsoft.com/office/drawing/2014/main" xmlns="" id="{425AEF1D-6595-4E36-A5D4-5F32C0012763}"/>
+                  <a16:creationId xmlns:a16="http://schemas.microsoft.com/office/drawing/2014/main" id="{425AEF1D-6595-4E36-A5D4-5F32C0012763}"/>
                 </a:ext>
               </a:extLst>
             </p:cNvPr>
@@ -16189,7 +16235,7 @@
             <p:cNvPr id="22" name="Textfeld 21">
               <a:extLst>
                 <a:ext uri="{FF2B5EF4-FFF2-40B4-BE49-F238E27FC236}">
-                  <a16:creationId xmlns:a16="http://schemas.microsoft.com/office/drawing/2014/main" xmlns="" id="{82ABF473-AD17-4ED8-AB87-CC275185AE43}"/>
+                  <a16:creationId xmlns:a16="http://schemas.microsoft.com/office/drawing/2014/main" id="{82ABF473-AD17-4ED8-AB87-CC275185AE43}"/>
                 </a:ext>
               </a:extLst>
             </p:cNvPr>
@@ -16241,7 +16287,7 @@
             <p:cNvPr id="23" name="Textfeld 22">
               <a:extLst>
                 <a:ext uri="{FF2B5EF4-FFF2-40B4-BE49-F238E27FC236}">
-                  <a16:creationId xmlns:a16="http://schemas.microsoft.com/office/drawing/2014/main" xmlns="" id="{3841D7B1-EF8D-476C-85AC-C17E649EE1A9}"/>
+                  <a16:creationId xmlns:a16="http://schemas.microsoft.com/office/drawing/2014/main" id="{3841D7B1-EF8D-476C-85AC-C17E649EE1A9}"/>
                 </a:ext>
               </a:extLst>
             </p:cNvPr>
@@ -16293,7 +16339,7 @@
             <p:cNvPr id="24" name="Textfeld 23">
               <a:extLst>
                 <a:ext uri="{FF2B5EF4-FFF2-40B4-BE49-F238E27FC236}">
-                  <a16:creationId xmlns:a16="http://schemas.microsoft.com/office/drawing/2014/main" xmlns="" id="{0DF05AE7-97F5-4E02-9206-C6B40B968DFA}"/>
+                  <a16:creationId xmlns:a16="http://schemas.microsoft.com/office/drawing/2014/main" id="{0DF05AE7-97F5-4E02-9206-C6B40B968DFA}"/>
                 </a:ext>
               </a:extLst>
             </p:cNvPr>
@@ -16345,7 +16391,7 @@
             <p:cNvPr id="25" name="Eingekerbter Richtungspfeil 24">
               <a:extLst>
                 <a:ext uri="{FF2B5EF4-FFF2-40B4-BE49-F238E27FC236}">
-                  <a16:creationId xmlns:a16="http://schemas.microsoft.com/office/drawing/2014/main" xmlns="" id="{C358C398-D0F2-4ECA-8BF9-29E733DFE60D}"/>
+                  <a16:creationId xmlns:a16="http://schemas.microsoft.com/office/drawing/2014/main" id="{C358C398-D0F2-4ECA-8BF9-29E733DFE60D}"/>
                 </a:ext>
               </a:extLst>
             </p:cNvPr>
@@ -16393,7 +16439,7 @@
             <p:cNvPr id="26" name="Eingekerbter Richtungspfeil 25">
               <a:extLst>
                 <a:ext uri="{FF2B5EF4-FFF2-40B4-BE49-F238E27FC236}">
-                  <a16:creationId xmlns:a16="http://schemas.microsoft.com/office/drawing/2014/main" xmlns="" id="{3FEDA7B1-0BEF-47B2-90E9-8E698F727222}"/>
+                  <a16:creationId xmlns:a16="http://schemas.microsoft.com/office/drawing/2014/main" id="{3FEDA7B1-0BEF-47B2-90E9-8E698F727222}"/>
                 </a:ext>
               </a:extLst>
             </p:cNvPr>
@@ -16441,7 +16487,7 @@
             <p:cNvPr id="27" name="Eingekerbter Richtungspfeil 26">
               <a:extLst>
                 <a:ext uri="{FF2B5EF4-FFF2-40B4-BE49-F238E27FC236}">
-                  <a16:creationId xmlns:a16="http://schemas.microsoft.com/office/drawing/2014/main" xmlns="" id="{2EBD9B49-A90C-436A-BBEF-D89DD2237ECF}"/>
+                  <a16:creationId xmlns:a16="http://schemas.microsoft.com/office/drawing/2014/main" id="{2EBD9B49-A90C-436A-BBEF-D89DD2237ECF}"/>
                 </a:ext>
               </a:extLst>
             </p:cNvPr>
@@ -16489,7 +16535,7 @@
             <p:cNvPr id="28" name="Gerade Verbindung 28">
               <a:extLst>
                 <a:ext uri="{FF2B5EF4-FFF2-40B4-BE49-F238E27FC236}">
-                  <a16:creationId xmlns:a16="http://schemas.microsoft.com/office/drawing/2014/main" xmlns="" id="{F1621AAB-A494-467F-9704-6039B7079C13}"/>
+                  <a16:creationId xmlns:a16="http://schemas.microsoft.com/office/drawing/2014/main" id="{F1621AAB-A494-467F-9704-6039B7079C13}"/>
                 </a:ext>
               </a:extLst>
             </p:cNvPr>
@@ -16755,7 +16801,7 @@
           <p:cNvPr id="19" name="Gruppieren 21">
             <a:extLst>
               <a:ext uri="{FF2B5EF4-FFF2-40B4-BE49-F238E27FC236}">
-                <a16:creationId xmlns:a16="http://schemas.microsoft.com/office/drawing/2014/main" xmlns="" id="{BCC0948F-C1E3-4907-854B-A0721D1FDACC}"/>
+                <a16:creationId xmlns:a16="http://schemas.microsoft.com/office/drawing/2014/main" id="{BCC0948F-C1E3-4907-854B-A0721D1FDACC}"/>
               </a:ext>
             </a:extLst>
           </p:cNvPr>
@@ -16775,7 +16821,7 @@
             <p:cNvPr id="20" name="Textfeld 13">
               <a:extLst>
                 <a:ext uri="{FF2B5EF4-FFF2-40B4-BE49-F238E27FC236}">
-                  <a16:creationId xmlns:a16="http://schemas.microsoft.com/office/drawing/2014/main" xmlns="" id="{425AEF1D-6595-4E36-A5D4-5F32C0012763}"/>
+                  <a16:creationId xmlns:a16="http://schemas.microsoft.com/office/drawing/2014/main" id="{425AEF1D-6595-4E36-A5D4-5F32C0012763}"/>
                 </a:ext>
               </a:extLst>
             </p:cNvPr>
@@ -16827,7 +16873,7 @@
             <p:cNvPr id="21" name="Textfeld 20">
               <a:extLst>
                 <a:ext uri="{FF2B5EF4-FFF2-40B4-BE49-F238E27FC236}">
-                  <a16:creationId xmlns:a16="http://schemas.microsoft.com/office/drawing/2014/main" xmlns="" id="{82ABF473-AD17-4ED8-AB87-CC275185AE43}"/>
+                  <a16:creationId xmlns:a16="http://schemas.microsoft.com/office/drawing/2014/main" id="{82ABF473-AD17-4ED8-AB87-CC275185AE43}"/>
                 </a:ext>
               </a:extLst>
             </p:cNvPr>
@@ -16879,7 +16925,7 @@
             <p:cNvPr id="22" name="Textfeld 21">
               <a:extLst>
                 <a:ext uri="{FF2B5EF4-FFF2-40B4-BE49-F238E27FC236}">
-                  <a16:creationId xmlns:a16="http://schemas.microsoft.com/office/drawing/2014/main" xmlns="" id="{3841D7B1-EF8D-476C-85AC-C17E649EE1A9}"/>
+                  <a16:creationId xmlns:a16="http://schemas.microsoft.com/office/drawing/2014/main" id="{3841D7B1-EF8D-476C-85AC-C17E649EE1A9}"/>
                 </a:ext>
               </a:extLst>
             </p:cNvPr>
@@ -16931,7 +16977,7 @@
             <p:cNvPr id="23" name="Textfeld 22">
               <a:extLst>
                 <a:ext uri="{FF2B5EF4-FFF2-40B4-BE49-F238E27FC236}">
-                  <a16:creationId xmlns:a16="http://schemas.microsoft.com/office/drawing/2014/main" xmlns="" id="{0DF05AE7-97F5-4E02-9206-C6B40B968DFA}"/>
+                  <a16:creationId xmlns:a16="http://schemas.microsoft.com/office/drawing/2014/main" id="{0DF05AE7-97F5-4E02-9206-C6B40B968DFA}"/>
                 </a:ext>
               </a:extLst>
             </p:cNvPr>
@@ -16983,7 +17029,7 @@
             <p:cNvPr id="24" name="Eingekerbter Richtungspfeil 23">
               <a:extLst>
                 <a:ext uri="{FF2B5EF4-FFF2-40B4-BE49-F238E27FC236}">
-                  <a16:creationId xmlns:a16="http://schemas.microsoft.com/office/drawing/2014/main" xmlns="" id="{C358C398-D0F2-4ECA-8BF9-29E733DFE60D}"/>
+                  <a16:creationId xmlns:a16="http://schemas.microsoft.com/office/drawing/2014/main" id="{C358C398-D0F2-4ECA-8BF9-29E733DFE60D}"/>
                 </a:ext>
               </a:extLst>
             </p:cNvPr>
@@ -17031,7 +17077,7 @@
             <p:cNvPr id="26" name="Eingekerbter Richtungspfeil 25">
               <a:extLst>
                 <a:ext uri="{FF2B5EF4-FFF2-40B4-BE49-F238E27FC236}">
-                  <a16:creationId xmlns:a16="http://schemas.microsoft.com/office/drawing/2014/main" xmlns="" id="{3FEDA7B1-0BEF-47B2-90E9-8E698F727222}"/>
+                  <a16:creationId xmlns:a16="http://schemas.microsoft.com/office/drawing/2014/main" id="{3FEDA7B1-0BEF-47B2-90E9-8E698F727222}"/>
                 </a:ext>
               </a:extLst>
             </p:cNvPr>
@@ -17079,7 +17125,7 @@
             <p:cNvPr id="27" name="Eingekerbter Richtungspfeil 26">
               <a:extLst>
                 <a:ext uri="{FF2B5EF4-FFF2-40B4-BE49-F238E27FC236}">
-                  <a16:creationId xmlns:a16="http://schemas.microsoft.com/office/drawing/2014/main" xmlns="" id="{2EBD9B49-A90C-436A-BBEF-D89DD2237ECF}"/>
+                  <a16:creationId xmlns:a16="http://schemas.microsoft.com/office/drawing/2014/main" id="{2EBD9B49-A90C-436A-BBEF-D89DD2237ECF}"/>
                 </a:ext>
               </a:extLst>
             </p:cNvPr>
@@ -17127,7 +17173,7 @@
             <p:cNvPr id="28" name="Gerade Verbindung 28">
               <a:extLst>
                 <a:ext uri="{FF2B5EF4-FFF2-40B4-BE49-F238E27FC236}">
-                  <a16:creationId xmlns:a16="http://schemas.microsoft.com/office/drawing/2014/main" xmlns="" id="{F1621AAB-A494-467F-9704-6039B7079C13}"/>
+                  <a16:creationId xmlns:a16="http://schemas.microsoft.com/office/drawing/2014/main" id="{F1621AAB-A494-467F-9704-6039B7079C13}"/>
                 </a:ext>
               </a:extLst>
             </p:cNvPr>
@@ -17384,7 +17430,7 @@
           <p:cNvPr id="19" name="Gruppieren 21">
             <a:extLst>
               <a:ext uri="{FF2B5EF4-FFF2-40B4-BE49-F238E27FC236}">
-                <a16:creationId xmlns:a16="http://schemas.microsoft.com/office/drawing/2014/main" xmlns="" id="{BCC0948F-C1E3-4907-854B-A0721D1FDACC}"/>
+                <a16:creationId xmlns:a16="http://schemas.microsoft.com/office/drawing/2014/main" id="{BCC0948F-C1E3-4907-854B-A0721D1FDACC}"/>
               </a:ext>
             </a:extLst>
           </p:cNvPr>
@@ -17404,7 +17450,7 @@
             <p:cNvPr id="20" name="Textfeld 13">
               <a:extLst>
                 <a:ext uri="{FF2B5EF4-FFF2-40B4-BE49-F238E27FC236}">
-                  <a16:creationId xmlns:a16="http://schemas.microsoft.com/office/drawing/2014/main" xmlns="" id="{425AEF1D-6595-4E36-A5D4-5F32C0012763}"/>
+                  <a16:creationId xmlns:a16="http://schemas.microsoft.com/office/drawing/2014/main" id="{425AEF1D-6595-4E36-A5D4-5F32C0012763}"/>
                 </a:ext>
               </a:extLst>
             </p:cNvPr>
@@ -17456,7 +17502,7 @@
             <p:cNvPr id="21" name="Textfeld 20">
               <a:extLst>
                 <a:ext uri="{FF2B5EF4-FFF2-40B4-BE49-F238E27FC236}">
-                  <a16:creationId xmlns:a16="http://schemas.microsoft.com/office/drawing/2014/main" xmlns="" id="{82ABF473-AD17-4ED8-AB87-CC275185AE43}"/>
+                  <a16:creationId xmlns:a16="http://schemas.microsoft.com/office/drawing/2014/main" id="{82ABF473-AD17-4ED8-AB87-CC275185AE43}"/>
                 </a:ext>
               </a:extLst>
             </p:cNvPr>
@@ -17508,7 +17554,7 @@
             <p:cNvPr id="22" name="Textfeld 21">
               <a:extLst>
                 <a:ext uri="{FF2B5EF4-FFF2-40B4-BE49-F238E27FC236}">
-                  <a16:creationId xmlns:a16="http://schemas.microsoft.com/office/drawing/2014/main" xmlns="" id="{3841D7B1-EF8D-476C-85AC-C17E649EE1A9}"/>
+                  <a16:creationId xmlns:a16="http://schemas.microsoft.com/office/drawing/2014/main" id="{3841D7B1-EF8D-476C-85AC-C17E649EE1A9}"/>
                 </a:ext>
               </a:extLst>
             </p:cNvPr>
@@ -17560,7 +17606,7 @@
             <p:cNvPr id="23" name="Textfeld 22">
               <a:extLst>
                 <a:ext uri="{FF2B5EF4-FFF2-40B4-BE49-F238E27FC236}">
-                  <a16:creationId xmlns:a16="http://schemas.microsoft.com/office/drawing/2014/main" xmlns="" id="{0DF05AE7-97F5-4E02-9206-C6B40B968DFA}"/>
+                  <a16:creationId xmlns:a16="http://schemas.microsoft.com/office/drawing/2014/main" id="{0DF05AE7-97F5-4E02-9206-C6B40B968DFA}"/>
                 </a:ext>
               </a:extLst>
             </p:cNvPr>
@@ -17612,7 +17658,7 @@
             <p:cNvPr id="24" name="Eingekerbter Richtungspfeil 23">
               <a:extLst>
                 <a:ext uri="{FF2B5EF4-FFF2-40B4-BE49-F238E27FC236}">
-                  <a16:creationId xmlns:a16="http://schemas.microsoft.com/office/drawing/2014/main" xmlns="" id="{C358C398-D0F2-4ECA-8BF9-29E733DFE60D}"/>
+                  <a16:creationId xmlns:a16="http://schemas.microsoft.com/office/drawing/2014/main" id="{C358C398-D0F2-4ECA-8BF9-29E733DFE60D}"/>
                 </a:ext>
               </a:extLst>
             </p:cNvPr>
@@ -17660,7 +17706,7 @@
             <p:cNvPr id="25" name="Eingekerbter Richtungspfeil 24">
               <a:extLst>
                 <a:ext uri="{FF2B5EF4-FFF2-40B4-BE49-F238E27FC236}">
-                  <a16:creationId xmlns:a16="http://schemas.microsoft.com/office/drawing/2014/main" xmlns="" id="{3FEDA7B1-0BEF-47B2-90E9-8E698F727222}"/>
+                  <a16:creationId xmlns:a16="http://schemas.microsoft.com/office/drawing/2014/main" id="{3FEDA7B1-0BEF-47B2-90E9-8E698F727222}"/>
                 </a:ext>
               </a:extLst>
             </p:cNvPr>
@@ -17708,7 +17754,7 @@
             <p:cNvPr id="26" name="Eingekerbter Richtungspfeil 25">
               <a:extLst>
                 <a:ext uri="{FF2B5EF4-FFF2-40B4-BE49-F238E27FC236}">
-                  <a16:creationId xmlns:a16="http://schemas.microsoft.com/office/drawing/2014/main" xmlns="" id="{2EBD9B49-A90C-436A-BBEF-D89DD2237ECF}"/>
+                  <a16:creationId xmlns:a16="http://schemas.microsoft.com/office/drawing/2014/main" id="{2EBD9B49-A90C-436A-BBEF-D89DD2237ECF}"/>
                 </a:ext>
               </a:extLst>
             </p:cNvPr>
@@ -17756,7 +17802,7 @@
             <p:cNvPr id="27" name="Gerade Verbindung 28">
               <a:extLst>
                 <a:ext uri="{FF2B5EF4-FFF2-40B4-BE49-F238E27FC236}">
-                  <a16:creationId xmlns:a16="http://schemas.microsoft.com/office/drawing/2014/main" xmlns="" id="{F1621AAB-A494-467F-9704-6039B7079C13}"/>
+                  <a16:creationId xmlns:a16="http://schemas.microsoft.com/office/drawing/2014/main" id="{F1621AAB-A494-467F-9704-6039B7079C13}"/>
                 </a:ext>
               </a:extLst>
             </p:cNvPr>
@@ -18015,7 +18061,7 @@
           <p:cNvPr id="19" name="Gruppieren 21">
             <a:extLst>
               <a:ext uri="{FF2B5EF4-FFF2-40B4-BE49-F238E27FC236}">
-                <a16:creationId xmlns:a16="http://schemas.microsoft.com/office/drawing/2014/main" xmlns="" id="{BCC0948F-C1E3-4907-854B-A0721D1FDACC}"/>
+                <a16:creationId xmlns:a16="http://schemas.microsoft.com/office/drawing/2014/main" id="{BCC0948F-C1E3-4907-854B-A0721D1FDACC}"/>
               </a:ext>
             </a:extLst>
           </p:cNvPr>
@@ -18035,7 +18081,7 @@
             <p:cNvPr id="20" name="Textfeld 13">
               <a:extLst>
                 <a:ext uri="{FF2B5EF4-FFF2-40B4-BE49-F238E27FC236}">
-                  <a16:creationId xmlns:a16="http://schemas.microsoft.com/office/drawing/2014/main" xmlns="" id="{425AEF1D-6595-4E36-A5D4-5F32C0012763}"/>
+                  <a16:creationId xmlns:a16="http://schemas.microsoft.com/office/drawing/2014/main" id="{425AEF1D-6595-4E36-A5D4-5F32C0012763}"/>
                 </a:ext>
               </a:extLst>
             </p:cNvPr>
@@ -18087,7 +18133,7 @@
             <p:cNvPr id="21" name="Textfeld 20">
               <a:extLst>
                 <a:ext uri="{FF2B5EF4-FFF2-40B4-BE49-F238E27FC236}">
-                  <a16:creationId xmlns:a16="http://schemas.microsoft.com/office/drawing/2014/main" xmlns="" id="{82ABF473-AD17-4ED8-AB87-CC275185AE43}"/>
+                  <a16:creationId xmlns:a16="http://schemas.microsoft.com/office/drawing/2014/main" id="{82ABF473-AD17-4ED8-AB87-CC275185AE43}"/>
                 </a:ext>
               </a:extLst>
             </p:cNvPr>
@@ -18139,7 +18185,7 @@
             <p:cNvPr id="22" name="Textfeld 21">
               <a:extLst>
                 <a:ext uri="{FF2B5EF4-FFF2-40B4-BE49-F238E27FC236}">
-                  <a16:creationId xmlns:a16="http://schemas.microsoft.com/office/drawing/2014/main" xmlns="" id="{3841D7B1-EF8D-476C-85AC-C17E649EE1A9}"/>
+                  <a16:creationId xmlns:a16="http://schemas.microsoft.com/office/drawing/2014/main" id="{3841D7B1-EF8D-476C-85AC-C17E649EE1A9}"/>
                 </a:ext>
               </a:extLst>
             </p:cNvPr>
@@ -18191,7 +18237,7 @@
             <p:cNvPr id="23" name="Textfeld 22">
               <a:extLst>
                 <a:ext uri="{FF2B5EF4-FFF2-40B4-BE49-F238E27FC236}">
-                  <a16:creationId xmlns:a16="http://schemas.microsoft.com/office/drawing/2014/main" xmlns="" id="{0DF05AE7-97F5-4E02-9206-C6B40B968DFA}"/>
+                  <a16:creationId xmlns:a16="http://schemas.microsoft.com/office/drawing/2014/main" id="{0DF05AE7-97F5-4E02-9206-C6B40B968DFA}"/>
                 </a:ext>
               </a:extLst>
             </p:cNvPr>
@@ -18243,7 +18289,7 @@
             <p:cNvPr id="24" name="Eingekerbter Richtungspfeil 23">
               <a:extLst>
                 <a:ext uri="{FF2B5EF4-FFF2-40B4-BE49-F238E27FC236}">
-                  <a16:creationId xmlns:a16="http://schemas.microsoft.com/office/drawing/2014/main" xmlns="" id="{C358C398-D0F2-4ECA-8BF9-29E733DFE60D}"/>
+                  <a16:creationId xmlns:a16="http://schemas.microsoft.com/office/drawing/2014/main" id="{C358C398-D0F2-4ECA-8BF9-29E733DFE60D}"/>
                 </a:ext>
               </a:extLst>
             </p:cNvPr>
@@ -18291,7 +18337,7 @@
             <p:cNvPr id="25" name="Eingekerbter Richtungspfeil 24">
               <a:extLst>
                 <a:ext uri="{FF2B5EF4-FFF2-40B4-BE49-F238E27FC236}">
-                  <a16:creationId xmlns:a16="http://schemas.microsoft.com/office/drawing/2014/main" xmlns="" id="{3FEDA7B1-0BEF-47B2-90E9-8E698F727222}"/>
+                  <a16:creationId xmlns:a16="http://schemas.microsoft.com/office/drawing/2014/main" id="{3FEDA7B1-0BEF-47B2-90E9-8E698F727222}"/>
                 </a:ext>
               </a:extLst>
             </p:cNvPr>
@@ -18339,7 +18385,7 @@
             <p:cNvPr id="26" name="Eingekerbter Richtungspfeil 25">
               <a:extLst>
                 <a:ext uri="{FF2B5EF4-FFF2-40B4-BE49-F238E27FC236}">
-                  <a16:creationId xmlns:a16="http://schemas.microsoft.com/office/drawing/2014/main" xmlns="" id="{2EBD9B49-A90C-436A-BBEF-D89DD2237ECF}"/>
+                  <a16:creationId xmlns:a16="http://schemas.microsoft.com/office/drawing/2014/main" id="{2EBD9B49-A90C-436A-BBEF-D89DD2237ECF}"/>
                 </a:ext>
               </a:extLst>
             </p:cNvPr>
@@ -18387,7 +18433,7 @@
             <p:cNvPr id="27" name="Gerade Verbindung 28">
               <a:extLst>
                 <a:ext uri="{FF2B5EF4-FFF2-40B4-BE49-F238E27FC236}">
-                  <a16:creationId xmlns:a16="http://schemas.microsoft.com/office/drawing/2014/main" xmlns="" id="{F1621AAB-A494-467F-9704-6039B7079C13}"/>
+                  <a16:creationId xmlns:a16="http://schemas.microsoft.com/office/drawing/2014/main" id="{F1621AAB-A494-467F-9704-6039B7079C13}"/>
                 </a:ext>
               </a:extLst>
             </p:cNvPr>
@@ -18609,7 +18655,7 @@
           <p:cNvPr id="18" name="Gruppieren 21">
             <a:extLst>
               <a:ext uri="{FF2B5EF4-FFF2-40B4-BE49-F238E27FC236}">
-                <a16:creationId xmlns:a16="http://schemas.microsoft.com/office/drawing/2014/main" xmlns="" id="{BCC0948F-C1E3-4907-854B-A0721D1FDACC}"/>
+                <a16:creationId xmlns:a16="http://schemas.microsoft.com/office/drawing/2014/main" id="{BCC0948F-C1E3-4907-854B-A0721D1FDACC}"/>
               </a:ext>
             </a:extLst>
           </p:cNvPr>
@@ -18629,7 +18675,7 @@
             <p:cNvPr id="19" name="Textfeld 13">
               <a:extLst>
                 <a:ext uri="{FF2B5EF4-FFF2-40B4-BE49-F238E27FC236}">
-                  <a16:creationId xmlns:a16="http://schemas.microsoft.com/office/drawing/2014/main" xmlns="" id="{425AEF1D-6595-4E36-A5D4-5F32C0012763}"/>
+                  <a16:creationId xmlns:a16="http://schemas.microsoft.com/office/drawing/2014/main" id="{425AEF1D-6595-4E36-A5D4-5F32C0012763}"/>
                 </a:ext>
               </a:extLst>
             </p:cNvPr>
@@ -18681,7 +18727,7 @@
             <p:cNvPr id="20" name="Textfeld 19">
               <a:extLst>
                 <a:ext uri="{FF2B5EF4-FFF2-40B4-BE49-F238E27FC236}">
-                  <a16:creationId xmlns:a16="http://schemas.microsoft.com/office/drawing/2014/main" xmlns="" id="{82ABF473-AD17-4ED8-AB87-CC275185AE43}"/>
+                  <a16:creationId xmlns:a16="http://schemas.microsoft.com/office/drawing/2014/main" id="{82ABF473-AD17-4ED8-AB87-CC275185AE43}"/>
                 </a:ext>
               </a:extLst>
             </p:cNvPr>
@@ -18733,7 +18779,7 @@
             <p:cNvPr id="21" name="Textfeld 20">
               <a:extLst>
                 <a:ext uri="{FF2B5EF4-FFF2-40B4-BE49-F238E27FC236}">
-                  <a16:creationId xmlns:a16="http://schemas.microsoft.com/office/drawing/2014/main" xmlns="" id="{3841D7B1-EF8D-476C-85AC-C17E649EE1A9}"/>
+                  <a16:creationId xmlns:a16="http://schemas.microsoft.com/office/drawing/2014/main" id="{3841D7B1-EF8D-476C-85AC-C17E649EE1A9}"/>
                 </a:ext>
               </a:extLst>
             </p:cNvPr>
@@ -18785,7 +18831,7 @@
             <p:cNvPr id="22" name="Textfeld 21">
               <a:extLst>
                 <a:ext uri="{FF2B5EF4-FFF2-40B4-BE49-F238E27FC236}">
-                  <a16:creationId xmlns:a16="http://schemas.microsoft.com/office/drawing/2014/main" xmlns="" id="{0DF05AE7-97F5-4E02-9206-C6B40B968DFA}"/>
+                  <a16:creationId xmlns:a16="http://schemas.microsoft.com/office/drawing/2014/main" id="{0DF05AE7-97F5-4E02-9206-C6B40B968DFA}"/>
                 </a:ext>
               </a:extLst>
             </p:cNvPr>
@@ -18837,7 +18883,7 @@
             <p:cNvPr id="23" name="Eingekerbter Richtungspfeil 23">
               <a:extLst>
                 <a:ext uri="{FF2B5EF4-FFF2-40B4-BE49-F238E27FC236}">
-                  <a16:creationId xmlns:a16="http://schemas.microsoft.com/office/drawing/2014/main" xmlns="" id="{C358C398-D0F2-4ECA-8BF9-29E733DFE60D}"/>
+                  <a16:creationId xmlns:a16="http://schemas.microsoft.com/office/drawing/2014/main" id="{C358C398-D0F2-4ECA-8BF9-29E733DFE60D}"/>
                 </a:ext>
               </a:extLst>
             </p:cNvPr>
@@ -18885,7 +18931,7 @@
             <p:cNvPr id="24" name="Eingekerbter Richtungspfeil 24">
               <a:extLst>
                 <a:ext uri="{FF2B5EF4-FFF2-40B4-BE49-F238E27FC236}">
-                  <a16:creationId xmlns:a16="http://schemas.microsoft.com/office/drawing/2014/main" xmlns="" id="{3FEDA7B1-0BEF-47B2-90E9-8E698F727222}"/>
+                  <a16:creationId xmlns:a16="http://schemas.microsoft.com/office/drawing/2014/main" id="{3FEDA7B1-0BEF-47B2-90E9-8E698F727222}"/>
                 </a:ext>
               </a:extLst>
             </p:cNvPr>
@@ -18933,7 +18979,7 @@
             <p:cNvPr id="25" name="Eingekerbter Richtungspfeil 25">
               <a:extLst>
                 <a:ext uri="{FF2B5EF4-FFF2-40B4-BE49-F238E27FC236}">
-                  <a16:creationId xmlns:a16="http://schemas.microsoft.com/office/drawing/2014/main" xmlns="" id="{2EBD9B49-A90C-436A-BBEF-D89DD2237ECF}"/>
+                  <a16:creationId xmlns:a16="http://schemas.microsoft.com/office/drawing/2014/main" id="{2EBD9B49-A90C-436A-BBEF-D89DD2237ECF}"/>
                 </a:ext>
               </a:extLst>
             </p:cNvPr>
@@ -18981,7 +19027,7 @@
             <p:cNvPr id="26" name="Gerade Verbindung 28">
               <a:extLst>
                 <a:ext uri="{FF2B5EF4-FFF2-40B4-BE49-F238E27FC236}">
-                  <a16:creationId xmlns:a16="http://schemas.microsoft.com/office/drawing/2014/main" xmlns="" id="{F1621AAB-A494-467F-9704-6039B7079C13}"/>
+                  <a16:creationId xmlns:a16="http://schemas.microsoft.com/office/drawing/2014/main" id="{F1621AAB-A494-467F-9704-6039B7079C13}"/>
                 </a:ext>
               </a:extLst>
             </p:cNvPr>
@@ -19297,7 +19343,7 @@
           <p:cNvPr id="21" name="Gruppieren 21">
             <a:extLst>
               <a:ext uri="{FF2B5EF4-FFF2-40B4-BE49-F238E27FC236}">
-                <a16:creationId xmlns:a16="http://schemas.microsoft.com/office/drawing/2014/main" xmlns="" id="{BCC0948F-C1E3-4907-854B-A0721D1FDACC}"/>
+                <a16:creationId xmlns:a16="http://schemas.microsoft.com/office/drawing/2014/main" id="{BCC0948F-C1E3-4907-854B-A0721D1FDACC}"/>
               </a:ext>
             </a:extLst>
           </p:cNvPr>
@@ -19317,7 +19363,7 @@
             <p:cNvPr id="22" name="Textfeld 13">
               <a:extLst>
                 <a:ext uri="{FF2B5EF4-FFF2-40B4-BE49-F238E27FC236}">
-                  <a16:creationId xmlns:a16="http://schemas.microsoft.com/office/drawing/2014/main" xmlns="" id="{425AEF1D-6595-4E36-A5D4-5F32C0012763}"/>
+                  <a16:creationId xmlns:a16="http://schemas.microsoft.com/office/drawing/2014/main" id="{425AEF1D-6595-4E36-A5D4-5F32C0012763}"/>
                 </a:ext>
               </a:extLst>
             </p:cNvPr>
@@ -19369,7 +19415,7 @@
             <p:cNvPr id="23" name="Textfeld 22">
               <a:extLst>
                 <a:ext uri="{FF2B5EF4-FFF2-40B4-BE49-F238E27FC236}">
-                  <a16:creationId xmlns:a16="http://schemas.microsoft.com/office/drawing/2014/main" xmlns="" id="{82ABF473-AD17-4ED8-AB87-CC275185AE43}"/>
+                  <a16:creationId xmlns:a16="http://schemas.microsoft.com/office/drawing/2014/main" id="{82ABF473-AD17-4ED8-AB87-CC275185AE43}"/>
                 </a:ext>
               </a:extLst>
             </p:cNvPr>
@@ -19421,7 +19467,7 @@
             <p:cNvPr id="24" name="Textfeld 23">
               <a:extLst>
                 <a:ext uri="{FF2B5EF4-FFF2-40B4-BE49-F238E27FC236}">
-                  <a16:creationId xmlns:a16="http://schemas.microsoft.com/office/drawing/2014/main" xmlns="" id="{3841D7B1-EF8D-476C-85AC-C17E649EE1A9}"/>
+                  <a16:creationId xmlns:a16="http://schemas.microsoft.com/office/drawing/2014/main" id="{3841D7B1-EF8D-476C-85AC-C17E649EE1A9}"/>
                 </a:ext>
               </a:extLst>
             </p:cNvPr>
@@ -19473,7 +19519,7 @@
             <p:cNvPr id="25" name="Textfeld 24">
               <a:extLst>
                 <a:ext uri="{FF2B5EF4-FFF2-40B4-BE49-F238E27FC236}">
-                  <a16:creationId xmlns:a16="http://schemas.microsoft.com/office/drawing/2014/main" xmlns="" id="{0DF05AE7-97F5-4E02-9206-C6B40B968DFA}"/>
+                  <a16:creationId xmlns:a16="http://schemas.microsoft.com/office/drawing/2014/main" id="{0DF05AE7-97F5-4E02-9206-C6B40B968DFA}"/>
                 </a:ext>
               </a:extLst>
             </p:cNvPr>
@@ -19525,7 +19571,7 @@
             <p:cNvPr id="26" name="Eingekerbter Richtungspfeil 23">
               <a:extLst>
                 <a:ext uri="{FF2B5EF4-FFF2-40B4-BE49-F238E27FC236}">
-                  <a16:creationId xmlns:a16="http://schemas.microsoft.com/office/drawing/2014/main" xmlns="" id="{C358C398-D0F2-4ECA-8BF9-29E733DFE60D}"/>
+                  <a16:creationId xmlns:a16="http://schemas.microsoft.com/office/drawing/2014/main" id="{C358C398-D0F2-4ECA-8BF9-29E733DFE60D}"/>
                 </a:ext>
               </a:extLst>
             </p:cNvPr>
@@ -19573,7 +19619,7 @@
             <p:cNvPr id="27" name="Eingekerbter Richtungspfeil 24">
               <a:extLst>
                 <a:ext uri="{FF2B5EF4-FFF2-40B4-BE49-F238E27FC236}">
-                  <a16:creationId xmlns:a16="http://schemas.microsoft.com/office/drawing/2014/main" xmlns="" id="{3FEDA7B1-0BEF-47B2-90E9-8E698F727222}"/>
+                  <a16:creationId xmlns:a16="http://schemas.microsoft.com/office/drawing/2014/main" id="{3FEDA7B1-0BEF-47B2-90E9-8E698F727222}"/>
                 </a:ext>
               </a:extLst>
             </p:cNvPr>
@@ -19621,7 +19667,7 @@
             <p:cNvPr id="28" name="Eingekerbter Richtungspfeil 25">
               <a:extLst>
                 <a:ext uri="{FF2B5EF4-FFF2-40B4-BE49-F238E27FC236}">
-                  <a16:creationId xmlns:a16="http://schemas.microsoft.com/office/drawing/2014/main" xmlns="" id="{2EBD9B49-A90C-436A-BBEF-D89DD2237ECF}"/>
+                  <a16:creationId xmlns:a16="http://schemas.microsoft.com/office/drawing/2014/main" id="{2EBD9B49-A90C-436A-BBEF-D89DD2237ECF}"/>
                 </a:ext>
               </a:extLst>
             </p:cNvPr>
@@ -19669,7 +19715,7 @@
             <p:cNvPr id="29" name="Gerade Verbindung 28">
               <a:extLst>
                 <a:ext uri="{FF2B5EF4-FFF2-40B4-BE49-F238E27FC236}">
-                  <a16:creationId xmlns:a16="http://schemas.microsoft.com/office/drawing/2014/main" xmlns="" id="{F1621AAB-A494-467F-9704-6039B7079C13}"/>
+                  <a16:creationId xmlns:a16="http://schemas.microsoft.com/office/drawing/2014/main" id="{F1621AAB-A494-467F-9704-6039B7079C13}"/>
                 </a:ext>
               </a:extLst>
             </p:cNvPr>
@@ -19901,7 +19947,7 @@
           <p:cNvPr id="19" name="Gruppieren 21">
             <a:extLst>
               <a:ext uri="{FF2B5EF4-FFF2-40B4-BE49-F238E27FC236}">
-                <a16:creationId xmlns:a16="http://schemas.microsoft.com/office/drawing/2014/main" xmlns="" id="{BCC0948F-C1E3-4907-854B-A0721D1FDACC}"/>
+                <a16:creationId xmlns:a16="http://schemas.microsoft.com/office/drawing/2014/main" id="{BCC0948F-C1E3-4907-854B-A0721D1FDACC}"/>
               </a:ext>
             </a:extLst>
           </p:cNvPr>
@@ -19921,7 +19967,7 @@
             <p:cNvPr id="20" name="Textfeld 13">
               <a:extLst>
                 <a:ext uri="{FF2B5EF4-FFF2-40B4-BE49-F238E27FC236}">
-                  <a16:creationId xmlns:a16="http://schemas.microsoft.com/office/drawing/2014/main" xmlns="" id="{425AEF1D-6595-4E36-A5D4-5F32C0012763}"/>
+                  <a16:creationId xmlns:a16="http://schemas.microsoft.com/office/drawing/2014/main" id="{425AEF1D-6595-4E36-A5D4-5F32C0012763}"/>
                 </a:ext>
               </a:extLst>
             </p:cNvPr>
@@ -19973,7 +20019,7 @@
             <p:cNvPr id="21" name="Textfeld 20">
               <a:extLst>
                 <a:ext uri="{FF2B5EF4-FFF2-40B4-BE49-F238E27FC236}">
-                  <a16:creationId xmlns:a16="http://schemas.microsoft.com/office/drawing/2014/main" xmlns="" id="{82ABF473-AD17-4ED8-AB87-CC275185AE43}"/>
+                  <a16:creationId xmlns:a16="http://schemas.microsoft.com/office/drawing/2014/main" id="{82ABF473-AD17-4ED8-AB87-CC275185AE43}"/>
                 </a:ext>
               </a:extLst>
             </p:cNvPr>
@@ -20025,7 +20071,7 @@
             <p:cNvPr id="22" name="Textfeld 21">
               <a:extLst>
                 <a:ext uri="{FF2B5EF4-FFF2-40B4-BE49-F238E27FC236}">
-                  <a16:creationId xmlns:a16="http://schemas.microsoft.com/office/drawing/2014/main" xmlns="" id="{3841D7B1-EF8D-476C-85AC-C17E649EE1A9}"/>
+                  <a16:creationId xmlns:a16="http://schemas.microsoft.com/office/drawing/2014/main" id="{3841D7B1-EF8D-476C-85AC-C17E649EE1A9}"/>
                 </a:ext>
               </a:extLst>
             </p:cNvPr>
@@ -20077,7 +20123,7 @@
             <p:cNvPr id="23" name="Textfeld 22">
               <a:extLst>
                 <a:ext uri="{FF2B5EF4-FFF2-40B4-BE49-F238E27FC236}">
-                  <a16:creationId xmlns:a16="http://schemas.microsoft.com/office/drawing/2014/main" xmlns="" id="{0DF05AE7-97F5-4E02-9206-C6B40B968DFA}"/>
+                  <a16:creationId xmlns:a16="http://schemas.microsoft.com/office/drawing/2014/main" id="{0DF05AE7-97F5-4E02-9206-C6B40B968DFA}"/>
                 </a:ext>
               </a:extLst>
             </p:cNvPr>
@@ -20129,7 +20175,7 @@
             <p:cNvPr id="24" name="Eingekerbter Richtungspfeil 23">
               <a:extLst>
                 <a:ext uri="{FF2B5EF4-FFF2-40B4-BE49-F238E27FC236}">
-                  <a16:creationId xmlns:a16="http://schemas.microsoft.com/office/drawing/2014/main" xmlns="" id="{C358C398-D0F2-4ECA-8BF9-29E733DFE60D}"/>
+                  <a16:creationId xmlns:a16="http://schemas.microsoft.com/office/drawing/2014/main" id="{C358C398-D0F2-4ECA-8BF9-29E733DFE60D}"/>
                 </a:ext>
               </a:extLst>
             </p:cNvPr>
@@ -20177,7 +20223,7 @@
             <p:cNvPr id="25" name="Eingekerbter Richtungspfeil 24">
               <a:extLst>
                 <a:ext uri="{FF2B5EF4-FFF2-40B4-BE49-F238E27FC236}">
-                  <a16:creationId xmlns:a16="http://schemas.microsoft.com/office/drawing/2014/main" xmlns="" id="{3FEDA7B1-0BEF-47B2-90E9-8E698F727222}"/>
+                  <a16:creationId xmlns:a16="http://schemas.microsoft.com/office/drawing/2014/main" id="{3FEDA7B1-0BEF-47B2-90E9-8E698F727222}"/>
                 </a:ext>
               </a:extLst>
             </p:cNvPr>
@@ -20225,7 +20271,7 @@
             <p:cNvPr id="26" name="Eingekerbter Richtungspfeil 25">
               <a:extLst>
                 <a:ext uri="{FF2B5EF4-FFF2-40B4-BE49-F238E27FC236}">
-                  <a16:creationId xmlns:a16="http://schemas.microsoft.com/office/drawing/2014/main" xmlns="" id="{2EBD9B49-A90C-436A-BBEF-D89DD2237ECF}"/>
+                  <a16:creationId xmlns:a16="http://schemas.microsoft.com/office/drawing/2014/main" id="{2EBD9B49-A90C-436A-BBEF-D89DD2237ECF}"/>
                 </a:ext>
               </a:extLst>
             </p:cNvPr>
@@ -20273,7 +20319,7 @@
             <p:cNvPr id="27" name="Gerade Verbindung 28">
               <a:extLst>
                 <a:ext uri="{FF2B5EF4-FFF2-40B4-BE49-F238E27FC236}">
-                  <a16:creationId xmlns:a16="http://schemas.microsoft.com/office/drawing/2014/main" xmlns="" id="{F1621AAB-A494-467F-9704-6039B7079C13}"/>
+                  <a16:creationId xmlns:a16="http://schemas.microsoft.com/office/drawing/2014/main" id="{F1621AAB-A494-467F-9704-6039B7079C13}"/>
                 </a:ext>
               </a:extLst>
             </p:cNvPr>
